--- a/presentation/presentation.pptx
+++ b/presentation/presentation.pptx
@@ -6,6 +6,14 @@
   </p:sldMasterIdLst>
   <p:sldIdLst>
     <p:sldId id="256" r:id="rId2"/>
+    <p:sldId id="257" r:id="rId3"/>
+    <p:sldId id="258" r:id="rId4"/>
+    <p:sldId id="259" r:id="rId5"/>
+    <p:sldId id="261" r:id="rId6"/>
+    <p:sldId id="262" r:id="rId7"/>
+    <p:sldId id="263" r:id="rId8"/>
+    <p:sldId id="264" r:id="rId9"/>
+    <p:sldId id="265" r:id="rId10"/>
   </p:sldIdLst>
   <p:sldSz cx="12192000" cy="6858000"/>
   <p:notesSz cx="6858000" cy="9144000"/>
@@ -104,6 +112,11 @@
       </a:defRPr>
     </a:lvl9pPr>
   </p:defaultTextStyle>
+  <p:extLst>
+    <p:ext uri="{EFAFB233-063F-42B5-8137-9DF3F51BA10A}">
+      <p15:sldGuideLst xmlns:p15="http://schemas.microsoft.com/office/powerpoint/2012/main"/>
+    </p:ext>
+  </p:extLst>
 </p:presentation>
 </file>
 
@@ -3323,31 +3336,6 @@
       </p:grpSpPr>
       <p:sp>
         <p:nvSpPr>
-          <p:cNvPr id="2" name="Заголовок 1">
-            <a:extLst>
-              <a:ext uri="{FF2B5EF4-FFF2-40B4-BE49-F238E27FC236}">
-                <a16:creationId xmlns:a16="http://schemas.microsoft.com/office/drawing/2014/main" id="{83E420EE-CA06-DE42-AC06-44412A206731}"/>
-              </a:ext>
-            </a:extLst>
-          </p:cNvPr>
-          <p:cNvSpPr>
-            <a:spLocks noGrp="1"/>
-          </p:cNvSpPr>
-          <p:nvPr>
-            <p:ph type="ctrTitle"/>
-          </p:nvPr>
-        </p:nvSpPr>
-        <p:spPr/>
-        <p:txBody>
-          <a:bodyPr/>
-          <a:lstStyle/>
-          <a:p>
-            <a:endParaRPr lang="ru-RU"/>
-          </a:p>
-        </p:txBody>
-      </p:sp>
-      <p:sp>
-        <p:nvSpPr>
           <p:cNvPr id="3" name="Подзаголовок 2">
             <a:extLst>
               <a:ext uri="{FF2B5EF4-FFF2-40B4-BE49-F238E27FC236}">
@@ -3362,12 +3350,20 @@
             <p:ph type="subTitle" idx="1"/>
           </p:nvPr>
         </p:nvSpPr>
-        <p:spPr/>
-        <p:txBody>
-          <a:bodyPr/>
-          <a:lstStyle/>
-          <a:p>
-            <a:endParaRPr lang="ru-RU"/>
+        <p:spPr>
+          <a:xfrm>
+            <a:off x="1524000" y="412271"/>
+            <a:ext cx="9144000" cy="1655762"/>
+          </a:xfrm>
+        </p:spPr>
+        <p:txBody>
+          <a:bodyPr/>
+          <a:lstStyle/>
+          <a:p>
+            <a:r>
+              <a:rPr lang="ru-RU" dirty="0"/>
+              <a:t>//титульный слайд - Название, ФИО мои, ФИО руководителя</a:t>
+            </a:r>
           </a:p>
         </p:txBody>
       </p:sp>
@@ -3375,6 +3371,881 @@
     <p:extLst>
       <p:ext uri="{BB962C8B-B14F-4D97-AF65-F5344CB8AC3E}">
         <p14:creationId xmlns:p14="http://schemas.microsoft.com/office/powerpoint/2010/main" val="345680307"/>
+      </p:ext>
+    </p:extLst>
+  </p:cSld>
+  <p:clrMapOvr>
+    <a:masterClrMapping/>
+  </p:clrMapOvr>
+</p:sld>
+</file>
+
+<file path=ppt/slides/slide2.xml><?xml version="1.0" encoding="utf-8"?>
+<p:sld xmlns:a="http://schemas.openxmlformats.org/drawingml/2006/main" xmlns:r="http://schemas.openxmlformats.org/officeDocument/2006/relationships" xmlns:p="http://schemas.openxmlformats.org/presentationml/2006/main">
+  <p:cSld>
+    <p:spTree>
+      <p:nvGrpSpPr>
+        <p:cNvPr id="1" name=""/>
+        <p:cNvGrpSpPr/>
+        <p:nvPr/>
+      </p:nvGrpSpPr>
+      <p:grpSpPr>
+        <a:xfrm>
+          <a:off x="0" y="0"/>
+          <a:ext cx="0" cy="0"/>
+          <a:chOff x="0" y="0"/>
+          <a:chExt cx="0" cy="0"/>
+        </a:xfrm>
+      </p:grpSpPr>
+      <p:sp>
+        <p:nvSpPr>
+          <p:cNvPr id="3" name="Подзаголовок 2">
+            <a:extLst>
+              <a:ext uri="{FF2B5EF4-FFF2-40B4-BE49-F238E27FC236}">
+                <a16:creationId xmlns:a16="http://schemas.microsoft.com/office/drawing/2014/main" id="{42F3BE86-5E9B-C749-920F-198FF0621C9D}"/>
+              </a:ext>
+            </a:extLst>
+          </p:cNvPr>
+          <p:cNvSpPr>
+            <a:spLocks noGrp="1"/>
+          </p:cNvSpPr>
+          <p:nvPr>
+            <p:ph type="subTitle" idx="1"/>
+          </p:nvPr>
+        </p:nvSpPr>
+        <p:spPr>
+          <a:xfrm>
+            <a:off x="1524000" y="412271"/>
+            <a:ext cx="9144000" cy="1655762"/>
+          </a:xfrm>
+        </p:spPr>
+        <p:txBody>
+          <a:bodyPr/>
+          <a:lstStyle/>
+          <a:p>
+            <a:r>
+              <a:rPr lang="ru-RU" dirty="0"/>
+              <a:t>// Цель и основные задачи работы</a:t>
+            </a:r>
+          </a:p>
+        </p:txBody>
+      </p:sp>
+      <p:sp>
+        <p:nvSpPr>
+          <p:cNvPr id="4" name="TextBox 3">
+            <a:extLst>
+              <a:ext uri="{FF2B5EF4-FFF2-40B4-BE49-F238E27FC236}">
+                <a16:creationId xmlns:a16="http://schemas.microsoft.com/office/drawing/2014/main" id="{5F56AE08-06C9-9F45-8978-72CBCCA785F5}"/>
+              </a:ext>
+            </a:extLst>
+          </p:cNvPr>
+          <p:cNvSpPr txBox="1"/>
+          <p:nvPr/>
+        </p:nvSpPr>
+        <p:spPr>
+          <a:xfrm>
+            <a:off x="595423" y="2068033"/>
+            <a:ext cx="9888279" cy="2308324"/>
+          </a:xfrm>
+          <a:prstGeom prst="rect">
+            <a:avLst/>
+          </a:prstGeom>
+          <a:noFill/>
+        </p:spPr>
+        <p:txBody>
+          <a:bodyPr wrap="square" rtlCol="0">
+            <a:spAutoFit/>
+          </a:bodyPr>
+          <a:lstStyle/>
+          <a:p>
+            <a:r>
+              <a:rPr lang="ru-RU" dirty="0"/>
+              <a:t>- Цель работы (одно предложение)</a:t>
+            </a:r>
+          </a:p>
+          <a:p>
+            <a:r>
+              <a:rPr lang="ru-RU" dirty="0"/>
+              <a:t>        	- Почти повторить название раскрыв суть метода. На базе какой математической модели, аппарата сделано и что вот есть программа через которую это видно.</a:t>
+            </a:r>
+          </a:p>
+          <a:p>
+            <a:r>
+              <a:rPr lang="ru-RU" dirty="0"/>
+              <a:t>	    - Основные задачи</a:t>
+            </a:r>
+          </a:p>
+          <a:p>
+            <a:r>
+              <a:rPr lang="ru-RU" dirty="0"/>
+              <a:t>	        - «Для достижения поставленной цели были поставлены основные задачи»</a:t>
+            </a:r>
+          </a:p>
+          <a:p>
+            <a:r>
+              <a:rPr lang="ru-RU" dirty="0"/>
+              <a:t>	        - Объект исследования</a:t>
+            </a:r>
+          </a:p>
+          <a:p>
+            <a:r>
+              <a:rPr lang="ru-RU" dirty="0"/>
+              <a:t>	        - Анализ того что сделали</a:t>
+            </a:r>
+          </a:p>
+          <a:p>
+            <a:r>
+              <a:rPr lang="ru-RU" dirty="0"/>
+              <a:t>	        - Анализ продуктов которые есть похожие на мой</a:t>
+            </a:r>
+          </a:p>
+        </p:txBody>
+      </p:sp>
+    </p:spTree>
+    <p:extLst>
+      <p:ext uri="{BB962C8B-B14F-4D97-AF65-F5344CB8AC3E}">
+        <p14:creationId xmlns:p14="http://schemas.microsoft.com/office/powerpoint/2010/main" val="667371422"/>
+      </p:ext>
+    </p:extLst>
+  </p:cSld>
+  <p:clrMapOvr>
+    <a:masterClrMapping/>
+  </p:clrMapOvr>
+</p:sld>
+</file>
+
+<file path=ppt/slides/slide3.xml><?xml version="1.0" encoding="utf-8"?>
+<p:sld xmlns:a="http://schemas.openxmlformats.org/drawingml/2006/main" xmlns:r="http://schemas.openxmlformats.org/officeDocument/2006/relationships" xmlns:p="http://schemas.openxmlformats.org/presentationml/2006/main">
+  <p:cSld>
+    <p:spTree>
+      <p:nvGrpSpPr>
+        <p:cNvPr id="1" name=""/>
+        <p:cNvGrpSpPr/>
+        <p:nvPr/>
+      </p:nvGrpSpPr>
+      <p:grpSpPr>
+        <a:xfrm>
+          <a:off x="0" y="0"/>
+          <a:ext cx="0" cy="0"/>
+          <a:chOff x="0" y="0"/>
+          <a:chExt cx="0" cy="0"/>
+        </a:xfrm>
+      </p:grpSpPr>
+      <p:sp>
+        <p:nvSpPr>
+          <p:cNvPr id="3" name="Подзаголовок 2">
+            <a:extLst>
+              <a:ext uri="{FF2B5EF4-FFF2-40B4-BE49-F238E27FC236}">
+                <a16:creationId xmlns:a16="http://schemas.microsoft.com/office/drawing/2014/main" id="{42F3BE86-5E9B-C749-920F-198FF0621C9D}"/>
+              </a:ext>
+            </a:extLst>
+          </p:cNvPr>
+          <p:cNvSpPr>
+            <a:spLocks noGrp="1"/>
+          </p:cNvSpPr>
+          <p:nvPr>
+            <p:ph type="subTitle" idx="1"/>
+          </p:nvPr>
+        </p:nvSpPr>
+        <p:spPr>
+          <a:xfrm>
+            <a:off x="1524000" y="412271"/>
+            <a:ext cx="9144000" cy="1655762"/>
+          </a:xfrm>
+        </p:spPr>
+        <p:txBody>
+          <a:bodyPr/>
+          <a:lstStyle/>
+          <a:p>
+            <a:r>
+              <a:rPr lang="ru-RU" dirty="0"/>
+              <a:t>//Классификация того что мы сделали - сравнение с другими методами</a:t>
+            </a:r>
+          </a:p>
+        </p:txBody>
+      </p:sp>
+      <p:sp>
+        <p:nvSpPr>
+          <p:cNvPr id="4" name="TextBox 3">
+            <a:extLst>
+              <a:ext uri="{FF2B5EF4-FFF2-40B4-BE49-F238E27FC236}">
+                <a16:creationId xmlns:a16="http://schemas.microsoft.com/office/drawing/2014/main" id="{2EAE565F-BE3F-2642-A8E6-57735D484954}"/>
+              </a:ext>
+            </a:extLst>
+          </p:cNvPr>
+          <p:cNvSpPr txBox="1"/>
+          <p:nvPr/>
+        </p:nvSpPr>
+        <p:spPr>
+          <a:xfrm>
+            <a:off x="1839433" y="2551814"/>
+            <a:ext cx="7995683" cy="646331"/>
+          </a:xfrm>
+          <a:prstGeom prst="rect">
+            <a:avLst/>
+          </a:prstGeom>
+          <a:noFill/>
+        </p:spPr>
+        <p:txBody>
+          <a:bodyPr wrap="square" rtlCol="0">
+            <a:spAutoFit/>
+          </a:bodyPr>
+          <a:lstStyle/>
+          <a:p>
+            <a:r>
+              <a:rPr lang="ru-RU" dirty="0"/>
+              <a:t>«А я буду заниматься самым левым нижним квадратиком из этой всей схемы - узкой задачей» - это снимет много вопросов</a:t>
+            </a:r>
+          </a:p>
+        </p:txBody>
+      </p:sp>
+    </p:spTree>
+    <p:extLst>
+      <p:ext uri="{BB962C8B-B14F-4D97-AF65-F5344CB8AC3E}">
+        <p14:creationId xmlns:p14="http://schemas.microsoft.com/office/powerpoint/2010/main" val="1731882397"/>
+      </p:ext>
+    </p:extLst>
+  </p:cSld>
+  <p:clrMapOvr>
+    <a:masterClrMapping/>
+  </p:clrMapOvr>
+</p:sld>
+</file>
+
+<file path=ppt/slides/slide4.xml><?xml version="1.0" encoding="utf-8"?>
+<p:sld xmlns:a="http://schemas.openxmlformats.org/drawingml/2006/main" xmlns:r="http://schemas.openxmlformats.org/officeDocument/2006/relationships" xmlns:p="http://schemas.openxmlformats.org/presentationml/2006/main">
+  <p:cSld>
+    <p:spTree>
+      <p:nvGrpSpPr>
+        <p:cNvPr id="1" name=""/>
+        <p:cNvGrpSpPr/>
+        <p:nvPr/>
+      </p:nvGrpSpPr>
+      <p:grpSpPr>
+        <a:xfrm>
+          <a:off x="0" y="0"/>
+          <a:ext cx="0" cy="0"/>
+          <a:chOff x="0" y="0"/>
+          <a:chExt cx="0" cy="0"/>
+        </a:xfrm>
+      </p:grpSpPr>
+      <p:sp>
+        <p:nvSpPr>
+          <p:cNvPr id="3" name="Подзаголовок 2">
+            <a:extLst>
+              <a:ext uri="{FF2B5EF4-FFF2-40B4-BE49-F238E27FC236}">
+                <a16:creationId xmlns:a16="http://schemas.microsoft.com/office/drawing/2014/main" id="{42F3BE86-5E9B-C749-920F-198FF0621C9D}"/>
+              </a:ext>
+            </a:extLst>
+          </p:cNvPr>
+          <p:cNvSpPr>
+            <a:spLocks noGrp="1"/>
+          </p:cNvSpPr>
+          <p:nvPr>
+            <p:ph type="subTitle" idx="1"/>
+          </p:nvPr>
+        </p:nvSpPr>
+        <p:spPr>
+          <a:xfrm>
+            <a:off x="1524000" y="412271"/>
+            <a:ext cx="9144000" cy="1655762"/>
+          </a:xfrm>
+        </p:spPr>
+        <p:txBody>
+          <a:bodyPr/>
+          <a:lstStyle/>
+          <a:p>
+            <a:r>
+              <a:rPr lang="ru-RU" dirty="0"/>
+              <a:t>//</a:t>
+            </a:r>
+          </a:p>
+        </p:txBody>
+      </p:sp>
+      <p:sp>
+        <p:nvSpPr>
+          <p:cNvPr id="2" name="TextBox 1">
+            <a:extLst>
+              <a:ext uri="{FF2B5EF4-FFF2-40B4-BE49-F238E27FC236}">
+                <a16:creationId xmlns:a16="http://schemas.microsoft.com/office/drawing/2014/main" id="{01EE5F1A-BD62-B74D-8ECE-B826284E399D}"/>
+              </a:ext>
+            </a:extLst>
+          </p:cNvPr>
+          <p:cNvSpPr txBox="1"/>
+          <p:nvPr/>
+        </p:nvSpPr>
+        <p:spPr>
+          <a:xfrm>
+            <a:off x="1998921" y="2647507"/>
+            <a:ext cx="7564378" cy="1754326"/>
+          </a:xfrm>
+          <a:prstGeom prst="rect">
+            <a:avLst/>
+          </a:prstGeom>
+          <a:noFill/>
+        </p:spPr>
+        <p:txBody>
+          <a:bodyPr wrap="none" rtlCol="0">
+            <a:spAutoFit/>
+          </a:bodyPr>
+          <a:lstStyle/>
+          <a:p>
+            <a:r>
+              <a:rPr lang="ru-RU" dirty="0"/>
+              <a:t>- Показать все что мы делали</a:t>
+            </a:r>
+          </a:p>
+          <a:p>
+            <a:r>
+              <a:rPr lang="ru-RU" dirty="0"/>
+              <a:t>	    - Рисуем уровень А0 или переходим на более низкий уровень</a:t>
+            </a:r>
+          </a:p>
+          <a:p>
+            <a:r>
+              <a:rPr lang="ru-RU" dirty="0"/>
+              <a:t>	    - Показываем что есть входная информация</a:t>
+            </a:r>
+          </a:p>
+          <a:p>
+            <a:r>
+              <a:rPr lang="ru-RU" dirty="0"/>
+              <a:t>	    - Как информация преобразуется и что мы получаем на выходе</a:t>
+            </a:r>
+          </a:p>
+          <a:p>
+            <a:r>
+              <a:rPr lang="ru-RU" dirty="0"/>
+              <a:t>	    - Все управляющие сигналы тоже показываем</a:t>
+            </a:r>
+          </a:p>
+          <a:p>
+            <a:r>
+              <a:rPr lang="ru-RU" dirty="0"/>
+              <a:t>	    - На этом слайде донести суть моей работы</a:t>
+            </a:r>
+          </a:p>
+        </p:txBody>
+      </p:sp>
+    </p:spTree>
+    <p:extLst>
+      <p:ext uri="{BB962C8B-B14F-4D97-AF65-F5344CB8AC3E}">
+        <p14:creationId xmlns:p14="http://schemas.microsoft.com/office/powerpoint/2010/main" val="3949826143"/>
+      </p:ext>
+    </p:extLst>
+  </p:cSld>
+  <p:clrMapOvr>
+    <a:masterClrMapping/>
+  </p:clrMapOvr>
+</p:sld>
+</file>
+
+<file path=ppt/slides/slide5.xml><?xml version="1.0" encoding="utf-8"?>
+<p:sld xmlns:a="http://schemas.openxmlformats.org/drawingml/2006/main" xmlns:r="http://schemas.openxmlformats.org/officeDocument/2006/relationships" xmlns:p="http://schemas.openxmlformats.org/presentationml/2006/main">
+  <p:cSld>
+    <p:spTree>
+      <p:nvGrpSpPr>
+        <p:cNvPr id="1" name=""/>
+        <p:cNvGrpSpPr/>
+        <p:nvPr/>
+      </p:nvGrpSpPr>
+      <p:grpSpPr>
+        <a:xfrm>
+          <a:off x="0" y="0"/>
+          <a:ext cx="0" cy="0"/>
+          <a:chOff x="0" y="0"/>
+          <a:chExt cx="0" cy="0"/>
+        </a:xfrm>
+      </p:grpSpPr>
+      <p:sp>
+        <p:nvSpPr>
+          <p:cNvPr id="3" name="Подзаголовок 2">
+            <a:extLst>
+              <a:ext uri="{FF2B5EF4-FFF2-40B4-BE49-F238E27FC236}">
+                <a16:creationId xmlns:a16="http://schemas.microsoft.com/office/drawing/2014/main" id="{42F3BE86-5E9B-C749-920F-198FF0621C9D}"/>
+              </a:ext>
+            </a:extLst>
+          </p:cNvPr>
+          <p:cNvSpPr>
+            <a:spLocks noGrp="1"/>
+          </p:cNvSpPr>
+          <p:nvPr>
+            <p:ph type="subTitle" idx="1"/>
+          </p:nvPr>
+        </p:nvSpPr>
+        <p:spPr>
+          <a:xfrm>
+            <a:off x="1524000" y="412271"/>
+            <a:ext cx="9144000" cy="1655762"/>
+          </a:xfrm>
+        </p:spPr>
+        <p:txBody>
+          <a:bodyPr/>
+          <a:lstStyle/>
+          <a:p>
+            <a:r>
+              <a:rPr lang="ru-RU" dirty="0"/>
+              <a:t>//</a:t>
+            </a:r>
+          </a:p>
+        </p:txBody>
+      </p:sp>
+      <p:sp>
+        <p:nvSpPr>
+          <p:cNvPr id="4" name="TextBox 3">
+            <a:extLst>
+              <a:ext uri="{FF2B5EF4-FFF2-40B4-BE49-F238E27FC236}">
+                <a16:creationId xmlns:a16="http://schemas.microsoft.com/office/drawing/2014/main" id="{8D97A504-1EB5-1340-9C33-1ACD3E770809}"/>
+              </a:ext>
+            </a:extLst>
+          </p:cNvPr>
+          <p:cNvSpPr txBox="1"/>
+          <p:nvPr/>
+        </p:nvSpPr>
+        <p:spPr>
+          <a:xfrm>
+            <a:off x="2541181" y="3340004"/>
+            <a:ext cx="5982535" cy="369332"/>
+          </a:xfrm>
+          <a:prstGeom prst="rect">
+            <a:avLst/>
+          </a:prstGeom>
+          <a:noFill/>
+        </p:spPr>
+        <p:txBody>
+          <a:bodyPr wrap="none" rtlCol="0">
+            <a:spAutoFit/>
+          </a:bodyPr>
+          <a:lstStyle/>
+          <a:p>
+            <a:r>
+              <a:rPr lang="ru-RU" dirty="0"/>
+              <a:t>// Формализация объекта (какая математика используется)</a:t>
+            </a:r>
+          </a:p>
+        </p:txBody>
+      </p:sp>
+    </p:spTree>
+    <p:extLst>
+      <p:ext uri="{BB962C8B-B14F-4D97-AF65-F5344CB8AC3E}">
+        <p14:creationId xmlns:p14="http://schemas.microsoft.com/office/powerpoint/2010/main" val="2648288219"/>
+      </p:ext>
+    </p:extLst>
+  </p:cSld>
+  <p:clrMapOvr>
+    <a:masterClrMapping/>
+  </p:clrMapOvr>
+</p:sld>
+</file>
+
+<file path=ppt/slides/slide6.xml><?xml version="1.0" encoding="utf-8"?>
+<p:sld xmlns:a="http://schemas.openxmlformats.org/drawingml/2006/main" xmlns:r="http://schemas.openxmlformats.org/officeDocument/2006/relationships" xmlns:p="http://schemas.openxmlformats.org/presentationml/2006/main">
+  <p:cSld>
+    <p:spTree>
+      <p:nvGrpSpPr>
+        <p:cNvPr id="1" name=""/>
+        <p:cNvGrpSpPr/>
+        <p:nvPr/>
+      </p:nvGrpSpPr>
+      <p:grpSpPr>
+        <a:xfrm>
+          <a:off x="0" y="0"/>
+          <a:ext cx="0" cy="0"/>
+          <a:chOff x="0" y="0"/>
+          <a:chExt cx="0" cy="0"/>
+        </a:xfrm>
+      </p:grpSpPr>
+      <p:sp>
+        <p:nvSpPr>
+          <p:cNvPr id="3" name="Подзаголовок 2">
+            <a:extLst>
+              <a:ext uri="{FF2B5EF4-FFF2-40B4-BE49-F238E27FC236}">
+                <a16:creationId xmlns:a16="http://schemas.microsoft.com/office/drawing/2014/main" id="{42F3BE86-5E9B-C749-920F-198FF0621C9D}"/>
+              </a:ext>
+            </a:extLst>
+          </p:cNvPr>
+          <p:cNvSpPr>
+            <a:spLocks noGrp="1"/>
+          </p:cNvSpPr>
+          <p:nvPr>
+            <p:ph type="subTitle" idx="1"/>
+          </p:nvPr>
+        </p:nvSpPr>
+        <p:spPr>
+          <a:xfrm>
+            <a:off x="1524000" y="412271"/>
+            <a:ext cx="9144000" cy="1655762"/>
+          </a:xfrm>
+        </p:spPr>
+        <p:txBody>
+          <a:bodyPr/>
+          <a:lstStyle/>
+          <a:p>
+            <a:r>
+              <a:rPr lang="ru-RU" dirty="0"/>
+              <a:t>// Говорим что создаем «алгоритм» - важно! ( тут про новизну )</a:t>
+            </a:r>
+          </a:p>
+        </p:txBody>
+      </p:sp>
+      <p:sp>
+        <p:nvSpPr>
+          <p:cNvPr id="5" name="TextBox 4">
+            <a:extLst>
+              <a:ext uri="{FF2B5EF4-FFF2-40B4-BE49-F238E27FC236}">
+                <a16:creationId xmlns:a16="http://schemas.microsoft.com/office/drawing/2014/main" id="{EF9E41BD-D326-BC4C-A762-46B9568B1C2A}"/>
+              </a:ext>
+            </a:extLst>
+          </p:cNvPr>
+          <p:cNvSpPr txBox="1"/>
+          <p:nvPr/>
+        </p:nvSpPr>
+        <p:spPr>
+          <a:xfrm>
+            <a:off x="2509284" y="1839433"/>
+            <a:ext cx="8045023" cy="1477328"/>
+          </a:xfrm>
+          <a:prstGeom prst="rect">
+            <a:avLst/>
+          </a:prstGeom>
+          <a:noFill/>
+        </p:spPr>
+        <p:txBody>
+          <a:bodyPr wrap="none" rtlCol="0">
+            <a:spAutoFit/>
+          </a:bodyPr>
+          <a:lstStyle/>
+          <a:p>
+            <a:r>
+              <a:rPr lang="ru-RU" dirty="0"/>
+              <a:t>- Алгоритм изображенный строго по госту</a:t>
+            </a:r>
+          </a:p>
+          <a:p>
+            <a:r>
+              <a:rPr lang="ru-RU" dirty="0"/>
+              <a:t>	    - Ну линейный не нужно отображать - что-то красиво с ветвлениями</a:t>
+            </a:r>
+          </a:p>
+          <a:p>
+            <a:r>
+              <a:rPr lang="ru-RU" dirty="0"/>
+              <a:t>	    - Не нужна диаграмма классов</a:t>
+            </a:r>
+          </a:p>
+          <a:p>
+            <a:r>
+              <a:rPr lang="ru-RU" dirty="0"/>
+              <a:t>	    - Можно взаимодействие пользователей</a:t>
+            </a:r>
+          </a:p>
+          <a:p>
+            <a:r>
+              <a:rPr lang="ru-RU" dirty="0"/>
+              <a:t>	    - Сказать в чем новизна</a:t>
+            </a:r>
+          </a:p>
+        </p:txBody>
+      </p:sp>
+    </p:spTree>
+    <p:extLst>
+      <p:ext uri="{BB962C8B-B14F-4D97-AF65-F5344CB8AC3E}">
+        <p14:creationId xmlns:p14="http://schemas.microsoft.com/office/powerpoint/2010/main" val="3333767127"/>
+      </p:ext>
+    </p:extLst>
+  </p:cSld>
+  <p:clrMapOvr>
+    <a:masterClrMapping/>
+  </p:clrMapOvr>
+</p:sld>
+</file>
+
+<file path=ppt/slides/slide7.xml><?xml version="1.0" encoding="utf-8"?>
+<p:sld xmlns:a="http://schemas.openxmlformats.org/drawingml/2006/main" xmlns:r="http://schemas.openxmlformats.org/officeDocument/2006/relationships" xmlns:p="http://schemas.openxmlformats.org/presentationml/2006/main">
+  <p:cSld>
+    <p:spTree>
+      <p:nvGrpSpPr>
+        <p:cNvPr id="1" name=""/>
+        <p:cNvGrpSpPr/>
+        <p:nvPr/>
+      </p:nvGrpSpPr>
+      <p:grpSpPr>
+        <a:xfrm>
+          <a:off x="0" y="0"/>
+          <a:ext cx="0" cy="0"/>
+          <a:chOff x="0" y="0"/>
+          <a:chExt cx="0" cy="0"/>
+        </a:xfrm>
+      </p:grpSpPr>
+      <p:sp>
+        <p:nvSpPr>
+          <p:cNvPr id="3" name="Подзаголовок 2">
+            <a:extLst>
+              <a:ext uri="{FF2B5EF4-FFF2-40B4-BE49-F238E27FC236}">
+                <a16:creationId xmlns:a16="http://schemas.microsoft.com/office/drawing/2014/main" id="{42F3BE86-5E9B-C749-920F-198FF0621C9D}"/>
+              </a:ext>
+            </a:extLst>
+          </p:cNvPr>
+          <p:cNvSpPr>
+            <a:spLocks noGrp="1"/>
+          </p:cNvSpPr>
+          <p:nvPr>
+            <p:ph type="subTitle" idx="1"/>
+          </p:nvPr>
+        </p:nvSpPr>
+        <p:spPr>
+          <a:xfrm>
+            <a:off x="1524000" y="412271"/>
+            <a:ext cx="9144000" cy="1655762"/>
+          </a:xfrm>
+        </p:spPr>
+        <p:txBody>
+          <a:bodyPr/>
+          <a:lstStyle/>
+          <a:p>
+            <a:r>
+              <a:rPr lang="ru-RU" dirty="0"/>
+              <a:t>// Создаем структуру ПО</a:t>
+            </a:r>
+          </a:p>
+        </p:txBody>
+      </p:sp>
+    </p:spTree>
+    <p:extLst>
+      <p:ext uri="{BB962C8B-B14F-4D97-AF65-F5344CB8AC3E}">
+        <p14:creationId xmlns:p14="http://schemas.microsoft.com/office/powerpoint/2010/main" val="2070813334"/>
+      </p:ext>
+    </p:extLst>
+  </p:cSld>
+  <p:clrMapOvr>
+    <a:masterClrMapping/>
+  </p:clrMapOvr>
+</p:sld>
+</file>
+
+<file path=ppt/slides/slide8.xml><?xml version="1.0" encoding="utf-8"?>
+<p:sld xmlns:a="http://schemas.openxmlformats.org/drawingml/2006/main" xmlns:r="http://schemas.openxmlformats.org/officeDocument/2006/relationships" xmlns:p="http://schemas.openxmlformats.org/presentationml/2006/main">
+  <p:cSld>
+    <p:spTree>
+      <p:nvGrpSpPr>
+        <p:cNvPr id="1" name=""/>
+        <p:cNvGrpSpPr/>
+        <p:nvPr/>
+      </p:nvGrpSpPr>
+      <p:grpSpPr>
+        <a:xfrm>
+          <a:off x="0" y="0"/>
+          <a:ext cx="0" cy="0"/>
+          <a:chOff x="0" y="0"/>
+          <a:chExt cx="0" cy="0"/>
+        </a:xfrm>
+      </p:grpSpPr>
+      <p:sp>
+        <p:nvSpPr>
+          <p:cNvPr id="3" name="Подзаголовок 2">
+            <a:extLst>
+              <a:ext uri="{FF2B5EF4-FFF2-40B4-BE49-F238E27FC236}">
+                <a16:creationId xmlns:a16="http://schemas.microsoft.com/office/drawing/2014/main" id="{42F3BE86-5E9B-C749-920F-198FF0621C9D}"/>
+              </a:ext>
+            </a:extLst>
+          </p:cNvPr>
+          <p:cNvSpPr>
+            <a:spLocks noGrp="1"/>
+          </p:cNvSpPr>
+          <p:nvPr>
+            <p:ph type="subTitle" idx="1"/>
+          </p:nvPr>
+        </p:nvSpPr>
+        <p:spPr>
+          <a:xfrm>
+            <a:off x="1524000" y="412271"/>
+            <a:ext cx="9144000" cy="1655762"/>
+          </a:xfrm>
+        </p:spPr>
+        <p:txBody>
+          <a:bodyPr/>
+          <a:lstStyle/>
+          <a:p>
+            <a:r>
+              <a:rPr lang="ru-RU" dirty="0"/>
+              <a:t>// Исследование (чего-то там конкретно)</a:t>
+            </a:r>
+          </a:p>
+        </p:txBody>
+      </p:sp>
+      <p:sp>
+        <p:nvSpPr>
+          <p:cNvPr id="2" name="TextBox 1">
+            <a:extLst>
+              <a:ext uri="{FF2B5EF4-FFF2-40B4-BE49-F238E27FC236}">
+                <a16:creationId xmlns:a16="http://schemas.microsoft.com/office/drawing/2014/main" id="{A4C279EE-1805-2648-99ED-CDDFD2E197EF}"/>
+              </a:ext>
+            </a:extLst>
+          </p:cNvPr>
+          <p:cNvSpPr txBox="1"/>
+          <p:nvPr/>
+        </p:nvSpPr>
+        <p:spPr>
+          <a:xfrm>
+            <a:off x="1733107" y="1988288"/>
+            <a:ext cx="7634176" cy="1754326"/>
+          </a:xfrm>
+          <a:prstGeom prst="rect">
+            <a:avLst/>
+          </a:prstGeom>
+          <a:noFill/>
+        </p:spPr>
+        <p:txBody>
+          <a:bodyPr wrap="square" rtlCol="0">
+            <a:spAutoFit/>
+          </a:bodyPr>
+          <a:lstStyle/>
+          <a:p>
+            <a:r>
+              <a:rPr lang="ru-RU" dirty="0"/>
+              <a:t>- Можно исследовать сравнивая похожее с моим и посмотреть разницу</a:t>
+            </a:r>
+          </a:p>
+          <a:p>
+            <a:r>
+              <a:rPr lang="ru-RU" dirty="0"/>
+              <a:t>	    - Можно исследовать собственный инструментарий на сложность, разные параметры и т д если решение совсем уж оригинальное</a:t>
+            </a:r>
+          </a:p>
+          <a:p>
+            <a:r>
+              <a:rPr lang="ru-RU" dirty="0"/>
+              <a:t>	    - Можно в табличном виде - вот параметры, мой алгоритм лучше</a:t>
+            </a:r>
+          </a:p>
+          <a:p>
+            <a:r>
+              <a:rPr lang="ru-RU" dirty="0"/>
+              <a:t>	    - Можно с помощью графиков</a:t>
+            </a:r>
+          </a:p>
+        </p:txBody>
+      </p:sp>
+    </p:spTree>
+    <p:extLst>
+      <p:ext uri="{BB962C8B-B14F-4D97-AF65-F5344CB8AC3E}">
+        <p14:creationId xmlns:p14="http://schemas.microsoft.com/office/powerpoint/2010/main" val="1361743108"/>
+      </p:ext>
+    </p:extLst>
+  </p:cSld>
+  <p:clrMapOvr>
+    <a:masterClrMapping/>
+  </p:clrMapOvr>
+</p:sld>
+</file>
+
+<file path=ppt/slides/slide9.xml><?xml version="1.0" encoding="utf-8"?>
+<p:sld xmlns:a="http://schemas.openxmlformats.org/drawingml/2006/main" xmlns:r="http://schemas.openxmlformats.org/officeDocument/2006/relationships" xmlns:p="http://schemas.openxmlformats.org/presentationml/2006/main">
+  <p:cSld>
+    <p:spTree>
+      <p:nvGrpSpPr>
+        <p:cNvPr id="1" name=""/>
+        <p:cNvGrpSpPr/>
+        <p:nvPr/>
+      </p:nvGrpSpPr>
+      <p:grpSpPr>
+        <a:xfrm>
+          <a:off x="0" y="0"/>
+          <a:ext cx="0" cy="0"/>
+          <a:chOff x="0" y="0"/>
+          <a:chExt cx="0" cy="0"/>
+        </a:xfrm>
+      </p:grpSpPr>
+      <p:sp>
+        <p:nvSpPr>
+          <p:cNvPr id="3" name="Подзаголовок 2">
+            <a:extLst>
+              <a:ext uri="{FF2B5EF4-FFF2-40B4-BE49-F238E27FC236}">
+                <a16:creationId xmlns:a16="http://schemas.microsoft.com/office/drawing/2014/main" id="{42F3BE86-5E9B-C749-920F-198FF0621C9D}"/>
+              </a:ext>
+            </a:extLst>
+          </p:cNvPr>
+          <p:cNvSpPr>
+            <a:spLocks noGrp="1"/>
+          </p:cNvSpPr>
+          <p:nvPr>
+            <p:ph type="subTitle" idx="1"/>
+          </p:nvPr>
+        </p:nvSpPr>
+        <p:spPr>
+          <a:xfrm>
+            <a:off x="1524000" y="412271"/>
+            <a:ext cx="9144000" cy="1655762"/>
+          </a:xfrm>
+        </p:spPr>
+        <p:txBody>
+          <a:bodyPr/>
+          <a:lstStyle/>
+          <a:p>
+            <a:r>
+              <a:rPr lang="ru-RU" dirty="0"/>
+              <a:t>// Выводы</a:t>
+            </a:r>
+          </a:p>
+        </p:txBody>
+      </p:sp>
+      <p:sp>
+        <p:nvSpPr>
+          <p:cNvPr id="2" name="TextBox 1">
+            <a:extLst>
+              <a:ext uri="{FF2B5EF4-FFF2-40B4-BE49-F238E27FC236}">
+                <a16:creationId xmlns:a16="http://schemas.microsoft.com/office/drawing/2014/main" id="{A3CF60C9-512C-2141-A312-E3EE214C4527}"/>
+              </a:ext>
+            </a:extLst>
+          </p:cNvPr>
+          <p:cNvSpPr txBox="1"/>
+          <p:nvPr/>
+        </p:nvSpPr>
+        <p:spPr>
+          <a:xfrm>
+            <a:off x="1562986" y="2179674"/>
+            <a:ext cx="6693692" cy="1200329"/>
+          </a:xfrm>
+          <a:prstGeom prst="rect">
+            <a:avLst/>
+          </a:prstGeom>
+          <a:noFill/>
+        </p:spPr>
+        <p:txBody>
+          <a:bodyPr wrap="none" rtlCol="0">
+            <a:spAutoFit/>
+          </a:bodyPr>
+          <a:lstStyle/>
+          <a:p>
+            <a:r>
+              <a:rPr lang="ru-RU" dirty="0"/>
+              <a:t>- Выполненные задачи</a:t>
+            </a:r>
+          </a:p>
+          <a:p>
+            <a:r>
+              <a:rPr lang="ru-RU" dirty="0"/>
+              <a:t>	    - Сколько задач столько же и выводов</a:t>
+            </a:r>
+          </a:p>
+          <a:p>
+            <a:r>
+              <a:rPr lang="ru-RU" dirty="0"/>
+              <a:t>	    - «Разработать» в задачах - «Разработано» - в выводах</a:t>
+            </a:r>
+          </a:p>
+          <a:p>
+            <a:r>
+              <a:rPr lang="ru-RU" dirty="0"/>
+              <a:t>	    - 1 к 1</a:t>
+            </a:r>
+          </a:p>
+        </p:txBody>
+      </p:sp>
+    </p:spTree>
+    <p:extLst>
+      <p:ext uri="{BB962C8B-B14F-4D97-AF65-F5344CB8AC3E}">
+        <p14:creationId xmlns:p14="http://schemas.microsoft.com/office/powerpoint/2010/main" val="724818970"/>
       </p:ext>
     </p:extLst>
   </p:cSld>

--- a/presentation/presentation.pptx
+++ b/presentation/presentation.pptx
@@ -267,7 +267,7 @@
           <a:p>
             <a:fld id="{774E5C8E-A791-5141-BFC5-061C00718CFF}" type="datetimeFigureOut">
               <a:rPr lang="ru-RU" smtClean="0"/>
-              <a:t>16.05.2019</a:t>
+              <a:t>17.05.2019</a:t>
             </a:fld>
             <a:endParaRPr lang="ru-RU"/>
           </a:p>
@@ -465,7 +465,7 @@
           <a:p>
             <a:fld id="{774E5C8E-A791-5141-BFC5-061C00718CFF}" type="datetimeFigureOut">
               <a:rPr lang="ru-RU" smtClean="0"/>
-              <a:t>16.05.2019</a:t>
+              <a:t>17.05.2019</a:t>
             </a:fld>
             <a:endParaRPr lang="ru-RU"/>
           </a:p>
@@ -673,7 +673,7 @@
           <a:p>
             <a:fld id="{774E5C8E-A791-5141-BFC5-061C00718CFF}" type="datetimeFigureOut">
               <a:rPr lang="ru-RU" smtClean="0"/>
-              <a:t>16.05.2019</a:t>
+              <a:t>17.05.2019</a:t>
             </a:fld>
             <a:endParaRPr lang="ru-RU"/>
           </a:p>
@@ -871,7 +871,7 @@
           <a:p>
             <a:fld id="{774E5C8E-A791-5141-BFC5-061C00718CFF}" type="datetimeFigureOut">
               <a:rPr lang="ru-RU" smtClean="0"/>
-              <a:t>16.05.2019</a:t>
+              <a:t>17.05.2019</a:t>
             </a:fld>
             <a:endParaRPr lang="ru-RU"/>
           </a:p>
@@ -1146,7 +1146,7 @@
           <a:p>
             <a:fld id="{774E5C8E-A791-5141-BFC5-061C00718CFF}" type="datetimeFigureOut">
               <a:rPr lang="ru-RU" smtClean="0"/>
-              <a:t>16.05.2019</a:t>
+              <a:t>17.05.2019</a:t>
             </a:fld>
             <a:endParaRPr lang="ru-RU"/>
           </a:p>
@@ -1411,7 +1411,7 @@
           <a:p>
             <a:fld id="{774E5C8E-A791-5141-BFC5-061C00718CFF}" type="datetimeFigureOut">
               <a:rPr lang="ru-RU" smtClean="0"/>
-              <a:t>16.05.2019</a:t>
+              <a:t>17.05.2019</a:t>
             </a:fld>
             <a:endParaRPr lang="ru-RU"/>
           </a:p>
@@ -1823,7 +1823,7 @@
           <a:p>
             <a:fld id="{774E5C8E-A791-5141-BFC5-061C00718CFF}" type="datetimeFigureOut">
               <a:rPr lang="ru-RU" smtClean="0"/>
-              <a:t>16.05.2019</a:t>
+              <a:t>17.05.2019</a:t>
             </a:fld>
             <a:endParaRPr lang="ru-RU"/>
           </a:p>
@@ -1964,7 +1964,7 @@
           <a:p>
             <a:fld id="{774E5C8E-A791-5141-BFC5-061C00718CFF}" type="datetimeFigureOut">
               <a:rPr lang="ru-RU" smtClean="0"/>
-              <a:t>16.05.2019</a:t>
+              <a:t>17.05.2019</a:t>
             </a:fld>
             <a:endParaRPr lang="ru-RU"/>
           </a:p>
@@ -2077,7 +2077,7 @@
           <a:p>
             <a:fld id="{774E5C8E-A791-5141-BFC5-061C00718CFF}" type="datetimeFigureOut">
               <a:rPr lang="ru-RU" smtClean="0"/>
-              <a:t>16.05.2019</a:t>
+              <a:t>17.05.2019</a:t>
             </a:fld>
             <a:endParaRPr lang="ru-RU"/>
           </a:p>
@@ -2388,7 +2388,7 @@
           <a:p>
             <a:fld id="{774E5C8E-A791-5141-BFC5-061C00718CFF}" type="datetimeFigureOut">
               <a:rPr lang="ru-RU" smtClean="0"/>
-              <a:t>16.05.2019</a:t>
+              <a:t>17.05.2019</a:t>
             </a:fld>
             <a:endParaRPr lang="ru-RU"/>
           </a:p>
@@ -2676,7 +2676,7 @@
           <a:p>
             <a:fld id="{774E5C8E-A791-5141-BFC5-061C00718CFF}" type="datetimeFigureOut">
               <a:rPr lang="ru-RU" smtClean="0"/>
-              <a:t>16.05.2019</a:t>
+              <a:t>17.05.2019</a:t>
             </a:fld>
             <a:endParaRPr lang="ru-RU"/>
           </a:p>
@@ -2917,7 +2917,7 @@
           <a:p>
             <a:fld id="{774E5C8E-A791-5141-BFC5-061C00718CFF}" type="datetimeFigureOut">
               <a:rPr lang="ru-RU" smtClean="0"/>
-              <a:t>16.05.2019</a:t>
+              <a:t>17.05.2019</a:t>
             </a:fld>
             <a:endParaRPr lang="ru-RU"/>
           </a:p>
@@ -3599,6 +3599,41 @@
           </a:p>
         </p:txBody>
       </p:sp>
+      <p:sp>
+        <p:nvSpPr>
+          <p:cNvPr id="5" name="TextBox 4">
+            <a:extLst>
+              <a:ext uri="{FF2B5EF4-FFF2-40B4-BE49-F238E27FC236}">
+                <a16:creationId xmlns:a16="http://schemas.microsoft.com/office/drawing/2014/main" id="{4A26A0D4-250F-294D-B8EC-4771BE52F625}"/>
+              </a:ext>
+            </a:extLst>
+          </p:cNvPr>
+          <p:cNvSpPr txBox="1"/>
+          <p:nvPr/>
+        </p:nvSpPr>
+        <p:spPr>
+          <a:xfrm>
+            <a:off x="2449034" y="3681926"/>
+            <a:ext cx="7995683" cy="646331"/>
+          </a:xfrm>
+          <a:prstGeom prst="rect">
+            <a:avLst/>
+          </a:prstGeom>
+          <a:noFill/>
+        </p:spPr>
+        <p:txBody>
+          <a:bodyPr wrap="square" rtlCol="0">
+            <a:spAutoFit/>
+          </a:bodyPr>
+          <a:lstStyle/>
+          <a:p>
+            <a:r>
+              <a:rPr lang="ru-RU" dirty="0"/>
+              <a:t>Тут обзор других решений, взять из списка литературы что там я изучал и похожие</a:t>
+            </a:r>
+          </a:p>
+        </p:txBody>
+      </p:sp>
     </p:spTree>
     <p:extLst>
       <p:ext uri="{BB962C8B-B14F-4D97-AF65-F5344CB8AC3E}">

--- a/presentation/presentation.pptx
+++ b/presentation/presentation.pptx
@@ -6,14 +6,15 @@
   </p:sldMasterIdLst>
   <p:sldIdLst>
     <p:sldId id="256" r:id="rId2"/>
-    <p:sldId id="257" r:id="rId3"/>
-    <p:sldId id="258" r:id="rId4"/>
-    <p:sldId id="259" r:id="rId5"/>
-    <p:sldId id="261" r:id="rId6"/>
-    <p:sldId id="262" r:id="rId7"/>
-    <p:sldId id="263" r:id="rId8"/>
-    <p:sldId id="264" r:id="rId9"/>
-    <p:sldId id="265" r:id="rId10"/>
+    <p:sldId id="266" r:id="rId3"/>
+    <p:sldId id="257" r:id="rId4"/>
+    <p:sldId id="258" r:id="rId5"/>
+    <p:sldId id="259" r:id="rId6"/>
+    <p:sldId id="261" r:id="rId7"/>
+    <p:sldId id="262" r:id="rId8"/>
+    <p:sldId id="263" r:id="rId9"/>
+    <p:sldId id="264" r:id="rId10"/>
+    <p:sldId id="265" r:id="rId11"/>
   </p:sldIdLst>
   <p:sldSz cx="12192000" cy="6858000"/>
   <p:notesSz cx="6858000" cy="9144000"/>
@@ -120,6 +121,18 @@
 </p:presentation>
 </file>
 
+<file path=ppt/commentAuthors.xml><?xml version="1.0" encoding="utf-8"?>
+<p:cmAuthorLst xmlns:a="http://schemas.openxmlformats.org/drawingml/2006/main" xmlns:r="http://schemas.openxmlformats.org/officeDocument/2006/relationships" xmlns:p="http://schemas.openxmlformats.org/presentationml/2006/main">
+  <p:cmAuthor id="1" name="Дарья Сахарок" initials="ДС" lastIdx="1" clrIdx="0">
+    <p:extLst>
+      <p:ext uri="{19B8F6BF-5375-455C-9EA6-DF929625EA0E}">
+        <p15:presenceInfo xmlns:p15="http://schemas.microsoft.com/office/powerpoint/2012/main" userId="601172611cc451b3" providerId="Windows Live"/>
+      </p:ext>
+    </p:extLst>
+  </p:cmAuthor>
+</p:cmAuthorLst>
+</file>
+
 <file path=ppt/slideLayouts/slideLayout1.xml><?xml version="1.0" encoding="utf-8"?>
 <p:sldLayout xmlns:a="http://schemas.openxmlformats.org/drawingml/2006/main" xmlns:r="http://schemas.openxmlformats.org/officeDocument/2006/relationships" xmlns:p="http://schemas.openxmlformats.org/presentationml/2006/main" type="title" preserve="1">
   <p:cSld name="Титульный слайд">
@@ -267,7 +280,7 @@
           <a:p>
             <a:fld id="{774E5C8E-A791-5141-BFC5-061C00718CFF}" type="datetimeFigureOut">
               <a:rPr lang="ru-RU" smtClean="0"/>
-              <a:t>17.05.2019</a:t>
+              <a:t>22.05.2019</a:t>
             </a:fld>
             <a:endParaRPr lang="ru-RU"/>
           </a:p>
@@ -465,7 +478,7 @@
           <a:p>
             <a:fld id="{774E5C8E-A791-5141-BFC5-061C00718CFF}" type="datetimeFigureOut">
               <a:rPr lang="ru-RU" smtClean="0"/>
-              <a:t>17.05.2019</a:t>
+              <a:t>22.05.2019</a:t>
             </a:fld>
             <a:endParaRPr lang="ru-RU"/>
           </a:p>
@@ -673,7 +686,7 @@
           <a:p>
             <a:fld id="{774E5C8E-A791-5141-BFC5-061C00718CFF}" type="datetimeFigureOut">
               <a:rPr lang="ru-RU" smtClean="0"/>
-              <a:t>17.05.2019</a:t>
+              <a:t>22.05.2019</a:t>
             </a:fld>
             <a:endParaRPr lang="ru-RU"/>
           </a:p>
@@ -871,7 +884,7 @@
           <a:p>
             <a:fld id="{774E5C8E-A791-5141-BFC5-061C00718CFF}" type="datetimeFigureOut">
               <a:rPr lang="ru-RU" smtClean="0"/>
-              <a:t>17.05.2019</a:t>
+              <a:t>22.05.2019</a:t>
             </a:fld>
             <a:endParaRPr lang="ru-RU"/>
           </a:p>
@@ -1146,7 +1159,7 @@
           <a:p>
             <a:fld id="{774E5C8E-A791-5141-BFC5-061C00718CFF}" type="datetimeFigureOut">
               <a:rPr lang="ru-RU" smtClean="0"/>
-              <a:t>17.05.2019</a:t>
+              <a:t>22.05.2019</a:t>
             </a:fld>
             <a:endParaRPr lang="ru-RU"/>
           </a:p>
@@ -1411,7 +1424,7 @@
           <a:p>
             <a:fld id="{774E5C8E-A791-5141-BFC5-061C00718CFF}" type="datetimeFigureOut">
               <a:rPr lang="ru-RU" smtClean="0"/>
-              <a:t>17.05.2019</a:t>
+              <a:t>22.05.2019</a:t>
             </a:fld>
             <a:endParaRPr lang="ru-RU"/>
           </a:p>
@@ -1823,7 +1836,7 @@
           <a:p>
             <a:fld id="{774E5C8E-A791-5141-BFC5-061C00718CFF}" type="datetimeFigureOut">
               <a:rPr lang="ru-RU" smtClean="0"/>
-              <a:t>17.05.2019</a:t>
+              <a:t>22.05.2019</a:t>
             </a:fld>
             <a:endParaRPr lang="ru-RU"/>
           </a:p>
@@ -1964,7 +1977,7 @@
           <a:p>
             <a:fld id="{774E5C8E-A791-5141-BFC5-061C00718CFF}" type="datetimeFigureOut">
               <a:rPr lang="ru-RU" smtClean="0"/>
-              <a:t>17.05.2019</a:t>
+              <a:t>22.05.2019</a:t>
             </a:fld>
             <a:endParaRPr lang="ru-RU"/>
           </a:p>
@@ -2077,7 +2090,7 @@
           <a:p>
             <a:fld id="{774E5C8E-A791-5141-BFC5-061C00718CFF}" type="datetimeFigureOut">
               <a:rPr lang="ru-RU" smtClean="0"/>
-              <a:t>17.05.2019</a:t>
+              <a:t>22.05.2019</a:t>
             </a:fld>
             <a:endParaRPr lang="ru-RU"/>
           </a:p>
@@ -2388,7 +2401,7 @@
           <a:p>
             <a:fld id="{774E5C8E-A791-5141-BFC5-061C00718CFF}" type="datetimeFigureOut">
               <a:rPr lang="ru-RU" smtClean="0"/>
-              <a:t>17.05.2019</a:t>
+              <a:t>22.05.2019</a:t>
             </a:fld>
             <a:endParaRPr lang="ru-RU"/>
           </a:p>
@@ -2676,7 +2689,7 @@
           <a:p>
             <a:fld id="{774E5C8E-A791-5141-BFC5-061C00718CFF}" type="datetimeFigureOut">
               <a:rPr lang="ru-RU" smtClean="0"/>
-              <a:t>17.05.2019</a:t>
+              <a:t>22.05.2019</a:t>
             </a:fld>
             <a:endParaRPr lang="ru-RU"/>
           </a:p>
@@ -2917,7 +2930,7 @@
           <a:p>
             <a:fld id="{774E5C8E-A791-5141-BFC5-061C00718CFF}" type="datetimeFigureOut">
               <a:rPr lang="ru-RU" smtClean="0"/>
-              <a:t>17.05.2019</a:t>
+              <a:t>22.05.2019</a:t>
             </a:fld>
             <a:endParaRPr lang="ru-RU"/>
           </a:p>
@@ -3352,6 +3365,352 @@
         </p:nvSpPr>
         <p:spPr>
           <a:xfrm>
+            <a:off x="4857497" y="4156735"/>
+            <a:ext cx="7044451" cy="1181935"/>
+          </a:xfrm>
+        </p:spPr>
+        <p:txBody>
+          <a:bodyPr>
+            <a:noAutofit/>
+          </a:bodyPr>
+          <a:lstStyle/>
+          <a:p>
+            <a:endParaRPr lang="ru-RU" sz="2000" dirty="0"/>
+          </a:p>
+          <a:p>
+            <a:pPr algn="r"/>
+            <a:r>
+              <a:rPr lang="ru-RU" sz="2000" dirty="0"/>
+              <a:t> </a:t>
+            </a:r>
+            <a:r>
+              <a:rPr lang="ru-RU" sz="2000" dirty="0">
+                <a:latin typeface="+mj-lt"/>
+                <a:cs typeface="Arial" panose="020B0604020202020204" pitchFamily="34" charset="0"/>
+              </a:rPr>
+              <a:t>Руководитель: </a:t>
+            </a:r>
+            <a:r>
+              <a:rPr lang="ru-RU" sz="2000" dirty="0" err="1">
+                <a:latin typeface="+mj-lt"/>
+                <a:cs typeface="Arial" panose="020B0604020202020204" pitchFamily="34" charset="0"/>
+              </a:rPr>
+              <a:t>Клышинский</a:t>
+            </a:r>
+            <a:r>
+              <a:rPr lang="ru-RU" sz="2000" dirty="0">
+                <a:latin typeface="+mj-lt"/>
+                <a:cs typeface="Arial" panose="020B0604020202020204" pitchFamily="34" charset="0"/>
+              </a:rPr>
+              <a:t> Эдуард Станиславович, доцент,                              кандидат технических наук.</a:t>
+            </a:r>
+          </a:p>
+        </p:txBody>
+      </p:sp>
+      <p:sp>
+        <p:nvSpPr>
+          <p:cNvPr id="2" name="Прямоугольник 1">
+            <a:extLst>
+              <a:ext uri="{FF2B5EF4-FFF2-40B4-BE49-F238E27FC236}">
+                <a16:creationId xmlns:a16="http://schemas.microsoft.com/office/drawing/2014/main" id="{87252CFD-2E0A-44AD-9968-5F05A0410945}"/>
+              </a:ext>
+            </a:extLst>
+          </p:cNvPr>
+          <p:cNvSpPr/>
+          <p:nvPr/>
+        </p:nvSpPr>
+        <p:spPr>
+          <a:xfrm>
+            <a:off x="2552880" y="553894"/>
+            <a:ext cx="9349068" cy="338554"/>
+          </a:xfrm>
+          <a:prstGeom prst="rect">
+            <a:avLst/>
+          </a:prstGeom>
+        </p:spPr>
+        <p:txBody>
+          <a:bodyPr wrap="square">
+            <a:spAutoFit/>
+          </a:bodyPr>
+          <a:lstStyle/>
+          <a:p>
+            <a:r>
+              <a:rPr lang="ru-RU" sz="1600" dirty="0">
+                <a:latin typeface="+mj-lt"/>
+                <a:cs typeface="Arial" panose="020B0604020202020204" pitchFamily="34" charset="0"/>
+              </a:rPr>
+              <a:t>Московский государственный технический университет имени Н.Э. Баумана</a:t>
+            </a:r>
+          </a:p>
+        </p:txBody>
+      </p:sp>
+      <p:sp>
+        <p:nvSpPr>
+          <p:cNvPr id="4" name="Прямоугольник 3">
+            <a:extLst>
+              <a:ext uri="{FF2B5EF4-FFF2-40B4-BE49-F238E27FC236}">
+                <a16:creationId xmlns:a16="http://schemas.microsoft.com/office/drawing/2014/main" id="{28A54FE4-76C4-4AAC-A298-8AC801BCB2B8}"/>
+              </a:ext>
+            </a:extLst>
+          </p:cNvPr>
+          <p:cNvSpPr/>
+          <p:nvPr/>
+        </p:nvSpPr>
+        <p:spPr>
+          <a:xfrm>
+            <a:off x="660342" y="1925431"/>
+            <a:ext cx="12192000" cy="1938992"/>
+          </a:xfrm>
+          <a:prstGeom prst="rect">
+            <a:avLst/>
+          </a:prstGeom>
+        </p:spPr>
+        <p:txBody>
+          <a:bodyPr wrap="square">
+            <a:spAutoFit/>
+          </a:bodyPr>
+          <a:lstStyle/>
+          <a:p>
+            <a:r>
+              <a:rPr lang="ru-RU" sz="4000" dirty="0">
+                <a:latin typeface="+mj-lt"/>
+                <a:cs typeface="Arial" panose="020B0604020202020204" pitchFamily="34" charset="0"/>
+              </a:rPr>
+              <a:t>Разработка метода тематического </a:t>
+            </a:r>
+          </a:p>
+          <a:p>
+            <a:r>
+              <a:rPr lang="ru-RU" sz="4000" dirty="0">
+                <a:latin typeface="+mj-lt"/>
+                <a:cs typeface="Arial" panose="020B0604020202020204" pitchFamily="34" charset="0"/>
+              </a:rPr>
+              <a:t>моделирования</a:t>
+            </a:r>
+          </a:p>
+          <a:p>
+            <a:r>
+              <a:rPr lang="ru-RU" sz="4000" dirty="0">
+                <a:latin typeface="+mj-lt"/>
+                <a:cs typeface="Arial" panose="020B0604020202020204" pitchFamily="34" charset="0"/>
+              </a:rPr>
+              <a:t>для новостей на русском языке</a:t>
+            </a:r>
+          </a:p>
+        </p:txBody>
+      </p:sp>
+      <p:pic>
+        <p:nvPicPr>
+          <p:cNvPr id="1028" name="Picture 4" descr="ÐÐ°ÑÑÐ¸Ð½ÐºÐ¸ Ð¿Ð¾ Ð·Ð°Ð¿ÑÐ¾ÑÑ Ð³ÐµÑÐ± Ð¼Ð³ÑÑ Ð±Ð°ÑÐ¼Ð°Ð½Ð° Ð²ÐµÐºÑÐ¾Ñ">
+            <a:extLst>
+              <a:ext uri="{FF2B5EF4-FFF2-40B4-BE49-F238E27FC236}">
+                <a16:creationId xmlns:a16="http://schemas.microsoft.com/office/drawing/2014/main" id="{6E0B0AFF-04B0-426E-B468-385DF4BEC474}"/>
+              </a:ext>
+            </a:extLst>
+          </p:cNvPr>
+          <p:cNvPicPr>
+            <a:picLocks noChangeAspect="1" noChangeArrowheads="1"/>
+          </p:cNvPicPr>
+          <p:nvPr/>
+        </p:nvPicPr>
+        <p:blipFill>
+          <a:blip r:embed="rId2">
+            <a:extLst>
+              <a:ext uri="{28A0092B-C50C-407E-A947-70E740481C1C}">
+                <a14:useLocalDpi xmlns:a14="http://schemas.microsoft.com/office/drawing/2010/main" val="0"/>
+              </a:ext>
+            </a:extLst>
+          </a:blip>
+          <a:srcRect/>
+          <a:stretch>
+            <a:fillRect/>
+          </a:stretch>
+        </p:blipFill>
+        <p:spPr bwMode="auto">
+          <a:xfrm>
+            <a:off x="1319331" y="-63129"/>
+            <a:ext cx="1376689" cy="1526613"/>
+          </a:xfrm>
+          <a:prstGeom prst="rect">
+            <a:avLst/>
+          </a:prstGeom>
+          <a:noFill/>
+          <a:extLst>
+            <a:ext uri="{909E8E84-426E-40DD-AFC4-6F175D3DCCD1}">
+              <a14:hiddenFill xmlns:a14="http://schemas.microsoft.com/office/drawing/2010/main">
+                <a:solidFill>
+                  <a:srgbClr val="FFFFFF"/>
+                </a:solidFill>
+              </a14:hiddenFill>
+            </a:ext>
+          </a:extLst>
+        </p:spPr>
+      </p:pic>
+      <p:cxnSp>
+        <p:nvCxnSpPr>
+          <p:cNvPr id="6" name="Прямая соединительная линия 5">
+            <a:extLst>
+              <a:ext uri="{FF2B5EF4-FFF2-40B4-BE49-F238E27FC236}">
+                <a16:creationId xmlns:a16="http://schemas.microsoft.com/office/drawing/2014/main" id="{46ECD298-7BF8-4982-B097-8F1683C95FE3}"/>
+              </a:ext>
+            </a:extLst>
+          </p:cNvPr>
+          <p:cNvCxnSpPr>
+            <a:cxnSpLocks/>
+          </p:cNvCxnSpPr>
+          <p:nvPr/>
+        </p:nvCxnSpPr>
+        <p:spPr>
+          <a:xfrm>
+            <a:off x="758816" y="4051495"/>
+            <a:ext cx="10974480" cy="0"/>
+          </a:xfrm>
+          <a:prstGeom prst="line">
+            <a:avLst/>
+          </a:prstGeom>
+          <a:ln>
+            <a:solidFill>
+              <a:schemeClr val="bg2"/>
+            </a:solidFill>
+          </a:ln>
+        </p:spPr>
+        <p:style>
+          <a:lnRef idx="1">
+            <a:schemeClr val="accent1"/>
+          </a:lnRef>
+          <a:fillRef idx="0">
+            <a:schemeClr val="accent1"/>
+          </a:fillRef>
+          <a:effectRef idx="0">
+            <a:schemeClr val="accent1"/>
+          </a:effectRef>
+          <a:fontRef idx="minor">
+            <a:schemeClr val="tx1"/>
+          </a:fontRef>
+        </p:style>
+      </p:cxnSp>
+      <p:sp>
+        <p:nvSpPr>
+          <p:cNvPr id="8" name="Прямоугольник 7">
+            <a:extLst>
+              <a:ext uri="{FF2B5EF4-FFF2-40B4-BE49-F238E27FC236}">
+                <a16:creationId xmlns:a16="http://schemas.microsoft.com/office/drawing/2014/main" id="{924A9F64-5544-44FC-A636-273A7CC541E4}"/>
+              </a:ext>
+            </a:extLst>
+          </p:cNvPr>
+          <p:cNvSpPr/>
+          <p:nvPr/>
+        </p:nvSpPr>
+        <p:spPr>
+          <a:xfrm>
+            <a:off x="5444877" y="4051495"/>
+            <a:ext cx="6457071" cy="400110"/>
+          </a:xfrm>
+          <a:prstGeom prst="rect">
+            <a:avLst/>
+          </a:prstGeom>
+        </p:spPr>
+        <p:txBody>
+          <a:bodyPr wrap="square">
+            <a:spAutoFit/>
+          </a:bodyPr>
+          <a:lstStyle/>
+          <a:p>
+            <a:r>
+              <a:rPr lang="ru-RU" sz="2000" dirty="0">
+                <a:latin typeface="+mj-lt"/>
+                <a:cs typeface="Arial" panose="020B0604020202020204" pitchFamily="34" charset="0"/>
+              </a:rPr>
+              <a:t>Автор: Маркин Кирилл Вадимович, студент группы ИУ7-71</a:t>
+            </a:r>
+          </a:p>
+        </p:txBody>
+      </p:sp>
+      <p:sp>
+        <p:nvSpPr>
+          <p:cNvPr id="10" name="Прямоугольник 9">
+            <a:extLst>
+              <a:ext uri="{FF2B5EF4-FFF2-40B4-BE49-F238E27FC236}">
+                <a16:creationId xmlns:a16="http://schemas.microsoft.com/office/drawing/2014/main" id="{7171B5D5-C64E-4B64-9D23-DC7E15FF1D20}"/>
+              </a:ext>
+            </a:extLst>
+          </p:cNvPr>
+          <p:cNvSpPr/>
+          <p:nvPr/>
+        </p:nvSpPr>
+        <p:spPr>
+          <a:xfrm>
+            <a:off x="5046016" y="6423099"/>
+            <a:ext cx="1451038" cy="338554"/>
+          </a:xfrm>
+          <a:prstGeom prst="rect">
+            <a:avLst/>
+          </a:prstGeom>
+        </p:spPr>
+        <p:txBody>
+          <a:bodyPr wrap="square">
+            <a:spAutoFit/>
+          </a:bodyPr>
+          <a:lstStyle/>
+          <a:p>
+            <a:r>
+              <a:rPr lang="ru-RU" sz="1600" dirty="0">
+                <a:latin typeface="Arial" panose="020B0604020202020204" pitchFamily="34" charset="0"/>
+                <a:cs typeface="Arial" panose="020B0604020202020204" pitchFamily="34" charset="0"/>
+              </a:rPr>
+              <a:t>Москва 2019</a:t>
+            </a:r>
+          </a:p>
+        </p:txBody>
+      </p:sp>
+    </p:spTree>
+    <p:extLst>
+      <p:ext uri="{BB962C8B-B14F-4D97-AF65-F5344CB8AC3E}">
+        <p14:creationId xmlns:p14="http://schemas.microsoft.com/office/powerpoint/2010/main" val="345680307"/>
+      </p:ext>
+    </p:extLst>
+  </p:cSld>
+  <p:clrMapOvr>
+    <a:masterClrMapping/>
+  </p:clrMapOvr>
+</p:sld>
+</file>
+
+<file path=ppt/slides/slide10.xml><?xml version="1.0" encoding="utf-8"?>
+<p:sld xmlns:a="http://schemas.openxmlformats.org/drawingml/2006/main" xmlns:r="http://schemas.openxmlformats.org/officeDocument/2006/relationships" xmlns:p="http://schemas.openxmlformats.org/presentationml/2006/main">
+  <p:cSld>
+    <p:spTree>
+      <p:nvGrpSpPr>
+        <p:cNvPr id="1" name=""/>
+        <p:cNvGrpSpPr/>
+        <p:nvPr/>
+      </p:nvGrpSpPr>
+      <p:grpSpPr>
+        <a:xfrm>
+          <a:off x="0" y="0"/>
+          <a:ext cx="0" cy="0"/>
+          <a:chOff x="0" y="0"/>
+          <a:chExt cx="0" cy="0"/>
+        </a:xfrm>
+      </p:grpSpPr>
+      <p:sp>
+        <p:nvSpPr>
+          <p:cNvPr id="3" name="Подзаголовок 2">
+            <a:extLst>
+              <a:ext uri="{FF2B5EF4-FFF2-40B4-BE49-F238E27FC236}">
+                <a16:creationId xmlns:a16="http://schemas.microsoft.com/office/drawing/2014/main" id="{42F3BE86-5E9B-C749-920F-198FF0621C9D}"/>
+              </a:ext>
+            </a:extLst>
+          </p:cNvPr>
+          <p:cNvSpPr>
+            <a:spLocks noGrp="1"/>
+          </p:cNvSpPr>
+          <p:nvPr>
+            <p:ph type="subTitle" idx="1"/>
+          </p:nvPr>
+        </p:nvSpPr>
+        <p:spPr>
+          <a:xfrm>
             <a:off x="1524000" y="412271"/>
             <a:ext cx="9144000" cy="1655762"/>
           </a:xfrm>
@@ -3362,7 +3721,60 @@
           <a:p>
             <a:r>
               <a:rPr lang="ru-RU" dirty="0"/>
-              <a:t>//титульный слайд - Название, ФИО мои, ФИО руководителя</a:t>
+              <a:t>// Выводы</a:t>
+            </a:r>
+          </a:p>
+        </p:txBody>
+      </p:sp>
+      <p:sp>
+        <p:nvSpPr>
+          <p:cNvPr id="2" name="TextBox 1">
+            <a:extLst>
+              <a:ext uri="{FF2B5EF4-FFF2-40B4-BE49-F238E27FC236}">
+                <a16:creationId xmlns:a16="http://schemas.microsoft.com/office/drawing/2014/main" id="{A3CF60C9-512C-2141-A312-E3EE214C4527}"/>
+              </a:ext>
+            </a:extLst>
+          </p:cNvPr>
+          <p:cNvSpPr txBox="1"/>
+          <p:nvPr/>
+        </p:nvSpPr>
+        <p:spPr>
+          <a:xfrm>
+            <a:off x="1562986" y="2179674"/>
+            <a:ext cx="6693692" cy="1200329"/>
+          </a:xfrm>
+          <a:prstGeom prst="rect">
+            <a:avLst/>
+          </a:prstGeom>
+          <a:noFill/>
+        </p:spPr>
+        <p:txBody>
+          <a:bodyPr wrap="none" rtlCol="0">
+            <a:spAutoFit/>
+          </a:bodyPr>
+          <a:lstStyle/>
+          <a:p>
+            <a:r>
+              <a:rPr lang="ru-RU" dirty="0"/>
+              <a:t>- Выполненные задачи</a:t>
+            </a:r>
+          </a:p>
+          <a:p>
+            <a:r>
+              <a:rPr lang="ru-RU" dirty="0"/>
+              <a:t>	    - Сколько задач столько же и выводов</a:t>
+            </a:r>
+          </a:p>
+          <a:p>
+            <a:r>
+              <a:rPr lang="ru-RU" dirty="0"/>
+              <a:t>	    - «Разработать» в задачах - «Разработано» - в выводах</a:t>
+            </a:r>
+          </a:p>
+          <a:p>
+            <a:r>
+              <a:rPr lang="ru-RU" dirty="0"/>
+              <a:t>	    - 1 к 1</a:t>
             </a:r>
           </a:p>
         </p:txBody>
@@ -3370,7 +3782,7 @@
     </p:spTree>
     <p:extLst>
       <p:ext uri="{BB962C8B-B14F-4D97-AF65-F5344CB8AC3E}">
-        <p14:creationId xmlns:p14="http://schemas.microsoft.com/office/powerpoint/2010/main" val="345680307"/>
+        <p14:creationId xmlns:p14="http://schemas.microsoft.com/office/powerpoint/2010/main" val="724818970"/>
       </p:ext>
     </p:extLst>
   </p:cSld>
@@ -3399,24 +3811,24 @@
       </p:grpSpPr>
       <p:sp>
         <p:nvSpPr>
-          <p:cNvPr id="3" name="Подзаголовок 2">
-            <a:extLst>
-              <a:ext uri="{FF2B5EF4-FFF2-40B4-BE49-F238E27FC236}">
-                <a16:creationId xmlns:a16="http://schemas.microsoft.com/office/drawing/2014/main" id="{42F3BE86-5E9B-C749-920F-198FF0621C9D}"/>
-              </a:ext>
-            </a:extLst>
-          </p:cNvPr>
-          <p:cNvSpPr>
-            <a:spLocks noGrp="1"/>
-          </p:cNvSpPr>
-          <p:nvPr>
-            <p:ph type="subTitle" idx="1"/>
+          <p:cNvPr id="2" name="Заголовок 1">
+            <a:extLst>
+              <a:ext uri="{FF2B5EF4-FFF2-40B4-BE49-F238E27FC236}">
+                <a16:creationId xmlns:a16="http://schemas.microsoft.com/office/drawing/2014/main" id="{C18BEBB3-2398-4C0C-BFA5-C5C8256F83ED}"/>
+              </a:ext>
+            </a:extLst>
+          </p:cNvPr>
+          <p:cNvSpPr>
+            <a:spLocks noGrp="1"/>
+          </p:cNvSpPr>
+          <p:nvPr>
+            <p:ph type="title" idx="4294967295"/>
           </p:nvPr>
         </p:nvSpPr>
         <p:spPr>
           <a:xfrm>
-            <a:off x="1524000" y="412271"/>
-            <a:ext cx="9144000" cy="1655762"/>
+            <a:off x="0" y="185738"/>
+            <a:ext cx="10515600" cy="1325563"/>
           </a:xfrm>
         </p:spPr>
         <p:txBody>
@@ -3425,78 +3837,7 @@
           <a:p>
             <a:r>
               <a:rPr lang="ru-RU" dirty="0"/>
-              <a:t>// Цель и основные задачи работы</a:t>
-            </a:r>
-          </a:p>
-        </p:txBody>
-      </p:sp>
-      <p:sp>
-        <p:nvSpPr>
-          <p:cNvPr id="4" name="TextBox 3">
-            <a:extLst>
-              <a:ext uri="{FF2B5EF4-FFF2-40B4-BE49-F238E27FC236}">
-                <a16:creationId xmlns:a16="http://schemas.microsoft.com/office/drawing/2014/main" id="{5F56AE08-06C9-9F45-8978-72CBCCA785F5}"/>
-              </a:ext>
-            </a:extLst>
-          </p:cNvPr>
-          <p:cNvSpPr txBox="1"/>
-          <p:nvPr/>
-        </p:nvSpPr>
-        <p:spPr>
-          <a:xfrm>
-            <a:off x="595423" y="2068033"/>
-            <a:ext cx="9888279" cy="2308324"/>
-          </a:xfrm>
-          <a:prstGeom prst="rect">
-            <a:avLst/>
-          </a:prstGeom>
-          <a:noFill/>
-        </p:spPr>
-        <p:txBody>
-          <a:bodyPr wrap="square" rtlCol="0">
-            <a:spAutoFit/>
-          </a:bodyPr>
-          <a:lstStyle/>
-          <a:p>
-            <a:r>
-              <a:rPr lang="ru-RU" dirty="0"/>
-              <a:t>- Цель работы (одно предложение)</a:t>
-            </a:r>
-          </a:p>
-          <a:p>
-            <a:r>
-              <a:rPr lang="ru-RU" dirty="0"/>
-              <a:t>        	- Почти повторить название раскрыв суть метода. На базе какой математической модели, аппарата сделано и что вот есть программа через которую это видно.</a:t>
-            </a:r>
-          </a:p>
-          <a:p>
-            <a:r>
-              <a:rPr lang="ru-RU" dirty="0"/>
-              <a:t>	    - Основные задачи</a:t>
-            </a:r>
-          </a:p>
-          <a:p>
-            <a:r>
-              <a:rPr lang="ru-RU" dirty="0"/>
-              <a:t>	        - «Для достижения поставленной цели были поставлены основные задачи»</a:t>
-            </a:r>
-          </a:p>
-          <a:p>
-            <a:r>
-              <a:rPr lang="ru-RU" dirty="0"/>
-              <a:t>	        - Объект исследования</a:t>
-            </a:r>
-          </a:p>
-          <a:p>
-            <a:r>
-              <a:rPr lang="ru-RU" dirty="0"/>
-              <a:t>	        - Анализ того что сделали</a:t>
-            </a:r>
-          </a:p>
-          <a:p>
-            <a:r>
-              <a:rPr lang="ru-RU" dirty="0"/>
-              <a:t>	        - Анализ продуктов которые есть похожие на мой</a:t>
+              <a:t>      Актуальность</a:t>
             </a:r>
           </a:p>
         </p:txBody>
@@ -3504,7 +3845,7 @@
     </p:spTree>
     <p:extLst>
       <p:ext uri="{BB962C8B-B14F-4D97-AF65-F5344CB8AC3E}">
-        <p14:creationId xmlns:p14="http://schemas.microsoft.com/office/powerpoint/2010/main" val="667371422"/>
+        <p14:creationId xmlns:p14="http://schemas.microsoft.com/office/powerpoint/2010/main" val="2067238076"/>
       </p:ext>
     </p:extLst>
   </p:cSld>
@@ -3549,17 +3890,22 @@
         </p:nvSpPr>
         <p:spPr>
           <a:xfrm>
-            <a:off x="1524000" y="412271"/>
+            <a:off x="595423" y="412271"/>
             <a:ext cx="9144000" cy="1655762"/>
           </a:xfrm>
         </p:spPr>
         <p:txBody>
-          <a:bodyPr/>
-          <a:lstStyle/>
-          <a:p>
-            <a:r>
-              <a:rPr lang="ru-RU" dirty="0"/>
-              <a:t>//Классификация того что мы сделали - сравнение с другими методами</a:t>
+          <a:bodyPr>
+            <a:normAutofit/>
+          </a:bodyPr>
+          <a:lstStyle/>
+          <a:p>
+            <a:pPr algn="l"/>
+            <a:r>
+              <a:rPr lang="ru-RU" sz="4400" dirty="0">
+                <a:latin typeface="+mj-lt"/>
+              </a:rPr>
+              <a:t>Цели и задачи</a:t>
             </a:r>
           </a:p>
         </p:txBody>
@@ -3569,7 +3915,7 @@
           <p:cNvPr id="4" name="TextBox 3">
             <a:extLst>
               <a:ext uri="{FF2B5EF4-FFF2-40B4-BE49-F238E27FC236}">
-                <a16:creationId xmlns:a16="http://schemas.microsoft.com/office/drawing/2014/main" id="{2EAE565F-BE3F-2642-A8E6-57735D484954}"/>
+                <a16:creationId xmlns:a16="http://schemas.microsoft.com/office/drawing/2014/main" id="{5F56AE08-06C9-9F45-8978-72CBCCA785F5}"/>
               </a:ext>
             </a:extLst>
           </p:cNvPr>
@@ -3578,8 +3924,8 @@
         </p:nvSpPr>
         <p:spPr>
           <a:xfrm>
-            <a:off x="1839433" y="2551814"/>
-            <a:ext cx="7995683" cy="646331"/>
+            <a:off x="595423" y="2068033"/>
+            <a:ext cx="9888279" cy="2308324"/>
           </a:xfrm>
           <a:prstGeom prst="rect">
             <a:avLst/>
@@ -3594,42 +3940,43 @@
           <a:p>
             <a:r>
               <a:rPr lang="ru-RU" dirty="0"/>
-              <a:t>«А я буду заниматься самым левым нижним квадратиком из этой всей схемы - узкой задачей» - это снимет много вопросов</a:t>
-            </a:r>
-          </a:p>
-        </p:txBody>
-      </p:sp>
-      <p:sp>
-        <p:nvSpPr>
-          <p:cNvPr id="5" name="TextBox 4">
-            <a:extLst>
-              <a:ext uri="{FF2B5EF4-FFF2-40B4-BE49-F238E27FC236}">
-                <a16:creationId xmlns:a16="http://schemas.microsoft.com/office/drawing/2014/main" id="{4A26A0D4-250F-294D-B8EC-4771BE52F625}"/>
-              </a:ext>
-            </a:extLst>
-          </p:cNvPr>
-          <p:cNvSpPr txBox="1"/>
-          <p:nvPr/>
-        </p:nvSpPr>
-        <p:spPr>
-          <a:xfrm>
-            <a:off x="2449034" y="3681926"/>
-            <a:ext cx="7995683" cy="646331"/>
-          </a:xfrm>
-          <a:prstGeom prst="rect">
-            <a:avLst/>
-          </a:prstGeom>
-          <a:noFill/>
-        </p:spPr>
-        <p:txBody>
-          <a:bodyPr wrap="square" rtlCol="0">
-            <a:spAutoFit/>
-          </a:bodyPr>
-          <a:lstStyle/>
+              <a:t>- Цель работы (одно предложение)</a:t>
+            </a:r>
+          </a:p>
           <a:p>
             <a:r>
               <a:rPr lang="ru-RU" dirty="0"/>
-              <a:t>Тут обзор других решений, взять из списка литературы что там я изучал и похожие</a:t>
+              <a:t>        	- Почти повторить название раскрыв суть метода. На базе какой математической модели, аппарата сделано и что вот есть программа через которую это видно.</a:t>
+            </a:r>
+          </a:p>
+          <a:p>
+            <a:r>
+              <a:rPr lang="ru-RU" dirty="0"/>
+              <a:t>	    - Основные задачи</a:t>
+            </a:r>
+          </a:p>
+          <a:p>
+            <a:r>
+              <a:rPr lang="ru-RU" dirty="0"/>
+              <a:t>	        - «Для достижения поставленной цели были поставлены основные задачи»</a:t>
+            </a:r>
+          </a:p>
+          <a:p>
+            <a:r>
+              <a:rPr lang="ru-RU" dirty="0"/>
+              <a:t>	        - Объект исследования</a:t>
+            </a:r>
+          </a:p>
+          <a:p>
+            <a:r>
+              <a:rPr lang="ru-RU" dirty="0"/>
+              <a:t>	        - Анализ того что сделали</a:t>
+            </a:r>
+          </a:p>
+          <a:p>
+            <a:r>
+              <a:rPr lang="ru-RU" dirty="0"/>
+              <a:t>	        - Анализ продуктов которые есть похожие на мой</a:t>
             </a:r>
           </a:p>
         </p:txBody>
@@ -3637,7 +3984,7 @@
     </p:spTree>
     <p:extLst>
       <p:ext uri="{BB962C8B-B14F-4D97-AF65-F5344CB8AC3E}">
-        <p14:creationId xmlns:p14="http://schemas.microsoft.com/office/powerpoint/2010/main" val="1731882397"/>
+        <p14:creationId xmlns:p14="http://schemas.microsoft.com/office/powerpoint/2010/main" val="667371422"/>
       </p:ext>
     </p:extLst>
   </p:cSld>
@@ -3692,17 +4039,17 @@
           <a:p>
             <a:r>
               <a:rPr lang="ru-RU" dirty="0"/>
-              <a:t>//</a:t>
-            </a:r>
-          </a:p>
-        </p:txBody>
-      </p:sp>
-      <p:sp>
-        <p:nvSpPr>
-          <p:cNvPr id="2" name="TextBox 1">
-            <a:extLst>
-              <a:ext uri="{FF2B5EF4-FFF2-40B4-BE49-F238E27FC236}">
-                <a16:creationId xmlns:a16="http://schemas.microsoft.com/office/drawing/2014/main" id="{01EE5F1A-BD62-B74D-8ECE-B826284E399D}"/>
+              <a:t>//Классификация того что мы сделали - сравнение с другими методами</a:t>
+            </a:r>
+          </a:p>
+        </p:txBody>
+      </p:sp>
+      <p:sp>
+        <p:nvSpPr>
+          <p:cNvPr id="4" name="TextBox 3">
+            <a:extLst>
+              <a:ext uri="{FF2B5EF4-FFF2-40B4-BE49-F238E27FC236}">
+                <a16:creationId xmlns:a16="http://schemas.microsoft.com/office/drawing/2014/main" id="{2EAE565F-BE3F-2642-A8E6-57735D484954}"/>
               </a:ext>
             </a:extLst>
           </p:cNvPr>
@@ -3711,8 +4058,8 @@
         </p:nvSpPr>
         <p:spPr>
           <a:xfrm>
-            <a:off x="1998921" y="2647507"/>
-            <a:ext cx="7564378" cy="1754326"/>
+            <a:off x="1839433" y="2551814"/>
+            <a:ext cx="7995683" cy="646331"/>
           </a:xfrm>
           <a:prstGeom prst="rect">
             <a:avLst/>
@@ -3720,44 +4067,49 @@
           <a:noFill/>
         </p:spPr>
         <p:txBody>
-          <a:bodyPr wrap="none" rtlCol="0">
+          <a:bodyPr wrap="square" rtlCol="0">
             <a:spAutoFit/>
           </a:bodyPr>
           <a:lstStyle/>
           <a:p>
             <a:r>
               <a:rPr lang="ru-RU" dirty="0"/>
-              <a:t>- Показать все что мы делали</a:t>
-            </a:r>
-          </a:p>
+              <a:t>«А я буду заниматься самым левым нижним квадратиком из этой всей схемы - узкой задачей» - это снимет много вопросов</a:t>
+            </a:r>
+          </a:p>
+        </p:txBody>
+      </p:sp>
+      <p:sp>
+        <p:nvSpPr>
+          <p:cNvPr id="5" name="TextBox 4">
+            <a:extLst>
+              <a:ext uri="{FF2B5EF4-FFF2-40B4-BE49-F238E27FC236}">
+                <a16:creationId xmlns:a16="http://schemas.microsoft.com/office/drawing/2014/main" id="{4A26A0D4-250F-294D-B8EC-4771BE52F625}"/>
+              </a:ext>
+            </a:extLst>
+          </p:cNvPr>
+          <p:cNvSpPr txBox="1"/>
+          <p:nvPr/>
+        </p:nvSpPr>
+        <p:spPr>
+          <a:xfrm>
+            <a:off x="2449034" y="3681926"/>
+            <a:ext cx="7995683" cy="646331"/>
+          </a:xfrm>
+          <a:prstGeom prst="rect">
+            <a:avLst/>
+          </a:prstGeom>
+          <a:noFill/>
+        </p:spPr>
+        <p:txBody>
+          <a:bodyPr wrap="square" rtlCol="0">
+            <a:spAutoFit/>
+          </a:bodyPr>
+          <a:lstStyle/>
           <a:p>
             <a:r>
               <a:rPr lang="ru-RU" dirty="0"/>
-              <a:t>	    - Рисуем уровень А0 или переходим на более низкий уровень</a:t>
-            </a:r>
-          </a:p>
-          <a:p>
-            <a:r>
-              <a:rPr lang="ru-RU" dirty="0"/>
-              <a:t>	    - Показываем что есть входная информация</a:t>
-            </a:r>
-          </a:p>
-          <a:p>
-            <a:r>
-              <a:rPr lang="ru-RU" dirty="0"/>
-              <a:t>	    - Как информация преобразуется и что мы получаем на выходе</a:t>
-            </a:r>
-          </a:p>
-          <a:p>
-            <a:r>
-              <a:rPr lang="ru-RU" dirty="0"/>
-              <a:t>	    - Все управляющие сигналы тоже показываем</a:t>
-            </a:r>
-          </a:p>
-          <a:p>
-            <a:r>
-              <a:rPr lang="ru-RU" dirty="0"/>
-              <a:t>	    - На этом слайде донести суть моей работы</a:t>
+              <a:t>Тут обзор других решений, взять из списка литературы что там я изучал и похожие</a:t>
             </a:r>
           </a:p>
         </p:txBody>
@@ -3765,7 +4117,7 @@
     </p:spTree>
     <p:extLst>
       <p:ext uri="{BB962C8B-B14F-4D97-AF65-F5344CB8AC3E}">
-        <p14:creationId xmlns:p14="http://schemas.microsoft.com/office/powerpoint/2010/main" val="3949826143"/>
+        <p14:creationId xmlns:p14="http://schemas.microsoft.com/office/powerpoint/2010/main" val="1731882397"/>
       </p:ext>
     </p:extLst>
   </p:cSld>
@@ -3827,10 +4179,10 @@
       </p:sp>
       <p:sp>
         <p:nvSpPr>
-          <p:cNvPr id="4" name="TextBox 3">
-            <a:extLst>
-              <a:ext uri="{FF2B5EF4-FFF2-40B4-BE49-F238E27FC236}">
-                <a16:creationId xmlns:a16="http://schemas.microsoft.com/office/drawing/2014/main" id="{8D97A504-1EB5-1340-9C33-1ACD3E770809}"/>
+          <p:cNvPr id="2" name="TextBox 1">
+            <a:extLst>
+              <a:ext uri="{FF2B5EF4-FFF2-40B4-BE49-F238E27FC236}">
+                <a16:creationId xmlns:a16="http://schemas.microsoft.com/office/drawing/2014/main" id="{01EE5F1A-BD62-B74D-8ECE-B826284E399D}"/>
               </a:ext>
             </a:extLst>
           </p:cNvPr>
@@ -3839,8 +4191,8 @@
         </p:nvSpPr>
         <p:spPr>
           <a:xfrm>
-            <a:off x="2541181" y="3340004"/>
-            <a:ext cx="5982535" cy="369332"/>
+            <a:off x="1998921" y="2647507"/>
+            <a:ext cx="7564378" cy="1754326"/>
           </a:xfrm>
           <a:prstGeom prst="rect">
             <a:avLst/>
@@ -3855,7 +4207,37 @@
           <a:p>
             <a:r>
               <a:rPr lang="ru-RU" dirty="0"/>
-              <a:t>// Формализация объекта (какая математика используется)</a:t>
+              <a:t>- Показать все что мы делали</a:t>
+            </a:r>
+          </a:p>
+          <a:p>
+            <a:r>
+              <a:rPr lang="ru-RU" dirty="0"/>
+              <a:t>	    - Рисуем уровень А0 или переходим на более низкий уровень</a:t>
+            </a:r>
+          </a:p>
+          <a:p>
+            <a:r>
+              <a:rPr lang="ru-RU" dirty="0"/>
+              <a:t>	    - Показываем что есть входная информация</a:t>
+            </a:r>
+          </a:p>
+          <a:p>
+            <a:r>
+              <a:rPr lang="ru-RU" dirty="0"/>
+              <a:t>	    - Как информация преобразуется и что мы получаем на выходе</a:t>
+            </a:r>
+          </a:p>
+          <a:p>
+            <a:r>
+              <a:rPr lang="ru-RU" dirty="0"/>
+              <a:t>	    - Все управляющие сигналы тоже показываем</a:t>
+            </a:r>
+          </a:p>
+          <a:p>
+            <a:r>
+              <a:rPr lang="ru-RU" dirty="0"/>
+              <a:t>	    - На этом слайде донести суть моей работы</a:t>
             </a:r>
           </a:p>
         </p:txBody>
@@ -3863,7 +4245,7 @@
     </p:spTree>
     <p:extLst>
       <p:ext uri="{BB962C8B-B14F-4D97-AF65-F5344CB8AC3E}">
-        <p14:creationId xmlns:p14="http://schemas.microsoft.com/office/powerpoint/2010/main" val="2648288219"/>
+        <p14:creationId xmlns:p14="http://schemas.microsoft.com/office/powerpoint/2010/main" val="3949826143"/>
       </p:ext>
     </p:extLst>
   </p:cSld>
@@ -3918,17 +4300,17 @@
           <a:p>
             <a:r>
               <a:rPr lang="ru-RU" dirty="0"/>
-              <a:t>// Говорим что создаем «алгоритм» - важно! ( тут про новизну )</a:t>
-            </a:r>
-          </a:p>
-        </p:txBody>
-      </p:sp>
-      <p:sp>
-        <p:nvSpPr>
-          <p:cNvPr id="5" name="TextBox 4">
-            <a:extLst>
-              <a:ext uri="{FF2B5EF4-FFF2-40B4-BE49-F238E27FC236}">
-                <a16:creationId xmlns:a16="http://schemas.microsoft.com/office/drawing/2014/main" id="{EF9E41BD-D326-BC4C-A762-46B9568B1C2A}"/>
+              <a:t>//</a:t>
+            </a:r>
+          </a:p>
+        </p:txBody>
+      </p:sp>
+      <p:sp>
+        <p:nvSpPr>
+          <p:cNvPr id="4" name="TextBox 3">
+            <a:extLst>
+              <a:ext uri="{FF2B5EF4-FFF2-40B4-BE49-F238E27FC236}">
+                <a16:creationId xmlns:a16="http://schemas.microsoft.com/office/drawing/2014/main" id="{8D97A504-1EB5-1340-9C33-1ACD3E770809}"/>
               </a:ext>
             </a:extLst>
           </p:cNvPr>
@@ -3937,8 +4319,8 @@
         </p:nvSpPr>
         <p:spPr>
           <a:xfrm>
-            <a:off x="2509284" y="1839433"/>
-            <a:ext cx="8045023" cy="1477328"/>
+            <a:off x="2541181" y="3340004"/>
+            <a:ext cx="5982535" cy="369332"/>
           </a:xfrm>
           <a:prstGeom prst="rect">
             <a:avLst/>
@@ -3953,31 +4335,7 @@
           <a:p>
             <a:r>
               <a:rPr lang="ru-RU" dirty="0"/>
-              <a:t>- Алгоритм изображенный строго по госту</a:t>
-            </a:r>
-          </a:p>
-          <a:p>
-            <a:r>
-              <a:rPr lang="ru-RU" dirty="0"/>
-              <a:t>	    - Ну линейный не нужно отображать - что-то красиво с ветвлениями</a:t>
-            </a:r>
-          </a:p>
-          <a:p>
-            <a:r>
-              <a:rPr lang="ru-RU" dirty="0"/>
-              <a:t>	    - Не нужна диаграмма классов</a:t>
-            </a:r>
-          </a:p>
-          <a:p>
-            <a:r>
-              <a:rPr lang="ru-RU" dirty="0"/>
-              <a:t>	    - Можно взаимодействие пользователей</a:t>
-            </a:r>
-          </a:p>
-          <a:p>
-            <a:r>
-              <a:rPr lang="ru-RU" dirty="0"/>
-              <a:t>	    - Сказать в чем новизна</a:t>
+              <a:t>// Формализация объекта (какая математика используется)</a:t>
             </a:r>
           </a:p>
         </p:txBody>
@@ -3985,7 +4343,7 @@
     </p:spTree>
     <p:extLst>
       <p:ext uri="{BB962C8B-B14F-4D97-AF65-F5344CB8AC3E}">
-        <p14:creationId xmlns:p14="http://schemas.microsoft.com/office/powerpoint/2010/main" val="3333767127"/>
+        <p14:creationId xmlns:p14="http://schemas.microsoft.com/office/powerpoint/2010/main" val="2648288219"/>
       </p:ext>
     </p:extLst>
   </p:cSld>
@@ -4040,7 +4398,66 @@
           <a:p>
             <a:r>
               <a:rPr lang="ru-RU" dirty="0"/>
-              <a:t>// Создаем структуру ПО</a:t>
+              <a:t>// Говорим что создаем «алгоритм» - важно! ( тут про новизну )</a:t>
+            </a:r>
+          </a:p>
+        </p:txBody>
+      </p:sp>
+      <p:sp>
+        <p:nvSpPr>
+          <p:cNvPr id="5" name="TextBox 4">
+            <a:extLst>
+              <a:ext uri="{FF2B5EF4-FFF2-40B4-BE49-F238E27FC236}">
+                <a16:creationId xmlns:a16="http://schemas.microsoft.com/office/drawing/2014/main" id="{EF9E41BD-D326-BC4C-A762-46B9568B1C2A}"/>
+              </a:ext>
+            </a:extLst>
+          </p:cNvPr>
+          <p:cNvSpPr txBox="1"/>
+          <p:nvPr/>
+        </p:nvSpPr>
+        <p:spPr>
+          <a:xfrm>
+            <a:off x="2509284" y="1839433"/>
+            <a:ext cx="8045023" cy="1477328"/>
+          </a:xfrm>
+          <a:prstGeom prst="rect">
+            <a:avLst/>
+          </a:prstGeom>
+          <a:noFill/>
+        </p:spPr>
+        <p:txBody>
+          <a:bodyPr wrap="none" rtlCol="0">
+            <a:spAutoFit/>
+          </a:bodyPr>
+          <a:lstStyle/>
+          <a:p>
+            <a:r>
+              <a:rPr lang="ru-RU" dirty="0"/>
+              <a:t>- Алгоритм изображенный строго по госту</a:t>
+            </a:r>
+          </a:p>
+          <a:p>
+            <a:r>
+              <a:rPr lang="ru-RU" dirty="0"/>
+              <a:t>	    - Ну линейный не нужно отображать - что-то красиво с ветвлениями</a:t>
+            </a:r>
+          </a:p>
+          <a:p>
+            <a:r>
+              <a:rPr lang="ru-RU" dirty="0"/>
+              <a:t>	    - Не нужна диаграмма классов</a:t>
+            </a:r>
+          </a:p>
+          <a:p>
+            <a:r>
+              <a:rPr lang="ru-RU" dirty="0"/>
+              <a:t>	    - Можно взаимодействие пользователей</a:t>
+            </a:r>
+          </a:p>
+          <a:p>
+            <a:r>
+              <a:rPr lang="ru-RU" dirty="0"/>
+              <a:t>	    - Сказать в чем новизна</a:t>
             </a:r>
           </a:p>
         </p:txBody>
@@ -4048,7 +4465,7 @@
     </p:spTree>
     <p:extLst>
       <p:ext uri="{BB962C8B-B14F-4D97-AF65-F5344CB8AC3E}">
-        <p14:creationId xmlns:p14="http://schemas.microsoft.com/office/powerpoint/2010/main" val="2070813334"/>
+        <p14:creationId xmlns:p14="http://schemas.microsoft.com/office/powerpoint/2010/main" val="3333767127"/>
       </p:ext>
     </p:extLst>
   </p:cSld>
@@ -4103,60 +4520,7 @@
           <a:p>
             <a:r>
               <a:rPr lang="ru-RU" dirty="0"/>
-              <a:t>// Исследование (чего-то там конкретно)</a:t>
-            </a:r>
-          </a:p>
-        </p:txBody>
-      </p:sp>
-      <p:sp>
-        <p:nvSpPr>
-          <p:cNvPr id="2" name="TextBox 1">
-            <a:extLst>
-              <a:ext uri="{FF2B5EF4-FFF2-40B4-BE49-F238E27FC236}">
-                <a16:creationId xmlns:a16="http://schemas.microsoft.com/office/drawing/2014/main" id="{A4C279EE-1805-2648-99ED-CDDFD2E197EF}"/>
-              </a:ext>
-            </a:extLst>
-          </p:cNvPr>
-          <p:cNvSpPr txBox="1"/>
-          <p:nvPr/>
-        </p:nvSpPr>
-        <p:spPr>
-          <a:xfrm>
-            <a:off x="1733107" y="1988288"/>
-            <a:ext cx="7634176" cy="1754326"/>
-          </a:xfrm>
-          <a:prstGeom prst="rect">
-            <a:avLst/>
-          </a:prstGeom>
-          <a:noFill/>
-        </p:spPr>
-        <p:txBody>
-          <a:bodyPr wrap="square" rtlCol="0">
-            <a:spAutoFit/>
-          </a:bodyPr>
-          <a:lstStyle/>
-          <a:p>
-            <a:r>
-              <a:rPr lang="ru-RU" dirty="0"/>
-              <a:t>- Можно исследовать сравнивая похожее с моим и посмотреть разницу</a:t>
-            </a:r>
-          </a:p>
-          <a:p>
-            <a:r>
-              <a:rPr lang="ru-RU" dirty="0"/>
-              <a:t>	    - Можно исследовать собственный инструментарий на сложность, разные параметры и т д если решение совсем уж оригинальное</a:t>
-            </a:r>
-          </a:p>
-          <a:p>
-            <a:r>
-              <a:rPr lang="ru-RU" dirty="0"/>
-              <a:t>	    - Можно в табличном виде - вот параметры, мой алгоритм лучше</a:t>
-            </a:r>
-          </a:p>
-          <a:p>
-            <a:r>
-              <a:rPr lang="ru-RU" dirty="0"/>
-              <a:t>	    - Можно с помощью графиков</a:t>
+              <a:t>// Создаем структуру ПО</a:t>
             </a:r>
           </a:p>
         </p:txBody>
@@ -4164,7 +4528,7 @@
     </p:spTree>
     <p:extLst>
       <p:ext uri="{BB962C8B-B14F-4D97-AF65-F5344CB8AC3E}">
-        <p14:creationId xmlns:p14="http://schemas.microsoft.com/office/powerpoint/2010/main" val="1361743108"/>
+        <p14:creationId xmlns:p14="http://schemas.microsoft.com/office/powerpoint/2010/main" val="2070813334"/>
       </p:ext>
     </p:extLst>
   </p:cSld>
@@ -4219,7 +4583,7 @@
           <a:p>
             <a:r>
               <a:rPr lang="ru-RU" dirty="0"/>
-              <a:t>// Выводы</a:t>
+              <a:t>// Исследование (чего-то там конкретно)</a:t>
             </a:r>
           </a:p>
         </p:txBody>
@@ -4229,7 +4593,7 @@
           <p:cNvPr id="2" name="TextBox 1">
             <a:extLst>
               <a:ext uri="{FF2B5EF4-FFF2-40B4-BE49-F238E27FC236}">
-                <a16:creationId xmlns:a16="http://schemas.microsoft.com/office/drawing/2014/main" id="{A3CF60C9-512C-2141-A312-E3EE214C4527}"/>
+                <a16:creationId xmlns:a16="http://schemas.microsoft.com/office/drawing/2014/main" id="{A4C279EE-1805-2648-99ED-CDDFD2E197EF}"/>
               </a:ext>
             </a:extLst>
           </p:cNvPr>
@@ -4238,8 +4602,8 @@
         </p:nvSpPr>
         <p:spPr>
           <a:xfrm>
-            <a:off x="1562986" y="2179674"/>
-            <a:ext cx="6693692" cy="1200329"/>
+            <a:off x="1733107" y="1988288"/>
+            <a:ext cx="7634176" cy="1754326"/>
           </a:xfrm>
           <a:prstGeom prst="rect">
             <a:avLst/>
@@ -4247,32 +4611,32 @@
           <a:noFill/>
         </p:spPr>
         <p:txBody>
-          <a:bodyPr wrap="none" rtlCol="0">
+          <a:bodyPr wrap="square" rtlCol="0">
             <a:spAutoFit/>
           </a:bodyPr>
           <a:lstStyle/>
           <a:p>
             <a:r>
               <a:rPr lang="ru-RU" dirty="0"/>
-              <a:t>- Выполненные задачи</a:t>
+              <a:t>- Можно исследовать сравнивая похожее с моим и посмотреть разницу</a:t>
             </a:r>
           </a:p>
           <a:p>
             <a:r>
               <a:rPr lang="ru-RU" dirty="0"/>
-              <a:t>	    - Сколько задач столько же и выводов</a:t>
+              <a:t>	    - Можно исследовать собственный инструментарий на сложность, разные параметры и т д если решение совсем уж оригинальное</a:t>
             </a:r>
           </a:p>
           <a:p>
             <a:r>
               <a:rPr lang="ru-RU" dirty="0"/>
-              <a:t>	    - «Разработать» в задачах - «Разработано» - в выводах</a:t>
+              <a:t>	    - Можно в табличном виде - вот параметры, мой алгоритм лучше</a:t>
             </a:r>
           </a:p>
           <a:p>
             <a:r>
               <a:rPr lang="ru-RU" dirty="0"/>
-              <a:t>	    - 1 к 1</a:t>
+              <a:t>	    - Можно с помощью графиков</a:t>
             </a:r>
           </a:p>
         </p:txBody>
@@ -4280,7 +4644,7 @@
     </p:spTree>
     <p:extLst>
       <p:ext uri="{BB962C8B-B14F-4D97-AF65-F5344CB8AC3E}">
-        <p14:creationId xmlns:p14="http://schemas.microsoft.com/office/powerpoint/2010/main" val="724818970"/>
+        <p14:creationId xmlns:p14="http://schemas.microsoft.com/office/powerpoint/2010/main" val="1361743108"/>
       </p:ext>
     </p:extLst>
   </p:cSld>

--- a/presentation/presentation.pptx
+++ b/presentation/presentation.pptx
@@ -280,7 +280,7 @@
           <a:p>
             <a:fld id="{774E5C8E-A791-5141-BFC5-061C00718CFF}" type="datetimeFigureOut">
               <a:rPr lang="ru-RU" smtClean="0"/>
-              <a:t>22.05.2019</a:t>
+              <a:t>26.05.2019</a:t>
             </a:fld>
             <a:endParaRPr lang="ru-RU"/>
           </a:p>
@@ -478,7 +478,7 @@
           <a:p>
             <a:fld id="{774E5C8E-A791-5141-BFC5-061C00718CFF}" type="datetimeFigureOut">
               <a:rPr lang="ru-RU" smtClean="0"/>
-              <a:t>22.05.2019</a:t>
+              <a:t>26.05.2019</a:t>
             </a:fld>
             <a:endParaRPr lang="ru-RU"/>
           </a:p>
@@ -686,7 +686,7 @@
           <a:p>
             <a:fld id="{774E5C8E-A791-5141-BFC5-061C00718CFF}" type="datetimeFigureOut">
               <a:rPr lang="ru-RU" smtClean="0"/>
-              <a:t>22.05.2019</a:t>
+              <a:t>26.05.2019</a:t>
             </a:fld>
             <a:endParaRPr lang="ru-RU"/>
           </a:p>
@@ -884,7 +884,7 @@
           <a:p>
             <a:fld id="{774E5C8E-A791-5141-BFC5-061C00718CFF}" type="datetimeFigureOut">
               <a:rPr lang="ru-RU" smtClean="0"/>
-              <a:t>22.05.2019</a:t>
+              <a:t>26.05.2019</a:t>
             </a:fld>
             <a:endParaRPr lang="ru-RU"/>
           </a:p>
@@ -1159,7 +1159,7 @@
           <a:p>
             <a:fld id="{774E5C8E-A791-5141-BFC5-061C00718CFF}" type="datetimeFigureOut">
               <a:rPr lang="ru-RU" smtClean="0"/>
-              <a:t>22.05.2019</a:t>
+              <a:t>26.05.2019</a:t>
             </a:fld>
             <a:endParaRPr lang="ru-RU"/>
           </a:p>
@@ -1424,7 +1424,7 @@
           <a:p>
             <a:fld id="{774E5C8E-A791-5141-BFC5-061C00718CFF}" type="datetimeFigureOut">
               <a:rPr lang="ru-RU" smtClean="0"/>
-              <a:t>22.05.2019</a:t>
+              <a:t>26.05.2019</a:t>
             </a:fld>
             <a:endParaRPr lang="ru-RU"/>
           </a:p>
@@ -1836,7 +1836,7 @@
           <a:p>
             <a:fld id="{774E5C8E-A791-5141-BFC5-061C00718CFF}" type="datetimeFigureOut">
               <a:rPr lang="ru-RU" smtClean="0"/>
-              <a:t>22.05.2019</a:t>
+              <a:t>26.05.2019</a:t>
             </a:fld>
             <a:endParaRPr lang="ru-RU"/>
           </a:p>
@@ -1977,7 +1977,7 @@
           <a:p>
             <a:fld id="{774E5C8E-A791-5141-BFC5-061C00718CFF}" type="datetimeFigureOut">
               <a:rPr lang="ru-RU" smtClean="0"/>
-              <a:t>22.05.2019</a:t>
+              <a:t>26.05.2019</a:t>
             </a:fld>
             <a:endParaRPr lang="ru-RU"/>
           </a:p>
@@ -2090,7 +2090,7 @@
           <a:p>
             <a:fld id="{774E5C8E-A791-5141-BFC5-061C00718CFF}" type="datetimeFigureOut">
               <a:rPr lang="ru-RU" smtClean="0"/>
-              <a:t>22.05.2019</a:t>
+              <a:t>26.05.2019</a:t>
             </a:fld>
             <a:endParaRPr lang="ru-RU"/>
           </a:p>
@@ -2401,7 +2401,7 @@
           <a:p>
             <a:fld id="{774E5C8E-A791-5141-BFC5-061C00718CFF}" type="datetimeFigureOut">
               <a:rPr lang="ru-RU" smtClean="0"/>
-              <a:t>22.05.2019</a:t>
+              <a:t>26.05.2019</a:t>
             </a:fld>
             <a:endParaRPr lang="ru-RU"/>
           </a:p>
@@ -2689,7 +2689,7 @@
           <a:p>
             <a:fld id="{774E5C8E-A791-5141-BFC5-061C00718CFF}" type="datetimeFigureOut">
               <a:rPr lang="ru-RU" smtClean="0"/>
-              <a:t>22.05.2019</a:t>
+              <a:t>26.05.2019</a:t>
             </a:fld>
             <a:endParaRPr lang="ru-RU"/>
           </a:p>
@@ -2930,7 +2930,7 @@
           <a:p>
             <a:fld id="{774E5C8E-A791-5141-BFC5-061C00718CFF}" type="datetimeFigureOut">
               <a:rPr lang="ru-RU" smtClean="0"/>
-              <a:t>22.05.2019</a:t>
+              <a:t>26.05.2019</a:t>
             </a:fld>
             <a:endParaRPr lang="ru-RU"/>
           </a:p>
@@ -3349,79 +3349,19 @@
       </p:grpSpPr>
       <p:sp>
         <p:nvSpPr>
-          <p:cNvPr id="3" name="Подзаголовок 2">
-            <a:extLst>
-              <a:ext uri="{FF2B5EF4-FFF2-40B4-BE49-F238E27FC236}">
-                <a16:creationId xmlns:a16="http://schemas.microsoft.com/office/drawing/2014/main" id="{42F3BE86-5E9B-C749-920F-198FF0621C9D}"/>
-              </a:ext>
-            </a:extLst>
-          </p:cNvPr>
-          <p:cNvSpPr>
-            <a:spLocks noGrp="1"/>
-          </p:cNvSpPr>
-          <p:nvPr>
-            <p:ph type="subTitle" idx="1"/>
-          </p:nvPr>
+          <p:cNvPr id="2" name="Прямоугольник 1">
+            <a:extLst>
+              <a:ext uri="{FF2B5EF4-FFF2-40B4-BE49-F238E27FC236}">
+                <a16:creationId xmlns:a16="http://schemas.microsoft.com/office/drawing/2014/main" id="{87252CFD-2E0A-44AD-9968-5F05A0410945}"/>
+              </a:ext>
+            </a:extLst>
+          </p:cNvPr>
+          <p:cNvSpPr/>
+          <p:nvPr/>
         </p:nvSpPr>
         <p:spPr>
           <a:xfrm>
-            <a:off x="4857497" y="4156735"/>
-            <a:ext cx="7044451" cy="1181935"/>
-          </a:xfrm>
-        </p:spPr>
-        <p:txBody>
-          <a:bodyPr>
-            <a:noAutofit/>
-          </a:bodyPr>
-          <a:lstStyle/>
-          <a:p>
-            <a:endParaRPr lang="ru-RU" sz="2000" dirty="0"/>
-          </a:p>
-          <a:p>
-            <a:pPr algn="r"/>
-            <a:r>
-              <a:rPr lang="ru-RU" sz="2000" dirty="0"/>
-              <a:t> </a:t>
-            </a:r>
-            <a:r>
-              <a:rPr lang="ru-RU" sz="2000" dirty="0">
-                <a:latin typeface="+mj-lt"/>
-                <a:cs typeface="Arial" panose="020B0604020202020204" pitchFamily="34" charset="0"/>
-              </a:rPr>
-              <a:t>Руководитель: </a:t>
-            </a:r>
-            <a:r>
-              <a:rPr lang="ru-RU" sz="2000" dirty="0" err="1">
-                <a:latin typeface="+mj-lt"/>
-                <a:cs typeface="Arial" panose="020B0604020202020204" pitchFamily="34" charset="0"/>
-              </a:rPr>
-              <a:t>Клышинский</a:t>
-            </a:r>
-            <a:r>
-              <a:rPr lang="ru-RU" sz="2000" dirty="0">
-                <a:latin typeface="+mj-lt"/>
-                <a:cs typeface="Arial" panose="020B0604020202020204" pitchFamily="34" charset="0"/>
-              </a:rPr>
-              <a:t> Эдуард Станиславович, доцент,                              кандидат технических наук.</a:t>
-            </a:r>
-          </a:p>
-        </p:txBody>
-      </p:sp>
-      <p:sp>
-        <p:nvSpPr>
-          <p:cNvPr id="2" name="Прямоугольник 1">
-            <a:extLst>
-              <a:ext uri="{FF2B5EF4-FFF2-40B4-BE49-F238E27FC236}">
-                <a16:creationId xmlns:a16="http://schemas.microsoft.com/office/drawing/2014/main" id="{87252CFD-2E0A-44AD-9968-5F05A0410945}"/>
-              </a:ext>
-            </a:extLst>
-          </p:cNvPr>
-          <p:cNvSpPr/>
-          <p:nvPr/>
-        </p:nvSpPr>
-        <p:spPr>
-          <a:xfrm>
-            <a:off x="2552880" y="553894"/>
+            <a:off x="1233549" y="617023"/>
             <a:ext cx="9349068" cy="338554"/>
           </a:xfrm>
           <a:prstGeom prst="rect">
@@ -3458,8 +3398,8 @@
         </p:nvSpPr>
         <p:spPr>
           <a:xfrm>
-            <a:off x="660342" y="1925431"/>
-            <a:ext cx="12192000" cy="1938992"/>
+            <a:off x="290052" y="1947465"/>
+            <a:ext cx="7862430" cy="1938992"/>
           </a:xfrm>
           <a:prstGeom prst="rect">
             <a:avLst/>
@@ -3476,25 +3416,7 @@
                 <a:latin typeface="+mj-lt"/>
                 <a:cs typeface="Arial" panose="020B0604020202020204" pitchFamily="34" charset="0"/>
               </a:rPr>
-              <a:t>Разработка метода тематического </a:t>
-            </a:r>
-          </a:p>
-          <a:p>
-            <a:r>
-              <a:rPr lang="ru-RU" sz="4000" dirty="0">
-                <a:latin typeface="+mj-lt"/>
-                <a:cs typeface="Arial" panose="020B0604020202020204" pitchFamily="34" charset="0"/>
-              </a:rPr>
-              <a:t>моделирования</a:t>
-            </a:r>
-          </a:p>
-          <a:p>
-            <a:r>
-              <a:rPr lang="ru-RU" sz="4000" dirty="0">
-                <a:latin typeface="+mj-lt"/>
-                <a:cs typeface="Arial" panose="020B0604020202020204" pitchFamily="34" charset="0"/>
-              </a:rPr>
-              <a:t>для новостей на русском языке</a:t>
+              <a:t>Разработка метода тематического моделирования для новостей на русском языке</a:t>
             </a:r>
           </a:p>
         </p:txBody>
@@ -3528,7 +3450,7 @@
         </p:blipFill>
         <p:spPr bwMode="auto">
           <a:xfrm>
-            <a:off x="1319331" y="-63129"/>
+            <a:off x="0" y="0"/>
             <a:ext cx="1376689" cy="1526613"/>
           </a:xfrm>
           <a:prstGeom prst="rect">
@@ -3562,8 +3484,8 @@
         </p:nvCxnSpPr>
         <p:spPr>
           <a:xfrm>
-            <a:off x="758816" y="4051495"/>
-            <a:ext cx="10974480" cy="0"/>
+            <a:off x="384242" y="3905779"/>
+            <a:ext cx="7393666" cy="0"/>
           </a:xfrm>
           <a:prstGeom prst="line">
             <a:avLst/>
@@ -3603,8 +3525,8 @@
         </p:nvSpPr>
         <p:spPr>
           <a:xfrm>
-            <a:off x="5444877" y="4051495"/>
-            <a:ext cx="6457071" cy="400110"/>
+            <a:off x="5444877" y="2455325"/>
+            <a:ext cx="6457071" cy="3785652"/>
           </a:xfrm>
           <a:prstGeom prst="rect">
             <a:avLst/>
@@ -3616,13 +3538,138 @@
           </a:bodyPr>
           <a:lstStyle/>
           <a:p>
+            <a:pPr algn="r"/>
             <a:r>
               <a:rPr lang="ru-RU" sz="2000" dirty="0">
                 <a:latin typeface="+mj-lt"/>
                 <a:cs typeface="Arial" panose="020B0604020202020204" pitchFamily="34" charset="0"/>
               </a:rPr>
-              <a:t>Автор: Маркин Кирилл Вадимович, студент группы ИУ7-71</a:t>
-            </a:r>
+              <a:t>Автор: </a:t>
+            </a:r>
+            <a:endParaRPr lang="en-US" sz="2000" dirty="0">
+              <a:latin typeface="+mj-lt"/>
+              <a:cs typeface="Arial" panose="020B0604020202020204" pitchFamily="34" charset="0"/>
+            </a:endParaRPr>
+          </a:p>
+          <a:p>
+            <a:pPr algn="r"/>
+            <a:r>
+              <a:rPr lang="ru-RU" sz="2000" dirty="0">
+                <a:latin typeface="+mj-lt"/>
+                <a:cs typeface="Arial" panose="020B0604020202020204" pitchFamily="34" charset="0"/>
+              </a:rPr>
+              <a:t>студент группы ИУ7-81</a:t>
+            </a:r>
+            <a:endParaRPr lang="en-US" sz="2000" dirty="0">
+              <a:latin typeface="+mj-lt"/>
+              <a:cs typeface="Arial" panose="020B0604020202020204" pitchFamily="34" charset="0"/>
+            </a:endParaRPr>
+          </a:p>
+          <a:p>
+            <a:pPr algn="r"/>
+            <a:r>
+              <a:rPr lang="ru-RU" sz="2000" dirty="0">
+                <a:latin typeface="+mj-lt"/>
+                <a:cs typeface="Arial" panose="020B0604020202020204" pitchFamily="34" charset="0"/>
+              </a:rPr>
+              <a:t>Маркин Кирилл Вадимович</a:t>
+            </a:r>
+            <a:endParaRPr lang="en-US" sz="2000" dirty="0">
+              <a:latin typeface="+mj-lt"/>
+              <a:cs typeface="Arial" panose="020B0604020202020204" pitchFamily="34" charset="0"/>
+            </a:endParaRPr>
+          </a:p>
+          <a:p>
+            <a:pPr algn="r"/>
+            <a:endParaRPr lang="en-US" sz="2000" dirty="0">
+              <a:latin typeface="+mj-lt"/>
+              <a:cs typeface="Arial" panose="020B0604020202020204" pitchFamily="34" charset="0"/>
+            </a:endParaRPr>
+          </a:p>
+          <a:p>
+            <a:endParaRPr lang="ru-RU" sz="2000" dirty="0">
+              <a:latin typeface="+mj-lt"/>
+              <a:cs typeface="Arial" panose="020B0604020202020204" pitchFamily="34" charset="0"/>
+            </a:endParaRPr>
+          </a:p>
+          <a:p>
+            <a:pPr algn="r"/>
+            <a:r>
+              <a:rPr lang="ru-RU" sz="2000" dirty="0">
+                <a:latin typeface="+mj-lt"/>
+                <a:cs typeface="Arial" panose="020B0604020202020204" pitchFamily="34" charset="0"/>
+              </a:rPr>
+              <a:t> Научный руководитель:</a:t>
+            </a:r>
+            <a:endParaRPr lang="en-US" sz="2000" dirty="0">
+              <a:latin typeface="+mj-lt"/>
+              <a:cs typeface="Arial" panose="020B0604020202020204" pitchFamily="34" charset="0"/>
+            </a:endParaRPr>
+          </a:p>
+          <a:p>
+            <a:pPr algn="r"/>
+            <a:r>
+              <a:rPr lang="ru-RU" sz="2000" dirty="0">
+                <a:latin typeface="+mj-lt"/>
+                <a:cs typeface="Arial" panose="020B0604020202020204" pitchFamily="34" charset="0"/>
+              </a:rPr>
+              <a:t>доцент, кандидат технических наук</a:t>
+            </a:r>
+            <a:endParaRPr lang="en-US" sz="2000" dirty="0">
+              <a:latin typeface="+mj-lt"/>
+              <a:cs typeface="Arial" panose="020B0604020202020204" pitchFamily="34" charset="0"/>
+            </a:endParaRPr>
+          </a:p>
+          <a:p>
+            <a:pPr algn="r"/>
+            <a:r>
+              <a:rPr lang="ru-RU" sz="2000" dirty="0">
+                <a:latin typeface="+mj-lt"/>
+                <a:cs typeface="Arial" panose="020B0604020202020204" pitchFamily="34" charset="0"/>
+              </a:rPr>
+              <a:t>Клышинский Эдуард Станиславович</a:t>
+            </a:r>
+          </a:p>
+          <a:p>
+            <a:pPr algn="r"/>
+            <a:endParaRPr lang="ru-RU" sz="2000" dirty="0">
+              <a:latin typeface="+mj-lt"/>
+              <a:cs typeface="Arial" panose="020B0604020202020204" pitchFamily="34" charset="0"/>
+            </a:endParaRPr>
+          </a:p>
+          <a:p>
+            <a:pPr algn="r"/>
+            <a:r>
+              <a:rPr lang="ru-RU" sz="2000" dirty="0">
+                <a:latin typeface="+mj-lt"/>
+                <a:cs typeface="Arial" panose="020B0604020202020204" pitchFamily="34" charset="0"/>
+              </a:rPr>
+              <a:t>Консультант:</a:t>
+            </a:r>
+          </a:p>
+          <a:p>
+            <a:pPr algn="r"/>
+            <a:r>
+              <a:rPr lang="ru-RU" sz="2000" dirty="0">
+                <a:latin typeface="+mj-lt"/>
+                <a:cs typeface="Arial" panose="020B0604020202020204" pitchFamily="34" charset="0"/>
+              </a:rPr>
+              <a:t>старший преподаватель</a:t>
+            </a:r>
+          </a:p>
+          <a:p>
+            <a:pPr algn="r"/>
+            <a:r>
+              <a:rPr lang="ru-RU" sz="2000" dirty="0">
+                <a:latin typeface="+mj-lt"/>
+                <a:cs typeface="Arial" panose="020B0604020202020204" pitchFamily="34" charset="0"/>
+              </a:rPr>
+              <a:t>Волкова Лилия Леонидовна</a:t>
+            </a:r>
+            <a:endParaRPr lang="en-US" sz="2000" dirty="0">
+              <a:latin typeface="+mj-lt"/>
+              <a:cs typeface="Arial" panose="020B0604020202020204" pitchFamily="34" charset="0"/>
+            </a:endParaRPr>
           </a:p>
         </p:txBody>
       </p:sp>

--- a/presentation/presentation.pptx
+++ b/presentation/presentation.pptx
@@ -8,13 +8,15 @@
     <p:sldId id="256" r:id="rId2"/>
     <p:sldId id="266" r:id="rId3"/>
     <p:sldId id="257" r:id="rId4"/>
-    <p:sldId id="258" r:id="rId5"/>
-    <p:sldId id="259" r:id="rId6"/>
-    <p:sldId id="261" r:id="rId7"/>
-    <p:sldId id="262" r:id="rId8"/>
-    <p:sldId id="263" r:id="rId9"/>
-    <p:sldId id="264" r:id="rId10"/>
-    <p:sldId id="265" r:id="rId11"/>
+    <p:sldId id="267" r:id="rId5"/>
+    <p:sldId id="271" r:id="rId6"/>
+    <p:sldId id="268" r:id="rId7"/>
+    <p:sldId id="272" r:id="rId8"/>
+    <p:sldId id="269" r:id="rId9"/>
+    <p:sldId id="273" r:id="rId10"/>
+    <p:sldId id="270" r:id="rId11"/>
+    <p:sldId id="274" r:id="rId12"/>
+    <p:sldId id="265" r:id="rId13"/>
   </p:sldIdLst>
   <p:sldSz cx="12192000" cy="6858000"/>
   <p:notesSz cx="6858000" cy="9144000"/>
@@ -114,6 +116,30 @@
     </a:lvl9pPr>
   </p:defaultTextStyle>
   <p:extLst>
+    <p:ext uri="{521415D9-36F7-43E2-AB2F-B90AF26B5E84}">
+      <p14:sectionLst xmlns:p14="http://schemas.microsoft.com/office/powerpoint/2010/main">
+        <p14:section name="Раздел по умолчанию" id="{1D50010D-A83D-4635-995F-9FF78451F3A8}">
+          <p14:sldIdLst>
+            <p14:sldId id="256"/>
+            <p14:sldId id="266"/>
+          </p14:sldIdLst>
+        </p14:section>
+        <p14:section name="Раздел без заголовка" id="{D7877719-4D90-43F7-A6DC-0353EE4AEEA8}">
+          <p14:sldIdLst>
+            <p14:sldId id="257"/>
+            <p14:sldId id="267"/>
+            <p14:sldId id="271"/>
+            <p14:sldId id="268"/>
+            <p14:sldId id="272"/>
+            <p14:sldId id="269"/>
+            <p14:sldId id="273"/>
+            <p14:sldId id="270"/>
+            <p14:sldId id="274"/>
+            <p14:sldId id="265"/>
+          </p14:sldIdLst>
+        </p14:section>
+      </p14:sectionLst>
+    </p:ext>
     <p:ext uri="{EFAFB233-063F-42B5-8137-9DF3F51BA10A}">
       <p15:sldGuideLst xmlns:p15="http://schemas.microsoft.com/office/powerpoint/2012/main"/>
     </p:ext>
@@ -123,7 +149,7 @@
 
 <file path=ppt/commentAuthors.xml><?xml version="1.0" encoding="utf-8"?>
 <p:cmAuthorLst xmlns:a="http://schemas.openxmlformats.org/drawingml/2006/main" xmlns:r="http://schemas.openxmlformats.org/officeDocument/2006/relationships" xmlns:p="http://schemas.openxmlformats.org/presentationml/2006/main">
-  <p:cmAuthor id="1" name="Дарья Сахарок" initials="ДС" lastIdx="1" clrIdx="0">
+  <p:cmAuthor id="1" name="Дарья Сахарок" initials="ДС" lastIdx="4" clrIdx="0">
     <p:extLst>
       <p:ext uri="{19B8F6BF-5375-455C-9EA6-DF929625EA0E}">
         <p15:presenceInfo xmlns:p15="http://schemas.microsoft.com/office/powerpoint/2012/main" userId="601172611cc451b3" providerId="Windows Live"/>
@@ -131,6 +157,29 @@
     </p:extLst>
   </p:cmAuthor>
 </p:cmAuthorLst>
+</file>
+
+<file path=ppt/comments/comment1.xml><?xml version="1.0" encoding="utf-8"?>
+<p:cmLst xmlns:a="http://schemas.openxmlformats.org/drawingml/2006/main" xmlns:r="http://schemas.openxmlformats.org/officeDocument/2006/relationships" xmlns:p="http://schemas.openxmlformats.org/presentationml/2006/main">
+  <p:cm authorId="1" dt="2019-06-03T15:31:42.350" idx="3">
+    <p:pos x="3484" y="1432"/>
+    <p:text>-Цель работы (одно предложение) -Почти повторить название раскрыв суть метода. На базе какой математической модели, аппарата сделано и что вот есть программа через которую это видно.</p:text>
+    <p:extLst>
+      <p:ext uri="{C676402C-5697-4E1C-873F-D02D1690AC5C}">
+        <p15:threadingInfo xmlns:p15="http://schemas.microsoft.com/office/powerpoint/2012/main" timeZoneBias="-180"/>
+      </p:ext>
+    </p:extLst>
+  </p:cm>
+  <p:cm authorId="1" dt="2019-06-03T15:32:38.104" idx="4">
+    <p:pos x="4528" y="2854"/>
+    <p:text>-Основные задачи -«Для достижения поставленной цели были поставлены основные задачи» -Объект исследования -Анализ того что сделали -Анализ продуктов которые есть похожие на мой</p:text>
+    <p:extLst>
+      <p:ext uri="{C676402C-5697-4E1C-873F-D02D1690AC5C}">
+        <p15:threadingInfo xmlns:p15="http://schemas.microsoft.com/office/powerpoint/2012/main" timeZoneBias="-180"/>
+      </p:ext>
+    </p:extLst>
+  </p:cm>
+</p:cmLst>
 </file>
 
 <file path=ppt/slideLayouts/slideLayout1.xml><?xml version="1.0" encoding="utf-8"?>
@@ -280,7 +329,7 @@
           <a:p>
             <a:fld id="{774E5C8E-A791-5141-BFC5-061C00718CFF}" type="datetimeFigureOut">
               <a:rPr lang="ru-RU" smtClean="0"/>
-              <a:t>26.05.2019</a:t>
+              <a:t>07.06.2019</a:t>
             </a:fld>
             <a:endParaRPr lang="ru-RU"/>
           </a:p>
@@ -478,7 +527,7 @@
           <a:p>
             <a:fld id="{774E5C8E-A791-5141-BFC5-061C00718CFF}" type="datetimeFigureOut">
               <a:rPr lang="ru-RU" smtClean="0"/>
-              <a:t>26.05.2019</a:t>
+              <a:t>07.06.2019</a:t>
             </a:fld>
             <a:endParaRPr lang="ru-RU"/>
           </a:p>
@@ -686,7 +735,7 @@
           <a:p>
             <a:fld id="{774E5C8E-A791-5141-BFC5-061C00718CFF}" type="datetimeFigureOut">
               <a:rPr lang="ru-RU" smtClean="0"/>
-              <a:t>26.05.2019</a:t>
+              <a:t>07.06.2019</a:t>
             </a:fld>
             <a:endParaRPr lang="ru-RU"/>
           </a:p>
@@ -884,7 +933,7 @@
           <a:p>
             <a:fld id="{774E5C8E-A791-5141-BFC5-061C00718CFF}" type="datetimeFigureOut">
               <a:rPr lang="ru-RU" smtClean="0"/>
-              <a:t>26.05.2019</a:t>
+              <a:t>07.06.2019</a:t>
             </a:fld>
             <a:endParaRPr lang="ru-RU"/>
           </a:p>
@@ -1159,7 +1208,7 @@
           <a:p>
             <a:fld id="{774E5C8E-A791-5141-BFC5-061C00718CFF}" type="datetimeFigureOut">
               <a:rPr lang="ru-RU" smtClean="0"/>
-              <a:t>26.05.2019</a:t>
+              <a:t>07.06.2019</a:t>
             </a:fld>
             <a:endParaRPr lang="ru-RU"/>
           </a:p>
@@ -1424,7 +1473,7 @@
           <a:p>
             <a:fld id="{774E5C8E-A791-5141-BFC5-061C00718CFF}" type="datetimeFigureOut">
               <a:rPr lang="ru-RU" smtClean="0"/>
-              <a:t>26.05.2019</a:t>
+              <a:t>07.06.2019</a:t>
             </a:fld>
             <a:endParaRPr lang="ru-RU"/>
           </a:p>
@@ -1836,7 +1885,7 @@
           <a:p>
             <a:fld id="{774E5C8E-A791-5141-BFC5-061C00718CFF}" type="datetimeFigureOut">
               <a:rPr lang="ru-RU" smtClean="0"/>
-              <a:t>26.05.2019</a:t>
+              <a:t>07.06.2019</a:t>
             </a:fld>
             <a:endParaRPr lang="ru-RU"/>
           </a:p>
@@ -1977,7 +2026,7 @@
           <a:p>
             <a:fld id="{774E5C8E-A791-5141-BFC5-061C00718CFF}" type="datetimeFigureOut">
               <a:rPr lang="ru-RU" smtClean="0"/>
-              <a:t>26.05.2019</a:t>
+              <a:t>07.06.2019</a:t>
             </a:fld>
             <a:endParaRPr lang="ru-RU"/>
           </a:p>
@@ -2090,7 +2139,7 @@
           <a:p>
             <a:fld id="{774E5C8E-A791-5141-BFC5-061C00718CFF}" type="datetimeFigureOut">
               <a:rPr lang="ru-RU" smtClean="0"/>
-              <a:t>26.05.2019</a:t>
+              <a:t>07.06.2019</a:t>
             </a:fld>
             <a:endParaRPr lang="ru-RU"/>
           </a:p>
@@ -2401,7 +2450,7 @@
           <a:p>
             <a:fld id="{774E5C8E-A791-5141-BFC5-061C00718CFF}" type="datetimeFigureOut">
               <a:rPr lang="ru-RU" smtClean="0"/>
-              <a:t>26.05.2019</a:t>
+              <a:t>07.06.2019</a:t>
             </a:fld>
             <a:endParaRPr lang="ru-RU"/>
           </a:p>
@@ -2689,7 +2738,7 @@
           <a:p>
             <a:fld id="{774E5C8E-A791-5141-BFC5-061C00718CFF}" type="datetimeFigureOut">
               <a:rPr lang="ru-RU" smtClean="0"/>
-              <a:t>26.05.2019</a:t>
+              <a:t>07.06.2019</a:t>
             </a:fld>
             <a:endParaRPr lang="ru-RU"/>
           </a:p>
@@ -2930,7 +2979,7 @@
           <a:p>
             <a:fld id="{774E5C8E-A791-5141-BFC5-061C00718CFF}" type="datetimeFigureOut">
               <a:rPr lang="ru-RU" smtClean="0"/>
-              <a:t>26.05.2019</a:t>
+              <a:t>07.06.2019</a:t>
             </a:fld>
             <a:endParaRPr lang="ru-RU"/>
           </a:p>
@@ -3742,6 +3791,226 @@
       </p:grpSpPr>
       <p:sp>
         <p:nvSpPr>
+          <p:cNvPr id="2" name="Прямоугольник 1">
+            <a:extLst>
+              <a:ext uri="{FF2B5EF4-FFF2-40B4-BE49-F238E27FC236}">
+                <a16:creationId xmlns:a16="http://schemas.microsoft.com/office/drawing/2014/main" id="{F89FFED8-578F-4601-8212-122036B66D95}"/>
+              </a:ext>
+            </a:extLst>
+          </p:cNvPr>
+          <p:cNvSpPr/>
+          <p:nvPr/>
+        </p:nvSpPr>
+        <p:spPr>
+          <a:xfrm>
+            <a:off x="260567" y="183683"/>
+            <a:ext cx="6776214" cy="769441"/>
+          </a:xfrm>
+          <a:prstGeom prst="rect">
+            <a:avLst/>
+          </a:prstGeom>
+        </p:spPr>
+        <p:txBody>
+          <a:bodyPr wrap="none">
+            <a:spAutoFit/>
+          </a:bodyPr>
+          <a:lstStyle/>
+          <a:p>
+            <a:r>
+              <a:rPr lang="ru-RU" sz="4400" dirty="0">
+                <a:latin typeface="+mj-lt"/>
+              </a:rPr>
+              <a:t>Исследовательский раздел</a:t>
+            </a:r>
+          </a:p>
+        </p:txBody>
+      </p:sp>
+      <p:sp>
+        <p:nvSpPr>
+          <p:cNvPr id="3" name="Прямоугольник 2">
+            <a:extLst>
+              <a:ext uri="{FF2B5EF4-FFF2-40B4-BE49-F238E27FC236}">
+                <a16:creationId xmlns:a16="http://schemas.microsoft.com/office/drawing/2014/main" id="{5EDAA192-3B5F-4EAA-92D4-557BC9227285}"/>
+              </a:ext>
+            </a:extLst>
+          </p:cNvPr>
+          <p:cNvSpPr/>
+          <p:nvPr/>
+        </p:nvSpPr>
+        <p:spPr>
+          <a:xfrm>
+            <a:off x="3986707" y="953124"/>
+            <a:ext cx="3571812" cy="523220"/>
+          </a:xfrm>
+          <a:prstGeom prst="rect">
+            <a:avLst/>
+          </a:prstGeom>
+        </p:spPr>
+        <p:txBody>
+          <a:bodyPr wrap="none">
+            <a:spAutoFit/>
+          </a:bodyPr>
+          <a:lstStyle/>
+          <a:p>
+            <a:r>
+              <a:rPr lang="ru-RU" sz="2800" dirty="0">
+                <a:latin typeface="+mj-lt"/>
+              </a:rPr>
+              <a:t>Таблица 1. Результаты</a:t>
+            </a:r>
+          </a:p>
+        </p:txBody>
+      </p:sp>
+      <p:sp>
+        <p:nvSpPr>
+          <p:cNvPr id="4" name="Прямоугольник 3">
+            <a:extLst>
+              <a:ext uri="{FF2B5EF4-FFF2-40B4-BE49-F238E27FC236}">
+                <a16:creationId xmlns:a16="http://schemas.microsoft.com/office/drawing/2014/main" id="{2C0DDA9A-1E2A-4661-8698-84E66ECFCD65}"/>
+              </a:ext>
+            </a:extLst>
+          </p:cNvPr>
+          <p:cNvSpPr/>
+          <p:nvPr/>
+        </p:nvSpPr>
+        <p:spPr>
+          <a:xfrm>
+            <a:off x="3048000" y="2274838"/>
+            <a:ext cx="6096000" cy="2308324"/>
+          </a:xfrm>
+          <a:prstGeom prst="rect">
+            <a:avLst/>
+          </a:prstGeom>
+        </p:spPr>
+        <p:txBody>
+          <a:bodyPr>
+            <a:spAutoFit/>
+          </a:bodyPr>
+          <a:lstStyle/>
+          <a:p>
+            <a:r>
+              <a:rPr lang="ru-RU" dirty="0"/>
+              <a:t>- Можно исследовать сравнивая похожее с моим и посмотреть разницу</a:t>
+            </a:r>
+          </a:p>
+          <a:p>
+            <a:r>
+              <a:rPr lang="ru-RU" dirty="0"/>
+              <a:t>	    - Можно исследовать собственный инструментарий на сложность, разные параметры и т д если решение совсем уж оригинальное</a:t>
+            </a:r>
+          </a:p>
+          <a:p>
+            <a:r>
+              <a:rPr lang="ru-RU" dirty="0"/>
+              <a:t>	    - Можно в табличном виде - вот параметры, мой алгоритм лучше</a:t>
+            </a:r>
+          </a:p>
+          <a:p>
+            <a:r>
+              <a:rPr lang="ru-RU" dirty="0"/>
+              <a:t>	    - Можно с помощью графиков</a:t>
+            </a:r>
+          </a:p>
+        </p:txBody>
+      </p:sp>
+    </p:spTree>
+    <p:extLst>
+      <p:ext uri="{BB962C8B-B14F-4D97-AF65-F5344CB8AC3E}">
+        <p14:creationId xmlns:p14="http://schemas.microsoft.com/office/powerpoint/2010/main" val="2970604754"/>
+      </p:ext>
+    </p:extLst>
+  </p:cSld>
+  <p:clrMapOvr>
+    <a:masterClrMapping/>
+  </p:clrMapOvr>
+</p:sld>
+</file>
+
+<file path=ppt/slides/slide11.xml><?xml version="1.0" encoding="utf-8"?>
+<p:sld xmlns:a="http://schemas.openxmlformats.org/drawingml/2006/main" xmlns:r="http://schemas.openxmlformats.org/officeDocument/2006/relationships" xmlns:p="http://schemas.openxmlformats.org/presentationml/2006/main">
+  <p:cSld>
+    <p:spTree>
+      <p:nvGrpSpPr>
+        <p:cNvPr id="1" name=""/>
+        <p:cNvGrpSpPr/>
+        <p:nvPr/>
+      </p:nvGrpSpPr>
+      <p:grpSpPr>
+        <a:xfrm>
+          <a:off x="0" y="0"/>
+          <a:ext cx="0" cy="0"/>
+          <a:chOff x="0" y="0"/>
+          <a:chExt cx="0" cy="0"/>
+        </a:xfrm>
+      </p:grpSpPr>
+      <p:sp>
+        <p:nvSpPr>
+          <p:cNvPr id="2" name="Прямоугольник 1">
+            <a:extLst>
+              <a:ext uri="{FF2B5EF4-FFF2-40B4-BE49-F238E27FC236}">
+                <a16:creationId xmlns:a16="http://schemas.microsoft.com/office/drawing/2014/main" id="{43FB4B93-9F6E-4B00-8686-4F502978DAC8}"/>
+              </a:ext>
+            </a:extLst>
+          </p:cNvPr>
+          <p:cNvSpPr/>
+          <p:nvPr/>
+        </p:nvSpPr>
+        <p:spPr>
+          <a:xfrm>
+            <a:off x="3977116" y="163510"/>
+            <a:ext cx="3553922" cy="523220"/>
+          </a:xfrm>
+          <a:prstGeom prst="rect">
+            <a:avLst/>
+          </a:prstGeom>
+        </p:spPr>
+        <p:txBody>
+          <a:bodyPr wrap="none">
+            <a:spAutoFit/>
+          </a:bodyPr>
+          <a:lstStyle/>
+          <a:p>
+            <a:r>
+              <a:rPr lang="ru-RU" sz="2800" dirty="0">
+                <a:latin typeface="+mj-lt"/>
+              </a:rPr>
+              <a:t>Таблица 2. Результаты</a:t>
+            </a:r>
+          </a:p>
+        </p:txBody>
+      </p:sp>
+    </p:spTree>
+    <p:extLst>
+      <p:ext uri="{BB962C8B-B14F-4D97-AF65-F5344CB8AC3E}">
+        <p14:creationId xmlns:p14="http://schemas.microsoft.com/office/powerpoint/2010/main" val="3695661206"/>
+      </p:ext>
+    </p:extLst>
+  </p:cSld>
+  <p:clrMapOvr>
+    <a:masterClrMapping/>
+  </p:clrMapOvr>
+</p:sld>
+</file>
+
+<file path=ppt/slides/slide12.xml><?xml version="1.0" encoding="utf-8"?>
+<p:sld xmlns:a="http://schemas.openxmlformats.org/drawingml/2006/main" xmlns:r="http://schemas.openxmlformats.org/officeDocument/2006/relationships" xmlns:p="http://schemas.openxmlformats.org/presentationml/2006/main">
+  <p:cSld>
+    <p:spTree>
+      <p:nvGrpSpPr>
+        <p:cNvPr id="1" name=""/>
+        <p:cNvGrpSpPr/>
+        <p:nvPr/>
+      </p:nvGrpSpPr>
+      <p:grpSpPr>
+        <a:xfrm>
+          <a:off x="0" y="0"/>
+          <a:ext cx="0" cy="0"/>
+          <a:chOff x="0" y="0"/>
+          <a:chExt cx="0" cy="0"/>
+        </a:xfrm>
+      </p:grpSpPr>
+      <p:sp>
+        <p:nvSpPr>
           <p:cNvPr id="3" name="Подзаголовок 2">
             <a:extLst>
               <a:ext uri="{FF2B5EF4-FFF2-40B4-BE49-F238E27FC236}">
@@ -3768,8 +4037,11 @@
           <a:p>
             <a:r>
               <a:rPr lang="ru-RU" dirty="0"/>
-              <a:t>// Выводы</a:t>
-            </a:r>
+              <a:t>Заключение// Вывод</a:t>
+            </a:r>
+          </a:p>
+          <a:p>
+            <a:endParaRPr lang="ru-RU" dirty="0"/>
           </a:p>
         </p:txBody>
       </p:sp>
@@ -3884,7 +4156,7 @@
           <a:p>
             <a:r>
               <a:rPr lang="ru-RU" dirty="0"/>
-              <a:t>      Актуальность</a:t>
+              <a:t>      Актуальность\\Введение</a:t>
             </a:r>
           </a:p>
         </p:txBody>
@@ -3938,7 +4210,7 @@
         <p:spPr>
           <a:xfrm>
             <a:off x="595423" y="412271"/>
-            <a:ext cx="9144000" cy="1655762"/>
+            <a:ext cx="9144000" cy="926199"/>
           </a:xfrm>
         </p:spPr>
         <p:txBody>
@@ -3959,71 +4231,111 @@
       </p:sp>
       <p:sp>
         <p:nvSpPr>
-          <p:cNvPr id="4" name="TextBox 3">
-            <a:extLst>
-              <a:ext uri="{FF2B5EF4-FFF2-40B4-BE49-F238E27FC236}">
-                <a16:creationId xmlns:a16="http://schemas.microsoft.com/office/drawing/2014/main" id="{5F56AE08-06C9-9F45-8978-72CBCCA785F5}"/>
-              </a:ext>
-            </a:extLst>
-          </p:cNvPr>
-          <p:cNvSpPr txBox="1"/>
+          <p:cNvPr id="6" name="Прямоугольник 5">
+            <a:extLst>
+              <a:ext uri="{FF2B5EF4-FFF2-40B4-BE49-F238E27FC236}">
+                <a16:creationId xmlns:a16="http://schemas.microsoft.com/office/drawing/2014/main" id="{5B5E03C5-806E-4B3D-8180-10D332AC6CEA}"/>
+              </a:ext>
+            </a:extLst>
+          </p:cNvPr>
+          <p:cNvSpPr/>
           <p:nvPr/>
         </p:nvSpPr>
         <p:spPr>
           <a:xfrm>
-            <a:off x="595423" y="2068033"/>
-            <a:ext cx="9888279" cy="2308324"/>
+            <a:off x="595423" y="3319908"/>
+            <a:ext cx="11001154" cy="1692771"/>
           </a:xfrm>
           <a:prstGeom prst="rect">
             <a:avLst/>
           </a:prstGeom>
-          <a:noFill/>
-        </p:spPr>
-        <p:txBody>
-          <a:bodyPr wrap="square" rtlCol="0">
+        </p:spPr>
+        <p:txBody>
+          <a:bodyPr wrap="square">
             <a:spAutoFit/>
           </a:bodyPr>
           <a:lstStyle/>
           <a:p>
             <a:r>
-              <a:rPr lang="ru-RU" dirty="0"/>
-              <a:t>- Цель работы (одно предложение)</a:t>
-            </a:r>
-          </a:p>
-          <a:p>
-            <a:r>
-              <a:rPr lang="ru-RU" dirty="0"/>
-              <a:t>        	- Почти повторить название раскрыв суть метода. На базе какой математической модели, аппарата сделано и что вот есть программа через которую это видно.</a:t>
-            </a:r>
-          </a:p>
-          <a:p>
-            <a:r>
-              <a:rPr lang="ru-RU" dirty="0"/>
-              <a:t>	    - Основные задачи</a:t>
-            </a:r>
-          </a:p>
-          <a:p>
-            <a:r>
-              <a:rPr lang="ru-RU" dirty="0"/>
-              <a:t>	        - «Для достижения поставленной цели были поставлены основные задачи»</a:t>
-            </a:r>
-          </a:p>
-          <a:p>
-            <a:r>
-              <a:rPr lang="ru-RU" dirty="0"/>
-              <a:t>	        - Объект исследования</a:t>
-            </a:r>
-          </a:p>
-          <a:p>
-            <a:r>
-              <a:rPr lang="ru-RU" dirty="0"/>
-              <a:t>	        - Анализ того что сделали</a:t>
-            </a:r>
-          </a:p>
-          <a:p>
-            <a:r>
-              <a:rPr lang="ru-RU" dirty="0"/>
-              <a:t>	        - Анализ продуктов которые есть похожие на мой</a:t>
+              <a:rPr lang="ru-RU" sz="3200" dirty="0">
+                <a:latin typeface="+mj-lt"/>
+              </a:rPr>
+              <a:t>Задачи:</a:t>
+            </a:r>
+          </a:p>
+          <a:p>
+            <a:r>
+              <a:rPr lang="ru-RU" sz="2400" dirty="0">
+                <a:highlight>
+                  <a:srgbClr val="FF0000"/>
+                </a:highlight>
+              </a:rPr>
+              <a:t>- Объект исследования</a:t>
+            </a:r>
+          </a:p>
+          <a:p>
+            <a:r>
+              <a:rPr lang="ru-RU" sz="2400" dirty="0">
+                <a:highlight>
+                  <a:srgbClr val="FF0000"/>
+                </a:highlight>
+              </a:rPr>
+              <a:t>- Анализ того что сделали</a:t>
+            </a:r>
+          </a:p>
+          <a:p>
+            <a:r>
+              <a:rPr lang="ru-RU" sz="2400" dirty="0">
+                <a:highlight>
+                  <a:srgbClr val="FF0000"/>
+                </a:highlight>
+              </a:rPr>
+              <a:t>- Анализ продуктов которые есть похожие на мой</a:t>
+            </a:r>
+            <a:r>
+              <a:rPr lang="ru-RU" sz="2400" dirty="0">
+                <a:highlight>
+                  <a:srgbClr val="FF0000"/>
+                </a:highlight>
+                <a:latin typeface="+mj-lt"/>
+              </a:rPr>
+              <a:t> </a:t>
+            </a:r>
+          </a:p>
+        </p:txBody>
+      </p:sp>
+      <p:sp>
+        <p:nvSpPr>
+          <p:cNvPr id="7" name="Прямоугольник 6">
+            <a:extLst>
+              <a:ext uri="{FF2B5EF4-FFF2-40B4-BE49-F238E27FC236}">
+                <a16:creationId xmlns:a16="http://schemas.microsoft.com/office/drawing/2014/main" id="{D440F150-4ED5-4B9D-AD12-0004F40EF211}"/>
+              </a:ext>
+            </a:extLst>
+          </p:cNvPr>
+          <p:cNvSpPr/>
+          <p:nvPr/>
+        </p:nvSpPr>
+        <p:spPr>
+          <a:xfrm>
+            <a:off x="595423" y="1250536"/>
+            <a:ext cx="7753782" cy="1569660"/>
+          </a:xfrm>
+          <a:prstGeom prst="rect">
+            <a:avLst/>
+          </a:prstGeom>
+        </p:spPr>
+        <p:txBody>
+          <a:bodyPr wrap="square">
+            <a:spAutoFit/>
+          </a:bodyPr>
+          <a:lstStyle/>
+          <a:p>
+            <a:r>
+              <a:rPr lang="ru-RU" sz="3200" dirty="0">
+                <a:latin typeface="+mj-lt"/>
+              </a:rPr>
+              <a:t>Цель – целью работы является разработка метода тематического моделирования для новостей на русском языке.</a:t>
             </a:r>
           </a:p>
         </p:txBody>
@@ -4060,103 +4372,208 @@
       </p:grpSpPr>
       <p:sp>
         <p:nvSpPr>
-          <p:cNvPr id="3" name="Подзаголовок 2">
-            <a:extLst>
-              <a:ext uri="{FF2B5EF4-FFF2-40B4-BE49-F238E27FC236}">
-                <a16:creationId xmlns:a16="http://schemas.microsoft.com/office/drawing/2014/main" id="{42F3BE86-5E9B-C749-920F-198FF0621C9D}"/>
-              </a:ext>
-            </a:extLst>
-          </p:cNvPr>
-          <p:cNvSpPr>
-            <a:spLocks noGrp="1"/>
-          </p:cNvSpPr>
-          <p:nvPr>
-            <p:ph type="subTitle" idx="1"/>
-          </p:nvPr>
-        </p:nvSpPr>
-        <p:spPr>
-          <a:xfrm>
-            <a:off x="1524000" y="412271"/>
-            <a:ext cx="9144000" cy="1655762"/>
-          </a:xfrm>
-        </p:spPr>
-        <p:txBody>
-          <a:bodyPr/>
-          <a:lstStyle/>
-          <a:p>
-            <a:r>
-              <a:rPr lang="ru-RU" dirty="0"/>
-              <a:t>//Классификация того что мы сделали - сравнение с другими методами</a:t>
-            </a:r>
-          </a:p>
-        </p:txBody>
-      </p:sp>
-      <p:sp>
-        <p:nvSpPr>
-          <p:cNvPr id="4" name="TextBox 3">
-            <a:extLst>
-              <a:ext uri="{FF2B5EF4-FFF2-40B4-BE49-F238E27FC236}">
-                <a16:creationId xmlns:a16="http://schemas.microsoft.com/office/drawing/2014/main" id="{2EAE565F-BE3F-2642-A8E6-57735D484954}"/>
-              </a:ext>
-            </a:extLst>
-          </p:cNvPr>
-          <p:cNvSpPr txBox="1"/>
+          <p:cNvPr id="2" name="Прямоугольник 1">
+            <a:extLst>
+              <a:ext uri="{FF2B5EF4-FFF2-40B4-BE49-F238E27FC236}">
+                <a16:creationId xmlns:a16="http://schemas.microsoft.com/office/drawing/2014/main" id="{DAE3471E-9C83-446A-A53F-1BC927ECEE15}"/>
+              </a:ext>
+            </a:extLst>
+          </p:cNvPr>
+          <p:cNvSpPr/>
           <p:nvPr/>
         </p:nvSpPr>
         <p:spPr>
           <a:xfrm>
-            <a:off x="1839433" y="2551814"/>
-            <a:ext cx="7995683" cy="646331"/>
+            <a:off x="390105" y="173563"/>
+            <a:ext cx="5591595" cy="769441"/>
           </a:xfrm>
           <a:prstGeom prst="rect">
             <a:avLst/>
           </a:prstGeom>
-          <a:noFill/>
-        </p:spPr>
-        <p:txBody>
-          <a:bodyPr wrap="square" rtlCol="0">
+        </p:spPr>
+        <p:txBody>
+          <a:bodyPr wrap="none">
             <a:spAutoFit/>
           </a:bodyPr>
           <a:lstStyle/>
           <a:p>
             <a:r>
-              <a:rPr lang="ru-RU" dirty="0"/>
-              <a:t>«А я буду заниматься самым левым нижним квадратиком из этой всей схемы - узкой задачей» - это снимет много вопросов</a:t>
-            </a:r>
-          </a:p>
-        </p:txBody>
-      </p:sp>
-      <p:sp>
-        <p:nvSpPr>
-          <p:cNvPr id="5" name="TextBox 4">
-            <a:extLst>
-              <a:ext uri="{FF2B5EF4-FFF2-40B4-BE49-F238E27FC236}">
-                <a16:creationId xmlns:a16="http://schemas.microsoft.com/office/drawing/2014/main" id="{4A26A0D4-250F-294D-B8EC-4771BE52F625}"/>
-              </a:ext>
-            </a:extLst>
-          </p:cNvPr>
-          <p:cNvSpPr txBox="1"/>
+              <a:rPr lang="ru-RU" sz="4400" dirty="0">
+                <a:latin typeface="+mj-lt"/>
+              </a:rPr>
+              <a:t>Аналитический раздел</a:t>
+            </a:r>
+          </a:p>
+        </p:txBody>
+      </p:sp>
+      <p:sp>
+        <p:nvSpPr>
+          <p:cNvPr id="3" name="Прямоугольник 2">
+            <a:extLst>
+              <a:ext uri="{FF2B5EF4-FFF2-40B4-BE49-F238E27FC236}">
+                <a16:creationId xmlns:a16="http://schemas.microsoft.com/office/drawing/2014/main" id="{F55B8E23-4249-4AC5-B2FD-1E8DCBF73498}"/>
+              </a:ext>
+            </a:extLst>
+          </p:cNvPr>
+          <p:cNvSpPr/>
           <p:nvPr/>
         </p:nvSpPr>
         <p:spPr>
           <a:xfrm>
-            <a:off x="2449034" y="3681926"/>
-            <a:ext cx="7995683" cy="646331"/>
+            <a:off x="5166899" y="1094106"/>
+            <a:ext cx="1858201" cy="523220"/>
           </a:xfrm>
           <a:prstGeom prst="rect">
             <a:avLst/>
           </a:prstGeom>
-          <a:noFill/>
-        </p:spPr>
-        <p:txBody>
-          <a:bodyPr wrap="square" rtlCol="0">
+        </p:spPr>
+        <p:txBody>
+          <a:bodyPr wrap="none">
             <a:spAutoFit/>
           </a:bodyPr>
           <a:lstStyle/>
           <a:p>
             <a:r>
+              <a:rPr lang="ru-RU" sz="2800" dirty="0">
+                <a:latin typeface="+mj-lt"/>
+              </a:rPr>
+              <a:t>Алгоритмы</a:t>
+            </a:r>
+          </a:p>
+        </p:txBody>
+      </p:sp>
+      <p:sp>
+        <p:nvSpPr>
+          <p:cNvPr id="4" name="Прямоугольник 3">
+            <a:extLst>
+              <a:ext uri="{FF2B5EF4-FFF2-40B4-BE49-F238E27FC236}">
+                <a16:creationId xmlns:a16="http://schemas.microsoft.com/office/drawing/2014/main" id="{215635CE-B157-4161-A14A-530BF3E945A5}"/>
+              </a:ext>
+            </a:extLst>
+          </p:cNvPr>
+          <p:cNvSpPr/>
+          <p:nvPr/>
+        </p:nvSpPr>
+        <p:spPr>
+          <a:xfrm>
+            <a:off x="2274277" y="2037520"/>
+            <a:ext cx="6096000" cy="646331"/>
+          </a:xfrm>
+          <a:prstGeom prst="rect">
+            <a:avLst/>
+          </a:prstGeom>
+        </p:spPr>
+        <p:txBody>
+          <a:bodyPr>
+            <a:spAutoFit/>
+          </a:bodyPr>
+          <a:lstStyle/>
+          <a:p>
+            <a:r>
+              <a:rPr lang="ru-RU" dirty="0"/>
+              <a:t>//Классификация того что мы сделали - сравнение с другими методами</a:t>
+            </a:r>
+          </a:p>
+        </p:txBody>
+      </p:sp>
+      <p:sp>
+        <p:nvSpPr>
+          <p:cNvPr id="5" name="Прямоугольник 4">
+            <a:extLst>
+              <a:ext uri="{FF2B5EF4-FFF2-40B4-BE49-F238E27FC236}">
+                <a16:creationId xmlns:a16="http://schemas.microsoft.com/office/drawing/2014/main" id="{681381C0-9A3C-4815-A1A6-07A759F535A7}"/>
+              </a:ext>
+            </a:extLst>
+          </p:cNvPr>
+          <p:cNvSpPr/>
+          <p:nvPr/>
+        </p:nvSpPr>
+        <p:spPr>
+          <a:xfrm>
+            <a:off x="2274277" y="3250820"/>
+            <a:ext cx="6096000" cy="923330"/>
+          </a:xfrm>
+          <a:prstGeom prst="rect">
+            <a:avLst/>
+          </a:prstGeom>
+        </p:spPr>
+        <p:txBody>
+          <a:bodyPr>
+            <a:spAutoFit/>
+          </a:bodyPr>
+          <a:lstStyle/>
+          <a:p>
+            <a:r>
+              <a:rPr lang="ru-RU" dirty="0"/>
+              <a:t>«А я буду заниматься самым левым нижним квадратиком из этой всей схемы - узкой задачей» - это снимет много вопросов</a:t>
+            </a:r>
+          </a:p>
+        </p:txBody>
+      </p:sp>
+      <p:sp>
+        <p:nvSpPr>
+          <p:cNvPr id="6" name="Прямоугольник 5">
+            <a:extLst>
+              <a:ext uri="{FF2B5EF4-FFF2-40B4-BE49-F238E27FC236}">
+                <a16:creationId xmlns:a16="http://schemas.microsoft.com/office/drawing/2014/main" id="{A0C0E616-FB0F-428C-AF90-274C959FFCC9}"/>
+              </a:ext>
+            </a:extLst>
+          </p:cNvPr>
+          <p:cNvSpPr/>
+          <p:nvPr/>
+        </p:nvSpPr>
+        <p:spPr>
+          <a:xfrm>
+            <a:off x="2274277" y="5007149"/>
+            <a:ext cx="6096000" cy="646331"/>
+          </a:xfrm>
+          <a:prstGeom prst="rect">
+            <a:avLst/>
+          </a:prstGeom>
+        </p:spPr>
+        <p:txBody>
+          <a:bodyPr>
+            <a:spAutoFit/>
+          </a:bodyPr>
+          <a:lstStyle/>
+          <a:p>
+            <a:r>
               <a:rPr lang="ru-RU" dirty="0"/>
               <a:t>Тут обзор других решений, взять из списка литературы что там я изучал и похожие</a:t>
+            </a:r>
+          </a:p>
+        </p:txBody>
+      </p:sp>
+      <p:sp>
+        <p:nvSpPr>
+          <p:cNvPr id="7" name="Прямоугольник 6">
+            <a:extLst>
+              <a:ext uri="{FF2B5EF4-FFF2-40B4-BE49-F238E27FC236}">
+                <a16:creationId xmlns:a16="http://schemas.microsoft.com/office/drawing/2014/main" id="{05FACCCD-6810-4DB4-B54A-9B972ABEA495}"/>
+              </a:ext>
+            </a:extLst>
+          </p:cNvPr>
+          <p:cNvSpPr/>
+          <p:nvPr/>
+        </p:nvSpPr>
+        <p:spPr>
+          <a:xfrm>
+            <a:off x="2405374" y="5921273"/>
+            <a:ext cx="5964903" cy="369332"/>
+          </a:xfrm>
+          <a:prstGeom prst="rect">
+            <a:avLst/>
+          </a:prstGeom>
+        </p:spPr>
+        <p:txBody>
+          <a:bodyPr wrap="none">
+            <a:spAutoFit/>
+          </a:bodyPr>
+          <a:lstStyle/>
+          <a:p>
+            <a:r>
+              <a:rPr lang="ru-RU" dirty="0"/>
+              <a:t>// Формализация объекта (какая математика используется</a:t>
             </a:r>
           </a:p>
         </p:txBody>
@@ -4164,7 +4581,7 @@
     </p:spTree>
     <p:extLst>
       <p:ext uri="{BB962C8B-B14F-4D97-AF65-F5344CB8AC3E}">
-        <p14:creationId xmlns:p14="http://schemas.microsoft.com/office/powerpoint/2010/main" val="1731882397"/>
+        <p14:creationId xmlns:p14="http://schemas.microsoft.com/office/powerpoint/2010/main" val="3856334289"/>
       </p:ext>
     </p:extLst>
   </p:cSld>
@@ -4193,98 +4610,128 @@
       </p:grpSpPr>
       <p:sp>
         <p:nvSpPr>
-          <p:cNvPr id="3" name="Подзаголовок 2">
-            <a:extLst>
-              <a:ext uri="{FF2B5EF4-FFF2-40B4-BE49-F238E27FC236}">
-                <a16:creationId xmlns:a16="http://schemas.microsoft.com/office/drawing/2014/main" id="{42F3BE86-5E9B-C749-920F-198FF0621C9D}"/>
-              </a:ext>
-            </a:extLst>
-          </p:cNvPr>
-          <p:cNvSpPr>
-            <a:spLocks noGrp="1"/>
-          </p:cNvSpPr>
-          <p:nvPr>
-            <p:ph type="subTitle" idx="1"/>
-          </p:nvPr>
-        </p:nvSpPr>
-        <p:spPr>
-          <a:xfrm>
-            <a:off x="1524000" y="412271"/>
-            <a:ext cx="9144000" cy="1655762"/>
-          </a:xfrm>
-        </p:spPr>
-        <p:txBody>
-          <a:bodyPr/>
-          <a:lstStyle/>
-          <a:p>
-            <a:r>
-              <a:rPr lang="ru-RU" dirty="0"/>
-              <a:t>//</a:t>
-            </a:r>
-          </a:p>
-        </p:txBody>
-      </p:sp>
-      <p:sp>
-        <p:nvSpPr>
-          <p:cNvPr id="2" name="TextBox 1">
-            <a:extLst>
-              <a:ext uri="{FF2B5EF4-FFF2-40B4-BE49-F238E27FC236}">
-                <a16:creationId xmlns:a16="http://schemas.microsoft.com/office/drawing/2014/main" id="{01EE5F1A-BD62-B74D-8ECE-B826284E399D}"/>
-              </a:ext>
-            </a:extLst>
-          </p:cNvPr>
-          <p:cNvSpPr txBox="1"/>
+          <p:cNvPr id="2" name="Прямоугольник 1">
+            <a:extLst>
+              <a:ext uri="{FF2B5EF4-FFF2-40B4-BE49-F238E27FC236}">
+                <a16:creationId xmlns:a16="http://schemas.microsoft.com/office/drawing/2014/main" id="{B2FCC58E-2490-4B02-A5E9-F2C47F0F2AC3}"/>
+              </a:ext>
+            </a:extLst>
+          </p:cNvPr>
+          <p:cNvSpPr/>
           <p:nvPr/>
         </p:nvSpPr>
         <p:spPr>
           <a:xfrm>
-            <a:off x="1998921" y="2647507"/>
-            <a:ext cx="7564378" cy="1754326"/>
+            <a:off x="3789759" y="416728"/>
+            <a:ext cx="3995004" cy="523220"/>
           </a:xfrm>
           <a:prstGeom prst="rect">
             <a:avLst/>
           </a:prstGeom>
-          <a:noFill/>
-        </p:spPr>
-        <p:txBody>
-          <a:bodyPr wrap="none" rtlCol="0">
+        </p:spPr>
+        <p:txBody>
+          <a:bodyPr wrap="none">
             <a:spAutoFit/>
           </a:bodyPr>
           <a:lstStyle/>
           <a:p>
             <a:r>
+              <a:rPr lang="ru-RU" sz="2800" dirty="0">
+                <a:latin typeface="+mj-lt"/>
+              </a:rPr>
+              <a:t>ЕМ-алгоритмы; решения</a:t>
+            </a:r>
+          </a:p>
+        </p:txBody>
+      </p:sp>
+      <p:sp>
+        <p:nvSpPr>
+          <p:cNvPr id="3" name="Прямоугольник 2">
+            <a:extLst>
+              <a:ext uri="{FF2B5EF4-FFF2-40B4-BE49-F238E27FC236}">
+                <a16:creationId xmlns:a16="http://schemas.microsoft.com/office/drawing/2014/main" id="{A2E7FFB3-61CC-479A-9D50-BD3370163CB7}"/>
+              </a:ext>
+            </a:extLst>
+          </p:cNvPr>
+          <p:cNvSpPr/>
+          <p:nvPr/>
+        </p:nvSpPr>
+        <p:spPr>
+          <a:xfrm>
+            <a:off x="965981" y="939948"/>
+            <a:ext cx="6096000" cy="646331"/>
+          </a:xfrm>
+          <a:prstGeom prst="rect">
+            <a:avLst/>
+          </a:prstGeom>
+        </p:spPr>
+        <p:txBody>
+          <a:bodyPr>
+            <a:spAutoFit/>
+          </a:bodyPr>
+          <a:lstStyle/>
+          <a:p>
+            <a:r>
               <a:rPr lang="ru-RU" dirty="0"/>
-              <a:t>- Показать все что мы делали</a:t>
-            </a:r>
-          </a:p>
+              <a:t>// Говорим что создаем «алгоритм» - важно! ( тут про новизну )</a:t>
+            </a:r>
+          </a:p>
+        </p:txBody>
+      </p:sp>
+      <p:sp>
+        <p:nvSpPr>
+          <p:cNvPr id="4" name="Прямоугольник 3">
+            <a:extLst>
+              <a:ext uri="{FF2B5EF4-FFF2-40B4-BE49-F238E27FC236}">
+                <a16:creationId xmlns:a16="http://schemas.microsoft.com/office/drawing/2014/main" id="{B5E9A92E-EAF3-4861-BB9D-1999AC860C7B}"/>
+              </a:ext>
+            </a:extLst>
+          </p:cNvPr>
+          <p:cNvSpPr/>
+          <p:nvPr/>
+        </p:nvSpPr>
+        <p:spPr>
+          <a:xfrm>
+            <a:off x="965981" y="2715859"/>
+            <a:ext cx="6096000" cy="1754326"/>
+          </a:xfrm>
+          <a:prstGeom prst="rect">
+            <a:avLst/>
+          </a:prstGeom>
+        </p:spPr>
+        <p:txBody>
+          <a:bodyPr>
+            <a:spAutoFit/>
+          </a:bodyPr>
+          <a:lstStyle/>
           <a:p>
             <a:r>
               <a:rPr lang="ru-RU" dirty="0"/>
-              <a:t>	    - Рисуем уровень А0 или переходим на более низкий уровень</a:t>
+              <a:t>- Алгоритм изображенный строго по госту</a:t>
             </a:r>
           </a:p>
           <a:p>
             <a:r>
               <a:rPr lang="ru-RU" dirty="0"/>
-              <a:t>	    - Показываем что есть входная информация</a:t>
+              <a:t>	    - Ну линейный не нужно отображать - что-то красиво с ветвлениями</a:t>
             </a:r>
           </a:p>
           <a:p>
             <a:r>
               <a:rPr lang="ru-RU" dirty="0"/>
-              <a:t>	    - Как информация преобразуется и что мы получаем на выходе</a:t>
+              <a:t>	    - Не нужна диаграмма классов</a:t>
             </a:r>
           </a:p>
           <a:p>
             <a:r>
               <a:rPr lang="ru-RU" dirty="0"/>
-              <a:t>	    - Все управляющие сигналы тоже показываем</a:t>
+              <a:t>	    - Можно взаимодействие пользователей</a:t>
             </a:r>
           </a:p>
           <a:p>
             <a:r>
               <a:rPr lang="ru-RU" dirty="0"/>
-              <a:t>	    - На этом слайде донести суть моей работы</a:t>
+              <a:t>	    - Сказать в чем новизна</a:t>
             </a:r>
           </a:p>
         </p:txBody>
@@ -4292,7 +4739,7 @@
     </p:spTree>
     <p:extLst>
       <p:ext uri="{BB962C8B-B14F-4D97-AF65-F5344CB8AC3E}">
-        <p14:creationId xmlns:p14="http://schemas.microsoft.com/office/powerpoint/2010/main" val="3949826143"/>
+        <p14:creationId xmlns:p14="http://schemas.microsoft.com/office/powerpoint/2010/main" val="3798717279"/>
       </p:ext>
     </p:extLst>
   </p:cSld>
@@ -4321,68 +4768,170 @@
       </p:grpSpPr>
       <p:sp>
         <p:nvSpPr>
-          <p:cNvPr id="3" name="Подзаголовок 2">
-            <a:extLst>
-              <a:ext uri="{FF2B5EF4-FFF2-40B4-BE49-F238E27FC236}">
-                <a16:creationId xmlns:a16="http://schemas.microsoft.com/office/drawing/2014/main" id="{42F3BE86-5E9B-C749-920F-198FF0621C9D}"/>
-              </a:ext>
-            </a:extLst>
-          </p:cNvPr>
-          <p:cNvSpPr>
-            <a:spLocks noGrp="1"/>
-          </p:cNvSpPr>
-          <p:nvPr>
-            <p:ph type="subTitle" idx="1"/>
-          </p:nvPr>
-        </p:nvSpPr>
-        <p:spPr>
-          <a:xfrm>
-            <a:off x="1524000" y="412271"/>
-            <a:ext cx="9144000" cy="1655762"/>
-          </a:xfrm>
-        </p:spPr>
-        <p:txBody>
-          <a:bodyPr/>
-          <a:lstStyle/>
-          <a:p>
-            <a:r>
-              <a:rPr lang="ru-RU" dirty="0"/>
-              <a:t>//</a:t>
-            </a:r>
-          </a:p>
-        </p:txBody>
-      </p:sp>
-      <p:sp>
-        <p:nvSpPr>
-          <p:cNvPr id="4" name="TextBox 3">
-            <a:extLst>
-              <a:ext uri="{FF2B5EF4-FFF2-40B4-BE49-F238E27FC236}">
-                <a16:creationId xmlns:a16="http://schemas.microsoft.com/office/drawing/2014/main" id="{8D97A504-1EB5-1340-9C33-1ACD3E770809}"/>
-              </a:ext>
-            </a:extLst>
-          </p:cNvPr>
-          <p:cNvSpPr txBox="1"/>
+          <p:cNvPr id="2" name="Прямоугольник 1">
+            <a:extLst>
+              <a:ext uri="{FF2B5EF4-FFF2-40B4-BE49-F238E27FC236}">
+                <a16:creationId xmlns:a16="http://schemas.microsoft.com/office/drawing/2014/main" id="{6F59E9AA-7894-4023-AB29-F87C3BB05AA2}"/>
+              </a:ext>
+            </a:extLst>
+          </p:cNvPr>
+          <p:cNvSpPr/>
           <p:nvPr/>
         </p:nvSpPr>
         <p:spPr>
           <a:xfrm>
-            <a:off x="2541181" y="3340004"/>
-            <a:ext cx="5982535" cy="369332"/>
+            <a:off x="358947" y="201097"/>
+            <a:ext cx="6022803" cy="769441"/>
           </a:xfrm>
           <a:prstGeom prst="rect">
             <a:avLst/>
           </a:prstGeom>
-          <a:noFill/>
-        </p:spPr>
-        <p:txBody>
-          <a:bodyPr wrap="none" rtlCol="0">
+        </p:spPr>
+        <p:txBody>
+          <a:bodyPr wrap="none">
             <a:spAutoFit/>
           </a:bodyPr>
           <a:lstStyle/>
           <a:p>
             <a:r>
+              <a:rPr lang="ru-RU" sz="4400" dirty="0">
+                <a:latin typeface="+mj-lt"/>
+              </a:rPr>
+              <a:t>Конструкторский раздел</a:t>
+            </a:r>
+          </a:p>
+        </p:txBody>
+      </p:sp>
+      <p:sp>
+        <p:nvSpPr>
+          <p:cNvPr id="3" name="Прямоугольник 2">
+            <a:extLst>
+              <a:ext uri="{FF2B5EF4-FFF2-40B4-BE49-F238E27FC236}">
+                <a16:creationId xmlns:a16="http://schemas.microsoft.com/office/drawing/2014/main" id="{8944955D-FEE1-473C-BB64-48A01CAE6C52}"/>
+              </a:ext>
+            </a:extLst>
+          </p:cNvPr>
+          <p:cNvSpPr/>
+          <p:nvPr/>
+        </p:nvSpPr>
+        <p:spPr>
+          <a:xfrm>
+            <a:off x="4658747" y="1120112"/>
+            <a:ext cx="2874505" cy="523220"/>
+          </a:xfrm>
+          <a:prstGeom prst="rect">
+            <a:avLst/>
+          </a:prstGeom>
+        </p:spPr>
+        <p:txBody>
+          <a:bodyPr wrap="none">
+            <a:spAutoFit/>
+          </a:bodyPr>
+          <a:lstStyle/>
+          <a:p>
+            <a:r>
+              <a:rPr lang="ru-RU" sz="2800" dirty="0">
+                <a:latin typeface="+mj-lt"/>
+              </a:rPr>
+              <a:t>Сбор и обработка</a:t>
+            </a:r>
+          </a:p>
+        </p:txBody>
+      </p:sp>
+      <p:sp>
+        <p:nvSpPr>
+          <p:cNvPr id="4" name="Прямоугольник 3">
+            <a:extLst>
+              <a:ext uri="{FF2B5EF4-FFF2-40B4-BE49-F238E27FC236}">
+                <a16:creationId xmlns:a16="http://schemas.microsoft.com/office/drawing/2014/main" id="{722D0E47-0E50-4572-8679-CA3DD3C797F2}"/>
+              </a:ext>
+            </a:extLst>
+          </p:cNvPr>
+          <p:cNvSpPr/>
+          <p:nvPr/>
+        </p:nvSpPr>
+        <p:spPr>
+          <a:xfrm>
+            <a:off x="763737" y="1958874"/>
+            <a:ext cx="2606611" cy="369332"/>
+          </a:xfrm>
+          <a:prstGeom prst="rect">
+            <a:avLst/>
+          </a:prstGeom>
+        </p:spPr>
+        <p:txBody>
+          <a:bodyPr wrap="none">
+            <a:spAutoFit/>
+          </a:bodyPr>
+          <a:lstStyle/>
+          <a:p>
+            <a:r>
               <a:rPr lang="ru-RU" dirty="0"/>
-              <a:t>// Формализация объекта (какая математика используется)</a:t>
+              <a:t>// Создаем структуру ПО</a:t>
+            </a:r>
+          </a:p>
+        </p:txBody>
+      </p:sp>
+      <p:sp>
+        <p:nvSpPr>
+          <p:cNvPr id="5" name="Прямоугольник 4">
+            <a:extLst>
+              <a:ext uri="{FF2B5EF4-FFF2-40B4-BE49-F238E27FC236}">
+                <a16:creationId xmlns:a16="http://schemas.microsoft.com/office/drawing/2014/main" id="{950C83C5-AE33-4375-A8B7-BBDD8C7971DA}"/>
+              </a:ext>
+            </a:extLst>
+          </p:cNvPr>
+          <p:cNvSpPr/>
+          <p:nvPr/>
+        </p:nvSpPr>
+        <p:spPr>
+          <a:xfrm>
+            <a:off x="609600" y="2725412"/>
+            <a:ext cx="6096000" cy="2308324"/>
+          </a:xfrm>
+          <a:prstGeom prst="rect">
+            <a:avLst/>
+          </a:prstGeom>
+        </p:spPr>
+        <p:txBody>
+          <a:bodyPr>
+            <a:spAutoFit/>
+          </a:bodyPr>
+          <a:lstStyle/>
+          <a:p>
+            <a:r>
+              <a:rPr lang="ru-RU" dirty="0"/>
+              <a:t>- Показать все что мы делали</a:t>
+            </a:r>
+          </a:p>
+          <a:p>
+            <a:r>
+              <a:rPr lang="ru-RU" dirty="0"/>
+              <a:t>	    - Рисуем уровень А0 или переходим на более низкий уровень</a:t>
+            </a:r>
+          </a:p>
+          <a:p>
+            <a:r>
+              <a:rPr lang="ru-RU" dirty="0"/>
+              <a:t>	    - Показываем что есть входная информация</a:t>
+            </a:r>
+          </a:p>
+          <a:p>
+            <a:r>
+              <a:rPr lang="ru-RU" dirty="0"/>
+              <a:t>	    - Как информация преобразуется и что мы получаем на выходе</a:t>
+            </a:r>
+          </a:p>
+          <a:p>
+            <a:r>
+              <a:rPr lang="ru-RU" dirty="0"/>
+              <a:t>	    - Все управляющие сигналы тоже показываем</a:t>
+            </a:r>
+          </a:p>
+          <a:p>
+            <a:r>
+              <a:rPr lang="ru-RU" dirty="0"/>
+              <a:t>	    - На этом слайде донести суть моей работы</a:t>
             </a:r>
           </a:p>
         </p:txBody>
@@ -4390,7 +4939,7 @@
     </p:spTree>
     <p:extLst>
       <p:ext uri="{BB962C8B-B14F-4D97-AF65-F5344CB8AC3E}">
-        <p14:creationId xmlns:p14="http://schemas.microsoft.com/office/powerpoint/2010/main" val="2648288219"/>
+        <p14:creationId xmlns:p14="http://schemas.microsoft.com/office/powerpoint/2010/main" val="3517602289"/>
       </p:ext>
     </p:extLst>
   </p:cSld>
@@ -4419,92 +4968,36 @@
       </p:grpSpPr>
       <p:sp>
         <p:nvSpPr>
-          <p:cNvPr id="3" name="Подзаголовок 2">
-            <a:extLst>
-              <a:ext uri="{FF2B5EF4-FFF2-40B4-BE49-F238E27FC236}">
-                <a16:creationId xmlns:a16="http://schemas.microsoft.com/office/drawing/2014/main" id="{42F3BE86-5E9B-C749-920F-198FF0621C9D}"/>
-              </a:ext>
-            </a:extLst>
-          </p:cNvPr>
-          <p:cNvSpPr>
-            <a:spLocks noGrp="1"/>
-          </p:cNvSpPr>
-          <p:nvPr>
-            <p:ph type="subTitle" idx="1"/>
-          </p:nvPr>
-        </p:nvSpPr>
-        <p:spPr>
-          <a:xfrm>
-            <a:off x="1524000" y="412271"/>
-            <a:ext cx="9144000" cy="1655762"/>
-          </a:xfrm>
-        </p:spPr>
-        <p:txBody>
-          <a:bodyPr/>
-          <a:lstStyle/>
-          <a:p>
-            <a:r>
-              <a:rPr lang="ru-RU" dirty="0"/>
-              <a:t>// Говорим что создаем «алгоритм» - важно! ( тут про новизну )</a:t>
-            </a:r>
-          </a:p>
-        </p:txBody>
-      </p:sp>
-      <p:sp>
-        <p:nvSpPr>
-          <p:cNvPr id="5" name="TextBox 4">
-            <a:extLst>
-              <a:ext uri="{FF2B5EF4-FFF2-40B4-BE49-F238E27FC236}">
-                <a16:creationId xmlns:a16="http://schemas.microsoft.com/office/drawing/2014/main" id="{EF9E41BD-D326-BC4C-A762-46B9568B1C2A}"/>
-              </a:ext>
-            </a:extLst>
-          </p:cNvPr>
-          <p:cNvSpPr txBox="1"/>
+          <p:cNvPr id="2" name="Прямоугольник 1">
+            <a:extLst>
+              <a:ext uri="{FF2B5EF4-FFF2-40B4-BE49-F238E27FC236}">
+                <a16:creationId xmlns:a16="http://schemas.microsoft.com/office/drawing/2014/main" id="{3AA8A436-ACA5-413E-ADC2-4FF239D6271B}"/>
+              </a:ext>
+            </a:extLst>
+          </p:cNvPr>
+          <p:cNvSpPr/>
           <p:nvPr/>
         </p:nvSpPr>
         <p:spPr>
           <a:xfrm>
-            <a:off x="2509284" y="1839433"/>
-            <a:ext cx="8045023" cy="1477328"/>
+            <a:off x="4642557" y="304186"/>
+            <a:ext cx="1670650" cy="523220"/>
           </a:xfrm>
           <a:prstGeom prst="rect">
             <a:avLst/>
           </a:prstGeom>
-          <a:noFill/>
-        </p:spPr>
-        <p:txBody>
-          <a:bodyPr wrap="none" rtlCol="0">
+        </p:spPr>
+        <p:txBody>
+          <a:bodyPr wrap="none">
             <a:spAutoFit/>
           </a:bodyPr>
           <a:lstStyle/>
           <a:p>
             <a:r>
-              <a:rPr lang="ru-RU" dirty="0"/>
-              <a:t>- Алгоритм изображенный строго по госту</a:t>
-            </a:r>
-          </a:p>
-          <a:p>
-            <a:r>
-              <a:rPr lang="ru-RU" dirty="0"/>
-              <a:t>	    - Ну линейный не нужно отображать - что-то красиво с ветвлениями</a:t>
-            </a:r>
-          </a:p>
-          <a:p>
-            <a:r>
-              <a:rPr lang="ru-RU" dirty="0"/>
-              <a:t>	    - Не нужна диаграмма классов</a:t>
-            </a:r>
-          </a:p>
-          <a:p>
-            <a:r>
-              <a:rPr lang="ru-RU" dirty="0"/>
-              <a:t>	    - Можно взаимодействие пользователей</a:t>
-            </a:r>
-          </a:p>
-          <a:p>
-            <a:r>
-              <a:rPr lang="ru-RU" dirty="0"/>
-              <a:t>	    - Сказать в чем новизна</a:t>
+              <a:rPr lang="ru-RU" sz="2800" dirty="0">
+                <a:latin typeface="+mj-lt"/>
+              </a:rPr>
+              <a:t>Обучение</a:t>
             </a:r>
           </a:p>
         </p:txBody>
@@ -4512,7 +5005,7 @@
     </p:spTree>
     <p:extLst>
       <p:ext uri="{BB962C8B-B14F-4D97-AF65-F5344CB8AC3E}">
-        <p14:creationId xmlns:p14="http://schemas.microsoft.com/office/powerpoint/2010/main" val="3333767127"/>
+        <p14:creationId xmlns:p14="http://schemas.microsoft.com/office/powerpoint/2010/main" val="2084327567"/>
       </p:ext>
     </p:extLst>
   </p:cSld>
@@ -4541,33 +5034,72 @@
       </p:grpSpPr>
       <p:sp>
         <p:nvSpPr>
-          <p:cNvPr id="3" name="Подзаголовок 2">
-            <a:extLst>
-              <a:ext uri="{FF2B5EF4-FFF2-40B4-BE49-F238E27FC236}">
-                <a16:creationId xmlns:a16="http://schemas.microsoft.com/office/drawing/2014/main" id="{42F3BE86-5E9B-C749-920F-198FF0621C9D}"/>
-              </a:ext>
-            </a:extLst>
-          </p:cNvPr>
-          <p:cNvSpPr>
-            <a:spLocks noGrp="1"/>
-          </p:cNvSpPr>
-          <p:nvPr>
-            <p:ph type="subTitle" idx="1"/>
-          </p:nvPr>
-        </p:nvSpPr>
-        <p:spPr>
-          <a:xfrm>
-            <a:off x="1524000" y="412271"/>
-            <a:ext cx="9144000" cy="1655762"/>
-          </a:xfrm>
-        </p:spPr>
-        <p:txBody>
-          <a:bodyPr/>
-          <a:lstStyle/>
-          <a:p>
-            <a:r>
-              <a:rPr lang="ru-RU" dirty="0"/>
-              <a:t>// Создаем структуру ПО</a:t>
+          <p:cNvPr id="2" name="Прямоугольник 1">
+            <a:extLst>
+              <a:ext uri="{FF2B5EF4-FFF2-40B4-BE49-F238E27FC236}">
+                <a16:creationId xmlns:a16="http://schemas.microsoft.com/office/drawing/2014/main" id="{4966950D-9C39-4D96-ADB0-54E6D44AAF98}"/>
+              </a:ext>
+            </a:extLst>
+          </p:cNvPr>
+          <p:cNvSpPr/>
+          <p:nvPr/>
+        </p:nvSpPr>
+        <p:spPr>
+          <a:xfrm>
+            <a:off x="271668" y="215385"/>
+            <a:ext cx="6059672" cy="769441"/>
+          </a:xfrm>
+          <a:prstGeom prst="rect">
+            <a:avLst/>
+          </a:prstGeom>
+        </p:spPr>
+        <p:txBody>
+          <a:bodyPr wrap="none">
+            <a:spAutoFit/>
+          </a:bodyPr>
+          <a:lstStyle/>
+          <a:p>
+            <a:r>
+              <a:rPr lang="ru-RU" sz="4400" dirty="0">
+                <a:latin typeface="+mj-lt"/>
+              </a:rPr>
+              <a:t>Технологический раздел</a:t>
+            </a:r>
+          </a:p>
+        </p:txBody>
+      </p:sp>
+      <p:sp>
+        <p:nvSpPr>
+          <p:cNvPr id="3" name="Прямоугольник 2">
+            <a:extLst>
+              <a:ext uri="{FF2B5EF4-FFF2-40B4-BE49-F238E27FC236}">
+                <a16:creationId xmlns:a16="http://schemas.microsoft.com/office/drawing/2014/main" id="{9C8AC807-5D21-4C64-A747-C1A0D8999250}"/>
+              </a:ext>
+            </a:extLst>
+          </p:cNvPr>
+          <p:cNvSpPr/>
+          <p:nvPr/>
+        </p:nvSpPr>
+        <p:spPr>
+          <a:xfrm>
+            <a:off x="4844836" y="984826"/>
+            <a:ext cx="2278188" cy="523220"/>
+          </a:xfrm>
+          <a:prstGeom prst="rect">
+            <a:avLst/>
+          </a:prstGeom>
+        </p:spPr>
+        <p:txBody>
+          <a:bodyPr wrap="none">
+            <a:spAutoFit/>
+          </a:bodyPr>
+          <a:lstStyle/>
+          <a:p>
+            <a:r>
+              <a:rPr lang="ru-RU" sz="2800" dirty="0">
+                <a:latin typeface="+mj-lt"/>
+              </a:rPr>
+              <a:t>Стек решения</a:t>
             </a:r>
           </a:p>
         </p:txBody>
@@ -4575,7 +5107,7 @@
     </p:spTree>
     <p:extLst>
       <p:ext uri="{BB962C8B-B14F-4D97-AF65-F5344CB8AC3E}">
-        <p14:creationId xmlns:p14="http://schemas.microsoft.com/office/powerpoint/2010/main" val="2070813334"/>
+        <p14:creationId xmlns:p14="http://schemas.microsoft.com/office/powerpoint/2010/main" val="4208398128"/>
       </p:ext>
     </p:extLst>
   </p:cSld>
@@ -4604,86 +5136,36 @@
       </p:grpSpPr>
       <p:sp>
         <p:nvSpPr>
-          <p:cNvPr id="3" name="Подзаголовок 2">
-            <a:extLst>
-              <a:ext uri="{FF2B5EF4-FFF2-40B4-BE49-F238E27FC236}">
-                <a16:creationId xmlns:a16="http://schemas.microsoft.com/office/drawing/2014/main" id="{42F3BE86-5E9B-C749-920F-198FF0621C9D}"/>
-              </a:ext>
-            </a:extLst>
-          </p:cNvPr>
-          <p:cNvSpPr>
-            <a:spLocks noGrp="1"/>
-          </p:cNvSpPr>
-          <p:nvPr>
-            <p:ph type="subTitle" idx="1"/>
-          </p:nvPr>
-        </p:nvSpPr>
-        <p:spPr>
-          <a:xfrm>
-            <a:off x="1524000" y="412271"/>
-            <a:ext cx="9144000" cy="1655762"/>
-          </a:xfrm>
-        </p:spPr>
-        <p:txBody>
-          <a:bodyPr/>
-          <a:lstStyle/>
-          <a:p>
-            <a:r>
-              <a:rPr lang="ru-RU" dirty="0"/>
-              <a:t>// Исследование (чего-то там конкретно)</a:t>
-            </a:r>
-          </a:p>
-        </p:txBody>
-      </p:sp>
-      <p:sp>
-        <p:nvSpPr>
-          <p:cNvPr id="2" name="TextBox 1">
-            <a:extLst>
-              <a:ext uri="{FF2B5EF4-FFF2-40B4-BE49-F238E27FC236}">
-                <a16:creationId xmlns:a16="http://schemas.microsoft.com/office/drawing/2014/main" id="{A4C279EE-1805-2648-99ED-CDDFD2E197EF}"/>
-              </a:ext>
-            </a:extLst>
-          </p:cNvPr>
-          <p:cNvSpPr txBox="1"/>
+          <p:cNvPr id="2" name="Прямоугольник 1">
+            <a:extLst>
+              <a:ext uri="{FF2B5EF4-FFF2-40B4-BE49-F238E27FC236}">
+                <a16:creationId xmlns:a16="http://schemas.microsoft.com/office/drawing/2014/main" id="{876FD713-ADFF-4269-ADFD-4A23467C1DEC}"/>
+              </a:ext>
+            </a:extLst>
+          </p:cNvPr>
+          <p:cNvSpPr/>
           <p:nvPr/>
         </p:nvSpPr>
         <p:spPr>
           <a:xfrm>
-            <a:off x="1733107" y="1988288"/>
-            <a:ext cx="7634176" cy="1754326"/>
+            <a:off x="4813277" y="318254"/>
+            <a:ext cx="1329210" cy="523220"/>
           </a:xfrm>
           <a:prstGeom prst="rect">
             <a:avLst/>
           </a:prstGeom>
-          <a:noFill/>
-        </p:spPr>
-        <p:txBody>
-          <a:bodyPr wrap="square" rtlCol="0">
+        </p:spPr>
+        <p:txBody>
+          <a:bodyPr wrap="none">
             <a:spAutoFit/>
           </a:bodyPr>
           <a:lstStyle/>
           <a:p>
             <a:r>
-              <a:rPr lang="ru-RU" dirty="0"/>
-              <a:t>- Можно исследовать сравнивая похожее с моим и посмотреть разницу</a:t>
-            </a:r>
-          </a:p>
-          <a:p>
-            <a:r>
-              <a:rPr lang="ru-RU" dirty="0"/>
-              <a:t>	    - Можно исследовать собственный инструментарий на сложность, разные параметры и т д если решение совсем уж оригинальное</a:t>
-            </a:r>
-          </a:p>
-          <a:p>
-            <a:r>
-              <a:rPr lang="ru-RU" dirty="0"/>
-              <a:t>	    - Можно в табличном виде - вот параметры, мой алгоритм лучше</a:t>
-            </a:r>
-          </a:p>
-          <a:p>
-            <a:r>
-              <a:rPr lang="ru-RU" dirty="0"/>
-              <a:t>	    - Можно с помощью графиков</a:t>
+              <a:rPr lang="ru-RU" sz="2800" dirty="0">
+                <a:latin typeface="+mj-lt"/>
+              </a:rPr>
+              <a:t>Оценки</a:t>
             </a:r>
           </a:p>
         </p:txBody>
@@ -4691,7 +5173,7 @@
     </p:spTree>
     <p:extLst>
       <p:ext uri="{BB962C8B-B14F-4D97-AF65-F5344CB8AC3E}">
-        <p14:creationId xmlns:p14="http://schemas.microsoft.com/office/powerpoint/2010/main" val="1361743108"/>
+        <p14:creationId xmlns:p14="http://schemas.microsoft.com/office/powerpoint/2010/main" val="3327052630"/>
       </p:ext>
     </p:extLst>
   </p:cSld>

--- a/presentation/presentation.pptx
+++ b/presentation/presentation.pptx
@@ -9,10 +9,10 @@
     <p:sldId id="266" r:id="rId3"/>
     <p:sldId id="257" r:id="rId4"/>
     <p:sldId id="267" r:id="rId5"/>
-    <p:sldId id="271" r:id="rId6"/>
+    <p:sldId id="275" r:id="rId6"/>
     <p:sldId id="268" r:id="rId7"/>
-    <p:sldId id="272" r:id="rId8"/>
-    <p:sldId id="269" r:id="rId9"/>
+    <p:sldId id="277" r:id="rId8"/>
+    <p:sldId id="272" r:id="rId9"/>
     <p:sldId id="273" r:id="rId10"/>
     <p:sldId id="270" r:id="rId11"/>
     <p:sldId id="274" r:id="rId12"/>
@@ -122,21 +122,20 @@
           <p14:sldIdLst>
             <p14:sldId id="256"/>
             <p14:sldId id="266"/>
-          </p14:sldIdLst>
-        </p14:section>
-        <p14:section name="Раздел без заголовка" id="{D7877719-4D90-43F7-A6DC-0353EE4AEEA8}">
-          <p14:sldIdLst>
             <p14:sldId id="257"/>
             <p14:sldId id="267"/>
-            <p14:sldId id="271"/>
+            <p14:sldId id="275"/>
             <p14:sldId id="268"/>
+            <p14:sldId id="277"/>
             <p14:sldId id="272"/>
-            <p14:sldId id="269"/>
             <p14:sldId id="273"/>
             <p14:sldId id="270"/>
             <p14:sldId id="274"/>
             <p14:sldId id="265"/>
           </p14:sldIdLst>
+        </p14:section>
+        <p14:section name="Раздел без заголовка" id="{D7877719-4D90-43F7-A6DC-0353EE4AEEA8}">
+          <p14:sldIdLst/>
         </p14:section>
       </p14:sectionLst>
     </p:ext>
@@ -156,23 +155,57 @@
       </p:ext>
     </p:extLst>
   </p:cmAuthor>
+  <p:cmAuthor id="2" name="Кирилл Маркин" initials="КМ" lastIdx="1" clrIdx="1">
+    <p:extLst>
+      <p:ext uri="{19B8F6BF-5375-455C-9EA6-DF929625EA0E}">
+        <p15:presenceInfo xmlns:p15="http://schemas.microsoft.com/office/powerpoint/2012/main" userId="Кирилл Маркин" providerId="None"/>
+      </p:ext>
+    </p:extLst>
+  </p:cmAuthor>
 </p:cmAuthorLst>
 </file>
 
 <file path=ppt/comments/comment1.xml><?xml version="1.0" encoding="utf-8"?>
 <p:cmLst xmlns:a="http://schemas.openxmlformats.org/drawingml/2006/main" xmlns:r="http://schemas.openxmlformats.org/officeDocument/2006/relationships" xmlns:p="http://schemas.openxmlformats.org/presentationml/2006/main">
-  <p:cm authorId="1" dt="2019-06-03T15:31:42.350" idx="3">
-    <p:pos x="3484" y="1432"/>
-    <p:text>-Цель работы (одно предложение) -Почти повторить название раскрыв суть метода. На базе какой математической модели, аппарата сделано и что вот есть программа через которую это видно.</p:text>
+  <p:cm authorId="2" dt="2019-06-10T16:42:02.652" idx="1">
+    <p:pos x="7371" y="18"/>
+    <p:text>- Показать все что мы делали
+	    - Рисуем уровень А0 или переходим на более низкий уровень
+	    - Показываем что есть входная информация
+	    - Как информация преобразуется и что мы получаем на выходе
+	    - Все управляющие сигналы тоже показываем
+	    - На этом слайде донести суть моей работы
+- Алгоритм изображенный строго по госту
+	    - Ну линейный не нужно отображать - что-то красиво с ветвлениями
+	    - Не нужна диаграмма классов
+	    - Можно взаимодействие пользователей
+	    - Сказать в чем новизна
+</p:text>
     <p:extLst>
       <p:ext uri="{C676402C-5697-4E1C-873F-D02D1690AC5C}">
         <p15:threadingInfo xmlns:p15="http://schemas.microsoft.com/office/powerpoint/2012/main" timeZoneBias="-180"/>
       </p:ext>
     </p:extLst>
   </p:cm>
-  <p:cm authorId="1" dt="2019-06-03T15:32:38.104" idx="4">
-    <p:pos x="4528" y="2854"/>
-    <p:text>-Основные задачи -«Для достижения поставленной цели были поставлены основные задачи» -Объект исследования -Анализ того что сделали -Анализ продуктов которые есть похожие на мой</p:text>
+</p:cmLst>
+</file>
+
+<file path=ppt/comments/comment2.xml><?xml version="1.0" encoding="utf-8"?>
+<p:cmLst xmlns:a="http://schemas.openxmlformats.org/drawingml/2006/main" xmlns:r="http://schemas.openxmlformats.org/officeDocument/2006/relationships" xmlns:p="http://schemas.openxmlformats.org/presentationml/2006/main">
+  <p:cm authorId="2" dt="2019-06-10T16:42:02.652" idx="1">
+    <p:pos x="7371" y="18"/>
+    <p:text>- Показать все что мы делали
+	    - Рисуем уровень А0 или переходим на более низкий уровень
+	    - Показываем что есть входная информация
+	    - Как информация преобразуется и что мы получаем на выходе
+	    - Все управляющие сигналы тоже показываем
+	    - На этом слайде донести суть моей работы
+- Алгоритм изображенный строго по госту
+	    - Ну линейный не нужно отображать - что-то красиво с ветвлениями
+	    - Не нужна диаграмма классов
+	    - Можно взаимодействие пользователей
+	    - Сказать в чем новизна
+</p:text>
     <p:extLst>
       <p:ext uri="{C676402C-5697-4E1C-873F-D02D1690AC5C}">
         <p15:threadingInfo xmlns:p15="http://schemas.microsoft.com/office/powerpoint/2012/main" timeZoneBias="-180"/>
@@ -329,7 +362,7 @@
           <a:p>
             <a:fld id="{774E5C8E-A791-5141-BFC5-061C00718CFF}" type="datetimeFigureOut">
               <a:rPr lang="ru-RU" smtClean="0"/>
-              <a:t>07.06.2019</a:t>
+              <a:t>10.06.2019</a:t>
             </a:fld>
             <a:endParaRPr lang="ru-RU"/>
           </a:p>
@@ -527,7 +560,7 @@
           <a:p>
             <a:fld id="{774E5C8E-A791-5141-BFC5-061C00718CFF}" type="datetimeFigureOut">
               <a:rPr lang="ru-RU" smtClean="0"/>
-              <a:t>07.06.2019</a:t>
+              <a:t>10.06.2019</a:t>
             </a:fld>
             <a:endParaRPr lang="ru-RU"/>
           </a:p>
@@ -735,7 +768,7 @@
           <a:p>
             <a:fld id="{774E5C8E-A791-5141-BFC5-061C00718CFF}" type="datetimeFigureOut">
               <a:rPr lang="ru-RU" smtClean="0"/>
-              <a:t>07.06.2019</a:t>
+              <a:t>10.06.2019</a:t>
             </a:fld>
             <a:endParaRPr lang="ru-RU"/>
           </a:p>
@@ -933,7 +966,7 @@
           <a:p>
             <a:fld id="{774E5C8E-A791-5141-BFC5-061C00718CFF}" type="datetimeFigureOut">
               <a:rPr lang="ru-RU" smtClean="0"/>
-              <a:t>07.06.2019</a:t>
+              <a:t>10.06.2019</a:t>
             </a:fld>
             <a:endParaRPr lang="ru-RU"/>
           </a:p>
@@ -1208,7 +1241,7 @@
           <a:p>
             <a:fld id="{774E5C8E-A791-5141-BFC5-061C00718CFF}" type="datetimeFigureOut">
               <a:rPr lang="ru-RU" smtClean="0"/>
-              <a:t>07.06.2019</a:t>
+              <a:t>10.06.2019</a:t>
             </a:fld>
             <a:endParaRPr lang="ru-RU"/>
           </a:p>
@@ -1473,7 +1506,7 @@
           <a:p>
             <a:fld id="{774E5C8E-A791-5141-BFC5-061C00718CFF}" type="datetimeFigureOut">
               <a:rPr lang="ru-RU" smtClean="0"/>
-              <a:t>07.06.2019</a:t>
+              <a:t>10.06.2019</a:t>
             </a:fld>
             <a:endParaRPr lang="ru-RU"/>
           </a:p>
@@ -1885,7 +1918,7 @@
           <a:p>
             <a:fld id="{774E5C8E-A791-5141-BFC5-061C00718CFF}" type="datetimeFigureOut">
               <a:rPr lang="ru-RU" smtClean="0"/>
-              <a:t>07.06.2019</a:t>
+              <a:t>10.06.2019</a:t>
             </a:fld>
             <a:endParaRPr lang="ru-RU"/>
           </a:p>
@@ -2026,7 +2059,7 @@
           <a:p>
             <a:fld id="{774E5C8E-A791-5141-BFC5-061C00718CFF}" type="datetimeFigureOut">
               <a:rPr lang="ru-RU" smtClean="0"/>
-              <a:t>07.06.2019</a:t>
+              <a:t>10.06.2019</a:t>
             </a:fld>
             <a:endParaRPr lang="ru-RU"/>
           </a:p>
@@ -2139,7 +2172,7 @@
           <a:p>
             <a:fld id="{774E5C8E-A791-5141-BFC5-061C00718CFF}" type="datetimeFigureOut">
               <a:rPr lang="ru-RU" smtClean="0"/>
-              <a:t>07.06.2019</a:t>
+              <a:t>10.06.2019</a:t>
             </a:fld>
             <a:endParaRPr lang="ru-RU"/>
           </a:p>
@@ -2450,7 +2483,7 @@
           <a:p>
             <a:fld id="{774E5C8E-A791-5141-BFC5-061C00718CFF}" type="datetimeFigureOut">
               <a:rPr lang="ru-RU" smtClean="0"/>
-              <a:t>07.06.2019</a:t>
+              <a:t>10.06.2019</a:t>
             </a:fld>
             <a:endParaRPr lang="ru-RU"/>
           </a:p>
@@ -2738,7 +2771,7 @@
           <a:p>
             <a:fld id="{774E5C8E-A791-5141-BFC5-061C00718CFF}" type="datetimeFigureOut">
               <a:rPr lang="ru-RU" smtClean="0"/>
-              <a:t>07.06.2019</a:t>
+              <a:t>10.06.2019</a:t>
             </a:fld>
             <a:endParaRPr lang="ru-RU"/>
           </a:p>
@@ -2979,7 +3012,7 @@
           <a:p>
             <a:fld id="{774E5C8E-A791-5141-BFC5-061C00718CFF}" type="datetimeFigureOut">
               <a:rPr lang="ru-RU" smtClean="0"/>
-              <a:t>07.06.2019</a:t>
+              <a:t>10.06.2019</a:t>
             </a:fld>
             <a:endParaRPr lang="ru-RU"/>
           </a:p>
@@ -3751,7 +3784,7 @@
           <a:p>
             <a:r>
               <a:rPr lang="ru-RU" sz="1600" dirty="0">
-                <a:latin typeface="Arial" panose="020B0604020202020204" pitchFamily="34" charset="0"/>
+                <a:latin typeface="+mj-lt"/>
                 <a:cs typeface="Arial" panose="020B0604020202020204" pitchFamily="34" charset="0"/>
               </a:rPr>
               <a:t>Москва 2019</a:t>
@@ -3791,42 +3824,6 @@
       </p:grpSpPr>
       <p:sp>
         <p:nvSpPr>
-          <p:cNvPr id="2" name="Прямоугольник 1">
-            <a:extLst>
-              <a:ext uri="{FF2B5EF4-FFF2-40B4-BE49-F238E27FC236}">
-                <a16:creationId xmlns:a16="http://schemas.microsoft.com/office/drawing/2014/main" id="{F89FFED8-578F-4601-8212-122036B66D95}"/>
-              </a:ext>
-            </a:extLst>
-          </p:cNvPr>
-          <p:cNvSpPr/>
-          <p:nvPr/>
-        </p:nvSpPr>
-        <p:spPr>
-          <a:xfrm>
-            <a:off x="260567" y="183683"/>
-            <a:ext cx="6776214" cy="769441"/>
-          </a:xfrm>
-          <a:prstGeom prst="rect">
-            <a:avLst/>
-          </a:prstGeom>
-        </p:spPr>
-        <p:txBody>
-          <a:bodyPr wrap="none">
-            <a:spAutoFit/>
-          </a:bodyPr>
-          <a:lstStyle/>
-          <a:p>
-            <a:r>
-              <a:rPr lang="ru-RU" sz="4400" dirty="0">
-                <a:latin typeface="+mj-lt"/>
-              </a:rPr>
-              <a:t>Исследовательский раздел</a:t>
-            </a:r>
-          </a:p>
-        </p:txBody>
-      </p:sp>
-      <p:sp>
-        <p:nvSpPr>
           <p:cNvPr id="3" name="Прямоугольник 2">
             <a:extLst>
               <a:ext uri="{FF2B5EF4-FFF2-40B4-BE49-F238E27FC236}">
@@ -3909,6 +3906,42 @@
             <a:r>
               <a:rPr lang="ru-RU" dirty="0"/>
               <a:t>	    - Можно с помощью графиков</a:t>
+            </a:r>
+          </a:p>
+        </p:txBody>
+      </p:sp>
+      <p:sp>
+        <p:nvSpPr>
+          <p:cNvPr id="5" name="Прямоугольник 4">
+            <a:extLst>
+              <a:ext uri="{FF2B5EF4-FFF2-40B4-BE49-F238E27FC236}">
+                <a16:creationId xmlns:a16="http://schemas.microsoft.com/office/drawing/2014/main" id="{15AE3B60-BF9A-CE49-802E-4E14683C6876}"/>
+              </a:ext>
+            </a:extLst>
+          </p:cNvPr>
+          <p:cNvSpPr/>
+          <p:nvPr/>
+        </p:nvSpPr>
+        <p:spPr>
+          <a:xfrm>
+            <a:off x="11474005" y="6473428"/>
+            <a:ext cx="736099" cy="369332"/>
+          </a:xfrm>
+          <a:prstGeom prst="rect">
+            <a:avLst/>
+          </a:prstGeom>
+        </p:spPr>
+        <p:txBody>
+          <a:bodyPr wrap="none">
+            <a:spAutoFit/>
+          </a:bodyPr>
+          <a:lstStyle/>
+          <a:p>
+            <a:r>
+              <a:rPr lang="ru-RU" dirty="0">
+                <a:latin typeface="+mj-lt"/>
+              </a:rPr>
+              <a:t>10/12</a:t>
             </a:r>
           </a:p>
         </p:txBody>
@@ -3979,6 +4012,42 @@
           </a:p>
         </p:txBody>
       </p:sp>
+      <p:sp>
+        <p:nvSpPr>
+          <p:cNvPr id="3" name="Прямоугольник 2">
+            <a:extLst>
+              <a:ext uri="{FF2B5EF4-FFF2-40B4-BE49-F238E27FC236}">
+                <a16:creationId xmlns:a16="http://schemas.microsoft.com/office/drawing/2014/main" id="{5D724F36-6A89-C44B-B62B-BC5B416C15D9}"/>
+              </a:ext>
+            </a:extLst>
+          </p:cNvPr>
+          <p:cNvSpPr/>
+          <p:nvPr/>
+        </p:nvSpPr>
+        <p:spPr>
+          <a:xfrm>
+            <a:off x="11474005" y="6473428"/>
+            <a:ext cx="736099" cy="369332"/>
+          </a:xfrm>
+          <a:prstGeom prst="rect">
+            <a:avLst/>
+          </a:prstGeom>
+        </p:spPr>
+        <p:txBody>
+          <a:bodyPr wrap="none">
+            <a:spAutoFit/>
+          </a:bodyPr>
+          <a:lstStyle/>
+          <a:p>
+            <a:r>
+              <a:rPr lang="ru-RU" dirty="0">
+                <a:latin typeface="+mj-lt"/>
+              </a:rPr>
+              <a:t>11/12</a:t>
+            </a:r>
+          </a:p>
+        </p:txBody>
+      </p:sp>
     </p:spTree>
     <p:extLst>
       <p:ext uri="{BB962C8B-B14F-4D97-AF65-F5344CB8AC3E}">
@@ -4027,21 +4096,22 @@
         </p:nvSpPr>
         <p:spPr>
           <a:xfrm>
-            <a:off x="1524000" y="412271"/>
-            <a:ext cx="9144000" cy="1655762"/>
-          </a:xfrm>
-        </p:spPr>
-        <p:txBody>
-          <a:bodyPr/>
-          <a:lstStyle/>
-          <a:p>
-            <a:r>
-              <a:rPr lang="ru-RU" dirty="0"/>
-              <a:t>Заключение// Вывод</a:t>
-            </a:r>
-          </a:p>
-          <a:p>
-            <a:endParaRPr lang="ru-RU" dirty="0"/>
+            <a:off x="222161" y="262750"/>
+            <a:ext cx="3108960" cy="505943"/>
+          </a:xfrm>
+        </p:spPr>
+        <p:txBody>
+          <a:bodyPr>
+            <a:noAutofit/>
+          </a:bodyPr>
+          <a:lstStyle/>
+          <a:p>
+            <a:r>
+              <a:rPr lang="ru-RU" sz="4400" dirty="0">
+                <a:latin typeface="+mj-lt"/>
+              </a:rPr>
+              <a:t>Заключение</a:t>
+            </a:r>
           </a:p>
         </p:txBody>
       </p:sp>
@@ -4059,8 +4129,8 @@
         </p:nvSpPr>
         <p:spPr>
           <a:xfrm>
-            <a:off x="1562986" y="2179674"/>
-            <a:ext cx="6693692" cy="1200329"/>
+            <a:off x="271101" y="1053092"/>
+            <a:ext cx="11649798" cy="1107996"/>
           </a:xfrm>
           <a:prstGeom prst="rect">
             <a:avLst/>
@@ -4068,32 +4138,215 @@
           <a:noFill/>
         </p:spPr>
         <p:txBody>
-          <a:bodyPr wrap="none" rtlCol="0">
+          <a:bodyPr wrap="square" rtlCol="0">
             <a:spAutoFit/>
           </a:bodyPr>
           <a:lstStyle/>
           <a:p>
             <a:r>
-              <a:rPr lang="ru-RU" dirty="0"/>
-              <a:t>- Выполненные задачи</a:t>
-            </a:r>
-          </a:p>
-          <a:p>
-            <a:r>
-              <a:rPr lang="ru-RU" dirty="0"/>
-              <a:t>	    - Сколько задач столько же и выводов</a:t>
-            </a:r>
-          </a:p>
-          <a:p>
-            <a:r>
-              <a:rPr lang="ru-RU" dirty="0"/>
-              <a:t>	    - «Разработать» в задачах - «Разработано» - в выводах</a:t>
-            </a:r>
-          </a:p>
-          <a:p>
-            <a:r>
-              <a:rPr lang="ru-RU" dirty="0"/>
-              <a:t>	    - 1 к 1</a:t>
+              <a:rPr lang="ru-RU" sz="2400" dirty="0">
+                <a:latin typeface="+mj-lt"/>
+              </a:rPr>
+              <a:t>В результате данной работы был разработан метод тематического моделирования новостей на русском языке.</a:t>
+            </a:r>
+          </a:p>
+          <a:p>
+            <a:endParaRPr lang="ru-RU" dirty="0"/>
+          </a:p>
+        </p:txBody>
+      </p:sp>
+      <p:sp>
+        <p:nvSpPr>
+          <p:cNvPr id="4" name="Прямоугольник 3">
+            <a:extLst>
+              <a:ext uri="{FF2B5EF4-FFF2-40B4-BE49-F238E27FC236}">
+                <a16:creationId xmlns:a16="http://schemas.microsoft.com/office/drawing/2014/main" id="{28506848-F3D5-684E-A83C-A7E7554F419A}"/>
+              </a:ext>
+            </a:extLst>
+          </p:cNvPr>
+          <p:cNvSpPr/>
+          <p:nvPr/>
+        </p:nvSpPr>
+        <p:spPr>
+          <a:xfrm>
+            <a:off x="303690" y="2839366"/>
+            <a:ext cx="12192000" cy="3785652"/>
+          </a:xfrm>
+          <a:prstGeom prst="rect">
+            <a:avLst/>
+          </a:prstGeom>
+        </p:spPr>
+        <p:txBody>
+          <a:bodyPr wrap="square">
+            <a:spAutoFit/>
+          </a:bodyPr>
+          <a:lstStyle/>
+          <a:p>
+            <a:pPr marL="285750" indent="-285750">
+              <a:buFont typeface="Arial" panose="020B0604020202020204" pitchFamily="34" charset="0"/>
+              <a:buChar char="•"/>
+            </a:pPr>
+            <a:r>
+              <a:rPr lang="ru-RU" sz="2400" dirty="0">
+                <a:latin typeface="+mj-lt"/>
+              </a:rPr>
+              <a:t>проанализированы существующие решения и выбран базовый алгоритм тематического моделирования для классификации новостей на русском языке;</a:t>
+            </a:r>
+          </a:p>
+          <a:p>
+            <a:pPr marL="285750" indent="-285750">
+              <a:buFont typeface="Arial" panose="020B0604020202020204" pitchFamily="34" charset="0"/>
+              <a:buChar char="•"/>
+            </a:pPr>
+            <a:r>
+              <a:rPr lang="ru-RU" sz="2400" dirty="0">
+                <a:latin typeface="+mj-lt"/>
+              </a:rPr>
+              <a:t>разработан программный продукт для сбора новостей на русском языке и подготовки данных для последующего анализа;</a:t>
+            </a:r>
+          </a:p>
+          <a:p>
+            <a:pPr marL="285750" indent="-285750">
+              <a:buFont typeface="Arial" panose="020B0604020202020204" pitchFamily="34" charset="0"/>
+              <a:buChar char="•"/>
+            </a:pPr>
+            <a:r>
+              <a:rPr lang="ru-RU" sz="2400" dirty="0">
+                <a:latin typeface="+mj-lt"/>
+              </a:rPr>
+              <a:t>разработан программный продукт для подготовки данных для последующего анализа;</a:t>
+            </a:r>
+          </a:p>
+          <a:p>
+            <a:pPr marL="285750" indent="-285750">
+              <a:buFont typeface="Arial" panose="020B0604020202020204" pitchFamily="34" charset="0"/>
+              <a:buChar char="•"/>
+            </a:pPr>
+            <a:r>
+              <a:rPr lang="ru-RU" sz="2400" dirty="0">
+                <a:latin typeface="+mj-lt"/>
+              </a:rPr>
+              <a:t>подобраны методы улучшения алгоритма и значений его параметров;</a:t>
+            </a:r>
+          </a:p>
+          <a:p>
+            <a:pPr marL="285750" indent="-285750">
+              <a:buFont typeface="Arial" panose="020B0604020202020204" pitchFamily="34" charset="0"/>
+              <a:buChar char="•"/>
+            </a:pPr>
+            <a:r>
+              <a:rPr lang="ru-RU" sz="2400" dirty="0">
+                <a:latin typeface="+mj-lt"/>
+              </a:rPr>
+              <a:t>обучена модель;</a:t>
+            </a:r>
+          </a:p>
+          <a:p>
+            <a:pPr marL="285750" indent="-285750">
+              <a:buFont typeface="Arial" panose="020B0604020202020204" pitchFamily="34" charset="0"/>
+              <a:buChar char="•"/>
+            </a:pPr>
+            <a:r>
+              <a:rPr lang="ru-RU" sz="2400" dirty="0">
+                <a:latin typeface="+mj-lt"/>
+              </a:rPr>
+              <a:t>проведена параметризация метода;</a:t>
+            </a:r>
+          </a:p>
+          <a:p>
+            <a:pPr marL="285750" indent="-285750">
+              <a:buFont typeface="Arial" panose="020B0604020202020204" pitchFamily="34" charset="0"/>
+              <a:buChar char="•"/>
+            </a:pPr>
+            <a:r>
+              <a:rPr lang="ru-RU" sz="2400" dirty="0">
+                <a:latin typeface="+mj-lt"/>
+              </a:rPr>
+              <a:t>проведена апробации метода;</a:t>
+            </a:r>
+          </a:p>
+          <a:p>
+            <a:pPr marL="285750" indent="-285750">
+              <a:buFont typeface="Arial" panose="020B0604020202020204" pitchFamily="34" charset="0"/>
+              <a:buChar char="•"/>
+            </a:pPr>
+            <a:r>
+              <a:rPr lang="ru-RU" sz="2400" dirty="0">
+                <a:latin typeface="+mj-lt"/>
+              </a:rPr>
+              <a:t>составлены рекомендаций о применимости предложенного метода.</a:t>
+            </a:r>
+          </a:p>
+        </p:txBody>
+      </p:sp>
+      <p:sp>
+        <p:nvSpPr>
+          <p:cNvPr id="5" name="Прямоугольник 4">
+            <a:extLst>
+              <a:ext uri="{FF2B5EF4-FFF2-40B4-BE49-F238E27FC236}">
+                <a16:creationId xmlns:a16="http://schemas.microsoft.com/office/drawing/2014/main" id="{94B9468A-C6FE-1746-8008-F32B495C041A}"/>
+              </a:ext>
+            </a:extLst>
+          </p:cNvPr>
+          <p:cNvSpPr/>
+          <p:nvPr/>
+        </p:nvSpPr>
+        <p:spPr>
+          <a:xfrm>
+            <a:off x="303690" y="2208493"/>
+            <a:ext cx="6054863" cy="584775"/>
+          </a:xfrm>
+          <a:prstGeom prst="rect">
+            <a:avLst/>
+          </a:prstGeom>
+        </p:spPr>
+        <p:txBody>
+          <a:bodyPr wrap="none">
+            <a:spAutoFit/>
+          </a:bodyPr>
+          <a:lstStyle/>
+          <a:p>
+            <a:r>
+              <a:rPr lang="ru-RU" sz="3200" u="sng" dirty="0">
+                <a:latin typeface="+mj-lt"/>
+              </a:rPr>
+              <a:t>Были решены следующие задачи:</a:t>
+            </a:r>
+          </a:p>
+        </p:txBody>
+      </p:sp>
+      <p:sp>
+        <p:nvSpPr>
+          <p:cNvPr id="6" name="Прямоугольник 5">
+            <a:extLst>
+              <a:ext uri="{FF2B5EF4-FFF2-40B4-BE49-F238E27FC236}">
+                <a16:creationId xmlns:a16="http://schemas.microsoft.com/office/drawing/2014/main" id="{178C81B4-1B1F-9F40-B4CD-7BC13235BED2}"/>
+              </a:ext>
+            </a:extLst>
+          </p:cNvPr>
+          <p:cNvSpPr/>
+          <p:nvPr/>
+        </p:nvSpPr>
+        <p:spPr>
+          <a:xfrm>
+            <a:off x="11474005" y="6473428"/>
+            <a:ext cx="736099" cy="369332"/>
+          </a:xfrm>
+          <a:prstGeom prst="rect">
+            <a:avLst/>
+          </a:prstGeom>
+        </p:spPr>
+        <p:txBody>
+          <a:bodyPr wrap="none">
+            <a:spAutoFit/>
+          </a:bodyPr>
+          <a:lstStyle/>
+          <a:p>
+            <a:r>
+              <a:rPr lang="ru-RU" dirty="0">
+                <a:latin typeface="+mj-lt"/>
+              </a:rPr>
+              <a:t>12/12</a:t>
             </a:r>
           </a:p>
         </p:txBody>
@@ -4161,6 +4414,42 @@
           </a:p>
         </p:txBody>
       </p:sp>
+      <p:sp>
+        <p:nvSpPr>
+          <p:cNvPr id="5" name="Прямоугольник 4">
+            <a:extLst>
+              <a:ext uri="{FF2B5EF4-FFF2-40B4-BE49-F238E27FC236}">
+                <a16:creationId xmlns:a16="http://schemas.microsoft.com/office/drawing/2014/main" id="{CFD24F53-C88C-BA43-9C57-F3182A473417}"/>
+              </a:ext>
+            </a:extLst>
+          </p:cNvPr>
+          <p:cNvSpPr/>
+          <p:nvPr/>
+        </p:nvSpPr>
+        <p:spPr>
+          <a:xfrm>
+            <a:off x="11474005" y="6473428"/>
+            <a:ext cx="619080" cy="369332"/>
+          </a:xfrm>
+          <a:prstGeom prst="rect">
+            <a:avLst/>
+          </a:prstGeom>
+        </p:spPr>
+        <p:txBody>
+          <a:bodyPr wrap="none">
+            <a:spAutoFit/>
+          </a:bodyPr>
+          <a:lstStyle/>
+          <a:p>
+            <a:r>
+              <a:rPr lang="ru-RU" dirty="0">
+                <a:latin typeface="+mj-lt"/>
+              </a:rPr>
+              <a:t>2/12</a:t>
+            </a:r>
+          </a:p>
+        </p:txBody>
+      </p:sp>
     </p:spTree>
     <p:extLst>
       <p:ext uri="{BB962C8B-B14F-4D97-AF65-F5344CB8AC3E}">
@@ -4209,7 +4498,7 @@
         </p:nvSpPr>
         <p:spPr>
           <a:xfrm>
-            <a:off x="595423" y="412271"/>
+            <a:off x="595423" y="296124"/>
             <a:ext cx="9144000" cy="926199"/>
           </a:xfrm>
         </p:spPr>
@@ -4243,8 +4532,8 @@
         </p:nvSpPr>
         <p:spPr>
           <a:xfrm>
-            <a:off x="595423" y="3319908"/>
-            <a:ext cx="11001154" cy="1692771"/>
+            <a:off x="595423" y="2151394"/>
+            <a:ext cx="11001154" cy="5509200"/>
           </a:xfrm>
           <a:prstGeom prst="rect">
             <a:avLst/>
@@ -4257,50 +4546,129 @@
           <a:lstStyle/>
           <a:p>
             <a:r>
-              <a:rPr lang="ru-RU" sz="3200" dirty="0">
+              <a:rPr lang="ru-RU" sz="2400" u="sng" dirty="0">
                 <a:latin typeface="+mj-lt"/>
               </a:rPr>
-              <a:t>Задачи:</a:t>
-            </a:r>
-          </a:p>
-          <a:p>
+              <a:t>Задачи</a:t>
+            </a:r>
             <a:r>
               <a:rPr lang="ru-RU" sz="2400" dirty="0">
-                <a:highlight>
-                  <a:srgbClr val="FF0000"/>
-                </a:highlight>
-              </a:rPr>
-              <a:t>- Объект исследования</a:t>
-            </a:r>
-          </a:p>
-          <a:p>
-            <a:r>
-              <a:rPr lang="ru-RU" sz="2400" dirty="0">
-                <a:highlight>
-                  <a:srgbClr val="FF0000"/>
-                </a:highlight>
-              </a:rPr>
-              <a:t>- Анализ того что сделали</a:t>
-            </a:r>
-          </a:p>
-          <a:p>
-            <a:r>
-              <a:rPr lang="ru-RU" sz="2400" dirty="0">
-                <a:highlight>
-                  <a:srgbClr val="FF0000"/>
-                </a:highlight>
-              </a:rPr>
-              <a:t>- Анализ продуктов которые есть похожие на мой</a:t>
-            </a:r>
-            <a:r>
-              <a:rPr lang="ru-RU" sz="2400" dirty="0">
-                <a:highlight>
-                  <a:srgbClr val="FF0000"/>
-                </a:highlight>
                 <a:latin typeface="+mj-lt"/>
               </a:rPr>
-              <a:t> </a:t>
-            </a:r>
+              <a:t>:</a:t>
+            </a:r>
+            <a:endParaRPr lang="en-US" sz="2400" dirty="0">
+              <a:latin typeface="+mj-lt"/>
+            </a:endParaRPr>
+          </a:p>
+          <a:p>
+            <a:pPr marL="342900" indent="-342900">
+              <a:buFont typeface="Arial" panose="020B0604020202020204" pitchFamily="34" charset="0"/>
+              <a:buChar char="•"/>
+            </a:pPr>
+            <a:r>
+              <a:rPr lang="ru-RU" sz="2400" dirty="0">
+                <a:latin typeface="+mj-lt"/>
+              </a:rPr>
+              <a:t>анализ существующих решений и выбор базового алгоритма тематического моделирования для классификации новостей на русском языке;</a:t>
+            </a:r>
+          </a:p>
+          <a:p>
+            <a:pPr marL="342900" indent="-342900">
+              <a:buFont typeface="Arial" panose="020B0604020202020204" pitchFamily="34" charset="0"/>
+              <a:buChar char="•"/>
+            </a:pPr>
+            <a:r>
+              <a:rPr lang="ru-RU" sz="2400" dirty="0">
+                <a:latin typeface="+mj-lt"/>
+              </a:rPr>
+              <a:t>разработка программного продукта для сбора новостей на русском языке;</a:t>
+            </a:r>
+          </a:p>
+          <a:p>
+            <a:pPr marL="342900" indent="-342900">
+              <a:buFont typeface="Arial" panose="020B0604020202020204" pitchFamily="34" charset="0"/>
+              <a:buChar char="•"/>
+            </a:pPr>
+            <a:r>
+              <a:rPr lang="ru-RU" sz="2400" dirty="0">
+                <a:latin typeface="+mj-lt"/>
+              </a:rPr>
+              <a:t>разработка программного продукта для подготовки данных для последующего анализа;</a:t>
+            </a:r>
+          </a:p>
+          <a:p>
+            <a:pPr marL="342900" indent="-342900">
+              <a:buFont typeface="Arial" panose="020B0604020202020204" pitchFamily="34" charset="0"/>
+              <a:buChar char="•"/>
+            </a:pPr>
+            <a:r>
+              <a:rPr lang="ru-RU" sz="2400" dirty="0">
+                <a:latin typeface="+mj-lt"/>
+              </a:rPr>
+              <a:t>подбор методов улучшения алгоритма и значений его параметров;</a:t>
+            </a:r>
+          </a:p>
+          <a:p>
+            <a:pPr marL="342900" indent="-342900">
+              <a:buFont typeface="Arial" panose="020B0604020202020204" pitchFamily="34" charset="0"/>
+              <a:buChar char="•"/>
+            </a:pPr>
+            <a:r>
+              <a:rPr lang="ru-RU" sz="2400" dirty="0">
+                <a:latin typeface="+mj-lt"/>
+              </a:rPr>
+              <a:t>обучение модели;</a:t>
+            </a:r>
+          </a:p>
+          <a:p>
+            <a:pPr marL="342900" indent="-342900">
+              <a:buFont typeface="Arial" panose="020B0604020202020204" pitchFamily="34" charset="0"/>
+              <a:buChar char="•"/>
+            </a:pPr>
+            <a:r>
+              <a:rPr lang="ru-RU" sz="2400" dirty="0">
+                <a:latin typeface="+mj-lt"/>
+              </a:rPr>
+              <a:t>проведение параметризации метода;</a:t>
+            </a:r>
+          </a:p>
+          <a:p>
+            <a:pPr marL="342900" indent="-342900">
+              <a:buFont typeface="Arial" panose="020B0604020202020204" pitchFamily="34" charset="0"/>
+              <a:buChar char="•"/>
+            </a:pPr>
+            <a:r>
+              <a:rPr lang="ru-RU" sz="2400" dirty="0">
+                <a:latin typeface="+mj-lt"/>
+              </a:rPr>
+              <a:t> проведение апробации метода;</a:t>
+            </a:r>
+          </a:p>
+          <a:p>
+            <a:pPr marL="342900" indent="-342900">
+              <a:buFont typeface="Arial" panose="020B0604020202020204" pitchFamily="34" charset="0"/>
+              <a:buChar char="•"/>
+            </a:pPr>
+            <a:r>
+              <a:rPr lang="ru-RU" sz="2400" dirty="0">
+                <a:latin typeface="+mj-lt"/>
+              </a:rPr>
+              <a:t>составление рекомендаций о применимости предложенного метода.</a:t>
+            </a:r>
+          </a:p>
+          <a:p>
+            <a:endParaRPr lang="en" sz="2400" dirty="0"/>
+          </a:p>
+          <a:p>
+            <a:endParaRPr lang="en-US" sz="3200" dirty="0">
+              <a:latin typeface="+mj-lt"/>
+            </a:endParaRPr>
+          </a:p>
+          <a:p>
+            <a:endParaRPr lang="ru-RU" sz="3200" dirty="0">
+              <a:latin typeface="+mj-lt"/>
+            </a:endParaRPr>
           </a:p>
         </p:txBody>
       </p:sp>
@@ -4318,8 +4686,8 @@
         </p:nvSpPr>
         <p:spPr>
           <a:xfrm>
-            <a:off x="595423" y="1250536"/>
-            <a:ext cx="7753782" cy="1569660"/>
+            <a:off x="595423" y="951065"/>
+            <a:ext cx="7753782" cy="1200329"/>
           </a:xfrm>
           <a:prstGeom prst="rect">
             <a:avLst/>
@@ -4332,10 +4700,52 @@
           <a:lstStyle/>
           <a:p>
             <a:r>
-              <a:rPr lang="ru-RU" sz="3200" dirty="0">
+              <a:rPr lang="ru-RU" sz="2400" u="sng" dirty="0">
                 <a:latin typeface="+mj-lt"/>
               </a:rPr>
-              <a:t>Цель – целью работы является разработка метода тематического моделирования для новостей на русском языке.</a:t>
+              <a:t>Цель</a:t>
+            </a:r>
+            <a:r>
+              <a:rPr lang="ru-RU" sz="2400" dirty="0">
+                <a:latin typeface="+mj-lt"/>
+              </a:rPr>
+              <a:t> – целью работы является разработка метода тематического моделирования для новостей на русском языке.</a:t>
+            </a:r>
+          </a:p>
+        </p:txBody>
+      </p:sp>
+      <p:sp>
+        <p:nvSpPr>
+          <p:cNvPr id="4" name="Прямоугольник 3">
+            <a:extLst>
+              <a:ext uri="{FF2B5EF4-FFF2-40B4-BE49-F238E27FC236}">
+                <a16:creationId xmlns:a16="http://schemas.microsoft.com/office/drawing/2014/main" id="{397692BE-A0DE-BA4D-A1AE-4BFC7A07E4FA}"/>
+              </a:ext>
+            </a:extLst>
+          </p:cNvPr>
+          <p:cNvSpPr/>
+          <p:nvPr/>
+        </p:nvSpPr>
+        <p:spPr>
+          <a:xfrm>
+            <a:off x="11474005" y="6473428"/>
+            <a:ext cx="619080" cy="369332"/>
+          </a:xfrm>
+          <a:prstGeom prst="rect">
+            <a:avLst/>
+          </a:prstGeom>
+        </p:spPr>
+        <p:txBody>
+          <a:bodyPr wrap="none">
+            <a:spAutoFit/>
+          </a:bodyPr>
+          <a:lstStyle/>
+          <a:p>
+            <a:r>
+              <a:rPr lang="ru-RU" dirty="0">
+                <a:latin typeface="+mj-lt"/>
+              </a:rPr>
+              <a:t>3/12</a:t>
             </a:r>
           </a:p>
         </p:txBody>
@@ -4385,7 +4795,7 @@
         <p:spPr>
           <a:xfrm>
             <a:off x="390105" y="173563"/>
-            <a:ext cx="5591595" cy="769441"/>
+            <a:ext cx="9379491" cy="769441"/>
           </a:xfrm>
           <a:prstGeom prst="rect">
             <a:avLst/>
@@ -4401,32 +4811,62 @@
               <a:rPr lang="ru-RU" sz="4400" dirty="0">
                 <a:latin typeface="+mj-lt"/>
               </a:rPr>
-              <a:t>Аналитический раздел</a:t>
-            </a:r>
-          </a:p>
-        </p:txBody>
-      </p:sp>
-      <p:sp>
-        <p:nvSpPr>
-          <p:cNvPr id="3" name="Прямоугольник 2">
-            <a:extLst>
-              <a:ext uri="{FF2B5EF4-FFF2-40B4-BE49-F238E27FC236}">
-                <a16:creationId xmlns:a16="http://schemas.microsoft.com/office/drawing/2014/main" id="{F55B8E23-4249-4AC5-B2FD-1E8DCBF73498}"/>
-              </a:ext>
-            </a:extLst>
-          </p:cNvPr>
-          <p:cNvSpPr/>
+              <a:t>Задачи тематического моделирования</a:t>
+            </a:r>
+          </a:p>
+        </p:txBody>
+      </p:sp>
+      <p:pic>
+        <p:nvPicPr>
+          <p:cNvPr id="10" name="Рисунок 9">
+            <a:extLst>
+              <a:ext uri="{FF2B5EF4-FFF2-40B4-BE49-F238E27FC236}">
+                <a16:creationId xmlns:a16="http://schemas.microsoft.com/office/drawing/2014/main" id="{822D39E4-BBC7-F043-A0AA-10041969BB20}"/>
+              </a:ext>
+            </a:extLst>
+          </p:cNvPr>
+          <p:cNvPicPr>
+            <a:picLocks noChangeAspect="1"/>
+          </p:cNvPicPr>
           <p:nvPr/>
-        </p:nvSpPr>
-        <p:spPr>
-          <a:xfrm>
-            <a:off x="5166899" y="1094106"/>
-            <a:ext cx="1858201" cy="523220"/>
+        </p:nvPicPr>
+        <p:blipFill>
+          <a:blip r:embed="rId2"/>
+          <a:stretch>
+            <a:fillRect/>
+          </a:stretch>
+        </p:blipFill>
+        <p:spPr>
+          <a:xfrm>
+            <a:off x="390105" y="951547"/>
+            <a:ext cx="10500360" cy="5906453"/>
           </a:xfrm>
           <a:prstGeom prst="rect">
             <a:avLst/>
           </a:prstGeom>
         </p:spPr>
+      </p:pic>
+      <p:sp>
+        <p:nvSpPr>
+          <p:cNvPr id="11" name="Прямоугольник 10">
+            <a:extLst>
+              <a:ext uri="{FF2B5EF4-FFF2-40B4-BE49-F238E27FC236}">
+                <a16:creationId xmlns:a16="http://schemas.microsoft.com/office/drawing/2014/main" id="{5E46BFCD-C744-254B-88DB-E5E6D6722BE8}"/>
+              </a:ext>
+            </a:extLst>
+          </p:cNvPr>
+          <p:cNvSpPr/>
+          <p:nvPr/>
+        </p:nvSpPr>
+        <p:spPr>
+          <a:xfrm>
+            <a:off x="11474005" y="6473428"/>
+            <a:ext cx="619080" cy="369332"/>
+          </a:xfrm>
+          <a:prstGeom prst="rect">
+            <a:avLst/>
+          </a:prstGeom>
+        </p:spPr>
         <p:txBody>
           <a:bodyPr wrap="none">
             <a:spAutoFit/>
@@ -4434,146 +4874,10 @@
           <a:lstStyle/>
           <a:p>
             <a:r>
-              <a:rPr lang="ru-RU" sz="2800" dirty="0">
+              <a:rPr lang="ru-RU" dirty="0">
                 <a:latin typeface="+mj-lt"/>
               </a:rPr>
-              <a:t>Алгоритмы</a:t>
-            </a:r>
-          </a:p>
-        </p:txBody>
-      </p:sp>
-      <p:sp>
-        <p:nvSpPr>
-          <p:cNvPr id="4" name="Прямоугольник 3">
-            <a:extLst>
-              <a:ext uri="{FF2B5EF4-FFF2-40B4-BE49-F238E27FC236}">
-                <a16:creationId xmlns:a16="http://schemas.microsoft.com/office/drawing/2014/main" id="{215635CE-B157-4161-A14A-530BF3E945A5}"/>
-              </a:ext>
-            </a:extLst>
-          </p:cNvPr>
-          <p:cNvSpPr/>
-          <p:nvPr/>
-        </p:nvSpPr>
-        <p:spPr>
-          <a:xfrm>
-            <a:off x="2274277" y="2037520"/>
-            <a:ext cx="6096000" cy="646331"/>
-          </a:xfrm>
-          <a:prstGeom prst="rect">
-            <a:avLst/>
-          </a:prstGeom>
-        </p:spPr>
-        <p:txBody>
-          <a:bodyPr>
-            <a:spAutoFit/>
-          </a:bodyPr>
-          <a:lstStyle/>
-          <a:p>
-            <a:r>
-              <a:rPr lang="ru-RU" dirty="0"/>
-              <a:t>//Классификация того что мы сделали - сравнение с другими методами</a:t>
-            </a:r>
-          </a:p>
-        </p:txBody>
-      </p:sp>
-      <p:sp>
-        <p:nvSpPr>
-          <p:cNvPr id="5" name="Прямоугольник 4">
-            <a:extLst>
-              <a:ext uri="{FF2B5EF4-FFF2-40B4-BE49-F238E27FC236}">
-                <a16:creationId xmlns:a16="http://schemas.microsoft.com/office/drawing/2014/main" id="{681381C0-9A3C-4815-A1A6-07A759F535A7}"/>
-              </a:ext>
-            </a:extLst>
-          </p:cNvPr>
-          <p:cNvSpPr/>
-          <p:nvPr/>
-        </p:nvSpPr>
-        <p:spPr>
-          <a:xfrm>
-            <a:off x="2274277" y="3250820"/>
-            <a:ext cx="6096000" cy="923330"/>
-          </a:xfrm>
-          <a:prstGeom prst="rect">
-            <a:avLst/>
-          </a:prstGeom>
-        </p:spPr>
-        <p:txBody>
-          <a:bodyPr>
-            <a:spAutoFit/>
-          </a:bodyPr>
-          <a:lstStyle/>
-          <a:p>
-            <a:r>
-              <a:rPr lang="ru-RU" dirty="0"/>
-              <a:t>«А я буду заниматься самым левым нижним квадратиком из этой всей схемы - узкой задачей» - это снимет много вопросов</a:t>
-            </a:r>
-          </a:p>
-        </p:txBody>
-      </p:sp>
-      <p:sp>
-        <p:nvSpPr>
-          <p:cNvPr id="6" name="Прямоугольник 5">
-            <a:extLst>
-              <a:ext uri="{FF2B5EF4-FFF2-40B4-BE49-F238E27FC236}">
-                <a16:creationId xmlns:a16="http://schemas.microsoft.com/office/drawing/2014/main" id="{A0C0E616-FB0F-428C-AF90-274C959FFCC9}"/>
-              </a:ext>
-            </a:extLst>
-          </p:cNvPr>
-          <p:cNvSpPr/>
-          <p:nvPr/>
-        </p:nvSpPr>
-        <p:spPr>
-          <a:xfrm>
-            <a:off x="2274277" y="5007149"/>
-            <a:ext cx="6096000" cy="646331"/>
-          </a:xfrm>
-          <a:prstGeom prst="rect">
-            <a:avLst/>
-          </a:prstGeom>
-        </p:spPr>
-        <p:txBody>
-          <a:bodyPr>
-            <a:spAutoFit/>
-          </a:bodyPr>
-          <a:lstStyle/>
-          <a:p>
-            <a:r>
-              <a:rPr lang="ru-RU" dirty="0"/>
-              <a:t>Тут обзор других решений, взять из списка литературы что там я изучал и похожие</a:t>
-            </a:r>
-          </a:p>
-        </p:txBody>
-      </p:sp>
-      <p:sp>
-        <p:nvSpPr>
-          <p:cNvPr id="7" name="Прямоугольник 6">
-            <a:extLst>
-              <a:ext uri="{FF2B5EF4-FFF2-40B4-BE49-F238E27FC236}">
-                <a16:creationId xmlns:a16="http://schemas.microsoft.com/office/drawing/2014/main" id="{05FACCCD-6810-4DB4-B54A-9B972ABEA495}"/>
-              </a:ext>
-            </a:extLst>
-          </p:cNvPr>
-          <p:cNvSpPr/>
-          <p:nvPr/>
-        </p:nvSpPr>
-        <p:spPr>
-          <a:xfrm>
-            <a:off x="2405374" y="5921273"/>
-            <a:ext cx="5964903" cy="369332"/>
-          </a:xfrm>
-          <a:prstGeom prst="rect">
-            <a:avLst/>
-          </a:prstGeom>
-        </p:spPr>
-        <p:txBody>
-          <a:bodyPr wrap="none">
-            <a:spAutoFit/>
-          </a:bodyPr>
-          <a:lstStyle/>
-          <a:p>
-            <a:r>
-              <a:rPr lang="ru-RU" dirty="0"/>
-              <a:t>// Формализация объекта (какая математика используется</a:t>
+              <a:t>4/12</a:t>
             </a:r>
           </a:p>
         </p:txBody>
@@ -4622,8 +4926,8 @@
         </p:nvSpPr>
         <p:spPr>
           <a:xfrm>
-            <a:off x="3789759" y="416728"/>
-            <a:ext cx="3995004" cy="523220"/>
+            <a:off x="375999" y="127168"/>
+            <a:ext cx="9655207" cy="769441"/>
           </a:xfrm>
           <a:prstGeom prst="rect">
             <a:avLst/>
@@ -4636,54 +4940,50 @@
           <a:lstStyle/>
           <a:p>
             <a:r>
-              <a:rPr lang="ru-RU" sz="2800" dirty="0">
+              <a:rPr lang="ru-RU" sz="4400" dirty="0">
                 <a:latin typeface="+mj-lt"/>
               </a:rPr>
-              <a:t>ЕМ-алгоритмы; решения</a:t>
-            </a:r>
-          </a:p>
-        </p:txBody>
-      </p:sp>
-      <p:sp>
-        <p:nvSpPr>
-          <p:cNvPr id="3" name="Прямоугольник 2">
-            <a:extLst>
-              <a:ext uri="{FF2B5EF4-FFF2-40B4-BE49-F238E27FC236}">
-                <a16:creationId xmlns:a16="http://schemas.microsoft.com/office/drawing/2014/main" id="{A2E7FFB3-61CC-479A-9D50-BD3370163CB7}"/>
-              </a:ext>
-            </a:extLst>
-          </p:cNvPr>
-          <p:cNvSpPr/>
+              <a:t>Методы тематического моделирования</a:t>
+            </a:r>
+          </a:p>
+        </p:txBody>
+      </p:sp>
+      <p:pic>
+        <p:nvPicPr>
+          <p:cNvPr id="4" name="Рисунок 3">
+            <a:extLst>
+              <a:ext uri="{FF2B5EF4-FFF2-40B4-BE49-F238E27FC236}">
+                <a16:creationId xmlns:a16="http://schemas.microsoft.com/office/drawing/2014/main" id="{BD451DED-2F42-2547-A3DD-7534D1763796}"/>
+              </a:ext>
+            </a:extLst>
+          </p:cNvPr>
+          <p:cNvPicPr>
+            <a:picLocks noChangeAspect="1"/>
+          </p:cNvPicPr>
           <p:nvPr/>
-        </p:nvSpPr>
-        <p:spPr>
-          <a:xfrm>
-            <a:off x="965981" y="939948"/>
-            <a:ext cx="6096000" cy="646331"/>
+        </p:nvPicPr>
+        <p:blipFill>
+          <a:blip r:embed="rId2"/>
+          <a:stretch>
+            <a:fillRect/>
+          </a:stretch>
+        </p:blipFill>
+        <p:spPr>
+          <a:xfrm>
+            <a:off x="177878" y="965879"/>
+            <a:ext cx="10474881" cy="5892121"/>
           </a:xfrm>
           <a:prstGeom prst="rect">
             <a:avLst/>
           </a:prstGeom>
         </p:spPr>
-        <p:txBody>
-          <a:bodyPr>
-            <a:spAutoFit/>
-          </a:bodyPr>
-          <a:lstStyle/>
-          <a:p>
-            <a:r>
-              <a:rPr lang="ru-RU" dirty="0"/>
-              <a:t>// Говорим что создаем «алгоритм» - важно! ( тут про новизну )</a:t>
-            </a:r>
-          </a:p>
-        </p:txBody>
-      </p:sp>
-      <p:sp>
-        <p:nvSpPr>
-          <p:cNvPr id="4" name="Прямоугольник 3">
-            <a:extLst>
-              <a:ext uri="{FF2B5EF4-FFF2-40B4-BE49-F238E27FC236}">
-                <a16:creationId xmlns:a16="http://schemas.microsoft.com/office/drawing/2014/main" id="{B5E9A92E-EAF3-4861-BB9D-1999AC860C7B}"/>
+      </p:pic>
+      <p:sp>
+        <p:nvSpPr>
+          <p:cNvPr id="5" name="Прямоугольник 4">
+            <a:extLst>
+              <a:ext uri="{FF2B5EF4-FFF2-40B4-BE49-F238E27FC236}">
+                <a16:creationId xmlns:a16="http://schemas.microsoft.com/office/drawing/2014/main" id="{4403E88A-E33D-D04F-A183-6605A8D507C7}"/>
               </a:ext>
             </a:extLst>
           </p:cNvPr>
@@ -4692,46 +4992,24 @@
         </p:nvSpPr>
         <p:spPr>
           <a:xfrm>
-            <a:off x="965981" y="2715859"/>
-            <a:ext cx="6096000" cy="1754326"/>
+            <a:off x="11474005" y="6473428"/>
+            <a:ext cx="619080" cy="369332"/>
           </a:xfrm>
           <a:prstGeom prst="rect">
             <a:avLst/>
           </a:prstGeom>
         </p:spPr>
         <p:txBody>
-          <a:bodyPr>
+          <a:bodyPr wrap="none">
             <a:spAutoFit/>
           </a:bodyPr>
           <a:lstStyle/>
           <a:p>
             <a:r>
-              <a:rPr lang="ru-RU" dirty="0"/>
-              <a:t>- Алгоритм изображенный строго по госту</a:t>
-            </a:r>
-          </a:p>
-          <a:p>
-            <a:r>
-              <a:rPr lang="ru-RU" dirty="0"/>
-              <a:t>	    - Ну линейный не нужно отображать - что-то красиво с ветвлениями</a:t>
-            </a:r>
-          </a:p>
-          <a:p>
-            <a:r>
-              <a:rPr lang="ru-RU" dirty="0"/>
-              <a:t>	    - Не нужна диаграмма классов</a:t>
-            </a:r>
-          </a:p>
-          <a:p>
-            <a:r>
-              <a:rPr lang="ru-RU" dirty="0"/>
-              <a:t>	    - Можно взаимодействие пользователей</a:t>
-            </a:r>
-          </a:p>
-          <a:p>
-            <a:r>
-              <a:rPr lang="ru-RU" dirty="0"/>
-              <a:t>	    - Сказать в чем новизна</a:t>
+              <a:rPr lang="ru-RU" dirty="0">
+                <a:latin typeface="+mj-lt"/>
+              </a:rPr>
+              <a:t>5/12</a:t>
             </a:r>
           </a:p>
         </p:txBody>
@@ -4739,7 +5017,7 @@
     </p:spTree>
     <p:extLst>
       <p:ext uri="{BB962C8B-B14F-4D97-AF65-F5344CB8AC3E}">
-        <p14:creationId xmlns:p14="http://schemas.microsoft.com/office/powerpoint/2010/main" val="3798717279"/>
+        <p14:creationId xmlns:p14="http://schemas.microsoft.com/office/powerpoint/2010/main" val="1233507205"/>
       </p:ext>
     </p:extLst>
   </p:cSld>
@@ -4768,24 +5046,61 @@
       </p:grpSpPr>
       <p:sp>
         <p:nvSpPr>
-          <p:cNvPr id="2" name="Прямоугольник 1">
-            <a:extLst>
-              <a:ext uri="{FF2B5EF4-FFF2-40B4-BE49-F238E27FC236}">
-                <a16:creationId xmlns:a16="http://schemas.microsoft.com/office/drawing/2014/main" id="{6F59E9AA-7894-4023-AB29-F87C3BB05AA2}"/>
-              </a:ext>
-            </a:extLst>
-          </p:cNvPr>
-          <p:cNvSpPr/>
+          <p:cNvPr id="7" name="TextBox 6">
+            <a:extLst>
+              <a:ext uri="{FF2B5EF4-FFF2-40B4-BE49-F238E27FC236}">
+                <a16:creationId xmlns:a16="http://schemas.microsoft.com/office/drawing/2014/main" id="{35DD053F-0AAA-BC4F-A64C-276CCF453831}"/>
+              </a:ext>
+            </a:extLst>
+          </p:cNvPr>
+          <p:cNvSpPr txBox="1"/>
           <p:nvPr/>
         </p:nvSpPr>
         <p:spPr>
           <a:xfrm>
-            <a:off x="358947" y="201097"/>
-            <a:ext cx="6022803" cy="769441"/>
+            <a:off x="381000" y="152068"/>
+            <a:ext cx="4727576" cy="769441"/>
           </a:xfrm>
           <a:prstGeom prst="rect">
             <a:avLst/>
           </a:prstGeom>
+          <a:noFill/>
+        </p:spPr>
+        <p:txBody>
+          <a:bodyPr wrap="none" rtlCol="0">
+            <a:spAutoFit/>
+          </a:bodyPr>
+          <a:lstStyle/>
+          <a:p>
+            <a:r>
+              <a:rPr lang="ru-RU" sz="4400" dirty="0">
+                <a:latin typeface="+mj-lt"/>
+              </a:rPr>
+              <a:t>Диаграмма метода</a:t>
+            </a:r>
+          </a:p>
+        </p:txBody>
+      </p:sp>
+      <p:sp>
+        <p:nvSpPr>
+          <p:cNvPr id="8" name="Прямоугольник 7">
+            <a:extLst>
+              <a:ext uri="{FF2B5EF4-FFF2-40B4-BE49-F238E27FC236}">
+                <a16:creationId xmlns:a16="http://schemas.microsoft.com/office/drawing/2014/main" id="{0FA7AF04-547A-CE46-8D85-17B0C6571A51}"/>
+              </a:ext>
+            </a:extLst>
+          </p:cNvPr>
+          <p:cNvSpPr/>
+          <p:nvPr/>
+        </p:nvSpPr>
+        <p:spPr>
+          <a:xfrm>
+            <a:off x="11474005" y="6473428"/>
+            <a:ext cx="619080" cy="369332"/>
+          </a:xfrm>
+          <a:prstGeom prst="rect">
+            <a:avLst/>
+          </a:prstGeom>
         </p:spPr>
         <p:txBody>
           <a:bodyPr wrap="none">
@@ -4794,148 +5109,44 @@
           <a:lstStyle/>
           <a:p>
             <a:r>
-              <a:rPr lang="ru-RU" sz="4400" dirty="0">
+              <a:rPr lang="ru-RU" dirty="0">
                 <a:latin typeface="+mj-lt"/>
               </a:rPr>
-              <a:t>Конструкторский раздел</a:t>
-            </a:r>
-          </a:p>
-        </p:txBody>
-      </p:sp>
-      <p:sp>
-        <p:nvSpPr>
-          <p:cNvPr id="3" name="Прямоугольник 2">
-            <a:extLst>
-              <a:ext uri="{FF2B5EF4-FFF2-40B4-BE49-F238E27FC236}">
-                <a16:creationId xmlns:a16="http://schemas.microsoft.com/office/drawing/2014/main" id="{8944955D-FEE1-473C-BB64-48A01CAE6C52}"/>
-              </a:ext>
-            </a:extLst>
-          </p:cNvPr>
-          <p:cNvSpPr/>
+              <a:t>7/12</a:t>
+            </a:r>
+          </a:p>
+        </p:txBody>
+      </p:sp>
+      <p:pic>
+        <p:nvPicPr>
+          <p:cNvPr id="10" name="Рисунок 9">
+            <a:extLst>
+              <a:ext uri="{FF2B5EF4-FFF2-40B4-BE49-F238E27FC236}">
+                <a16:creationId xmlns:a16="http://schemas.microsoft.com/office/drawing/2014/main" id="{6E34367C-877D-5C45-BDC9-46B223ECCED9}"/>
+              </a:ext>
+            </a:extLst>
+          </p:cNvPr>
+          <p:cNvPicPr>
+            <a:picLocks noChangeAspect="1"/>
+          </p:cNvPicPr>
           <p:nvPr/>
-        </p:nvSpPr>
-        <p:spPr>
-          <a:xfrm>
-            <a:off x="4658747" y="1120112"/>
-            <a:ext cx="2874505" cy="523220"/>
+        </p:nvPicPr>
+        <p:blipFill>
+          <a:blip r:embed="rId2"/>
+          <a:stretch>
+            <a:fillRect/>
+          </a:stretch>
+        </p:blipFill>
+        <p:spPr>
+          <a:xfrm>
+            <a:off x="381000" y="921509"/>
+            <a:ext cx="10463214" cy="5875739"/>
           </a:xfrm>
           <a:prstGeom prst="rect">
             <a:avLst/>
           </a:prstGeom>
         </p:spPr>
-        <p:txBody>
-          <a:bodyPr wrap="none">
-            <a:spAutoFit/>
-          </a:bodyPr>
-          <a:lstStyle/>
-          <a:p>
-            <a:r>
-              <a:rPr lang="ru-RU" sz="2800" dirty="0">
-                <a:latin typeface="+mj-lt"/>
-              </a:rPr>
-              <a:t>Сбор и обработка</a:t>
-            </a:r>
-          </a:p>
-        </p:txBody>
-      </p:sp>
-      <p:sp>
-        <p:nvSpPr>
-          <p:cNvPr id="4" name="Прямоугольник 3">
-            <a:extLst>
-              <a:ext uri="{FF2B5EF4-FFF2-40B4-BE49-F238E27FC236}">
-                <a16:creationId xmlns:a16="http://schemas.microsoft.com/office/drawing/2014/main" id="{722D0E47-0E50-4572-8679-CA3DD3C797F2}"/>
-              </a:ext>
-            </a:extLst>
-          </p:cNvPr>
-          <p:cNvSpPr/>
-          <p:nvPr/>
-        </p:nvSpPr>
-        <p:spPr>
-          <a:xfrm>
-            <a:off x="763737" y="1958874"/>
-            <a:ext cx="2606611" cy="369332"/>
-          </a:xfrm>
-          <a:prstGeom prst="rect">
-            <a:avLst/>
-          </a:prstGeom>
-        </p:spPr>
-        <p:txBody>
-          <a:bodyPr wrap="none">
-            <a:spAutoFit/>
-          </a:bodyPr>
-          <a:lstStyle/>
-          <a:p>
-            <a:r>
-              <a:rPr lang="ru-RU" dirty="0"/>
-              <a:t>// Создаем структуру ПО</a:t>
-            </a:r>
-          </a:p>
-        </p:txBody>
-      </p:sp>
-      <p:sp>
-        <p:nvSpPr>
-          <p:cNvPr id="5" name="Прямоугольник 4">
-            <a:extLst>
-              <a:ext uri="{FF2B5EF4-FFF2-40B4-BE49-F238E27FC236}">
-                <a16:creationId xmlns:a16="http://schemas.microsoft.com/office/drawing/2014/main" id="{950C83C5-AE33-4375-A8B7-BBDD8C7971DA}"/>
-              </a:ext>
-            </a:extLst>
-          </p:cNvPr>
-          <p:cNvSpPr/>
-          <p:nvPr/>
-        </p:nvSpPr>
-        <p:spPr>
-          <a:xfrm>
-            <a:off x="609600" y="2725412"/>
-            <a:ext cx="6096000" cy="2308324"/>
-          </a:xfrm>
-          <a:prstGeom prst="rect">
-            <a:avLst/>
-          </a:prstGeom>
-        </p:spPr>
-        <p:txBody>
-          <a:bodyPr>
-            <a:spAutoFit/>
-          </a:bodyPr>
-          <a:lstStyle/>
-          <a:p>
-            <a:r>
-              <a:rPr lang="ru-RU" dirty="0"/>
-              <a:t>- Показать все что мы делали</a:t>
-            </a:r>
-          </a:p>
-          <a:p>
-            <a:r>
-              <a:rPr lang="ru-RU" dirty="0"/>
-              <a:t>	    - Рисуем уровень А0 или переходим на более низкий уровень</a:t>
-            </a:r>
-          </a:p>
-          <a:p>
-            <a:r>
-              <a:rPr lang="ru-RU" dirty="0"/>
-              <a:t>	    - Показываем что есть входная информация</a:t>
-            </a:r>
-          </a:p>
-          <a:p>
-            <a:r>
-              <a:rPr lang="ru-RU" dirty="0"/>
-              <a:t>	    - Как информация преобразуется и что мы получаем на выходе</a:t>
-            </a:r>
-          </a:p>
-          <a:p>
-            <a:r>
-              <a:rPr lang="ru-RU" dirty="0"/>
-              <a:t>	    - Все управляющие сигналы тоже показываем</a:t>
-            </a:r>
-          </a:p>
-          <a:p>
-            <a:r>
-              <a:rPr lang="ru-RU" dirty="0"/>
-              <a:t>	    - На этом слайде донести суть моей работы</a:t>
-            </a:r>
-          </a:p>
-        </p:txBody>
-      </p:sp>
+      </p:pic>
     </p:spTree>
     <p:extLst>
       <p:ext uri="{BB962C8B-B14F-4D97-AF65-F5344CB8AC3E}">
@@ -4968,24 +5179,61 @@
       </p:grpSpPr>
       <p:sp>
         <p:nvSpPr>
-          <p:cNvPr id="2" name="Прямоугольник 1">
-            <a:extLst>
-              <a:ext uri="{FF2B5EF4-FFF2-40B4-BE49-F238E27FC236}">
-                <a16:creationId xmlns:a16="http://schemas.microsoft.com/office/drawing/2014/main" id="{3AA8A436-ACA5-413E-ADC2-4FF239D6271B}"/>
-              </a:ext>
-            </a:extLst>
-          </p:cNvPr>
-          <p:cNvSpPr/>
+          <p:cNvPr id="7" name="TextBox 6">
+            <a:extLst>
+              <a:ext uri="{FF2B5EF4-FFF2-40B4-BE49-F238E27FC236}">
+                <a16:creationId xmlns:a16="http://schemas.microsoft.com/office/drawing/2014/main" id="{35DD053F-0AAA-BC4F-A64C-276CCF453831}"/>
+              </a:ext>
+            </a:extLst>
+          </p:cNvPr>
+          <p:cNvSpPr txBox="1"/>
           <p:nvPr/>
         </p:nvSpPr>
         <p:spPr>
           <a:xfrm>
-            <a:off x="4642557" y="304186"/>
-            <a:ext cx="1670650" cy="523220"/>
+            <a:off x="381000" y="152068"/>
+            <a:ext cx="4727576" cy="769441"/>
           </a:xfrm>
           <a:prstGeom prst="rect">
             <a:avLst/>
           </a:prstGeom>
+          <a:noFill/>
+        </p:spPr>
+        <p:txBody>
+          <a:bodyPr wrap="none" rtlCol="0">
+            <a:spAutoFit/>
+          </a:bodyPr>
+          <a:lstStyle/>
+          <a:p>
+            <a:r>
+              <a:rPr lang="ru-RU" sz="4400" dirty="0">
+                <a:latin typeface="+mj-lt"/>
+              </a:rPr>
+              <a:t>Диаграмма метода</a:t>
+            </a:r>
+          </a:p>
+        </p:txBody>
+      </p:sp>
+      <p:sp>
+        <p:nvSpPr>
+          <p:cNvPr id="8" name="Прямоугольник 7">
+            <a:extLst>
+              <a:ext uri="{FF2B5EF4-FFF2-40B4-BE49-F238E27FC236}">
+                <a16:creationId xmlns:a16="http://schemas.microsoft.com/office/drawing/2014/main" id="{0FA7AF04-547A-CE46-8D85-17B0C6571A51}"/>
+              </a:ext>
+            </a:extLst>
+          </p:cNvPr>
+          <p:cNvSpPr/>
+          <p:nvPr/>
+        </p:nvSpPr>
+        <p:spPr>
+          <a:xfrm>
+            <a:off x="11474005" y="6473428"/>
+            <a:ext cx="619080" cy="369332"/>
+          </a:xfrm>
+          <a:prstGeom prst="rect">
+            <a:avLst/>
+          </a:prstGeom>
         </p:spPr>
         <p:txBody>
           <a:bodyPr wrap="none">
@@ -4994,18 +5242,48 @@
           <a:lstStyle/>
           <a:p>
             <a:r>
-              <a:rPr lang="ru-RU" sz="2800" dirty="0">
+              <a:rPr lang="ru-RU" dirty="0">
                 <a:latin typeface="+mj-lt"/>
               </a:rPr>
-              <a:t>Обучение</a:t>
-            </a:r>
-          </a:p>
-        </p:txBody>
-      </p:sp>
+              <a:t>7/12</a:t>
+            </a:r>
+          </a:p>
+        </p:txBody>
+      </p:sp>
+      <p:pic>
+        <p:nvPicPr>
+          <p:cNvPr id="3" name="Рисунок 2">
+            <a:extLst>
+              <a:ext uri="{FF2B5EF4-FFF2-40B4-BE49-F238E27FC236}">
+                <a16:creationId xmlns:a16="http://schemas.microsoft.com/office/drawing/2014/main" id="{E70E98FC-20D8-CD4A-B3A6-40CA5844BCB8}"/>
+              </a:ext>
+            </a:extLst>
+          </p:cNvPr>
+          <p:cNvPicPr>
+            <a:picLocks noChangeAspect="1"/>
+          </p:cNvPicPr>
+          <p:nvPr/>
+        </p:nvPicPr>
+        <p:blipFill>
+          <a:blip r:embed="rId2"/>
+          <a:stretch>
+            <a:fillRect/>
+          </a:stretch>
+        </p:blipFill>
+        <p:spPr>
+          <a:xfrm>
+            <a:off x="380999" y="921508"/>
+            <a:ext cx="10463213" cy="5891449"/>
+          </a:xfrm>
+          <a:prstGeom prst="rect">
+            <a:avLst/>
+          </a:prstGeom>
+        </p:spPr>
+      </p:pic>
     </p:spTree>
     <p:extLst>
       <p:ext uri="{BB962C8B-B14F-4D97-AF65-F5344CB8AC3E}">
-        <p14:creationId xmlns:p14="http://schemas.microsoft.com/office/powerpoint/2010/main" val="2084327567"/>
+        <p14:creationId xmlns:p14="http://schemas.microsoft.com/office/powerpoint/2010/main" val="1351448177"/>
       </p:ext>
     </p:extLst>
   </p:cSld>
@@ -5037,7 +5315,7 @@
           <p:cNvPr id="2" name="Прямоугольник 1">
             <a:extLst>
               <a:ext uri="{FF2B5EF4-FFF2-40B4-BE49-F238E27FC236}">
-                <a16:creationId xmlns:a16="http://schemas.microsoft.com/office/drawing/2014/main" id="{4966950D-9C39-4D96-ADB0-54E6D44AAF98}"/>
+                <a16:creationId xmlns:a16="http://schemas.microsoft.com/office/drawing/2014/main" id="{3AA8A436-ACA5-413E-ADC2-4FF239D6271B}"/>
               </a:ext>
             </a:extLst>
           </p:cNvPr>
@@ -5046,8 +5324,8 @@
         </p:nvSpPr>
         <p:spPr>
           <a:xfrm>
-            <a:off x="271668" y="215385"/>
-            <a:ext cx="6059672" cy="769441"/>
+            <a:off x="360117" y="243226"/>
+            <a:ext cx="7935186" cy="769441"/>
           </a:xfrm>
           <a:prstGeom prst="rect">
             <a:avLst/>
@@ -5063,7 +5341,7 @@
               <a:rPr lang="ru-RU" sz="4400" dirty="0">
                 <a:latin typeface="+mj-lt"/>
               </a:rPr>
-              <a:t>Технологический раздел</a:t>
+              <a:t>Структура ПО // Стек разработки</a:t>
             </a:r>
           </a:p>
         </p:txBody>
@@ -5073,7 +5351,7 @@
           <p:cNvPr id="3" name="Прямоугольник 2">
             <a:extLst>
               <a:ext uri="{FF2B5EF4-FFF2-40B4-BE49-F238E27FC236}">
-                <a16:creationId xmlns:a16="http://schemas.microsoft.com/office/drawing/2014/main" id="{9C8AC807-5D21-4C64-A747-C1A0D8999250}"/>
+                <a16:creationId xmlns:a16="http://schemas.microsoft.com/office/drawing/2014/main" id="{1AF6596F-B40F-024C-9161-43EC806B6C1E}"/>
               </a:ext>
             </a:extLst>
           </p:cNvPr>
@@ -5082,8 +5360,8 @@
         </p:nvSpPr>
         <p:spPr>
           <a:xfrm>
-            <a:off x="4844836" y="984826"/>
-            <a:ext cx="2278188" cy="523220"/>
+            <a:off x="11474005" y="6473428"/>
+            <a:ext cx="619080" cy="369332"/>
           </a:xfrm>
           <a:prstGeom prst="rect">
             <a:avLst/>
@@ -5096,10 +5374,10 @@
           <a:lstStyle/>
           <a:p>
             <a:r>
-              <a:rPr lang="ru-RU" sz="2800" dirty="0">
+              <a:rPr lang="ru-RU" dirty="0">
                 <a:latin typeface="+mj-lt"/>
               </a:rPr>
-              <a:t>Стек решения</a:t>
+              <a:t>8/12</a:t>
             </a:r>
           </a:p>
         </p:txBody>
@@ -5107,7 +5385,7 @@
     </p:spTree>
     <p:extLst>
       <p:ext uri="{BB962C8B-B14F-4D97-AF65-F5344CB8AC3E}">
-        <p14:creationId xmlns:p14="http://schemas.microsoft.com/office/powerpoint/2010/main" val="4208398128"/>
+        <p14:creationId xmlns:p14="http://schemas.microsoft.com/office/powerpoint/2010/main" val="2084327567"/>
       </p:ext>
     </p:extLst>
   </p:cSld>
@@ -5148,8 +5426,8 @@
         </p:nvSpPr>
         <p:spPr>
           <a:xfrm>
-            <a:off x="4813277" y="318254"/>
-            <a:ext cx="1329210" cy="523220"/>
+            <a:off x="378437" y="181094"/>
+            <a:ext cx="1981633" cy="769441"/>
           </a:xfrm>
           <a:prstGeom prst="rect">
             <a:avLst/>
@@ -5162,10 +5440,46 @@
           <a:lstStyle/>
           <a:p>
             <a:r>
-              <a:rPr lang="ru-RU" sz="2800" dirty="0">
+              <a:rPr lang="ru-RU" sz="4400" dirty="0">
                 <a:latin typeface="+mj-lt"/>
               </a:rPr>
               <a:t>Оценки</a:t>
+            </a:r>
+          </a:p>
+        </p:txBody>
+      </p:sp>
+      <p:sp>
+        <p:nvSpPr>
+          <p:cNvPr id="3" name="Прямоугольник 2">
+            <a:extLst>
+              <a:ext uri="{FF2B5EF4-FFF2-40B4-BE49-F238E27FC236}">
+                <a16:creationId xmlns:a16="http://schemas.microsoft.com/office/drawing/2014/main" id="{FA66E5F4-DA94-D948-8B6F-81A9D8692481}"/>
+              </a:ext>
+            </a:extLst>
+          </p:cNvPr>
+          <p:cNvSpPr/>
+          <p:nvPr/>
+        </p:nvSpPr>
+        <p:spPr>
+          <a:xfrm>
+            <a:off x="11474005" y="6473428"/>
+            <a:ext cx="619080" cy="369332"/>
+          </a:xfrm>
+          <a:prstGeom prst="rect">
+            <a:avLst/>
+          </a:prstGeom>
+        </p:spPr>
+        <p:txBody>
+          <a:bodyPr wrap="none">
+            <a:spAutoFit/>
+          </a:bodyPr>
+          <a:lstStyle/>
+          <a:p>
+            <a:r>
+              <a:rPr lang="ru-RU" dirty="0">
+                <a:latin typeface="+mj-lt"/>
+              </a:rPr>
+              <a:t>9/12</a:t>
             </a:r>
           </a:p>
         </p:txBody>

--- a/presentation/presentation.pptx
+++ b/presentation/presentation.pptx
@@ -4,19 +4,23 @@
   <p:sldMasterIdLst>
     <p:sldMasterId id="2147483648" r:id="rId1"/>
   </p:sldMasterIdLst>
+  <p:notesMasterIdLst>
+    <p:notesMasterId r:id="rId15"/>
+  </p:notesMasterIdLst>
   <p:sldIdLst>
     <p:sldId id="256" r:id="rId2"/>
     <p:sldId id="266" r:id="rId3"/>
     <p:sldId id="257" r:id="rId4"/>
     <p:sldId id="267" r:id="rId5"/>
     <p:sldId id="275" r:id="rId6"/>
-    <p:sldId id="268" r:id="rId7"/>
-    <p:sldId id="277" r:id="rId8"/>
-    <p:sldId id="272" r:id="rId9"/>
-    <p:sldId id="273" r:id="rId10"/>
-    <p:sldId id="270" r:id="rId11"/>
-    <p:sldId id="274" r:id="rId12"/>
-    <p:sldId id="265" r:id="rId13"/>
+    <p:sldId id="278" r:id="rId7"/>
+    <p:sldId id="268" r:id="rId8"/>
+    <p:sldId id="277" r:id="rId9"/>
+    <p:sldId id="272" r:id="rId10"/>
+    <p:sldId id="273" r:id="rId11"/>
+    <p:sldId id="270" r:id="rId12"/>
+    <p:sldId id="274" r:id="rId13"/>
+    <p:sldId id="265" r:id="rId14"/>
   </p:sldIdLst>
   <p:sldSz cx="12192000" cy="6858000"/>
   <p:notesSz cx="6858000" cy="9144000"/>
@@ -125,6 +129,7 @@
             <p14:sldId id="257"/>
             <p14:sldId id="267"/>
             <p14:sldId id="275"/>
+            <p14:sldId id="278"/>
             <p14:sldId id="268"/>
             <p14:sldId id="277"/>
             <p14:sldId id="272"/>
@@ -155,7 +160,7 @@
       </p:ext>
     </p:extLst>
   </p:cmAuthor>
-  <p:cmAuthor id="2" name="Кирилл Маркин" initials="КМ" lastIdx="1" clrIdx="1">
+  <p:cmAuthor id="2" name="Кирилл Маркин" initials="КМ" lastIdx="2" clrIdx="1">
     <p:extLst>
       <p:ext uri="{19B8F6BF-5375-455C-9EA6-DF929625EA0E}">
         <p15:presenceInfo xmlns:p15="http://schemas.microsoft.com/office/powerpoint/2012/main" userId="Кирилл Маркин" providerId="None"/>
@@ -213,6 +218,373 @@
     </p:extLst>
   </p:cm>
 </p:cmLst>
+</file>
+
+<file path=ppt/comments/comment3.xml><?xml version="1.0" encoding="utf-8"?>
+<p:cmLst xmlns:a="http://schemas.openxmlformats.org/drawingml/2006/main" xmlns:r="http://schemas.openxmlformats.org/officeDocument/2006/relationships" xmlns:p="http://schemas.openxmlformats.org/presentationml/2006/main">
+  <p:cm authorId="2" dt="2019-06-10T16:53:00.691" idx="2">
+    <p:pos x="7362" y="45"/>
+    <p:text>- Можно исследовать сравнивая похожее с моим и посмотреть разницу
+	    - Можно исследовать собственный инструментарий на сложность, разные параметры и т д если решение совсем уж оригинальное
+	    - Можно в табличном виде - вот параметры, мой алгоритм лучше
+	    - Можно с помощью графиков
+</p:text>
+    <p:extLst>
+      <p:ext uri="{C676402C-5697-4E1C-873F-D02D1690AC5C}">
+        <p15:threadingInfo xmlns:p15="http://schemas.microsoft.com/office/powerpoint/2012/main" timeZoneBias="-180"/>
+      </p:ext>
+    </p:extLst>
+  </p:cm>
+</p:cmLst>
+</file>
+
+<file path=ppt/notesMasters/notesMaster1.xml><?xml version="1.0" encoding="utf-8"?>
+<p:notesMaster xmlns:a="http://schemas.openxmlformats.org/drawingml/2006/main" xmlns:r="http://schemas.openxmlformats.org/officeDocument/2006/relationships" xmlns:p="http://schemas.openxmlformats.org/presentationml/2006/main">
+  <p:cSld>
+    <p:bg>
+      <p:bgRef idx="1001">
+        <a:schemeClr val="bg1"/>
+      </p:bgRef>
+    </p:bg>
+    <p:spTree>
+      <p:nvGrpSpPr>
+        <p:cNvPr id="1" name=""/>
+        <p:cNvGrpSpPr/>
+        <p:nvPr/>
+      </p:nvGrpSpPr>
+      <p:grpSpPr>
+        <a:xfrm>
+          <a:off x="0" y="0"/>
+          <a:ext cx="0" cy="0"/>
+          <a:chOff x="0" y="0"/>
+          <a:chExt cx="0" cy="0"/>
+        </a:xfrm>
+      </p:grpSpPr>
+      <p:sp>
+        <p:nvSpPr>
+          <p:cNvPr id="2" name="Верхний колонтитул 1"/>
+          <p:cNvSpPr>
+            <a:spLocks noGrp="1"/>
+          </p:cNvSpPr>
+          <p:nvPr>
+            <p:ph type="hdr" sz="quarter"/>
+          </p:nvPr>
+        </p:nvSpPr>
+        <p:spPr>
+          <a:xfrm>
+            <a:off x="0" y="0"/>
+            <a:ext cx="2971800" cy="458788"/>
+          </a:xfrm>
+          <a:prstGeom prst="rect">
+            <a:avLst/>
+          </a:prstGeom>
+        </p:spPr>
+        <p:txBody>
+          <a:bodyPr vert="horz" lIns="91440" tIns="45720" rIns="91440" bIns="45720" rtlCol="0"/>
+          <a:lstStyle>
+            <a:lvl1pPr algn="l">
+              <a:defRPr sz="1200"/>
+            </a:lvl1pPr>
+          </a:lstStyle>
+          <a:p>
+            <a:endParaRPr lang="ru-RU"/>
+          </a:p>
+        </p:txBody>
+      </p:sp>
+      <p:sp>
+        <p:nvSpPr>
+          <p:cNvPr id="3" name="Дата 2"/>
+          <p:cNvSpPr>
+            <a:spLocks noGrp="1"/>
+          </p:cNvSpPr>
+          <p:nvPr>
+            <p:ph type="dt" idx="1"/>
+          </p:nvPr>
+        </p:nvSpPr>
+        <p:spPr>
+          <a:xfrm>
+            <a:off x="3884613" y="0"/>
+            <a:ext cx="2971800" cy="458788"/>
+          </a:xfrm>
+          <a:prstGeom prst="rect">
+            <a:avLst/>
+          </a:prstGeom>
+        </p:spPr>
+        <p:txBody>
+          <a:bodyPr vert="horz" lIns="91440" tIns="45720" rIns="91440" bIns="45720" rtlCol="0"/>
+          <a:lstStyle>
+            <a:lvl1pPr algn="r">
+              <a:defRPr sz="1200"/>
+            </a:lvl1pPr>
+          </a:lstStyle>
+          <a:p>
+            <a:fld id="{1E132C55-E3F4-6542-B237-91F1C34C7B3B}" type="datetimeFigureOut">
+              <a:rPr lang="ru-RU" smtClean="0"/>
+              <a:t>10.06.2019</a:t>
+            </a:fld>
+            <a:endParaRPr lang="ru-RU"/>
+          </a:p>
+        </p:txBody>
+      </p:sp>
+      <p:sp>
+        <p:nvSpPr>
+          <p:cNvPr id="4" name="Образ слайда 3"/>
+          <p:cNvSpPr>
+            <a:spLocks noGrp="1" noRot="1" noChangeAspect="1"/>
+          </p:cNvSpPr>
+          <p:nvPr>
+            <p:ph type="sldImg" idx="2"/>
+          </p:nvPr>
+        </p:nvSpPr>
+        <p:spPr>
+          <a:xfrm>
+            <a:off x="685800" y="1143000"/>
+            <a:ext cx="5486400" cy="3086100"/>
+          </a:xfrm>
+          <a:prstGeom prst="rect">
+            <a:avLst/>
+          </a:prstGeom>
+          <a:noFill/>
+          <a:ln w="12700">
+            <a:solidFill>
+              <a:prstClr val="black"/>
+            </a:solidFill>
+          </a:ln>
+        </p:spPr>
+        <p:txBody>
+          <a:bodyPr vert="horz" lIns="91440" tIns="45720" rIns="91440" bIns="45720" rtlCol="0" anchor="ctr"/>
+          <a:lstStyle/>
+          <a:p>
+            <a:endParaRPr lang="ru-RU"/>
+          </a:p>
+        </p:txBody>
+      </p:sp>
+      <p:sp>
+        <p:nvSpPr>
+          <p:cNvPr id="5" name="Заметки 4"/>
+          <p:cNvSpPr>
+            <a:spLocks noGrp="1"/>
+          </p:cNvSpPr>
+          <p:nvPr>
+            <p:ph type="body" sz="quarter" idx="3"/>
+          </p:nvPr>
+        </p:nvSpPr>
+        <p:spPr>
+          <a:xfrm>
+            <a:off x="685800" y="4400550"/>
+            <a:ext cx="5486400" cy="3600450"/>
+          </a:xfrm>
+          <a:prstGeom prst="rect">
+            <a:avLst/>
+          </a:prstGeom>
+        </p:spPr>
+        <p:txBody>
+          <a:bodyPr vert="horz" lIns="91440" tIns="45720" rIns="91440" bIns="45720" rtlCol="0"/>
+          <a:lstStyle/>
+          <a:p>
+            <a:pPr lvl="0"/>
+            <a:r>
+              <a:rPr lang="ru-RU"/>
+              <a:t>Образец текста</a:t>
+            </a:r>
+          </a:p>
+          <a:p>
+            <a:pPr lvl="1"/>
+            <a:r>
+              <a:rPr lang="ru-RU"/>
+              <a:t>Второй уровень</a:t>
+            </a:r>
+          </a:p>
+          <a:p>
+            <a:pPr lvl="2"/>
+            <a:r>
+              <a:rPr lang="ru-RU"/>
+              <a:t>Третий уровень</a:t>
+            </a:r>
+          </a:p>
+          <a:p>
+            <a:pPr lvl="3"/>
+            <a:r>
+              <a:rPr lang="ru-RU"/>
+              <a:t>Четвертый уровень</a:t>
+            </a:r>
+          </a:p>
+          <a:p>
+            <a:pPr lvl="4"/>
+            <a:r>
+              <a:rPr lang="ru-RU"/>
+              <a:t>Пятый уровень</a:t>
+            </a:r>
+          </a:p>
+        </p:txBody>
+      </p:sp>
+      <p:sp>
+        <p:nvSpPr>
+          <p:cNvPr id="6" name="Нижний колонтитул 5"/>
+          <p:cNvSpPr>
+            <a:spLocks noGrp="1"/>
+          </p:cNvSpPr>
+          <p:nvPr>
+            <p:ph type="ftr" sz="quarter" idx="4"/>
+          </p:nvPr>
+        </p:nvSpPr>
+        <p:spPr>
+          <a:xfrm>
+            <a:off x="0" y="8685213"/>
+            <a:ext cx="2971800" cy="458787"/>
+          </a:xfrm>
+          <a:prstGeom prst="rect">
+            <a:avLst/>
+          </a:prstGeom>
+        </p:spPr>
+        <p:txBody>
+          <a:bodyPr vert="horz" lIns="91440" tIns="45720" rIns="91440" bIns="45720" rtlCol="0" anchor="b"/>
+          <a:lstStyle>
+            <a:lvl1pPr algn="l">
+              <a:defRPr sz="1200"/>
+            </a:lvl1pPr>
+          </a:lstStyle>
+          <a:p>
+            <a:endParaRPr lang="ru-RU"/>
+          </a:p>
+        </p:txBody>
+      </p:sp>
+      <p:sp>
+        <p:nvSpPr>
+          <p:cNvPr id="7" name="Номер слайда 6"/>
+          <p:cNvSpPr>
+            <a:spLocks noGrp="1"/>
+          </p:cNvSpPr>
+          <p:nvPr>
+            <p:ph type="sldNum" sz="quarter" idx="5"/>
+          </p:nvPr>
+        </p:nvSpPr>
+        <p:spPr>
+          <a:xfrm>
+            <a:off x="3884613" y="8685213"/>
+            <a:ext cx="2971800" cy="458787"/>
+          </a:xfrm>
+          <a:prstGeom prst="rect">
+            <a:avLst/>
+          </a:prstGeom>
+        </p:spPr>
+        <p:txBody>
+          <a:bodyPr vert="horz" lIns="91440" tIns="45720" rIns="91440" bIns="45720" rtlCol="0" anchor="b"/>
+          <a:lstStyle>
+            <a:lvl1pPr algn="r">
+              <a:defRPr sz="1200"/>
+            </a:lvl1pPr>
+          </a:lstStyle>
+          <a:p>
+            <a:fld id="{18397224-188B-C145-9394-36578553AFB9}" type="slidenum">
+              <a:rPr lang="ru-RU" smtClean="0"/>
+              <a:t>‹#›</a:t>
+            </a:fld>
+            <a:endParaRPr lang="ru-RU"/>
+          </a:p>
+        </p:txBody>
+      </p:sp>
+    </p:spTree>
+    <p:extLst>
+      <p:ext uri="{BB962C8B-B14F-4D97-AF65-F5344CB8AC3E}">
+        <p14:creationId xmlns:p14="http://schemas.microsoft.com/office/powerpoint/2010/main" val="3162748438"/>
+      </p:ext>
+    </p:extLst>
+  </p:cSld>
+  <p:clrMap bg1="lt1" tx1="dk1" bg2="lt2" tx2="dk2" accent1="accent1" accent2="accent2" accent3="accent3" accent4="accent4" accent5="accent5" accent6="accent6" hlink="hlink" folHlink="folHlink"/>
+  <p:notesStyle>
+    <a:lvl1pPr marL="0" algn="l" defTabSz="914400" rtl="0" eaLnBrk="1" latinLnBrk="0" hangingPunct="1">
+      <a:defRPr sz="1200" kern="1200">
+        <a:solidFill>
+          <a:schemeClr val="tx1"/>
+        </a:solidFill>
+        <a:latin typeface="+mn-lt"/>
+        <a:ea typeface="+mn-ea"/>
+        <a:cs typeface="+mn-cs"/>
+      </a:defRPr>
+    </a:lvl1pPr>
+    <a:lvl2pPr marL="457200" algn="l" defTabSz="914400" rtl="0" eaLnBrk="1" latinLnBrk="0" hangingPunct="1">
+      <a:defRPr sz="1200" kern="1200">
+        <a:solidFill>
+          <a:schemeClr val="tx1"/>
+        </a:solidFill>
+        <a:latin typeface="+mn-lt"/>
+        <a:ea typeface="+mn-ea"/>
+        <a:cs typeface="+mn-cs"/>
+      </a:defRPr>
+    </a:lvl2pPr>
+    <a:lvl3pPr marL="914400" algn="l" defTabSz="914400" rtl="0" eaLnBrk="1" latinLnBrk="0" hangingPunct="1">
+      <a:defRPr sz="1200" kern="1200">
+        <a:solidFill>
+          <a:schemeClr val="tx1"/>
+        </a:solidFill>
+        <a:latin typeface="+mn-lt"/>
+        <a:ea typeface="+mn-ea"/>
+        <a:cs typeface="+mn-cs"/>
+      </a:defRPr>
+    </a:lvl3pPr>
+    <a:lvl4pPr marL="1371600" algn="l" defTabSz="914400" rtl="0" eaLnBrk="1" latinLnBrk="0" hangingPunct="1">
+      <a:defRPr sz="1200" kern="1200">
+        <a:solidFill>
+          <a:schemeClr val="tx1"/>
+        </a:solidFill>
+        <a:latin typeface="+mn-lt"/>
+        <a:ea typeface="+mn-ea"/>
+        <a:cs typeface="+mn-cs"/>
+      </a:defRPr>
+    </a:lvl4pPr>
+    <a:lvl5pPr marL="1828800" algn="l" defTabSz="914400" rtl="0" eaLnBrk="1" latinLnBrk="0" hangingPunct="1">
+      <a:defRPr sz="1200" kern="1200">
+        <a:solidFill>
+          <a:schemeClr val="tx1"/>
+        </a:solidFill>
+        <a:latin typeface="+mn-lt"/>
+        <a:ea typeface="+mn-ea"/>
+        <a:cs typeface="+mn-cs"/>
+      </a:defRPr>
+    </a:lvl5pPr>
+    <a:lvl6pPr marL="2286000" algn="l" defTabSz="914400" rtl="0" eaLnBrk="1" latinLnBrk="0" hangingPunct="1">
+      <a:defRPr sz="1200" kern="1200">
+        <a:solidFill>
+          <a:schemeClr val="tx1"/>
+        </a:solidFill>
+        <a:latin typeface="+mn-lt"/>
+        <a:ea typeface="+mn-ea"/>
+        <a:cs typeface="+mn-cs"/>
+      </a:defRPr>
+    </a:lvl6pPr>
+    <a:lvl7pPr marL="2743200" algn="l" defTabSz="914400" rtl="0" eaLnBrk="1" latinLnBrk="0" hangingPunct="1">
+      <a:defRPr sz="1200" kern="1200">
+        <a:solidFill>
+          <a:schemeClr val="tx1"/>
+        </a:solidFill>
+        <a:latin typeface="+mn-lt"/>
+        <a:ea typeface="+mn-ea"/>
+        <a:cs typeface="+mn-cs"/>
+      </a:defRPr>
+    </a:lvl7pPr>
+    <a:lvl8pPr marL="3200400" algn="l" defTabSz="914400" rtl="0" eaLnBrk="1" latinLnBrk="0" hangingPunct="1">
+      <a:defRPr sz="1200" kern="1200">
+        <a:solidFill>
+          <a:schemeClr val="tx1"/>
+        </a:solidFill>
+        <a:latin typeface="+mn-lt"/>
+        <a:ea typeface="+mn-ea"/>
+        <a:cs typeface="+mn-cs"/>
+      </a:defRPr>
+    </a:lvl8pPr>
+    <a:lvl9pPr marL="3657600" algn="l" defTabSz="914400" rtl="0" eaLnBrk="1" latinLnBrk="0" hangingPunct="1">
+      <a:defRPr sz="1200" kern="1200">
+        <a:solidFill>
+          <a:schemeClr val="tx1"/>
+        </a:solidFill>
+        <a:latin typeface="+mn-lt"/>
+        <a:ea typeface="+mn-ea"/>
+        <a:cs typeface="+mn-cs"/>
+      </a:defRPr>
+    </a:lvl9pPr>
+  </p:notesStyle>
+</p:notesMaster>
 </file>
 
 <file path=ppt/slideLayouts/slideLayout1.xml><?xml version="1.0" encoding="utf-8"?>
@@ -3824,10 +4196,10 @@
       </p:grpSpPr>
       <p:sp>
         <p:nvSpPr>
-          <p:cNvPr id="3" name="Прямоугольник 2">
-            <a:extLst>
-              <a:ext uri="{FF2B5EF4-FFF2-40B4-BE49-F238E27FC236}">
-                <a16:creationId xmlns:a16="http://schemas.microsoft.com/office/drawing/2014/main" id="{5EDAA192-3B5F-4EAA-92D4-557BC9227285}"/>
+          <p:cNvPr id="2" name="Прямоугольник 1">
+            <a:extLst>
+              <a:ext uri="{FF2B5EF4-FFF2-40B4-BE49-F238E27FC236}">
+                <a16:creationId xmlns:a16="http://schemas.microsoft.com/office/drawing/2014/main" id="{876FD713-ADFF-4269-ADFD-4A23467C1DEC}"/>
               </a:ext>
             </a:extLst>
           </p:cNvPr>
@@ -3836,8 +4208,8 @@
         </p:nvSpPr>
         <p:spPr>
           <a:xfrm>
-            <a:off x="3986707" y="953124"/>
-            <a:ext cx="3571812" cy="523220"/>
+            <a:off x="378437" y="181094"/>
+            <a:ext cx="1981633" cy="769441"/>
           </a:xfrm>
           <a:prstGeom prst="rect">
             <a:avLst/>
@@ -3850,20 +4222,20 @@
           <a:lstStyle/>
           <a:p>
             <a:r>
-              <a:rPr lang="ru-RU" sz="2800" dirty="0">
-                <a:latin typeface="+mj-lt"/>
-              </a:rPr>
-              <a:t>Таблица 1. Результаты</a:t>
-            </a:r>
-          </a:p>
-        </p:txBody>
-      </p:sp>
-      <p:sp>
-        <p:nvSpPr>
-          <p:cNvPr id="4" name="Прямоугольник 3">
-            <a:extLst>
-              <a:ext uri="{FF2B5EF4-FFF2-40B4-BE49-F238E27FC236}">
-                <a16:creationId xmlns:a16="http://schemas.microsoft.com/office/drawing/2014/main" id="{2C0DDA9A-1E2A-4661-8698-84E66ECFCD65}"/>
+              <a:rPr lang="ru-RU" sz="4400" dirty="0">
+                <a:latin typeface="+mj-lt"/>
+              </a:rPr>
+              <a:t>Оценки</a:t>
+            </a:r>
+          </a:p>
+        </p:txBody>
+      </p:sp>
+      <p:sp>
+        <p:nvSpPr>
+          <p:cNvPr id="3" name="Прямоугольник 2">
+            <a:extLst>
+              <a:ext uri="{FF2B5EF4-FFF2-40B4-BE49-F238E27FC236}">
+                <a16:creationId xmlns:a16="http://schemas.microsoft.com/office/drawing/2014/main" id="{FA66E5F4-DA94-D948-8B6F-81A9D8692481}"/>
               </a:ext>
             </a:extLst>
           </p:cNvPr>
@@ -3872,84 +4244,142 @@
         </p:nvSpPr>
         <p:spPr>
           <a:xfrm>
-            <a:off x="3048000" y="2274838"/>
-            <a:ext cx="6096000" cy="2308324"/>
+            <a:off x="11474005" y="6473428"/>
+            <a:ext cx="736099" cy="369332"/>
           </a:xfrm>
           <a:prstGeom prst="rect">
             <a:avLst/>
           </a:prstGeom>
         </p:spPr>
         <p:txBody>
-          <a:bodyPr>
+          <a:bodyPr wrap="none">
             <a:spAutoFit/>
           </a:bodyPr>
           <a:lstStyle/>
           <a:p>
             <a:r>
-              <a:rPr lang="ru-RU" dirty="0"/>
-              <a:t>- Можно исследовать сравнивая похожее с моим и посмотреть разницу</a:t>
-            </a:r>
-          </a:p>
-          <a:p>
-            <a:r>
-              <a:rPr lang="ru-RU" dirty="0"/>
-              <a:t>	    - Можно исследовать собственный инструментарий на сложность, разные параметры и т д если решение совсем уж оригинальное</a:t>
-            </a:r>
-          </a:p>
-          <a:p>
-            <a:r>
-              <a:rPr lang="ru-RU" dirty="0"/>
-              <a:t>	    - Можно в табличном виде - вот параметры, мой алгоритм лучше</a:t>
-            </a:r>
-          </a:p>
-          <a:p>
-            <a:r>
-              <a:rPr lang="ru-RU" dirty="0"/>
-              <a:t>	    - Можно с помощью графиков</a:t>
-            </a:r>
-          </a:p>
-        </p:txBody>
-      </p:sp>
-      <p:sp>
-        <p:nvSpPr>
-          <p:cNvPr id="5" name="Прямоугольник 4">
-            <a:extLst>
-              <a:ext uri="{FF2B5EF4-FFF2-40B4-BE49-F238E27FC236}">
-                <a16:creationId xmlns:a16="http://schemas.microsoft.com/office/drawing/2014/main" id="{15AE3B60-BF9A-CE49-802E-4E14683C6876}"/>
-              </a:ext>
-            </a:extLst>
-          </p:cNvPr>
-          <p:cNvSpPr/>
+              <a:rPr lang="en-US" dirty="0">
+                <a:latin typeface="+mj-lt"/>
+              </a:rPr>
+              <a:t>10</a:t>
+            </a:r>
+            <a:r>
+              <a:rPr lang="ru-RU" dirty="0">
+                <a:latin typeface="+mj-lt"/>
+              </a:rPr>
+              <a:t>/</a:t>
+            </a:r>
+            <a:r>
+              <a:rPr lang="en-US" dirty="0">
+                <a:latin typeface="+mj-lt"/>
+              </a:rPr>
+              <a:t>13</a:t>
+            </a:r>
+            <a:endParaRPr lang="ru-RU" dirty="0">
+              <a:latin typeface="+mj-lt"/>
+            </a:endParaRPr>
+          </a:p>
+        </p:txBody>
+      </p:sp>
+      <p:sp>
+        <p:nvSpPr>
+          <p:cNvPr id="4" name="TextBox 3">
+            <a:extLst>
+              <a:ext uri="{FF2B5EF4-FFF2-40B4-BE49-F238E27FC236}">
+                <a16:creationId xmlns:a16="http://schemas.microsoft.com/office/drawing/2014/main" id="{66698FBF-0371-2642-8315-34C79101A1BD}"/>
+              </a:ext>
+            </a:extLst>
+          </p:cNvPr>
+          <p:cNvSpPr txBox="1"/>
           <p:nvPr/>
         </p:nvSpPr>
         <p:spPr>
           <a:xfrm>
-            <a:off x="11474005" y="6473428"/>
-            <a:ext cx="736099" cy="369332"/>
+            <a:off x="378437" y="1100137"/>
+            <a:ext cx="11508763" cy="830997"/>
           </a:xfrm>
           <a:prstGeom prst="rect">
             <a:avLst/>
           </a:prstGeom>
-        </p:spPr>
-        <p:txBody>
-          <a:bodyPr wrap="none">
+          <a:noFill/>
+        </p:spPr>
+        <p:txBody>
+          <a:bodyPr wrap="square" rtlCol="0">
             <a:spAutoFit/>
           </a:bodyPr>
           <a:lstStyle/>
           <a:p>
             <a:r>
-              <a:rPr lang="ru-RU" dirty="0">
-                <a:latin typeface="+mj-lt"/>
-              </a:rPr>
-              <a:t>10/12</a:t>
-            </a:r>
-          </a:p>
-        </p:txBody>
-      </p:sp>
+              <a:rPr lang="ru-RU" sz="2400" dirty="0">
+                <a:latin typeface="+mj-lt"/>
+              </a:rPr>
+              <a:t>Для оценки модели была реализован функционал, выводящий всю необходимую статистику в графическом представлении.</a:t>
+            </a:r>
+          </a:p>
+        </p:txBody>
+      </p:sp>
+      <p:pic>
+        <p:nvPicPr>
+          <p:cNvPr id="6" name="Рисунок 5">
+            <a:extLst>
+              <a:ext uri="{FF2B5EF4-FFF2-40B4-BE49-F238E27FC236}">
+                <a16:creationId xmlns:a16="http://schemas.microsoft.com/office/drawing/2014/main" id="{4CC57D1C-4913-5949-9F6F-84E2DFF853FF}"/>
+              </a:ext>
+            </a:extLst>
+          </p:cNvPr>
+          <p:cNvPicPr>
+            <a:picLocks noChangeAspect="1"/>
+          </p:cNvPicPr>
+          <p:nvPr/>
+        </p:nvPicPr>
+        <p:blipFill rotWithShape="1">
+          <a:blip r:embed="rId2"/>
+          <a:srcRect b="52093"/>
+          <a:stretch/>
+        </p:blipFill>
+        <p:spPr>
+          <a:xfrm>
+            <a:off x="378437" y="2365601"/>
+            <a:ext cx="5345019" cy="3292249"/>
+          </a:xfrm>
+          <a:prstGeom prst="rect">
+            <a:avLst/>
+          </a:prstGeom>
+        </p:spPr>
+      </p:pic>
+      <p:pic>
+        <p:nvPicPr>
+          <p:cNvPr id="8" name="Рисунок 7">
+            <a:extLst>
+              <a:ext uri="{FF2B5EF4-FFF2-40B4-BE49-F238E27FC236}">
+                <a16:creationId xmlns:a16="http://schemas.microsoft.com/office/drawing/2014/main" id="{AE4E7CEE-0136-5247-BB1B-BE3FD53118D9}"/>
+              </a:ext>
+            </a:extLst>
+          </p:cNvPr>
+          <p:cNvPicPr>
+            <a:picLocks noChangeAspect="1"/>
+          </p:cNvPicPr>
+          <p:nvPr/>
+        </p:nvPicPr>
+        <p:blipFill rotWithShape="1">
+          <a:blip r:embed="rId2"/>
+          <a:srcRect t="49117"/>
+          <a:stretch/>
+        </p:blipFill>
+        <p:spPr>
+          <a:xfrm>
+            <a:off x="5737311" y="2415931"/>
+            <a:ext cx="5334000" cy="3489569"/>
+          </a:xfrm>
+          <a:prstGeom prst="rect">
+            <a:avLst/>
+          </a:prstGeom>
+        </p:spPr>
+      </p:pic>
     </p:spTree>
     <p:extLst>
       <p:ext uri="{BB962C8B-B14F-4D97-AF65-F5344CB8AC3E}">
-        <p14:creationId xmlns:p14="http://schemas.microsoft.com/office/powerpoint/2010/main" val="2970604754"/>
+        <p14:creationId xmlns:p14="http://schemas.microsoft.com/office/powerpoint/2010/main" val="3327052630"/>
       </p:ext>
     </p:extLst>
   </p:cSld>
@@ -3978,10 +4408,10 @@
       </p:grpSpPr>
       <p:sp>
         <p:nvSpPr>
-          <p:cNvPr id="2" name="Прямоугольник 1">
-            <a:extLst>
-              <a:ext uri="{FF2B5EF4-FFF2-40B4-BE49-F238E27FC236}">
-                <a16:creationId xmlns:a16="http://schemas.microsoft.com/office/drawing/2014/main" id="{43FB4B93-9F6E-4B00-8686-4F502978DAC8}"/>
+          <p:cNvPr id="3" name="Прямоугольник 2">
+            <a:extLst>
+              <a:ext uri="{FF2B5EF4-FFF2-40B4-BE49-F238E27FC236}">
+                <a16:creationId xmlns:a16="http://schemas.microsoft.com/office/drawing/2014/main" id="{5EDAA192-3B5F-4EAA-92D4-557BC9227285}"/>
               </a:ext>
             </a:extLst>
           </p:cNvPr>
@@ -3990,8 +4420,8 @@
         </p:nvSpPr>
         <p:spPr>
           <a:xfrm>
-            <a:off x="3977116" y="163510"/>
-            <a:ext cx="3553922" cy="523220"/>
+            <a:off x="257669" y="238749"/>
+            <a:ext cx="1875835" cy="523220"/>
           </a:xfrm>
           <a:prstGeom prst="rect">
             <a:avLst/>
@@ -4007,17 +4437,17 @@
               <a:rPr lang="ru-RU" sz="2800" dirty="0">
                 <a:latin typeface="+mj-lt"/>
               </a:rPr>
-              <a:t>Таблица 2. Результаты</a:t>
-            </a:r>
-          </a:p>
-        </p:txBody>
-      </p:sp>
-      <p:sp>
-        <p:nvSpPr>
-          <p:cNvPr id="3" name="Прямоугольник 2">
-            <a:extLst>
-              <a:ext uri="{FF2B5EF4-FFF2-40B4-BE49-F238E27FC236}">
-                <a16:creationId xmlns:a16="http://schemas.microsoft.com/office/drawing/2014/main" id="{5D724F36-6A89-C44B-B62B-BC5B416C15D9}"/>
+              <a:t>Результаты</a:t>
+            </a:r>
+          </a:p>
+        </p:txBody>
+      </p:sp>
+      <p:sp>
+        <p:nvSpPr>
+          <p:cNvPr id="5" name="Прямоугольник 4">
+            <a:extLst>
+              <a:ext uri="{FF2B5EF4-FFF2-40B4-BE49-F238E27FC236}">
+                <a16:creationId xmlns:a16="http://schemas.microsoft.com/office/drawing/2014/main" id="{15AE3B60-BF9A-CE49-802E-4E14683C6876}"/>
               </a:ext>
             </a:extLst>
           </p:cNvPr>
@@ -4043,15 +4473,36 @@
               <a:rPr lang="ru-RU" dirty="0">
                 <a:latin typeface="+mj-lt"/>
               </a:rPr>
-              <a:t>11/12</a:t>
-            </a:r>
+              <a:t>1</a:t>
+            </a:r>
+            <a:r>
+              <a:rPr lang="en-US" dirty="0">
+                <a:latin typeface="+mj-lt"/>
+              </a:rPr>
+              <a:t>1</a:t>
+            </a:r>
+            <a:r>
+              <a:rPr lang="ru-RU" dirty="0">
+                <a:latin typeface="+mj-lt"/>
+              </a:rPr>
+              <a:t>/</a:t>
+            </a:r>
+            <a:r>
+              <a:rPr lang="en-US" dirty="0">
+                <a:latin typeface="+mj-lt"/>
+              </a:rPr>
+              <a:t>13</a:t>
+            </a:r>
+            <a:endParaRPr lang="ru-RU" dirty="0">
+              <a:latin typeface="+mj-lt"/>
+            </a:endParaRPr>
           </a:p>
         </p:txBody>
       </p:sp>
     </p:spTree>
     <p:extLst>
       <p:ext uri="{BB962C8B-B14F-4D97-AF65-F5344CB8AC3E}">
-        <p14:creationId xmlns:p14="http://schemas.microsoft.com/office/powerpoint/2010/main" val="3695661206"/>
+        <p14:creationId xmlns:p14="http://schemas.microsoft.com/office/powerpoint/2010/main" val="2970604754"/>
       </p:ext>
     </p:extLst>
   </p:cSld>
@@ -4080,6 +4531,129 @@
       </p:grpSpPr>
       <p:sp>
         <p:nvSpPr>
+          <p:cNvPr id="2" name="Прямоугольник 1">
+            <a:extLst>
+              <a:ext uri="{FF2B5EF4-FFF2-40B4-BE49-F238E27FC236}">
+                <a16:creationId xmlns:a16="http://schemas.microsoft.com/office/drawing/2014/main" id="{43FB4B93-9F6E-4B00-8686-4F502978DAC8}"/>
+              </a:ext>
+            </a:extLst>
+          </p:cNvPr>
+          <p:cNvSpPr/>
+          <p:nvPr/>
+        </p:nvSpPr>
+        <p:spPr>
+          <a:xfrm>
+            <a:off x="248078" y="234948"/>
+            <a:ext cx="1875835" cy="523220"/>
+          </a:xfrm>
+          <a:prstGeom prst="rect">
+            <a:avLst/>
+          </a:prstGeom>
+        </p:spPr>
+        <p:txBody>
+          <a:bodyPr wrap="none">
+            <a:spAutoFit/>
+          </a:bodyPr>
+          <a:lstStyle/>
+          <a:p>
+            <a:r>
+              <a:rPr lang="ru-RU" sz="2800" dirty="0">
+                <a:latin typeface="+mj-lt"/>
+              </a:rPr>
+              <a:t>Результаты</a:t>
+            </a:r>
+          </a:p>
+        </p:txBody>
+      </p:sp>
+      <p:sp>
+        <p:nvSpPr>
+          <p:cNvPr id="3" name="Прямоугольник 2">
+            <a:extLst>
+              <a:ext uri="{FF2B5EF4-FFF2-40B4-BE49-F238E27FC236}">
+                <a16:creationId xmlns:a16="http://schemas.microsoft.com/office/drawing/2014/main" id="{5D724F36-6A89-C44B-B62B-BC5B416C15D9}"/>
+              </a:ext>
+            </a:extLst>
+          </p:cNvPr>
+          <p:cNvSpPr/>
+          <p:nvPr/>
+        </p:nvSpPr>
+        <p:spPr>
+          <a:xfrm>
+            <a:off x="11474005" y="6473428"/>
+            <a:ext cx="736099" cy="369332"/>
+          </a:xfrm>
+          <a:prstGeom prst="rect">
+            <a:avLst/>
+          </a:prstGeom>
+        </p:spPr>
+        <p:txBody>
+          <a:bodyPr wrap="none">
+            <a:spAutoFit/>
+          </a:bodyPr>
+          <a:lstStyle/>
+          <a:p>
+            <a:r>
+              <a:rPr lang="ru-RU" dirty="0">
+                <a:latin typeface="+mj-lt"/>
+              </a:rPr>
+              <a:t>1</a:t>
+            </a:r>
+            <a:r>
+              <a:rPr lang="en-US" dirty="0">
+                <a:latin typeface="+mj-lt"/>
+              </a:rPr>
+              <a:t>2</a:t>
+            </a:r>
+            <a:r>
+              <a:rPr lang="ru-RU" dirty="0">
+                <a:latin typeface="+mj-lt"/>
+              </a:rPr>
+              <a:t>/1</a:t>
+            </a:r>
+            <a:r>
+              <a:rPr lang="en-US" dirty="0">
+                <a:latin typeface="+mj-lt"/>
+              </a:rPr>
+              <a:t>3</a:t>
+            </a:r>
+            <a:endParaRPr lang="ru-RU" dirty="0">
+              <a:latin typeface="+mj-lt"/>
+            </a:endParaRPr>
+          </a:p>
+        </p:txBody>
+      </p:sp>
+    </p:spTree>
+    <p:extLst>
+      <p:ext uri="{BB962C8B-B14F-4D97-AF65-F5344CB8AC3E}">
+        <p14:creationId xmlns:p14="http://schemas.microsoft.com/office/powerpoint/2010/main" val="3695661206"/>
+      </p:ext>
+    </p:extLst>
+  </p:cSld>
+  <p:clrMapOvr>
+    <a:masterClrMapping/>
+  </p:clrMapOvr>
+</p:sld>
+</file>
+
+<file path=ppt/slides/slide13.xml><?xml version="1.0" encoding="utf-8"?>
+<p:sld xmlns:a="http://schemas.openxmlformats.org/drawingml/2006/main" xmlns:r="http://schemas.openxmlformats.org/officeDocument/2006/relationships" xmlns:p="http://schemas.openxmlformats.org/presentationml/2006/main">
+  <p:cSld>
+    <p:spTree>
+      <p:nvGrpSpPr>
+        <p:cNvPr id="1" name=""/>
+        <p:cNvGrpSpPr/>
+        <p:nvPr/>
+      </p:nvGrpSpPr>
+      <p:grpSpPr>
+        <a:xfrm>
+          <a:off x="0" y="0"/>
+          <a:ext cx="0" cy="0"/>
+          <a:chOff x="0" y="0"/>
+          <a:chExt cx="0" cy="0"/>
+        </a:xfrm>
+      </p:grpSpPr>
+      <p:sp>
+        <p:nvSpPr>
           <p:cNvPr id="3" name="Подзаголовок 2">
             <a:extLst>
               <a:ext uri="{FF2B5EF4-FFF2-40B4-BE49-F238E27FC236}">
@@ -4346,8 +4920,29 @@
               <a:rPr lang="ru-RU" dirty="0">
                 <a:latin typeface="+mj-lt"/>
               </a:rPr>
-              <a:t>12/12</a:t>
-            </a:r>
+              <a:t>1</a:t>
+            </a:r>
+            <a:r>
+              <a:rPr lang="en-US" dirty="0">
+                <a:latin typeface="+mj-lt"/>
+              </a:rPr>
+              <a:t>3</a:t>
+            </a:r>
+            <a:r>
+              <a:rPr lang="ru-RU" dirty="0">
+                <a:latin typeface="+mj-lt"/>
+              </a:rPr>
+              <a:t>/1</a:t>
+            </a:r>
+            <a:r>
+              <a:rPr lang="en-US" dirty="0">
+                <a:latin typeface="+mj-lt"/>
+              </a:rPr>
+              <a:t>3</a:t>
+            </a:r>
+            <a:endParaRPr lang="ru-RU" dirty="0">
+              <a:latin typeface="+mj-lt"/>
+            </a:endParaRPr>
           </a:p>
         </p:txBody>
       </p:sp>
@@ -4428,7 +5023,7 @@
         </p:nvSpPr>
         <p:spPr>
           <a:xfrm>
-            <a:off x="11474005" y="6473428"/>
+            <a:off x="11488293" y="6473428"/>
             <a:ext cx="619080" cy="369332"/>
           </a:xfrm>
           <a:prstGeom prst="rect">
@@ -4445,8 +5040,17 @@
               <a:rPr lang="ru-RU" dirty="0">
                 <a:latin typeface="+mj-lt"/>
               </a:rPr>
-              <a:t>2/12</a:t>
-            </a:r>
+              <a:t>2/1</a:t>
+            </a:r>
+            <a:r>
+              <a:rPr lang="en-US" dirty="0">
+                <a:latin typeface="+mj-lt"/>
+              </a:rPr>
+              <a:t>3</a:t>
+            </a:r>
+            <a:endParaRPr lang="ru-RU" dirty="0">
+              <a:latin typeface="+mj-lt"/>
+            </a:endParaRPr>
           </a:p>
         </p:txBody>
       </p:sp>
@@ -4686,8 +5290,8 @@
         </p:nvSpPr>
         <p:spPr>
           <a:xfrm>
-            <a:off x="595423" y="951065"/>
-            <a:ext cx="7753782" cy="1200329"/>
+            <a:off x="595423" y="1051081"/>
+            <a:ext cx="10005902" cy="830997"/>
           </a:xfrm>
           <a:prstGeom prst="rect">
             <a:avLst/>
@@ -4703,13 +5307,13 @@
               <a:rPr lang="ru-RU" sz="2400" u="sng" dirty="0">
                 <a:latin typeface="+mj-lt"/>
               </a:rPr>
-              <a:t>Цель</a:t>
+              <a:t>Целью</a:t>
             </a:r>
             <a:r>
               <a:rPr lang="ru-RU" sz="2400" dirty="0">
                 <a:latin typeface="+mj-lt"/>
               </a:rPr>
-              <a:t> – целью работы является разработка метода тематического моделирования для новостей на русском языке.</a:t>
+              <a:t> работы является разработка метода тематического моделирования для новостей на русском языке.</a:t>
             </a:r>
           </a:p>
         </p:txBody>
@@ -4745,8 +5349,17 @@
               <a:rPr lang="ru-RU" dirty="0">
                 <a:latin typeface="+mj-lt"/>
               </a:rPr>
-              <a:t>3/12</a:t>
-            </a:r>
+              <a:t>3/</a:t>
+            </a:r>
+            <a:r>
+              <a:rPr lang="en-US" dirty="0">
+                <a:latin typeface="+mj-lt"/>
+              </a:rPr>
+              <a:t>13</a:t>
+            </a:r>
+            <a:endParaRPr lang="ru-RU" dirty="0">
+              <a:latin typeface="+mj-lt"/>
+            </a:endParaRPr>
           </a:p>
         </p:txBody>
       </p:sp>
@@ -4877,8 +5490,17 @@
               <a:rPr lang="ru-RU" dirty="0">
                 <a:latin typeface="+mj-lt"/>
               </a:rPr>
-              <a:t>4/12</a:t>
-            </a:r>
+              <a:t>4/</a:t>
+            </a:r>
+            <a:r>
+              <a:rPr lang="en-US" dirty="0">
+                <a:latin typeface="+mj-lt"/>
+              </a:rPr>
+              <a:t>13</a:t>
+            </a:r>
+            <a:endParaRPr lang="ru-RU" dirty="0">
+              <a:latin typeface="+mj-lt"/>
+            </a:endParaRPr>
           </a:p>
         </p:txBody>
       </p:sp>
@@ -5009,8 +5631,17 @@
               <a:rPr lang="ru-RU" dirty="0">
                 <a:latin typeface="+mj-lt"/>
               </a:rPr>
-              <a:t>5/12</a:t>
-            </a:r>
+              <a:t>5/</a:t>
+            </a:r>
+            <a:r>
+              <a:rPr lang="en-US" dirty="0">
+                <a:latin typeface="+mj-lt"/>
+              </a:rPr>
+              <a:t>13</a:t>
+            </a:r>
+            <a:endParaRPr lang="ru-RU" dirty="0">
+              <a:latin typeface="+mj-lt"/>
+            </a:endParaRPr>
           </a:p>
         </p:txBody>
       </p:sp>
@@ -5046,10 +5677,10 @@
       </p:grpSpPr>
       <p:sp>
         <p:nvSpPr>
-          <p:cNvPr id="7" name="TextBox 6">
-            <a:extLst>
-              <a:ext uri="{FF2B5EF4-FFF2-40B4-BE49-F238E27FC236}">
-                <a16:creationId xmlns:a16="http://schemas.microsoft.com/office/drawing/2014/main" id="{35DD053F-0AAA-BC4F-A64C-276CCF453831}"/>
+          <p:cNvPr id="2" name="TextBox 1">
+            <a:extLst>
+              <a:ext uri="{FF2B5EF4-FFF2-40B4-BE49-F238E27FC236}">
+                <a16:creationId xmlns:a16="http://schemas.microsoft.com/office/drawing/2014/main" id="{91D4B558-D3BB-4341-9128-BD42C882ACAA}"/>
               </a:ext>
             </a:extLst>
           </p:cNvPr>
@@ -5059,7 +5690,7 @@
         <p:spPr>
           <a:xfrm>
             <a:off x="381000" y="152068"/>
-            <a:ext cx="4727576" cy="769441"/>
+            <a:ext cx="4289957" cy="769441"/>
           </a:xfrm>
           <a:prstGeom prst="rect">
             <a:avLst/>
@@ -5076,53 +5707,17 @@
               <a:rPr lang="ru-RU" sz="4400" dirty="0">
                 <a:latin typeface="+mj-lt"/>
               </a:rPr>
-              <a:t>Диаграмма метода</a:t>
-            </a:r>
-          </a:p>
-        </p:txBody>
-      </p:sp>
-      <p:sp>
-        <p:nvSpPr>
-          <p:cNvPr id="8" name="Прямоугольник 7">
-            <a:extLst>
-              <a:ext uri="{FF2B5EF4-FFF2-40B4-BE49-F238E27FC236}">
-                <a16:creationId xmlns:a16="http://schemas.microsoft.com/office/drawing/2014/main" id="{0FA7AF04-547A-CE46-8D85-17B0C6571A51}"/>
-              </a:ext>
-            </a:extLst>
-          </p:cNvPr>
-          <p:cNvSpPr/>
-          <p:nvPr/>
-        </p:nvSpPr>
-        <p:spPr>
-          <a:xfrm>
-            <a:off x="11474005" y="6473428"/>
-            <a:ext cx="619080" cy="369332"/>
-          </a:xfrm>
-          <a:prstGeom prst="rect">
-            <a:avLst/>
-          </a:prstGeom>
-        </p:spPr>
-        <p:txBody>
-          <a:bodyPr wrap="none">
-            <a:spAutoFit/>
-          </a:bodyPr>
-          <a:lstStyle/>
-          <a:p>
-            <a:r>
-              <a:rPr lang="ru-RU" dirty="0">
-                <a:latin typeface="+mj-lt"/>
-              </a:rPr>
-              <a:t>7/12</a:t>
+              <a:t>Описание задачи</a:t>
             </a:r>
           </a:p>
         </p:txBody>
       </p:sp>
       <p:pic>
         <p:nvPicPr>
-          <p:cNvPr id="10" name="Рисунок 9">
-            <a:extLst>
-              <a:ext uri="{FF2B5EF4-FFF2-40B4-BE49-F238E27FC236}">
-                <a16:creationId xmlns:a16="http://schemas.microsoft.com/office/drawing/2014/main" id="{6E34367C-877D-5C45-BDC9-46B223ECCED9}"/>
+          <p:cNvPr id="4" name="Рисунок 3">
+            <a:extLst>
+              <a:ext uri="{FF2B5EF4-FFF2-40B4-BE49-F238E27FC236}">
+                <a16:creationId xmlns:a16="http://schemas.microsoft.com/office/drawing/2014/main" id="{7614DAE7-5BE6-2E41-8A8A-AC4D0246CCB0}"/>
               </a:ext>
             </a:extLst>
           </p:cNvPr>
@@ -5139,18 +5734,109 @@
         </p:blipFill>
         <p:spPr>
           <a:xfrm>
-            <a:off x="381000" y="921509"/>
-            <a:ext cx="10463214" cy="5875739"/>
+            <a:off x="1509713" y="1085262"/>
+            <a:ext cx="8205788" cy="4687475"/>
           </a:xfrm>
           <a:prstGeom prst="rect">
             <a:avLst/>
           </a:prstGeom>
         </p:spPr>
       </p:pic>
+      <p:sp>
+        <p:nvSpPr>
+          <p:cNvPr id="5" name="TextBox 4">
+            <a:extLst>
+              <a:ext uri="{FF2B5EF4-FFF2-40B4-BE49-F238E27FC236}">
+                <a16:creationId xmlns:a16="http://schemas.microsoft.com/office/drawing/2014/main" id="{7C537454-86C1-5046-B81B-F7F51DFFF097}"/>
+              </a:ext>
+            </a:extLst>
+          </p:cNvPr>
+          <p:cNvSpPr txBox="1"/>
+          <p:nvPr/>
+        </p:nvSpPr>
+        <p:spPr>
+          <a:xfrm>
+            <a:off x="4496340" y="5936490"/>
+            <a:ext cx="2232534" cy="307777"/>
+          </a:xfrm>
+          <a:prstGeom prst="rect">
+            <a:avLst/>
+          </a:prstGeom>
+          <a:noFill/>
+        </p:spPr>
+        <p:txBody>
+          <a:bodyPr wrap="none" rtlCol="0">
+            <a:spAutoFit/>
+          </a:bodyPr>
+          <a:lstStyle/>
+          <a:p>
+            <a:r>
+              <a:rPr lang="ru-RU" sz="1400" dirty="0"/>
+              <a:t>Изображение из работы </a:t>
+            </a:r>
+            <a:r>
+              <a:rPr lang="en-US" sz="1400" dirty="0"/>
+              <a:t>//</a:t>
+            </a:r>
+            <a:endParaRPr lang="ru-RU" sz="1400" dirty="0"/>
+          </a:p>
+        </p:txBody>
+      </p:sp>
+      <p:sp>
+        <p:nvSpPr>
+          <p:cNvPr id="6" name="Прямоугольник 5">
+            <a:extLst>
+              <a:ext uri="{FF2B5EF4-FFF2-40B4-BE49-F238E27FC236}">
+                <a16:creationId xmlns:a16="http://schemas.microsoft.com/office/drawing/2014/main" id="{07D85D37-457D-7044-966E-98BE6103F9E3}"/>
+              </a:ext>
+            </a:extLst>
+          </p:cNvPr>
+          <p:cNvSpPr/>
+          <p:nvPr/>
+        </p:nvSpPr>
+        <p:spPr>
+          <a:xfrm>
+            <a:off x="11474005" y="6473428"/>
+            <a:ext cx="619080" cy="369332"/>
+          </a:xfrm>
+          <a:prstGeom prst="rect">
+            <a:avLst/>
+          </a:prstGeom>
+        </p:spPr>
+        <p:txBody>
+          <a:bodyPr wrap="none">
+            <a:spAutoFit/>
+          </a:bodyPr>
+          <a:lstStyle/>
+          <a:p>
+            <a:r>
+              <a:rPr lang="en-US" dirty="0">
+                <a:latin typeface="+mj-lt"/>
+              </a:rPr>
+              <a:t>6</a:t>
+            </a:r>
+            <a:r>
+              <a:rPr lang="ru-RU" dirty="0">
+                <a:latin typeface="+mj-lt"/>
+              </a:rPr>
+              <a:t>/</a:t>
+            </a:r>
+            <a:r>
+              <a:rPr lang="en-US" dirty="0">
+                <a:latin typeface="+mj-lt"/>
+              </a:rPr>
+              <a:t>13</a:t>
+            </a:r>
+            <a:endParaRPr lang="ru-RU" dirty="0">
+              <a:latin typeface="+mj-lt"/>
+            </a:endParaRPr>
+          </a:p>
+        </p:txBody>
+      </p:sp>
     </p:spTree>
     <p:extLst>
       <p:ext uri="{BB962C8B-B14F-4D97-AF65-F5344CB8AC3E}">
-        <p14:creationId xmlns:p14="http://schemas.microsoft.com/office/powerpoint/2010/main" val="3517602289"/>
+        <p14:creationId xmlns:p14="http://schemas.microsoft.com/office/powerpoint/2010/main" val="3154722027"/>
       </p:ext>
     </p:extLst>
   </p:cSld>
@@ -5245,17 +5931,26 @@
               <a:rPr lang="ru-RU" dirty="0">
                 <a:latin typeface="+mj-lt"/>
               </a:rPr>
-              <a:t>7/12</a:t>
-            </a:r>
+              <a:t>7/</a:t>
+            </a:r>
+            <a:r>
+              <a:rPr lang="en-US" dirty="0">
+                <a:latin typeface="+mj-lt"/>
+              </a:rPr>
+              <a:t>13</a:t>
+            </a:r>
+            <a:endParaRPr lang="ru-RU" dirty="0">
+              <a:latin typeface="+mj-lt"/>
+            </a:endParaRPr>
           </a:p>
         </p:txBody>
       </p:sp>
       <p:pic>
         <p:nvPicPr>
-          <p:cNvPr id="3" name="Рисунок 2">
-            <a:extLst>
-              <a:ext uri="{FF2B5EF4-FFF2-40B4-BE49-F238E27FC236}">
-                <a16:creationId xmlns:a16="http://schemas.microsoft.com/office/drawing/2014/main" id="{E70E98FC-20D8-CD4A-B3A6-40CA5844BCB8}"/>
+          <p:cNvPr id="10" name="Рисунок 9">
+            <a:extLst>
+              <a:ext uri="{FF2B5EF4-FFF2-40B4-BE49-F238E27FC236}">
+                <a16:creationId xmlns:a16="http://schemas.microsoft.com/office/drawing/2014/main" id="{6E34367C-877D-5C45-BDC9-46B223ECCED9}"/>
               </a:ext>
             </a:extLst>
           </p:cNvPr>
@@ -5272,8 +5967,8 @@
         </p:blipFill>
         <p:spPr>
           <a:xfrm>
-            <a:off x="380999" y="921508"/>
-            <a:ext cx="10463213" cy="5891449"/>
+            <a:off x="381000" y="921509"/>
+            <a:ext cx="10463214" cy="5875739"/>
           </a:xfrm>
           <a:prstGeom prst="rect">
             <a:avLst/>
@@ -5283,7 +5978,7 @@
     </p:spTree>
     <p:extLst>
       <p:ext uri="{BB962C8B-B14F-4D97-AF65-F5344CB8AC3E}">
-        <p14:creationId xmlns:p14="http://schemas.microsoft.com/office/powerpoint/2010/main" val="1351448177"/>
+        <p14:creationId xmlns:p14="http://schemas.microsoft.com/office/powerpoint/2010/main" val="3517602289"/>
       </p:ext>
     </p:extLst>
   </p:cSld>
@@ -5312,24 +6007,61 @@
       </p:grpSpPr>
       <p:sp>
         <p:nvSpPr>
-          <p:cNvPr id="2" name="Прямоугольник 1">
-            <a:extLst>
-              <a:ext uri="{FF2B5EF4-FFF2-40B4-BE49-F238E27FC236}">
-                <a16:creationId xmlns:a16="http://schemas.microsoft.com/office/drawing/2014/main" id="{3AA8A436-ACA5-413E-ADC2-4FF239D6271B}"/>
-              </a:ext>
-            </a:extLst>
-          </p:cNvPr>
-          <p:cNvSpPr/>
+          <p:cNvPr id="7" name="TextBox 6">
+            <a:extLst>
+              <a:ext uri="{FF2B5EF4-FFF2-40B4-BE49-F238E27FC236}">
+                <a16:creationId xmlns:a16="http://schemas.microsoft.com/office/drawing/2014/main" id="{35DD053F-0AAA-BC4F-A64C-276CCF453831}"/>
+              </a:ext>
+            </a:extLst>
+          </p:cNvPr>
+          <p:cNvSpPr txBox="1"/>
           <p:nvPr/>
         </p:nvSpPr>
         <p:spPr>
           <a:xfrm>
-            <a:off x="360117" y="243226"/>
-            <a:ext cx="7935186" cy="769441"/>
+            <a:off x="381000" y="152068"/>
+            <a:ext cx="4727576" cy="769441"/>
           </a:xfrm>
           <a:prstGeom prst="rect">
             <a:avLst/>
           </a:prstGeom>
+          <a:noFill/>
+        </p:spPr>
+        <p:txBody>
+          <a:bodyPr wrap="none" rtlCol="0">
+            <a:spAutoFit/>
+          </a:bodyPr>
+          <a:lstStyle/>
+          <a:p>
+            <a:r>
+              <a:rPr lang="ru-RU" sz="4400" dirty="0">
+                <a:latin typeface="+mj-lt"/>
+              </a:rPr>
+              <a:t>Диаграмма метода</a:t>
+            </a:r>
+          </a:p>
+        </p:txBody>
+      </p:sp>
+      <p:sp>
+        <p:nvSpPr>
+          <p:cNvPr id="8" name="Прямоугольник 7">
+            <a:extLst>
+              <a:ext uri="{FF2B5EF4-FFF2-40B4-BE49-F238E27FC236}">
+                <a16:creationId xmlns:a16="http://schemas.microsoft.com/office/drawing/2014/main" id="{0FA7AF04-547A-CE46-8D85-17B0C6571A51}"/>
+              </a:ext>
+            </a:extLst>
+          </p:cNvPr>
+          <p:cNvSpPr/>
+          <p:nvPr/>
+        </p:nvSpPr>
+        <p:spPr>
+          <a:xfrm>
+            <a:off x="11474005" y="6473428"/>
+            <a:ext cx="619080" cy="369332"/>
+          </a:xfrm>
+          <a:prstGeom prst="rect">
+            <a:avLst/>
+          </a:prstGeom>
         </p:spPr>
         <p:txBody>
           <a:bodyPr wrap="none">
@@ -5338,54 +6070,63 @@
           <a:lstStyle/>
           <a:p>
             <a:r>
-              <a:rPr lang="ru-RU" sz="4400" dirty="0">
-                <a:latin typeface="+mj-lt"/>
-              </a:rPr>
-              <a:t>Структура ПО // Стек разработки</a:t>
-            </a:r>
-          </a:p>
-        </p:txBody>
-      </p:sp>
-      <p:sp>
-        <p:nvSpPr>
-          <p:cNvPr id="3" name="Прямоугольник 2">
-            <a:extLst>
-              <a:ext uri="{FF2B5EF4-FFF2-40B4-BE49-F238E27FC236}">
-                <a16:creationId xmlns:a16="http://schemas.microsoft.com/office/drawing/2014/main" id="{1AF6596F-B40F-024C-9161-43EC806B6C1E}"/>
-              </a:ext>
-            </a:extLst>
-          </p:cNvPr>
-          <p:cNvSpPr/>
+              <a:rPr lang="en-US" dirty="0">
+                <a:latin typeface="+mj-lt"/>
+              </a:rPr>
+              <a:t>8</a:t>
+            </a:r>
+            <a:r>
+              <a:rPr lang="ru-RU" dirty="0">
+                <a:latin typeface="+mj-lt"/>
+              </a:rPr>
+              <a:t>/</a:t>
+            </a:r>
+            <a:r>
+              <a:rPr lang="en-US" dirty="0">
+                <a:latin typeface="+mj-lt"/>
+              </a:rPr>
+              <a:t>13</a:t>
+            </a:r>
+            <a:endParaRPr lang="ru-RU" dirty="0">
+              <a:latin typeface="+mj-lt"/>
+            </a:endParaRPr>
+          </a:p>
+        </p:txBody>
+      </p:sp>
+      <p:pic>
+        <p:nvPicPr>
+          <p:cNvPr id="3" name="Рисунок 2">
+            <a:extLst>
+              <a:ext uri="{FF2B5EF4-FFF2-40B4-BE49-F238E27FC236}">
+                <a16:creationId xmlns:a16="http://schemas.microsoft.com/office/drawing/2014/main" id="{E70E98FC-20D8-CD4A-B3A6-40CA5844BCB8}"/>
+              </a:ext>
+            </a:extLst>
+          </p:cNvPr>
+          <p:cNvPicPr>
+            <a:picLocks noChangeAspect="1"/>
+          </p:cNvPicPr>
           <p:nvPr/>
-        </p:nvSpPr>
-        <p:spPr>
-          <a:xfrm>
-            <a:off x="11474005" y="6473428"/>
-            <a:ext cx="619080" cy="369332"/>
+        </p:nvPicPr>
+        <p:blipFill>
+          <a:blip r:embed="rId2"/>
+          <a:stretch>
+            <a:fillRect/>
+          </a:stretch>
+        </p:blipFill>
+        <p:spPr>
+          <a:xfrm>
+            <a:off x="380999" y="921508"/>
+            <a:ext cx="10463213" cy="5891449"/>
           </a:xfrm>
           <a:prstGeom prst="rect">
             <a:avLst/>
           </a:prstGeom>
         </p:spPr>
-        <p:txBody>
-          <a:bodyPr wrap="none">
-            <a:spAutoFit/>
-          </a:bodyPr>
-          <a:lstStyle/>
-          <a:p>
-            <a:r>
-              <a:rPr lang="ru-RU" dirty="0">
-                <a:latin typeface="+mj-lt"/>
-              </a:rPr>
-              <a:t>8/12</a:t>
-            </a:r>
-          </a:p>
-        </p:txBody>
-      </p:sp>
+      </p:pic>
     </p:spTree>
     <p:extLst>
       <p:ext uri="{BB962C8B-B14F-4D97-AF65-F5344CB8AC3E}">
-        <p14:creationId xmlns:p14="http://schemas.microsoft.com/office/powerpoint/2010/main" val="2084327567"/>
+        <p14:creationId xmlns:p14="http://schemas.microsoft.com/office/powerpoint/2010/main" val="1351448177"/>
       </p:ext>
     </p:extLst>
   </p:cSld>
@@ -5417,7 +6158,7 @@
           <p:cNvPr id="2" name="Прямоугольник 1">
             <a:extLst>
               <a:ext uri="{FF2B5EF4-FFF2-40B4-BE49-F238E27FC236}">
-                <a16:creationId xmlns:a16="http://schemas.microsoft.com/office/drawing/2014/main" id="{876FD713-ADFF-4269-ADFD-4A23467C1DEC}"/>
+                <a16:creationId xmlns:a16="http://schemas.microsoft.com/office/drawing/2014/main" id="{3AA8A436-ACA5-413E-ADC2-4FF239D6271B}"/>
               </a:ext>
             </a:extLst>
           </p:cNvPr>
@@ -5426,8 +6167,8 @@
         </p:nvSpPr>
         <p:spPr>
           <a:xfrm>
-            <a:off x="378437" y="181094"/>
-            <a:ext cx="1981633" cy="769441"/>
+            <a:off x="360117" y="243226"/>
+            <a:ext cx="4687502" cy="769441"/>
           </a:xfrm>
           <a:prstGeom prst="rect">
             <a:avLst/>
@@ -5443,7 +6184,7 @@
               <a:rPr lang="ru-RU" sz="4400" dirty="0">
                 <a:latin typeface="+mj-lt"/>
               </a:rPr>
-              <a:t>Оценки</a:t>
+              <a:t>Список технологий</a:t>
             </a:r>
           </a:p>
         </p:txBody>
@@ -5453,7 +6194,7 @@
           <p:cNvPr id="3" name="Прямоугольник 2">
             <a:extLst>
               <a:ext uri="{FF2B5EF4-FFF2-40B4-BE49-F238E27FC236}">
-                <a16:creationId xmlns:a16="http://schemas.microsoft.com/office/drawing/2014/main" id="{FA66E5F4-DA94-D948-8B6F-81A9D8692481}"/>
+                <a16:creationId xmlns:a16="http://schemas.microsoft.com/office/drawing/2014/main" id="{1AF6596F-B40F-024C-9161-43EC806B6C1E}"/>
               </a:ext>
             </a:extLst>
           </p:cNvPr>
@@ -5476,10 +6217,150 @@
           <a:lstStyle/>
           <a:p>
             <a:r>
+              <a:rPr lang="en-US" dirty="0">
+                <a:latin typeface="+mj-lt"/>
+              </a:rPr>
+              <a:t>9</a:t>
+            </a:r>
+            <a:r>
               <a:rPr lang="ru-RU" dirty="0">
                 <a:latin typeface="+mj-lt"/>
               </a:rPr>
-              <a:t>9/12</a:t>
+              <a:t>/</a:t>
+            </a:r>
+            <a:r>
+              <a:rPr lang="en-US" dirty="0">
+                <a:latin typeface="+mj-lt"/>
+              </a:rPr>
+              <a:t>13</a:t>
+            </a:r>
+            <a:endParaRPr lang="ru-RU" dirty="0">
+              <a:latin typeface="+mj-lt"/>
+            </a:endParaRPr>
+          </a:p>
+        </p:txBody>
+      </p:sp>
+      <p:sp>
+        <p:nvSpPr>
+          <p:cNvPr id="4" name="TextBox 3">
+            <a:extLst>
+              <a:ext uri="{FF2B5EF4-FFF2-40B4-BE49-F238E27FC236}">
+                <a16:creationId xmlns:a16="http://schemas.microsoft.com/office/drawing/2014/main" id="{E66FEAC4-A7B3-774D-A21B-30397A67B589}"/>
+              </a:ext>
+            </a:extLst>
+          </p:cNvPr>
+          <p:cNvSpPr txBox="1"/>
+          <p:nvPr/>
+        </p:nvSpPr>
+        <p:spPr>
+          <a:xfrm>
+            <a:off x="1759744" y="1905506"/>
+            <a:ext cx="9101138" cy="3046988"/>
+          </a:xfrm>
+          <a:prstGeom prst="rect">
+            <a:avLst/>
+          </a:prstGeom>
+          <a:noFill/>
+        </p:spPr>
+        <p:txBody>
+          <a:bodyPr wrap="square" rtlCol="0">
+            <a:spAutoFit/>
+          </a:bodyPr>
+          <a:lstStyle/>
+          <a:p>
+            <a:r>
+              <a:rPr lang="en-US" sz="3200" dirty="0">
+                <a:latin typeface="+mj-lt"/>
+              </a:rPr>
+              <a:t>Python3 – </a:t>
+            </a:r>
+            <a:r>
+              <a:rPr lang="ru-RU" sz="3200" dirty="0">
+                <a:latin typeface="+mj-lt"/>
+              </a:rPr>
+              <a:t>основной язык программирования</a:t>
+            </a:r>
+          </a:p>
+          <a:p>
+            <a:r>
+              <a:rPr lang="en-US" sz="3200" dirty="0">
+                <a:latin typeface="+mj-lt"/>
+              </a:rPr>
+              <a:t>SQLite</a:t>
+            </a:r>
+            <a:r>
+              <a:rPr lang="ru-RU" sz="3200" dirty="0">
+                <a:latin typeface="+mj-lt"/>
+              </a:rPr>
+              <a:t> – база данных</a:t>
+            </a:r>
+          </a:p>
+          <a:p>
+            <a:r>
+              <a:rPr lang="en" sz="3200" dirty="0">
+                <a:latin typeface="+mj-lt"/>
+              </a:rPr>
+              <a:t>Beautifulsoup – </a:t>
+            </a:r>
+            <a:r>
+              <a:rPr lang="ru-RU" sz="3200" dirty="0">
+                <a:latin typeface="+mj-lt"/>
+              </a:rPr>
+              <a:t>для работы с </a:t>
+            </a:r>
+            <a:r>
+              <a:rPr lang="en-US" sz="3200" dirty="0">
+                <a:latin typeface="+mj-lt"/>
+              </a:rPr>
+              <a:t>html </a:t>
+            </a:r>
+            <a:r>
+              <a:rPr lang="ru-RU" sz="3200" dirty="0">
+                <a:latin typeface="+mj-lt"/>
+              </a:rPr>
+              <a:t>файлами</a:t>
+            </a:r>
+          </a:p>
+          <a:p>
+            <a:r>
+              <a:rPr lang="en-US" sz="3200" dirty="0">
+                <a:latin typeface="+mj-lt"/>
+              </a:rPr>
+              <a:t>Pymystem3 – </a:t>
+            </a:r>
+            <a:r>
+              <a:rPr lang="ru-RU" sz="3200" dirty="0">
+                <a:latin typeface="+mj-lt"/>
+              </a:rPr>
+              <a:t>для лемматизации текстов</a:t>
+            </a:r>
+          </a:p>
+          <a:p>
+            <a:r>
+              <a:rPr lang="en-US" sz="3200" dirty="0">
+                <a:latin typeface="+mj-lt"/>
+              </a:rPr>
+              <a:t>BigARTM – </a:t>
+            </a:r>
+            <a:r>
+              <a:rPr lang="ru-RU" sz="3200" dirty="0">
+                <a:latin typeface="+mj-lt"/>
+              </a:rPr>
+              <a:t>реализация базового алгоритма</a:t>
+            </a:r>
+          </a:p>
+          <a:p>
+            <a:r>
+              <a:rPr lang="en-US" sz="3200" dirty="0">
+                <a:latin typeface="+mj-lt"/>
+              </a:rPr>
+              <a:t>Matplotlib – </a:t>
+            </a:r>
+            <a:r>
+              <a:rPr lang="ru-RU" sz="3200" dirty="0">
+                <a:latin typeface="+mj-lt"/>
+              </a:rPr>
+              <a:t>для визуализации метрик модели</a:t>
             </a:r>
           </a:p>
         </p:txBody>
@@ -5487,7 +6368,7 @@
     </p:spTree>
     <p:extLst>
       <p:ext uri="{BB962C8B-B14F-4D97-AF65-F5344CB8AC3E}">
-        <p14:creationId xmlns:p14="http://schemas.microsoft.com/office/powerpoint/2010/main" val="3327052630"/>
+        <p14:creationId xmlns:p14="http://schemas.microsoft.com/office/powerpoint/2010/main" val="2084327567"/>
       </p:ext>
     </p:extLst>
   </p:cSld>
@@ -5790,4 +6671,299 @@
     </a:ext>
   </a:extLst>
 </a:theme>
+</file>
+
+<file path=ppt/theme/theme2.xml><?xml version="1.0" encoding="utf-8"?>
+<a:theme xmlns:a="http://schemas.openxmlformats.org/drawingml/2006/main" name="Тема Office">
+  <a:themeElements>
+    <a:clrScheme name="Стандартная">
+      <a:dk1>
+        <a:sysClr val="windowText" lastClr="000000"/>
+      </a:dk1>
+      <a:lt1>
+        <a:sysClr val="window" lastClr="FFFFFF"/>
+      </a:lt1>
+      <a:dk2>
+        <a:srgbClr val="44546A"/>
+      </a:dk2>
+      <a:lt2>
+        <a:srgbClr val="E7E6E6"/>
+      </a:lt2>
+      <a:accent1>
+        <a:srgbClr val="4472C4"/>
+      </a:accent1>
+      <a:accent2>
+        <a:srgbClr val="ED7D31"/>
+      </a:accent2>
+      <a:accent3>
+        <a:srgbClr val="A5A5A5"/>
+      </a:accent3>
+      <a:accent4>
+        <a:srgbClr val="FFC000"/>
+      </a:accent4>
+      <a:accent5>
+        <a:srgbClr val="5B9BD5"/>
+      </a:accent5>
+      <a:accent6>
+        <a:srgbClr val="70AD47"/>
+      </a:accent6>
+      <a:hlink>
+        <a:srgbClr val="0563C1"/>
+      </a:hlink>
+      <a:folHlink>
+        <a:srgbClr val="954F72"/>
+      </a:folHlink>
+    </a:clrScheme>
+    <a:fontScheme name="Стандартная">
+      <a:majorFont>
+        <a:latin typeface="Calibri Light" panose="020F0302020204030204"/>
+        <a:ea typeface=""/>
+        <a:cs typeface=""/>
+        <a:font script="Jpan" typeface="游ゴシック Light"/>
+        <a:font script="Hang" typeface="맑은 고딕"/>
+        <a:font script="Hans" typeface="等线 Light"/>
+        <a:font script="Hant" typeface="新細明體"/>
+        <a:font script="Arab" typeface="Times New Roman"/>
+        <a:font script="Hebr" typeface="Times New Roman"/>
+        <a:font script="Thai" typeface="Angsana New"/>
+        <a:font script="Ethi" typeface="Nyala"/>
+        <a:font script="Beng" typeface="Vrinda"/>
+        <a:font script="Gujr" typeface="Shruti"/>
+        <a:font script="Khmr" typeface="MoolBoran"/>
+        <a:font script="Knda" typeface="Tunga"/>
+        <a:font script="Guru" typeface="Raavi"/>
+        <a:font script="Cans" typeface="Euphemia"/>
+        <a:font script="Cher" typeface="Plantagenet Cherokee"/>
+        <a:font script="Yiii" typeface="Microsoft Yi Baiti"/>
+        <a:font script="Tibt" typeface="Microsoft Himalaya"/>
+        <a:font script="Thaa" typeface="MV Boli"/>
+        <a:font script="Deva" typeface="Mangal"/>
+        <a:font script="Telu" typeface="Gautami"/>
+        <a:font script="Taml" typeface="Latha"/>
+        <a:font script="Syrc" typeface="Estrangelo Edessa"/>
+        <a:font script="Orya" typeface="Kalinga"/>
+        <a:font script="Mlym" typeface="Kartika"/>
+        <a:font script="Laoo" typeface="DokChampa"/>
+        <a:font script="Sinh" typeface="Iskoola Pota"/>
+        <a:font script="Mong" typeface="Mongolian Baiti"/>
+        <a:font script="Viet" typeface="Times New Roman"/>
+        <a:font script="Uigh" typeface="Microsoft Uighur"/>
+        <a:font script="Geor" typeface="Sylfaen"/>
+        <a:font script="Armn" typeface="Arial"/>
+        <a:font script="Bugi" typeface="Leelawadee UI"/>
+        <a:font script="Bopo" typeface="Microsoft JhengHei"/>
+        <a:font script="Java" typeface="Javanese Text"/>
+        <a:font script="Lisu" typeface="Segoe UI"/>
+        <a:font script="Mymr" typeface="Myanmar Text"/>
+        <a:font script="Nkoo" typeface="Ebrima"/>
+        <a:font script="Olck" typeface="Nirmala UI"/>
+        <a:font script="Osma" typeface="Ebrima"/>
+        <a:font script="Phag" typeface="Phagspa"/>
+        <a:font script="Syrn" typeface="Estrangelo Edessa"/>
+        <a:font script="Syrj" typeface="Estrangelo Edessa"/>
+        <a:font script="Syre" typeface="Estrangelo Edessa"/>
+        <a:font script="Sora" typeface="Nirmala UI"/>
+        <a:font script="Tale" typeface="Microsoft Tai Le"/>
+        <a:font script="Talu" typeface="Microsoft New Tai Lue"/>
+        <a:font script="Tfng" typeface="Ebrima"/>
+      </a:majorFont>
+      <a:minorFont>
+        <a:latin typeface="Calibri" panose="020F0502020204030204"/>
+        <a:ea typeface=""/>
+        <a:cs typeface=""/>
+        <a:font script="Jpan" typeface="游ゴシック"/>
+        <a:font script="Hang" typeface="맑은 고딕"/>
+        <a:font script="Hans" typeface="等线"/>
+        <a:font script="Hant" typeface="新細明體"/>
+        <a:font script="Arab" typeface="Arial"/>
+        <a:font script="Hebr" typeface="Arial"/>
+        <a:font script="Thai" typeface="Cordia New"/>
+        <a:font script="Ethi" typeface="Nyala"/>
+        <a:font script="Beng" typeface="Vrinda"/>
+        <a:font script="Gujr" typeface="Shruti"/>
+        <a:font script="Khmr" typeface="DaunPenh"/>
+        <a:font script="Knda" typeface="Tunga"/>
+        <a:font script="Guru" typeface="Raavi"/>
+        <a:font script="Cans" typeface="Euphemia"/>
+        <a:font script="Cher" typeface="Plantagenet Cherokee"/>
+        <a:font script="Yiii" typeface="Microsoft Yi Baiti"/>
+        <a:font script="Tibt" typeface="Microsoft Himalaya"/>
+        <a:font script="Thaa" typeface="MV Boli"/>
+        <a:font script="Deva" typeface="Mangal"/>
+        <a:font script="Telu" typeface="Gautami"/>
+        <a:font script="Taml" typeface="Latha"/>
+        <a:font script="Syrc" typeface="Estrangelo Edessa"/>
+        <a:font script="Orya" typeface="Kalinga"/>
+        <a:font script="Mlym" typeface="Kartika"/>
+        <a:font script="Laoo" typeface="DokChampa"/>
+        <a:font script="Sinh" typeface="Iskoola Pota"/>
+        <a:font script="Mong" typeface="Mongolian Baiti"/>
+        <a:font script="Viet" typeface="Arial"/>
+        <a:font script="Uigh" typeface="Microsoft Uighur"/>
+        <a:font script="Geor" typeface="Sylfaen"/>
+        <a:font script="Armn" typeface="Arial"/>
+        <a:font script="Bugi" typeface="Leelawadee UI"/>
+        <a:font script="Bopo" typeface="Microsoft JhengHei"/>
+        <a:font script="Java" typeface="Javanese Text"/>
+        <a:font script="Lisu" typeface="Segoe UI"/>
+        <a:font script="Mymr" typeface="Myanmar Text"/>
+        <a:font script="Nkoo" typeface="Ebrima"/>
+        <a:font script="Olck" typeface="Nirmala UI"/>
+        <a:font script="Osma" typeface="Ebrima"/>
+        <a:font script="Phag" typeface="Phagspa"/>
+        <a:font script="Syrn" typeface="Estrangelo Edessa"/>
+        <a:font script="Syrj" typeface="Estrangelo Edessa"/>
+        <a:font script="Syre" typeface="Estrangelo Edessa"/>
+        <a:font script="Sora" typeface="Nirmala UI"/>
+        <a:font script="Tale" typeface="Microsoft Tai Le"/>
+        <a:font script="Talu" typeface="Microsoft New Tai Lue"/>
+        <a:font script="Tfng" typeface="Ebrima"/>
+      </a:minorFont>
+    </a:fontScheme>
+    <a:fmtScheme name="Стандартная">
+      <a:fillStyleLst>
+        <a:solidFill>
+          <a:schemeClr val="phClr"/>
+        </a:solidFill>
+        <a:gradFill rotWithShape="1">
+          <a:gsLst>
+            <a:gs pos="0">
+              <a:schemeClr val="phClr">
+                <a:lumMod val="110000"/>
+                <a:satMod val="105000"/>
+                <a:tint val="67000"/>
+              </a:schemeClr>
+            </a:gs>
+            <a:gs pos="50000">
+              <a:schemeClr val="phClr">
+                <a:lumMod val="105000"/>
+                <a:satMod val="103000"/>
+                <a:tint val="73000"/>
+              </a:schemeClr>
+            </a:gs>
+            <a:gs pos="100000">
+              <a:schemeClr val="phClr">
+                <a:lumMod val="105000"/>
+                <a:satMod val="109000"/>
+                <a:tint val="81000"/>
+              </a:schemeClr>
+            </a:gs>
+          </a:gsLst>
+          <a:lin ang="5400000" scaled="0"/>
+        </a:gradFill>
+        <a:gradFill rotWithShape="1">
+          <a:gsLst>
+            <a:gs pos="0">
+              <a:schemeClr val="phClr">
+                <a:satMod val="103000"/>
+                <a:lumMod val="102000"/>
+                <a:tint val="94000"/>
+              </a:schemeClr>
+            </a:gs>
+            <a:gs pos="50000">
+              <a:schemeClr val="phClr">
+                <a:satMod val="110000"/>
+                <a:lumMod val="100000"/>
+                <a:shade val="100000"/>
+              </a:schemeClr>
+            </a:gs>
+            <a:gs pos="100000">
+              <a:schemeClr val="phClr">
+                <a:lumMod val="99000"/>
+                <a:satMod val="120000"/>
+                <a:shade val="78000"/>
+              </a:schemeClr>
+            </a:gs>
+          </a:gsLst>
+          <a:lin ang="5400000" scaled="0"/>
+        </a:gradFill>
+      </a:fillStyleLst>
+      <a:lnStyleLst>
+        <a:ln w="6350" cap="flat" cmpd="sng" algn="ctr">
+          <a:solidFill>
+            <a:schemeClr val="phClr"/>
+          </a:solidFill>
+          <a:prstDash val="solid"/>
+          <a:miter lim="800000"/>
+        </a:ln>
+        <a:ln w="12700" cap="flat" cmpd="sng" algn="ctr">
+          <a:solidFill>
+            <a:schemeClr val="phClr"/>
+          </a:solidFill>
+          <a:prstDash val="solid"/>
+          <a:miter lim="800000"/>
+        </a:ln>
+        <a:ln w="19050" cap="flat" cmpd="sng" algn="ctr">
+          <a:solidFill>
+            <a:schemeClr val="phClr"/>
+          </a:solidFill>
+          <a:prstDash val="solid"/>
+          <a:miter lim="800000"/>
+        </a:ln>
+      </a:lnStyleLst>
+      <a:effectStyleLst>
+        <a:effectStyle>
+          <a:effectLst/>
+        </a:effectStyle>
+        <a:effectStyle>
+          <a:effectLst/>
+        </a:effectStyle>
+        <a:effectStyle>
+          <a:effectLst>
+            <a:outerShdw blurRad="57150" dist="19050" dir="5400000" algn="ctr" rotWithShape="0">
+              <a:srgbClr val="000000">
+                <a:alpha val="63000"/>
+              </a:srgbClr>
+            </a:outerShdw>
+          </a:effectLst>
+        </a:effectStyle>
+      </a:effectStyleLst>
+      <a:bgFillStyleLst>
+        <a:solidFill>
+          <a:schemeClr val="phClr"/>
+        </a:solidFill>
+        <a:solidFill>
+          <a:schemeClr val="phClr">
+            <a:tint val="95000"/>
+            <a:satMod val="170000"/>
+          </a:schemeClr>
+        </a:solidFill>
+        <a:gradFill rotWithShape="1">
+          <a:gsLst>
+            <a:gs pos="0">
+              <a:schemeClr val="phClr">
+                <a:tint val="93000"/>
+                <a:satMod val="150000"/>
+                <a:shade val="98000"/>
+                <a:lumMod val="102000"/>
+              </a:schemeClr>
+            </a:gs>
+            <a:gs pos="50000">
+              <a:schemeClr val="phClr">
+                <a:tint val="98000"/>
+                <a:satMod val="130000"/>
+                <a:shade val="90000"/>
+                <a:lumMod val="103000"/>
+              </a:schemeClr>
+            </a:gs>
+            <a:gs pos="100000">
+              <a:schemeClr val="phClr">
+                <a:shade val="63000"/>
+                <a:satMod val="120000"/>
+              </a:schemeClr>
+            </a:gs>
+          </a:gsLst>
+          <a:lin ang="5400000" scaled="0"/>
+        </a:gradFill>
+      </a:bgFillStyleLst>
+    </a:fmtScheme>
+  </a:themeElements>
+  <a:objectDefaults/>
+  <a:extraClrSchemeLst/>
+  <a:extLst>
+    <a:ext uri="{05A4C25C-085E-4340-85A3-A5531E510DB2}">
+      <thm15:themeFamily xmlns:thm15="http://schemas.microsoft.com/office/thememl/2012/main" name="Office Theme" id="{62F939B6-93AF-4DB8-9C6B-D6C7DFDC589F}" vid="{4A3C46E8-61CC-4603-A589-7422A47A8E4A}"/>
+    </a:ext>
+  </a:extLst>
+</a:theme>
 </file>
--- a/presentation/presentation.pptx
+++ b/presentation/presentation.pptx
@@ -5,7 +5,7 @@
     <p:sldMasterId id="2147483648" r:id="rId1"/>
   </p:sldMasterIdLst>
   <p:notesMasterIdLst>
-    <p:notesMasterId r:id="rId15"/>
+    <p:notesMasterId r:id="rId17"/>
   </p:notesMasterIdLst>
   <p:sldIdLst>
     <p:sldId id="256" r:id="rId2"/>
@@ -20,7 +20,9 @@
     <p:sldId id="273" r:id="rId11"/>
     <p:sldId id="270" r:id="rId12"/>
     <p:sldId id="274" r:id="rId13"/>
-    <p:sldId id="265" r:id="rId14"/>
+    <p:sldId id="280" r:id="rId14"/>
+    <p:sldId id="279" r:id="rId15"/>
+    <p:sldId id="265" r:id="rId16"/>
   </p:sldIdLst>
   <p:sldSz cx="12192000" cy="6858000"/>
   <p:notesSz cx="6858000" cy="9144000"/>
@@ -136,6 +138,8 @@
             <p14:sldId id="273"/>
             <p14:sldId id="270"/>
             <p14:sldId id="274"/>
+            <p14:sldId id="280"/>
+            <p14:sldId id="279"/>
             <p14:sldId id="265"/>
           </p14:sldIdLst>
         </p14:section>
@@ -4273,11 +4277,14 @@
               <a:rPr lang="en-US" dirty="0">
                 <a:latin typeface="+mj-lt"/>
               </a:rPr>
-              <a:t>13</a:t>
-            </a:r>
-            <a:endParaRPr lang="ru-RU" dirty="0">
-              <a:latin typeface="+mj-lt"/>
-            </a:endParaRPr>
+              <a:t>1</a:t>
+            </a:r>
+            <a:r>
+              <a:rPr lang="ru-RU" dirty="0">
+                <a:latin typeface="+mj-lt"/>
+              </a:rPr>
+              <a:t>5</a:t>
+            </a:r>
           </a:p>
         </p:txBody>
       </p:sp>
@@ -4313,7 +4320,7 @@
               <a:rPr lang="ru-RU" sz="2400" dirty="0">
                 <a:latin typeface="+mj-lt"/>
               </a:rPr>
-              <a:t>Для оценки модели была реализован функционал, выводящий всю необходимую статистику в графическом представлении.</a:t>
+              <a:t>Для оценки модели была реализован функционал, выводящий всю необходимую статистику в удобном графическом представлении.</a:t>
             </a:r>
           </a:p>
         </p:txBody>
@@ -4406,27 +4413,57 @@
           <a:chExt cx="0" cy="0"/>
         </a:xfrm>
       </p:grpSpPr>
-      <p:sp>
-        <p:nvSpPr>
-          <p:cNvPr id="3" name="Прямоугольник 2">
-            <a:extLst>
-              <a:ext uri="{FF2B5EF4-FFF2-40B4-BE49-F238E27FC236}">
-                <a16:creationId xmlns:a16="http://schemas.microsoft.com/office/drawing/2014/main" id="{5EDAA192-3B5F-4EAA-92D4-557BC9227285}"/>
-              </a:ext>
-            </a:extLst>
-          </p:cNvPr>
-          <p:cNvSpPr/>
+      <p:pic>
+        <p:nvPicPr>
+          <p:cNvPr id="7" name="Рисунок 6">
+            <a:extLst>
+              <a:ext uri="{FF2B5EF4-FFF2-40B4-BE49-F238E27FC236}">
+                <a16:creationId xmlns:a16="http://schemas.microsoft.com/office/drawing/2014/main" id="{6616966A-807D-9544-9317-28AB4CDC601A}"/>
+              </a:ext>
+            </a:extLst>
+          </p:cNvPr>
+          <p:cNvPicPr>
+            <a:picLocks noChangeAspect="1"/>
+          </p:cNvPicPr>
           <p:nvPr/>
-        </p:nvSpPr>
-        <p:spPr>
-          <a:xfrm>
-            <a:off x="257669" y="238749"/>
-            <a:ext cx="1875835" cy="523220"/>
+        </p:nvPicPr>
+        <p:blipFill>
+          <a:blip r:embed="rId2"/>
+          <a:stretch>
+            <a:fillRect/>
+          </a:stretch>
+        </p:blipFill>
+        <p:spPr>
+          <a:xfrm>
+            <a:off x="-91743" y="238749"/>
+            <a:ext cx="12375485" cy="8745147"/>
           </a:xfrm>
           <a:prstGeom prst="rect">
             <a:avLst/>
           </a:prstGeom>
         </p:spPr>
+      </p:pic>
+      <p:sp>
+        <p:nvSpPr>
+          <p:cNvPr id="3" name="Прямоугольник 2">
+            <a:extLst>
+              <a:ext uri="{FF2B5EF4-FFF2-40B4-BE49-F238E27FC236}">
+                <a16:creationId xmlns:a16="http://schemas.microsoft.com/office/drawing/2014/main" id="{5EDAA192-3B5F-4EAA-92D4-557BC9227285}"/>
+              </a:ext>
+            </a:extLst>
+          </p:cNvPr>
+          <p:cNvSpPr/>
+          <p:nvPr/>
+        </p:nvSpPr>
+        <p:spPr>
+          <a:xfrm>
+            <a:off x="257669" y="238749"/>
+            <a:ext cx="2353529" cy="523220"/>
+          </a:xfrm>
+          <a:prstGeom prst="rect">
+            <a:avLst/>
+          </a:prstGeom>
+        </p:spPr>
         <p:txBody>
           <a:bodyPr wrap="none">
             <a:spAutoFit/>
@@ -4437,7 +4474,7 @@
               <a:rPr lang="ru-RU" sz="2800" dirty="0">
                 <a:latin typeface="+mj-lt"/>
               </a:rPr>
-              <a:t>Результаты</a:t>
+              <a:t>Исследование</a:t>
             </a:r>
           </a:p>
         </p:txBody>
@@ -4491,11 +4528,14 @@
               <a:rPr lang="en-US" dirty="0">
                 <a:latin typeface="+mj-lt"/>
               </a:rPr>
-              <a:t>13</a:t>
-            </a:r>
-            <a:endParaRPr lang="ru-RU" dirty="0">
-              <a:latin typeface="+mj-lt"/>
-            </a:endParaRPr>
+              <a:t>1</a:t>
+            </a:r>
+            <a:r>
+              <a:rPr lang="ru-RU" dirty="0">
+                <a:latin typeface="+mj-lt"/>
+              </a:rPr>
+              <a:t>5</a:t>
+            </a:r>
           </a:p>
         </p:txBody>
       </p:sp>
@@ -4544,7 +4584,7 @@
         <p:spPr>
           <a:xfrm>
             <a:off x="248078" y="234948"/>
-            <a:ext cx="1875835" cy="523220"/>
+            <a:ext cx="1532792" cy="523220"/>
           </a:xfrm>
           <a:prstGeom prst="rect">
             <a:avLst/>
@@ -4560,7 +4600,7 @@
               <a:rPr lang="ru-RU" sz="2800" dirty="0">
                 <a:latin typeface="+mj-lt"/>
               </a:rPr>
-              <a:t>Результаты</a:t>
+              <a:t>Метрики</a:t>
             </a:r>
           </a:p>
         </p:txBody>
@@ -4596,25 +4636,44 @@
               <a:rPr lang="ru-RU" dirty="0">
                 <a:latin typeface="+mj-lt"/>
               </a:rPr>
-              <a:t>1</a:t>
-            </a:r>
-            <a:r>
-              <a:rPr lang="en-US" dirty="0">
-                <a:latin typeface="+mj-lt"/>
-              </a:rPr>
-              <a:t>2</a:t>
-            </a:r>
-            <a:r>
-              <a:rPr lang="ru-RU" dirty="0">
-                <a:latin typeface="+mj-lt"/>
-              </a:rPr>
-              <a:t>/1</a:t>
-            </a:r>
-            <a:r>
-              <a:rPr lang="en-US" dirty="0">
-                <a:latin typeface="+mj-lt"/>
-              </a:rPr>
-              <a:t>3</a:t>
+              <a:t>12/15</a:t>
+            </a:r>
+          </a:p>
+        </p:txBody>
+      </p:sp>
+      <p:sp>
+        <p:nvSpPr>
+          <p:cNvPr id="4" name="TextBox 3">
+            <a:extLst>
+              <a:ext uri="{FF2B5EF4-FFF2-40B4-BE49-F238E27FC236}">
+                <a16:creationId xmlns:a16="http://schemas.microsoft.com/office/drawing/2014/main" id="{73069A76-496B-5B41-A055-A93617C6CD4B}"/>
+              </a:ext>
+            </a:extLst>
+          </p:cNvPr>
+          <p:cNvSpPr txBox="1"/>
+          <p:nvPr/>
+        </p:nvSpPr>
+        <p:spPr>
+          <a:xfrm>
+            <a:off x="3809347" y="5831016"/>
+            <a:ext cx="3593291" cy="369332"/>
+          </a:xfrm>
+          <a:prstGeom prst="rect">
+            <a:avLst/>
+          </a:prstGeom>
+          <a:noFill/>
+        </p:spPr>
+        <p:txBody>
+          <a:bodyPr wrap="none" rtlCol="0">
+            <a:spAutoFit/>
+          </a:bodyPr>
+          <a:lstStyle/>
+          <a:p>
+            <a:r>
+              <a:rPr lang="en" dirty="0">
+                <a:latin typeface="+mj-lt"/>
+              </a:rPr>
+              <a:t>4_2_ria_24000_100t_plsa+sp+st+dp</a:t>
             </a:r>
             <a:endParaRPr lang="ru-RU" dirty="0">
               <a:latin typeface="+mj-lt"/>
@@ -4622,6 +4681,96 @@
           </a:p>
         </p:txBody>
       </p:sp>
+      <p:pic>
+        <p:nvPicPr>
+          <p:cNvPr id="6" name="Рисунок 5">
+            <a:extLst>
+              <a:ext uri="{FF2B5EF4-FFF2-40B4-BE49-F238E27FC236}">
+                <a16:creationId xmlns:a16="http://schemas.microsoft.com/office/drawing/2014/main" id="{3B6E036A-AD87-6643-9AB5-2D122F7DEFBD}"/>
+              </a:ext>
+            </a:extLst>
+          </p:cNvPr>
+          <p:cNvPicPr>
+            <a:picLocks noChangeAspect="1"/>
+          </p:cNvPicPr>
+          <p:nvPr/>
+        </p:nvPicPr>
+        <p:blipFill>
+          <a:blip r:embed="rId2"/>
+          <a:stretch>
+            <a:fillRect/>
+          </a:stretch>
+        </p:blipFill>
+        <p:spPr>
+          <a:xfrm>
+            <a:off x="2044723" y="1004594"/>
+            <a:ext cx="7122540" cy="2288816"/>
+          </a:xfrm>
+          <a:prstGeom prst="rect">
+            <a:avLst/>
+          </a:prstGeom>
+        </p:spPr>
+      </p:pic>
+      <p:pic>
+        <p:nvPicPr>
+          <p:cNvPr id="8" name="Рисунок 7">
+            <a:extLst>
+              <a:ext uri="{FF2B5EF4-FFF2-40B4-BE49-F238E27FC236}">
+                <a16:creationId xmlns:a16="http://schemas.microsoft.com/office/drawing/2014/main" id="{D28B19A3-7099-EB49-8B34-BCCD86825219}"/>
+              </a:ext>
+            </a:extLst>
+          </p:cNvPr>
+          <p:cNvPicPr>
+            <a:picLocks noChangeAspect="1"/>
+          </p:cNvPicPr>
+          <p:nvPr/>
+        </p:nvPicPr>
+        <p:blipFill>
+          <a:blip r:embed="rId3"/>
+          <a:stretch>
+            <a:fillRect/>
+          </a:stretch>
+        </p:blipFill>
+        <p:spPr>
+          <a:xfrm>
+            <a:off x="1989900" y="3387435"/>
+            <a:ext cx="2476158" cy="2288816"/>
+          </a:xfrm>
+          <a:prstGeom prst="rect">
+            <a:avLst/>
+          </a:prstGeom>
+        </p:spPr>
+      </p:pic>
+      <p:pic>
+        <p:nvPicPr>
+          <p:cNvPr id="10" name="Рисунок 9">
+            <a:extLst>
+              <a:ext uri="{FF2B5EF4-FFF2-40B4-BE49-F238E27FC236}">
+                <a16:creationId xmlns:a16="http://schemas.microsoft.com/office/drawing/2014/main" id="{2A7C4B7F-5461-1441-BF36-8728279821CB}"/>
+              </a:ext>
+            </a:extLst>
+          </p:cNvPr>
+          <p:cNvPicPr>
+            <a:picLocks noChangeAspect="1"/>
+          </p:cNvPicPr>
+          <p:nvPr/>
+        </p:nvPicPr>
+        <p:blipFill>
+          <a:blip r:embed="rId4"/>
+          <a:stretch>
+            <a:fillRect/>
+          </a:stretch>
+        </p:blipFill>
+        <p:spPr>
+          <a:xfrm>
+            <a:off x="4536625" y="3429000"/>
+            <a:ext cx="4655385" cy="1974273"/>
+          </a:xfrm>
+          <a:prstGeom prst="rect">
+            <a:avLst/>
+          </a:prstGeom>
+        </p:spPr>
+      </p:pic>
     </p:spTree>
     <p:extLst>
       <p:ext uri="{BB962C8B-B14F-4D97-AF65-F5344CB8AC3E}">
@@ -4654,6 +4803,368 @@
       </p:grpSpPr>
       <p:sp>
         <p:nvSpPr>
+          <p:cNvPr id="2" name="Прямоугольник 1">
+            <a:extLst>
+              <a:ext uri="{FF2B5EF4-FFF2-40B4-BE49-F238E27FC236}">
+                <a16:creationId xmlns:a16="http://schemas.microsoft.com/office/drawing/2014/main" id="{43FB4B93-9F6E-4B00-8686-4F502978DAC8}"/>
+              </a:ext>
+            </a:extLst>
+          </p:cNvPr>
+          <p:cNvSpPr/>
+          <p:nvPr/>
+        </p:nvSpPr>
+        <p:spPr>
+          <a:xfrm>
+            <a:off x="248078" y="234948"/>
+            <a:ext cx="1875835" cy="523220"/>
+          </a:xfrm>
+          <a:prstGeom prst="rect">
+            <a:avLst/>
+          </a:prstGeom>
+        </p:spPr>
+        <p:txBody>
+          <a:bodyPr wrap="none">
+            <a:spAutoFit/>
+          </a:bodyPr>
+          <a:lstStyle/>
+          <a:p>
+            <a:r>
+              <a:rPr lang="ru-RU" sz="2800" dirty="0">
+                <a:latin typeface="+mj-lt"/>
+              </a:rPr>
+              <a:t>Результаты</a:t>
+            </a:r>
+          </a:p>
+        </p:txBody>
+      </p:sp>
+      <p:sp>
+        <p:nvSpPr>
+          <p:cNvPr id="3" name="Прямоугольник 2">
+            <a:extLst>
+              <a:ext uri="{FF2B5EF4-FFF2-40B4-BE49-F238E27FC236}">
+                <a16:creationId xmlns:a16="http://schemas.microsoft.com/office/drawing/2014/main" id="{5D724F36-6A89-C44B-B62B-BC5B416C15D9}"/>
+              </a:ext>
+            </a:extLst>
+          </p:cNvPr>
+          <p:cNvSpPr/>
+          <p:nvPr/>
+        </p:nvSpPr>
+        <p:spPr>
+          <a:xfrm>
+            <a:off x="11474005" y="6473428"/>
+            <a:ext cx="736099" cy="369332"/>
+          </a:xfrm>
+          <a:prstGeom prst="rect">
+            <a:avLst/>
+          </a:prstGeom>
+        </p:spPr>
+        <p:txBody>
+          <a:bodyPr wrap="none">
+            <a:spAutoFit/>
+          </a:bodyPr>
+          <a:lstStyle/>
+          <a:p>
+            <a:r>
+              <a:rPr lang="ru-RU" dirty="0">
+                <a:latin typeface="+mj-lt"/>
+              </a:rPr>
+              <a:t>13/15</a:t>
+            </a:r>
+          </a:p>
+        </p:txBody>
+      </p:sp>
+      <p:sp>
+        <p:nvSpPr>
+          <p:cNvPr id="4" name="TextBox 3">
+            <a:extLst>
+              <a:ext uri="{FF2B5EF4-FFF2-40B4-BE49-F238E27FC236}">
+                <a16:creationId xmlns:a16="http://schemas.microsoft.com/office/drawing/2014/main" id="{781E111E-E35E-C84C-B579-B42F33244D85}"/>
+              </a:ext>
+            </a:extLst>
+          </p:cNvPr>
+          <p:cNvSpPr txBox="1"/>
+          <p:nvPr/>
+        </p:nvSpPr>
+        <p:spPr>
+          <a:xfrm>
+            <a:off x="512618" y="841117"/>
+            <a:ext cx="11166764" cy="5632311"/>
+          </a:xfrm>
+          <a:prstGeom prst="rect">
+            <a:avLst/>
+          </a:prstGeom>
+          <a:noFill/>
+        </p:spPr>
+        <p:txBody>
+          <a:bodyPr wrap="square" rtlCol="0">
+            <a:spAutoFit/>
+          </a:bodyPr>
+          <a:lstStyle/>
+          <a:p>
+            <a:r>
+              <a:rPr lang="ru-RU" sz="2400" dirty="0">
+                <a:latin typeface="+mj-lt"/>
+              </a:rPr>
+              <a:t>Пример хороших тем:</a:t>
+            </a:r>
+          </a:p>
+          <a:p>
+            <a:pPr marL="285750" indent="-285750">
+              <a:buFontTx/>
+              <a:buChar char="-"/>
+            </a:pPr>
+            <a:r>
+              <a:rPr lang="ru-RU" sz="2400" dirty="0">
+                <a:latin typeface="+mj-lt"/>
+              </a:rPr>
+              <a:t>Наука: ученый исследование коллега примерно лаборатория эксперимент изучение анализ изучать метод</a:t>
+            </a:r>
+          </a:p>
+          <a:p>
+            <a:pPr marL="285750" indent="-285750">
+              <a:buFontTx/>
+              <a:buChar char="-"/>
+            </a:pPr>
+            <a:r>
+              <a:rPr lang="ru-RU" sz="2400" dirty="0">
+                <a:latin typeface="+mj-lt"/>
+              </a:rPr>
+              <a:t>Футбол: футбольный футболист зенит </a:t>
+            </a:r>
+            <a:r>
+              <a:rPr lang="ru-RU" sz="2400" dirty="0" err="1">
+                <a:latin typeface="+mj-lt"/>
+              </a:rPr>
+              <a:t>спартак</a:t>
+            </a:r>
+            <a:r>
+              <a:rPr lang="ru-RU" sz="2400" dirty="0">
+                <a:latin typeface="+mj-lt"/>
+              </a:rPr>
+              <a:t> динамо </a:t>
+            </a:r>
+            <a:r>
+              <a:rPr lang="ru-RU" sz="2400" dirty="0" err="1">
+                <a:latin typeface="+mj-lt"/>
+              </a:rPr>
+              <a:t>цска</a:t>
+            </a:r>
+            <a:r>
+              <a:rPr lang="ru-RU" sz="2400" dirty="0">
+                <a:latin typeface="+mj-lt"/>
+              </a:rPr>
+              <a:t> поле локомотив болельщик забивать</a:t>
+            </a:r>
+          </a:p>
+          <a:p>
+            <a:pPr marL="285750" indent="-285750">
+              <a:buFontTx/>
+              <a:buChar char="-"/>
+            </a:pPr>
+            <a:r>
+              <a:rPr lang="ru-RU" sz="2400" dirty="0">
+                <a:latin typeface="+mj-lt"/>
+              </a:rPr>
+              <a:t>Литература: книга автор писатель написать название поэт литература библиотека рождаться литературный</a:t>
+            </a:r>
+          </a:p>
+          <a:p>
+            <a:pPr marL="285750" indent="-285750">
+              <a:buFontTx/>
+              <a:buChar char="-"/>
+            </a:pPr>
+            <a:r>
+              <a:rPr lang="ru-RU" sz="2400" dirty="0">
+                <a:latin typeface="+mj-lt"/>
+              </a:rPr>
+              <a:t>Деньги: продажа кредит капитал сделка актив сбербанк доля кредитный банковский прибыль</a:t>
+            </a:r>
+          </a:p>
+          <a:p>
+            <a:endParaRPr lang="ru-RU" sz="2400" dirty="0">
+              <a:latin typeface="+mj-lt"/>
+            </a:endParaRPr>
+          </a:p>
+          <a:p>
+            <a:r>
+              <a:rPr lang="ru-RU" sz="2400" dirty="0">
+                <a:latin typeface="+mj-lt"/>
+              </a:rPr>
+              <a:t>Пример плохих тем:</a:t>
+            </a:r>
+          </a:p>
+          <a:p>
+            <a:pPr marL="285750" indent="-285750">
+              <a:buFontTx/>
+              <a:buChar char="-"/>
+            </a:pPr>
+            <a:r>
+              <a:rPr lang="ru-RU" sz="2400" dirty="0">
+                <a:latin typeface="+mj-lt"/>
+              </a:rPr>
+              <a:t>предложение оценка точка необходимо существовать речь вариант особый зрение принцип</a:t>
+            </a:r>
+          </a:p>
+          <a:p>
+            <a:pPr marL="285750" indent="-285750">
+              <a:buFontTx/>
+              <a:buChar char="-"/>
+            </a:pPr>
+            <a:r>
+              <a:rPr lang="ru-RU" sz="2400" dirty="0">
+                <a:latin typeface="+mj-lt"/>
+              </a:rPr>
+              <a:t>подробно памятник письмо наследие охрана спецслужба справка реставрация </a:t>
+            </a:r>
+            <a:r>
+              <a:rPr lang="ru-RU" sz="2400" dirty="0" err="1">
+                <a:latin typeface="+mj-lt"/>
+              </a:rPr>
+              <a:t>сноудена</a:t>
+            </a:r>
+            <a:r>
+              <a:rPr lang="ru-RU" sz="2400" dirty="0">
+                <a:latin typeface="+mj-lt"/>
+              </a:rPr>
+              <a:t> запрос</a:t>
+            </a:r>
+          </a:p>
+        </p:txBody>
+      </p:sp>
+    </p:spTree>
+    <p:extLst>
+      <p:ext uri="{BB962C8B-B14F-4D97-AF65-F5344CB8AC3E}">
+        <p14:creationId xmlns:p14="http://schemas.microsoft.com/office/powerpoint/2010/main" val="3676092347"/>
+      </p:ext>
+    </p:extLst>
+  </p:cSld>
+  <p:clrMapOvr>
+    <a:masterClrMapping/>
+  </p:clrMapOvr>
+</p:sld>
+</file>
+
+<file path=ppt/slides/slide14.xml><?xml version="1.0" encoding="utf-8"?>
+<p:sld xmlns:a="http://schemas.openxmlformats.org/drawingml/2006/main" xmlns:r="http://schemas.openxmlformats.org/officeDocument/2006/relationships" xmlns:p="http://schemas.openxmlformats.org/presentationml/2006/main">
+  <p:cSld>
+    <p:spTree>
+      <p:nvGrpSpPr>
+        <p:cNvPr id="1" name=""/>
+        <p:cNvGrpSpPr/>
+        <p:nvPr/>
+      </p:nvGrpSpPr>
+      <p:grpSpPr>
+        <a:xfrm>
+          <a:off x="0" y="0"/>
+          <a:ext cx="0" cy="0"/>
+          <a:chOff x="0" y="0"/>
+          <a:chExt cx="0" cy="0"/>
+        </a:xfrm>
+      </p:grpSpPr>
+      <p:sp>
+        <p:nvSpPr>
+          <p:cNvPr id="2" name="Прямоугольник 1">
+            <a:extLst>
+              <a:ext uri="{FF2B5EF4-FFF2-40B4-BE49-F238E27FC236}">
+                <a16:creationId xmlns:a16="http://schemas.microsoft.com/office/drawing/2014/main" id="{43FB4B93-9F6E-4B00-8686-4F502978DAC8}"/>
+              </a:ext>
+            </a:extLst>
+          </p:cNvPr>
+          <p:cNvSpPr/>
+          <p:nvPr/>
+        </p:nvSpPr>
+        <p:spPr>
+          <a:xfrm>
+            <a:off x="248078" y="234948"/>
+            <a:ext cx="2432076" cy="523220"/>
+          </a:xfrm>
+          <a:prstGeom prst="rect">
+            <a:avLst/>
+          </a:prstGeom>
+        </p:spPr>
+        <p:txBody>
+          <a:bodyPr wrap="none">
+            <a:spAutoFit/>
+          </a:bodyPr>
+          <a:lstStyle/>
+          <a:p>
+            <a:r>
+              <a:rPr lang="ru-RU" sz="2800" dirty="0">
+                <a:latin typeface="+mj-lt"/>
+              </a:rPr>
+              <a:t>Рекомендации</a:t>
+            </a:r>
+          </a:p>
+        </p:txBody>
+      </p:sp>
+      <p:sp>
+        <p:nvSpPr>
+          <p:cNvPr id="3" name="Прямоугольник 2">
+            <a:extLst>
+              <a:ext uri="{FF2B5EF4-FFF2-40B4-BE49-F238E27FC236}">
+                <a16:creationId xmlns:a16="http://schemas.microsoft.com/office/drawing/2014/main" id="{5D724F36-6A89-C44B-B62B-BC5B416C15D9}"/>
+              </a:ext>
+            </a:extLst>
+          </p:cNvPr>
+          <p:cNvSpPr/>
+          <p:nvPr/>
+        </p:nvSpPr>
+        <p:spPr>
+          <a:xfrm>
+            <a:off x="11474005" y="6473428"/>
+            <a:ext cx="736099" cy="369332"/>
+          </a:xfrm>
+          <a:prstGeom prst="rect">
+            <a:avLst/>
+          </a:prstGeom>
+        </p:spPr>
+        <p:txBody>
+          <a:bodyPr wrap="none">
+            <a:spAutoFit/>
+          </a:bodyPr>
+          <a:lstStyle/>
+          <a:p>
+            <a:r>
+              <a:rPr lang="ru-RU" dirty="0">
+                <a:latin typeface="+mj-lt"/>
+              </a:rPr>
+              <a:t>14/15</a:t>
+            </a:r>
+          </a:p>
+        </p:txBody>
+      </p:sp>
+    </p:spTree>
+    <p:extLst>
+      <p:ext uri="{BB962C8B-B14F-4D97-AF65-F5344CB8AC3E}">
+        <p14:creationId xmlns:p14="http://schemas.microsoft.com/office/powerpoint/2010/main" val="2421904068"/>
+      </p:ext>
+    </p:extLst>
+  </p:cSld>
+  <p:clrMapOvr>
+    <a:masterClrMapping/>
+  </p:clrMapOvr>
+</p:sld>
+</file>
+
+<file path=ppt/slides/slide15.xml><?xml version="1.0" encoding="utf-8"?>
+<p:sld xmlns:a="http://schemas.openxmlformats.org/drawingml/2006/main" xmlns:r="http://schemas.openxmlformats.org/officeDocument/2006/relationships" xmlns:p="http://schemas.openxmlformats.org/presentationml/2006/main">
+  <p:cSld>
+    <p:spTree>
+      <p:nvGrpSpPr>
+        <p:cNvPr id="1" name=""/>
+        <p:cNvGrpSpPr/>
+        <p:nvPr/>
+      </p:nvGrpSpPr>
+      <p:grpSpPr>
+        <a:xfrm>
+          <a:off x="0" y="0"/>
+          <a:ext cx="0" cy="0"/>
+          <a:chOff x="0" y="0"/>
+          <a:chExt cx="0" cy="0"/>
+        </a:xfrm>
+      </p:grpSpPr>
+      <p:sp>
+        <p:nvSpPr>
           <p:cNvPr id="3" name="Подзаголовок 2">
             <a:extLst>
               <a:ext uri="{FF2B5EF4-FFF2-40B4-BE49-F238E27FC236}">
@@ -4920,29 +5431,8 @@
               <a:rPr lang="ru-RU" dirty="0">
                 <a:latin typeface="+mj-lt"/>
               </a:rPr>
-              <a:t>1</a:t>
-            </a:r>
-            <a:r>
-              <a:rPr lang="en-US" dirty="0">
-                <a:latin typeface="+mj-lt"/>
-              </a:rPr>
-              <a:t>3</a:t>
-            </a:r>
-            <a:r>
-              <a:rPr lang="ru-RU" dirty="0">
-                <a:latin typeface="+mj-lt"/>
-              </a:rPr>
-              <a:t>/1</a:t>
-            </a:r>
-            <a:r>
-              <a:rPr lang="en-US" dirty="0">
-                <a:latin typeface="+mj-lt"/>
-              </a:rPr>
-              <a:t>3</a:t>
-            </a:r>
-            <a:endParaRPr lang="ru-RU" dirty="0">
-              <a:latin typeface="+mj-lt"/>
-            </a:endParaRPr>
+              <a:t>15/15</a:t>
+            </a:r>
           </a:p>
         </p:txBody>
       </p:sp>
@@ -5004,7 +5494,7 @@
           <a:p>
             <a:r>
               <a:rPr lang="ru-RU" dirty="0"/>
-              <a:t>      Актуальность\\Введение</a:t>
+              <a:t>      Актуальность</a:t>
             </a:r>
           </a:p>
         </p:txBody>
@@ -5040,17 +5530,80 @@
               <a:rPr lang="ru-RU" dirty="0">
                 <a:latin typeface="+mj-lt"/>
               </a:rPr>
-              <a:t>2/1</a:t>
-            </a:r>
-            <a:r>
-              <a:rPr lang="en-US" dirty="0">
-                <a:latin typeface="+mj-lt"/>
-              </a:rPr>
-              <a:t>3</a:t>
-            </a:r>
-            <a:endParaRPr lang="ru-RU" dirty="0">
-              <a:latin typeface="+mj-lt"/>
-            </a:endParaRPr>
+              <a:t>2/15</a:t>
+            </a:r>
+          </a:p>
+        </p:txBody>
+      </p:sp>
+      <p:sp>
+        <p:nvSpPr>
+          <p:cNvPr id="6" name="Прямоугольник 5">
+            <a:extLst>
+              <a:ext uri="{FF2B5EF4-FFF2-40B4-BE49-F238E27FC236}">
+                <a16:creationId xmlns:a16="http://schemas.microsoft.com/office/drawing/2014/main" id="{B246579B-D524-3B4B-A1FA-592DAE1008F3}"/>
+              </a:ext>
+            </a:extLst>
+          </p:cNvPr>
+          <p:cNvSpPr/>
+          <p:nvPr/>
+        </p:nvSpPr>
+        <p:spPr>
+          <a:xfrm>
+            <a:off x="789709" y="1926937"/>
+            <a:ext cx="9892146" cy="3416320"/>
+          </a:xfrm>
+          <a:prstGeom prst="rect">
+            <a:avLst/>
+          </a:prstGeom>
+        </p:spPr>
+        <p:txBody>
+          <a:bodyPr wrap="square">
+            <a:spAutoFit/>
+          </a:bodyPr>
+          <a:lstStyle/>
+          <a:p>
+            <a:r>
+              <a:rPr lang="ru-RU" sz="2400" dirty="0">
+                <a:latin typeface="+mj-lt"/>
+                <a:ea typeface="+mj-ea"/>
+                <a:cs typeface="+mj-cs"/>
+              </a:rPr>
+              <a:t>Из-за огромного количества различных новостных потоков стало сложно выделять действительно актуальную для себя информацию. </a:t>
+            </a:r>
+          </a:p>
+          <a:p>
+            <a:br>
+              <a:rPr lang="ru-RU" sz="2400" dirty="0">
+                <a:latin typeface="+mj-lt"/>
+                <a:ea typeface="+mj-ea"/>
+                <a:cs typeface="+mj-cs"/>
+              </a:rPr>
+            </a:br>
+            <a:r>
+              <a:rPr lang="ru-RU" sz="2400" dirty="0">
+                <a:latin typeface="+mj-lt"/>
+                <a:ea typeface="+mj-ea"/>
+                <a:cs typeface="+mj-cs"/>
+              </a:rPr>
+              <a:t>Разрабатываемый мною метод тематического моделирования новостей будет применяться для распределения новостного потока на различные нужные для пользователя темы.</a:t>
+            </a:r>
+          </a:p>
+          <a:p>
+            <a:br>
+              <a:rPr lang="ru-RU" sz="2400" dirty="0">
+                <a:latin typeface="+mj-lt"/>
+                <a:ea typeface="+mj-ea"/>
+                <a:cs typeface="+mj-cs"/>
+              </a:rPr>
+            </a:br>
+            <a:r>
+              <a:rPr lang="ru-RU" sz="2400" dirty="0">
+                <a:latin typeface="+mj-lt"/>
+                <a:ea typeface="+mj-ea"/>
+                <a:cs typeface="+mj-cs"/>
+              </a:rPr>
+              <a:t>Это решение будет особенно актуально пользователям, интересующимся узкими темами, которые не распределяются журналистами на категории.</a:t>
+            </a:r>
           </a:p>
         </p:txBody>
       </p:sp>
@@ -5355,11 +5908,14 @@
               <a:rPr lang="en-US" dirty="0">
                 <a:latin typeface="+mj-lt"/>
               </a:rPr>
-              <a:t>13</a:t>
-            </a:r>
-            <a:endParaRPr lang="ru-RU" dirty="0">
-              <a:latin typeface="+mj-lt"/>
-            </a:endParaRPr>
+              <a:t>1</a:t>
+            </a:r>
+            <a:r>
+              <a:rPr lang="ru-RU" dirty="0">
+                <a:latin typeface="+mj-lt"/>
+              </a:rPr>
+              <a:t>5</a:t>
+            </a:r>
           </a:p>
         </p:txBody>
       </p:sp>
@@ -5496,11 +6052,14 @@
               <a:rPr lang="en-US" dirty="0">
                 <a:latin typeface="+mj-lt"/>
               </a:rPr>
-              <a:t>13</a:t>
-            </a:r>
-            <a:endParaRPr lang="ru-RU" dirty="0">
-              <a:latin typeface="+mj-lt"/>
-            </a:endParaRPr>
+              <a:t>1</a:t>
+            </a:r>
+            <a:r>
+              <a:rPr lang="ru-RU" dirty="0">
+                <a:latin typeface="+mj-lt"/>
+              </a:rPr>
+              <a:t>5</a:t>
+            </a:r>
           </a:p>
         </p:txBody>
       </p:sp>
@@ -5637,11 +6196,14 @@
               <a:rPr lang="en-US" dirty="0">
                 <a:latin typeface="+mj-lt"/>
               </a:rPr>
-              <a:t>13</a:t>
-            </a:r>
-            <a:endParaRPr lang="ru-RU" dirty="0">
-              <a:latin typeface="+mj-lt"/>
-            </a:endParaRPr>
+              <a:t>1</a:t>
+            </a:r>
+            <a:r>
+              <a:rPr lang="ru-RU" dirty="0">
+                <a:latin typeface="+mj-lt"/>
+              </a:rPr>
+              <a:t>5</a:t>
+            </a:r>
           </a:p>
         </p:txBody>
       </p:sp>
@@ -5825,11 +6387,14 @@
               <a:rPr lang="en-US" dirty="0">
                 <a:latin typeface="+mj-lt"/>
               </a:rPr>
-              <a:t>13</a:t>
-            </a:r>
-            <a:endParaRPr lang="ru-RU" dirty="0">
-              <a:latin typeface="+mj-lt"/>
-            </a:endParaRPr>
+              <a:t>1</a:t>
+            </a:r>
+            <a:r>
+              <a:rPr lang="ru-RU" dirty="0">
+                <a:latin typeface="+mj-lt"/>
+              </a:rPr>
+              <a:t>5</a:t>
+            </a:r>
           </a:p>
         </p:txBody>
       </p:sp>
@@ -5937,11 +6502,14 @@
               <a:rPr lang="en-US" dirty="0">
                 <a:latin typeface="+mj-lt"/>
               </a:rPr>
-              <a:t>13</a:t>
-            </a:r>
-            <a:endParaRPr lang="ru-RU" dirty="0">
-              <a:latin typeface="+mj-lt"/>
-            </a:endParaRPr>
+              <a:t>1</a:t>
+            </a:r>
+            <a:r>
+              <a:rPr lang="ru-RU" dirty="0">
+                <a:latin typeface="+mj-lt"/>
+              </a:rPr>
+              <a:t>5</a:t>
+            </a:r>
           </a:p>
         </p:txBody>
       </p:sp>
@@ -6085,11 +6653,14 @@
               <a:rPr lang="en-US" dirty="0">
                 <a:latin typeface="+mj-lt"/>
               </a:rPr>
-              <a:t>13</a:t>
-            </a:r>
-            <a:endParaRPr lang="ru-RU" dirty="0">
-              <a:latin typeface="+mj-lt"/>
-            </a:endParaRPr>
+              <a:t>1</a:t>
+            </a:r>
+            <a:r>
+              <a:rPr lang="ru-RU" dirty="0">
+                <a:latin typeface="+mj-lt"/>
+              </a:rPr>
+              <a:t>5</a:t>
+            </a:r>
           </a:p>
         </p:txBody>
       </p:sp>
@@ -6232,11 +6803,14 @@
               <a:rPr lang="en-US" dirty="0">
                 <a:latin typeface="+mj-lt"/>
               </a:rPr>
-              <a:t>13</a:t>
-            </a:r>
-            <a:endParaRPr lang="ru-RU" dirty="0">
-              <a:latin typeface="+mj-lt"/>
-            </a:endParaRPr>
+              <a:t>1</a:t>
+            </a:r>
+            <a:r>
+              <a:rPr lang="ru-RU" dirty="0">
+                <a:latin typeface="+mj-lt"/>
+              </a:rPr>
+              <a:t>5</a:t>
+            </a:r>
           </a:p>
         </p:txBody>
       </p:sp>

--- a/presentation/presentation.pptx
+++ b/presentation/presentation.pptx
@@ -12,11 +12,11 @@
     <p:sldId id="266" r:id="rId3"/>
     <p:sldId id="257" r:id="rId4"/>
     <p:sldId id="267" r:id="rId5"/>
-    <p:sldId id="275" r:id="rId6"/>
-    <p:sldId id="278" r:id="rId7"/>
-    <p:sldId id="268" r:id="rId8"/>
+    <p:sldId id="268" r:id="rId6"/>
+    <p:sldId id="275" r:id="rId7"/>
+    <p:sldId id="278" r:id="rId8"/>
     <p:sldId id="277" r:id="rId9"/>
-    <p:sldId id="272" r:id="rId10"/>
+    <p:sldId id="281" r:id="rId10"/>
     <p:sldId id="273" r:id="rId11"/>
     <p:sldId id="270" r:id="rId12"/>
     <p:sldId id="274" r:id="rId13"/>
@@ -130,11 +130,11 @@
             <p14:sldId id="266"/>
             <p14:sldId id="257"/>
             <p14:sldId id="267"/>
+            <p14:sldId id="268"/>
             <p14:sldId id="275"/>
             <p14:sldId id="278"/>
-            <p14:sldId id="268"/>
             <p14:sldId id="277"/>
-            <p14:sldId id="272"/>
+            <p14:sldId id="281"/>
             <p14:sldId id="273"/>
             <p14:sldId id="270"/>
             <p14:sldId id="274"/>
@@ -324,7 +324,7 @@
           <a:p>
             <a:fld id="{1E132C55-E3F4-6542-B237-91F1C34C7B3B}" type="datetimeFigureOut">
               <a:rPr lang="ru-RU" smtClean="0"/>
-              <a:t>10.06.2019</a:t>
+              <a:t>11.06.2019</a:t>
             </a:fld>
             <a:endParaRPr lang="ru-RU"/>
           </a:p>
@@ -738,7 +738,7 @@
           <a:p>
             <a:fld id="{774E5C8E-A791-5141-BFC5-061C00718CFF}" type="datetimeFigureOut">
               <a:rPr lang="ru-RU" smtClean="0"/>
-              <a:t>10.06.2019</a:t>
+              <a:t>11.06.2019</a:t>
             </a:fld>
             <a:endParaRPr lang="ru-RU"/>
           </a:p>
@@ -936,7 +936,7 @@
           <a:p>
             <a:fld id="{774E5C8E-A791-5141-BFC5-061C00718CFF}" type="datetimeFigureOut">
               <a:rPr lang="ru-RU" smtClean="0"/>
-              <a:t>10.06.2019</a:t>
+              <a:t>11.06.2019</a:t>
             </a:fld>
             <a:endParaRPr lang="ru-RU"/>
           </a:p>
@@ -1144,7 +1144,7 @@
           <a:p>
             <a:fld id="{774E5C8E-A791-5141-BFC5-061C00718CFF}" type="datetimeFigureOut">
               <a:rPr lang="ru-RU" smtClean="0"/>
-              <a:t>10.06.2019</a:t>
+              <a:t>11.06.2019</a:t>
             </a:fld>
             <a:endParaRPr lang="ru-RU"/>
           </a:p>
@@ -1342,7 +1342,7 @@
           <a:p>
             <a:fld id="{774E5C8E-A791-5141-BFC5-061C00718CFF}" type="datetimeFigureOut">
               <a:rPr lang="ru-RU" smtClean="0"/>
-              <a:t>10.06.2019</a:t>
+              <a:t>11.06.2019</a:t>
             </a:fld>
             <a:endParaRPr lang="ru-RU"/>
           </a:p>
@@ -1617,7 +1617,7 @@
           <a:p>
             <a:fld id="{774E5C8E-A791-5141-BFC5-061C00718CFF}" type="datetimeFigureOut">
               <a:rPr lang="ru-RU" smtClean="0"/>
-              <a:t>10.06.2019</a:t>
+              <a:t>11.06.2019</a:t>
             </a:fld>
             <a:endParaRPr lang="ru-RU"/>
           </a:p>
@@ -1882,7 +1882,7 @@
           <a:p>
             <a:fld id="{774E5C8E-A791-5141-BFC5-061C00718CFF}" type="datetimeFigureOut">
               <a:rPr lang="ru-RU" smtClean="0"/>
-              <a:t>10.06.2019</a:t>
+              <a:t>11.06.2019</a:t>
             </a:fld>
             <a:endParaRPr lang="ru-RU"/>
           </a:p>
@@ -2294,7 +2294,7 @@
           <a:p>
             <a:fld id="{774E5C8E-A791-5141-BFC5-061C00718CFF}" type="datetimeFigureOut">
               <a:rPr lang="ru-RU" smtClean="0"/>
-              <a:t>10.06.2019</a:t>
+              <a:t>11.06.2019</a:t>
             </a:fld>
             <a:endParaRPr lang="ru-RU"/>
           </a:p>
@@ -2435,7 +2435,7 @@
           <a:p>
             <a:fld id="{774E5C8E-A791-5141-BFC5-061C00718CFF}" type="datetimeFigureOut">
               <a:rPr lang="ru-RU" smtClean="0"/>
-              <a:t>10.06.2019</a:t>
+              <a:t>11.06.2019</a:t>
             </a:fld>
             <a:endParaRPr lang="ru-RU"/>
           </a:p>
@@ -2548,7 +2548,7 @@
           <a:p>
             <a:fld id="{774E5C8E-A791-5141-BFC5-061C00718CFF}" type="datetimeFigureOut">
               <a:rPr lang="ru-RU" smtClean="0"/>
-              <a:t>10.06.2019</a:t>
+              <a:t>11.06.2019</a:t>
             </a:fld>
             <a:endParaRPr lang="ru-RU"/>
           </a:p>
@@ -2859,7 +2859,7 @@
           <a:p>
             <a:fld id="{774E5C8E-A791-5141-BFC5-061C00718CFF}" type="datetimeFigureOut">
               <a:rPr lang="ru-RU" smtClean="0"/>
-              <a:t>10.06.2019</a:t>
+              <a:t>11.06.2019</a:t>
             </a:fld>
             <a:endParaRPr lang="ru-RU"/>
           </a:p>
@@ -3147,7 +3147,7 @@
           <a:p>
             <a:fld id="{774E5C8E-A791-5141-BFC5-061C00718CFF}" type="datetimeFigureOut">
               <a:rPr lang="ru-RU" smtClean="0"/>
-              <a:t>10.06.2019</a:t>
+              <a:t>11.06.2019</a:t>
             </a:fld>
             <a:endParaRPr lang="ru-RU"/>
           </a:p>
@@ -3388,7 +3388,7 @@
           <a:p>
             <a:fld id="{774E5C8E-A791-5141-BFC5-061C00718CFF}" type="datetimeFigureOut">
               <a:rPr lang="ru-RU" smtClean="0"/>
-              <a:t>10.06.2019</a:t>
+              <a:t>11.06.2019</a:t>
             </a:fld>
             <a:endParaRPr lang="ru-RU"/>
           </a:p>
@@ -4302,8 +4302,8 @@
         </p:nvSpPr>
         <p:spPr>
           <a:xfrm>
-            <a:off x="378437" y="1100137"/>
-            <a:ext cx="11508763" cy="830997"/>
+            <a:off x="378437" y="950535"/>
+            <a:ext cx="11508763" cy="461665"/>
           </a:xfrm>
           <a:prstGeom prst="rect">
             <a:avLst/>
@@ -4320,7 +4320,7 @@
               <a:rPr lang="ru-RU" sz="2400" dirty="0">
                 <a:latin typeface="+mj-lt"/>
               </a:rPr>
-              <a:t>Для оценки модели была реализован функционал, выводящий всю необходимую статистику в удобном графическом представлении.</a:t>
+              <a:t>Для оценки модели была предложена визуализация статистики метрик.</a:t>
             </a:r>
           </a:p>
         </p:txBody>
@@ -4346,7 +4346,7 @@
         </p:blipFill>
         <p:spPr>
           <a:xfrm>
-            <a:off x="378437" y="2365601"/>
+            <a:off x="378437" y="2550973"/>
             <a:ext cx="5345019" cy="3292249"/>
           </a:xfrm>
           <a:prstGeom prst="rect">
@@ -4375,7 +4375,7 @@
         </p:blipFill>
         <p:spPr>
           <a:xfrm>
-            <a:off x="5737311" y="2415931"/>
+            <a:off x="5737311" y="2601303"/>
             <a:ext cx="5334000" cy="3489569"/>
           </a:xfrm>
           <a:prstGeom prst="rect">
@@ -4383,6 +4383,1656 @@
           </a:prstGeom>
         </p:spPr>
       </p:pic>
+      <p:sp>
+        <p:nvSpPr>
+          <p:cNvPr id="5" name="TextBox 4">
+            <a:extLst>
+              <a:ext uri="{FF2B5EF4-FFF2-40B4-BE49-F238E27FC236}">
+                <a16:creationId xmlns:a16="http://schemas.microsoft.com/office/drawing/2014/main" id="{EE5E52EC-6E12-A14A-8401-50C285B80947}"/>
+              </a:ext>
+            </a:extLst>
+          </p:cNvPr>
+          <p:cNvSpPr txBox="1"/>
+          <p:nvPr/>
+        </p:nvSpPr>
+        <p:spPr>
+          <a:xfrm rot="19800000">
+            <a:off x="1124292" y="2059047"/>
+            <a:ext cx="1094852" cy="307777"/>
+          </a:xfrm>
+          <a:prstGeom prst="rect">
+            <a:avLst/>
+          </a:prstGeom>
+          <a:noFill/>
+        </p:spPr>
+        <p:txBody>
+          <a:bodyPr wrap="none" rtlCol="0">
+            <a:spAutoFit/>
+          </a:bodyPr>
+          <a:lstStyle/>
+          <a:p>
+            <a:r>
+              <a:rPr lang="ru-RU" sz="1400" dirty="0"/>
+              <a:t>Перплексия</a:t>
+            </a:r>
+          </a:p>
+        </p:txBody>
+      </p:sp>
+      <mc:AlternateContent xmlns:mc="http://schemas.openxmlformats.org/markup-compatibility/2006">
+        <mc:Choice xmlns:a14="http://schemas.microsoft.com/office/drawing/2010/main" Requires="a14">
+          <p:sp>
+            <p:nvSpPr>
+              <p:cNvPr id="9" name="TextBox 8">
+                <a:extLst>
+                  <a:ext uri="{FF2B5EF4-FFF2-40B4-BE49-F238E27FC236}">
+                    <a16:creationId xmlns:a16="http://schemas.microsoft.com/office/drawing/2014/main" id="{17E5E66D-DB20-7741-9E1E-BD35D26858C0}"/>
+                  </a:ext>
+                </a:extLst>
+              </p:cNvPr>
+              <p:cNvSpPr txBox="1"/>
+              <p:nvPr/>
+            </p:nvSpPr>
+            <p:spPr>
+              <a:xfrm rot="19800000">
+                <a:off x="2920965" y="1929805"/>
+                <a:ext cx="1348511" cy="523220"/>
+              </a:xfrm>
+              <a:prstGeom prst="rect">
+                <a:avLst/>
+              </a:prstGeom>
+              <a:noFill/>
+            </p:spPr>
+            <p:txBody>
+              <a:bodyPr wrap="none" rtlCol="0">
+                <a:spAutoFit/>
+              </a:bodyPr>
+              <a:lstStyle/>
+              <a:p>
+                <a:r>
+                  <a:rPr lang="ru-RU" sz="1400" dirty="0"/>
+                  <a:t>Разреженность</a:t>
+                </a:r>
+              </a:p>
+              <a:p>
+                <a:r>
+                  <a:rPr lang="ru-RU" sz="1400" dirty="0"/>
+                  <a:t>матрицы </a:t>
+                </a:r>
+                <a14:m>
+                  <m:oMath xmlns:m="http://schemas.openxmlformats.org/officeDocument/2006/math">
+                    <m:r>
+                      <m:rPr>
+                        <m:sty m:val="p"/>
+                      </m:rPr>
+                      <a:rPr lang="el-GR" sz="1400" i="1" smtClean="0">
+                        <a:latin typeface="Cambria Math" panose="02040503050406030204" pitchFamily="18" charset="0"/>
+                        <a:ea typeface="Cambria Math" panose="02040503050406030204" pitchFamily="18" charset="0"/>
+                      </a:rPr>
+                      <m:t>Φ</m:t>
+                    </m:r>
+                  </m:oMath>
+                </a14:m>
+                <a:endParaRPr lang="ru-RU" sz="1400" dirty="0"/>
+              </a:p>
+            </p:txBody>
+          </p:sp>
+        </mc:Choice>
+        <mc:Fallback>
+          <p:sp>
+            <p:nvSpPr>
+              <p:cNvPr id="9" name="TextBox 8">
+                <a:extLst>
+                  <a:ext uri="{FF2B5EF4-FFF2-40B4-BE49-F238E27FC236}">
+                    <a16:creationId xmlns:a16="http://schemas.microsoft.com/office/drawing/2014/main" id="{17E5E66D-DB20-7741-9E1E-BD35D26858C0}"/>
+                  </a:ext>
+                </a:extLst>
+              </p:cNvPr>
+              <p:cNvSpPr txBox="1">
+                <a:spLocks noRot="1" noChangeAspect="1" noMove="1" noResize="1" noEditPoints="1" noAdjustHandles="1" noChangeArrowheads="1" noChangeShapeType="1" noTextEdit="1"/>
+              </p:cNvSpPr>
+              <p:nvPr/>
+            </p:nvSpPr>
+            <p:spPr>
+              <a:xfrm rot="19800000">
+                <a:off x="2920965" y="1929805"/>
+                <a:ext cx="1348511" cy="523220"/>
+              </a:xfrm>
+              <a:prstGeom prst="rect">
+                <a:avLst/>
+              </a:prstGeom>
+              <a:blipFill>
+                <a:blip r:embed="rId3"/>
+                <a:stretch>
+                  <a:fillRect l="-885" t="-1136" b="-6818"/>
+                </a:stretch>
+              </a:blipFill>
+            </p:spPr>
+            <p:txBody>
+              <a:bodyPr/>
+              <a:lstStyle/>
+              <a:p>
+                <a:r>
+                  <a:rPr lang="ru-RU">
+                    <a:noFill/>
+                  </a:rPr>
+                  <a:t> </a:t>
+                </a:r>
+              </a:p>
+            </p:txBody>
+          </p:sp>
+        </mc:Fallback>
+      </mc:AlternateContent>
+      <mc:AlternateContent xmlns:mc="http://schemas.openxmlformats.org/markup-compatibility/2006">
+        <mc:Choice xmlns:a14="http://schemas.microsoft.com/office/drawing/2010/main" Requires="a14">
+          <p:sp>
+            <p:nvSpPr>
+              <p:cNvPr id="10" name="TextBox 9">
+                <a:extLst>
+                  <a:ext uri="{FF2B5EF4-FFF2-40B4-BE49-F238E27FC236}">
+                    <a16:creationId xmlns:a16="http://schemas.microsoft.com/office/drawing/2014/main" id="{B9EDD879-A24C-1844-A96C-CE733C90DC96}"/>
+                  </a:ext>
+                </a:extLst>
+              </p:cNvPr>
+              <p:cNvSpPr txBox="1"/>
+              <p:nvPr/>
+            </p:nvSpPr>
+            <p:spPr>
+              <a:xfrm rot="19800000">
+                <a:off x="4364277" y="1879477"/>
+                <a:ext cx="1348511" cy="523220"/>
+              </a:xfrm>
+              <a:prstGeom prst="rect">
+                <a:avLst/>
+              </a:prstGeom>
+              <a:noFill/>
+            </p:spPr>
+            <p:txBody>
+              <a:bodyPr wrap="none" rtlCol="0">
+                <a:spAutoFit/>
+              </a:bodyPr>
+              <a:lstStyle/>
+              <a:p>
+                <a:r>
+                  <a:rPr lang="ru-RU" sz="1400" dirty="0"/>
+                  <a:t>Разреженность</a:t>
+                </a:r>
+              </a:p>
+              <a:p>
+                <a:r>
+                  <a:rPr lang="ru-RU" sz="1400" dirty="0"/>
+                  <a:t>матрицы </a:t>
+                </a:r>
+                <a14:m>
+                  <m:oMath xmlns:m="http://schemas.openxmlformats.org/officeDocument/2006/math">
+                    <m:r>
+                      <m:rPr>
+                        <m:sty m:val="p"/>
+                      </m:rPr>
+                      <a:rPr lang="el-GR" sz="1400" i="1" smtClean="0">
+                        <a:latin typeface="Cambria Math" panose="02040503050406030204" pitchFamily="18" charset="0"/>
+                        <a:ea typeface="Cambria Math" panose="02040503050406030204" pitchFamily="18" charset="0"/>
+                      </a:rPr>
+                      <m:t>Θ</m:t>
+                    </m:r>
+                  </m:oMath>
+                </a14:m>
+                <a:endParaRPr lang="ru-RU" sz="1400" dirty="0"/>
+              </a:p>
+            </p:txBody>
+          </p:sp>
+        </mc:Choice>
+        <mc:Fallback>
+          <p:sp>
+            <p:nvSpPr>
+              <p:cNvPr id="10" name="TextBox 9">
+                <a:extLst>
+                  <a:ext uri="{FF2B5EF4-FFF2-40B4-BE49-F238E27FC236}">
+                    <a16:creationId xmlns:a16="http://schemas.microsoft.com/office/drawing/2014/main" id="{B9EDD879-A24C-1844-A96C-CE733C90DC96}"/>
+                  </a:ext>
+                </a:extLst>
+              </p:cNvPr>
+              <p:cNvSpPr txBox="1">
+                <a:spLocks noRot="1" noChangeAspect="1" noMove="1" noResize="1" noEditPoints="1" noAdjustHandles="1" noChangeArrowheads="1" noChangeShapeType="1" noTextEdit="1"/>
+              </p:cNvSpPr>
+              <p:nvPr/>
+            </p:nvSpPr>
+            <p:spPr>
+              <a:xfrm rot="19800000">
+                <a:off x="4364277" y="1879477"/>
+                <a:ext cx="1348511" cy="523220"/>
+              </a:xfrm>
+              <a:prstGeom prst="rect">
+                <a:avLst/>
+              </a:prstGeom>
+              <a:blipFill>
+                <a:blip r:embed="rId4"/>
+                <a:stretch>
+                  <a:fillRect l="-1770" b="-4444"/>
+                </a:stretch>
+              </a:blipFill>
+            </p:spPr>
+            <p:txBody>
+              <a:bodyPr/>
+              <a:lstStyle/>
+              <a:p>
+                <a:r>
+                  <a:rPr lang="ru-RU">
+                    <a:noFill/>
+                  </a:rPr>
+                  <a:t> </a:t>
+                </a:r>
+              </a:p>
+            </p:txBody>
+          </p:sp>
+        </mc:Fallback>
+      </mc:AlternateContent>
+      <p:sp>
+        <p:nvSpPr>
+          <p:cNvPr id="11" name="TextBox 10">
+            <a:extLst>
+              <a:ext uri="{FF2B5EF4-FFF2-40B4-BE49-F238E27FC236}">
+                <a16:creationId xmlns:a16="http://schemas.microsoft.com/office/drawing/2014/main" id="{79FB87EB-D79C-014C-B96C-DD41C0158E51}"/>
+              </a:ext>
+            </a:extLst>
+          </p:cNvPr>
+          <p:cNvSpPr txBox="1"/>
+          <p:nvPr/>
+        </p:nvSpPr>
+        <p:spPr>
+          <a:xfrm rot="19800000">
+            <a:off x="6578334" y="1879478"/>
+            <a:ext cx="1076385" cy="523220"/>
+          </a:xfrm>
+          <a:prstGeom prst="rect">
+            <a:avLst/>
+          </a:prstGeom>
+          <a:noFill/>
+        </p:spPr>
+        <p:txBody>
+          <a:bodyPr wrap="none" rtlCol="0">
+            <a:spAutoFit/>
+          </a:bodyPr>
+          <a:lstStyle/>
+          <a:p>
+            <a:r>
+              <a:rPr lang="ru-RU" sz="1400" dirty="0"/>
+              <a:t>Средняя</a:t>
+            </a:r>
+          </a:p>
+          <a:p>
+            <a:r>
+              <a:rPr lang="ru-RU" sz="1400" dirty="0"/>
+              <a:t>чистота тем</a:t>
+            </a:r>
+          </a:p>
+        </p:txBody>
+      </p:sp>
+      <p:sp>
+        <p:nvSpPr>
+          <p:cNvPr id="12" name="TextBox 11">
+            <a:extLst>
+              <a:ext uri="{FF2B5EF4-FFF2-40B4-BE49-F238E27FC236}">
+                <a16:creationId xmlns:a16="http://schemas.microsoft.com/office/drawing/2014/main" id="{8A9FDDC2-A9A0-4F4F-B1DE-DDF10F69D5E2}"/>
+              </a:ext>
+            </a:extLst>
+          </p:cNvPr>
+          <p:cNvSpPr txBox="1"/>
+          <p:nvPr/>
+        </p:nvSpPr>
+        <p:spPr>
+          <a:xfrm rot="19800000">
+            <a:off x="784991" y="5993210"/>
+            <a:ext cx="1168525" cy="523220"/>
+          </a:xfrm>
+          <a:prstGeom prst="rect">
+            <a:avLst/>
+          </a:prstGeom>
+          <a:noFill/>
+        </p:spPr>
+        <p:txBody>
+          <a:bodyPr wrap="none" rtlCol="0">
+            <a:spAutoFit/>
+          </a:bodyPr>
+          <a:lstStyle/>
+          <a:p>
+            <a:r>
+              <a:rPr lang="ru-RU" sz="1400" dirty="0"/>
+              <a:t>Средний</a:t>
+            </a:r>
+          </a:p>
+          <a:p>
+            <a:r>
+              <a:rPr lang="ru-RU" sz="1400" dirty="0"/>
+              <a:t>контраст тем</a:t>
+            </a:r>
+          </a:p>
+        </p:txBody>
+      </p:sp>
+      <p:sp>
+        <p:nvSpPr>
+          <p:cNvPr id="13" name="TextBox 12">
+            <a:extLst>
+              <a:ext uri="{FF2B5EF4-FFF2-40B4-BE49-F238E27FC236}">
+                <a16:creationId xmlns:a16="http://schemas.microsoft.com/office/drawing/2014/main" id="{1902587E-CC3B-F542-BA1A-B6B7FBDB3D9C}"/>
+              </a:ext>
+            </a:extLst>
+          </p:cNvPr>
+          <p:cNvSpPr txBox="1"/>
+          <p:nvPr/>
+        </p:nvSpPr>
+        <p:spPr>
+          <a:xfrm rot="19800000">
+            <a:off x="3422389" y="5993211"/>
+            <a:ext cx="898579" cy="523220"/>
+          </a:xfrm>
+          <a:prstGeom prst="rect">
+            <a:avLst/>
+          </a:prstGeom>
+          <a:noFill/>
+        </p:spPr>
+        <p:txBody>
+          <a:bodyPr wrap="none" rtlCol="0">
+            <a:spAutoFit/>
+          </a:bodyPr>
+          <a:lstStyle/>
+          <a:p>
+            <a:r>
+              <a:rPr lang="ru-RU" sz="1400" dirty="0"/>
+              <a:t>Контраст</a:t>
+            </a:r>
+          </a:p>
+          <a:p>
+            <a:r>
+              <a:rPr lang="ru-RU" sz="1400" dirty="0"/>
+              <a:t>по темам</a:t>
+            </a:r>
+          </a:p>
+        </p:txBody>
+      </p:sp>
+      <p:sp>
+        <p:nvSpPr>
+          <p:cNvPr id="14" name="TextBox 13">
+            <a:extLst>
+              <a:ext uri="{FF2B5EF4-FFF2-40B4-BE49-F238E27FC236}">
+                <a16:creationId xmlns:a16="http://schemas.microsoft.com/office/drawing/2014/main" id="{7D72F21E-9AA9-3841-A729-76D91E7777B8}"/>
+              </a:ext>
+            </a:extLst>
+          </p:cNvPr>
+          <p:cNvSpPr txBox="1"/>
+          <p:nvPr/>
+        </p:nvSpPr>
+        <p:spPr>
+          <a:xfrm rot="19800000">
+            <a:off x="9023680" y="1927537"/>
+            <a:ext cx="898579" cy="523220"/>
+          </a:xfrm>
+          <a:prstGeom prst="rect">
+            <a:avLst/>
+          </a:prstGeom>
+          <a:noFill/>
+        </p:spPr>
+        <p:txBody>
+          <a:bodyPr wrap="none" rtlCol="0">
+            <a:spAutoFit/>
+          </a:bodyPr>
+          <a:lstStyle/>
+          <a:p>
+            <a:r>
+              <a:rPr lang="ru-RU" sz="1400" dirty="0"/>
+              <a:t>Чистота</a:t>
+            </a:r>
+          </a:p>
+          <a:p>
+            <a:r>
+              <a:rPr lang="ru-RU" sz="1400" dirty="0"/>
+              <a:t>по темам</a:t>
+            </a:r>
+          </a:p>
+        </p:txBody>
+      </p:sp>
+      <p:sp>
+        <p:nvSpPr>
+          <p:cNvPr id="15" name="TextBox 14">
+            <a:extLst>
+              <a:ext uri="{FF2B5EF4-FFF2-40B4-BE49-F238E27FC236}">
+                <a16:creationId xmlns:a16="http://schemas.microsoft.com/office/drawing/2014/main" id="{10D9DC55-3B73-7347-A795-B082663A6988}"/>
+              </a:ext>
+            </a:extLst>
+          </p:cNvPr>
+          <p:cNvSpPr txBox="1"/>
+          <p:nvPr/>
+        </p:nvSpPr>
+        <p:spPr>
+          <a:xfrm rot="19800000">
+            <a:off x="8820480" y="6097060"/>
+            <a:ext cx="898579" cy="523220"/>
+          </a:xfrm>
+          <a:prstGeom prst="rect">
+            <a:avLst/>
+          </a:prstGeom>
+          <a:noFill/>
+        </p:spPr>
+        <p:txBody>
+          <a:bodyPr wrap="none" rtlCol="0">
+            <a:spAutoFit/>
+          </a:bodyPr>
+          <a:lstStyle/>
+          <a:p>
+            <a:r>
+              <a:rPr lang="ru-RU" sz="1400" dirty="0"/>
+              <a:t>Размер</a:t>
+            </a:r>
+          </a:p>
+          <a:p>
+            <a:r>
+              <a:rPr lang="ru-RU" sz="1400" dirty="0"/>
+              <a:t>по темам</a:t>
+            </a:r>
+          </a:p>
+        </p:txBody>
+      </p:sp>
+      <p:sp>
+        <p:nvSpPr>
+          <p:cNvPr id="16" name="TextBox 15">
+            <a:extLst>
+              <a:ext uri="{FF2B5EF4-FFF2-40B4-BE49-F238E27FC236}">
+                <a16:creationId xmlns:a16="http://schemas.microsoft.com/office/drawing/2014/main" id="{6247D933-857F-924D-95C8-43ACB2B592F3}"/>
+              </a:ext>
+            </a:extLst>
+          </p:cNvPr>
+          <p:cNvSpPr txBox="1"/>
+          <p:nvPr/>
+        </p:nvSpPr>
+        <p:spPr>
+          <a:xfrm rot="19800000">
+            <a:off x="6332443" y="5976480"/>
+            <a:ext cx="1065292" cy="523220"/>
+          </a:xfrm>
+          <a:prstGeom prst="rect">
+            <a:avLst/>
+          </a:prstGeom>
+          <a:noFill/>
+        </p:spPr>
+        <p:txBody>
+          <a:bodyPr wrap="none" rtlCol="0">
+            <a:spAutoFit/>
+          </a:bodyPr>
+          <a:lstStyle/>
+          <a:p>
+            <a:r>
+              <a:rPr lang="ru-RU" sz="1400" dirty="0"/>
+              <a:t>Средний</a:t>
+            </a:r>
+          </a:p>
+          <a:p>
+            <a:r>
+              <a:rPr lang="ru-RU" sz="1400" dirty="0"/>
+              <a:t>размер тем</a:t>
+            </a:r>
+          </a:p>
+        </p:txBody>
+      </p:sp>
+      <p:sp>
+        <p:nvSpPr>
+          <p:cNvPr id="19" name="Прямоугольник 18">
+            <a:extLst>
+              <a:ext uri="{FF2B5EF4-FFF2-40B4-BE49-F238E27FC236}">
+                <a16:creationId xmlns:a16="http://schemas.microsoft.com/office/drawing/2014/main" id="{28158B39-333F-2740-A9FF-6DBFC3D3E3E6}"/>
+              </a:ext>
+            </a:extLst>
+          </p:cNvPr>
+          <p:cNvSpPr/>
+          <p:nvPr/>
+        </p:nvSpPr>
+        <p:spPr>
+          <a:xfrm>
+            <a:off x="487387" y="3068569"/>
+            <a:ext cx="100976" cy="499274"/>
+          </a:xfrm>
+          <a:prstGeom prst="rect">
+            <a:avLst/>
+          </a:prstGeom>
+          <a:ln>
+            <a:noFill/>
+          </a:ln>
+        </p:spPr>
+        <p:style>
+          <a:lnRef idx="2">
+            <a:schemeClr val="accent6"/>
+          </a:lnRef>
+          <a:fillRef idx="1">
+            <a:schemeClr val="lt1"/>
+          </a:fillRef>
+          <a:effectRef idx="0">
+            <a:schemeClr val="accent6"/>
+          </a:effectRef>
+          <a:fontRef idx="minor">
+            <a:schemeClr val="dk1"/>
+          </a:fontRef>
+        </p:style>
+        <p:txBody>
+          <a:bodyPr rtlCol="0" anchor="ctr"/>
+          <a:lstStyle/>
+          <a:p>
+            <a:pPr algn="ctr"/>
+            <a:endParaRPr lang="ru-RU"/>
+          </a:p>
+        </p:txBody>
+      </p:sp>
+      <p:sp>
+        <p:nvSpPr>
+          <p:cNvPr id="20" name="Прямоугольник 19">
+            <a:extLst>
+              <a:ext uri="{FF2B5EF4-FFF2-40B4-BE49-F238E27FC236}">
+                <a16:creationId xmlns:a16="http://schemas.microsoft.com/office/drawing/2014/main" id="{21B70D7D-2798-CA4B-AD30-723F5E66C490}"/>
+              </a:ext>
+            </a:extLst>
+          </p:cNvPr>
+          <p:cNvSpPr/>
+          <p:nvPr/>
+        </p:nvSpPr>
+        <p:spPr>
+          <a:xfrm>
+            <a:off x="2222748" y="3068569"/>
+            <a:ext cx="100976" cy="499274"/>
+          </a:xfrm>
+          <a:prstGeom prst="rect">
+            <a:avLst/>
+          </a:prstGeom>
+          <a:ln>
+            <a:noFill/>
+          </a:ln>
+        </p:spPr>
+        <p:style>
+          <a:lnRef idx="2">
+            <a:schemeClr val="accent6"/>
+          </a:lnRef>
+          <a:fillRef idx="1">
+            <a:schemeClr val="lt1"/>
+          </a:fillRef>
+          <a:effectRef idx="0">
+            <a:schemeClr val="accent6"/>
+          </a:effectRef>
+          <a:fontRef idx="minor">
+            <a:schemeClr val="dk1"/>
+          </a:fontRef>
+        </p:style>
+        <p:txBody>
+          <a:bodyPr rtlCol="0" anchor="ctr"/>
+          <a:lstStyle/>
+          <a:p>
+            <a:pPr algn="ctr"/>
+            <a:endParaRPr lang="ru-RU"/>
+          </a:p>
+        </p:txBody>
+      </p:sp>
+      <p:sp>
+        <p:nvSpPr>
+          <p:cNvPr id="21" name="Прямоугольник 20">
+            <a:extLst>
+              <a:ext uri="{FF2B5EF4-FFF2-40B4-BE49-F238E27FC236}">
+                <a16:creationId xmlns:a16="http://schemas.microsoft.com/office/drawing/2014/main" id="{E6AF3F21-11AF-3B47-9F58-C7BBAD577731}"/>
+              </a:ext>
+            </a:extLst>
+          </p:cNvPr>
+          <p:cNvSpPr/>
+          <p:nvPr/>
+        </p:nvSpPr>
+        <p:spPr>
+          <a:xfrm>
+            <a:off x="3953298" y="2970612"/>
+            <a:ext cx="100976" cy="681378"/>
+          </a:xfrm>
+          <a:prstGeom prst="rect">
+            <a:avLst/>
+          </a:prstGeom>
+          <a:ln>
+            <a:noFill/>
+          </a:ln>
+        </p:spPr>
+        <p:style>
+          <a:lnRef idx="2">
+            <a:schemeClr val="accent6"/>
+          </a:lnRef>
+          <a:fillRef idx="1">
+            <a:schemeClr val="lt1"/>
+          </a:fillRef>
+          <a:effectRef idx="0">
+            <a:schemeClr val="accent6"/>
+          </a:effectRef>
+          <a:fontRef idx="minor">
+            <a:schemeClr val="dk1"/>
+          </a:fontRef>
+        </p:style>
+        <p:txBody>
+          <a:bodyPr rtlCol="0" anchor="ctr"/>
+          <a:lstStyle/>
+          <a:p>
+            <a:pPr algn="ctr"/>
+            <a:endParaRPr lang="ru-RU"/>
+          </a:p>
+        </p:txBody>
+      </p:sp>
+      <p:sp>
+        <p:nvSpPr>
+          <p:cNvPr id="22" name="Прямоугольник 21">
+            <a:extLst>
+              <a:ext uri="{FF2B5EF4-FFF2-40B4-BE49-F238E27FC236}">
+                <a16:creationId xmlns:a16="http://schemas.microsoft.com/office/drawing/2014/main" id="{BB8A1861-8401-124F-8BA3-665E6393A712}"/>
+              </a:ext>
+            </a:extLst>
+          </p:cNvPr>
+          <p:cNvSpPr/>
+          <p:nvPr/>
+        </p:nvSpPr>
+        <p:spPr>
+          <a:xfrm>
+            <a:off x="5873204" y="2766324"/>
+            <a:ext cx="74335" cy="1029942"/>
+          </a:xfrm>
+          <a:prstGeom prst="rect">
+            <a:avLst/>
+          </a:prstGeom>
+          <a:ln>
+            <a:noFill/>
+          </a:ln>
+        </p:spPr>
+        <p:style>
+          <a:lnRef idx="2">
+            <a:schemeClr val="accent6"/>
+          </a:lnRef>
+          <a:fillRef idx="1">
+            <a:schemeClr val="lt1"/>
+          </a:fillRef>
+          <a:effectRef idx="0">
+            <a:schemeClr val="accent6"/>
+          </a:effectRef>
+          <a:fontRef idx="minor">
+            <a:schemeClr val="dk1"/>
+          </a:fontRef>
+        </p:style>
+        <p:txBody>
+          <a:bodyPr rtlCol="0" anchor="ctr"/>
+          <a:lstStyle/>
+          <a:p>
+            <a:pPr algn="ctr"/>
+            <a:endParaRPr lang="ru-RU"/>
+          </a:p>
+        </p:txBody>
+      </p:sp>
+      <p:sp>
+        <p:nvSpPr>
+          <p:cNvPr id="24" name="Прямоугольник 23">
+            <a:extLst>
+              <a:ext uri="{FF2B5EF4-FFF2-40B4-BE49-F238E27FC236}">
+                <a16:creationId xmlns:a16="http://schemas.microsoft.com/office/drawing/2014/main" id="{68C67A3C-E792-3D4C-BD93-42DF920FE40C}"/>
+              </a:ext>
+            </a:extLst>
+          </p:cNvPr>
+          <p:cNvSpPr/>
+          <p:nvPr/>
+        </p:nvSpPr>
+        <p:spPr>
+          <a:xfrm>
+            <a:off x="7591967" y="2914029"/>
+            <a:ext cx="74335" cy="1029942"/>
+          </a:xfrm>
+          <a:prstGeom prst="rect">
+            <a:avLst/>
+          </a:prstGeom>
+          <a:ln>
+            <a:noFill/>
+          </a:ln>
+        </p:spPr>
+        <p:style>
+          <a:lnRef idx="2">
+            <a:schemeClr val="accent6"/>
+          </a:lnRef>
+          <a:fillRef idx="1">
+            <a:schemeClr val="lt1"/>
+          </a:fillRef>
+          <a:effectRef idx="0">
+            <a:schemeClr val="accent6"/>
+          </a:effectRef>
+          <a:fontRef idx="minor">
+            <a:schemeClr val="dk1"/>
+          </a:fontRef>
+        </p:style>
+        <p:txBody>
+          <a:bodyPr rtlCol="0" anchor="ctr"/>
+          <a:lstStyle/>
+          <a:p>
+            <a:pPr algn="ctr"/>
+            <a:endParaRPr lang="ru-RU"/>
+          </a:p>
+        </p:txBody>
+      </p:sp>
+      <p:sp>
+        <p:nvSpPr>
+          <p:cNvPr id="25" name="Прямоугольник 24">
+            <a:extLst>
+              <a:ext uri="{FF2B5EF4-FFF2-40B4-BE49-F238E27FC236}">
+                <a16:creationId xmlns:a16="http://schemas.microsoft.com/office/drawing/2014/main" id="{0E9BA1E1-EC15-BD43-8764-D115CFEE56DF}"/>
+              </a:ext>
+            </a:extLst>
+          </p:cNvPr>
+          <p:cNvSpPr/>
+          <p:nvPr/>
+        </p:nvSpPr>
+        <p:spPr>
+          <a:xfrm>
+            <a:off x="7543579" y="4433374"/>
+            <a:ext cx="74335" cy="1029942"/>
+          </a:xfrm>
+          <a:prstGeom prst="rect">
+            <a:avLst/>
+          </a:prstGeom>
+          <a:ln>
+            <a:noFill/>
+          </a:ln>
+        </p:spPr>
+        <p:style>
+          <a:lnRef idx="2">
+            <a:schemeClr val="accent6"/>
+          </a:lnRef>
+          <a:fillRef idx="1">
+            <a:schemeClr val="lt1"/>
+          </a:fillRef>
+          <a:effectRef idx="0">
+            <a:schemeClr val="accent6"/>
+          </a:effectRef>
+          <a:fontRef idx="minor">
+            <a:schemeClr val="dk1"/>
+          </a:fontRef>
+        </p:style>
+        <p:txBody>
+          <a:bodyPr rtlCol="0" anchor="ctr"/>
+          <a:lstStyle/>
+          <a:p>
+            <a:pPr algn="ctr"/>
+            <a:endParaRPr lang="ru-RU"/>
+          </a:p>
+        </p:txBody>
+      </p:sp>
+      <p:sp>
+        <p:nvSpPr>
+          <p:cNvPr id="26" name="Прямоугольник 25">
+            <a:extLst>
+              <a:ext uri="{FF2B5EF4-FFF2-40B4-BE49-F238E27FC236}">
+                <a16:creationId xmlns:a16="http://schemas.microsoft.com/office/drawing/2014/main" id="{A054A274-D8E9-AA4D-8921-78D005A6E158}"/>
+              </a:ext>
+            </a:extLst>
+          </p:cNvPr>
+          <p:cNvSpPr/>
+          <p:nvPr/>
+        </p:nvSpPr>
+        <p:spPr>
+          <a:xfrm>
+            <a:off x="5819206" y="4438984"/>
+            <a:ext cx="74335" cy="1029942"/>
+          </a:xfrm>
+          <a:prstGeom prst="rect">
+            <a:avLst/>
+          </a:prstGeom>
+          <a:ln>
+            <a:noFill/>
+          </a:ln>
+        </p:spPr>
+        <p:style>
+          <a:lnRef idx="2">
+            <a:schemeClr val="accent6"/>
+          </a:lnRef>
+          <a:fillRef idx="1">
+            <a:schemeClr val="lt1"/>
+          </a:fillRef>
+          <a:effectRef idx="0">
+            <a:schemeClr val="accent6"/>
+          </a:effectRef>
+          <a:fontRef idx="minor">
+            <a:schemeClr val="dk1"/>
+          </a:fontRef>
+        </p:style>
+        <p:txBody>
+          <a:bodyPr rtlCol="0" anchor="ctr"/>
+          <a:lstStyle/>
+          <a:p>
+            <a:pPr algn="ctr"/>
+            <a:endParaRPr lang="ru-RU"/>
+          </a:p>
+        </p:txBody>
+      </p:sp>
+      <p:sp>
+        <p:nvSpPr>
+          <p:cNvPr id="27" name="Прямоугольник 26">
+            <a:extLst>
+              <a:ext uri="{FF2B5EF4-FFF2-40B4-BE49-F238E27FC236}">
+                <a16:creationId xmlns:a16="http://schemas.microsoft.com/office/drawing/2014/main" id="{B1263DAD-8768-114F-901F-94FEE3252879}"/>
+              </a:ext>
+            </a:extLst>
+          </p:cNvPr>
+          <p:cNvSpPr/>
+          <p:nvPr/>
+        </p:nvSpPr>
+        <p:spPr>
+          <a:xfrm>
+            <a:off x="511235" y="4337284"/>
+            <a:ext cx="100976" cy="1266922"/>
+          </a:xfrm>
+          <a:prstGeom prst="rect">
+            <a:avLst/>
+          </a:prstGeom>
+          <a:ln>
+            <a:noFill/>
+          </a:ln>
+        </p:spPr>
+        <p:style>
+          <a:lnRef idx="2">
+            <a:schemeClr val="accent6"/>
+          </a:lnRef>
+          <a:fillRef idx="1">
+            <a:schemeClr val="lt1"/>
+          </a:fillRef>
+          <a:effectRef idx="0">
+            <a:schemeClr val="accent6"/>
+          </a:effectRef>
+          <a:fontRef idx="minor">
+            <a:schemeClr val="dk1"/>
+          </a:fontRef>
+        </p:style>
+        <p:txBody>
+          <a:bodyPr rtlCol="0" anchor="ctr"/>
+          <a:lstStyle/>
+          <a:p>
+            <a:pPr algn="ctr"/>
+            <a:endParaRPr lang="ru-RU"/>
+          </a:p>
+        </p:txBody>
+      </p:sp>
+      <p:sp>
+        <p:nvSpPr>
+          <p:cNvPr id="28" name="Прямоугольник 27">
+            <a:extLst>
+              <a:ext uri="{FF2B5EF4-FFF2-40B4-BE49-F238E27FC236}">
+                <a16:creationId xmlns:a16="http://schemas.microsoft.com/office/drawing/2014/main" id="{30FB6EFC-7F3E-A047-AC1C-539EB4C66B60}"/>
+              </a:ext>
+            </a:extLst>
+          </p:cNvPr>
+          <p:cNvSpPr/>
+          <p:nvPr/>
+        </p:nvSpPr>
+        <p:spPr>
+          <a:xfrm>
+            <a:off x="871865" y="5795071"/>
+            <a:ext cx="1294307" cy="96302"/>
+          </a:xfrm>
+          <a:prstGeom prst="rect">
+            <a:avLst/>
+          </a:prstGeom>
+          <a:ln>
+            <a:noFill/>
+          </a:ln>
+        </p:spPr>
+        <p:style>
+          <a:lnRef idx="2">
+            <a:schemeClr val="accent6"/>
+          </a:lnRef>
+          <a:fillRef idx="1">
+            <a:schemeClr val="lt1"/>
+          </a:fillRef>
+          <a:effectRef idx="0">
+            <a:schemeClr val="accent6"/>
+          </a:effectRef>
+          <a:fontRef idx="minor">
+            <a:schemeClr val="dk1"/>
+          </a:fontRef>
+        </p:style>
+        <p:txBody>
+          <a:bodyPr rtlCol="0" anchor="ctr"/>
+          <a:lstStyle/>
+          <a:p>
+            <a:pPr algn="ctr"/>
+            <a:endParaRPr lang="ru-RU"/>
+          </a:p>
+        </p:txBody>
+      </p:sp>
+      <p:sp>
+        <p:nvSpPr>
+          <p:cNvPr id="29" name="Прямоугольник 28">
+            <a:extLst>
+              <a:ext uri="{FF2B5EF4-FFF2-40B4-BE49-F238E27FC236}">
+                <a16:creationId xmlns:a16="http://schemas.microsoft.com/office/drawing/2014/main" id="{F9CB636E-EDA6-114E-98AF-05680AD807DE}"/>
+              </a:ext>
+            </a:extLst>
+          </p:cNvPr>
+          <p:cNvSpPr/>
+          <p:nvPr/>
+        </p:nvSpPr>
+        <p:spPr>
+          <a:xfrm>
+            <a:off x="811092" y="4135689"/>
+            <a:ext cx="1294307" cy="96302"/>
+          </a:xfrm>
+          <a:prstGeom prst="rect">
+            <a:avLst/>
+          </a:prstGeom>
+          <a:ln>
+            <a:noFill/>
+          </a:ln>
+        </p:spPr>
+        <p:style>
+          <a:lnRef idx="2">
+            <a:schemeClr val="accent6"/>
+          </a:lnRef>
+          <a:fillRef idx="1">
+            <a:schemeClr val="lt1"/>
+          </a:fillRef>
+          <a:effectRef idx="0">
+            <a:schemeClr val="accent6"/>
+          </a:effectRef>
+          <a:fontRef idx="minor">
+            <a:schemeClr val="dk1"/>
+          </a:fontRef>
+        </p:style>
+        <p:txBody>
+          <a:bodyPr rtlCol="0" anchor="ctr"/>
+          <a:lstStyle/>
+          <a:p>
+            <a:pPr algn="ctr"/>
+            <a:endParaRPr lang="ru-RU"/>
+          </a:p>
+        </p:txBody>
+      </p:sp>
+      <p:sp>
+        <p:nvSpPr>
+          <p:cNvPr id="30" name="Прямоугольник 29">
+            <a:extLst>
+              <a:ext uri="{FF2B5EF4-FFF2-40B4-BE49-F238E27FC236}">
+                <a16:creationId xmlns:a16="http://schemas.microsoft.com/office/drawing/2014/main" id="{9F2E993F-5678-3747-98BE-3ACF8B7B429D}"/>
+              </a:ext>
+            </a:extLst>
+          </p:cNvPr>
+          <p:cNvSpPr/>
+          <p:nvPr/>
+        </p:nvSpPr>
+        <p:spPr>
+          <a:xfrm>
+            <a:off x="2403792" y="4111552"/>
+            <a:ext cx="1294307" cy="96302"/>
+          </a:xfrm>
+          <a:prstGeom prst="rect">
+            <a:avLst/>
+          </a:prstGeom>
+          <a:ln>
+            <a:noFill/>
+          </a:ln>
+        </p:spPr>
+        <p:style>
+          <a:lnRef idx="2">
+            <a:schemeClr val="accent6"/>
+          </a:lnRef>
+          <a:fillRef idx="1">
+            <a:schemeClr val="lt1"/>
+          </a:fillRef>
+          <a:effectRef idx="0">
+            <a:schemeClr val="accent6"/>
+          </a:effectRef>
+          <a:fontRef idx="minor">
+            <a:schemeClr val="dk1"/>
+          </a:fontRef>
+        </p:style>
+        <p:txBody>
+          <a:bodyPr rtlCol="0" anchor="ctr"/>
+          <a:lstStyle/>
+          <a:p>
+            <a:pPr algn="ctr"/>
+            <a:endParaRPr lang="ru-RU"/>
+          </a:p>
+        </p:txBody>
+      </p:sp>
+      <p:sp>
+        <p:nvSpPr>
+          <p:cNvPr id="31" name="Прямоугольник 30">
+            <a:extLst>
+              <a:ext uri="{FF2B5EF4-FFF2-40B4-BE49-F238E27FC236}">
+                <a16:creationId xmlns:a16="http://schemas.microsoft.com/office/drawing/2014/main" id="{00BC74A3-E980-3844-8BFE-BC1DE888BC93}"/>
+              </a:ext>
+            </a:extLst>
+          </p:cNvPr>
+          <p:cNvSpPr/>
+          <p:nvPr/>
+        </p:nvSpPr>
+        <p:spPr>
+          <a:xfrm>
+            <a:off x="4182592" y="4129143"/>
+            <a:ext cx="1294307" cy="96302"/>
+          </a:xfrm>
+          <a:prstGeom prst="rect">
+            <a:avLst/>
+          </a:prstGeom>
+          <a:ln>
+            <a:noFill/>
+          </a:ln>
+        </p:spPr>
+        <p:style>
+          <a:lnRef idx="2">
+            <a:schemeClr val="accent6"/>
+          </a:lnRef>
+          <a:fillRef idx="1">
+            <a:schemeClr val="lt1"/>
+          </a:fillRef>
+          <a:effectRef idx="0">
+            <a:schemeClr val="accent6"/>
+          </a:effectRef>
+          <a:fontRef idx="minor">
+            <a:schemeClr val="dk1"/>
+          </a:fontRef>
+        </p:style>
+        <p:txBody>
+          <a:bodyPr rtlCol="0" anchor="ctr"/>
+          <a:lstStyle/>
+          <a:p>
+            <a:pPr algn="ctr"/>
+            <a:endParaRPr lang="ru-RU"/>
+          </a:p>
+        </p:txBody>
+      </p:sp>
+      <p:sp>
+        <p:nvSpPr>
+          <p:cNvPr id="32" name="Прямоугольник 31">
+            <a:extLst>
+              <a:ext uri="{FF2B5EF4-FFF2-40B4-BE49-F238E27FC236}">
+                <a16:creationId xmlns:a16="http://schemas.microsoft.com/office/drawing/2014/main" id="{6E980D64-33CF-C941-B612-379044CC19C4}"/>
+              </a:ext>
+            </a:extLst>
+          </p:cNvPr>
+          <p:cNvSpPr/>
+          <p:nvPr/>
+        </p:nvSpPr>
+        <p:spPr>
+          <a:xfrm>
+            <a:off x="6116908" y="4119317"/>
+            <a:ext cx="1294307" cy="96302"/>
+          </a:xfrm>
+          <a:prstGeom prst="rect">
+            <a:avLst/>
+          </a:prstGeom>
+          <a:ln>
+            <a:noFill/>
+          </a:ln>
+        </p:spPr>
+        <p:style>
+          <a:lnRef idx="2">
+            <a:schemeClr val="accent6"/>
+          </a:lnRef>
+          <a:fillRef idx="1">
+            <a:schemeClr val="lt1"/>
+          </a:fillRef>
+          <a:effectRef idx="0">
+            <a:schemeClr val="accent6"/>
+          </a:effectRef>
+          <a:fontRef idx="minor">
+            <a:schemeClr val="dk1"/>
+          </a:fontRef>
+        </p:style>
+        <p:txBody>
+          <a:bodyPr rtlCol="0" anchor="ctr"/>
+          <a:lstStyle/>
+          <a:p>
+            <a:pPr algn="ctr"/>
+            <a:endParaRPr lang="ru-RU"/>
+          </a:p>
+        </p:txBody>
+      </p:sp>
+      <p:sp>
+        <p:nvSpPr>
+          <p:cNvPr id="33" name="Прямоугольник 32">
+            <a:extLst>
+              <a:ext uri="{FF2B5EF4-FFF2-40B4-BE49-F238E27FC236}">
+                <a16:creationId xmlns:a16="http://schemas.microsoft.com/office/drawing/2014/main" id="{50DC4E01-64F1-4141-876A-4B90E812FA32}"/>
+              </a:ext>
+            </a:extLst>
+          </p:cNvPr>
+          <p:cNvSpPr/>
+          <p:nvPr/>
+        </p:nvSpPr>
+        <p:spPr>
+          <a:xfrm>
+            <a:off x="1024265" y="5947471"/>
+            <a:ext cx="1294307" cy="96302"/>
+          </a:xfrm>
+          <a:prstGeom prst="rect">
+            <a:avLst/>
+          </a:prstGeom>
+          <a:ln>
+            <a:noFill/>
+          </a:ln>
+        </p:spPr>
+        <p:style>
+          <a:lnRef idx="2">
+            <a:schemeClr val="accent6"/>
+          </a:lnRef>
+          <a:fillRef idx="1">
+            <a:schemeClr val="lt1"/>
+          </a:fillRef>
+          <a:effectRef idx="0">
+            <a:schemeClr val="accent6"/>
+          </a:effectRef>
+          <a:fontRef idx="minor">
+            <a:schemeClr val="dk1"/>
+          </a:fontRef>
+        </p:style>
+        <p:txBody>
+          <a:bodyPr rtlCol="0" anchor="ctr"/>
+          <a:lstStyle/>
+          <a:p>
+            <a:pPr algn="ctr"/>
+            <a:endParaRPr lang="ru-RU"/>
+          </a:p>
+        </p:txBody>
+      </p:sp>
+      <p:sp>
+        <p:nvSpPr>
+          <p:cNvPr id="34" name="Прямоугольник 33">
+            <a:extLst>
+              <a:ext uri="{FF2B5EF4-FFF2-40B4-BE49-F238E27FC236}">
+                <a16:creationId xmlns:a16="http://schemas.microsoft.com/office/drawing/2014/main" id="{0212531E-0202-604C-8B5E-B1C0109ED3F7}"/>
+              </a:ext>
+            </a:extLst>
+          </p:cNvPr>
+          <p:cNvSpPr/>
+          <p:nvPr/>
+        </p:nvSpPr>
+        <p:spPr>
+          <a:xfrm>
+            <a:off x="6006221" y="5755464"/>
+            <a:ext cx="1294307" cy="96302"/>
+          </a:xfrm>
+          <a:prstGeom prst="rect">
+            <a:avLst/>
+          </a:prstGeom>
+          <a:ln>
+            <a:noFill/>
+          </a:ln>
+        </p:spPr>
+        <p:style>
+          <a:lnRef idx="2">
+            <a:schemeClr val="accent6"/>
+          </a:lnRef>
+          <a:fillRef idx="1">
+            <a:schemeClr val="lt1"/>
+          </a:fillRef>
+          <a:effectRef idx="0">
+            <a:schemeClr val="accent6"/>
+          </a:effectRef>
+          <a:fontRef idx="minor">
+            <a:schemeClr val="dk1"/>
+          </a:fontRef>
+        </p:style>
+        <p:txBody>
+          <a:bodyPr rtlCol="0" anchor="ctr"/>
+          <a:lstStyle/>
+          <a:p>
+            <a:pPr algn="ctr"/>
+            <a:endParaRPr lang="ru-RU"/>
+          </a:p>
+        </p:txBody>
+      </p:sp>
+      <p:sp>
+        <p:nvSpPr>
+          <p:cNvPr id="35" name="Прямоугольник 34">
+            <a:extLst>
+              <a:ext uri="{FF2B5EF4-FFF2-40B4-BE49-F238E27FC236}">
+                <a16:creationId xmlns:a16="http://schemas.microsoft.com/office/drawing/2014/main" id="{D734894E-8869-3747-B620-38DB342FD46F}"/>
+              </a:ext>
+            </a:extLst>
+          </p:cNvPr>
+          <p:cNvSpPr/>
+          <p:nvPr/>
+        </p:nvSpPr>
+        <p:spPr>
+          <a:xfrm>
+            <a:off x="7969937" y="5707312"/>
+            <a:ext cx="2918716" cy="383559"/>
+          </a:xfrm>
+          <a:prstGeom prst="rect">
+            <a:avLst/>
+          </a:prstGeom>
+          <a:ln>
+            <a:noFill/>
+          </a:ln>
+        </p:spPr>
+        <p:style>
+          <a:lnRef idx="2">
+            <a:schemeClr val="accent6"/>
+          </a:lnRef>
+          <a:fillRef idx="1">
+            <a:schemeClr val="lt1"/>
+          </a:fillRef>
+          <a:effectRef idx="0">
+            <a:schemeClr val="accent6"/>
+          </a:effectRef>
+          <a:fontRef idx="minor">
+            <a:schemeClr val="dk1"/>
+          </a:fontRef>
+        </p:style>
+        <p:txBody>
+          <a:bodyPr rtlCol="0" anchor="ctr"/>
+          <a:lstStyle/>
+          <a:p>
+            <a:pPr algn="ctr"/>
+            <a:endParaRPr lang="ru-RU"/>
+          </a:p>
+        </p:txBody>
+      </p:sp>
+      <p:sp>
+        <p:nvSpPr>
+          <p:cNvPr id="36" name="Прямоугольник 35">
+            <a:extLst>
+              <a:ext uri="{FF2B5EF4-FFF2-40B4-BE49-F238E27FC236}">
+                <a16:creationId xmlns:a16="http://schemas.microsoft.com/office/drawing/2014/main" id="{80B31579-6ED7-5440-B675-87EFAF518993}"/>
+              </a:ext>
+            </a:extLst>
+          </p:cNvPr>
+          <p:cNvSpPr/>
+          <p:nvPr/>
+        </p:nvSpPr>
+        <p:spPr>
+          <a:xfrm>
+            <a:off x="7937931" y="4033665"/>
+            <a:ext cx="2918716" cy="241015"/>
+          </a:xfrm>
+          <a:prstGeom prst="rect">
+            <a:avLst/>
+          </a:prstGeom>
+          <a:ln>
+            <a:noFill/>
+          </a:ln>
+        </p:spPr>
+        <p:style>
+          <a:lnRef idx="2">
+            <a:schemeClr val="accent6"/>
+          </a:lnRef>
+          <a:fillRef idx="1">
+            <a:schemeClr val="lt1"/>
+          </a:fillRef>
+          <a:effectRef idx="0">
+            <a:schemeClr val="accent6"/>
+          </a:effectRef>
+          <a:fontRef idx="minor">
+            <a:schemeClr val="dk1"/>
+          </a:fontRef>
+        </p:style>
+        <p:txBody>
+          <a:bodyPr rtlCol="0" anchor="ctr"/>
+          <a:lstStyle/>
+          <a:p>
+            <a:pPr algn="ctr"/>
+            <a:endParaRPr lang="ru-RU"/>
+          </a:p>
+        </p:txBody>
+      </p:sp>
+      <p:sp>
+        <p:nvSpPr>
+          <p:cNvPr id="37" name="TextBox 36">
+            <a:extLst>
+              <a:ext uri="{FF2B5EF4-FFF2-40B4-BE49-F238E27FC236}">
+                <a16:creationId xmlns:a16="http://schemas.microsoft.com/office/drawing/2014/main" id="{3C87F169-932F-2949-9C91-A6E1819B4030}"/>
+              </a:ext>
+            </a:extLst>
+          </p:cNvPr>
+          <p:cNvSpPr txBox="1"/>
+          <p:nvPr/>
+        </p:nvSpPr>
+        <p:spPr>
+          <a:xfrm>
+            <a:off x="846695" y="4089375"/>
+            <a:ext cx="1133644" cy="215444"/>
+          </a:xfrm>
+          <a:prstGeom prst="rect">
+            <a:avLst/>
+          </a:prstGeom>
+          <a:noFill/>
+        </p:spPr>
+        <p:txBody>
+          <a:bodyPr wrap="none" rtlCol="0">
+            <a:spAutoFit/>
+          </a:bodyPr>
+          <a:lstStyle/>
+          <a:p>
+            <a:r>
+              <a:rPr lang="ru-RU" sz="800" dirty="0"/>
+              <a:t>Количество итераций</a:t>
+            </a:r>
+          </a:p>
+        </p:txBody>
+      </p:sp>
+      <p:sp>
+        <p:nvSpPr>
+          <p:cNvPr id="38" name="TextBox 37">
+            <a:extLst>
+              <a:ext uri="{FF2B5EF4-FFF2-40B4-BE49-F238E27FC236}">
+                <a16:creationId xmlns:a16="http://schemas.microsoft.com/office/drawing/2014/main" id="{38ED17A6-ED16-BA45-9975-A013D636E128}"/>
+              </a:ext>
+            </a:extLst>
+          </p:cNvPr>
+          <p:cNvSpPr txBox="1"/>
+          <p:nvPr/>
+        </p:nvSpPr>
+        <p:spPr>
+          <a:xfrm>
+            <a:off x="2632115" y="4076118"/>
+            <a:ext cx="1133644" cy="215444"/>
+          </a:xfrm>
+          <a:prstGeom prst="rect">
+            <a:avLst/>
+          </a:prstGeom>
+          <a:noFill/>
+        </p:spPr>
+        <p:txBody>
+          <a:bodyPr wrap="none" rtlCol="0">
+            <a:spAutoFit/>
+          </a:bodyPr>
+          <a:lstStyle/>
+          <a:p>
+            <a:r>
+              <a:rPr lang="ru-RU" sz="800" dirty="0"/>
+              <a:t>Количество итераций</a:t>
+            </a:r>
+          </a:p>
+        </p:txBody>
+      </p:sp>
+      <p:sp>
+        <p:nvSpPr>
+          <p:cNvPr id="39" name="TextBox 38">
+            <a:extLst>
+              <a:ext uri="{FF2B5EF4-FFF2-40B4-BE49-F238E27FC236}">
+                <a16:creationId xmlns:a16="http://schemas.microsoft.com/office/drawing/2014/main" id="{8DC162CB-1D3E-8E40-9577-06CC2693E0EB}"/>
+              </a:ext>
+            </a:extLst>
+          </p:cNvPr>
+          <p:cNvSpPr txBox="1"/>
+          <p:nvPr/>
+        </p:nvSpPr>
+        <p:spPr>
+          <a:xfrm>
+            <a:off x="4317400" y="4073100"/>
+            <a:ext cx="1133644" cy="215444"/>
+          </a:xfrm>
+          <a:prstGeom prst="rect">
+            <a:avLst/>
+          </a:prstGeom>
+          <a:noFill/>
+        </p:spPr>
+        <p:txBody>
+          <a:bodyPr wrap="none" rtlCol="0">
+            <a:spAutoFit/>
+          </a:bodyPr>
+          <a:lstStyle/>
+          <a:p>
+            <a:r>
+              <a:rPr lang="ru-RU" sz="800" dirty="0"/>
+              <a:t>Количество итераций</a:t>
+            </a:r>
+          </a:p>
+        </p:txBody>
+      </p:sp>
+      <p:sp>
+        <p:nvSpPr>
+          <p:cNvPr id="40" name="TextBox 39">
+            <a:extLst>
+              <a:ext uri="{FF2B5EF4-FFF2-40B4-BE49-F238E27FC236}">
+                <a16:creationId xmlns:a16="http://schemas.microsoft.com/office/drawing/2014/main" id="{6B5CED37-B4EE-F44E-8BAE-1563ED8C6F9E}"/>
+              </a:ext>
+            </a:extLst>
+          </p:cNvPr>
+          <p:cNvSpPr txBox="1"/>
+          <p:nvPr/>
+        </p:nvSpPr>
+        <p:spPr>
+          <a:xfrm>
+            <a:off x="898381" y="5741786"/>
+            <a:ext cx="1133644" cy="215444"/>
+          </a:xfrm>
+          <a:prstGeom prst="rect">
+            <a:avLst/>
+          </a:prstGeom>
+          <a:noFill/>
+        </p:spPr>
+        <p:txBody>
+          <a:bodyPr wrap="none" rtlCol="0">
+            <a:spAutoFit/>
+          </a:bodyPr>
+          <a:lstStyle/>
+          <a:p>
+            <a:r>
+              <a:rPr lang="ru-RU" sz="800" dirty="0"/>
+              <a:t>Количество итераций</a:t>
+            </a:r>
+          </a:p>
+        </p:txBody>
+      </p:sp>
+      <p:sp>
+        <p:nvSpPr>
+          <p:cNvPr id="41" name="TextBox 40">
+            <a:extLst>
+              <a:ext uri="{FF2B5EF4-FFF2-40B4-BE49-F238E27FC236}">
+                <a16:creationId xmlns:a16="http://schemas.microsoft.com/office/drawing/2014/main" id="{DDD16158-D5C6-834F-8EA1-7DC78B357A4F}"/>
+              </a:ext>
+            </a:extLst>
+          </p:cNvPr>
+          <p:cNvSpPr txBox="1"/>
+          <p:nvPr/>
+        </p:nvSpPr>
+        <p:spPr>
+          <a:xfrm>
+            <a:off x="6197239" y="4073100"/>
+            <a:ext cx="1133644" cy="215444"/>
+          </a:xfrm>
+          <a:prstGeom prst="rect">
+            <a:avLst/>
+          </a:prstGeom>
+          <a:noFill/>
+        </p:spPr>
+        <p:txBody>
+          <a:bodyPr wrap="none" rtlCol="0">
+            <a:spAutoFit/>
+          </a:bodyPr>
+          <a:lstStyle/>
+          <a:p>
+            <a:r>
+              <a:rPr lang="ru-RU" sz="800" dirty="0"/>
+              <a:t>Количество итераций</a:t>
+            </a:r>
+          </a:p>
+        </p:txBody>
+      </p:sp>
+      <p:sp>
+        <p:nvSpPr>
+          <p:cNvPr id="42" name="TextBox 41">
+            <a:extLst>
+              <a:ext uri="{FF2B5EF4-FFF2-40B4-BE49-F238E27FC236}">
+                <a16:creationId xmlns:a16="http://schemas.microsoft.com/office/drawing/2014/main" id="{018CE584-0DF3-C740-828E-8EAD75B65A61}"/>
+              </a:ext>
+            </a:extLst>
+          </p:cNvPr>
+          <p:cNvSpPr txBox="1"/>
+          <p:nvPr/>
+        </p:nvSpPr>
+        <p:spPr>
+          <a:xfrm>
+            <a:off x="6211047" y="5744044"/>
+            <a:ext cx="1133644" cy="215444"/>
+          </a:xfrm>
+          <a:prstGeom prst="rect">
+            <a:avLst/>
+          </a:prstGeom>
+          <a:noFill/>
+        </p:spPr>
+        <p:txBody>
+          <a:bodyPr wrap="none" rtlCol="0">
+            <a:spAutoFit/>
+          </a:bodyPr>
+          <a:lstStyle/>
+          <a:p>
+            <a:r>
+              <a:rPr lang="ru-RU" sz="800" dirty="0"/>
+              <a:t>Количество итераций</a:t>
+            </a:r>
+          </a:p>
+        </p:txBody>
+      </p:sp>
+      <p:sp>
+        <p:nvSpPr>
+          <p:cNvPr id="43" name="TextBox 42">
+            <a:extLst>
+              <a:ext uri="{FF2B5EF4-FFF2-40B4-BE49-F238E27FC236}">
+                <a16:creationId xmlns:a16="http://schemas.microsoft.com/office/drawing/2014/main" id="{648547E5-201C-074F-A120-CE25F2658745}"/>
+              </a:ext>
+            </a:extLst>
+          </p:cNvPr>
+          <p:cNvSpPr txBox="1"/>
+          <p:nvPr/>
+        </p:nvSpPr>
+        <p:spPr>
+          <a:xfrm>
+            <a:off x="9217538" y="4035573"/>
+            <a:ext cx="423514" cy="215444"/>
+          </a:xfrm>
+          <a:prstGeom prst="rect">
+            <a:avLst/>
+          </a:prstGeom>
+          <a:noFill/>
+        </p:spPr>
+        <p:txBody>
+          <a:bodyPr wrap="none" rtlCol="0">
+            <a:spAutoFit/>
+          </a:bodyPr>
+          <a:lstStyle/>
+          <a:p>
+            <a:r>
+              <a:rPr lang="ru-RU" sz="800" dirty="0"/>
+              <a:t>Темы</a:t>
+            </a:r>
+          </a:p>
+        </p:txBody>
+      </p:sp>
+      <p:sp>
+        <p:nvSpPr>
+          <p:cNvPr id="44" name="TextBox 43">
+            <a:extLst>
+              <a:ext uri="{FF2B5EF4-FFF2-40B4-BE49-F238E27FC236}">
+                <a16:creationId xmlns:a16="http://schemas.microsoft.com/office/drawing/2014/main" id="{238C8243-BEB0-7D4D-944D-DF1321CCC9BE}"/>
+              </a:ext>
+            </a:extLst>
+          </p:cNvPr>
+          <p:cNvSpPr txBox="1"/>
+          <p:nvPr/>
+        </p:nvSpPr>
+        <p:spPr>
+          <a:xfrm>
+            <a:off x="9181947" y="5674556"/>
+            <a:ext cx="423514" cy="215444"/>
+          </a:xfrm>
+          <a:prstGeom prst="rect">
+            <a:avLst/>
+          </a:prstGeom>
+          <a:noFill/>
+        </p:spPr>
+        <p:txBody>
+          <a:bodyPr wrap="none" rtlCol="0">
+            <a:spAutoFit/>
+          </a:bodyPr>
+          <a:lstStyle/>
+          <a:p>
+            <a:r>
+              <a:rPr lang="ru-RU" sz="800" dirty="0"/>
+              <a:t>Темы</a:t>
+            </a:r>
+          </a:p>
+        </p:txBody>
+      </p:sp>
+      <p:sp>
+        <p:nvSpPr>
+          <p:cNvPr id="45" name="Прямоугольник 44">
+            <a:extLst>
+              <a:ext uri="{FF2B5EF4-FFF2-40B4-BE49-F238E27FC236}">
+                <a16:creationId xmlns:a16="http://schemas.microsoft.com/office/drawing/2014/main" id="{ABEAE1DD-EC4F-534D-AF39-E00590A783AB}"/>
+              </a:ext>
+            </a:extLst>
+          </p:cNvPr>
+          <p:cNvSpPr/>
+          <p:nvPr/>
+        </p:nvSpPr>
+        <p:spPr>
+          <a:xfrm>
+            <a:off x="2581727" y="5689688"/>
+            <a:ext cx="2918716" cy="257783"/>
+          </a:xfrm>
+          <a:prstGeom prst="rect">
+            <a:avLst/>
+          </a:prstGeom>
+          <a:ln>
+            <a:noFill/>
+          </a:ln>
+        </p:spPr>
+        <p:style>
+          <a:lnRef idx="2">
+            <a:schemeClr val="accent6"/>
+          </a:lnRef>
+          <a:fillRef idx="1">
+            <a:schemeClr val="lt1"/>
+          </a:fillRef>
+          <a:effectRef idx="0">
+            <a:schemeClr val="accent6"/>
+          </a:effectRef>
+          <a:fontRef idx="minor">
+            <a:schemeClr val="dk1"/>
+          </a:fontRef>
+        </p:style>
+        <p:txBody>
+          <a:bodyPr rtlCol="0" anchor="ctr"/>
+          <a:lstStyle/>
+          <a:p>
+            <a:pPr algn="ctr"/>
+            <a:endParaRPr lang="ru-RU"/>
+          </a:p>
+        </p:txBody>
+      </p:sp>
+      <p:sp>
+        <p:nvSpPr>
+          <p:cNvPr id="46" name="TextBox 45">
+            <a:extLst>
+              <a:ext uri="{FF2B5EF4-FFF2-40B4-BE49-F238E27FC236}">
+                <a16:creationId xmlns:a16="http://schemas.microsoft.com/office/drawing/2014/main" id="{9872DADC-BC6E-2247-BECE-1E7717A9921B}"/>
+              </a:ext>
+            </a:extLst>
+          </p:cNvPr>
+          <p:cNvSpPr txBox="1"/>
+          <p:nvPr/>
+        </p:nvSpPr>
+        <p:spPr>
+          <a:xfrm>
+            <a:off x="3770803" y="5695893"/>
+            <a:ext cx="423514" cy="215444"/>
+          </a:xfrm>
+          <a:prstGeom prst="rect">
+            <a:avLst/>
+          </a:prstGeom>
+          <a:noFill/>
+        </p:spPr>
+        <p:txBody>
+          <a:bodyPr wrap="none" rtlCol="0">
+            <a:spAutoFit/>
+          </a:bodyPr>
+          <a:lstStyle/>
+          <a:p>
+            <a:r>
+              <a:rPr lang="ru-RU" sz="800" dirty="0"/>
+              <a:t>Темы</a:t>
+            </a:r>
+          </a:p>
+        </p:txBody>
+      </p:sp>
     </p:spTree>
     <p:extLst>
       <p:ext uri="{BB962C8B-B14F-4D97-AF65-F5344CB8AC3E}">
@@ -4427,16 +6077,15 @@
           </p:cNvPicPr>
           <p:nvPr/>
         </p:nvPicPr>
-        <p:blipFill>
+        <p:blipFill rotWithShape="1">
           <a:blip r:embed="rId2"/>
-          <a:stretch>
-            <a:fillRect/>
-          </a:stretch>
+          <a:srcRect l="11561" t="8722" r="11385" b="28706"/>
+          <a:stretch/>
         </p:blipFill>
         <p:spPr>
           <a:xfrm>
-            <a:off x="-91743" y="238749"/>
-            <a:ext cx="12375485" cy="8745147"/>
+            <a:off x="391886" y="761969"/>
+            <a:ext cx="9542164" cy="5475545"/>
           </a:xfrm>
           <a:prstGeom prst="rect">
             <a:avLst/>
@@ -4535,6 +6184,349 @@
                 <a:latin typeface="+mj-lt"/>
               </a:rPr>
               <a:t>5</a:t>
+            </a:r>
+          </a:p>
+        </p:txBody>
+      </p:sp>
+      <p:sp>
+        <p:nvSpPr>
+          <p:cNvPr id="2" name="TextBox 1">
+            <a:extLst>
+              <a:ext uri="{FF2B5EF4-FFF2-40B4-BE49-F238E27FC236}">
+                <a16:creationId xmlns:a16="http://schemas.microsoft.com/office/drawing/2014/main" id="{97069D7F-7FC1-B945-9408-94ED35DE8400}"/>
+              </a:ext>
+            </a:extLst>
+          </p:cNvPr>
+          <p:cNvSpPr txBox="1"/>
+          <p:nvPr/>
+        </p:nvSpPr>
+        <p:spPr>
+          <a:xfrm>
+            <a:off x="9980597" y="1882067"/>
+            <a:ext cx="1971917" cy="2585323"/>
+          </a:xfrm>
+          <a:prstGeom prst="rect">
+            <a:avLst/>
+          </a:prstGeom>
+          <a:noFill/>
+        </p:spPr>
+        <p:txBody>
+          <a:bodyPr wrap="square" rtlCol="0">
+            <a:spAutoFit/>
+          </a:bodyPr>
+          <a:lstStyle/>
+          <a:p>
+            <a:r>
+              <a:rPr lang="ru-RU" dirty="0"/>
+              <a:t>Рекомендуется применять регуляризаторы последовательно</a:t>
+            </a:r>
+            <a:r>
+              <a:rPr lang="en-US" dirty="0"/>
+              <a:t>.</a:t>
+            </a:r>
+          </a:p>
+          <a:p>
+            <a:endParaRPr lang="ru-RU" dirty="0"/>
+          </a:p>
+          <a:p>
+            <a:r>
+              <a:rPr lang="ru-RU" dirty="0"/>
+              <a:t>Рекомендуемый порядок регуляризаторов:</a:t>
+            </a:r>
+            <a:endParaRPr lang="en-US" dirty="0"/>
+          </a:p>
+          <a:p>
+            <a:r>
+              <a:rPr lang="en-US" dirty="0"/>
+              <a:t>sp, st, dp.</a:t>
+            </a:r>
+            <a:endParaRPr lang="ru-RU" dirty="0"/>
+          </a:p>
+        </p:txBody>
+      </p:sp>
+      <p:cxnSp>
+        <p:nvCxnSpPr>
+          <p:cNvPr id="6" name="Прямая соединительная линия 5">
+            <a:extLst>
+              <a:ext uri="{FF2B5EF4-FFF2-40B4-BE49-F238E27FC236}">
+                <a16:creationId xmlns:a16="http://schemas.microsoft.com/office/drawing/2014/main" id="{1A8D20CD-BF2E-1F4E-B30F-1804CCD8D53A}"/>
+              </a:ext>
+            </a:extLst>
+          </p:cNvPr>
+          <p:cNvCxnSpPr>
+            <a:cxnSpLocks/>
+          </p:cNvCxnSpPr>
+          <p:nvPr/>
+        </p:nvCxnSpPr>
+        <p:spPr>
+          <a:xfrm>
+            <a:off x="257669" y="2590800"/>
+            <a:ext cx="87085" cy="0"/>
+          </a:xfrm>
+          <a:prstGeom prst="line">
+            <a:avLst/>
+          </a:prstGeom>
+          <a:ln w="19050">
+            <a:solidFill>
+              <a:srgbClr val="FF0000"/>
+            </a:solidFill>
+          </a:ln>
+        </p:spPr>
+        <p:style>
+          <a:lnRef idx="1">
+            <a:schemeClr val="accent1"/>
+          </a:lnRef>
+          <a:fillRef idx="0">
+            <a:schemeClr val="accent1"/>
+          </a:fillRef>
+          <a:effectRef idx="0">
+            <a:schemeClr val="accent1"/>
+          </a:effectRef>
+          <a:fontRef idx="minor">
+            <a:schemeClr val="tx1"/>
+          </a:fontRef>
+        </p:style>
+      </p:cxnSp>
+      <p:cxnSp>
+        <p:nvCxnSpPr>
+          <p:cNvPr id="9" name="Прямая соединительная линия 8">
+            <a:extLst>
+              <a:ext uri="{FF2B5EF4-FFF2-40B4-BE49-F238E27FC236}">
+                <a16:creationId xmlns:a16="http://schemas.microsoft.com/office/drawing/2014/main" id="{D2D2CDE9-7DF6-6740-A453-52F41026775A}"/>
+              </a:ext>
+            </a:extLst>
+          </p:cNvPr>
+          <p:cNvCxnSpPr>
+            <a:cxnSpLocks/>
+          </p:cNvCxnSpPr>
+          <p:nvPr/>
+        </p:nvCxnSpPr>
+        <p:spPr>
+          <a:xfrm>
+            <a:off x="257669" y="4223657"/>
+            <a:ext cx="87085" cy="0"/>
+          </a:xfrm>
+          <a:prstGeom prst="line">
+            <a:avLst/>
+          </a:prstGeom>
+          <a:ln w="19050">
+            <a:solidFill>
+              <a:srgbClr val="FF0000"/>
+            </a:solidFill>
+          </a:ln>
+        </p:spPr>
+        <p:style>
+          <a:lnRef idx="1">
+            <a:schemeClr val="accent1"/>
+          </a:lnRef>
+          <a:fillRef idx="0">
+            <a:schemeClr val="accent1"/>
+          </a:fillRef>
+          <a:effectRef idx="0">
+            <a:schemeClr val="accent1"/>
+          </a:effectRef>
+          <a:fontRef idx="minor">
+            <a:schemeClr val="tx1"/>
+          </a:fontRef>
+        </p:style>
+      </p:cxnSp>
+      <p:sp>
+        <p:nvSpPr>
+          <p:cNvPr id="10" name="Овал 9">
+            <a:extLst>
+              <a:ext uri="{FF2B5EF4-FFF2-40B4-BE49-F238E27FC236}">
+                <a16:creationId xmlns:a16="http://schemas.microsoft.com/office/drawing/2014/main" id="{13D0BE7F-E801-F14F-ADCB-64E944CB8112}"/>
+              </a:ext>
+            </a:extLst>
+          </p:cNvPr>
+          <p:cNvSpPr/>
+          <p:nvPr/>
+        </p:nvSpPr>
+        <p:spPr>
+          <a:xfrm>
+            <a:off x="3679371" y="2264229"/>
+            <a:ext cx="740229" cy="250371"/>
+          </a:xfrm>
+          <a:prstGeom prst="ellipse">
+            <a:avLst/>
+          </a:prstGeom>
+          <a:noFill/>
+          <a:ln w="19050">
+            <a:solidFill>
+              <a:srgbClr val="C00000"/>
+            </a:solidFill>
+          </a:ln>
+        </p:spPr>
+        <p:style>
+          <a:lnRef idx="2">
+            <a:schemeClr val="accent1">
+              <a:shade val="50000"/>
+            </a:schemeClr>
+          </a:lnRef>
+          <a:fillRef idx="1">
+            <a:schemeClr val="accent1"/>
+          </a:fillRef>
+          <a:effectRef idx="0">
+            <a:schemeClr val="accent1"/>
+          </a:effectRef>
+          <a:fontRef idx="minor">
+            <a:schemeClr val="lt1"/>
+          </a:fontRef>
+        </p:style>
+        <p:txBody>
+          <a:bodyPr rtlCol="0" anchor="ctr"/>
+          <a:lstStyle/>
+          <a:p>
+            <a:pPr algn="ctr"/>
+            <a:endParaRPr lang="ru-RU"/>
+          </a:p>
+        </p:txBody>
+      </p:sp>
+      <p:sp>
+        <p:nvSpPr>
+          <p:cNvPr id="11" name="Овал 10">
+            <a:extLst>
+              <a:ext uri="{FF2B5EF4-FFF2-40B4-BE49-F238E27FC236}">
+                <a16:creationId xmlns:a16="http://schemas.microsoft.com/office/drawing/2014/main" id="{C149F828-3830-EF4D-88CA-1F37001938EC}"/>
+              </a:ext>
+            </a:extLst>
+          </p:cNvPr>
+          <p:cNvSpPr/>
+          <p:nvPr/>
+        </p:nvSpPr>
+        <p:spPr>
+          <a:xfrm>
+            <a:off x="3494314" y="3891674"/>
+            <a:ext cx="925286" cy="250371"/>
+          </a:xfrm>
+          <a:prstGeom prst="ellipse">
+            <a:avLst/>
+          </a:prstGeom>
+          <a:noFill/>
+          <a:ln w="19050">
+            <a:solidFill>
+              <a:srgbClr val="C00000"/>
+            </a:solidFill>
+          </a:ln>
+        </p:spPr>
+        <p:style>
+          <a:lnRef idx="2">
+            <a:schemeClr val="accent1">
+              <a:shade val="50000"/>
+            </a:schemeClr>
+          </a:lnRef>
+          <a:fillRef idx="1">
+            <a:schemeClr val="accent1"/>
+          </a:fillRef>
+          <a:effectRef idx="0">
+            <a:schemeClr val="accent1"/>
+          </a:effectRef>
+          <a:fontRef idx="minor">
+            <a:schemeClr val="lt1"/>
+          </a:fontRef>
+        </p:style>
+        <p:txBody>
+          <a:bodyPr rtlCol="0" anchor="ctr"/>
+          <a:lstStyle/>
+          <a:p>
+            <a:pPr algn="ctr"/>
+            <a:endParaRPr lang="ru-RU"/>
+          </a:p>
+        </p:txBody>
+      </p:sp>
+      <p:sp>
+        <p:nvSpPr>
+          <p:cNvPr id="13" name="Скругленный прямоугольник 12">
+            <a:extLst>
+              <a:ext uri="{FF2B5EF4-FFF2-40B4-BE49-F238E27FC236}">
+                <a16:creationId xmlns:a16="http://schemas.microsoft.com/office/drawing/2014/main" id="{E221DBBC-C3C6-6241-B482-DC500E9329BA}"/>
+              </a:ext>
+            </a:extLst>
+          </p:cNvPr>
+          <p:cNvSpPr/>
+          <p:nvPr/>
+        </p:nvSpPr>
+        <p:spPr>
+          <a:xfrm>
+            <a:off x="381000" y="5508171"/>
+            <a:ext cx="9588711" cy="228600"/>
+          </a:xfrm>
+          <a:prstGeom prst="roundRect">
+            <a:avLst/>
+          </a:prstGeom>
+          <a:noFill/>
+          <a:ln w="28575">
+            <a:solidFill>
+              <a:srgbClr val="C00000"/>
+            </a:solidFill>
+          </a:ln>
+        </p:spPr>
+        <p:style>
+          <a:lnRef idx="2">
+            <a:schemeClr val="accent1">
+              <a:shade val="50000"/>
+            </a:schemeClr>
+          </a:lnRef>
+          <a:fillRef idx="1">
+            <a:schemeClr val="accent1"/>
+          </a:fillRef>
+          <a:effectRef idx="0">
+            <a:schemeClr val="accent1"/>
+          </a:effectRef>
+          <a:fontRef idx="minor">
+            <a:schemeClr val="lt1"/>
+          </a:fontRef>
+        </p:style>
+        <p:txBody>
+          <a:bodyPr rtlCol="0" anchor="ctr"/>
+          <a:lstStyle/>
+          <a:p>
+            <a:pPr algn="ctr"/>
+            <a:endParaRPr lang="ru-RU"/>
+          </a:p>
+        </p:txBody>
+      </p:sp>
+      <p:sp>
+        <p:nvSpPr>
+          <p:cNvPr id="14" name="TextBox 13">
+            <a:extLst>
+              <a:ext uri="{FF2B5EF4-FFF2-40B4-BE49-F238E27FC236}">
+                <a16:creationId xmlns:a16="http://schemas.microsoft.com/office/drawing/2014/main" id="{E0BA4433-53DE-CA4C-8011-6278A2D6A1BE}"/>
+              </a:ext>
+            </a:extLst>
+          </p:cNvPr>
+          <p:cNvSpPr txBox="1"/>
+          <p:nvPr/>
+        </p:nvSpPr>
+        <p:spPr>
+          <a:xfrm>
+            <a:off x="795119" y="823524"/>
+            <a:ext cx="2078454" cy="461665"/>
+          </a:xfrm>
+          <a:prstGeom prst="rect">
+            <a:avLst/>
+          </a:prstGeom>
+          <a:solidFill>
+            <a:schemeClr val="bg1"/>
+          </a:solidFill>
+        </p:spPr>
+        <p:txBody>
+          <a:bodyPr wrap="none" rtlCol="0">
+            <a:spAutoFit/>
+          </a:bodyPr>
+          <a:lstStyle/>
+          <a:p>
+            <a:pPr algn="ctr"/>
+            <a:r>
+              <a:rPr lang="ru-RU" sz="1200" dirty="0"/>
+              <a:t>Название модели</a:t>
+            </a:r>
+          </a:p>
+          <a:p>
+            <a:pPr algn="ctr"/>
+            <a:r>
+              <a:rPr lang="ru-RU" sz="1200" dirty="0"/>
+              <a:t>коллекция + регуляризаторы</a:t>
             </a:r>
           </a:p>
         </p:txBody>
@@ -4771,6 +6763,58 @@
           </a:prstGeom>
         </p:spPr>
       </p:pic>
+      <p:sp>
+        <p:nvSpPr>
+          <p:cNvPr id="5" name="Прямоугольник 4">
+            <a:extLst>
+              <a:ext uri="{FF2B5EF4-FFF2-40B4-BE49-F238E27FC236}">
+                <a16:creationId xmlns:a16="http://schemas.microsoft.com/office/drawing/2014/main" id="{3DCF6D71-166C-F749-958C-39BFCE0451D4}"/>
+              </a:ext>
+            </a:extLst>
+          </p:cNvPr>
+          <p:cNvSpPr/>
+          <p:nvPr/>
+        </p:nvSpPr>
+        <p:spPr>
+          <a:xfrm>
+            <a:off x="4910959" y="3297601"/>
+            <a:ext cx="4146331" cy="135590"/>
+          </a:xfrm>
+          <a:prstGeom prst="rect">
+            <a:avLst/>
+          </a:prstGeom>
+          <a:solidFill>
+            <a:schemeClr val="bg1"/>
+          </a:solidFill>
+          <a:ln>
+            <a:noFill/>
+          </a:ln>
+        </p:spPr>
+        <p:style>
+          <a:lnRef idx="2">
+            <a:schemeClr val="accent1">
+              <a:shade val="50000"/>
+            </a:schemeClr>
+          </a:lnRef>
+          <a:fillRef idx="1">
+            <a:schemeClr val="accent1"/>
+          </a:fillRef>
+          <a:effectRef idx="0">
+            <a:schemeClr val="accent1"/>
+          </a:effectRef>
+          <a:fontRef idx="minor">
+            <a:schemeClr val="lt1"/>
+          </a:fontRef>
+        </p:style>
+        <p:txBody>
+          <a:bodyPr rtlCol="0" anchor="ctr"/>
+          <a:lstStyle/>
+          <a:p>
+            <a:pPr algn="ctr"/>
+            <a:endParaRPr lang="ru-RU"/>
+          </a:p>
+        </p:txBody>
+      </p:sp>
     </p:spTree>
     <p:extLst>
       <p:ext uri="{BB962C8B-B14F-4D97-AF65-F5344CB8AC3E}">
@@ -4816,7 +6860,7 @@
         <p:spPr>
           <a:xfrm>
             <a:off x="248078" y="234948"/>
-            <a:ext cx="1875835" cy="523220"/>
+            <a:ext cx="7582525" cy="523220"/>
           </a:xfrm>
           <a:prstGeom prst="rect">
             <a:avLst/>
@@ -4832,7 +6876,7 @@
               <a:rPr lang="ru-RU" sz="2800" dirty="0">
                 <a:latin typeface="+mj-lt"/>
               </a:rPr>
-              <a:t>Результаты</a:t>
+              <a:t>Результаты: 10 наиболее релевантных теме слов</a:t>
             </a:r>
           </a:p>
         </p:txBody>
@@ -4887,8 +6931,8 @@
         </p:nvSpPr>
         <p:spPr>
           <a:xfrm>
-            <a:off x="512618" y="841117"/>
-            <a:ext cx="11166764" cy="5632311"/>
+            <a:off x="512618" y="1265660"/>
+            <a:ext cx="11166764" cy="4893647"/>
           </a:xfrm>
           <a:prstGeom prst="rect">
             <a:avLst/>
@@ -4990,19 +7034,7 @@
               <a:rPr lang="ru-RU" sz="2400" dirty="0">
                 <a:latin typeface="+mj-lt"/>
               </a:rPr>
-              <a:t>Пример плохих тем:</a:t>
-            </a:r>
-          </a:p>
-          <a:p>
-            <a:pPr marL="285750" indent="-285750">
-              <a:buFontTx/>
-              <a:buChar char="-"/>
-            </a:pPr>
-            <a:r>
-              <a:rPr lang="ru-RU" sz="2400" dirty="0">
-                <a:latin typeface="+mj-lt"/>
-              </a:rPr>
-              <a:t>предложение оценка точка необходимо существовать речь вариант особый зрение принцип</a:t>
+              <a:t>Пример плохой темы:</a:t>
             </a:r>
           </a:p>
           <a:p>
@@ -5214,8 +7246,8 @@
         </p:nvSpPr>
         <p:spPr>
           <a:xfrm>
-            <a:off x="271101" y="1053092"/>
-            <a:ext cx="11649798" cy="1107996"/>
+            <a:off x="271101" y="1577799"/>
+            <a:ext cx="11649798" cy="738664"/>
           </a:xfrm>
           <a:prstGeom prst="rect">
             <a:avLst/>
@@ -5232,7 +7264,7 @@
               <a:rPr lang="ru-RU" sz="2400" dirty="0">
                 <a:latin typeface="+mj-lt"/>
               </a:rPr>
-              <a:t>В результате данной работы был разработан метод тематического моделирования новостей на русском языке.</a:t>
+              <a:t>Разработан метод тематического моделирования новостей на русском языке.</a:t>
             </a:r>
           </a:p>
           <a:p>
@@ -5254,8 +7286,8 @@
         </p:nvSpPr>
         <p:spPr>
           <a:xfrm>
-            <a:off x="303690" y="2839366"/>
-            <a:ext cx="12192000" cy="3785652"/>
+            <a:off x="303690" y="2511520"/>
+            <a:ext cx="12192000" cy="3046988"/>
           </a:xfrm>
           <a:prstGeom prst="rect">
             <a:avLst/>
@@ -5275,7 +7307,7 @@
               <a:rPr lang="ru-RU" sz="2400" dirty="0">
                 <a:latin typeface="+mj-lt"/>
               </a:rPr>
-              <a:t>проанализированы существующие решения и выбран базовый алгоритм тематического моделирования для классификации новостей на русском языке;</a:t>
+              <a:t>проанализированы существующие методы тематического моделирования и выбран базовый для классификации новостей на русском языке;</a:t>
             </a:r>
           </a:p>
           <a:p>
@@ -5287,7 +7319,7 @@
               <a:rPr lang="ru-RU" sz="2400" dirty="0">
                 <a:latin typeface="+mj-lt"/>
               </a:rPr>
-              <a:t>разработан программный продукт для сбора новостей на русском языке и подготовки данных для последующего анализа;</a:t>
+              <a:t>разработан программный продукт для сбора новостей на русском языке;</a:t>
             </a:r>
           </a:p>
           <a:p>
@@ -5311,7 +7343,7 @@
               <a:rPr lang="ru-RU" sz="2400" dirty="0">
                 <a:latin typeface="+mj-lt"/>
               </a:rPr>
-              <a:t>подобраны методы улучшения алгоритма и значений его параметров;</a:t>
+              <a:t>обучена модель;</a:t>
             </a:r>
           </a:p>
           <a:p>
@@ -5323,7 +7355,7 @@
               <a:rPr lang="ru-RU" sz="2400" dirty="0">
                 <a:latin typeface="+mj-lt"/>
               </a:rPr>
-              <a:t>обучена модель;</a:t>
+              <a:t>проведена параметризация метода;</a:t>
             </a:r>
           </a:p>
           <a:p>
@@ -5335,7 +7367,7 @@
               <a:rPr lang="ru-RU" sz="2400" dirty="0">
                 <a:latin typeface="+mj-lt"/>
               </a:rPr>
-              <a:t>проведена параметризация метода;</a:t>
+              <a:t>проведена апробации метода;</a:t>
             </a:r>
           </a:p>
           <a:p>
@@ -5347,55 +7379,7 @@
               <a:rPr lang="ru-RU" sz="2400" dirty="0">
                 <a:latin typeface="+mj-lt"/>
               </a:rPr>
-              <a:t>проведена апробации метода;</a:t>
-            </a:r>
-          </a:p>
-          <a:p>
-            <a:pPr marL="285750" indent="-285750">
-              <a:buFont typeface="Arial" panose="020B0604020202020204" pitchFamily="34" charset="0"/>
-              <a:buChar char="•"/>
-            </a:pPr>
-            <a:r>
-              <a:rPr lang="ru-RU" sz="2400" dirty="0">
-                <a:latin typeface="+mj-lt"/>
-              </a:rPr>
               <a:t>составлены рекомендаций о применимости предложенного метода.</a:t>
-            </a:r>
-          </a:p>
-        </p:txBody>
-      </p:sp>
-      <p:sp>
-        <p:nvSpPr>
-          <p:cNvPr id="5" name="Прямоугольник 4">
-            <a:extLst>
-              <a:ext uri="{FF2B5EF4-FFF2-40B4-BE49-F238E27FC236}">
-                <a16:creationId xmlns:a16="http://schemas.microsoft.com/office/drawing/2014/main" id="{94B9468A-C6FE-1746-8008-F32B495C041A}"/>
-              </a:ext>
-            </a:extLst>
-          </p:cNvPr>
-          <p:cNvSpPr/>
-          <p:nvPr/>
-        </p:nvSpPr>
-        <p:spPr>
-          <a:xfrm>
-            <a:off x="303690" y="2208493"/>
-            <a:ext cx="6054863" cy="584775"/>
-          </a:xfrm>
-          <a:prstGeom prst="rect">
-            <a:avLst/>
-          </a:prstGeom>
-        </p:spPr>
-        <p:txBody>
-          <a:bodyPr wrap="none">
-            <a:spAutoFit/>
-          </a:bodyPr>
-          <a:lstStyle/>
-          <a:p>
-            <a:r>
-              <a:rPr lang="ru-RU" sz="3200" u="sng" dirty="0">
-                <a:latin typeface="+mj-lt"/>
-              </a:rPr>
-              <a:t>Были решены следующие задачи:</a:t>
             </a:r>
           </a:p>
         </p:txBody>
@@ -5484,12 +7468,14 @@
         </p:nvSpPr>
         <p:spPr>
           <a:xfrm>
-            <a:off x="0" y="185738"/>
-            <a:ext cx="10515600" cy="1325563"/>
-          </a:xfrm>
-        </p:spPr>
-        <p:txBody>
-          <a:bodyPr/>
+            <a:off x="767407" y="0"/>
+            <a:ext cx="3345366" cy="835063"/>
+          </a:xfrm>
+        </p:spPr>
+        <p:txBody>
+          <a:bodyPr>
+            <a:normAutofit fontScale="90000"/>
+          </a:bodyPr>
           <a:lstStyle/>
           <a:p>
             <a:r>
@@ -5549,8 +7535,8 @@
         </p:nvSpPr>
         <p:spPr>
           <a:xfrm>
-            <a:off x="789709" y="1926937"/>
-            <a:ext cx="9892146" cy="3416320"/>
+            <a:off x="767406" y="1025783"/>
+            <a:ext cx="10573383" cy="5262979"/>
           </a:xfrm>
           <a:prstGeom prst="rect">
             <a:avLst/>
@@ -5568,10 +7554,8 @@
                 <a:ea typeface="+mj-ea"/>
                 <a:cs typeface="+mj-cs"/>
               </a:rPr>
-              <a:t>Из-за огромного количества различных новостных потоков стало сложно выделять действительно актуальную для себя информацию. </a:t>
-            </a:r>
-          </a:p>
-          <a:p>
+              <a:t>При росте объема новостных потоков актуальна задача автоматизации выделения тем новости для последующей группировки и анализа.</a:t>
+            </a:r>
             <a:br>
               <a:rPr lang="ru-RU" sz="2400" dirty="0">
                 <a:latin typeface="+mj-lt"/>
@@ -5585,24 +7569,50 @@
                 <a:ea typeface="+mj-ea"/>
                 <a:cs typeface="+mj-cs"/>
               </a:rPr>
-              <a:t>Разрабатываемый мною метод тематического моделирования новостей будет применяться для распределения новостного потока на различные нужные для пользователя темы.</a:t>
-            </a:r>
-          </a:p>
-          <a:p>
-            <a:br>
+              <a:t>Разработанный метод тематического моделирования новостей будет применяться для распределения новостного потока на различные нужные для пользователя темы. Это решение будет особенно актуально пользователям, интересующимся узкими темами, которые не распределяются журналистами на категории.</a:t>
+            </a:r>
+          </a:p>
+          <a:p>
+            <a:endParaRPr lang="ru-RU" sz="2400" dirty="0">
+              <a:latin typeface="+mj-lt"/>
+              <a:ea typeface="+mj-ea"/>
+              <a:cs typeface="+mj-cs"/>
+            </a:endParaRPr>
+          </a:p>
+          <a:p>
+            <a:r>
+              <a:rPr lang="ru-RU" sz="2400" u="sng" dirty="0">
+                <a:latin typeface="+mj-lt"/>
+                <a:ea typeface="+mj-ea"/>
+                <a:cs typeface="+mj-cs"/>
+              </a:rPr>
+              <a:t>Тематическое моделирование</a:t>
+            </a:r>
+            <a:r>
               <a:rPr lang="ru-RU" sz="2400" dirty="0">
                 <a:latin typeface="+mj-lt"/>
                 <a:ea typeface="+mj-ea"/>
                 <a:cs typeface="+mj-cs"/>
               </a:rPr>
-            </a:br>
+              <a:t> это способ построения модели коллекции текстовых документов, которая определяет, к каким темам относится каждый из документов.</a:t>
+            </a:r>
+          </a:p>
+          <a:p>
+            <a:r>
+              <a:rPr lang="ru-RU" sz="2400" u="sng" dirty="0">
+                <a:latin typeface="+mj-lt"/>
+                <a:ea typeface="+mj-ea"/>
+                <a:cs typeface="+mj-cs"/>
+              </a:rPr>
+              <a:t>Тематическая модель </a:t>
+            </a:r>
             <a:r>
               <a:rPr lang="ru-RU" sz="2400" dirty="0">
                 <a:latin typeface="+mj-lt"/>
                 <a:ea typeface="+mj-ea"/>
                 <a:cs typeface="+mj-cs"/>
               </a:rPr>
-              <a:t>Это решение будет особенно актуально пользователям, интересующимся узкими темами, которые не распределяются журналистами на категории.</a:t>
+              <a:t>коллекции текстовых документов определяет, к каким темам относится каждый документ и какие слова (термины) образуют каждую тему.</a:t>
             </a:r>
           </a:p>
         </p:txBody>
@@ -5690,7 +7700,7 @@
         <p:spPr>
           <a:xfrm>
             <a:off x="595423" y="2151394"/>
-            <a:ext cx="11001154" cy="5509200"/>
+            <a:ext cx="11001154" cy="5139869"/>
           </a:xfrm>
           <a:prstGeom prst="rect">
             <a:avLst/>
@@ -5727,7 +7737,7 @@
               <a:rPr lang="ru-RU" sz="2400" dirty="0">
                 <a:latin typeface="+mj-lt"/>
               </a:rPr>
-              <a:t>анализ существующих решений и выбор базового алгоритма тематического моделирования для классификации новостей на русском языке;</a:t>
+              <a:t>анализ существующих методов тематического моделирования и выбор базового для классификации новостей на русском языке;</a:t>
             </a:r>
           </a:p>
           <a:p>
@@ -5751,7 +7761,7 @@
               <a:rPr lang="ru-RU" sz="2400" dirty="0">
                 <a:latin typeface="+mj-lt"/>
               </a:rPr>
-              <a:t>разработка программного продукта для подготовки данных для последующего анализа;</a:t>
+              <a:t>разработка программного продукта для подготовки данных для последующего анализа; </a:t>
             </a:r>
           </a:p>
           <a:p>
@@ -5763,7 +7773,7 @@
               <a:rPr lang="ru-RU" sz="2400" dirty="0">
                 <a:latin typeface="+mj-lt"/>
               </a:rPr>
-              <a:t>подбор методов улучшения алгоритма и значений его параметров;</a:t>
+              <a:t>обучение тематической модели;</a:t>
             </a:r>
           </a:p>
           <a:p>
@@ -5775,7 +7785,7 @@
               <a:rPr lang="ru-RU" sz="2400" dirty="0">
                 <a:latin typeface="+mj-lt"/>
               </a:rPr>
-              <a:t>обучение модели;</a:t>
+              <a:t>проведение параметризации метода;</a:t>
             </a:r>
           </a:p>
           <a:p>
@@ -5787,19 +7797,7 @@
               <a:rPr lang="ru-RU" sz="2400" dirty="0">
                 <a:latin typeface="+mj-lt"/>
               </a:rPr>
-              <a:t>проведение параметризации метода;</a:t>
-            </a:r>
-          </a:p>
-          <a:p>
-            <a:pPr marL="342900" indent="-342900">
-              <a:buFont typeface="Arial" panose="020B0604020202020204" pitchFamily="34" charset="0"/>
-              <a:buChar char="•"/>
-            </a:pPr>
-            <a:r>
-              <a:rPr lang="ru-RU" sz="2400" dirty="0">
-                <a:latin typeface="+mj-lt"/>
-              </a:rPr>
-              <a:t> проведение апробации метода;</a:t>
+              <a:t>проведение апробации метода;</a:t>
             </a:r>
           </a:p>
           <a:p>
@@ -6063,6 +8061,53 @@
           </a:p>
         </p:txBody>
       </p:sp>
+      <p:sp>
+        <p:nvSpPr>
+          <p:cNvPr id="5" name="Прямоугольник 4">
+            <a:extLst>
+              <a:ext uri="{FF2B5EF4-FFF2-40B4-BE49-F238E27FC236}">
+                <a16:creationId xmlns:a16="http://schemas.microsoft.com/office/drawing/2014/main" id="{823CA871-E057-DE43-B93C-1F069B4C06F4}"/>
+              </a:ext>
+            </a:extLst>
+          </p:cNvPr>
+          <p:cNvSpPr/>
+          <p:nvPr/>
+        </p:nvSpPr>
+        <p:spPr>
+          <a:xfrm>
+            <a:off x="9988865" y="6473428"/>
+            <a:ext cx="1193370" cy="393115"/>
+          </a:xfrm>
+          <a:prstGeom prst="rect">
+            <a:avLst/>
+          </a:prstGeom>
+          <a:ln>
+            <a:noFill/>
+          </a:ln>
+        </p:spPr>
+        <p:style>
+          <a:lnRef idx="2">
+            <a:schemeClr val="accent6"/>
+          </a:lnRef>
+          <a:fillRef idx="1">
+            <a:schemeClr val="lt1"/>
+          </a:fillRef>
+          <a:effectRef idx="0">
+            <a:schemeClr val="accent6"/>
+          </a:effectRef>
+          <a:fontRef idx="minor">
+            <a:schemeClr val="dk1"/>
+          </a:fontRef>
+        </p:style>
+        <p:txBody>
+          <a:bodyPr rtlCol="0" anchor="ctr"/>
+          <a:lstStyle/>
+          <a:p>
+            <a:pPr algn="ctr"/>
+            <a:endParaRPr lang="ru-RU"/>
+          </a:p>
+        </p:txBody>
+      </p:sp>
     </p:spTree>
     <p:extLst>
       <p:ext uri="{BB962C8B-B14F-4D97-AF65-F5344CB8AC3E}">
@@ -6095,10 +8140,47 @@
       </p:grpSpPr>
       <p:sp>
         <p:nvSpPr>
-          <p:cNvPr id="2" name="Прямоугольник 1">
-            <a:extLst>
-              <a:ext uri="{FF2B5EF4-FFF2-40B4-BE49-F238E27FC236}">
-                <a16:creationId xmlns:a16="http://schemas.microsoft.com/office/drawing/2014/main" id="{B2FCC58E-2490-4B02-A5E9-F2C47F0F2AC3}"/>
+          <p:cNvPr id="7" name="TextBox 6">
+            <a:extLst>
+              <a:ext uri="{FF2B5EF4-FFF2-40B4-BE49-F238E27FC236}">
+                <a16:creationId xmlns:a16="http://schemas.microsoft.com/office/drawing/2014/main" id="{35DD053F-0AAA-BC4F-A64C-276CCF453831}"/>
+              </a:ext>
+            </a:extLst>
+          </p:cNvPr>
+          <p:cNvSpPr txBox="1"/>
+          <p:nvPr/>
+        </p:nvSpPr>
+        <p:spPr>
+          <a:xfrm>
+            <a:off x="381000" y="152068"/>
+            <a:ext cx="5564344" cy="769441"/>
+          </a:xfrm>
+          <a:prstGeom prst="rect">
+            <a:avLst/>
+          </a:prstGeom>
+          <a:noFill/>
+        </p:spPr>
+        <p:txBody>
+          <a:bodyPr wrap="none" rtlCol="0">
+            <a:spAutoFit/>
+          </a:bodyPr>
+          <a:lstStyle/>
+          <a:p>
+            <a:r>
+              <a:rPr lang="ru-RU" sz="4400" dirty="0">
+                <a:latin typeface="+mj-lt"/>
+              </a:rPr>
+              <a:t>Концептуальная схема</a:t>
+            </a:r>
+          </a:p>
+        </p:txBody>
+      </p:sp>
+      <p:sp>
+        <p:nvSpPr>
+          <p:cNvPr id="8" name="Прямоугольник 7">
+            <a:extLst>
+              <a:ext uri="{FF2B5EF4-FFF2-40B4-BE49-F238E27FC236}">
+                <a16:creationId xmlns:a16="http://schemas.microsoft.com/office/drawing/2014/main" id="{0FA7AF04-547A-CE46-8D85-17B0C6571A51}"/>
               </a:ext>
             </a:extLst>
           </p:cNvPr>
@@ -6107,8 +8189,8 @@
         </p:nvSpPr>
         <p:spPr>
           <a:xfrm>
-            <a:off x="375999" y="127168"/>
-            <a:ext cx="9655207" cy="769441"/>
+            <a:off x="11474005" y="6473428"/>
+            <a:ext cx="619080" cy="369332"/>
           </a:xfrm>
           <a:prstGeom prst="rect">
             <a:avLst/>
@@ -6121,20 +8203,32 @@
           <a:lstStyle/>
           <a:p>
             <a:r>
-              <a:rPr lang="ru-RU" sz="4400" dirty="0">
+              <a:rPr lang="ru-RU" dirty="0">
                 <a:latin typeface="+mj-lt"/>
               </a:rPr>
-              <a:t>Методы тематического моделирования</a:t>
+              <a:t>5/</a:t>
+            </a:r>
+            <a:r>
+              <a:rPr lang="en-US" dirty="0">
+                <a:latin typeface="+mj-lt"/>
+              </a:rPr>
+              <a:t>1</a:t>
+            </a:r>
+            <a:r>
+              <a:rPr lang="ru-RU" dirty="0">
+                <a:latin typeface="+mj-lt"/>
+              </a:rPr>
+              <a:t>5</a:t>
             </a:r>
           </a:p>
         </p:txBody>
       </p:sp>
       <p:pic>
         <p:nvPicPr>
-          <p:cNvPr id="4" name="Рисунок 3">
-            <a:extLst>
-              <a:ext uri="{FF2B5EF4-FFF2-40B4-BE49-F238E27FC236}">
-                <a16:creationId xmlns:a16="http://schemas.microsoft.com/office/drawing/2014/main" id="{BD451DED-2F42-2547-A3DD-7534D1763796}"/>
+          <p:cNvPr id="3" name="Рисунок 2">
+            <a:extLst>
+              <a:ext uri="{FF2B5EF4-FFF2-40B4-BE49-F238E27FC236}">
+                <a16:creationId xmlns:a16="http://schemas.microsoft.com/office/drawing/2014/main" id="{5FB0812C-AAFE-0F4A-B9E9-8EAA6A77CD22}"/>
               </a:ext>
             </a:extLst>
           </p:cNvPr>
@@ -6151,8 +8245,8 @@
         </p:blipFill>
         <p:spPr>
           <a:xfrm>
-            <a:off x="177878" y="965879"/>
-            <a:ext cx="10474881" cy="5892121"/>
+            <a:off x="563472" y="927643"/>
+            <a:ext cx="10554293" cy="5930357"/>
           </a:xfrm>
           <a:prstGeom prst="rect">
             <a:avLst/>
@@ -6161,10 +8255,10 @@
       </p:pic>
       <p:sp>
         <p:nvSpPr>
-          <p:cNvPr id="5" name="Прямоугольник 4">
-            <a:extLst>
-              <a:ext uri="{FF2B5EF4-FFF2-40B4-BE49-F238E27FC236}">
-                <a16:creationId xmlns:a16="http://schemas.microsoft.com/office/drawing/2014/main" id="{4403E88A-E33D-D04F-A183-6605A8D507C7}"/>
+          <p:cNvPr id="9" name="Прямоугольник 8">
+            <a:extLst>
+              <a:ext uri="{FF2B5EF4-FFF2-40B4-BE49-F238E27FC236}">
+                <a16:creationId xmlns:a16="http://schemas.microsoft.com/office/drawing/2014/main" id="{71A5BFF5-ACB3-9240-91F4-C9BE619F89A8}"/>
               </a:ext>
             </a:extLst>
           </p:cNvPr>
@@ -6173,44 +8267,43 @@
         </p:nvSpPr>
         <p:spPr>
           <a:xfrm>
-            <a:off x="11474005" y="6473428"/>
-            <a:ext cx="619080" cy="369332"/>
-          </a:xfrm>
-          <a:prstGeom prst="rect">
-            <a:avLst/>
-          </a:prstGeom>
-        </p:spPr>
-        <p:txBody>
-          <a:bodyPr wrap="none">
-            <a:spAutoFit/>
-          </a:bodyPr>
-          <a:lstStyle/>
-          <a:p>
-            <a:r>
-              <a:rPr lang="ru-RU" dirty="0">
-                <a:latin typeface="+mj-lt"/>
-              </a:rPr>
-              <a:t>5/</a:t>
-            </a:r>
-            <a:r>
-              <a:rPr lang="en-US" dirty="0">
-                <a:latin typeface="+mj-lt"/>
-              </a:rPr>
-              <a:t>1</a:t>
-            </a:r>
-            <a:r>
-              <a:rPr lang="ru-RU" dirty="0">
-                <a:latin typeface="+mj-lt"/>
-              </a:rPr>
-              <a:t>5</a:t>
-            </a:r>
+            <a:off x="9763932" y="6150262"/>
+            <a:ext cx="1193370" cy="646331"/>
+          </a:xfrm>
+          <a:prstGeom prst="rect">
+            <a:avLst/>
+          </a:prstGeom>
+          <a:ln>
+            <a:noFill/>
+          </a:ln>
+        </p:spPr>
+        <p:style>
+          <a:lnRef idx="2">
+            <a:schemeClr val="accent6"/>
+          </a:lnRef>
+          <a:fillRef idx="1">
+            <a:schemeClr val="lt1"/>
+          </a:fillRef>
+          <a:effectRef idx="0">
+            <a:schemeClr val="accent6"/>
+          </a:effectRef>
+          <a:fontRef idx="minor">
+            <a:schemeClr val="dk1"/>
+          </a:fontRef>
+        </p:style>
+        <p:txBody>
+          <a:bodyPr rtlCol="0" anchor="ctr"/>
+          <a:lstStyle/>
+          <a:p>
+            <a:pPr algn="ctr"/>
+            <a:endParaRPr lang="ru-RU"/>
           </a:p>
         </p:txBody>
       </p:sp>
     </p:spTree>
     <p:extLst>
       <p:ext uri="{BB962C8B-B14F-4D97-AF65-F5344CB8AC3E}">
-        <p14:creationId xmlns:p14="http://schemas.microsoft.com/office/powerpoint/2010/main" val="1233507205"/>
+        <p14:creationId xmlns:p14="http://schemas.microsoft.com/office/powerpoint/2010/main" val="3517602289"/>
       </p:ext>
     </p:extLst>
   </p:cSld>
@@ -6239,28 +8332,27 @@
       </p:grpSpPr>
       <p:sp>
         <p:nvSpPr>
-          <p:cNvPr id="2" name="TextBox 1">
-            <a:extLst>
-              <a:ext uri="{FF2B5EF4-FFF2-40B4-BE49-F238E27FC236}">
-                <a16:creationId xmlns:a16="http://schemas.microsoft.com/office/drawing/2014/main" id="{91D4B558-D3BB-4341-9128-BD42C882ACAA}"/>
-              </a:ext>
-            </a:extLst>
-          </p:cNvPr>
-          <p:cNvSpPr txBox="1"/>
+          <p:cNvPr id="2" name="Прямоугольник 1">
+            <a:extLst>
+              <a:ext uri="{FF2B5EF4-FFF2-40B4-BE49-F238E27FC236}">
+                <a16:creationId xmlns:a16="http://schemas.microsoft.com/office/drawing/2014/main" id="{B2FCC58E-2490-4B02-A5E9-F2C47F0F2AC3}"/>
+              </a:ext>
+            </a:extLst>
+          </p:cNvPr>
+          <p:cNvSpPr/>
           <p:nvPr/>
         </p:nvSpPr>
         <p:spPr>
           <a:xfrm>
-            <a:off x="381000" y="152068"/>
-            <a:ext cx="4289957" cy="769441"/>
-          </a:xfrm>
-          <a:prstGeom prst="rect">
-            <a:avLst/>
-          </a:prstGeom>
-          <a:noFill/>
-        </p:spPr>
-        <p:txBody>
-          <a:bodyPr wrap="none" rtlCol="0">
+            <a:off x="375999" y="127168"/>
+            <a:ext cx="9655207" cy="769441"/>
+          </a:xfrm>
+          <a:prstGeom prst="rect">
+            <a:avLst/>
+          </a:prstGeom>
+        </p:spPr>
+        <p:txBody>
+          <a:bodyPr wrap="none">
             <a:spAutoFit/>
           </a:bodyPr>
           <a:lstStyle/>
@@ -6269,17 +8361,65 @@
               <a:rPr lang="ru-RU" sz="4400" dirty="0">
                 <a:latin typeface="+mj-lt"/>
               </a:rPr>
-              <a:t>Описание задачи</a:t>
+              <a:t>Методы тематического моделирования</a:t>
+            </a:r>
+          </a:p>
+        </p:txBody>
+      </p:sp>
+      <p:sp>
+        <p:nvSpPr>
+          <p:cNvPr id="5" name="Прямоугольник 4">
+            <a:extLst>
+              <a:ext uri="{FF2B5EF4-FFF2-40B4-BE49-F238E27FC236}">
+                <a16:creationId xmlns:a16="http://schemas.microsoft.com/office/drawing/2014/main" id="{4403E88A-E33D-D04F-A183-6605A8D507C7}"/>
+              </a:ext>
+            </a:extLst>
+          </p:cNvPr>
+          <p:cNvSpPr/>
+          <p:nvPr/>
+        </p:nvSpPr>
+        <p:spPr>
+          <a:xfrm>
+            <a:off x="11474005" y="6473428"/>
+            <a:ext cx="619080" cy="369332"/>
+          </a:xfrm>
+          <a:prstGeom prst="rect">
+            <a:avLst/>
+          </a:prstGeom>
+        </p:spPr>
+        <p:txBody>
+          <a:bodyPr wrap="none">
+            <a:spAutoFit/>
+          </a:bodyPr>
+          <a:lstStyle/>
+          <a:p>
+            <a:r>
+              <a:rPr lang="ru-RU" dirty="0">
+                <a:latin typeface="+mj-lt"/>
+              </a:rPr>
+              <a:t>6/</a:t>
+            </a:r>
+            <a:r>
+              <a:rPr lang="en-US" dirty="0">
+                <a:latin typeface="+mj-lt"/>
+              </a:rPr>
+              <a:t>1</a:t>
+            </a:r>
+            <a:r>
+              <a:rPr lang="ru-RU" dirty="0">
+                <a:latin typeface="+mj-lt"/>
+              </a:rPr>
+              <a:t>5</a:t>
             </a:r>
           </a:p>
         </p:txBody>
       </p:sp>
       <p:pic>
         <p:nvPicPr>
-          <p:cNvPr id="4" name="Рисунок 3">
-            <a:extLst>
-              <a:ext uri="{FF2B5EF4-FFF2-40B4-BE49-F238E27FC236}">
-                <a16:creationId xmlns:a16="http://schemas.microsoft.com/office/drawing/2014/main" id="{7614DAE7-5BE6-2E41-8A8A-AC4D0246CCB0}"/>
+          <p:cNvPr id="6" name="Рисунок 5">
+            <a:extLst>
+              <a:ext uri="{FF2B5EF4-FFF2-40B4-BE49-F238E27FC236}">
+                <a16:creationId xmlns:a16="http://schemas.microsoft.com/office/drawing/2014/main" id="{69E064F3-9A20-4749-B414-891292D5195B}"/>
               </a:ext>
             </a:extLst>
           </p:cNvPr>
@@ -6296,8 +8436,8 @@
         </p:blipFill>
         <p:spPr>
           <a:xfrm>
-            <a:off x="1509713" y="1085262"/>
-            <a:ext cx="8205788" cy="4687475"/>
+            <a:off x="1060890" y="828802"/>
+            <a:ext cx="9242837" cy="5200396"/>
           </a:xfrm>
           <a:prstGeom prst="rect">
             <a:avLst/>
@@ -6306,10 +8446,10 @@
       </p:pic>
       <p:sp>
         <p:nvSpPr>
-          <p:cNvPr id="5" name="TextBox 4">
-            <a:extLst>
-              <a:ext uri="{FF2B5EF4-FFF2-40B4-BE49-F238E27FC236}">
-                <a16:creationId xmlns:a16="http://schemas.microsoft.com/office/drawing/2014/main" id="{7C537454-86C1-5046-B81B-F7F51DFFF097}"/>
+          <p:cNvPr id="7" name="TextBox 6">
+            <a:extLst>
+              <a:ext uri="{FF2B5EF4-FFF2-40B4-BE49-F238E27FC236}">
+                <a16:creationId xmlns:a16="http://schemas.microsoft.com/office/drawing/2014/main" id="{17E11FD3-192E-3941-8552-009AD1CBEA51}"/>
               </a:ext>
             </a:extLst>
           </p:cNvPr>
@@ -6318,8 +8458,8 @@
         </p:nvSpPr>
         <p:spPr>
           <a:xfrm>
-            <a:off x="4496340" y="5936490"/>
-            <a:ext cx="2232534" cy="307777"/>
+            <a:off x="1060890" y="5382867"/>
+            <a:ext cx="6642011" cy="646331"/>
           </a:xfrm>
           <a:prstGeom prst="rect">
             <a:avLst/>
@@ -6333,23 +8473,32 @@
           <a:lstStyle/>
           <a:p>
             <a:r>
-              <a:rPr lang="ru-RU" sz="1400" dirty="0"/>
-              <a:t>Изображение из работы </a:t>
-            </a:r>
-            <a:r>
-              <a:rPr lang="en-US" sz="1400" dirty="0"/>
-              <a:t>//</a:t>
-            </a:r>
-            <a:endParaRPr lang="ru-RU" sz="1400" dirty="0"/>
-          </a:p>
-        </p:txBody>
-      </p:sp>
-      <p:sp>
-        <p:nvSpPr>
-          <p:cNvPr id="6" name="Прямоугольник 5">
-            <a:extLst>
-              <a:ext uri="{FF2B5EF4-FFF2-40B4-BE49-F238E27FC236}">
-                <a16:creationId xmlns:a16="http://schemas.microsoft.com/office/drawing/2014/main" id="{07D85D37-457D-7044-966E-98BE6103F9E3}"/>
+              <a:rPr lang="ru-RU" dirty="0"/>
+              <a:t>В качестве базового метода выбран </a:t>
+            </a:r>
+            <a:r>
+              <a:rPr lang="en-US" dirty="0"/>
+              <a:t>ARTM</a:t>
+            </a:r>
+            <a:r>
+              <a:rPr lang="ru-RU" dirty="0"/>
+              <a:t>.</a:t>
+            </a:r>
+          </a:p>
+          <a:p>
+            <a:r>
+              <a:rPr lang="ru-RU" dirty="0"/>
+              <a:t>Следует выбрать регуляризаторы, их порядок применения и веса.</a:t>
+            </a:r>
+          </a:p>
+        </p:txBody>
+      </p:sp>
+      <p:sp>
+        <p:nvSpPr>
+          <p:cNvPr id="8" name="Прямоугольник 7">
+            <a:extLst>
+              <a:ext uri="{FF2B5EF4-FFF2-40B4-BE49-F238E27FC236}">
+                <a16:creationId xmlns:a16="http://schemas.microsoft.com/office/drawing/2014/main" id="{322A3852-FDFD-3C43-BB34-77EE84E2AA88}"/>
               </a:ext>
             </a:extLst>
           </p:cNvPr>
@@ -6358,50 +8507,43 @@
         </p:nvSpPr>
         <p:spPr>
           <a:xfrm>
-            <a:off x="11474005" y="6473428"/>
-            <a:ext cx="619080" cy="369332"/>
-          </a:xfrm>
-          <a:prstGeom prst="rect">
-            <a:avLst/>
-          </a:prstGeom>
-        </p:spPr>
-        <p:txBody>
-          <a:bodyPr wrap="none">
-            <a:spAutoFit/>
-          </a:bodyPr>
-          <a:lstStyle/>
-          <a:p>
-            <a:r>
-              <a:rPr lang="en-US" dirty="0">
-                <a:latin typeface="+mj-lt"/>
-              </a:rPr>
-              <a:t>6</a:t>
-            </a:r>
-            <a:r>
-              <a:rPr lang="ru-RU" dirty="0">
-                <a:latin typeface="+mj-lt"/>
-              </a:rPr>
-              <a:t>/</a:t>
-            </a:r>
-            <a:r>
-              <a:rPr lang="en-US" dirty="0">
-                <a:latin typeface="+mj-lt"/>
-              </a:rPr>
-              <a:t>1</a:t>
-            </a:r>
-            <a:r>
-              <a:rPr lang="ru-RU" dirty="0">
-                <a:latin typeface="+mj-lt"/>
-              </a:rPr>
-              <a:t>5</a:t>
-            </a:r>
+            <a:off x="9500461" y="5382867"/>
+            <a:ext cx="1193370" cy="646331"/>
+          </a:xfrm>
+          <a:prstGeom prst="rect">
+            <a:avLst/>
+          </a:prstGeom>
+          <a:ln>
+            <a:noFill/>
+          </a:ln>
+        </p:spPr>
+        <p:style>
+          <a:lnRef idx="2">
+            <a:schemeClr val="accent6"/>
+          </a:lnRef>
+          <a:fillRef idx="1">
+            <a:schemeClr val="lt1"/>
+          </a:fillRef>
+          <a:effectRef idx="0">
+            <a:schemeClr val="accent6"/>
+          </a:effectRef>
+          <a:fontRef idx="minor">
+            <a:schemeClr val="dk1"/>
+          </a:fontRef>
+        </p:style>
+        <p:txBody>
+          <a:bodyPr rtlCol="0" anchor="ctr"/>
+          <a:lstStyle/>
+          <a:p>
+            <a:pPr algn="ctr"/>
+            <a:endParaRPr lang="ru-RU"/>
           </a:p>
         </p:txBody>
       </p:sp>
     </p:spTree>
     <p:extLst>
       <p:ext uri="{BB962C8B-B14F-4D97-AF65-F5344CB8AC3E}">
-        <p14:creationId xmlns:p14="http://schemas.microsoft.com/office/powerpoint/2010/main" val="3154722027"/>
+        <p14:creationId xmlns:p14="http://schemas.microsoft.com/office/powerpoint/2010/main" val="1233507205"/>
       </p:ext>
     </p:extLst>
   </p:cSld>
@@ -6430,10 +8572,10 @@
       </p:grpSpPr>
       <p:sp>
         <p:nvSpPr>
-          <p:cNvPr id="7" name="TextBox 6">
-            <a:extLst>
-              <a:ext uri="{FF2B5EF4-FFF2-40B4-BE49-F238E27FC236}">
-                <a16:creationId xmlns:a16="http://schemas.microsoft.com/office/drawing/2014/main" id="{35DD053F-0AAA-BC4F-A64C-276CCF453831}"/>
+          <p:cNvPr id="2" name="TextBox 1">
+            <a:extLst>
+              <a:ext uri="{FF2B5EF4-FFF2-40B4-BE49-F238E27FC236}">
+                <a16:creationId xmlns:a16="http://schemas.microsoft.com/office/drawing/2014/main" id="{91D4B558-D3BB-4341-9128-BD42C882ACAA}"/>
               </a:ext>
             </a:extLst>
           </p:cNvPr>
@@ -6443,7 +8585,7 @@
         <p:spPr>
           <a:xfrm>
             <a:off x="381000" y="152068"/>
-            <a:ext cx="4727576" cy="769441"/>
+            <a:ext cx="6901248" cy="769441"/>
           </a:xfrm>
           <a:prstGeom prst="rect">
             <a:avLst/>
@@ -6460,65 +8602,17 @@
               <a:rPr lang="ru-RU" sz="4400" dirty="0">
                 <a:latin typeface="+mj-lt"/>
               </a:rPr>
-              <a:t>Диаграмма метода</a:t>
-            </a:r>
-          </a:p>
-        </p:txBody>
-      </p:sp>
-      <p:sp>
-        <p:nvSpPr>
-          <p:cNvPr id="8" name="Прямоугольник 7">
-            <a:extLst>
-              <a:ext uri="{FF2B5EF4-FFF2-40B4-BE49-F238E27FC236}">
-                <a16:creationId xmlns:a16="http://schemas.microsoft.com/office/drawing/2014/main" id="{0FA7AF04-547A-CE46-8D85-17B0C6571A51}"/>
-              </a:ext>
-            </a:extLst>
-          </p:cNvPr>
-          <p:cNvSpPr/>
-          <p:nvPr/>
-        </p:nvSpPr>
-        <p:spPr>
-          <a:xfrm>
-            <a:off x="11474005" y="6473428"/>
-            <a:ext cx="619080" cy="369332"/>
-          </a:xfrm>
-          <a:prstGeom prst="rect">
-            <a:avLst/>
-          </a:prstGeom>
-        </p:spPr>
-        <p:txBody>
-          <a:bodyPr wrap="none">
-            <a:spAutoFit/>
-          </a:bodyPr>
-          <a:lstStyle/>
-          <a:p>
-            <a:r>
-              <a:rPr lang="ru-RU" dirty="0">
-                <a:latin typeface="+mj-lt"/>
-              </a:rPr>
-              <a:t>7/</a:t>
-            </a:r>
-            <a:r>
-              <a:rPr lang="en-US" dirty="0">
-                <a:latin typeface="+mj-lt"/>
-              </a:rPr>
-              <a:t>1</a:t>
-            </a:r>
-            <a:r>
-              <a:rPr lang="ru-RU" dirty="0">
-                <a:latin typeface="+mj-lt"/>
-              </a:rPr>
-              <a:t>5</a:t>
+              <a:t>Процесс порождения текста</a:t>
             </a:r>
           </a:p>
         </p:txBody>
       </p:sp>
       <p:pic>
         <p:nvPicPr>
-          <p:cNvPr id="10" name="Рисунок 9">
-            <a:extLst>
-              <a:ext uri="{FF2B5EF4-FFF2-40B4-BE49-F238E27FC236}">
-                <a16:creationId xmlns:a16="http://schemas.microsoft.com/office/drawing/2014/main" id="{6E34367C-877D-5C45-BDC9-46B223ECCED9}"/>
+          <p:cNvPr id="4" name="Рисунок 3">
+            <a:extLst>
+              <a:ext uri="{FF2B5EF4-FFF2-40B4-BE49-F238E27FC236}">
+                <a16:creationId xmlns:a16="http://schemas.microsoft.com/office/drawing/2014/main" id="{7614DAE7-5BE6-2E41-8A8A-AC4D0246CCB0}"/>
               </a:ext>
             </a:extLst>
           </p:cNvPr>
@@ -6527,26 +8621,880 @@
           </p:cNvPicPr>
           <p:nvPr/>
         </p:nvPicPr>
-        <p:blipFill>
+        <p:blipFill rotWithShape="1">
           <a:blip r:embed="rId2"/>
-          <a:stretch>
-            <a:fillRect/>
-          </a:stretch>
+          <a:srcRect r="18864" b="56695"/>
+          <a:stretch/>
         </p:blipFill>
         <p:spPr>
           <a:xfrm>
-            <a:off x="381000" y="921509"/>
-            <a:ext cx="10463214" cy="5875739"/>
+            <a:off x="2486107" y="1399103"/>
+            <a:ext cx="6657894" cy="2029897"/>
           </a:xfrm>
           <a:prstGeom prst="rect">
             <a:avLst/>
           </a:prstGeom>
         </p:spPr>
       </p:pic>
+      <p:sp>
+        <p:nvSpPr>
+          <p:cNvPr id="5" name="TextBox 4">
+            <a:extLst>
+              <a:ext uri="{FF2B5EF4-FFF2-40B4-BE49-F238E27FC236}">
+                <a16:creationId xmlns:a16="http://schemas.microsoft.com/office/drawing/2014/main" id="{7C537454-86C1-5046-B81B-F7F51DFFF097}"/>
+              </a:ext>
+            </a:extLst>
+          </p:cNvPr>
+          <p:cNvSpPr txBox="1"/>
+          <p:nvPr/>
+        </p:nvSpPr>
+        <p:spPr>
+          <a:xfrm>
+            <a:off x="4233595" y="6378683"/>
+            <a:ext cx="3162917" cy="307777"/>
+          </a:xfrm>
+          <a:prstGeom prst="rect">
+            <a:avLst/>
+          </a:prstGeom>
+          <a:noFill/>
+        </p:spPr>
+        <p:txBody>
+          <a:bodyPr wrap="none" rtlCol="0">
+            <a:spAutoFit/>
+          </a:bodyPr>
+          <a:lstStyle/>
+          <a:p>
+            <a:r>
+              <a:rPr lang="ru-RU" sz="1400" dirty="0"/>
+              <a:t>Иллюстрации из лекций К.В. Воронцов</a:t>
+            </a:r>
+          </a:p>
+        </p:txBody>
+      </p:sp>
+      <p:sp>
+        <p:nvSpPr>
+          <p:cNvPr id="6" name="Прямоугольник 5">
+            <a:extLst>
+              <a:ext uri="{FF2B5EF4-FFF2-40B4-BE49-F238E27FC236}">
+                <a16:creationId xmlns:a16="http://schemas.microsoft.com/office/drawing/2014/main" id="{07D85D37-457D-7044-966E-98BE6103F9E3}"/>
+              </a:ext>
+            </a:extLst>
+          </p:cNvPr>
+          <p:cNvSpPr/>
+          <p:nvPr/>
+        </p:nvSpPr>
+        <p:spPr>
+          <a:xfrm>
+            <a:off x="11474005" y="6473428"/>
+            <a:ext cx="619080" cy="369332"/>
+          </a:xfrm>
+          <a:prstGeom prst="rect">
+            <a:avLst/>
+          </a:prstGeom>
+        </p:spPr>
+        <p:txBody>
+          <a:bodyPr wrap="none">
+            <a:spAutoFit/>
+          </a:bodyPr>
+          <a:lstStyle/>
+          <a:p>
+            <a:r>
+              <a:rPr lang="ru-RU" dirty="0">
+                <a:latin typeface="+mj-lt"/>
+              </a:rPr>
+              <a:t>7/</a:t>
+            </a:r>
+            <a:r>
+              <a:rPr lang="en-US" dirty="0">
+                <a:latin typeface="+mj-lt"/>
+              </a:rPr>
+              <a:t>1</a:t>
+            </a:r>
+            <a:r>
+              <a:rPr lang="ru-RU" dirty="0">
+                <a:latin typeface="+mj-lt"/>
+              </a:rPr>
+              <a:t>5</a:t>
+            </a:r>
+          </a:p>
+        </p:txBody>
+      </p:sp>
+      <mc:AlternateContent xmlns:mc="http://schemas.openxmlformats.org/markup-compatibility/2006">
+        <mc:Choice xmlns:a14="http://schemas.microsoft.com/office/drawing/2010/main" Requires="a14">
+          <p:sp>
+            <p:nvSpPr>
+              <p:cNvPr id="3" name="TextBox 2">
+                <a:extLst>
+                  <a:ext uri="{FF2B5EF4-FFF2-40B4-BE49-F238E27FC236}">
+                    <a16:creationId xmlns:a16="http://schemas.microsoft.com/office/drawing/2014/main" id="{86C02CAA-6E35-9245-929B-D033B9D99899}"/>
+                  </a:ext>
+                </a:extLst>
+              </p:cNvPr>
+              <p:cNvSpPr txBox="1"/>
+              <p:nvPr/>
+            </p:nvSpPr>
+            <p:spPr>
+              <a:xfrm>
+                <a:off x="658836" y="1299513"/>
+                <a:ext cx="1592744" cy="646331"/>
+              </a:xfrm>
+              <a:prstGeom prst="rect">
+                <a:avLst/>
+              </a:prstGeom>
+              <a:noFill/>
+            </p:spPr>
+            <p:txBody>
+              <a:bodyPr wrap="none" rtlCol="0">
+                <a:spAutoFit/>
+              </a:bodyPr>
+              <a:lstStyle/>
+              <a:p>
+                <a:r>
+                  <a:rPr lang="ru-RU" dirty="0"/>
+                  <a:t>В документе </a:t>
+                </a:r>
+                <a:r>
+                  <a:rPr lang="en-US" dirty="0"/>
+                  <a:t>d</a:t>
+                </a:r>
+              </a:p>
+              <a:p>
+                <a:r>
+                  <a:rPr lang="ru-RU" dirty="0"/>
+                  <a:t>есть темы </a:t>
+                </a:r>
+                <a14:m>
+                  <m:oMath xmlns:m="http://schemas.openxmlformats.org/officeDocument/2006/math">
+                    <m:sSub>
+                      <m:sSubPr>
+                        <m:ctrlPr>
+                          <a:rPr lang="en-US" b="0" i="1" smtClean="0">
+                            <a:latin typeface="Cambria Math" panose="02040503050406030204" pitchFamily="18" charset="0"/>
+                          </a:rPr>
+                        </m:ctrlPr>
+                      </m:sSubPr>
+                      <m:e>
+                        <m:r>
+                          <a:rPr lang="en-US" b="0" i="1" smtClean="0">
+                            <a:latin typeface="Cambria Math" panose="02040503050406030204" pitchFamily="18" charset="0"/>
+                          </a:rPr>
+                          <m:t>𝑡</m:t>
+                        </m:r>
+                      </m:e>
+                      <m:sub>
+                        <m:r>
+                          <a:rPr lang="en-US" b="0" i="1" smtClean="0">
+                            <a:latin typeface="Cambria Math" panose="02040503050406030204" pitchFamily="18" charset="0"/>
+                          </a:rPr>
+                          <m:t>𝑖</m:t>
+                        </m:r>
+                      </m:sub>
+                    </m:sSub>
+                  </m:oMath>
+                </a14:m>
+                <a:endParaRPr lang="ru-RU" dirty="0"/>
+              </a:p>
+            </p:txBody>
+          </p:sp>
+        </mc:Choice>
+        <mc:Fallback>
+          <p:sp>
+            <p:nvSpPr>
+              <p:cNvPr id="3" name="TextBox 2">
+                <a:extLst>
+                  <a:ext uri="{FF2B5EF4-FFF2-40B4-BE49-F238E27FC236}">
+                    <a16:creationId xmlns:a16="http://schemas.microsoft.com/office/drawing/2014/main" id="{86C02CAA-6E35-9245-929B-D033B9D99899}"/>
+                  </a:ext>
+                </a:extLst>
+              </p:cNvPr>
+              <p:cNvSpPr txBox="1">
+                <a:spLocks noRot="1" noChangeAspect="1" noMove="1" noResize="1" noEditPoints="1" noAdjustHandles="1" noChangeArrowheads="1" noChangeShapeType="1" noTextEdit="1"/>
+              </p:cNvSpPr>
+              <p:nvPr/>
+            </p:nvSpPr>
+            <p:spPr>
+              <a:xfrm>
+                <a:off x="658836" y="1299513"/>
+                <a:ext cx="1592744" cy="646331"/>
+              </a:xfrm>
+              <a:prstGeom prst="rect">
+                <a:avLst/>
+              </a:prstGeom>
+              <a:blipFill>
+                <a:blip r:embed="rId3"/>
+                <a:stretch>
+                  <a:fillRect l="-2381" t="-1923" r="-2381" b="-15385"/>
+                </a:stretch>
+              </a:blipFill>
+            </p:spPr>
+            <p:txBody>
+              <a:bodyPr/>
+              <a:lstStyle/>
+              <a:p>
+                <a:r>
+                  <a:rPr lang="ru-RU">
+                    <a:noFill/>
+                  </a:rPr>
+                  <a:t> </a:t>
+                </a:r>
+              </a:p>
+            </p:txBody>
+          </p:sp>
+        </mc:Fallback>
+      </mc:AlternateContent>
+      <p:sp>
+        <p:nvSpPr>
+          <p:cNvPr id="8" name="TextBox 7">
+            <a:extLst>
+              <a:ext uri="{FF2B5EF4-FFF2-40B4-BE49-F238E27FC236}">
+                <a16:creationId xmlns:a16="http://schemas.microsoft.com/office/drawing/2014/main" id="{91E8EAE3-7C86-C742-8079-C771AD9D8939}"/>
+              </a:ext>
+            </a:extLst>
+          </p:cNvPr>
+          <p:cNvSpPr txBox="1"/>
+          <p:nvPr/>
+        </p:nvSpPr>
+        <p:spPr>
+          <a:xfrm>
+            <a:off x="658836" y="2583489"/>
+            <a:ext cx="2110193" cy="646331"/>
+          </a:xfrm>
+          <a:prstGeom prst="rect">
+            <a:avLst/>
+          </a:prstGeom>
+          <a:noFill/>
+        </p:spPr>
+        <p:txBody>
+          <a:bodyPr wrap="none" rtlCol="0">
+            <a:spAutoFit/>
+          </a:bodyPr>
+          <a:lstStyle/>
+          <a:p>
+            <a:r>
+              <a:rPr lang="ru-RU" dirty="0"/>
+              <a:t>Распределение тем</a:t>
+            </a:r>
+          </a:p>
+          <a:p>
+            <a:r>
+              <a:rPr lang="ru-RU" dirty="0"/>
+              <a:t>в документе</a:t>
+            </a:r>
+          </a:p>
+        </p:txBody>
+      </p:sp>
+      <p:cxnSp>
+        <p:nvCxnSpPr>
+          <p:cNvPr id="10" name="Прямая со стрелкой 9">
+            <a:extLst>
+              <a:ext uri="{FF2B5EF4-FFF2-40B4-BE49-F238E27FC236}">
+                <a16:creationId xmlns:a16="http://schemas.microsoft.com/office/drawing/2014/main" id="{3F11369B-D849-7248-8DE3-79C91836F5D2}"/>
+              </a:ext>
+            </a:extLst>
+          </p:cNvPr>
+          <p:cNvCxnSpPr>
+            <a:cxnSpLocks/>
+          </p:cNvCxnSpPr>
+          <p:nvPr/>
+        </p:nvCxnSpPr>
+        <p:spPr>
+          <a:xfrm>
+            <a:off x="928266" y="2538037"/>
+            <a:ext cx="1556209" cy="0"/>
+          </a:xfrm>
+          <a:prstGeom prst="straightConnector1">
+            <a:avLst/>
+          </a:prstGeom>
+          <a:ln>
+            <a:tailEnd type="triangle"/>
+          </a:ln>
+        </p:spPr>
+        <p:style>
+          <a:lnRef idx="1">
+            <a:schemeClr val="accent1"/>
+          </a:lnRef>
+          <a:fillRef idx="0">
+            <a:schemeClr val="accent1"/>
+          </a:fillRef>
+          <a:effectRef idx="0">
+            <a:schemeClr val="accent1"/>
+          </a:effectRef>
+          <a:fontRef idx="minor">
+            <a:schemeClr val="tx1"/>
+          </a:fontRef>
+        </p:style>
+      </p:cxnSp>
+      <p:sp>
+        <p:nvSpPr>
+          <p:cNvPr id="12" name="TextBox 11">
+            <a:extLst>
+              <a:ext uri="{FF2B5EF4-FFF2-40B4-BE49-F238E27FC236}">
+                <a16:creationId xmlns:a16="http://schemas.microsoft.com/office/drawing/2014/main" id="{716460B7-30FA-E84B-A720-C59B3D18A2C5}"/>
+              </a:ext>
+            </a:extLst>
+          </p:cNvPr>
+          <p:cNvSpPr txBox="1"/>
+          <p:nvPr/>
+        </p:nvSpPr>
+        <p:spPr>
+          <a:xfrm>
+            <a:off x="4441945" y="837141"/>
+            <a:ext cx="4876784" cy="646331"/>
+          </a:xfrm>
+          <a:prstGeom prst="rect">
+            <a:avLst/>
+          </a:prstGeom>
+          <a:noFill/>
+        </p:spPr>
+        <p:txBody>
+          <a:bodyPr wrap="none" rtlCol="0">
+            <a:spAutoFit/>
+          </a:bodyPr>
+          <a:lstStyle/>
+          <a:p>
+            <a:r>
+              <a:rPr lang="ru-RU" dirty="0"/>
+              <a:t>Важные (наиболее вероятные для темы)</a:t>
+            </a:r>
+          </a:p>
+          <a:p>
+            <a:r>
+              <a:rPr lang="ru-RU" dirty="0"/>
+              <a:t>Термины (слова) распределены по документу </a:t>
+            </a:r>
+            <a:r>
+              <a:rPr lang="en-US" dirty="0"/>
+              <a:t>d</a:t>
+            </a:r>
+            <a:endParaRPr lang="ru-RU" dirty="0"/>
+          </a:p>
+        </p:txBody>
+      </p:sp>
+      <p:sp>
+        <p:nvSpPr>
+          <p:cNvPr id="13" name="TextBox 12">
+            <a:extLst>
+              <a:ext uri="{FF2B5EF4-FFF2-40B4-BE49-F238E27FC236}">
+                <a16:creationId xmlns:a16="http://schemas.microsoft.com/office/drawing/2014/main" id="{49796414-5997-CD40-BCF4-535663917B4D}"/>
+              </a:ext>
+            </a:extLst>
+          </p:cNvPr>
+          <p:cNvSpPr txBox="1"/>
+          <p:nvPr/>
+        </p:nvSpPr>
+        <p:spPr>
+          <a:xfrm>
+            <a:off x="8989017" y="2205714"/>
+            <a:ext cx="1700017" cy="646331"/>
+          </a:xfrm>
+          <a:prstGeom prst="rect">
+            <a:avLst/>
+          </a:prstGeom>
+          <a:noFill/>
+        </p:spPr>
+        <p:txBody>
+          <a:bodyPr wrap="none" rtlCol="0">
+            <a:spAutoFit/>
+          </a:bodyPr>
+          <a:lstStyle/>
+          <a:p>
+            <a:r>
+              <a:rPr lang="ru-RU" dirty="0"/>
+              <a:t>Распределение</a:t>
+            </a:r>
+          </a:p>
+          <a:p>
+            <a:r>
+              <a:rPr lang="ru-RU" dirty="0"/>
+              <a:t>слов в темах</a:t>
+            </a:r>
+          </a:p>
+        </p:txBody>
+      </p:sp>
+      <p:cxnSp>
+        <p:nvCxnSpPr>
+          <p:cNvPr id="14" name="Прямая со стрелкой 13">
+            <a:extLst>
+              <a:ext uri="{FF2B5EF4-FFF2-40B4-BE49-F238E27FC236}">
+                <a16:creationId xmlns:a16="http://schemas.microsoft.com/office/drawing/2014/main" id="{DBAD1BCA-AC82-D44B-8CA9-3CA3D8A5D20C}"/>
+              </a:ext>
+            </a:extLst>
+          </p:cNvPr>
+          <p:cNvCxnSpPr>
+            <a:cxnSpLocks/>
+          </p:cNvCxnSpPr>
+          <p:nvPr/>
+        </p:nvCxnSpPr>
+        <p:spPr>
+          <a:xfrm flipH="1">
+            <a:off x="8989017" y="2922152"/>
+            <a:ext cx="1534332" cy="0"/>
+          </a:xfrm>
+          <a:prstGeom prst="straightConnector1">
+            <a:avLst/>
+          </a:prstGeom>
+          <a:ln>
+            <a:tailEnd type="triangle"/>
+          </a:ln>
+        </p:spPr>
+        <p:style>
+          <a:lnRef idx="1">
+            <a:schemeClr val="accent1"/>
+          </a:lnRef>
+          <a:fillRef idx="0">
+            <a:schemeClr val="accent1"/>
+          </a:fillRef>
+          <a:effectRef idx="0">
+            <a:schemeClr val="accent1"/>
+          </a:effectRef>
+          <a:fontRef idx="minor">
+            <a:schemeClr val="tx1"/>
+          </a:fontRef>
+        </p:style>
+      </p:cxnSp>
+      <p:grpSp>
+        <p:nvGrpSpPr>
+          <p:cNvPr id="27" name="Группа 26">
+            <a:extLst>
+              <a:ext uri="{FF2B5EF4-FFF2-40B4-BE49-F238E27FC236}">
+                <a16:creationId xmlns:a16="http://schemas.microsoft.com/office/drawing/2014/main" id="{BA080625-3332-3B4D-8D25-9B2F76938B83}"/>
+              </a:ext>
+            </a:extLst>
+          </p:cNvPr>
+          <p:cNvGrpSpPr/>
+          <p:nvPr/>
+        </p:nvGrpSpPr>
+        <p:grpSpPr>
+          <a:xfrm>
+            <a:off x="928266" y="3872790"/>
+            <a:ext cx="5687147" cy="2345476"/>
+            <a:chOff x="928266" y="3872790"/>
+            <a:chExt cx="5687147" cy="2345476"/>
+          </a:xfrm>
+        </p:grpSpPr>
+        <p:grpSp>
+          <p:nvGrpSpPr>
+            <p:cNvPr id="26" name="Группа 25">
+              <a:extLst>
+                <a:ext uri="{FF2B5EF4-FFF2-40B4-BE49-F238E27FC236}">
+                  <a16:creationId xmlns:a16="http://schemas.microsoft.com/office/drawing/2014/main" id="{0F7CAD9F-57AB-D143-9F6F-B3F7462BC2DF}"/>
+                </a:ext>
+              </a:extLst>
+            </p:cNvPr>
+            <p:cNvGrpSpPr/>
+            <p:nvPr/>
+          </p:nvGrpSpPr>
+          <p:grpSpPr>
+            <a:xfrm>
+              <a:off x="928266" y="3872790"/>
+              <a:ext cx="5687147" cy="2345476"/>
+              <a:chOff x="2947307" y="3852790"/>
+              <a:chExt cx="5687147" cy="2345476"/>
+            </a:xfrm>
+          </p:grpSpPr>
+          <p:pic>
+            <p:nvPicPr>
+              <p:cNvPr id="19" name="Рисунок 18">
+                <a:extLst>
+                  <a:ext uri="{FF2B5EF4-FFF2-40B4-BE49-F238E27FC236}">
+                    <a16:creationId xmlns:a16="http://schemas.microsoft.com/office/drawing/2014/main" id="{6F515BAB-38BE-6543-8E7B-E8A7BA8149AF}"/>
+                  </a:ext>
+                </a:extLst>
+              </p:cNvPr>
+              <p:cNvPicPr>
+                <a:picLocks noChangeAspect="1"/>
+              </p:cNvPicPr>
+              <p:nvPr/>
+            </p:nvPicPr>
+            <p:blipFill>
+              <a:blip r:embed="rId4"/>
+              <a:stretch>
+                <a:fillRect/>
+              </a:stretch>
+            </p:blipFill>
+            <p:spPr>
+              <a:xfrm>
+                <a:off x="2995654" y="3899566"/>
+                <a:ext cx="5638800" cy="2298700"/>
+              </a:xfrm>
+              <a:prstGeom prst="rect">
+                <a:avLst/>
+              </a:prstGeom>
+            </p:spPr>
+          </p:pic>
+          <p:sp>
+            <p:nvSpPr>
+              <p:cNvPr id="20" name="TextBox 19">
+                <a:extLst>
+                  <a:ext uri="{FF2B5EF4-FFF2-40B4-BE49-F238E27FC236}">
+                    <a16:creationId xmlns:a16="http://schemas.microsoft.com/office/drawing/2014/main" id="{376D3334-87B6-5C49-8522-D4C29D0F7258}"/>
+                  </a:ext>
+                </a:extLst>
+              </p:cNvPr>
+              <p:cNvSpPr txBox="1"/>
+              <p:nvPr/>
+            </p:nvSpPr>
+            <p:spPr>
+              <a:xfrm rot="16200000">
+                <a:off x="2760717" y="4864249"/>
+                <a:ext cx="742511" cy="369332"/>
+              </a:xfrm>
+              <a:prstGeom prst="rect">
+                <a:avLst/>
+              </a:prstGeom>
+              <a:noFill/>
+            </p:spPr>
+            <p:txBody>
+              <a:bodyPr wrap="none" rtlCol="0">
+                <a:spAutoFit/>
+              </a:bodyPr>
+              <a:lstStyle/>
+              <a:p>
+                <a:r>
+                  <a:rPr lang="ru-RU" dirty="0"/>
+                  <a:t>слова</a:t>
+                </a:r>
+              </a:p>
+            </p:txBody>
+          </p:sp>
+          <p:sp>
+            <p:nvSpPr>
+              <p:cNvPr id="21" name="TextBox 20">
+                <a:extLst>
+                  <a:ext uri="{FF2B5EF4-FFF2-40B4-BE49-F238E27FC236}">
+                    <a16:creationId xmlns:a16="http://schemas.microsoft.com/office/drawing/2014/main" id="{D888DDF1-ACD4-534C-A191-157466E9DC16}"/>
+                  </a:ext>
+                </a:extLst>
+              </p:cNvPr>
+              <p:cNvSpPr txBox="1"/>
+              <p:nvPr/>
+            </p:nvSpPr>
+            <p:spPr>
+              <a:xfrm>
+                <a:off x="3316638" y="3852790"/>
+                <a:ext cx="1280607" cy="369332"/>
+              </a:xfrm>
+              <a:prstGeom prst="rect">
+                <a:avLst/>
+              </a:prstGeom>
+              <a:noFill/>
+            </p:spPr>
+            <p:txBody>
+              <a:bodyPr wrap="none" rtlCol="0">
+                <a:spAutoFit/>
+              </a:bodyPr>
+              <a:lstStyle/>
+              <a:p>
+                <a:r>
+                  <a:rPr lang="ru-RU" dirty="0"/>
+                  <a:t>документы</a:t>
+                </a:r>
+              </a:p>
+            </p:txBody>
+          </p:sp>
+          <p:sp>
+            <p:nvSpPr>
+              <p:cNvPr id="22" name="TextBox 21">
+                <a:extLst>
+                  <a:ext uri="{FF2B5EF4-FFF2-40B4-BE49-F238E27FC236}">
+                    <a16:creationId xmlns:a16="http://schemas.microsoft.com/office/drawing/2014/main" id="{474B70DB-EC92-5C49-9403-B3712ACA3E32}"/>
+                  </a:ext>
+                </a:extLst>
+              </p:cNvPr>
+              <p:cNvSpPr txBox="1"/>
+              <p:nvPr/>
+            </p:nvSpPr>
+            <p:spPr>
+              <a:xfrm rot="16200000">
+                <a:off x="5051885" y="4902975"/>
+                <a:ext cx="742511" cy="369332"/>
+              </a:xfrm>
+              <a:prstGeom prst="rect">
+                <a:avLst/>
+              </a:prstGeom>
+              <a:noFill/>
+            </p:spPr>
+            <p:txBody>
+              <a:bodyPr wrap="none" rtlCol="0">
+                <a:spAutoFit/>
+              </a:bodyPr>
+              <a:lstStyle/>
+              <a:p>
+                <a:r>
+                  <a:rPr lang="ru-RU" dirty="0"/>
+                  <a:t>слова</a:t>
+                </a:r>
+              </a:p>
+            </p:txBody>
+          </p:sp>
+          <p:sp>
+            <p:nvSpPr>
+              <p:cNvPr id="23" name="TextBox 22">
+                <a:extLst>
+                  <a:ext uri="{FF2B5EF4-FFF2-40B4-BE49-F238E27FC236}">
+                    <a16:creationId xmlns:a16="http://schemas.microsoft.com/office/drawing/2014/main" id="{07BA1600-CE0D-304C-AB75-DB11B7A9BBBD}"/>
+                  </a:ext>
+                </a:extLst>
+              </p:cNvPr>
+              <p:cNvSpPr txBox="1"/>
+              <p:nvPr/>
+            </p:nvSpPr>
+            <p:spPr>
+              <a:xfrm>
+                <a:off x="5684388" y="3899566"/>
+                <a:ext cx="695832" cy="369332"/>
+              </a:xfrm>
+              <a:prstGeom prst="rect">
+                <a:avLst/>
+              </a:prstGeom>
+              <a:noFill/>
+            </p:spPr>
+            <p:txBody>
+              <a:bodyPr wrap="none" rtlCol="0">
+                <a:spAutoFit/>
+              </a:bodyPr>
+              <a:lstStyle/>
+              <a:p>
+                <a:r>
+                  <a:rPr lang="ru-RU" dirty="0"/>
+                  <a:t>темы</a:t>
+                </a:r>
+              </a:p>
+            </p:txBody>
+          </p:sp>
+          <p:sp>
+            <p:nvSpPr>
+              <p:cNvPr id="25" name="TextBox 24">
+                <a:extLst>
+                  <a:ext uri="{FF2B5EF4-FFF2-40B4-BE49-F238E27FC236}">
+                    <a16:creationId xmlns:a16="http://schemas.microsoft.com/office/drawing/2014/main" id="{ABF465A6-27BD-014B-AC24-E588604D289B}"/>
+                  </a:ext>
+                </a:extLst>
+              </p:cNvPr>
+              <p:cNvSpPr txBox="1"/>
+              <p:nvPr/>
+            </p:nvSpPr>
+            <p:spPr>
+              <a:xfrm>
+                <a:off x="6913109" y="4259984"/>
+                <a:ext cx="1280607" cy="369332"/>
+              </a:xfrm>
+              <a:prstGeom prst="rect">
+                <a:avLst/>
+              </a:prstGeom>
+              <a:noFill/>
+            </p:spPr>
+            <p:txBody>
+              <a:bodyPr wrap="none" rtlCol="0">
+                <a:spAutoFit/>
+              </a:bodyPr>
+              <a:lstStyle/>
+              <a:p>
+                <a:r>
+                  <a:rPr lang="ru-RU" dirty="0"/>
+                  <a:t>документы</a:t>
+                </a:r>
+              </a:p>
+            </p:txBody>
+          </p:sp>
+        </p:grpSp>
+        <p:sp>
+          <p:nvSpPr>
+            <p:cNvPr id="24" name="TextBox 23">
+              <a:extLst>
+                <a:ext uri="{FF2B5EF4-FFF2-40B4-BE49-F238E27FC236}">
+                  <a16:creationId xmlns:a16="http://schemas.microsoft.com/office/drawing/2014/main" id="{1C950C69-68FF-0842-AA49-F6F9DF168B8F}"/>
+                </a:ext>
+              </a:extLst>
+            </p:cNvPr>
+            <p:cNvSpPr txBox="1"/>
+            <p:nvPr/>
+          </p:nvSpPr>
+          <p:spPr>
+            <a:xfrm rot="16200000">
+              <a:off x="4730818" y="4907589"/>
+              <a:ext cx="695832" cy="369332"/>
+            </a:xfrm>
+            <a:prstGeom prst="rect">
+              <a:avLst/>
+            </a:prstGeom>
+            <a:noFill/>
+          </p:spPr>
+          <p:txBody>
+            <a:bodyPr wrap="none" rtlCol="0">
+              <a:spAutoFit/>
+            </a:bodyPr>
+            <a:lstStyle/>
+            <a:p>
+              <a:r>
+                <a:rPr lang="ru-RU" dirty="0"/>
+                <a:t>темы</a:t>
+              </a:r>
+            </a:p>
+          </p:txBody>
+        </p:sp>
+      </p:grpSp>
+      <mc:AlternateContent xmlns:mc="http://schemas.openxmlformats.org/markup-compatibility/2006">
+        <mc:Choice xmlns:a14="http://schemas.microsoft.com/office/drawing/2010/main" Requires="a14">
+          <p:sp>
+            <p:nvSpPr>
+              <p:cNvPr id="28" name="TextBox 27">
+                <a:extLst>
+                  <a:ext uri="{FF2B5EF4-FFF2-40B4-BE49-F238E27FC236}">
+                    <a16:creationId xmlns:a16="http://schemas.microsoft.com/office/drawing/2014/main" id="{D73AA5F3-2646-4A41-8A6F-9EBEE47B0D60}"/>
+                  </a:ext>
+                </a:extLst>
+              </p:cNvPr>
+              <p:cNvSpPr txBox="1"/>
+              <p:nvPr/>
+            </p:nvSpPr>
+            <p:spPr>
+              <a:xfrm>
+                <a:off x="7282248" y="4242122"/>
+                <a:ext cx="3847987" cy="1477328"/>
+              </a:xfrm>
+              <a:prstGeom prst="rect">
+                <a:avLst/>
+              </a:prstGeom>
+              <a:noFill/>
+            </p:spPr>
+            <p:txBody>
+              <a:bodyPr wrap="square" rtlCol="0">
+                <a:spAutoFit/>
+              </a:bodyPr>
+              <a:lstStyle/>
+              <a:p>
+                <a:r>
+                  <a:rPr lang="ru-RU" dirty="0"/>
+                  <a:t>Решается обратная задача: необходимо найти такие матрицы </a:t>
+                </a:r>
+                <a14:m>
+                  <m:oMath xmlns:m="http://schemas.openxmlformats.org/officeDocument/2006/math">
+                    <m:r>
+                      <m:rPr>
+                        <m:sty m:val="p"/>
+                      </m:rPr>
+                      <a:rPr lang="el-GR" i="1" smtClean="0">
+                        <a:latin typeface="Cambria Math" panose="02040503050406030204" pitchFamily="18" charset="0"/>
+                        <a:ea typeface="Cambria Math" panose="02040503050406030204" pitchFamily="18" charset="0"/>
+                      </a:rPr>
+                      <m:t>Φ</m:t>
+                    </m:r>
+                    <m:r>
+                      <a:rPr lang="ru-RU" b="0" i="1" smtClean="0">
+                        <a:latin typeface="Cambria Math" panose="02040503050406030204" pitchFamily="18" charset="0"/>
+                        <a:ea typeface="Cambria Math" panose="02040503050406030204" pitchFamily="18" charset="0"/>
+                      </a:rPr>
+                      <m:t> и </m:t>
+                    </m:r>
+                    <m:r>
+                      <m:rPr>
+                        <m:sty m:val="p"/>
+                      </m:rPr>
+                      <a:rPr lang="el-GR" b="0" i="1" smtClean="0">
+                        <a:latin typeface="Cambria Math" panose="02040503050406030204" pitchFamily="18" charset="0"/>
+                        <a:ea typeface="Cambria Math" panose="02040503050406030204" pitchFamily="18" charset="0"/>
+                      </a:rPr>
+                      <m:t>Θ</m:t>
+                    </m:r>
+                  </m:oMath>
+                </a14:m>
+                <a:r>
+                  <a:rPr lang="en-US" dirty="0"/>
+                  <a:t>, </a:t>
+                </a:r>
+                <a:r>
+                  <a:rPr lang="ru-RU" dirty="0"/>
+                  <a:t>что бы была высока вероятность интерпретируемости тем экспертом.</a:t>
+                </a:r>
+              </a:p>
+            </p:txBody>
+          </p:sp>
+        </mc:Choice>
+        <mc:Fallback>
+          <p:sp>
+            <p:nvSpPr>
+              <p:cNvPr id="28" name="TextBox 27">
+                <a:extLst>
+                  <a:ext uri="{FF2B5EF4-FFF2-40B4-BE49-F238E27FC236}">
+                    <a16:creationId xmlns:a16="http://schemas.microsoft.com/office/drawing/2014/main" id="{D73AA5F3-2646-4A41-8A6F-9EBEE47B0D60}"/>
+                  </a:ext>
+                </a:extLst>
+              </p:cNvPr>
+              <p:cNvSpPr txBox="1">
+                <a:spLocks noRot="1" noChangeAspect="1" noMove="1" noResize="1" noEditPoints="1" noAdjustHandles="1" noChangeArrowheads="1" noChangeShapeType="1" noTextEdit="1"/>
+              </p:cNvSpPr>
+              <p:nvPr/>
+            </p:nvSpPr>
+            <p:spPr>
+              <a:xfrm>
+                <a:off x="7282248" y="4242122"/>
+                <a:ext cx="3847987" cy="1477328"/>
+              </a:xfrm>
+              <a:prstGeom prst="rect">
+                <a:avLst/>
+              </a:prstGeom>
+              <a:blipFill>
+                <a:blip r:embed="rId5"/>
+                <a:stretch>
+                  <a:fillRect l="-987" t="-1709" b="-5128"/>
+                </a:stretch>
+              </a:blipFill>
+            </p:spPr>
+            <p:txBody>
+              <a:bodyPr/>
+              <a:lstStyle/>
+              <a:p>
+                <a:r>
+                  <a:rPr lang="ru-RU">
+                    <a:noFill/>
+                  </a:rPr>
+                  <a:t> </a:t>
+                </a:r>
+              </a:p>
+            </p:txBody>
+          </p:sp>
+        </mc:Fallback>
+      </mc:AlternateContent>
+      <p:sp>
+        <p:nvSpPr>
+          <p:cNvPr id="29" name="TextBox 28">
+            <a:extLst>
+              <a:ext uri="{FF2B5EF4-FFF2-40B4-BE49-F238E27FC236}">
+                <a16:creationId xmlns:a16="http://schemas.microsoft.com/office/drawing/2014/main" id="{6C536250-40A0-0044-A7DC-439045BBC082}"/>
+              </a:ext>
+            </a:extLst>
+          </p:cNvPr>
+          <p:cNvSpPr txBox="1"/>
+          <p:nvPr/>
+        </p:nvSpPr>
+        <p:spPr>
+          <a:xfrm>
+            <a:off x="1511886" y="6033600"/>
+            <a:ext cx="1066318" cy="369332"/>
+          </a:xfrm>
+          <a:prstGeom prst="rect">
+            <a:avLst/>
+          </a:prstGeom>
+          <a:noFill/>
+        </p:spPr>
+        <p:txBody>
+          <a:bodyPr wrap="none" rtlCol="0">
+            <a:spAutoFit/>
+          </a:bodyPr>
+          <a:lstStyle/>
+          <a:p>
+            <a:r>
+              <a:rPr lang="ru-RU" dirty="0"/>
+              <a:t>известно</a:t>
+            </a:r>
+          </a:p>
+        </p:txBody>
+      </p:sp>
     </p:spTree>
     <p:extLst>
       <p:ext uri="{BB962C8B-B14F-4D97-AF65-F5344CB8AC3E}">
-        <p14:creationId xmlns:p14="http://schemas.microsoft.com/office/powerpoint/2010/main" val="3517602289"/>
+        <p14:creationId xmlns:p14="http://schemas.microsoft.com/office/powerpoint/2010/main" val="3154722027"/>
       </p:ext>
     </p:extLst>
   </p:cSld>
@@ -6588,7 +9536,7 @@
         <p:spPr>
           <a:xfrm>
             <a:off x="381000" y="152068"/>
-            <a:ext cx="4727576" cy="769441"/>
+            <a:ext cx="5625451" cy="769441"/>
           </a:xfrm>
           <a:prstGeom prst="rect">
             <a:avLst/>
@@ -6605,7 +9553,7 @@
               <a:rPr lang="ru-RU" sz="4400" dirty="0">
                 <a:latin typeface="+mj-lt"/>
               </a:rPr>
-              <a:t>Диаграмма метода</a:t>
+              <a:t>Концептуальная схема</a:t>
             </a:r>
           </a:p>
         </p:txBody>
@@ -6666,10 +9614,10 @@
       </p:sp>
       <p:pic>
         <p:nvPicPr>
-          <p:cNvPr id="3" name="Рисунок 2">
-            <a:extLst>
-              <a:ext uri="{FF2B5EF4-FFF2-40B4-BE49-F238E27FC236}">
-                <a16:creationId xmlns:a16="http://schemas.microsoft.com/office/drawing/2014/main" id="{E70E98FC-20D8-CD4A-B3A6-40CA5844BCB8}"/>
+          <p:cNvPr id="4" name="Рисунок 3">
+            <a:extLst>
+              <a:ext uri="{FF2B5EF4-FFF2-40B4-BE49-F238E27FC236}">
+                <a16:creationId xmlns:a16="http://schemas.microsoft.com/office/drawing/2014/main" id="{0D75B728-674C-0649-A4E4-00329917381D}"/>
               </a:ext>
             </a:extLst>
           </p:cNvPr>
@@ -6686,14 +9634,61 @@
         </p:blipFill>
         <p:spPr>
           <a:xfrm>
-            <a:off x="380999" y="921508"/>
-            <a:ext cx="10463213" cy="5891449"/>
+            <a:off x="726049" y="921509"/>
+            <a:ext cx="10560803" cy="5941937"/>
           </a:xfrm>
           <a:prstGeom prst="rect">
             <a:avLst/>
           </a:prstGeom>
         </p:spPr>
       </p:pic>
+      <p:sp>
+        <p:nvSpPr>
+          <p:cNvPr id="9" name="Прямоугольник 8">
+            <a:extLst>
+              <a:ext uri="{FF2B5EF4-FFF2-40B4-BE49-F238E27FC236}">
+                <a16:creationId xmlns:a16="http://schemas.microsoft.com/office/drawing/2014/main" id="{9E598A95-1A25-DD4C-B486-B84A5D4E9907}"/>
+              </a:ext>
+            </a:extLst>
+          </p:cNvPr>
+          <p:cNvSpPr/>
+          <p:nvPr/>
+        </p:nvSpPr>
+        <p:spPr>
+          <a:xfrm>
+            <a:off x="9965410" y="6150262"/>
+            <a:ext cx="1193370" cy="646331"/>
+          </a:xfrm>
+          <a:prstGeom prst="rect">
+            <a:avLst/>
+          </a:prstGeom>
+          <a:ln>
+            <a:noFill/>
+          </a:ln>
+        </p:spPr>
+        <p:style>
+          <a:lnRef idx="2">
+            <a:schemeClr val="accent6"/>
+          </a:lnRef>
+          <a:fillRef idx="1">
+            <a:schemeClr val="lt1"/>
+          </a:fillRef>
+          <a:effectRef idx="0">
+            <a:schemeClr val="accent6"/>
+          </a:effectRef>
+          <a:fontRef idx="minor">
+            <a:schemeClr val="dk1"/>
+          </a:fontRef>
+        </p:style>
+        <p:txBody>
+          <a:bodyPr rtlCol="0" anchor="ctr"/>
+          <a:lstStyle/>
+          <a:p>
+            <a:pPr algn="ctr"/>
+            <a:endParaRPr lang="ru-RU"/>
+          </a:p>
+        </p:txBody>
+      </p:sp>
     </p:spTree>
     <p:extLst>
       <p:ext uri="{BB962C8B-B14F-4D97-AF65-F5344CB8AC3E}">
@@ -6726,10 +9721,47 @@
       </p:grpSpPr>
       <p:sp>
         <p:nvSpPr>
-          <p:cNvPr id="2" name="Прямоугольник 1">
-            <a:extLst>
-              <a:ext uri="{FF2B5EF4-FFF2-40B4-BE49-F238E27FC236}">
-                <a16:creationId xmlns:a16="http://schemas.microsoft.com/office/drawing/2014/main" id="{3AA8A436-ACA5-413E-ADC2-4FF239D6271B}"/>
+          <p:cNvPr id="2" name="TextBox 1">
+            <a:extLst>
+              <a:ext uri="{FF2B5EF4-FFF2-40B4-BE49-F238E27FC236}">
+                <a16:creationId xmlns:a16="http://schemas.microsoft.com/office/drawing/2014/main" id="{80C2B241-2B2F-1248-BA5D-724B93C2122E}"/>
+              </a:ext>
+            </a:extLst>
+          </p:cNvPr>
+          <p:cNvSpPr txBox="1"/>
+          <p:nvPr/>
+        </p:nvSpPr>
+        <p:spPr>
+          <a:xfrm>
+            <a:off x="381000" y="152068"/>
+            <a:ext cx="3999813" cy="769441"/>
+          </a:xfrm>
+          <a:prstGeom prst="rect">
+            <a:avLst/>
+          </a:prstGeom>
+          <a:noFill/>
+        </p:spPr>
+        <p:txBody>
+          <a:bodyPr wrap="none" rtlCol="0">
+            <a:spAutoFit/>
+          </a:bodyPr>
+          <a:lstStyle/>
+          <a:p>
+            <a:r>
+              <a:rPr lang="ru-RU" sz="4400" dirty="0">
+                <a:latin typeface="+mj-lt"/>
+              </a:rPr>
+              <a:t>Регуляризаторы</a:t>
+            </a:r>
+          </a:p>
+        </p:txBody>
+      </p:sp>
+      <p:sp>
+        <p:nvSpPr>
+          <p:cNvPr id="3" name="Прямоугольник 2">
+            <a:extLst>
+              <a:ext uri="{FF2B5EF4-FFF2-40B4-BE49-F238E27FC236}">
+                <a16:creationId xmlns:a16="http://schemas.microsoft.com/office/drawing/2014/main" id="{2BF87653-BC3E-C844-A931-174E6103C41B}"/>
               </a:ext>
             </a:extLst>
           </p:cNvPr>
@@ -6738,8 +9770,8 @@
         </p:nvSpPr>
         <p:spPr>
           <a:xfrm>
-            <a:off x="360117" y="243226"/>
-            <a:ext cx="4687502" cy="769441"/>
+            <a:off x="11474005" y="6473428"/>
+            <a:ext cx="619080" cy="369332"/>
           </a:xfrm>
           <a:prstGeom prst="rect">
             <a:avLst/>
@@ -6752,52 +9784,10 @@
           <a:lstStyle/>
           <a:p>
             <a:r>
-              <a:rPr lang="ru-RU" sz="4400" dirty="0">
-                <a:latin typeface="+mj-lt"/>
-              </a:rPr>
-              <a:t>Список технологий</a:t>
-            </a:r>
-          </a:p>
-        </p:txBody>
-      </p:sp>
-      <p:sp>
-        <p:nvSpPr>
-          <p:cNvPr id="3" name="Прямоугольник 2">
-            <a:extLst>
-              <a:ext uri="{FF2B5EF4-FFF2-40B4-BE49-F238E27FC236}">
-                <a16:creationId xmlns:a16="http://schemas.microsoft.com/office/drawing/2014/main" id="{1AF6596F-B40F-024C-9161-43EC806B6C1E}"/>
-              </a:ext>
-            </a:extLst>
-          </p:cNvPr>
-          <p:cNvSpPr/>
-          <p:nvPr/>
-        </p:nvSpPr>
-        <p:spPr>
-          <a:xfrm>
-            <a:off x="11474005" y="6473428"/>
-            <a:ext cx="619080" cy="369332"/>
-          </a:xfrm>
-          <a:prstGeom prst="rect">
-            <a:avLst/>
-          </a:prstGeom>
-        </p:spPr>
-        <p:txBody>
-          <a:bodyPr wrap="none">
-            <a:spAutoFit/>
-          </a:bodyPr>
-          <a:lstStyle/>
-          <a:p>
-            <a:r>
-              <a:rPr lang="en-US" dirty="0">
-                <a:latin typeface="+mj-lt"/>
-              </a:rPr>
-              <a:t>9</a:t>
-            </a:r>
-            <a:r>
               <a:rPr lang="ru-RU" dirty="0">
                 <a:latin typeface="+mj-lt"/>
               </a:rPr>
-              <a:t>/</a:t>
+              <a:t>9/</a:t>
             </a:r>
             <a:r>
               <a:rPr lang="en-US" dirty="0">
@@ -6814,135 +9804,10 @@
           </a:p>
         </p:txBody>
       </p:sp>
-      <p:sp>
-        <p:nvSpPr>
-          <p:cNvPr id="4" name="TextBox 3">
-            <a:extLst>
-              <a:ext uri="{FF2B5EF4-FFF2-40B4-BE49-F238E27FC236}">
-                <a16:creationId xmlns:a16="http://schemas.microsoft.com/office/drawing/2014/main" id="{E66FEAC4-A7B3-774D-A21B-30397A67B589}"/>
-              </a:ext>
-            </a:extLst>
-          </p:cNvPr>
-          <p:cNvSpPr txBox="1"/>
-          <p:nvPr/>
-        </p:nvSpPr>
-        <p:spPr>
-          <a:xfrm>
-            <a:off x="1759744" y="1905506"/>
-            <a:ext cx="9101138" cy="3046988"/>
-          </a:xfrm>
-          <a:prstGeom prst="rect">
-            <a:avLst/>
-          </a:prstGeom>
-          <a:noFill/>
-        </p:spPr>
-        <p:txBody>
-          <a:bodyPr wrap="square" rtlCol="0">
-            <a:spAutoFit/>
-          </a:bodyPr>
-          <a:lstStyle/>
-          <a:p>
-            <a:r>
-              <a:rPr lang="en-US" sz="3200" dirty="0">
-                <a:latin typeface="+mj-lt"/>
-              </a:rPr>
-              <a:t>Python3 – </a:t>
-            </a:r>
-            <a:r>
-              <a:rPr lang="ru-RU" sz="3200" dirty="0">
-                <a:latin typeface="+mj-lt"/>
-              </a:rPr>
-              <a:t>основной язык программирования</a:t>
-            </a:r>
-          </a:p>
-          <a:p>
-            <a:r>
-              <a:rPr lang="en-US" sz="3200" dirty="0">
-                <a:latin typeface="+mj-lt"/>
-              </a:rPr>
-              <a:t>SQLite</a:t>
-            </a:r>
-            <a:r>
-              <a:rPr lang="ru-RU" sz="3200" dirty="0">
-                <a:latin typeface="+mj-lt"/>
-              </a:rPr>
-              <a:t> – база данных</a:t>
-            </a:r>
-          </a:p>
-          <a:p>
-            <a:r>
-              <a:rPr lang="en" sz="3200" dirty="0">
-                <a:latin typeface="+mj-lt"/>
-              </a:rPr>
-              <a:t>Beautifulsoup – </a:t>
-            </a:r>
-            <a:r>
-              <a:rPr lang="ru-RU" sz="3200" dirty="0">
-                <a:latin typeface="+mj-lt"/>
-              </a:rPr>
-              <a:t>для работы с </a:t>
-            </a:r>
-            <a:r>
-              <a:rPr lang="en-US" sz="3200" dirty="0">
-                <a:latin typeface="+mj-lt"/>
-              </a:rPr>
-              <a:t>html </a:t>
-            </a:r>
-            <a:r>
-              <a:rPr lang="ru-RU" sz="3200" dirty="0">
-                <a:latin typeface="+mj-lt"/>
-              </a:rPr>
-              <a:t>файлами</a:t>
-            </a:r>
-          </a:p>
-          <a:p>
-            <a:r>
-              <a:rPr lang="en-US" sz="3200" dirty="0">
-                <a:latin typeface="+mj-lt"/>
-              </a:rPr>
-              <a:t>Pymystem3 – </a:t>
-            </a:r>
-            <a:r>
-              <a:rPr lang="ru-RU" sz="3200" dirty="0">
-                <a:latin typeface="+mj-lt"/>
-              </a:rPr>
-              <a:t>для лемматизации текстов</a:t>
-            </a:r>
-          </a:p>
-          <a:p>
-            <a:r>
-              <a:rPr lang="en-US" sz="3200" dirty="0">
-                <a:latin typeface="+mj-lt"/>
-              </a:rPr>
-              <a:t>BigARTM – </a:t>
-            </a:r>
-            <a:r>
-              <a:rPr lang="ru-RU" sz="3200" dirty="0">
-                <a:latin typeface="+mj-lt"/>
-              </a:rPr>
-              <a:t>реализация базового алгоритма</a:t>
-            </a:r>
-          </a:p>
-          <a:p>
-            <a:r>
-              <a:rPr lang="en-US" sz="3200" dirty="0">
-                <a:latin typeface="+mj-lt"/>
-              </a:rPr>
-              <a:t>Matplotlib – </a:t>
-            </a:r>
-            <a:r>
-              <a:rPr lang="ru-RU" sz="3200" dirty="0">
-                <a:latin typeface="+mj-lt"/>
-              </a:rPr>
-              <a:t>для визуализации метрик модели</a:t>
-            </a:r>
-          </a:p>
-        </p:txBody>
-      </p:sp>
     </p:spTree>
     <p:extLst>
       <p:ext uri="{BB962C8B-B14F-4D97-AF65-F5344CB8AC3E}">
-        <p14:creationId xmlns:p14="http://schemas.microsoft.com/office/powerpoint/2010/main" val="2084327567"/>
+        <p14:creationId xmlns:p14="http://schemas.microsoft.com/office/powerpoint/2010/main" val="1786368441"/>
       </p:ext>
     </p:extLst>
   </p:cSld>

--- a/presentation/presentation.pptx
+++ b/presentation/presentation.pptx
@@ -5497,7 +5497,7 @@
         </p:nvSpPr>
         <p:spPr>
           <a:xfrm>
-            <a:off x="1024265" y="5947471"/>
+            <a:off x="1024265" y="5912746"/>
             <a:ext cx="1294307" cy="96302"/>
           </a:xfrm>
           <a:prstGeom prst="rect">
@@ -6576,7 +6576,7 @@
         <p:spPr>
           <a:xfrm>
             <a:off x="248078" y="234948"/>
-            <a:ext cx="1532792" cy="523220"/>
+            <a:ext cx="3403496" cy="523220"/>
           </a:xfrm>
           <a:prstGeom prst="rect">
             <a:avLst/>
@@ -6592,7 +6592,7 @@
               <a:rPr lang="ru-RU" sz="2800" dirty="0">
                 <a:latin typeface="+mj-lt"/>
               </a:rPr>
-              <a:t>Метрики</a:t>
+              <a:t>Метрики для модели</a:t>
             </a:r>
           </a:p>
         </p:txBody>
@@ -6777,7 +6777,7 @@
         </p:nvSpPr>
         <p:spPr>
           <a:xfrm>
-            <a:off x="4910959" y="3297601"/>
+            <a:off x="4910959" y="3308487"/>
             <a:ext cx="4146331" cy="135590"/>
           </a:xfrm>
           <a:prstGeom prst="rect">
@@ -6812,6 +6812,1830 @@
           <a:p>
             <a:pPr algn="ctr"/>
             <a:endParaRPr lang="ru-RU"/>
+          </a:p>
+        </p:txBody>
+      </p:sp>
+      <p:sp>
+        <p:nvSpPr>
+          <p:cNvPr id="9" name="Прямоугольник 8">
+            <a:extLst>
+              <a:ext uri="{FF2B5EF4-FFF2-40B4-BE49-F238E27FC236}">
+                <a16:creationId xmlns:a16="http://schemas.microsoft.com/office/drawing/2014/main" id="{702E7B26-E369-A448-A0EE-A7EADF36F370}"/>
+              </a:ext>
+            </a:extLst>
+          </p:cNvPr>
+          <p:cNvSpPr/>
+          <p:nvPr/>
+        </p:nvSpPr>
+        <p:spPr>
+          <a:xfrm>
+            <a:off x="2747048" y="5520843"/>
+            <a:ext cx="1294307" cy="155408"/>
+          </a:xfrm>
+          <a:prstGeom prst="rect">
+            <a:avLst/>
+          </a:prstGeom>
+          <a:ln>
+            <a:noFill/>
+          </a:ln>
+        </p:spPr>
+        <p:style>
+          <a:lnRef idx="2">
+            <a:schemeClr val="accent6"/>
+          </a:lnRef>
+          <a:fillRef idx="1">
+            <a:schemeClr val="lt1"/>
+          </a:fillRef>
+          <a:effectRef idx="0">
+            <a:schemeClr val="accent6"/>
+          </a:effectRef>
+          <a:fontRef idx="minor">
+            <a:schemeClr val="dk1"/>
+          </a:fontRef>
+        </p:style>
+        <p:txBody>
+          <a:bodyPr rtlCol="0" anchor="ctr"/>
+          <a:lstStyle/>
+          <a:p>
+            <a:pPr algn="ctr"/>
+            <a:endParaRPr lang="ru-RU"/>
+          </a:p>
+        </p:txBody>
+      </p:sp>
+      <p:sp>
+        <p:nvSpPr>
+          <p:cNvPr id="11" name="Прямоугольник 10">
+            <a:extLst>
+              <a:ext uri="{FF2B5EF4-FFF2-40B4-BE49-F238E27FC236}">
+                <a16:creationId xmlns:a16="http://schemas.microsoft.com/office/drawing/2014/main" id="{64A7D672-7506-6E41-8A39-C2FBAA3E9474}"/>
+              </a:ext>
+            </a:extLst>
+          </p:cNvPr>
+          <p:cNvSpPr/>
+          <p:nvPr/>
+        </p:nvSpPr>
+        <p:spPr>
+          <a:xfrm>
+            <a:off x="2782332" y="3166510"/>
+            <a:ext cx="1294307" cy="155408"/>
+          </a:xfrm>
+          <a:prstGeom prst="rect">
+            <a:avLst/>
+          </a:prstGeom>
+          <a:ln>
+            <a:noFill/>
+          </a:ln>
+        </p:spPr>
+        <p:style>
+          <a:lnRef idx="2">
+            <a:schemeClr val="accent6"/>
+          </a:lnRef>
+          <a:fillRef idx="1">
+            <a:schemeClr val="lt1"/>
+          </a:fillRef>
+          <a:effectRef idx="0">
+            <a:schemeClr val="accent6"/>
+          </a:effectRef>
+          <a:fontRef idx="minor">
+            <a:schemeClr val="dk1"/>
+          </a:fontRef>
+        </p:style>
+        <p:txBody>
+          <a:bodyPr rtlCol="0" anchor="ctr"/>
+          <a:lstStyle/>
+          <a:p>
+            <a:pPr algn="ctr"/>
+            <a:endParaRPr lang="ru-RU"/>
+          </a:p>
+        </p:txBody>
+      </p:sp>
+      <p:sp>
+        <p:nvSpPr>
+          <p:cNvPr id="12" name="Прямоугольник 11">
+            <a:extLst>
+              <a:ext uri="{FF2B5EF4-FFF2-40B4-BE49-F238E27FC236}">
+                <a16:creationId xmlns:a16="http://schemas.microsoft.com/office/drawing/2014/main" id="{EDB20B85-420A-6D42-9965-5CC9A194A44A}"/>
+              </a:ext>
+            </a:extLst>
+          </p:cNvPr>
+          <p:cNvSpPr/>
+          <p:nvPr/>
+        </p:nvSpPr>
+        <p:spPr>
+          <a:xfrm>
+            <a:off x="5121787" y="3178810"/>
+            <a:ext cx="1294307" cy="155408"/>
+          </a:xfrm>
+          <a:prstGeom prst="rect">
+            <a:avLst/>
+          </a:prstGeom>
+          <a:ln>
+            <a:noFill/>
+          </a:ln>
+        </p:spPr>
+        <p:style>
+          <a:lnRef idx="2">
+            <a:schemeClr val="accent6"/>
+          </a:lnRef>
+          <a:fillRef idx="1">
+            <a:schemeClr val="lt1"/>
+          </a:fillRef>
+          <a:effectRef idx="0">
+            <a:schemeClr val="accent6"/>
+          </a:effectRef>
+          <a:fontRef idx="minor">
+            <a:schemeClr val="dk1"/>
+          </a:fontRef>
+        </p:style>
+        <p:txBody>
+          <a:bodyPr rtlCol="0" anchor="ctr"/>
+          <a:lstStyle/>
+          <a:p>
+            <a:pPr algn="ctr"/>
+            <a:endParaRPr lang="ru-RU"/>
+          </a:p>
+        </p:txBody>
+      </p:sp>
+      <p:sp>
+        <p:nvSpPr>
+          <p:cNvPr id="13" name="Прямоугольник 12">
+            <a:extLst>
+              <a:ext uri="{FF2B5EF4-FFF2-40B4-BE49-F238E27FC236}">
+                <a16:creationId xmlns:a16="http://schemas.microsoft.com/office/drawing/2014/main" id="{2E41514F-FFEB-474F-82F5-DB9711700378}"/>
+              </a:ext>
+            </a:extLst>
+          </p:cNvPr>
+          <p:cNvSpPr/>
+          <p:nvPr/>
+        </p:nvSpPr>
+        <p:spPr>
+          <a:xfrm>
+            <a:off x="7619632" y="3128093"/>
+            <a:ext cx="1294307" cy="155408"/>
+          </a:xfrm>
+          <a:prstGeom prst="rect">
+            <a:avLst/>
+          </a:prstGeom>
+          <a:ln>
+            <a:noFill/>
+          </a:ln>
+        </p:spPr>
+        <p:style>
+          <a:lnRef idx="2">
+            <a:schemeClr val="accent6"/>
+          </a:lnRef>
+          <a:fillRef idx="1">
+            <a:schemeClr val="lt1"/>
+          </a:fillRef>
+          <a:effectRef idx="0">
+            <a:schemeClr val="accent6"/>
+          </a:effectRef>
+          <a:fontRef idx="minor">
+            <a:schemeClr val="dk1"/>
+          </a:fontRef>
+        </p:style>
+        <p:txBody>
+          <a:bodyPr rtlCol="0" anchor="ctr"/>
+          <a:lstStyle/>
+          <a:p>
+            <a:pPr algn="ctr"/>
+            <a:endParaRPr lang="ru-RU"/>
+          </a:p>
+        </p:txBody>
+      </p:sp>
+      <p:sp>
+        <p:nvSpPr>
+          <p:cNvPr id="14" name="TextBox 13">
+            <a:extLst>
+              <a:ext uri="{FF2B5EF4-FFF2-40B4-BE49-F238E27FC236}">
+                <a16:creationId xmlns:a16="http://schemas.microsoft.com/office/drawing/2014/main" id="{D6BCD8B1-EABC-6B47-B9F3-278DECD72608}"/>
+              </a:ext>
+            </a:extLst>
+          </p:cNvPr>
+          <p:cNvSpPr txBox="1"/>
+          <p:nvPr/>
+        </p:nvSpPr>
+        <p:spPr>
+          <a:xfrm>
+            <a:off x="2827379" y="5538190"/>
+            <a:ext cx="1133644" cy="215444"/>
+          </a:xfrm>
+          <a:prstGeom prst="rect">
+            <a:avLst/>
+          </a:prstGeom>
+          <a:noFill/>
+        </p:spPr>
+        <p:txBody>
+          <a:bodyPr wrap="none" rtlCol="0">
+            <a:spAutoFit/>
+          </a:bodyPr>
+          <a:lstStyle/>
+          <a:p>
+            <a:r>
+              <a:rPr lang="ru-RU" sz="800" dirty="0"/>
+              <a:t>Количество итераций</a:t>
+            </a:r>
+          </a:p>
+        </p:txBody>
+      </p:sp>
+      <p:sp>
+        <p:nvSpPr>
+          <p:cNvPr id="15" name="TextBox 14">
+            <a:extLst>
+              <a:ext uri="{FF2B5EF4-FFF2-40B4-BE49-F238E27FC236}">
+                <a16:creationId xmlns:a16="http://schemas.microsoft.com/office/drawing/2014/main" id="{7F6B5385-6217-2144-BE29-3D70CE5C6EA5}"/>
+              </a:ext>
+            </a:extLst>
+          </p:cNvPr>
+          <p:cNvSpPr txBox="1"/>
+          <p:nvPr/>
+        </p:nvSpPr>
+        <p:spPr>
+          <a:xfrm>
+            <a:off x="2827379" y="3163318"/>
+            <a:ext cx="1133644" cy="215444"/>
+          </a:xfrm>
+          <a:prstGeom prst="rect">
+            <a:avLst/>
+          </a:prstGeom>
+          <a:noFill/>
+        </p:spPr>
+        <p:txBody>
+          <a:bodyPr wrap="none" rtlCol="0">
+            <a:spAutoFit/>
+          </a:bodyPr>
+          <a:lstStyle/>
+          <a:p>
+            <a:r>
+              <a:rPr lang="ru-RU" sz="800" dirty="0"/>
+              <a:t>Количество итераций</a:t>
+            </a:r>
+          </a:p>
+        </p:txBody>
+      </p:sp>
+      <p:sp>
+        <p:nvSpPr>
+          <p:cNvPr id="16" name="TextBox 15">
+            <a:extLst>
+              <a:ext uri="{FF2B5EF4-FFF2-40B4-BE49-F238E27FC236}">
+                <a16:creationId xmlns:a16="http://schemas.microsoft.com/office/drawing/2014/main" id="{57D3A60A-B477-B947-B10C-0B2EB1AB309B}"/>
+              </a:ext>
+            </a:extLst>
+          </p:cNvPr>
+          <p:cNvSpPr txBox="1"/>
+          <p:nvPr/>
+        </p:nvSpPr>
+        <p:spPr>
+          <a:xfrm>
+            <a:off x="5202118" y="3124979"/>
+            <a:ext cx="1133644" cy="215444"/>
+          </a:xfrm>
+          <a:prstGeom prst="rect">
+            <a:avLst/>
+          </a:prstGeom>
+          <a:noFill/>
+        </p:spPr>
+        <p:txBody>
+          <a:bodyPr wrap="none" rtlCol="0">
+            <a:spAutoFit/>
+          </a:bodyPr>
+          <a:lstStyle/>
+          <a:p>
+            <a:r>
+              <a:rPr lang="ru-RU" sz="800" dirty="0"/>
+              <a:t>Количество итераций</a:t>
+            </a:r>
+          </a:p>
+        </p:txBody>
+      </p:sp>
+      <p:sp>
+        <p:nvSpPr>
+          <p:cNvPr id="17" name="TextBox 16">
+            <a:extLst>
+              <a:ext uri="{FF2B5EF4-FFF2-40B4-BE49-F238E27FC236}">
+                <a16:creationId xmlns:a16="http://schemas.microsoft.com/office/drawing/2014/main" id="{6E17E75F-42AE-914B-9759-FACF0984AF1C}"/>
+              </a:ext>
+            </a:extLst>
+          </p:cNvPr>
+          <p:cNvSpPr txBox="1"/>
+          <p:nvPr/>
+        </p:nvSpPr>
+        <p:spPr>
+          <a:xfrm>
+            <a:off x="7554326" y="3125704"/>
+            <a:ext cx="1133644" cy="215444"/>
+          </a:xfrm>
+          <a:prstGeom prst="rect">
+            <a:avLst/>
+          </a:prstGeom>
+          <a:noFill/>
+        </p:spPr>
+        <p:txBody>
+          <a:bodyPr wrap="none" rtlCol="0">
+            <a:spAutoFit/>
+          </a:bodyPr>
+          <a:lstStyle/>
+          <a:p>
+            <a:r>
+              <a:rPr lang="ru-RU" sz="800" dirty="0"/>
+              <a:t>Количество итераций</a:t>
+            </a:r>
+          </a:p>
+        </p:txBody>
+      </p:sp>
+      <p:sp>
+        <p:nvSpPr>
+          <p:cNvPr id="18" name="TextBox 17">
+            <a:extLst>
+              <a:ext uri="{FF2B5EF4-FFF2-40B4-BE49-F238E27FC236}">
+                <a16:creationId xmlns:a16="http://schemas.microsoft.com/office/drawing/2014/main" id="{34806AEE-E257-0349-9EC7-D73E17A069BB}"/>
+              </a:ext>
+            </a:extLst>
+          </p:cNvPr>
+          <p:cNvSpPr txBox="1"/>
+          <p:nvPr/>
+        </p:nvSpPr>
+        <p:spPr>
+          <a:xfrm>
+            <a:off x="6652560" y="5450316"/>
+            <a:ext cx="423514" cy="215444"/>
+          </a:xfrm>
+          <a:prstGeom prst="rect">
+            <a:avLst/>
+          </a:prstGeom>
+          <a:noFill/>
+        </p:spPr>
+        <p:txBody>
+          <a:bodyPr wrap="none" rtlCol="0">
+            <a:spAutoFit/>
+          </a:bodyPr>
+          <a:lstStyle/>
+          <a:p>
+            <a:r>
+              <a:rPr lang="ru-RU" sz="800" dirty="0"/>
+              <a:t>Темы</a:t>
+            </a:r>
+          </a:p>
+        </p:txBody>
+      </p:sp>
+      <p:sp>
+        <p:nvSpPr>
+          <p:cNvPr id="19" name="Прямоугольник 18">
+            <a:extLst>
+              <a:ext uri="{FF2B5EF4-FFF2-40B4-BE49-F238E27FC236}">
+                <a16:creationId xmlns:a16="http://schemas.microsoft.com/office/drawing/2014/main" id="{DF522C6F-0019-3D47-92ED-C9ED5261AB79}"/>
+              </a:ext>
+            </a:extLst>
+          </p:cNvPr>
+          <p:cNvSpPr/>
+          <p:nvPr/>
+        </p:nvSpPr>
+        <p:spPr>
+          <a:xfrm>
+            <a:off x="1989900" y="3782675"/>
+            <a:ext cx="178949" cy="1379634"/>
+          </a:xfrm>
+          <a:prstGeom prst="rect">
+            <a:avLst/>
+          </a:prstGeom>
+          <a:ln>
+            <a:noFill/>
+          </a:ln>
+        </p:spPr>
+        <p:style>
+          <a:lnRef idx="2">
+            <a:schemeClr val="accent6"/>
+          </a:lnRef>
+          <a:fillRef idx="1">
+            <a:schemeClr val="lt1"/>
+          </a:fillRef>
+          <a:effectRef idx="0">
+            <a:schemeClr val="accent6"/>
+          </a:effectRef>
+          <a:fontRef idx="minor">
+            <a:schemeClr val="dk1"/>
+          </a:fontRef>
+        </p:style>
+        <p:txBody>
+          <a:bodyPr rtlCol="0" anchor="ctr"/>
+          <a:lstStyle/>
+          <a:p>
+            <a:pPr algn="ctr"/>
+            <a:endParaRPr lang="ru-RU"/>
+          </a:p>
+        </p:txBody>
+      </p:sp>
+      <p:sp>
+        <p:nvSpPr>
+          <p:cNvPr id="20" name="Прямоугольник 19">
+            <a:extLst>
+              <a:ext uri="{FF2B5EF4-FFF2-40B4-BE49-F238E27FC236}">
+                <a16:creationId xmlns:a16="http://schemas.microsoft.com/office/drawing/2014/main" id="{4545F19C-0BB9-0D45-A30B-815E5184C7A9}"/>
+              </a:ext>
+            </a:extLst>
+          </p:cNvPr>
+          <p:cNvSpPr/>
+          <p:nvPr/>
+        </p:nvSpPr>
+        <p:spPr>
+          <a:xfrm>
+            <a:off x="1994283" y="1459185"/>
+            <a:ext cx="178949" cy="1379634"/>
+          </a:xfrm>
+          <a:prstGeom prst="rect">
+            <a:avLst/>
+          </a:prstGeom>
+          <a:ln>
+            <a:noFill/>
+          </a:ln>
+        </p:spPr>
+        <p:style>
+          <a:lnRef idx="2">
+            <a:schemeClr val="accent6"/>
+          </a:lnRef>
+          <a:fillRef idx="1">
+            <a:schemeClr val="lt1"/>
+          </a:fillRef>
+          <a:effectRef idx="0">
+            <a:schemeClr val="accent6"/>
+          </a:effectRef>
+          <a:fontRef idx="minor">
+            <a:schemeClr val="dk1"/>
+          </a:fontRef>
+        </p:style>
+        <p:txBody>
+          <a:bodyPr rtlCol="0" anchor="ctr"/>
+          <a:lstStyle/>
+          <a:p>
+            <a:pPr algn="ctr"/>
+            <a:endParaRPr lang="ru-RU"/>
+          </a:p>
+        </p:txBody>
+      </p:sp>
+      <p:sp>
+        <p:nvSpPr>
+          <p:cNvPr id="21" name="Прямоугольник 20">
+            <a:extLst>
+              <a:ext uri="{FF2B5EF4-FFF2-40B4-BE49-F238E27FC236}">
+                <a16:creationId xmlns:a16="http://schemas.microsoft.com/office/drawing/2014/main" id="{ECE9938F-B45B-584E-AE5D-1CC2907B00E5}"/>
+              </a:ext>
+            </a:extLst>
+          </p:cNvPr>
+          <p:cNvSpPr/>
+          <p:nvPr/>
+        </p:nvSpPr>
+        <p:spPr>
+          <a:xfrm>
+            <a:off x="4466058" y="1344234"/>
+            <a:ext cx="89474" cy="1379634"/>
+          </a:xfrm>
+          <a:prstGeom prst="rect">
+            <a:avLst/>
+          </a:prstGeom>
+          <a:ln>
+            <a:noFill/>
+          </a:ln>
+        </p:spPr>
+        <p:style>
+          <a:lnRef idx="2">
+            <a:schemeClr val="accent6"/>
+          </a:lnRef>
+          <a:fillRef idx="1">
+            <a:schemeClr val="lt1"/>
+          </a:fillRef>
+          <a:effectRef idx="0">
+            <a:schemeClr val="accent6"/>
+          </a:effectRef>
+          <a:fontRef idx="minor">
+            <a:schemeClr val="dk1"/>
+          </a:fontRef>
+        </p:style>
+        <p:txBody>
+          <a:bodyPr rtlCol="0" anchor="ctr"/>
+          <a:lstStyle/>
+          <a:p>
+            <a:pPr algn="ctr"/>
+            <a:endParaRPr lang="ru-RU"/>
+          </a:p>
+        </p:txBody>
+      </p:sp>
+      <p:sp>
+        <p:nvSpPr>
+          <p:cNvPr id="22" name="Прямоугольник 21">
+            <a:extLst>
+              <a:ext uri="{FF2B5EF4-FFF2-40B4-BE49-F238E27FC236}">
+                <a16:creationId xmlns:a16="http://schemas.microsoft.com/office/drawing/2014/main" id="{C49EFB86-8CA5-1F46-B979-ECCAE4726A90}"/>
+              </a:ext>
+            </a:extLst>
+          </p:cNvPr>
+          <p:cNvSpPr/>
+          <p:nvPr/>
+        </p:nvSpPr>
+        <p:spPr>
+          <a:xfrm>
+            <a:off x="6848358" y="1344234"/>
+            <a:ext cx="89474" cy="1379634"/>
+          </a:xfrm>
+          <a:prstGeom prst="rect">
+            <a:avLst/>
+          </a:prstGeom>
+          <a:ln>
+            <a:noFill/>
+          </a:ln>
+        </p:spPr>
+        <p:style>
+          <a:lnRef idx="2">
+            <a:schemeClr val="accent6"/>
+          </a:lnRef>
+          <a:fillRef idx="1">
+            <a:schemeClr val="lt1"/>
+          </a:fillRef>
+          <a:effectRef idx="0">
+            <a:schemeClr val="accent6"/>
+          </a:effectRef>
+          <a:fontRef idx="minor">
+            <a:schemeClr val="dk1"/>
+          </a:fontRef>
+        </p:style>
+        <p:txBody>
+          <a:bodyPr rtlCol="0" anchor="ctr"/>
+          <a:lstStyle/>
+          <a:p>
+            <a:pPr algn="ctr"/>
+            <a:endParaRPr lang="ru-RU"/>
+          </a:p>
+        </p:txBody>
+      </p:sp>
+      <p:sp>
+        <p:nvSpPr>
+          <p:cNvPr id="23" name="TextBox 22">
+            <a:extLst>
+              <a:ext uri="{FF2B5EF4-FFF2-40B4-BE49-F238E27FC236}">
+                <a16:creationId xmlns:a16="http://schemas.microsoft.com/office/drawing/2014/main" id="{A9744D6C-89E3-BE4F-A7A5-3D2CE481154C}"/>
+              </a:ext>
+            </a:extLst>
+          </p:cNvPr>
+          <p:cNvSpPr txBox="1"/>
+          <p:nvPr/>
+        </p:nvSpPr>
+        <p:spPr>
+          <a:xfrm rot="16200000">
+            <a:off x="1725751" y="1926330"/>
+            <a:ext cx="707245" cy="215444"/>
+          </a:xfrm>
+          <a:prstGeom prst="rect">
+            <a:avLst/>
+          </a:prstGeom>
+          <a:noFill/>
+        </p:spPr>
+        <p:txBody>
+          <a:bodyPr wrap="none" rtlCol="0">
+            <a:spAutoFit/>
+          </a:bodyPr>
+          <a:lstStyle/>
+          <a:p>
+            <a:r>
+              <a:rPr lang="ru-RU" sz="800" dirty="0"/>
+              <a:t>Перплексия</a:t>
+            </a:r>
+          </a:p>
+        </p:txBody>
+      </p:sp>
+      <mc:AlternateContent xmlns:mc="http://schemas.openxmlformats.org/markup-compatibility/2006">
+        <mc:Choice xmlns:a14="http://schemas.microsoft.com/office/drawing/2010/main" Requires="a14">
+          <p:sp>
+            <p:nvSpPr>
+              <p:cNvPr id="24" name="TextBox 23">
+                <a:extLst>
+                  <a:ext uri="{FF2B5EF4-FFF2-40B4-BE49-F238E27FC236}">
+                    <a16:creationId xmlns:a16="http://schemas.microsoft.com/office/drawing/2014/main" id="{B06EDB50-8828-024F-AD1E-72A29C065FC0}"/>
+                  </a:ext>
+                </a:extLst>
+              </p:cNvPr>
+              <p:cNvSpPr txBox="1"/>
+              <p:nvPr/>
+            </p:nvSpPr>
+            <p:spPr>
+              <a:xfrm rot="16200000">
+                <a:off x="3793679" y="1828360"/>
+                <a:ext cx="1372492" cy="215444"/>
+              </a:xfrm>
+              <a:prstGeom prst="rect">
+                <a:avLst/>
+              </a:prstGeom>
+              <a:noFill/>
+            </p:spPr>
+            <p:txBody>
+              <a:bodyPr wrap="none" rtlCol="0">
+                <a:spAutoFit/>
+              </a:bodyPr>
+              <a:lstStyle/>
+              <a:p>
+                <a:r>
+                  <a:rPr lang="ru-RU" sz="800" dirty="0"/>
+                  <a:t>Разреженность матрицы </a:t>
+                </a:r>
+                <a14:m>
+                  <m:oMath xmlns:m="http://schemas.openxmlformats.org/officeDocument/2006/math">
+                    <m:r>
+                      <m:rPr>
+                        <m:sty m:val="p"/>
+                      </m:rPr>
+                      <a:rPr lang="el-GR" sz="800" i="1" smtClean="0">
+                        <a:latin typeface="Cambria Math" panose="02040503050406030204" pitchFamily="18" charset="0"/>
+                        <a:ea typeface="Cambria Math" panose="02040503050406030204" pitchFamily="18" charset="0"/>
+                      </a:rPr>
+                      <m:t>Φ</m:t>
+                    </m:r>
+                  </m:oMath>
+                </a14:m>
+                <a:endParaRPr lang="ru-RU" sz="800" dirty="0"/>
+              </a:p>
+            </p:txBody>
+          </p:sp>
+        </mc:Choice>
+        <mc:Fallback>
+          <p:sp>
+            <p:nvSpPr>
+              <p:cNvPr id="24" name="TextBox 23">
+                <a:extLst>
+                  <a:ext uri="{FF2B5EF4-FFF2-40B4-BE49-F238E27FC236}">
+                    <a16:creationId xmlns:a16="http://schemas.microsoft.com/office/drawing/2014/main" id="{B06EDB50-8828-024F-AD1E-72A29C065FC0}"/>
+                  </a:ext>
+                </a:extLst>
+              </p:cNvPr>
+              <p:cNvSpPr txBox="1">
+                <a:spLocks noRot="1" noChangeAspect="1" noMove="1" noResize="1" noEditPoints="1" noAdjustHandles="1" noChangeArrowheads="1" noChangeShapeType="1" noTextEdit="1"/>
+              </p:cNvSpPr>
+              <p:nvPr/>
+            </p:nvSpPr>
+            <p:spPr>
+              <a:xfrm rot="16200000">
+                <a:off x="3793679" y="1828360"/>
+                <a:ext cx="1372492" cy="215444"/>
+              </a:xfrm>
+              <a:prstGeom prst="rect">
+                <a:avLst/>
+              </a:prstGeom>
+              <a:blipFill>
+                <a:blip r:embed="rId5"/>
+                <a:stretch>
+                  <a:fillRect r="-5556"/>
+                </a:stretch>
+              </a:blipFill>
+            </p:spPr>
+            <p:txBody>
+              <a:bodyPr/>
+              <a:lstStyle/>
+              <a:p>
+                <a:r>
+                  <a:rPr lang="ru-RU">
+                    <a:noFill/>
+                  </a:rPr>
+                  <a:t> </a:t>
+                </a:r>
+              </a:p>
+            </p:txBody>
+          </p:sp>
+        </mc:Fallback>
+      </mc:AlternateContent>
+      <mc:AlternateContent xmlns:mc="http://schemas.openxmlformats.org/markup-compatibility/2006">
+        <mc:Choice xmlns:a14="http://schemas.microsoft.com/office/drawing/2010/main" Requires="a14">
+          <p:sp>
+            <p:nvSpPr>
+              <p:cNvPr id="25" name="TextBox 24">
+                <a:extLst>
+                  <a:ext uri="{FF2B5EF4-FFF2-40B4-BE49-F238E27FC236}">
+                    <a16:creationId xmlns:a16="http://schemas.microsoft.com/office/drawing/2014/main" id="{4A5A7039-A2B1-8D48-A1F7-66E751C73775}"/>
+                  </a:ext>
+                </a:extLst>
+              </p:cNvPr>
+              <p:cNvSpPr txBox="1"/>
+              <p:nvPr/>
+            </p:nvSpPr>
+            <p:spPr>
+              <a:xfrm rot="16200000">
+                <a:off x="6184484" y="1814910"/>
+                <a:ext cx="1359668" cy="215444"/>
+              </a:xfrm>
+              <a:prstGeom prst="rect">
+                <a:avLst/>
+              </a:prstGeom>
+              <a:noFill/>
+            </p:spPr>
+            <p:txBody>
+              <a:bodyPr wrap="none" rtlCol="0">
+                <a:spAutoFit/>
+              </a:bodyPr>
+              <a:lstStyle/>
+              <a:p>
+                <a:r>
+                  <a:rPr lang="ru-RU" sz="800" dirty="0"/>
+                  <a:t>Разреженность матрицы </a:t>
+                </a:r>
+                <a14:m>
+                  <m:oMath xmlns:m="http://schemas.openxmlformats.org/officeDocument/2006/math">
+                    <m:r>
+                      <m:rPr>
+                        <m:sty m:val="p"/>
+                      </m:rPr>
+                      <a:rPr lang="el-GR" sz="800" i="1" smtClean="0">
+                        <a:latin typeface="Cambria Math" panose="02040503050406030204" pitchFamily="18" charset="0"/>
+                        <a:ea typeface="Cambria Math" panose="02040503050406030204" pitchFamily="18" charset="0"/>
+                      </a:rPr>
+                      <m:t>Θ</m:t>
+                    </m:r>
+                  </m:oMath>
+                </a14:m>
+                <a:endParaRPr lang="ru-RU" sz="800" dirty="0"/>
+              </a:p>
+            </p:txBody>
+          </p:sp>
+        </mc:Choice>
+        <mc:Fallback>
+          <p:sp>
+            <p:nvSpPr>
+              <p:cNvPr id="25" name="TextBox 24">
+                <a:extLst>
+                  <a:ext uri="{FF2B5EF4-FFF2-40B4-BE49-F238E27FC236}">
+                    <a16:creationId xmlns:a16="http://schemas.microsoft.com/office/drawing/2014/main" id="{4A5A7039-A2B1-8D48-A1F7-66E751C73775}"/>
+                  </a:ext>
+                </a:extLst>
+              </p:cNvPr>
+              <p:cNvSpPr txBox="1">
+                <a:spLocks noRot="1" noChangeAspect="1" noMove="1" noResize="1" noEditPoints="1" noAdjustHandles="1" noChangeArrowheads="1" noChangeShapeType="1" noTextEdit="1"/>
+              </p:cNvSpPr>
+              <p:nvPr/>
+            </p:nvSpPr>
+            <p:spPr>
+              <a:xfrm rot="16200000">
+                <a:off x="6184484" y="1814910"/>
+                <a:ext cx="1359668" cy="215444"/>
+              </a:xfrm>
+              <a:prstGeom prst="rect">
+                <a:avLst/>
+              </a:prstGeom>
+              <a:blipFill>
+                <a:blip r:embed="rId6"/>
+                <a:stretch>
+                  <a:fillRect r="-11111"/>
+                </a:stretch>
+              </a:blipFill>
+            </p:spPr>
+            <p:txBody>
+              <a:bodyPr/>
+              <a:lstStyle/>
+              <a:p>
+                <a:r>
+                  <a:rPr lang="ru-RU">
+                    <a:noFill/>
+                  </a:rPr>
+                  <a:t> </a:t>
+                </a:r>
+              </a:p>
+            </p:txBody>
+          </p:sp>
+        </mc:Fallback>
+      </mc:AlternateContent>
+      <p:sp>
+        <p:nvSpPr>
+          <p:cNvPr id="26" name="TextBox 25">
+            <a:extLst>
+              <a:ext uri="{FF2B5EF4-FFF2-40B4-BE49-F238E27FC236}">
+                <a16:creationId xmlns:a16="http://schemas.microsoft.com/office/drawing/2014/main" id="{B64FE831-7015-A24C-A56B-68057BDDA8A6}"/>
+              </a:ext>
+            </a:extLst>
+          </p:cNvPr>
+          <p:cNvSpPr txBox="1"/>
+          <p:nvPr/>
+        </p:nvSpPr>
+        <p:spPr>
+          <a:xfrm rot="16200000">
+            <a:off x="1532324" y="4279245"/>
+            <a:ext cx="1096775" cy="215444"/>
+          </a:xfrm>
+          <a:prstGeom prst="rect">
+            <a:avLst/>
+          </a:prstGeom>
+          <a:noFill/>
+        </p:spPr>
+        <p:txBody>
+          <a:bodyPr wrap="none" rtlCol="0">
+            <a:spAutoFit/>
+          </a:bodyPr>
+          <a:lstStyle/>
+          <a:p>
+            <a:r>
+              <a:rPr lang="ru-RU" sz="800" dirty="0"/>
+              <a:t>Средний размер тем</a:t>
+            </a:r>
+          </a:p>
+        </p:txBody>
+      </p:sp>
+      <p:sp>
+        <p:nvSpPr>
+          <p:cNvPr id="27" name="TextBox 26">
+            <a:extLst>
+              <a:ext uri="{FF2B5EF4-FFF2-40B4-BE49-F238E27FC236}">
+                <a16:creationId xmlns:a16="http://schemas.microsoft.com/office/drawing/2014/main" id="{BA3406D8-F440-2645-A2E9-C7CDC1F942D2}"/>
+              </a:ext>
+            </a:extLst>
+          </p:cNvPr>
+          <p:cNvSpPr txBox="1"/>
+          <p:nvPr/>
+        </p:nvSpPr>
+        <p:spPr>
+          <a:xfrm rot="16200000">
+            <a:off x="4223218" y="4223342"/>
+            <a:ext cx="505267" cy="215444"/>
+          </a:xfrm>
+          <a:prstGeom prst="rect">
+            <a:avLst/>
+          </a:prstGeom>
+          <a:noFill/>
+        </p:spPr>
+        <p:txBody>
+          <a:bodyPr wrap="none" rtlCol="0">
+            <a:spAutoFit/>
+          </a:bodyPr>
+          <a:lstStyle/>
+          <a:p>
+            <a:r>
+              <a:rPr lang="ru-RU" sz="800" dirty="0"/>
+              <a:t>Размер</a:t>
+            </a:r>
+          </a:p>
+        </p:txBody>
+      </p:sp>
+      <p:cxnSp>
+        <p:nvCxnSpPr>
+          <p:cNvPr id="28" name="Прямая соединительная линия 27">
+            <a:extLst>
+              <a:ext uri="{FF2B5EF4-FFF2-40B4-BE49-F238E27FC236}">
+                <a16:creationId xmlns:a16="http://schemas.microsoft.com/office/drawing/2014/main" id="{3452A93A-4AB9-4C4A-9B49-D5B8FAE92A49}"/>
+              </a:ext>
+            </a:extLst>
+          </p:cNvPr>
+          <p:cNvCxnSpPr/>
+          <p:nvPr/>
+        </p:nvCxnSpPr>
+        <p:spPr>
+          <a:xfrm>
+            <a:off x="3505687" y="961732"/>
+            <a:ext cx="0" cy="2144637"/>
+          </a:xfrm>
+          <a:prstGeom prst="line">
+            <a:avLst/>
+          </a:prstGeom>
+          <a:ln w="28575" cap="flat" cmpd="sng" algn="ctr">
+            <a:solidFill>
+              <a:schemeClr val="accent2"/>
+            </a:solidFill>
+            <a:prstDash val="dash"/>
+            <a:round/>
+            <a:headEnd type="none" w="med" len="med"/>
+            <a:tailEnd type="none" w="med" len="med"/>
+          </a:ln>
+        </p:spPr>
+        <p:style>
+          <a:lnRef idx="0">
+            <a:scrgbClr r="0" g="0" b="0"/>
+          </a:lnRef>
+          <a:fillRef idx="0">
+            <a:scrgbClr r="0" g="0" b="0"/>
+          </a:fillRef>
+          <a:effectRef idx="0">
+            <a:scrgbClr r="0" g="0" b="0"/>
+          </a:effectRef>
+          <a:fontRef idx="minor">
+            <a:schemeClr val="tx1"/>
+          </a:fontRef>
+        </p:style>
+      </p:cxnSp>
+      <p:cxnSp>
+        <p:nvCxnSpPr>
+          <p:cNvPr id="29" name="Прямая соединительная линия 28">
+            <a:extLst>
+              <a:ext uri="{FF2B5EF4-FFF2-40B4-BE49-F238E27FC236}">
+                <a16:creationId xmlns:a16="http://schemas.microsoft.com/office/drawing/2014/main" id="{C0F97DE5-00F9-FB4F-9BF2-0A57E01F0E6E}"/>
+              </a:ext>
+            </a:extLst>
+          </p:cNvPr>
+          <p:cNvCxnSpPr/>
+          <p:nvPr/>
+        </p:nvCxnSpPr>
+        <p:spPr>
+          <a:xfrm>
+            <a:off x="3765636" y="950845"/>
+            <a:ext cx="0" cy="2144637"/>
+          </a:xfrm>
+          <a:prstGeom prst="line">
+            <a:avLst/>
+          </a:prstGeom>
+          <a:ln w="28575" cap="flat" cmpd="sng" algn="ctr">
+            <a:solidFill>
+              <a:schemeClr val="accent2"/>
+            </a:solidFill>
+            <a:prstDash val="dash"/>
+            <a:round/>
+            <a:headEnd type="none" w="med" len="med"/>
+            <a:tailEnd type="none" w="med" len="med"/>
+          </a:ln>
+        </p:spPr>
+        <p:style>
+          <a:lnRef idx="0">
+            <a:scrgbClr r="0" g="0" b="0"/>
+          </a:lnRef>
+          <a:fillRef idx="0">
+            <a:scrgbClr r="0" g="0" b="0"/>
+          </a:fillRef>
+          <a:effectRef idx="0">
+            <a:scrgbClr r="0" g="0" b="0"/>
+          </a:effectRef>
+          <a:fontRef idx="minor">
+            <a:schemeClr val="tx1"/>
+          </a:fontRef>
+        </p:style>
+      </p:cxnSp>
+      <p:cxnSp>
+        <p:nvCxnSpPr>
+          <p:cNvPr id="30" name="Прямая соединительная линия 29">
+            <a:extLst>
+              <a:ext uri="{FF2B5EF4-FFF2-40B4-BE49-F238E27FC236}">
+                <a16:creationId xmlns:a16="http://schemas.microsoft.com/office/drawing/2014/main" id="{A05C630C-0470-C94F-89A6-6153403ECB94}"/>
+              </a:ext>
+            </a:extLst>
+          </p:cNvPr>
+          <p:cNvCxnSpPr/>
+          <p:nvPr/>
+        </p:nvCxnSpPr>
+        <p:spPr>
+          <a:xfrm>
+            <a:off x="4041355" y="950846"/>
+            <a:ext cx="0" cy="2144637"/>
+          </a:xfrm>
+          <a:prstGeom prst="line">
+            <a:avLst/>
+          </a:prstGeom>
+          <a:ln w="28575" cap="flat" cmpd="sng" algn="ctr">
+            <a:solidFill>
+              <a:schemeClr val="accent2"/>
+            </a:solidFill>
+            <a:prstDash val="dash"/>
+            <a:round/>
+            <a:headEnd type="none" w="med" len="med"/>
+            <a:tailEnd type="none" w="med" len="med"/>
+          </a:ln>
+        </p:spPr>
+        <p:style>
+          <a:lnRef idx="0">
+            <a:scrgbClr r="0" g="0" b="0"/>
+          </a:lnRef>
+          <a:fillRef idx="0">
+            <a:scrgbClr r="0" g="0" b="0"/>
+          </a:fillRef>
+          <a:effectRef idx="0">
+            <a:scrgbClr r="0" g="0" b="0"/>
+          </a:effectRef>
+          <a:fontRef idx="minor">
+            <a:schemeClr val="tx1"/>
+          </a:fontRef>
+        </p:style>
+      </p:cxnSp>
+      <p:cxnSp>
+        <p:nvCxnSpPr>
+          <p:cNvPr id="31" name="Прямая соединительная линия 30">
+            <a:extLst>
+              <a:ext uri="{FF2B5EF4-FFF2-40B4-BE49-F238E27FC236}">
+                <a16:creationId xmlns:a16="http://schemas.microsoft.com/office/drawing/2014/main" id="{52605FEB-6E30-7643-A19D-ED79603FF732}"/>
+              </a:ext>
+            </a:extLst>
+          </p:cNvPr>
+          <p:cNvCxnSpPr/>
+          <p:nvPr/>
+        </p:nvCxnSpPr>
+        <p:spPr>
+          <a:xfrm>
+            <a:off x="5904952" y="952673"/>
+            <a:ext cx="0" cy="2144637"/>
+          </a:xfrm>
+          <a:prstGeom prst="line">
+            <a:avLst/>
+          </a:prstGeom>
+          <a:ln w="28575" cap="flat" cmpd="sng" algn="ctr">
+            <a:solidFill>
+              <a:schemeClr val="accent2"/>
+            </a:solidFill>
+            <a:prstDash val="dash"/>
+            <a:round/>
+            <a:headEnd type="none" w="med" len="med"/>
+            <a:tailEnd type="none" w="med" len="med"/>
+          </a:ln>
+        </p:spPr>
+        <p:style>
+          <a:lnRef idx="0">
+            <a:scrgbClr r="0" g="0" b="0"/>
+          </a:lnRef>
+          <a:fillRef idx="0">
+            <a:scrgbClr r="0" g="0" b="0"/>
+          </a:fillRef>
+          <a:effectRef idx="0">
+            <a:scrgbClr r="0" g="0" b="0"/>
+          </a:effectRef>
+          <a:fontRef idx="minor">
+            <a:schemeClr val="tx1"/>
+          </a:fontRef>
+        </p:style>
+      </p:cxnSp>
+      <p:cxnSp>
+        <p:nvCxnSpPr>
+          <p:cNvPr id="32" name="Прямая соединительная линия 31">
+            <a:extLst>
+              <a:ext uri="{FF2B5EF4-FFF2-40B4-BE49-F238E27FC236}">
+                <a16:creationId xmlns:a16="http://schemas.microsoft.com/office/drawing/2014/main" id="{11D24622-CAD0-D24B-BC63-22B264F830CA}"/>
+              </a:ext>
+            </a:extLst>
+          </p:cNvPr>
+          <p:cNvCxnSpPr/>
+          <p:nvPr/>
+        </p:nvCxnSpPr>
+        <p:spPr>
+          <a:xfrm>
+            <a:off x="6164901" y="941786"/>
+            <a:ext cx="0" cy="2144637"/>
+          </a:xfrm>
+          <a:prstGeom prst="line">
+            <a:avLst/>
+          </a:prstGeom>
+          <a:ln w="28575" cap="flat" cmpd="sng" algn="ctr">
+            <a:solidFill>
+              <a:schemeClr val="accent2"/>
+            </a:solidFill>
+            <a:prstDash val="dash"/>
+            <a:round/>
+            <a:headEnd type="none" w="med" len="med"/>
+            <a:tailEnd type="none" w="med" len="med"/>
+          </a:ln>
+        </p:spPr>
+        <p:style>
+          <a:lnRef idx="0">
+            <a:scrgbClr r="0" g="0" b="0"/>
+          </a:lnRef>
+          <a:fillRef idx="0">
+            <a:scrgbClr r="0" g="0" b="0"/>
+          </a:fillRef>
+          <a:effectRef idx="0">
+            <a:scrgbClr r="0" g="0" b="0"/>
+          </a:effectRef>
+          <a:fontRef idx="minor">
+            <a:schemeClr val="tx1"/>
+          </a:fontRef>
+        </p:style>
+      </p:cxnSp>
+      <p:cxnSp>
+        <p:nvCxnSpPr>
+          <p:cNvPr id="33" name="Прямая соединительная линия 32">
+            <a:extLst>
+              <a:ext uri="{FF2B5EF4-FFF2-40B4-BE49-F238E27FC236}">
+                <a16:creationId xmlns:a16="http://schemas.microsoft.com/office/drawing/2014/main" id="{B789813D-AE12-2345-B7B5-60EAFD2612F6}"/>
+              </a:ext>
+            </a:extLst>
+          </p:cNvPr>
+          <p:cNvCxnSpPr/>
+          <p:nvPr/>
+        </p:nvCxnSpPr>
+        <p:spPr>
+          <a:xfrm>
+            <a:off x="6440620" y="941787"/>
+            <a:ext cx="0" cy="2144637"/>
+          </a:xfrm>
+          <a:prstGeom prst="line">
+            <a:avLst/>
+          </a:prstGeom>
+          <a:ln w="28575" cap="flat" cmpd="sng" algn="ctr">
+            <a:solidFill>
+              <a:schemeClr val="accent2"/>
+            </a:solidFill>
+            <a:prstDash val="dash"/>
+            <a:round/>
+            <a:headEnd type="none" w="med" len="med"/>
+            <a:tailEnd type="none" w="med" len="med"/>
+          </a:ln>
+        </p:spPr>
+        <p:style>
+          <a:lnRef idx="0">
+            <a:scrgbClr r="0" g="0" b="0"/>
+          </a:lnRef>
+          <a:fillRef idx="0">
+            <a:scrgbClr r="0" g="0" b="0"/>
+          </a:fillRef>
+          <a:effectRef idx="0">
+            <a:scrgbClr r="0" g="0" b="0"/>
+          </a:effectRef>
+          <a:fontRef idx="minor">
+            <a:schemeClr val="tx1"/>
+          </a:fontRef>
+        </p:style>
+      </p:cxnSp>
+      <p:cxnSp>
+        <p:nvCxnSpPr>
+          <p:cNvPr id="34" name="Прямая соединительная линия 33">
+            <a:extLst>
+              <a:ext uri="{FF2B5EF4-FFF2-40B4-BE49-F238E27FC236}">
+                <a16:creationId xmlns:a16="http://schemas.microsoft.com/office/drawing/2014/main" id="{E9F4B466-2888-3A43-8658-07DE7838A568}"/>
+              </a:ext>
+            </a:extLst>
+          </p:cNvPr>
+          <p:cNvCxnSpPr/>
+          <p:nvPr/>
+        </p:nvCxnSpPr>
+        <p:spPr>
+          <a:xfrm>
+            <a:off x="8230086" y="991228"/>
+            <a:ext cx="0" cy="2144637"/>
+          </a:xfrm>
+          <a:prstGeom prst="line">
+            <a:avLst/>
+          </a:prstGeom>
+          <a:ln w="28575" cap="flat" cmpd="sng" algn="ctr">
+            <a:solidFill>
+              <a:schemeClr val="accent2"/>
+            </a:solidFill>
+            <a:prstDash val="dash"/>
+            <a:round/>
+            <a:headEnd type="none" w="med" len="med"/>
+            <a:tailEnd type="none" w="med" len="med"/>
+          </a:ln>
+        </p:spPr>
+        <p:style>
+          <a:lnRef idx="0">
+            <a:scrgbClr r="0" g="0" b="0"/>
+          </a:lnRef>
+          <a:fillRef idx="0">
+            <a:scrgbClr r="0" g="0" b="0"/>
+          </a:fillRef>
+          <a:effectRef idx="0">
+            <a:scrgbClr r="0" g="0" b="0"/>
+          </a:effectRef>
+          <a:fontRef idx="minor">
+            <a:schemeClr val="tx1"/>
+          </a:fontRef>
+        </p:style>
+      </p:cxnSp>
+      <p:cxnSp>
+        <p:nvCxnSpPr>
+          <p:cNvPr id="35" name="Прямая соединительная линия 34">
+            <a:extLst>
+              <a:ext uri="{FF2B5EF4-FFF2-40B4-BE49-F238E27FC236}">
+                <a16:creationId xmlns:a16="http://schemas.microsoft.com/office/drawing/2014/main" id="{6B6ACFD1-426D-7645-A16D-5591E8A53132}"/>
+              </a:ext>
+            </a:extLst>
+          </p:cNvPr>
+          <p:cNvCxnSpPr/>
+          <p:nvPr/>
+        </p:nvCxnSpPr>
+        <p:spPr>
+          <a:xfrm>
+            <a:off x="8490035" y="980341"/>
+            <a:ext cx="0" cy="2144637"/>
+          </a:xfrm>
+          <a:prstGeom prst="line">
+            <a:avLst/>
+          </a:prstGeom>
+          <a:ln w="28575" cap="flat" cmpd="sng" algn="ctr">
+            <a:solidFill>
+              <a:schemeClr val="accent2"/>
+            </a:solidFill>
+            <a:prstDash val="dash"/>
+            <a:round/>
+            <a:headEnd type="none" w="med" len="med"/>
+            <a:tailEnd type="none" w="med" len="med"/>
+          </a:ln>
+        </p:spPr>
+        <p:style>
+          <a:lnRef idx="0">
+            <a:scrgbClr r="0" g="0" b="0"/>
+          </a:lnRef>
+          <a:fillRef idx="0">
+            <a:scrgbClr r="0" g="0" b="0"/>
+          </a:fillRef>
+          <a:effectRef idx="0">
+            <a:scrgbClr r="0" g="0" b="0"/>
+          </a:effectRef>
+          <a:fontRef idx="minor">
+            <a:schemeClr val="tx1"/>
+          </a:fontRef>
+        </p:style>
+      </p:cxnSp>
+      <p:cxnSp>
+        <p:nvCxnSpPr>
+          <p:cNvPr id="36" name="Прямая соединительная линия 35">
+            <a:extLst>
+              <a:ext uri="{FF2B5EF4-FFF2-40B4-BE49-F238E27FC236}">
+                <a16:creationId xmlns:a16="http://schemas.microsoft.com/office/drawing/2014/main" id="{5E21EFB6-88AF-004A-AB7E-1ECB08AA4C14}"/>
+              </a:ext>
+            </a:extLst>
+          </p:cNvPr>
+          <p:cNvCxnSpPr/>
+          <p:nvPr/>
+        </p:nvCxnSpPr>
+        <p:spPr>
+          <a:xfrm>
+            <a:off x="8765754" y="980342"/>
+            <a:ext cx="0" cy="2144637"/>
+          </a:xfrm>
+          <a:prstGeom prst="line">
+            <a:avLst/>
+          </a:prstGeom>
+          <a:ln w="28575" cap="flat" cmpd="sng" algn="ctr">
+            <a:solidFill>
+              <a:schemeClr val="accent2"/>
+            </a:solidFill>
+            <a:prstDash val="dash"/>
+            <a:round/>
+            <a:headEnd type="none" w="med" len="med"/>
+            <a:tailEnd type="none" w="med" len="med"/>
+          </a:ln>
+        </p:spPr>
+        <p:style>
+          <a:lnRef idx="0">
+            <a:scrgbClr r="0" g="0" b="0"/>
+          </a:lnRef>
+          <a:fillRef idx="0">
+            <a:scrgbClr r="0" g="0" b="0"/>
+          </a:fillRef>
+          <a:effectRef idx="0">
+            <a:scrgbClr r="0" g="0" b="0"/>
+          </a:effectRef>
+          <a:fontRef idx="minor">
+            <a:schemeClr val="tx1"/>
+          </a:fontRef>
+        </p:style>
+      </p:cxnSp>
+      <p:cxnSp>
+        <p:nvCxnSpPr>
+          <p:cNvPr id="37" name="Прямая соединительная линия 36">
+            <a:extLst>
+              <a:ext uri="{FF2B5EF4-FFF2-40B4-BE49-F238E27FC236}">
+                <a16:creationId xmlns:a16="http://schemas.microsoft.com/office/drawing/2014/main" id="{F98B772B-2254-5249-87E6-3ACF80D9B893}"/>
+              </a:ext>
+            </a:extLst>
+          </p:cNvPr>
+          <p:cNvCxnSpPr/>
+          <p:nvPr/>
+        </p:nvCxnSpPr>
+        <p:spPr>
+          <a:xfrm>
+            <a:off x="3508313" y="3387059"/>
+            <a:ext cx="0" cy="2144637"/>
+          </a:xfrm>
+          <a:prstGeom prst="line">
+            <a:avLst/>
+          </a:prstGeom>
+          <a:ln w="28575" cap="flat" cmpd="sng" algn="ctr">
+            <a:solidFill>
+              <a:schemeClr val="accent2"/>
+            </a:solidFill>
+            <a:prstDash val="dash"/>
+            <a:round/>
+            <a:headEnd type="none" w="med" len="med"/>
+            <a:tailEnd type="none" w="med" len="med"/>
+          </a:ln>
+        </p:spPr>
+        <p:style>
+          <a:lnRef idx="0">
+            <a:scrgbClr r="0" g="0" b="0"/>
+          </a:lnRef>
+          <a:fillRef idx="0">
+            <a:scrgbClr r="0" g="0" b="0"/>
+          </a:fillRef>
+          <a:effectRef idx="0">
+            <a:scrgbClr r="0" g="0" b="0"/>
+          </a:effectRef>
+          <a:fontRef idx="minor">
+            <a:schemeClr val="tx1"/>
+          </a:fontRef>
+        </p:style>
+      </p:cxnSp>
+      <p:cxnSp>
+        <p:nvCxnSpPr>
+          <p:cNvPr id="38" name="Прямая соединительная линия 37">
+            <a:extLst>
+              <a:ext uri="{FF2B5EF4-FFF2-40B4-BE49-F238E27FC236}">
+                <a16:creationId xmlns:a16="http://schemas.microsoft.com/office/drawing/2014/main" id="{8376BF84-6ADC-6747-8B14-FF5E0DA0D178}"/>
+              </a:ext>
+            </a:extLst>
+          </p:cNvPr>
+          <p:cNvCxnSpPr/>
+          <p:nvPr/>
+        </p:nvCxnSpPr>
+        <p:spPr>
+          <a:xfrm>
+            <a:off x="3768262" y="3376172"/>
+            <a:ext cx="0" cy="2144637"/>
+          </a:xfrm>
+          <a:prstGeom prst="line">
+            <a:avLst/>
+          </a:prstGeom>
+          <a:ln w="28575" cap="flat" cmpd="sng" algn="ctr">
+            <a:solidFill>
+              <a:schemeClr val="accent2"/>
+            </a:solidFill>
+            <a:prstDash val="dash"/>
+            <a:round/>
+            <a:headEnd type="none" w="med" len="med"/>
+            <a:tailEnd type="none" w="med" len="med"/>
+          </a:ln>
+        </p:spPr>
+        <p:style>
+          <a:lnRef idx="0">
+            <a:scrgbClr r="0" g="0" b="0"/>
+          </a:lnRef>
+          <a:fillRef idx="0">
+            <a:scrgbClr r="0" g="0" b="0"/>
+          </a:fillRef>
+          <a:effectRef idx="0">
+            <a:scrgbClr r="0" g="0" b="0"/>
+          </a:effectRef>
+          <a:fontRef idx="minor">
+            <a:schemeClr val="tx1"/>
+          </a:fontRef>
+        </p:style>
+      </p:cxnSp>
+      <p:cxnSp>
+        <p:nvCxnSpPr>
+          <p:cNvPr id="39" name="Прямая соединительная линия 38">
+            <a:extLst>
+              <a:ext uri="{FF2B5EF4-FFF2-40B4-BE49-F238E27FC236}">
+                <a16:creationId xmlns:a16="http://schemas.microsoft.com/office/drawing/2014/main" id="{B045D930-7E1A-E045-8CDA-F04D8641B5CB}"/>
+              </a:ext>
+            </a:extLst>
+          </p:cNvPr>
+          <p:cNvCxnSpPr/>
+          <p:nvPr/>
+        </p:nvCxnSpPr>
+        <p:spPr>
+          <a:xfrm>
+            <a:off x="4043981" y="3376173"/>
+            <a:ext cx="0" cy="2144637"/>
+          </a:xfrm>
+          <a:prstGeom prst="line">
+            <a:avLst/>
+          </a:prstGeom>
+          <a:ln w="28575" cap="flat" cmpd="sng" algn="ctr">
+            <a:solidFill>
+              <a:schemeClr val="accent2"/>
+            </a:solidFill>
+            <a:prstDash val="dash"/>
+            <a:round/>
+            <a:headEnd type="none" w="med" len="med"/>
+            <a:tailEnd type="none" w="med" len="med"/>
+          </a:ln>
+        </p:spPr>
+        <p:style>
+          <a:lnRef idx="0">
+            <a:scrgbClr r="0" g="0" b="0"/>
+          </a:lnRef>
+          <a:fillRef idx="0">
+            <a:scrgbClr r="0" g="0" b="0"/>
+          </a:fillRef>
+          <a:effectRef idx="0">
+            <a:scrgbClr r="0" g="0" b="0"/>
+          </a:effectRef>
+          <a:fontRef idx="minor">
+            <a:schemeClr val="tx1"/>
+          </a:fontRef>
+        </p:style>
+      </p:cxnSp>
+      <p:sp>
+        <p:nvSpPr>
+          <p:cNvPr id="40" name="TextBox 39">
+            <a:extLst>
+              <a:ext uri="{FF2B5EF4-FFF2-40B4-BE49-F238E27FC236}">
+                <a16:creationId xmlns:a16="http://schemas.microsoft.com/office/drawing/2014/main" id="{16E73B63-A405-0047-9D45-95DAE91E218A}"/>
+              </a:ext>
+            </a:extLst>
+          </p:cNvPr>
+          <p:cNvSpPr txBox="1"/>
+          <p:nvPr/>
+        </p:nvSpPr>
+        <p:spPr>
+          <a:xfrm>
+            <a:off x="2787502" y="842486"/>
+            <a:ext cx="386644" cy="215444"/>
+          </a:xfrm>
+          <a:prstGeom prst="rect">
+            <a:avLst/>
+          </a:prstGeom>
+          <a:noFill/>
+        </p:spPr>
+        <p:txBody>
+          <a:bodyPr wrap="none" rtlCol="0">
+            <a:spAutoFit/>
+          </a:bodyPr>
+          <a:lstStyle/>
+          <a:p>
+            <a:r>
+              <a:rPr lang="en-US" sz="800" dirty="0"/>
+              <a:t>PLSA</a:t>
+            </a:r>
+            <a:endParaRPr lang="ru-RU" sz="800" dirty="0"/>
+          </a:p>
+        </p:txBody>
+      </p:sp>
+      <p:sp>
+        <p:nvSpPr>
+          <p:cNvPr id="41" name="TextBox 40">
+            <a:extLst>
+              <a:ext uri="{FF2B5EF4-FFF2-40B4-BE49-F238E27FC236}">
+                <a16:creationId xmlns:a16="http://schemas.microsoft.com/office/drawing/2014/main" id="{E8FD449D-3A3A-A349-828B-B978C78974A2}"/>
+              </a:ext>
+            </a:extLst>
+          </p:cNvPr>
+          <p:cNvSpPr txBox="1"/>
+          <p:nvPr/>
+        </p:nvSpPr>
+        <p:spPr>
+          <a:xfrm>
+            <a:off x="3479373" y="843089"/>
+            <a:ext cx="330540" cy="215444"/>
+          </a:xfrm>
+          <a:prstGeom prst="rect">
+            <a:avLst/>
+          </a:prstGeom>
+          <a:noFill/>
+        </p:spPr>
+        <p:txBody>
+          <a:bodyPr wrap="none" rtlCol="0">
+            <a:spAutoFit/>
+          </a:bodyPr>
+          <a:lstStyle/>
+          <a:p>
+            <a:r>
+              <a:rPr lang="en-US" sz="800" dirty="0"/>
+              <a:t>+sp</a:t>
+            </a:r>
+            <a:endParaRPr lang="ru-RU" sz="800" dirty="0"/>
+          </a:p>
+        </p:txBody>
+      </p:sp>
+      <p:sp>
+        <p:nvSpPr>
+          <p:cNvPr id="42" name="TextBox 41">
+            <a:extLst>
+              <a:ext uri="{FF2B5EF4-FFF2-40B4-BE49-F238E27FC236}">
+                <a16:creationId xmlns:a16="http://schemas.microsoft.com/office/drawing/2014/main" id="{9896BAC5-D189-154C-A142-CC61EC9A84C7}"/>
+              </a:ext>
+            </a:extLst>
+          </p:cNvPr>
+          <p:cNvSpPr txBox="1"/>
+          <p:nvPr/>
+        </p:nvSpPr>
+        <p:spPr>
+          <a:xfrm>
+            <a:off x="3765015" y="843016"/>
+            <a:ext cx="309700" cy="215444"/>
+          </a:xfrm>
+          <a:prstGeom prst="rect">
+            <a:avLst/>
+          </a:prstGeom>
+          <a:noFill/>
+        </p:spPr>
+        <p:txBody>
+          <a:bodyPr wrap="none" rtlCol="0">
+            <a:spAutoFit/>
+          </a:bodyPr>
+          <a:lstStyle/>
+          <a:p>
+            <a:r>
+              <a:rPr lang="en-US" sz="800" dirty="0"/>
+              <a:t>+st</a:t>
+            </a:r>
+            <a:endParaRPr lang="ru-RU" sz="800" dirty="0"/>
+          </a:p>
+        </p:txBody>
+      </p:sp>
+      <p:sp>
+        <p:nvSpPr>
+          <p:cNvPr id="43" name="TextBox 42">
+            <a:extLst>
+              <a:ext uri="{FF2B5EF4-FFF2-40B4-BE49-F238E27FC236}">
+                <a16:creationId xmlns:a16="http://schemas.microsoft.com/office/drawing/2014/main" id="{2FE7F4DA-617C-0D4B-A39C-A6D4AF7CA0D9}"/>
+              </a:ext>
+            </a:extLst>
+          </p:cNvPr>
+          <p:cNvSpPr txBox="1"/>
+          <p:nvPr/>
+        </p:nvSpPr>
+        <p:spPr>
+          <a:xfrm>
+            <a:off x="4040091" y="847405"/>
+            <a:ext cx="344966" cy="215444"/>
+          </a:xfrm>
+          <a:prstGeom prst="rect">
+            <a:avLst/>
+          </a:prstGeom>
+          <a:noFill/>
+        </p:spPr>
+        <p:txBody>
+          <a:bodyPr wrap="none" rtlCol="0">
+            <a:spAutoFit/>
+          </a:bodyPr>
+          <a:lstStyle/>
+          <a:p>
+            <a:r>
+              <a:rPr lang="en-US" sz="800" dirty="0"/>
+              <a:t>+dp</a:t>
+            </a:r>
+            <a:endParaRPr lang="ru-RU" sz="800" dirty="0"/>
+          </a:p>
+        </p:txBody>
+      </p:sp>
+      <p:sp>
+        <p:nvSpPr>
+          <p:cNvPr id="44" name="TextBox 43">
+            <a:extLst>
+              <a:ext uri="{FF2B5EF4-FFF2-40B4-BE49-F238E27FC236}">
+                <a16:creationId xmlns:a16="http://schemas.microsoft.com/office/drawing/2014/main" id="{3D468A58-DE1D-F346-A289-044DE1A41785}"/>
+              </a:ext>
+            </a:extLst>
+          </p:cNvPr>
+          <p:cNvSpPr txBox="1"/>
+          <p:nvPr/>
+        </p:nvSpPr>
+        <p:spPr>
+          <a:xfrm>
+            <a:off x="5186355" y="871472"/>
+            <a:ext cx="386644" cy="215444"/>
+          </a:xfrm>
+          <a:prstGeom prst="rect">
+            <a:avLst/>
+          </a:prstGeom>
+          <a:noFill/>
+        </p:spPr>
+        <p:txBody>
+          <a:bodyPr wrap="none" rtlCol="0">
+            <a:spAutoFit/>
+          </a:bodyPr>
+          <a:lstStyle/>
+          <a:p>
+            <a:r>
+              <a:rPr lang="en-US" sz="800" dirty="0"/>
+              <a:t>PLSA</a:t>
+            </a:r>
+            <a:endParaRPr lang="ru-RU" sz="800" dirty="0"/>
+          </a:p>
+        </p:txBody>
+      </p:sp>
+      <p:sp>
+        <p:nvSpPr>
+          <p:cNvPr id="45" name="TextBox 44">
+            <a:extLst>
+              <a:ext uri="{FF2B5EF4-FFF2-40B4-BE49-F238E27FC236}">
+                <a16:creationId xmlns:a16="http://schemas.microsoft.com/office/drawing/2014/main" id="{0B1036D6-036E-1443-9CF8-D9821262437B}"/>
+              </a:ext>
+            </a:extLst>
+          </p:cNvPr>
+          <p:cNvSpPr txBox="1"/>
+          <p:nvPr/>
+        </p:nvSpPr>
+        <p:spPr>
+          <a:xfrm>
+            <a:off x="5878226" y="872075"/>
+            <a:ext cx="330540" cy="215444"/>
+          </a:xfrm>
+          <a:prstGeom prst="rect">
+            <a:avLst/>
+          </a:prstGeom>
+          <a:noFill/>
+        </p:spPr>
+        <p:txBody>
+          <a:bodyPr wrap="none" rtlCol="0">
+            <a:spAutoFit/>
+          </a:bodyPr>
+          <a:lstStyle/>
+          <a:p>
+            <a:r>
+              <a:rPr lang="en-US" sz="800" dirty="0"/>
+              <a:t>+sp</a:t>
+            </a:r>
+            <a:endParaRPr lang="ru-RU" sz="800" dirty="0"/>
+          </a:p>
+        </p:txBody>
+      </p:sp>
+      <p:sp>
+        <p:nvSpPr>
+          <p:cNvPr id="46" name="TextBox 45">
+            <a:extLst>
+              <a:ext uri="{FF2B5EF4-FFF2-40B4-BE49-F238E27FC236}">
+                <a16:creationId xmlns:a16="http://schemas.microsoft.com/office/drawing/2014/main" id="{B3F2A9A8-4B0E-854C-AC21-4608CD861F27}"/>
+              </a:ext>
+            </a:extLst>
+          </p:cNvPr>
+          <p:cNvSpPr txBox="1"/>
+          <p:nvPr/>
+        </p:nvSpPr>
+        <p:spPr>
+          <a:xfrm>
+            <a:off x="6163868" y="872002"/>
+            <a:ext cx="309700" cy="215444"/>
+          </a:xfrm>
+          <a:prstGeom prst="rect">
+            <a:avLst/>
+          </a:prstGeom>
+          <a:noFill/>
+        </p:spPr>
+        <p:txBody>
+          <a:bodyPr wrap="none" rtlCol="0">
+            <a:spAutoFit/>
+          </a:bodyPr>
+          <a:lstStyle/>
+          <a:p>
+            <a:r>
+              <a:rPr lang="en-US" sz="800" dirty="0"/>
+              <a:t>+st</a:t>
+            </a:r>
+            <a:endParaRPr lang="ru-RU" sz="800" dirty="0"/>
+          </a:p>
+        </p:txBody>
+      </p:sp>
+      <p:sp>
+        <p:nvSpPr>
+          <p:cNvPr id="47" name="TextBox 46">
+            <a:extLst>
+              <a:ext uri="{FF2B5EF4-FFF2-40B4-BE49-F238E27FC236}">
+                <a16:creationId xmlns:a16="http://schemas.microsoft.com/office/drawing/2014/main" id="{8446EA37-CEC0-EC43-B6E4-5E92AE537B87}"/>
+              </a:ext>
+            </a:extLst>
+          </p:cNvPr>
+          <p:cNvSpPr txBox="1"/>
+          <p:nvPr/>
+        </p:nvSpPr>
+        <p:spPr>
+          <a:xfrm>
+            <a:off x="6438944" y="876391"/>
+            <a:ext cx="344966" cy="215444"/>
+          </a:xfrm>
+          <a:prstGeom prst="rect">
+            <a:avLst/>
+          </a:prstGeom>
+          <a:noFill/>
+        </p:spPr>
+        <p:txBody>
+          <a:bodyPr wrap="none" rtlCol="0">
+            <a:spAutoFit/>
+          </a:bodyPr>
+          <a:lstStyle/>
+          <a:p>
+            <a:r>
+              <a:rPr lang="en-US" sz="800" dirty="0"/>
+              <a:t>+dp</a:t>
+            </a:r>
+            <a:endParaRPr lang="ru-RU" sz="800" dirty="0"/>
+          </a:p>
+        </p:txBody>
+      </p:sp>
+      <p:sp>
+        <p:nvSpPr>
+          <p:cNvPr id="48" name="TextBox 47">
+            <a:extLst>
+              <a:ext uri="{FF2B5EF4-FFF2-40B4-BE49-F238E27FC236}">
+                <a16:creationId xmlns:a16="http://schemas.microsoft.com/office/drawing/2014/main" id="{97BE9F3E-B42A-AB48-87A2-E9A69B2318DC}"/>
+              </a:ext>
+            </a:extLst>
+          </p:cNvPr>
+          <p:cNvSpPr txBox="1"/>
+          <p:nvPr/>
+        </p:nvSpPr>
+        <p:spPr>
+          <a:xfrm>
+            <a:off x="7513165" y="864926"/>
+            <a:ext cx="386644" cy="215444"/>
+          </a:xfrm>
+          <a:prstGeom prst="rect">
+            <a:avLst/>
+          </a:prstGeom>
+          <a:noFill/>
+        </p:spPr>
+        <p:txBody>
+          <a:bodyPr wrap="none" rtlCol="0">
+            <a:spAutoFit/>
+          </a:bodyPr>
+          <a:lstStyle/>
+          <a:p>
+            <a:r>
+              <a:rPr lang="en-US" sz="800" dirty="0"/>
+              <a:t>PLSA</a:t>
+            </a:r>
+            <a:endParaRPr lang="ru-RU" sz="800" dirty="0"/>
+          </a:p>
+        </p:txBody>
+      </p:sp>
+      <p:sp>
+        <p:nvSpPr>
+          <p:cNvPr id="49" name="TextBox 48">
+            <a:extLst>
+              <a:ext uri="{FF2B5EF4-FFF2-40B4-BE49-F238E27FC236}">
+                <a16:creationId xmlns:a16="http://schemas.microsoft.com/office/drawing/2014/main" id="{21967430-BF50-3B44-9CBD-FD78FF692EA1}"/>
+              </a:ext>
+            </a:extLst>
+          </p:cNvPr>
+          <p:cNvSpPr txBox="1"/>
+          <p:nvPr/>
+        </p:nvSpPr>
+        <p:spPr>
+          <a:xfrm>
+            <a:off x="8205036" y="865529"/>
+            <a:ext cx="330540" cy="215444"/>
+          </a:xfrm>
+          <a:prstGeom prst="rect">
+            <a:avLst/>
+          </a:prstGeom>
+          <a:noFill/>
+        </p:spPr>
+        <p:txBody>
+          <a:bodyPr wrap="none" rtlCol="0">
+            <a:spAutoFit/>
+          </a:bodyPr>
+          <a:lstStyle/>
+          <a:p>
+            <a:r>
+              <a:rPr lang="en-US" sz="800" dirty="0"/>
+              <a:t>+sp</a:t>
+            </a:r>
+            <a:endParaRPr lang="ru-RU" sz="800" dirty="0"/>
+          </a:p>
+        </p:txBody>
+      </p:sp>
+      <p:sp>
+        <p:nvSpPr>
+          <p:cNvPr id="50" name="TextBox 49">
+            <a:extLst>
+              <a:ext uri="{FF2B5EF4-FFF2-40B4-BE49-F238E27FC236}">
+                <a16:creationId xmlns:a16="http://schemas.microsoft.com/office/drawing/2014/main" id="{38AF2F91-50D7-AC4C-9CFC-70367024B441}"/>
+              </a:ext>
+            </a:extLst>
+          </p:cNvPr>
+          <p:cNvSpPr txBox="1"/>
+          <p:nvPr/>
+        </p:nvSpPr>
+        <p:spPr>
+          <a:xfrm>
+            <a:off x="8490678" y="865456"/>
+            <a:ext cx="309700" cy="215444"/>
+          </a:xfrm>
+          <a:prstGeom prst="rect">
+            <a:avLst/>
+          </a:prstGeom>
+          <a:noFill/>
+        </p:spPr>
+        <p:txBody>
+          <a:bodyPr wrap="none" rtlCol="0">
+            <a:spAutoFit/>
+          </a:bodyPr>
+          <a:lstStyle/>
+          <a:p>
+            <a:r>
+              <a:rPr lang="en-US" sz="800" dirty="0"/>
+              <a:t>+st</a:t>
+            </a:r>
+            <a:endParaRPr lang="ru-RU" sz="800" dirty="0"/>
+          </a:p>
+        </p:txBody>
+      </p:sp>
+      <p:sp>
+        <p:nvSpPr>
+          <p:cNvPr id="51" name="TextBox 50">
+            <a:extLst>
+              <a:ext uri="{FF2B5EF4-FFF2-40B4-BE49-F238E27FC236}">
+                <a16:creationId xmlns:a16="http://schemas.microsoft.com/office/drawing/2014/main" id="{360C30BC-FE20-384B-A40B-E4DC01BDA84C}"/>
+              </a:ext>
+            </a:extLst>
+          </p:cNvPr>
+          <p:cNvSpPr txBox="1"/>
+          <p:nvPr/>
+        </p:nvSpPr>
+        <p:spPr>
+          <a:xfrm>
+            <a:off x="8765754" y="869845"/>
+            <a:ext cx="344966" cy="215444"/>
+          </a:xfrm>
+          <a:prstGeom prst="rect">
+            <a:avLst/>
+          </a:prstGeom>
+          <a:noFill/>
+        </p:spPr>
+        <p:txBody>
+          <a:bodyPr wrap="none" rtlCol="0">
+            <a:spAutoFit/>
+          </a:bodyPr>
+          <a:lstStyle/>
+          <a:p>
+            <a:r>
+              <a:rPr lang="en-US" sz="800" dirty="0"/>
+              <a:t>+dp</a:t>
+            </a:r>
+            <a:endParaRPr lang="ru-RU" sz="800" dirty="0"/>
           </a:p>
         </p:txBody>
       </p:sp>
@@ -6973,31 +8797,7 @@
               <a:rPr lang="ru-RU" sz="2400" dirty="0">
                 <a:latin typeface="+mj-lt"/>
               </a:rPr>
-              <a:t>Футбол: футбольный футболист зенит </a:t>
-            </a:r>
-            <a:r>
-              <a:rPr lang="ru-RU" sz="2400" dirty="0" err="1">
-                <a:latin typeface="+mj-lt"/>
-              </a:rPr>
-              <a:t>спартак</a:t>
-            </a:r>
-            <a:r>
-              <a:rPr lang="ru-RU" sz="2400" dirty="0">
-                <a:latin typeface="+mj-lt"/>
-              </a:rPr>
-              <a:t> динамо </a:t>
-            </a:r>
-            <a:r>
-              <a:rPr lang="ru-RU" sz="2400" dirty="0" err="1">
-                <a:latin typeface="+mj-lt"/>
-              </a:rPr>
-              <a:t>цска</a:t>
-            </a:r>
-            <a:r>
-              <a:rPr lang="ru-RU" sz="2400" dirty="0">
-                <a:latin typeface="+mj-lt"/>
-              </a:rPr>
-              <a:t> поле локомотив болельщик забивать</a:t>
+              <a:t>Футбол: футбольный футболист зенит спартак динамо цска поле локомотив болельщик забивать</a:t>
             </a:r>
           </a:p>
           <a:p>

--- a/presentation/presentation.pptx
+++ b/presentation/presentation.pptx
@@ -8846,19 +8846,7 @@
               <a:rPr lang="ru-RU" sz="2400" dirty="0">
                 <a:latin typeface="+mj-lt"/>
               </a:rPr>
-              <a:t>подробно памятник письмо наследие охрана спецслужба справка реставрация </a:t>
-            </a:r>
-            <a:r>
-              <a:rPr lang="ru-RU" sz="2400" dirty="0" err="1">
-                <a:latin typeface="+mj-lt"/>
-              </a:rPr>
-              <a:t>сноудена</a:t>
-            </a:r>
-            <a:r>
-              <a:rPr lang="ru-RU" sz="2400" dirty="0">
-                <a:latin typeface="+mj-lt"/>
-              </a:rPr>
-              <a:t> запрос</a:t>
+              <a:t>подробно памятник письмо наследие охрана спецслужба справка реставрация сноудена запрос</a:t>
             </a:r>
           </a:p>
         </p:txBody>
@@ -8961,6 +8949,105 @@
                 <a:latin typeface="+mj-lt"/>
               </a:rPr>
               <a:t>14/15</a:t>
+            </a:r>
+          </a:p>
+        </p:txBody>
+      </p:sp>
+      <p:sp>
+        <p:nvSpPr>
+          <p:cNvPr id="4" name="TextBox 3">
+            <a:extLst>
+              <a:ext uri="{FF2B5EF4-FFF2-40B4-BE49-F238E27FC236}">
+                <a16:creationId xmlns:a16="http://schemas.microsoft.com/office/drawing/2014/main" id="{4915648D-D020-2943-80EF-FAD049E09699}"/>
+              </a:ext>
+            </a:extLst>
+          </p:cNvPr>
+          <p:cNvSpPr txBox="1"/>
+          <p:nvPr/>
+        </p:nvSpPr>
+        <p:spPr>
+          <a:xfrm>
+            <a:off x="640102" y="868101"/>
+            <a:ext cx="10833903" cy="3693319"/>
+          </a:xfrm>
+          <a:prstGeom prst="rect">
+            <a:avLst/>
+          </a:prstGeom>
+          <a:noFill/>
+        </p:spPr>
+        <p:txBody>
+          <a:bodyPr wrap="square" rtlCol="0">
+            <a:spAutoFit/>
+          </a:bodyPr>
+          <a:lstStyle/>
+          <a:p>
+            <a:pPr marL="285750" indent="-285750">
+              <a:buFont typeface="Arial" panose="020B0604020202020204" pitchFamily="34" charset="0"/>
+              <a:buChar char="•"/>
+            </a:pPr>
+            <a:r>
+              <a:rPr lang="ru-RU" dirty="0"/>
+              <a:t>При скачивании данных из сети интернет рекомендуется сохранять их в базу данных, если есть такая возможность.</a:t>
+            </a:r>
+          </a:p>
+          <a:p>
+            <a:pPr marL="285750" indent="-285750">
+              <a:buFont typeface="Arial" panose="020B0604020202020204" pitchFamily="34" charset="0"/>
+              <a:buChar char="•"/>
+            </a:pPr>
+            <a:r>
+              <a:rPr lang="ru-RU" dirty="0"/>
+              <a:t>Процесс обработки данных крайне желательно выстраивать в несколько потоков при этом необходимо решить проблему с заблокированной базой при одновременном обращении.</a:t>
+            </a:r>
+          </a:p>
+          <a:p>
+            <a:pPr marL="285750" indent="-285750">
+              <a:buFont typeface="Arial" panose="020B0604020202020204" pitchFamily="34" charset="0"/>
+              <a:buChar char="•"/>
+            </a:pPr>
+            <a:r>
+              <a:rPr lang="ru-RU" dirty="0"/>
+              <a:t>Все процедуры по получению и обработке данных следует организовать в виде независимых сервисов, которые можно останавливать и снова запускать в произвольном порядке без ущерба для данных.</a:t>
+            </a:r>
+          </a:p>
+          <a:p>
+            <a:pPr marL="285750" indent="-285750">
+              <a:buFont typeface="Arial" panose="020B0604020202020204" pitchFamily="34" charset="0"/>
+              <a:buChar char="•"/>
+            </a:pPr>
+            <a:r>
+              <a:rPr lang="ru-RU" dirty="0"/>
+              <a:t>Массивы данных, взятые из интернета не так сложно получить самостоятельно. Часто это лучший путь. Данные будут чище и, возможно, будет возможность использовать что-то, чего нет у других.</a:t>
+            </a:r>
+          </a:p>
+          <a:p>
+            <a:pPr marL="285750" indent="-285750">
+              <a:buFont typeface="Arial" panose="020B0604020202020204" pitchFamily="34" charset="0"/>
+              <a:buChar char="•"/>
+            </a:pPr>
+            <a:r>
+              <a:rPr lang="ru-RU" dirty="0"/>
+              <a:t>Стоит отделить процедуру подготовки коллекции для обучения и процедуру предварительной подготовки каждого документа по отдельности.</a:t>
+            </a:r>
+          </a:p>
+          <a:p>
+            <a:pPr marL="285750" indent="-285750">
+              <a:buFont typeface="Arial" panose="020B0604020202020204" pitchFamily="34" charset="0"/>
+              <a:buChar char="•"/>
+            </a:pPr>
+            <a:r>
+              <a:rPr lang="ru-RU" dirty="0"/>
+              <a:t>Следует хранить дату обработки текста, что бы при изменении в процедуре обработки можно было перезапустить процедуру на старых записях, а не на всей базе данных.</a:t>
+            </a:r>
+          </a:p>
+          <a:p>
+            <a:pPr marL="285750" indent="-285750">
+              <a:buFont typeface="Arial" panose="020B0604020202020204" pitchFamily="34" charset="0"/>
+              <a:buChar char="•"/>
+            </a:pPr>
+            <a:r>
+              <a:rPr lang="ru-RU" dirty="0"/>
+              <a:t>…</a:t>
             </a:r>
           </a:p>
         </p:txBody>
@@ -11600,6 +11687,368 @@
                 <a:latin typeface="+mj-lt"/>
               </a:rPr>
               <a:t>5</a:t>
+            </a:r>
+          </a:p>
+        </p:txBody>
+      </p:sp>
+      <p:sp>
+        <p:nvSpPr>
+          <p:cNvPr id="4" name="TextBox 3">
+            <a:extLst>
+              <a:ext uri="{FF2B5EF4-FFF2-40B4-BE49-F238E27FC236}">
+                <a16:creationId xmlns:a16="http://schemas.microsoft.com/office/drawing/2014/main" id="{86D2FA94-72B3-6C4B-BBB4-7D8D7A4AD407}"/>
+              </a:ext>
+            </a:extLst>
+          </p:cNvPr>
+          <p:cNvSpPr txBox="1"/>
+          <p:nvPr/>
+        </p:nvSpPr>
+        <p:spPr>
+          <a:xfrm>
+            <a:off x="381000" y="921509"/>
+            <a:ext cx="11344154" cy="1200329"/>
+          </a:xfrm>
+          <a:prstGeom prst="rect">
+            <a:avLst/>
+          </a:prstGeom>
+          <a:noFill/>
+        </p:spPr>
+        <p:txBody>
+          <a:bodyPr wrap="square" rtlCol="0">
+            <a:spAutoFit/>
+          </a:bodyPr>
+          <a:lstStyle/>
+          <a:p>
+            <a:r>
+              <a:rPr lang="ru-RU" dirty="0"/>
+              <a:t>Регуляризатор – ограничение зависящее от параметров модели.</a:t>
+            </a:r>
+          </a:p>
+          <a:p>
+            <a:endParaRPr lang="ru-RU" dirty="0"/>
+          </a:p>
+          <a:p>
+            <a:r>
+              <a:rPr lang="ru-RU" dirty="0"/>
+              <a:t>В данной работе были рассмотрены три регуляризатора. Ниже приводятся их формальные описания и интерпретации.</a:t>
+            </a:r>
+          </a:p>
+        </p:txBody>
+      </p:sp>
+      <p:sp>
+        <p:nvSpPr>
+          <p:cNvPr id="5" name="TextBox 4">
+            <a:extLst>
+              <a:ext uri="{FF2B5EF4-FFF2-40B4-BE49-F238E27FC236}">
+                <a16:creationId xmlns:a16="http://schemas.microsoft.com/office/drawing/2014/main" id="{B7F0C1DA-90C1-784F-B527-7E6832E3199B}"/>
+              </a:ext>
+            </a:extLst>
+          </p:cNvPr>
+          <p:cNvSpPr txBox="1"/>
+          <p:nvPr/>
+        </p:nvSpPr>
+        <p:spPr>
+          <a:xfrm>
+            <a:off x="381000" y="2521948"/>
+            <a:ext cx="7372083" cy="369332"/>
+          </a:xfrm>
+          <a:prstGeom prst="rect">
+            <a:avLst/>
+          </a:prstGeom>
+          <a:noFill/>
+        </p:spPr>
+        <p:txBody>
+          <a:bodyPr wrap="none" rtlCol="0">
+            <a:spAutoFit/>
+          </a:bodyPr>
+          <a:lstStyle/>
+          <a:p>
+            <a:r>
+              <a:rPr lang="ru-RU" dirty="0"/>
+              <a:t>Разреживающий или сглаживающий регуляризатор матрицы слово-тема</a:t>
+            </a:r>
+          </a:p>
+        </p:txBody>
+      </p:sp>
+      <p:sp>
+        <p:nvSpPr>
+          <p:cNvPr id="6" name="TextBox 5">
+            <a:extLst>
+              <a:ext uri="{FF2B5EF4-FFF2-40B4-BE49-F238E27FC236}">
+                <a16:creationId xmlns:a16="http://schemas.microsoft.com/office/drawing/2014/main" id="{318B675C-8D5F-CB43-B448-83F3F48D0624}"/>
+              </a:ext>
+            </a:extLst>
+          </p:cNvPr>
+          <p:cNvSpPr txBox="1"/>
+          <p:nvPr/>
+        </p:nvSpPr>
+        <p:spPr>
+          <a:xfrm>
+            <a:off x="381000" y="3834594"/>
+            <a:ext cx="7749557" cy="369332"/>
+          </a:xfrm>
+          <a:prstGeom prst="rect">
+            <a:avLst/>
+          </a:prstGeom>
+          <a:noFill/>
+        </p:spPr>
+        <p:txBody>
+          <a:bodyPr wrap="none" rtlCol="0">
+            <a:spAutoFit/>
+          </a:bodyPr>
+          <a:lstStyle/>
+          <a:p>
+            <a:r>
+              <a:rPr lang="ru-RU" dirty="0"/>
+              <a:t>Разреживающий или сглаживающий регуляризатор матрицы тема-документ</a:t>
+            </a:r>
+          </a:p>
+        </p:txBody>
+      </p:sp>
+      <p:sp>
+        <p:nvSpPr>
+          <p:cNvPr id="7" name="TextBox 6">
+            <a:extLst>
+              <a:ext uri="{FF2B5EF4-FFF2-40B4-BE49-F238E27FC236}">
+                <a16:creationId xmlns:a16="http://schemas.microsoft.com/office/drawing/2014/main" id="{5D119604-8809-754D-A11E-DDB9B9C0CD15}"/>
+              </a:ext>
+            </a:extLst>
+          </p:cNvPr>
+          <p:cNvSpPr txBox="1"/>
+          <p:nvPr/>
+        </p:nvSpPr>
+        <p:spPr>
+          <a:xfrm>
+            <a:off x="381000" y="5147240"/>
+            <a:ext cx="4071051" cy="369332"/>
+          </a:xfrm>
+          <a:prstGeom prst="rect">
+            <a:avLst/>
+          </a:prstGeom>
+          <a:noFill/>
+        </p:spPr>
+        <p:txBody>
+          <a:bodyPr wrap="none" rtlCol="0">
+            <a:spAutoFit/>
+          </a:bodyPr>
+          <a:lstStyle/>
+          <a:p>
+            <a:r>
+              <a:rPr lang="ru-RU" dirty="0"/>
+              <a:t>Регуляризатор декоррелирования тем</a:t>
+            </a:r>
+          </a:p>
+        </p:txBody>
+      </p:sp>
+      <p:pic>
+        <p:nvPicPr>
+          <p:cNvPr id="10" name="Рисунок 9">
+            <a:extLst>
+              <a:ext uri="{FF2B5EF4-FFF2-40B4-BE49-F238E27FC236}">
+                <a16:creationId xmlns:a16="http://schemas.microsoft.com/office/drawing/2014/main" id="{8D7BF66C-9CD1-5048-8D29-CD47C5E05F1B}"/>
+              </a:ext>
+            </a:extLst>
+          </p:cNvPr>
+          <p:cNvPicPr>
+            <a:picLocks noChangeAspect="1"/>
+          </p:cNvPicPr>
+          <p:nvPr/>
+        </p:nvPicPr>
+        <p:blipFill>
+          <a:blip r:embed="rId2"/>
+          <a:stretch>
+            <a:fillRect/>
+          </a:stretch>
+        </p:blipFill>
+        <p:spPr>
+          <a:xfrm>
+            <a:off x="1202079" y="2864204"/>
+            <a:ext cx="4000500" cy="812800"/>
+          </a:xfrm>
+          <a:prstGeom prst="rect">
+            <a:avLst/>
+          </a:prstGeom>
+        </p:spPr>
+      </p:pic>
+      <p:pic>
+        <p:nvPicPr>
+          <p:cNvPr id="12" name="Рисунок 11">
+            <a:extLst>
+              <a:ext uri="{FF2B5EF4-FFF2-40B4-BE49-F238E27FC236}">
+                <a16:creationId xmlns:a16="http://schemas.microsoft.com/office/drawing/2014/main" id="{578B9445-826F-5546-AE94-A5B150E3489E}"/>
+              </a:ext>
+            </a:extLst>
+          </p:cNvPr>
+          <p:cNvPicPr>
+            <a:picLocks noChangeAspect="1"/>
+          </p:cNvPicPr>
+          <p:nvPr/>
+        </p:nvPicPr>
+        <p:blipFill>
+          <a:blip r:embed="rId3"/>
+          <a:stretch>
+            <a:fillRect/>
+          </a:stretch>
+        </p:blipFill>
+        <p:spPr>
+          <a:xfrm>
+            <a:off x="1233118" y="4197636"/>
+            <a:ext cx="3924300" cy="812800"/>
+          </a:xfrm>
+          <a:prstGeom prst="rect">
+            <a:avLst/>
+          </a:prstGeom>
+        </p:spPr>
+      </p:pic>
+      <p:pic>
+        <p:nvPicPr>
+          <p:cNvPr id="14" name="Рисунок 13">
+            <a:extLst>
+              <a:ext uri="{FF2B5EF4-FFF2-40B4-BE49-F238E27FC236}">
+                <a16:creationId xmlns:a16="http://schemas.microsoft.com/office/drawing/2014/main" id="{542D729D-351B-3941-AFBB-36B33AA530FF}"/>
+              </a:ext>
+            </a:extLst>
+          </p:cNvPr>
+          <p:cNvPicPr>
+            <a:picLocks noChangeAspect="1"/>
+          </p:cNvPicPr>
+          <p:nvPr/>
+        </p:nvPicPr>
+        <p:blipFill>
+          <a:blip r:embed="rId4"/>
+          <a:stretch>
+            <a:fillRect/>
+          </a:stretch>
+        </p:blipFill>
+        <p:spPr>
+          <a:xfrm>
+            <a:off x="1233118" y="5653376"/>
+            <a:ext cx="5029200" cy="876300"/>
+          </a:xfrm>
+          <a:prstGeom prst="rect">
+            <a:avLst/>
+          </a:prstGeom>
+        </p:spPr>
+      </p:pic>
+      <p:sp>
+        <p:nvSpPr>
+          <p:cNvPr id="15" name="TextBox 14">
+            <a:extLst>
+              <a:ext uri="{FF2B5EF4-FFF2-40B4-BE49-F238E27FC236}">
+                <a16:creationId xmlns:a16="http://schemas.microsoft.com/office/drawing/2014/main" id="{8C6C57F8-1053-4A4C-86B8-F15070ED0338}"/>
+              </a:ext>
+            </a:extLst>
+          </p:cNvPr>
+          <p:cNvSpPr txBox="1"/>
+          <p:nvPr/>
+        </p:nvSpPr>
+        <p:spPr>
+          <a:xfrm>
+            <a:off x="7256055" y="2947438"/>
+            <a:ext cx="4217950" cy="646331"/>
+          </a:xfrm>
+          <a:prstGeom prst="rect">
+            <a:avLst/>
+          </a:prstGeom>
+          <a:noFill/>
+        </p:spPr>
+        <p:txBody>
+          <a:bodyPr wrap="none" rtlCol="0">
+            <a:spAutoFit/>
+          </a:bodyPr>
+          <a:lstStyle/>
+          <a:p>
+            <a:r>
+              <a:rPr lang="ru-RU" dirty="0"/>
+              <a:t>Влияет на количество нулевых значений </a:t>
+            </a:r>
+          </a:p>
+          <a:p>
+            <a:r>
+              <a:rPr lang="ru-RU" dirty="0"/>
+              <a:t>в матрице слово-тема.</a:t>
+            </a:r>
+          </a:p>
+        </p:txBody>
+      </p:sp>
+      <p:sp>
+        <p:nvSpPr>
+          <p:cNvPr id="18" name="TextBox 17">
+            <a:extLst>
+              <a:ext uri="{FF2B5EF4-FFF2-40B4-BE49-F238E27FC236}">
+                <a16:creationId xmlns:a16="http://schemas.microsoft.com/office/drawing/2014/main" id="{E807E433-A617-4740-99FE-5F946682446D}"/>
+              </a:ext>
+            </a:extLst>
+          </p:cNvPr>
+          <p:cNvSpPr txBox="1"/>
+          <p:nvPr/>
+        </p:nvSpPr>
+        <p:spPr>
+          <a:xfrm>
+            <a:off x="7256055" y="4285177"/>
+            <a:ext cx="4217950" cy="646331"/>
+          </a:xfrm>
+          <a:prstGeom prst="rect">
+            <a:avLst/>
+          </a:prstGeom>
+          <a:noFill/>
+        </p:spPr>
+        <p:txBody>
+          <a:bodyPr wrap="none" rtlCol="0">
+            <a:spAutoFit/>
+          </a:bodyPr>
+          <a:lstStyle/>
+          <a:p>
+            <a:r>
+              <a:rPr lang="ru-RU" dirty="0"/>
+              <a:t>Влияет на количество нулевых значений </a:t>
+            </a:r>
+          </a:p>
+          <a:p>
+            <a:r>
+              <a:rPr lang="ru-RU" dirty="0"/>
+              <a:t>в матрице тема-документ.</a:t>
+            </a:r>
+          </a:p>
+        </p:txBody>
+      </p:sp>
+      <p:sp>
+        <p:nvSpPr>
+          <p:cNvPr id="19" name="TextBox 18">
+            <a:extLst>
+              <a:ext uri="{FF2B5EF4-FFF2-40B4-BE49-F238E27FC236}">
+                <a16:creationId xmlns:a16="http://schemas.microsoft.com/office/drawing/2014/main" id="{6844F10B-3FBA-044C-951A-5C2123DCCA4D}"/>
+              </a:ext>
+            </a:extLst>
+          </p:cNvPr>
+          <p:cNvSpPr txBox="1"/>
+          <p:nvPr/>
+        </p:nvSpPr>
+        <p:spPr>
+          <a:xfrm>
+            <a:off x="7256055" y="5684630"/>
+            <a:ext cx="4308808" cy="646331"/>
+          </a:xfrm>
+          <a:prstGeom prst="rect">
+            <a:avLst/>
+          </a:prstGeom>
+          <a:noFill/>
+        </p:spPr>
+        <p:txBody>
+          <a:bodyPr wrap="none" rtlCol="0">
+            <a:spAutoFit/>
+          </a:bodyPr>
+          <a:lstStyle/>
+          <a:p>
+            <a:r>
+              <a:rPr lang="ru-RU" dirty="0"/>
+              <a:t>Влияет на попарную корреляцию тем как </a:t>
+            </a:r>
+          </a:p>
+          <a:p>
+            <a:r>
+              <a:rPr lang="ru-RU" dirty="0"/>
+              <a:t>столбцов матрицы слово-тема.</a:t>
             </a:r>
           </a:p>
         </p:txBody>

--- a/presentation/presentation.pptx
+++ b/presentation/presentation.pptx
@@ -8967,8 +8967,8 @@
         </p:nvSpPr>
         <p:spPr>
           <a:xfrm>
-            <a:off x="640102" y="868101"/>
-            <a:ext cx="10833903" cy="3693319"/>
+            <a:off x="335666" y="758168"/>
+            <a:ext cx="11138339" cy="5509200"/>
           </a:xfrm>
           <a:prstGeom prst="rect">
             <a:avLst/>
@@ -8986,7 +8986,7 @@
               <a:buChar char="•"/>
             </a:pPr>
             <a:r>
-              <a:rPr lang="ru-RU" dirty="0"/>
+              <a:rPr lang="ru-RU" sz="1600" dirty="0"/>
               <a:t>При скачивании данных из сети интернет рекомендуется сохранять их в базу данных, если есть такая возможность.</a:t>
             </a:r>
           </a:p>
@@ -8996,7 +8996,7 @@
               <a:buChar char="•"/>
             </a:pPr>
             <a:r>
-              <a:rPr lang="ru-RU" dirty="0"/>
+              <a:rPr lang="ru-RU" sz="1600" dirty="0"/>
               <a:t>Процесс обработки данных крайне желательно выстраивать в несколько потоков при этом необходимо решить проблему с заблокированной базой при одновременном обращении.</a:t>
             </a:r>
           </a:p>
@@ -9006,7 +9006,7 @@
               <a:buChar char="•"/>
             </a:pPr>
             <a:r>
-              <a:rPr lang="ru-RU" dirty="0"/>
+              <a:rPr lang="ru-RU" sz="1600" dirty="0"/>
               <a:t>Все процедуры по получению и обработке данных следует организовать в виде независимых сервисов, которые можно останавливать и снова запускать в произвольном порядке без ущерба для данных.</a:t>
             </a:r>
           </a:p>
@@ -9016,7 +9016,7 @@
               <a:buChar char="•"/>
             </a:pPr>
             <a:r>
-              <a:rPr lang="ru-RU" dirty="0"/>
+              <a:rPr lang="ru-RU" sz="1600" dirty="0"/>
               <a:t>Массивы данных, взятые из интернета не так сложно получить самостоятельно. Часто это лучший путь. Данные будут чище и, возможно, будет возможность использовать что-то, чего нет у других.</a:t>
             </a:r>
           </a:p>
@@ -9026,7 +9026,7 @@
               <a:buChar char="•"/>
             </a:pPr>
             <a:r>
-              <a:rPr lang="ru-RU" dirty="0"/>
+              <a:rPr lang="ru-RU" sz="1600" dirty="0"/>
               <a:t>Стоит отделить процедуру подготовки коллекции для обучения и процедуру предварительной подготовки каждого документа по отдельности.</a:t>
             </a:r>
           </a:p>
@@ -9036,8 +9036,8 @@
               <a:buChar char="•"/>
             </a:pPr>
             <a:r>
-              <a:rPr lang="ru-RU" dirty="0"/>
-              <a:t>Следует хранить дату обработки текста, что бы при изменении в процедуре обработки можно было перезапустить процедуру на старых записях, а не на всей базе данных.</a:t>
+              <a:rPr lang="ru-RU" sz="1600" dirty="0"/>
+              <a:t>Следует хранить дату обработки текста, что бы при изменении в процедуре обработки можно было перезапустить процесс на старых записях, а не на всей базе данных.</a:t>
             </a:r>
           </a:p>
           <a:p>
@@ -9046,8 +9046,74 @@
               <a:buChar char="•"/>
             </a:pPr>
             <a:r>
-              <a:rPr lang="ru-RU" dirty="0"/>
-              <a:t>…</a:t>
+              <a:rPr lang="ru-RU" sz="1600" dirty="0"/>
+              <a:t>Необходимо максимально аккуратно обрезать словарь. Вместе </a:t>
+            </a:r>
+            <a:r>
+              <a:rPr lang="ru-RU" sz="1600"/>
+              <a:t>с часто используемыми </a:t>
+            </a:r>
+            <a:r>
+              <a:rPr lang="ru-RU" sz="1600" dirty="0"/>
+              <a:t>словами легко отфильтровать ценные для модели данные.</a:t>
+            </a:r>
+          </a:p>
+          <a:p>
+            <a:pPr marL="285750" indent="-285750">
+              <a:buFont typeface="Arial" panose="020B0604020202020204" pitchFamily="34" charset="0"/>
+              <a:buChar char="•"/>
+            </a:pPr>
+            <a:r>
+              <a:rPr lang="ru-RU" sz="1600" dirty="0"/>
+              <a:t>При обучении модели </a:t>
+            </a:r>
+            <a:r>
+              <a:rPr lang="en-US" sz="1600" dirty="0"/>
+              <a:t>ARTM </a:t>
+            </a:r>
+            <a:r>
+              <a:rPr lang="ru-RU" sz="1600" dirty="0"/>
+              <a:t>следует сначала пройти по коллекции до того как сойдется (перестанет изменяться) перплексия, и только после этого начать добавлять регуляризаторы.</a:t>
+            </a:r>
+          </a:p>
+          <a:p>
+            <a:pPr marL="285750" indent="-285750">
+              <a:buFont typeface="Arial" panose="020B0604020202020204" pitchFamily="34" charset="0"/>
+              <a:buChar char="•"/>
+            </a:pPr>
+            <a:r>
+              <a:rPr lang="ru-RU" sz="1600" dirty="0"/>
+              <a:t>Регуляризаторы стоит добавлять по одному. После чего продолжать обучение пока модель не сойдется.</a:t>
+            </a:r>
+          </a:p>
+          <a:p>
+            <a:pPr marL="285750" indent="-285750">
+              <a:buFont typeface="Arial" panose="020B0604020202020204" pitchFamily="34" charset="0"/>
+              <a:buChar char="•"/>
+            </a:pPr>
+            <a:r>
+              <a:rPr lang="ru-RU" sz="1600" dirty="0"/>
+              <a:t>Коэффициенты при регуляризаторах стоит сначала выбирать небольшими по модулю, постепенно увеличивая их значение.</a:t>
+            </a:r>
+          </a:p>
+          <a:p>
+            <a:pPr marL="285750" indent="-285750">
+              <a:buFont typeface="Arial" panose="020B0604020202020204" pitchFamily="34" charset="0"/>
+              <a:buChar char="•"/>
+            </a:pPr>
+            <a:r>
+              <a:rPr lang="ru-RU" sz="1600" dirty="0"/>
+              <a:t>Количество тем в рассмотренном примере задавалось исследователем, но стоит попробовать указывать избыточное количество тем и уменьшать их еще одним не рассмотренным в данной работе регуляризатором.</a:t>
+            </a:r>
+          </a:p>
+          <a:p>
+            <a:pPr marL="285750" indent="-285750">
+              <a:buFont typeface="Arial" panose="020B0604020202020204" pitchFamily="34" charset="0"/>
+              <a:buChar char="•"/>
+            </a:pPr>
+            <a:r>
+              <a:rPr lang="ru-RU" sz="1600" dirty="0"/>
+              <a:t>Если у темы слишком большой размер по сравнению с другими темами – необходимо проверить ее на фоновые слова, характерные для любой темы.</a:t>
             </a:r>
           </a:p>
         </p:txBody>

--- a/presentation/presentation.pptx
+++ b/presentation/presentation.pptx
@@ -4418,8 +4418,8 @@
           </a:p>
         </p:txBody>
       </p:sp>
-      <mc:AlternateContent xmlns:mc="http://schemas.openxmlformats.org/markup-compatibility/2006">
-        <mc:Choice xmlns:a14="http://schemas.microsoft.com/office/drawing/2010/main" Requires="a14">
+      <mc:AlternateContent xmlns:mc="http://schemas.openxmlformats.org/markup-compatibility/2006" xmlns:a14="http://schemas.microsoft.com/office/drawing/2010/main">
+        <mc:Choice Requires="a14">
           <p:sp>
             <p:nvSpPr>
               <p:cNvPr id="9" name="TextBox 8">
@@ -4477,7 +4477,7 @@
             </p:txBody>
           </p:sp>
         </mc:Choice>
-        <mc:Fallback>
+        <mc:Fallback xmlns="">
           <p:sp>
             <p:nvSpPr>
               <p:cNvPr id="9" name="TextBox 8">
@@ -4522,8 +4522,8 @@
           </p:sp>
         </mc:Fallback>
       </mc:AlternateContent>
-      <mc:AlternateContent xmlns:mc="http://schemas.openxmlformats.org/markup-compatibility/2006">
-        <mc:Choice xmlns:a14="http://schemas.microsoft.com/office/drawing/2010/main" Requires="a14">
+      <mc:AlternateContent xmlns:mc="http://schemas.openxmlformats.org/markup-compatibility/2006" xmlns:a14="http://schemas.microsoft.com/office/drawing/2010/main">
+        <mc:Choice Requires="a14">
           <p:sp>
             <p:nvSpPr>
               <p:cNvPr id="10" name="TextBox 9">
@@ -4581,7 +4581,7 @@
             </p:txBody>
           </p:sp>
         </mc:Choice>
-        <mc:Fallback>
+        <mc:Fallback xmlns="">
           <p:sp>
             <p:nvSpPr>
               <p:cNvPr id="10" name="TextBox 9">
@@ -7401,8 +7401,8 @@
           </a:p>
         </p:txBody>
       </p:sp>
-      <mc:AlternateContent xmlns:mc="http://schemas.openxmlformats.org/markup-compatibility/2006">
-        <mc:Choice xmlns:a14="http://schemas.microsoft.com/office/drawing/2010/main" Requires="a14">
+      <mc:AlternateContent xmlns:mc="http://schemas.openxmlformats.org/markup-compatibility/2006" xmlns:a14="http://schemas.microsoft.com/office/drawing/2010/main">
+        <mc:Choice Requires="a14">
           <p:sp>
             <p:nvSpPr>
               <p:cNvPr id="24" name="TextBox 23">
@@ -7454,7 +7454,7 @@
             </p:txBody>
           </p:sp>
         </mc:Choice>
-        <mc:Fallback>
+        <mc:Fallback xmlns="">
           <p:sp>
             <p:nvSpPr>
               <p:cNvPr id="24" name="TextBox 23">
@@ -7499,8 +7499,8 @@
           </p:sp>
         </mc:Fallback>
       </mc:AlternateContent>
-      <mc:AlternateContent xmlns:mc="http://schemas.openxmlformats.org/markup-compatibility/2006">
-        <mc:Choice xmlns:a14="http://schemas.microsoft.com/office/drawing/2010/main" Requires="a14">
+      <mc:AlternateContent xmlns:mc="http://schemas.openxmlformats.org/markup-compatibility/2006" xmlns:a14="http://schemas.microsoft.com/office/drawing/2010/main">
+        <mc:Choice Requires="a14">
           <p:sp>
             <p:nvSpPr>
               <p:cNvPr id="25" name="TextBox 24">
@@ -7552,7 +7552,7 @@
             </p:txBody>
           </p:sp>
         </mc:Choice>
-        <mc:Fallback>
+        <mc:Fallback xmlns="">
           <p:sp>
             <p:nvSpPr>
               <p:cNvPr id="25" name="TextBox 24">
@@ -9488,8 +9488,8 @@
         </p:nvSpPr>
         <p:spPr>
           <a:xfrm>
-            <a:off x="767406" y="1025783"/>
-            <a:ext cx="10573383" cy="5262979"/>
+            <a:off x="1635698" y="1536174"/>
+            <a:ext cx="8920603" cy="4154984"/>
           </a:xfrm>
           <a:prstGeom prst="rect">
             <a:avLst/>
@@ -9507,22 +9507,7 @@
                 <a:ea typeface="+mj-ea"/>
                 <a:cs typeface="+mj-cs"/>
               </a:rPr>
-              <a:t>При росте объема новостных потоков актуальна задача автоматизации выделения тем новости для последующей группировки и анализа.</a:t>
-            </a:r>
-            <a:br>
-              <a:rPr lang="ru-RU" sz="2400" dirty="0">
-                <a:latin typeface="+mj-lt"/>
-                <a:ea typeface="+mj-ea"/>
-                <a:cs typeface="+mj-cs"/>
-              </a:rPr>
-            </a:br>
-            <a:r>
-              <a:rPr lang="ru-RU" sz="2400" dirty="0">
-                <a:latin typeface="+mj-lt"/>
-                <a:ea typeface="+mj-ea"/>
-                <a:cs typeface="+mj-cs"/>
-              </a:rPr>
-              <a:t>Разработанный метод тематического моделирования новостей будет применяться для распределения новостного потока на различные нужные для пользователя темы. Это решение будет особенно актуально пользователям, интересующимся узкими темами, которые не распределяются журналистами на категории.</a:t>
+              <a:t>При росте объема новостных потоков актуальна задача автоматизации выделения тем новостей для последующей группировки и анализа.</a:t>
             </a:r>
           </a:p>
           <a:p>
@@ -9547,8 +9532,23 @@
                 <a:ea typeface="+mj-ea"/>
                 <a:cs typeface="+mj-cs"/>
               </a:rPr>
-              <a:t> это способ построения модели коллекции текстовых документов, которая определяет, к каким темам относится каждый из документов.</a:t>
-            </a:r>
+              <a:t> это способ построения модели коллекции текстовых документов, которая определяет, к каким темам относится каждый из </a:t>
+            </a:r>
+            <a:r>
+              <a:rPr lang="ru-RU" sz="2400">
+                <a:latin typeface="+mj-lt"/>
+                <a:ea typeface="+mj-ea"/>
+                <a:cs typeface="+mj-cs"/>
+              </a:rPr>
+              <a:t>документов.</a:t>
+            </a:r>
+          </a:p>
+          <a:p>
+            <a:endParaRPr lang="ru-RU" sz="2400" dirty="0">
+              <a:latin typeface="+mj-lt"/>
+              <a:ea typeface="+mj-ea"/>
+              <a:cs typeface="+mj-cs"/>
+            </a:endParaRPr>
           </a:p>
           <a:p>
             <a:r>
@@ -10672,8 +10672,8 @@
           </a:p>
         </p:txBody>
       </p:sp>
-      <mc:AlternateContent xmlns:mc="http://schemas.openxmlformats.org/markup-compatibility/2006">
-        <mc:Choice xmlns:a14="http://schemas.microsoft.com/office/drawing/2010/main" Requires="a14">
+      <mc:AlternateContent xmlns:mc="http://schemas.openxmlformats.org/markup-compatibility/2006" xmlns:a14="http://schemas.microsoft.com/office/drawing/2010/main">
+        <mc:Choice Requires="a14">
           <p:sp>
             <p:nvSpPr>
               <p:cNvPr id="3" name="TextBox 2">
@@ -10750,7 +10750,7 @@
             </p:txBody>
           </p:sp>
         </mc:Choice>
-        <mc:Fallback>
+        <mc:Fallback xmlns="">
           <p:sp>
             <p:nvSpPr>
               <p:cNvPr id="3" name="TextBox 2">
@@ -11287,8 +11287,8 @@
           </p:txBody>
         </p:sp>
       </p:grpSp>
-      <mc:AlternateContent xmlns:mc="http://schemas.openxmlformats.org/markup-compatibility/2006">
-        <mc:Choice xmlns:a14="http://schemas.microsoft.com/office/drawing/2010/main" Requires="a14">
+      <mc:AlternateContent xmlns:mc="http://schemas.openxmlformats.org/markup-compatibility/2006" xmlns:a14="http://schemas.microsoft.com/office/drawing/2010/main">
+        <mc:Choice Requires="a14">
           <p:sp>
             <p:nvSpPr>
               <p:cNvPr id="28" name="TextBox 27">
@@ -11364,7 +11364,7 @@
             </p:txBody>
           </p:sp>
         </mc:Choice>
-        <mc:Fallback>
+        <mc:Fallback xmlns="">
           <p:sp>
             <p:nvSpPr>
               <p:cNvPr id="28" name="TextBox 27">

--- a/presentation/presentation.pptx
+++ b/presentation/presentation.pptx
@@ -9521,6 +9521,27 @@
             <a:r>
               <a:rPr lang="ru-RU" sz="2400" u="sng" dirty="0">
                 <a:latin typeface="+mj-lt"/>
+              </a:rPr>
+              <a:t>Тематическая модель </a:t>
+            </a:r>
+            <a:r>
+              <a:rPr lang="ru-RU" sz="2400" dirty="0">
+                <a:latin typeface="+mj-lt"/>
+              </a:rPr>
+              <a:t>коллекции текстовых документов определяет, к каким темам относится каждый документ и какие слова (термины) образуют каждую тему.</a:t>
+            </a:r>
+          </a:p>
+          <a:p>
+            <a:endParaRPr lang="ru-RU" sz="2400" dirty="0">
+              <a:latin typeface="+mj-lt"/>
+              <a:ea typeface="+mj-ea"/>
+              <a:cs typeface="+mj-cs"/>
+            </a:endParaRPr>
+          </a:p>
+          <a:p>
+            <a:r>
+              <a:rPr lang="ru-RU" sz="2400" u="sng" dirty="0">
+                <a:latin typeface="+mj-lt"/>
                 <a:ea typeface="+mj-ea"/>
                 <a:cs typeface="+mj-cs"/>
               </a:rPr>
@@ -9532,40 +9553,7 @@
                 <a:ea typeface="+mj-ea"/>
                 <a:cs typeface="+mj-cs"/>
               </a:rPr>
-              <a:t> это способ построения модели коллекции текстовых документов, которая определяет, к каким темам относится каждый из </a:t>
-            </a:r>
-            <a:r>
-              <a:rPr lang="ru-RU" sz="2400">
-                <a:latin typeface="+mj-lt"/>
-                <a:ea typeface="+mj-ea"/>
-                <a:cs typeface="+mj-cs"/>
-              </a:rPr>
-              <a:t>документов.</a:t>
-            </a:r>
-          </a:p>
-          <a:p>
-            <a:endParaRPr lang="ru-RU" sz="2400" dirty="0">
-              <a:latin typeface="+mj-lt"/>
-              <a:ea typeface="+mj-ea"/>
-              <a:cs typeface="+mj-cs"/>
-            </a:endParaRPr>
-          </a:p>
-          <a:p>
-            <a:r>
-              <a:rPr lang="ru-RU" sz="2400" u="sng" dirty="0">
-                <a:latin typeface="+mj-lt"/>
-                <a:ea typeface="+mj-ea"/>
-                <a:cs typeface="+mj-cs"/>
-              </a:rPr>
-              <a:t>Тематическая модель </a:t>
-            </a:r>
-            <a:r>
-              <a:rPr lang="ru-RU" sz="2400" dirty="0">
-                <a:latin typeface="+mj-lt"/>
-                <a:ea typeface="+mj-ea"/>
-                <a:cs typeface="+mj-cs"/>
-              </a:rPr>
-              <a:t>коллекции текстовых документов определяет, к каким темам относится каждый документ и какие слова (термины) образуют каждую тему.</a:t>
+              <a:t> это способ построения модели коллекции текстовых документов, которая определяет, к каким темам относится каждый из документов.</a:t>
             </a:r>
           </a:p>
         </p:txBody>

--- a/presentation/presentation.pptx
+++ b/presentation/presentation.pptx
@@ -9489,7 +9489,7 @@
         <p:spPr>
           <a:xfrm>
             <a:off x="1635698" y="1536174"/>
-            <a:ext cx="8920603" cy="4154984"/>
+            <a:ext cx="8920603" cy="3785652"/>
           </a:xfrm>
           <a:prstGeom prst="rect">
             <a:avLst/>
@@ -9540,12 +9540,20 @@
           </a:p>
           <a:p>
             <a:r>
+              <a:rPr lang="ru-RU" sz="2400" dirty="0">
+                <a:latin typeface="+mj-lt"/>
+                <a:ea typeface="+mj-ea"/>
+                <a:cs typeface="+mj-cs"/>
+              </a:rPr>
+              <a:t>Задача </a:t>
+            </a:r>
+            <a:r>
               <a:rPr lang="ru-RU" sz="2400" u="sng" dirty="0">
                 <a:latin typeface="+mj-lt"/>
                 <a:ea typeface="+mj-ea"/>
                 <a:cs typeface="+mj-cs"/>
               </a:rPr>
-              <a:t>Тематическое моделирование</a:t>
+              <a:t>тематического моделирования</a:t>
             </a:r>
             <a:r>
               <a:rPr lang="ru-RU" sz="2400" dirty="0">
@@ -9553,7 +9561,7 @@
                 <a:ea typeface="+mj-ea"/>
                 <a:cs typeface="+mj-cs"/>
               </a:rPr>
-              <a:t> это способ построения модели коллекции текстовых документов, которая определяет, к каким темам относится каждый из документов.</a:t>
+              <a:t> - описание такой модели и применение ее к данным.</a:t>
             </a:r>
           </a:p>
         </p:txBody>

--- a/presentation/presentation.pptx
+++ b/presentation/presentation.pptx
@@ -10422,21 +10422,29 @@
           <a:lstStyle/>
           <a:p>
             <a:r>
-              <a:rPr lang="ru-RU" dirty="0"/>
+              <a:rPr lang="ru-RU" dirty="0">
+                <a:latin typeface="+mj-lt"/>
+              </a:rPr>
               <a:t>В качестве базового метода выбран </a:t>
             </a:r>
             <a:r>
-              <a:rPr lang="en-US" dirty="0"/>
+              <a:rPr lang="en-US" dirty="0">
+                <a:latin typeface="+mj-lt"/>
+              </a:rPr>
               <a:t>ARTM</a:t>
             </a:r>
             <a:r>
-              <a:rPr lang="ru-RU" dirty="0"/>
+              <a:rPr lang="ru-RU" dirty="0">
+                <a:latin typeface="+mj-lt"/>
+              </a:rPr>
               <a:t>.</a:t>
             </a:r>
           </a:p>
           <a:p>
             <a:r>
-              <a:rPr lang="ru-RU" dirty="0"/>
+              <a:rPr lang="ru-RU" dirty="0">
+                <a:latin typeface="+mj-lt"/>
+              </a:rPr>
               <a:t>Следует выбрать регуляризаторы, их порядок применения и веса.</a:t>
             </a:r>
           </a:p>
@@ -10534,7 +10542,7 @@
         <p:spPr>
           <a:xfrm>
             <a:off x="381000" y="152068"/>
-            <a:ext cx="6901248" cy="769441"/>
+            <a:ext cx="6805068" cy="769441"/>
           </a:xfrm>
           <a:prstGeom prst="rect">
             <a:avLst/>
@@ -10551,7 +10559,7 @@
               <a:rPr lang="ru-RU" sz="4400" dirty="0">
                 <a:latin typeface="+mj-lt"/>
               </a:rPr>
-              <a:t>Процесс порождения текста</a:t>
+              <a:t>Модель порождения текста</a:t>
             </a:r>
           </a:p>
         </p:txBody>
@@ -10805,7 +10813,7 @@
         </p:nvSpPr>
         <p:spPr>
           <a:xfrm>
-            <a:off x="658836" y="2583489"/>
+            <a:off x="1092791" y="2607101"/>
             <a:ext cx="2110193" cy="646331"/>
           </a:xfrm>
           <a:prstGeom prst="rect">
@@ -10848,8 +10856,8 @@
         </p:nvCxnSpPr>
         <p:spPr>
           <a:xfrm>
-            <a:off x="928266" y="2538037"/>
-            <a:ext cx="1556209" cy="0"/>
+            <a:off x="1203767" y="2538037"/>
+            <a:ext cx="1280708" cy="0"/>
           </a:xfrm>
           <a:prstGeom prst="straightConnector1">
             <a:avLst/>
@@ -10919,88 +10927,6 @@
           </a:p>
         </p:txBody>
       </p:sp>
-      <p:sp>
-        <p:nvSpPr>
-          <p:cNvPr id="13" name="TextBox 12">
-            <a:extLst>
-              <a:ext uri="{FF2B5EF4-FFF2-40B4-BE49-F238E27FC236}">
-                <a16:creationId xmlns:a16="http://schemas.microsoft.com/office/drawing/2014/main" id="{49796414-5997-CD40-BCF4-535663917B4D}"/>
-              </a:ext>
-            </a:extLst>
-          </p:cNvPr>
-          <p:cNvSpPr txBox="1"/>
-          <p:nvPr/>
-        </p:nvSpPr>
-        <p:spPr>
-          <a:xfrm>
-            <a:off x="8989017" y="2205714"/>
-            <a:ext cx="1700017" cy="646331"/>
-          </a:xfrm>
-          <a:prstGeom prst="rect">
-            <a:avLst/>
-          </a:prstGeom>
-          <a:noFill/>
-        </p:spPr>
-        <p:txBody>
-          <a:bodyPr wrap="none" rtlCol="0">
-            <a:spAutoFit/>
-          </a:bodyPr>
-          <a:lstStyle/>
-          <a:p>
-            <a:r>
-              <a:rPr lang="ru-RU" dirty="0"/>
-              <a:t>Распределение</a:t>
-            </a:r>
-          </a:p>
-          <a:p>
-            <a:r>
-              <a:rPr lang="ru-RU" dirty="0"/>
-              <a:t>слов в темах</a:t>
-            </a:r>
-          </a:p>
-        </p:txBody>
-      </p:sp>
-      <p:cxnSp>
-        <p:nvCxnSpPr>
-          <p:cNvPr id="14" name="Прямая со стрелкой 13">
-            <a:extLst>
-              <a:ext uri="{FF2B5EF4-FFF2-40B4-BE49-F238E27FC236}">
-                <a16:creationId xmlns:a16="http://schemas.microsoft.com/office/drawing/2014/main" id="{DBAD1BCA-AC82-D44B-8CA9-3CA3D8A5D20C}"/>
-              </a:ext>
-            </a:extLst>
-          </p:cNvPr>
-          <p:cNvCxnSpPr>
-            <a:cxnSpLocks/>
-          </p:cNvCxnSpPr>
-          <p:nvPr/>
-        </p:nvCxnSpPr>
-        <p:spPr>
-          <a:xfrm flipH="1">
-            <a:off x="8989017" y="2922152"/>
-            <a:ext cx="1534332" cy="0"/>
-          </a:xfrm>
-          <a:prstGeom prst="straightConnector1">
-            <a:avLst/>
-          </a:prstGeom>
-          <a:ln>
-            <a:tailEnd type="triangle"/>
-          </a:ln>
-        </p:spPr>
-        <p:style>
-          <a:lnRef idx="1">
-            <a:schemeClr val="accent1"/>
-          </a:lnRef>
-          <a:fillRef idx="0">
-            <a:schemeClr val="accent1"/>
-          </a:fillRef>
-          <a:effectRef idx="0">
-            <a:schemeClr val="accent1"/>
-          </a:effectRef>
-          <a:fontRef idx="minor">
-            <a:schemeClr val="tx1"/>
-          </a:fontRef>
-        </p:style>
-      </p:cxnSp>
       <p:grpSp>
         <p:nvGrpSpPr>
           <p:cNvPr id="27" name="Группа 26">
@@ -11283,8 +11209,8 @@
           </p:txBody>
         </p:sp>
       </p:grpSp>
-      <mc:AlternateContent xmlns:mc="http://schemas.openxmlformats.org/markup-compatibility/2006" xmlns:a14="http://schemas.microsoft.com/office/drawing/2010/main">
-        <mc:Choice Requires="a14">
+      <mc:AlternateContent xmlns:mc="http://schemas.openxmlformats.org/markup-compatibility/2006">
+        <mc:Choice xmlns:a14="http://schemas.microsoft.com/office/drawing/2010/main" Requires="a14">
           <p:sp>
             <p:nvSpPr>
               <p:cNvPr id="28" name="TextBox 27">
@@ -11300,7 +11226,7 @@
             <p:spPr>
               <a:xfrm>
                 <a:off x="7282248" y="4242122"/>
-                <a:ext cx="3847987" cy="1477328"/>
+                <a:ext cx="3847987" cy="1754326"/>
               </a:xfrm>
               <a:prstGeom prst="rect">
                 <a:avLst/>
@@ -11315,7 +11241,7 @@
               <a:p>
                 <a:r>
                   <a:rPr lang="ru-RU" dirty="0"/>
-                  <a:t>Решается обратная задача: необходимо найти такие матрицы </a:t>
+                  <a:t>Необходимо найти такие матрицы </a:t>
                 </a:r>
                 <a14:m>
                   <m:oMath xmlns:m="http://schemas.openxmlformats.org/officeDocument/2006/math">
@@ -11354,13 +11280,38 @@
                 </a:r>
                 <a:r>
                   <a:rPr lang="ru-RU" dirty="0"/>
-                  <a:t>что бы была высока вероятность интерпретируемости тем экспертом.</a:t>
+                  <a:t>что бы:</a:t>
+                </a:r>
+              </a:p>
+              <a:p>
+                <a:r>
+                  <a:rPr lang="ru-RU" dirty="0"/>
+                  <a:t>- Максимизировать сумму вероятностей </a:t>
+                </a:r>
+                <a:r>
+                  <a:rPr lang="en-US" dirty="0"/>
+                  <a:t>p(</a:t>
+                </a:r>
+                <a:r>
+                  <a:rPr lang="en-US" dirty="0" err="1"/>
+                  <a:t>w|d</a:t>
+                </a:r>
+                <a:r>
+                  <a:rPr lang="en-US" dirty="0"/>
+                  <a:t>)</a:t>
+                </a:r>
+                <a:endParaRPr lang="ru-RU" dirty="0"/>
+              </a:p>
+              <a:p>
+                <a:r>
+                  <a:rPr lang="ru-RU" dirty="0"/>
+                  <a:t>- была высока вероятность интерпретируемости тем экспертом.</a:t>
                 </a:r>
               </a:p>
             </p:txBody>
           </p:sp>
         </mc:Choice>
-        <mc:Fallback xmlns="">
+        <mc:Fallback>
           <p:sp>
             <p:nvSpPr>
               <p:cNvPr id="28" name="TextBox 27">
@@ -11378,7 +11329,7 @@
             <p:spPr>
               <a:xfrm>
                 <a:off x="7282248" y="4242122"/>
-                <a:ext cx="3847987" cy="1477328"/>
+                <a:ext cx="3847987" cy="1754326"/>
               </a:xfrm>
               <a:prstGeom prst="rect">
                 <a:avLst/>
@@ -11386,7 +11337,7 @@
               <a:blipFill>
                 <a:blip r:embed="rId5"/>
                 <a:stretch>
-                  <a:fillRect l="-987" t="-1709" b="-5128"/>
+                  <a:fillRect l="-987" t="-1439" b="-5036"/>
                 </a:stretch>
               </a:blipFill>
             </p:spPr>
@@ -11436,6 +11387,91 @@
             <a:r>
               <a:rPr lang="ru-RU" dirty="0"/>
               <a:t>известно</a:t>
+            </a:r>
+          </a:p>
+        </p:txBody>
+      </p:sp>
+      <p:sp>
+        <p:nvSpPr>
+          <p:cNvPr id="11" name="Закрывающая фигурная скобка 10">
+            <a:extLst>
+              <a:ext uri="{FF2B5EF4-FFF2-40B4-BE49-F238E27FC236}">
+                <a16:creationId xmlns:a16="http://schemas.microsoft.com/office/drawing/2014/main" id="{FFD228A2-D805-624E-AEDD-EFEE58C5096A}"/>
+              </a:ext>
+            </a:extLst>
+          </p:cNvPr>
+          <p:cNvSpPr/>
+          <p:nvPr/>
+        </p:nvSpPr>
+        <p:spPr>
+          <a:xfrm>
+            <a:off x="9318729" y="2414051"/>
+            <a:ext cx="358815" cy="897491"/>
+          </a:xfrm>
+          <a:prstGeom prst="rightBrace">
+            <a:avLst/>
+          </a:prstGeom>
+        </p:spPr>
+        <p:style>
+          <a:lnRef idx="1">
+            <a:schemeClr val="accent1"/>
+          </a:lnRef>
+          <a:fillRef idx="0">
+            <a:schemeClr val="accent1"/>
+          </a:fillRef>
+          <a:effectRef idx="0">
+            <a:schemeClr val="accent1"/>
+          </a:effectRef>
+          <a:fontRef idx="minor">
+            <a:schemeClr val="tx1"/>
+          </a:fontRef>
+        </p:style>
+        <p:txBody>
+          <a:bodyPr rtlCol="0" anchor="ctr"/>
+          <a:lstStyle/>
+          <a:p>
+            <a:pPr algn="ctr"/>
+            <a:endParaRPr lang="ru-RU"/>
+          </a:p>
+        </p:txBody>
+      </p:sp>
+      <p:sp>
+        <p:nvSpPr>
+          <p:cNvPr id="30" name="TextBox 29">
+            <a:extLst>
+              <a:ext uri="{FF2B5EF4-FFF2-40B4-BE49-F238E27FC236}">
+                <a16:creationId xmlns:a16="http://schemas.microsoft.com/office/drawing/2014/main" id="{3928CAE8-32B4-4948-97BC-E117D38FE2F7}"/>
+              </a:ext>
+            </a:extLst>
+          </p:cNvPr>
+          <p:cNvSpPr txBox="1"/>
+          <p:nvPr/>
+        </p:nvSpPr>
+        <p:spPr>
+          <a:xfrm>
+            <a:off x="9779908" y="2538037"/>
+            <a:ext cx="1700017" cy="646331"/>
+          </a:xfrm>
+          <a:prstGeom prst="rect">
+            <a:avLst/>
+          </a:prstGeom>
+          <a:noFill/>
+        </p:spPr>
+        <p:txBody>
+          <a:bodyPr wrap="none" rtlCol="0">
+            <a:spAutoFit/>
+          </a:bodyPr>
+          <a:lstStyle/>
+          <a:p>
+            <a:r>
+              <a:rPr lang="ru-RU" dirty="0"/>
+              <a:t>Распределение</a:t>
+            </a:r>
+          </a:p>
+          <a:p>
+            <a:r>
+              <a:rPr lang="ru-RU" dirty="0"/>
+              <a:t>слов в темах</a:t>
             </a:r>
           </a:p>
         </p:txBody>

--- a/presentation/presentation.pptx
+++ b/presentation/presentation.pptx
@@ -13,9 +13,9 @@
     <p:sldId id="257" r:id="rId4"/>
     <p:sldId id="267" r:id="rId5"/>
     <p:sldId id="268" r:id="rId6"/>
-    <p:sldId id="275" r:id="rId7"/>
-    <p:sldId id="278" r:id="rId8"/>
-    <p:sldId id="277" r:id="rId9"/>
+    <p:sldId id="277" r:id="rId7"/>
+    <p:sldId id="275" r:id="rId8"/>
+    <p:sldId id="278" r:id="rId9"/>
     <p:sldId id="281" r:id="rId10"/>
     <p:sldId id="273" r:id="rId11"/>
     <p:sldId id="270" r:id="rId12"/>
@@ -131,9 +131,9 @@
             <p14:sldId id="257"/>
             <p14:sldId id="267"/>
             <p14:sldId id="268"/>
+            <p14:sldId id="277"/>
             <p14:sldId id="275"/>
             <p14:sldId id="278"/>
-            <p14:sldId id="277"/>
             <p14:sldId id="281"/>
             <p14:sldId id="273"/>
             <p14:sldId id="270"/>
@@ -9047,15 +9047,7 @@
             </a:pPr>
             <a:r>
               <a:rPr lang="ru-RU" sz="1600" dirty="0"/>
-              <a:t>Необходимо максимально аккуратно обрезать словарь. Вместе </a:t>
-            </a:r>
-            <a:r>
-              <a:rPr lang="ru-RU" sz="1600"/>
-              <a:t>с часто используемыми </a:t>
-            </a:r>
-            <a:r>
-              <a:rPr lang="ru-RU" sz="1600" dirty="0"/>
-              <a:t>словами легко отфильтровать ценные для модели данные.</a:t>
+              <a:t>Необходимо максимально аккуратно обрезать словарь. Вместе с часто используемыми словами легко отфильтровать ценные для модели данные.</a:t>
             </a:r>
           </a:p>
           <a:p>
@@ -10281,27 +10273,28 @@
       </p:grpSpPr>
       <p:sp>
         <p:nvSpPr>
-          <p:cNvPr id="2" name="Прямоугольник 1">
-            <a:extLst>
-              <a:ext uri="{FF2B5EF4-FFF2-40B4-BE49-F238E27FC236}">
-                <a16:creationId xmlns:a16="http://schemas.microsoft.com/office/drawing/2014/main" id="{B2FCC58E-2490-4B02-A5E9-F2C47F0F2AC3}"/>
-              </a:ext>
-            </a:extLst>
-          </p:cNvPr>
-          <p:cNvSpPr/>
-          <p:nvPr/>
-        </p:nvSpPr>
-        <p:spPr>
-          <a:xfrm>
-            <a:off x="375999" y="127168"/>
-            <a:ext cx="9655207" cy="769441"/>
-          </a:xfrm>
-          <a:prstGeom prst="rect">
-            <a:avLst/>
-          </a:prstGeom>
-        </p:spPr>
-        <p:txBody>
-          <a:bodyPr wrap="none">
+          <p:cNvPr id="7" name="TextBox 6">
+            <a:extLst>
+              <a:ext uri="{FF2B5EF4-FFF2-40B4-BE49-F238E27FC236}">
+                <a16:creationId xmlns:a16="http://schemas.microsoft.com/office/drawing/2014/main" id="{35DD053F-0AAA-BC4F-A64C-276CCF453831}"/>
+              </a:ext>
+            </a:extLst>
+          </p:cNvPr>
+          <p:cNvSpPr txBox="1"/>
+          <p:nvPr/>
+        </p:nvSpPr>
+        <p:spPr>
+          <a:xfrm>
+            <a:off x="381000" y="152068"/>
+            <a:ext cx="5625451" cy="769441"/>
+          </a:xfrm>
+          <a:prstGeom prst="rect">
+            <a:avLst/>
+          </a:prstGeom>
+          <a:noFill/>
+        </p:spPr>
+        <p:txBody>
+          <a:bodyPr wrap="none" rtlCol="0">
             <a:spAutoFit/>
           </a:bodyPr>
           <a:lstStyle/>
@@ -10310,17 +10303,17 @@
               <a:rPr lang="ru-RU" sz="4400" dirty="0">
                 <a:latin typeface="+mj-lt"/>
               </a:rPr>
-              <a:t>Методы тематического моделирования</a:t>
-            </a:r>
-          </a:p>
-        </p:txBody>
-      </p:sp>
-      <p:sp>
-        <p:nvSpPr>
-          <p:cNvPr id="5" name="Прямоугольник 4">
-            <a:extLst>
-              <a:ext uri="{FF2B5EF4-FFF2-40B4-BE49-F238E27FC236}">
-                <a16:creationId xmlns:a16="http://schemas.microsoft.com/office/drawing/2014/main" id="{4403E88A-E33D-D04F-A183-6605A8D507C7}"/>
+              <a:t>Концептуальная схема</a:t>
+            </a:r>
+          </a:p>
+        </p:txBody>
+      </p:sp>
+      <p:sp>
+        <p:nvSpPr>
+          <p:cNvPr id="8" name="Прямоугольник 7">
+            <a:extLst>
+              <a:ext uri="{FF2B5EF4-FFF2-40B4-BE49-F238E27FC236}">
+                <a16:creationId xmlns:a16="http://schemas.microsoft.com/office/drawing/2014/main" id="{0FA7AF04-547A-CE46-8D85-17B0C6571A51}"/>
               </a:ext>
             </a:extLst>
           </p:cNvPr>
@@ -10365,10 +10358,10 @@
       </p:sp>
       <p:pic>
         <p:nvPicPr>
-          <p:cNvPr id="6" name="Рисунок 5">
-            <a:extLst>
-              <a:ext uri="{FF2B5EF4-FFF2-40B4-BE49-F238E27FC236}">
-                <a16:creationId xmlns:a16="http://schemas.microsoft.com/office/drawing/2014/main" id="{69E064F3-9A20-4749-B414-891292D5195B}"/>
+          <p:cNvPr id="4" name="Рисунок 3">
+            <a:extLst>
+              <a:ext uri="{FF2B5EF4-FFF2-40B4-BE49-F238E27FC236}">
+                <a16:creationId xmlns:a16="http://schemas.microsoft.com/office/drawing/2014/main" id="{0D75B728-674C-0649-A4E4-00329917381D}"/>
               </a:ext>
             </a:extLst>
           </p:cNvPr>
@@ -10385,8 +10378,8 @@
         </p:blipFill>
         <p:spPr>
           <a:xfrm>
-            <a:off x="1060890" y="828802"/>
-            <a:ext cx="9242837" cy="5200396"/>
+            <a:off x="726049" y="921509"/>
+            <a:ext cx="10560803" cy="5941937"/>
           </a:xfrm>
           <a:prstGeom prst="rect">
             <a:avLst/>
@@ -10395,67 +10388,10 @@
       </p:pic>
       <p:sp>
         <p:nvSpPr>
-          <p:cNvPr id="7" name="TextBox 6">
-            <a:extLst>
-              <a:ext uri="{FF2B5EF4-FFF2-40B4-BE49-F238E27FC236}">
-                <a16:creationId xmlns:a16="http://schemas.microsoft.com/office/drawing/2014/main" id="{17E11FD3-192E-3941-8552-009AD1CBEA51}"/>
-              </a:ext>
-            </a:extLst>
-          </p:cNvPr>
-          <p:cNvSpPr txBox="1"/>
-          <p:nvPr/>
-        </p:nvSpPr>
-        <p:spPr>
-          <a:xfrm>
-            <a:off x="1060890" y="5382867"/>
-            <a:ext cx="6642011" cy="646331"/>
-          </a:xfrm>
-          <a:prstGeom prst="rect">
-            <a:avLst/>
-          </a:prstGeom>
-          <a:noFill/>
-        </p:spPr>
-        <p:txBody>
-          <a:bodyPr wrap="none" rtlCol="0">
-            <a:spAutoFit/>
-          </a:bodyPr>
-          <a:lstStyle/>
-          <a:p>
-            <a:r>
-              <a:rPr lang="ru-RU" dirty="0">
-                <a:latin typeface="+mj-lt"/>
-              </a:rPr>
-              <a:t>В качестве базового метода выбран </a:t>
-            </a:r>
-            <a:r>
-              <a:rPr lang="en-US" dirty="0">
-                <a:latin typeface="+mj-lt"/>
-              </a:rPr>
-              <a:t>ARTM</a:t>
-            </a:r>
-            <a:r>
-              <a:rPr lang="ru-RU" dirty="0">
-                <a:latin typeface="+mj-lt"/>
-              </a:rPr>
-              <a:t>.</a:t>
-            </a:r>
-          </a:p>
-          <a:p>
-            <a:r>
-              <a:rPr lang="ru-RU" dirty="0">
-                <a:latin typeface="+mj-lt"/>
-              </a:rPr>
-              <a:t>Следует выбрать регуляризаторы, их порядок применения и веса.</a:t>
-            </a:r>
-          </a:p>
-        </p:txBody>
-      </p:sp>
-      <p:sp>
-        <p:nvSpPr>
-          <p:cNvPr id="8" name="Прямоугольник 7">
-            <a:extLst>
-              <a:ext uri="{FF2B5EF4-FFF2-40B4-BE49-F238E27FC236}">
-                <a16:creationId xmlns:a16="http://schemas.microsoft.com/office/drawing/2014/main" id="{322A3852-FDFD-3C43-BB34-77EE84E2AA88}"/>
+          <p:cNvPr id="9" name="Прямоугольник 8">
+            <a:extLst>
+              <a:ext uri="{FF2B5EF4-FFF2-40B4-BE49-F238E27FC236}">
+                <a16:creationId xmlns:a16="http://schemas.microsoft.com/office/drawing/2014/main" id="{9E598A95-1A25-DD4C-B486-B84A5D4E9907}"/>
               </a:ext>
             </a:extLst>
           </p:cNvPr>
@@ -10464,7 +10400,7 @@
         </p:nvSpPr>
         <p:spPr>
           <a:xfrm>
-            <a:off x="9500461" y="5382867"/>
+            <a:off x="9965410" y="6150262"/>
             <a:ext cx="1193370" cy="646331"/>
           </a:xfrm>
           <a:prstGeom prst="rect">
@@ -10500,7 +10436,7 @@
     </p:spTree>
     <p:extLst>
       <p:ext uri="{BB962C8B-B14F-4D97-AF65-F5344CB8AC3E}">
-        <p14:creationId xmlns:p14="http://schemas.microsoft.com/office/powerpoint/2010/main" val="1233507205"/>
+        <p14:creationId xmlns:p14="http://schemas.microsoft.com/office/powerpoint/2010/main" val="1351448177"/>
       </p:ext>
     </p:extLst>
   </p:cSld>
@@ -10529,6 +10465,254 @@
       </p:grpSpPr>
       <p:sp>
         <p:nvSpPr>
+          <p:cNvPr id="2" name="Прямоугольник 1">
+            <a:extLst>
+              <a:ext uri="{FF2B5EF4-FFF2-40B4-BE49-F238E27FC236}">
+                <a16:creationId xmlns:a16="http://schemas.microsoft.com/office/drawing/2014/main" id="{B2FCC58E-2490-4B02-A5E9-F2C47F0F2AC3}"/>
+              </a:ext>
+            </a:extLst>
+          </p:cNvPr>
+          <p:cNvSpPr/>
+          <p:nvPr/>
+        </p:nvSpPr>
+        <p:spPr>
+          <a:xfrm>
+            <a:off x="375999" y="127168"/>
+            <a:ext cx="9655207" cy="769441"/>
+          </a:xfrm>
+          <a:prstGeom prst="rect">
+            <a:avLst/>
+          </a:prstGeom>
+        </p:spPr>
+        <p:txBody>
+          <a:bodyPr wrap="none">
+            <a:spAutoFit/>
+          </a:bodyPr>
+          <a:lstStyle/>
+          <a:p>
+            <a:r>
+              <a:rPr lang="ru-RU" sz="4400" dirty="0">
+                <a:latin typeface="+mj-lt"/>
+              </a:rPr>
+              <a:t>Методы тематического моделирования</a:t>
+            </a:r>
+          </a:p>
+        </p:txBody>
+      </p:sp>
+      <p:sp>
+        <p:nvSpPr>
+          <p:cNvPr id="5" name="Прямоугольник 4">
+            <a:extLst>
+              <a:ext uri="{FF2B5EF4-FFF2-40B4-BE49-F238E27FC236}">
+                <a16:creationId xmlns:a16="http://schemas.microsoft.com/office/drawing/2014/main" id="{4403E88A-E33D-D04F-A183-6605A8D507C7}"/>
+              </a:ext>
+            </a:extLst>
+          </p:cNvPr>
+          <p:cNvSpPr/>
+          <p:nvPr/>
+        </p:nvSpPr>
+        <p:spPr>
+          <a:xfrm>
+            <a:off x="11474005" y="6473428"/>
+            <a:ext cx="619080" cy="369332"/>
+          </a:xfrm>
+          <a:prstGeom prst="rect">
+            <a:avLst/>
+          </a:prstGeom>
+        </p:spPr>
+        <p:txBody>
+          <a:bodyPr wrap="none">
+            <a:spAutoFit/>
+          </a:bodyPr>
+          <a:lstStyle/>
+          <a:p>
+            <a:r>
+              <a:rPr lang="ru-RU" dirty="0">
+                <a:latin typeface="+mj-lt"/>
+              </a:rPr>
+              <a:t>7/</a:t>
+            </a:r>
+            <a:r>
+              <a:rPr lang="en-US" dirty="0">
+                <a:latin typeface="+mj-lt"/>
+              </a:rPr>
+              <a:t>1</a:t>
+            </a:r>
+            <a:r>
+              <a:rPr lang="ru-RU" dirty="0">
+                <a:latin typeface="+mj-lt"/>
+              </a:rPr>
+              <a:t>5</a:t>
+            </a:r>
+          </a:p>
+        </p:txBody>
+      </p:sp>
+      <p:pic>
+        <p:nvPicPr>
+          <p:cNvPr id="6" name="Рисунок 5">
+            <a:extLst>
+              <a:ext uri="{FF2B5EF4-FFF2-40B4-BE49-F238E27FC236}">
+                <a16:creationId xmlns:a16="http://schemas.microsoft.com/office/drawing/2014/main" id="{69E064F3-9A20-4749-B414-891292D5195B}"/>
+              </a:ext>
+            </a:extLst>
+          </p:cNvPr>
+          <p:cNvPicPr>
+            <a:picLocks noChangeAspect="1"/>
+          </p:cNvPicPr>
+          <p:nvPr/>
+        </p:nvPicPr>
+        <p:blipFill>
+          <a:blip r:embed="rId2"/>
+          <a:stretch>
+            <a:fillRect/>
+          </a:stretch>
+        </p:blipFill>
+        <p:spPr>
+          <a:xfrm>
+            <a:off x="1060890" y="828802"/>
+            <a:ext cx="9242837" cy="5200396"/>
+          </a:xfrm>
+          <a:prstGeom prst="rect">
+            <a:avLst/>
+          </a:prstGeom>
+        </p:spPr>
+      </p:pic>
+      <p:sp>
+        <p:nvSpPr>
+          <p:cNvPr id="7" name="TextBox 6">
+            <a:extLst>
+              <a:ext uri="{FF2B5EF4-FFF2-40B4-BE49-F238E27FC236}">
+                <a16:creationId xmlns:a16="http://schemas.microsoft.com/office/drawing/2014/main" id="{17E11FD3-192E-3941-8552-009AD1CBEA51}"/>
+              </a:ext>
+            </a:extLst>
+          </p:cNvPr>
+          <p:cNvSpPr txBox="1"/>
+          <p:nvPr/>
+        </p:nvSpPr>
+        <p:spPr>
+          <a:xfrm>
+            <a:off x="1060890" y="5382867"/>
+            <a:ext cx="6642011" cy="646331"/>
+          </a:xfrm>
+          <a:prstGeom prst="rect">
+            <a:avLst/>
+          </a:prstGeom>
+          <a:noFill/>
+        </p:spPr>
+        <p:txBody>
+          <a:bodyPr wrap="none" rtlCol="0">
+            <a:spAutoFit/>
+          </a:bodyPr>
+          <a:lstStyle/>
+          <a:p>
+            <a:r>
+              <a:rPr lang="ru-RU" dirty="0">
+                <a:latin typeface="+mj-lt"/>
+              </a:rPr>
+              <a:t>В качестве базового метода выбран </a:t>
+            </a:r>
+            <a:r>
+              <a:rPr lang="en-US" dirty="0">
+                <a:latin typeface="+mj-lt"/>
+              </a:rPr>
+              <a:t>ARTM</a:t>
+            </a:r>
+            <a:r>
+              <a:rPr lang="ru-RU" dirty="0">
+                <a:latin typeface="+mj-lt"/>
+              </a:rPr>
+              <a:t>.</a:t>
+            </a:r>
+          </a:p>
+          <a:p>
+            <a:r>
+              <a:rPr lang="ru-RU" dirty="0">
+                <a:latin typeface="+mj-lt"/>
+              </a:rPr>
+              <a:t>Следует выбрать регуляризаторы, их порядок применения и веса.</a:t>
+            </a:r>
+          </a:p>
+        </p:txBody>
+      </p:sp>
+      <p:sp>
+        <p:nvSpPr>
+          <p:cNvPr id="8" name="Прямоугольник 7">
+            <a:extLst>
+              <a:ext uri="{FF2B5EF4-FFF2-40B4-BE49-F238E27FC236}">
+                <a16:creationId xmlns:a16="http://schemas.microsoft.com/office/drawing/2014/main" id="{322A3852-FDFD-3C43-BB34-77EE84E2AA88}"/>
+              </a:ext>
+            </a:extLst>
+          </p:cNvPr>
+          <p:cNvSpPr/>
+          <p:nvPr/>
+        </p:nvSpPr>
+        <p:spPr>
+          <a:xfrm>
+            <a:off x="9500461" y="5382867"/>
+            <a:ext cx="1193370" cy="646331"/>
+          </a:xfrm>
+          <a:prstGeom prst="rect">
+            <a:avLst/>
+          </a:prstGeom>
+          <a:ln>
+            <a:noFill/>
+          </a:ln>
+        </p:spPr>
+        <p:style>
+          <a:lnRef idx="2">
+            <a:schemeClr val="accent6"/>
+          </a:lnRef>
+          <a:fillRef idx="1">
+            <a:schemeClr val="lt1"/>
+          </a:fillRef>
+          <a:effectRef idx="0">
+            <a:schemeClr val="accent6"/>
+          </a:effectRef>
+          <a:fontRef idx="minor">
+            <a:schemeClr val="dk1"/>
+          </a:fontRef>
+        </p:style>
+        <p:txBody>
+          <a:bodyPr rtlCol="0" anchor="ctr"/>
+          <a:lstStyle/>
+          <a:p>
+            <a:pPr algn="ctr"/>
+            <a:endParaRPr lang="ru-RU"/>
+          </a:p>
+        </p:txBody>
+      </p:sp>
+    </p:spTree>
+    <p:extLst>
+      <p:ext uri="{BB962C8B-B14F-4D97-AF65-F5344CB8AC3E}">
+        <p14:creationId xmlns:p14="http://schemas.microsoft.com/office/powerpoint/2010/main" val="1233507205"/>
+      </p:ext>
+    </p:extLst>
+  </p:cSld>
+  <p:clrMapOvr>
+    <a:masterClrMapping/>
+  </p:clrMapOvr>
+</p:sld>
+</file>
+
+<file path=ppt/slides/slide8.xml><?xml version="1.0" encoding="utf-8"?>
+<p:sld xmlns:a="http://schemas.openxmlformats.org/drawingml/2006/main" xmlns:r="http://schemas.openxmlformats.org/officeDocument/2006/relationships" xmlns:p="http://schemas.openxmlformats.org/presentationml/2006/main">
+  <p:cSld>
+    <p:spTree>
+      <p:nvGrpSpPr>
+        <p:cNvPr id="1" name=""/>
+        <p:cNvGrpSpPr/>
+        <p:nvPr/>
+      </p:nvGrpSpPr>
+      <p:grpSpPr>
+        <a:xfrm>
+          <a:off x="0" y="0"/>
+          <a:ext cx="0" cy="0"/>
+          <a:chOff x="0" y="0"/>
+          <a:chExt cx="0" cy="0"/>
+        </a:xfrm>
+      </p:grpSpPr>
+      <p:sp>
+        <p:nvSpPr>
           <p:cNvPr id="2" name="TextBox 1">
             <a:extLst>
               <a:ext uri="{FF2B5EF4-FFF2-40B4-BE49-F238E27FC236}">
@@ -10659,7 +10843,7 @@
               <a:rPr lang="ru-RU" dirty="0">
                 <a:latin typeface="+mj-lt"/>
               </a:rPr>
-              <a:t>7/</a:t>
+              <a:t>8/</a:t>
             </a:r>
             <a:r>
               <a:rPr lang="en-US" dirty="0">
@@ -11225,8 +11409,8 @@
             </p:nvSpPr>
             <p:spPr>
               <a:xfrm>
-                <a:off x="7282248" y="4242122"/>
-                <a:ext cx="3847987" cy="1754326"/>
+                <a:off x="7279205" y="3973600"/>
+                <a:ext cx="3981487" cy="2031325"/>
               </a:xfrm>
               <a:prstGeom prst="rect">
                 <a:avLst/>
@@ -11284,28 +11468,28 @@
                 </a:r>
               </a:p>
               <a:p>
+                <a:pPr marL="285750" indent="-285750">
+                  <a:buFont typeface="Arial" panose="020B0604020202020204" pitchFamily="34" charset="0"/>
+                  <a:buChar char="•"/>
+                </a:pPr>
                 <a:r>
                   <a:rPr lang="ru-RU" dirty="0"/>
-                  <a:t>- Максимизировать сумму вероятностей </a:t>
+                  <a:t>максимизировать сумму вероятностей </a:t>
                 </a:r>
                 <a:r>
                   <a:rPr lang="en-US" dirty="0"/>
-                  <a:t>p(</a:t>
-                </a:r>
-                <a:r>
-                  <a:rPr lang="en-US" dirty="0" err="1"/>
-                  <a:t>w|d</a:t>
-                </a:r>
-                <a:r>
-                  <a:rPr lang="en-US" dirty="0"/>
-                  <a:t>)</a:t>
+                  <a:t>p(w|d);</a:t>
                 </a:r>
                 <a:endParaRPr lang="ru-RU" dirty="0"/>
               </a:p>
               <a:p>
+                <a:pPr marL="285750" indent="-285750">
+                  <a:buFont typeface="Arial" panose="020B0604020202020204" pitchFamily="34" charset="0"/>
+                  <a:buChar char="•"/>
+                </a:pPr>
                 <a:r>
                   <a:rPr lang="ru-RU" dirty="0"/>
-                  <a:t>- была высока вероятность интерпретируемости тем экспертом.</a:t>
+                  <a:t>была высока вероятность интерпретируемости тем экспертом.</a:t>
                 </a:r>
               </a:p>
             </p:txBody>
@@ -11328,8 +11512,8 @@
             </p:nvSpPr>
             <p:spPr>
               <a:xfrm>
-                <a:off x="7282248" y="4242122"/>
-                <a:ext cx="3847987" cy="1754326"/>
+                <a:off x="7279205" y="3973600"/>
+                <a:ext cx="3981487" cy="2031325"/>
               </a:xfrm>
               <a:prstGeom prst="rect">
                 <a:avLst/>
@@ -11337,7 +11521,7 @@
               <a:blipFill>
                 <a:blip r:embed="rId5"/>
                 <a:stretch>
-                  <a:fillRect l="-987" t="-1439" b="-5036"/>
+                  <a:fillRect l="-952" t="-1242" b="-3106"/>
                 </a:stretch>
               </a:blipFill>
             </p:spPr>
@@ -11480,204 +11664,6 @@
     <p:extLst>
       <p:ext uri="{BB962C8B-B14F-4D97-AF65-F5344CB8AC3E}">
         <p14:creationId xmlns:p14="http://schemas.microsoft.com/office/powerpoint/2010/main" val="3154722027"/>
-      </p:ext>
-    </p:extLst>
-  </p:cSld>
-  <p:clrMapOvr>
-    <a:masterClrMapping/>
-  </p:clrMapOvr>
-</p:sld>
-</file>
-
-<file path=ppt/slides/slide8.xml><?xml version="1.0" encoding="utf-8"?>
-<p:sld xmlns:a="http://schemas.openxmlformats.org/drawingml/2006/main" xmlns:r="http://schemas.openxmlformats.org/officeDocument/2006/relationships" xmlns:p="http://schemas.openxmlformats.org/presentationml/2006/main">
-  <p:cSld>
-    <p:spTree>
-      <p:nvGrpSpPr>
-        <p:cNvPr id="1" name=""/>
-        <p:cNvGrpSpPr/>
-        <p:nvPr/>
-      </p:nvGrpSpPr>
-      <p:grpSpPr>
-        <a:xfrm>
-          <a:off x="0" y="0"/>
-          <a:ext cx="0" cy="0"/>
-          <a:chOff x="0" y="0"/>
-          <a:chExt cx="0" cy="0"/>
-        </a:xfrm>
-      </p:grpSpPr>
-      <p:sp>
-        <p:nvSpPr>
-          <p:cNvPr id="7" name="TextBox 6">
-            <a:extLst>
-              <a:ext uri="{FF2B5EF4-FFF2-40B4-BE49-F238E27FC236}">
-                <a16:creationId xmlns:a16="http://schemas.microsoft.com/office/drawing/2014/main" id="{35DD053F-0AAA-BC4F-A64C-276CCF453831}"/>
-              </a:ext>
-            </a:extLst>
-          </p:cNvPr>
-          <p:cNvSpPr txBox="1"/>
-          <p:nvPr/>
-        </p:nvSpPr>
-        <p:spPr>
-          <a:xfrm>
-            <a:off x="381000" y="152068"/>
-            <a:ext cx="5625451" cy="769441"/>
-          </a:xfrm>
-          <a:prstGeom prst="rect">
-            <a:avLst/>
-          </a:prstGeom>
-          <a:noFill/>
-        </p:spPr>
-        <p:txBody>
-          <a:bodyPr wrap="none" rtlCol="0">
-            <a:spAutoFit/>
-          </a:bodyPr>
-          <a:lstStyle/>
-          <a:p>
-            <a:r>
-              <a:rPr lang="ru-RU" sz="4400" dirty="0">
-                <a:latin typeface="+mj-lt"/>
-              </a:rPr>
-              <a:t>Концептуальная схема</a:t>
-            </a:r>
-          </a:p>
-        </p:txBody>
-      </p:sp>
-      <p:sp>
-        <p:nvSpPr>
-          <p:cNvPr id="8" name="Прямоугольник 7">
-            <a:extLst>
-              <a:ext uri="{FF2B5EF4-FFF2-40B4-BE49-F238E27FC236}">
-                <a16:creationId xmlns:a16="http://schemas.microsoft.com/office/drawing/2014/main" id="{0FA7AF04-547A-CE46-8D85-17B0C6571A51}"/>
-              </a:ext>
-            </a:extLst>
-          </p:cNvPr>
-          <p:cNvSpPr/>
-          <p:nvPr/>
-        </p:nvSpPr>
-        <p:spPr>
-          <a:xfrm>
-            <a:off x="11474005" y="6473428"/>
-            <a:ext cx="619080" cy="369332"/>
-          </a:xfrm>
-          <a:prstGeom prst="rect">
-            <a:avLst/>
-          </a:prstGeom>
-        </p:spPr>
-        <p:txBody>
-          <a:bodyPr wrap="none">
-            <a:spAutoFit/>
-          </a:bodyPr>
-          <a:lstStyle/>
-          <a:p>
-            <a:r>
-              <a:rPr lang="en-US" dirty="0">
-                <a:latin typeface="+mj-lt"/>
-              </a:rPr>
-              <a:t>8</a:t>
-            </a:r>
-            <a:r>
-              <a:rPr lang="ru-RU" dirty="0">
-                <a:latin typeface="+mj-lt"/>
-              </a:rPr>
-              <a:t>/</a:t>
-            </a:r>
-            <a:r>
-              <a:rPr lang="en-US" dirty="0">
-                <a:latin typeface="+mj-lt"/>
-              </a:rPr>
-              <a:t>1</a:t>
-            </a:r>
-            <a:r>
-              <a:rPr lang="ru-RU" dirty="0">
-                <a:latin typeface="+mj-lt"/>
-              </a:rPr>
-              <a:t>5</a:t>
-            </a:r>
-          </a:p>
-        </p:txBody>
-      </p:sp>
-      <p:pic>
-        <p:nvPicPr>
-          <p:cNvPr id="4" name="Рисунок 3">
-            <a:extLst>
-              <a:ext uri="{FF2B5EF4-FFF2-40B4-BE49-F238E27FC236}">
-                <a16:creationId xmlns:a16="http://schemas.microsoft.com/office/drawing/2014/main" id="{0D75B728-674C-0649-A4E4-00329917381D}"/>
-              </a:ext>
-            </a:extLst>
-          </p:cNvPr>
-          <p:cNvPicPr>
-            <a:picLocks noChangeAspect="1"/>
-          </p:cNvPicPr>
-          <p:nvPr/>
-        </p:nvPicPr>
-        <p:blipFill>
-          <a:blip r:embed="rId2"/>
-          <a:stretch>
-            <a:fillRect/>
-          </a:stretch>
-        </p:blipFill>
-        <p:spPr>
-          <a:xfrm>
-            <a:off x="726049" y="921509"/>
-            <a:ext cx="10560803" cy="5941937"/>
-          </a:xfrm>
-          <a:prstGeom prst="rect">
-            <a:avLst/>
-          </a:prstGeom>
-        </p:spPr>
-      </p:pic>
-      <p:sp>
-        <p:nvSpPr>
-          <p:cNvPr id="9" name="Прямоугольник 8">
-            <a:extLst>
-              <a:ext uri="{FF2B5EF4-FFF2-40B4-BE49-F238E27FC236}">
-                <a16:creationId xmlns:a16="http://schemas.microsoft.com/office/drawing/2014/main" id="{9E598A95-1A25-DD4C-B486-B84A5D4E9907}"/>
-              </a:ext>
-            </a:extLst>
-          </p:cNvPr>
-          <p:cNvSpPr/>
-          <p:nvPr/>
-        </p:nvSpPr>
-        <p:spPr>
-          <a:xfrm>
-            <a:off x="9965410" y="6150262"/>
-            <a:ext cx="1193370" cy="646331"/>
-          </a:xfrm>
-          <a:prstGeom prst="rect">
-            <a:avLst/>
-          </a:prstGeom>
-          <a:ln>
-            <a:noFill/>
-          </a:ln>
-        </p:spPr>
-        <p:style>
-          <a:lnRef idx="2">
-            <a:schemeClr val="accent6"/>
-          </a:lnRef>
-          <a:fillRef idx="1">
-            <a:schemeClr val="lt1"/>
-          </a:fillRef>
-          <a:effectRef idx="0">
-            <a:schemeClr val="accent6"/>
-          </a:effectRef>
-          <a:fontRef idx="minor">
-            <a:schemeClr val="dk1"/>
-          </a:fontRef>
-        </p:style>
-        <p:txBody>
-          <a:bodyPr rtlCol="0" anchor="ctr"/>
-          <a:lstStyle/>
-          <a:p>
-            <a:pPr algn="ctr"/>
-            <a:endParaRPr lang="ru-RU"/>
-          </a:p>
-        </p:txBody>
-      </p:sp>
-    </p:spTree>
-    <p:extLst>
-      <p:ext uri="{BB962C8B-B14F-4D97-AF65-F5344CB8AC3E}">
-        <p14:creationId xmlns:p14="http://schemas.microsoft.com/office/powerpoint/2010/main" val="1351448177"/>
       </p:ext>
     </p:extLst>
   </p:cSld>
@@ -11804,7 +11790,7 @@
         <p:spPr>
           <a:xfrm>
             <a:off x="381000" y="921509"/>
-            <a:ext cx="11344154" cy="1200329"/>
+            <a:ext cx="11344154" cy="923330"/>
           </a:xfrm>
           <a:prstGeom prst="rect">
             <a:avLst/>
@@ -11828,7 +11814,7 @@
           <a:p>
             <a:r>
               <a:rPr lang="ru-RU" dirty="0"/>
-              <a:t>В данной работе были рассмотрены три регуляризатора. Ниже приводятся их формальные описания и интерпретации.</a:t>
+              <a:t>В данной работе были рассмотрены три регуляризатора.</a:t>
             </a:r>
           </a:p>
         </p:txBody>
@@ -11882,7 +11868,7 @@
         </p:nvSpPr>
         <p:spPr>
           <a:xfrm>
-            <a:off x="381000" y="3834594"/>
+            <a:off x="381000" y="3892469"/>
             <a:ext cx="7749557" cy="369332"/>
           </a:xfrm>
           <a:prstGeom prst="rect">
@@ -11990,7 +11976,7 @@
         </p:blipFill>
         <p:spPr>
           <a:xfrm>
-            <a:off x="1233118" y="4197636"/>
+            <a:off x="1233118" y="4255511"/>
             <a:ext cx="3924300" cy="812800"/>
           </a:xfrm>
           <a:prstGeom prst="rect">
@@ -12069,88 +12055,228 @@
           </a:p>
         </p:txBody>
       </p:sp>
-      <p:sp>
-        <p:nvSpPr>
-          <p:cNvPr id="18" name="TextBox 17">
-            <a:extLst>
-              <a:ext uri="{FF2B5EF4-FFF2-40B4-BE49-F238E27FC236}">
-                <a16:creationId xmlns:a16="http://schemas.microsoft.com/office/drawing/2014/main" id="{E807E433-A617-4740-99FE-5F946682446D}"/>
-              </a:ext>
-            </a:extLst>
-          </p:cNvPr>
-          <p:cNvSpPr txBox="1"/>
-          <p:nvPr/>
-        </p:nvSpPr>
-        <p:spPr>
-          <a:xfrm>
-            <a:off x="7256055" y="4285177"/>
-            <a:ext cx="4217950" cy="646331"/>
-          </a:xfrm>
-          <a:prstGeom prst="rect">
-            <a:avLst/>
-          </a:prstGeom>
-          <a:noFill/>
-        </p:spPr>
-        <p:txBody>
-          <a:bodyPr wrap="none" rtlCol="0">
-            <a:spAutoFit/>
-          </a:bodyPr>
-          <a:lstStyle/>
-          <a:p>
-            <a:r>
-              <a:rPr lang="ru-RU" dirty="0"/>
-              <a:t>Влияет на количество нулевых значений </a:t>
-            </a:r>
-          </a:p>
-          <a:p>
-            <a:r>
-              <a:rPr lang="ru-RU" dirty="0"/>
-              <a:t>в матрице тема-документ.</a:t>
-            </a:r>
-          </a:p>
-        </p:txBody>
-      </p:sp>
-      <p:sp>
-        <p:nvSpPr>
-          <p:cNvPr id="19" name="TextBox 18">
-            <a:extLst>
-              <a:ext uri="{FF2B5EF4-FFF2-40B4-BE49-F238E27FC236}">
-                <a16:creationId xmlns:a16="http://schemas.microsoft.com/office/drawing/2014/main" id="{6844F10B-3FBA-044C-951A-5C2123DCCA4D}"/>
-              </a:ext>
-            </a:extLst>
-          </p:cNvPr>
-          <p:cNvSpPr txBox="1"/>
-          <p:nvPr/>
-        </p:nvSpPr>
-        <p:spPr>
-          <a:xfrm>
-            <a:off x="7256055" y="5684630"/>
-            <a:ext cx="4308808" cy="646331"/>
-          </a:xfrm>
-          <a:prstGeom prst="rect">
-            <a:avLst/>
-          </a:prstGeom>
-          <a:noFill/>
-        </p:spPr>
-        <p:txBody>
-          <a:bodyPr wrap="none" rtlCol="0">
-            <a:spAutoFit/>
-          </a:bodyPr>
-          <a:lstStyle/>
-          <a:p>
-            <a:r>
-              <a:rPr lang="ru-RU" dirty="0"/>
-              <a:t>Влияет на попарную корреляцию тем как </a:t>
-            </a:r>
-          </a:p>
-          <a:p>
-            <a:r>
-              <a:rPr lang="ru-RU" dirty="0"/>
-              <a:t>столбцов матрицы слово-тема.</a:t>
-            </a:r>
-          </a:p>
-        </p:txBody>
-      </p:sp>
+      <mc:AlternateContent xmlns:mc="http://schemas.openxmlformats.org/markup-compatibility/2006">
+        <mc:Choice xmlns:a14="http://schemas.microsoft.com/office/drawing/2010/main" Requires="a14">
+          <p:sp>
+            <p:nvSpPr>
+              <p:cNvPr id="18" name="TextBox 17">
+                <a:extLst>
+                  <a:ext uri="{FF2B5EF4-FFF2-40B4-BE49-F238E27FC236}">
+                    <a16:creationId xmlns:a16="http://schemas.microsoft.com/office/drawing/2014/main" id="{E807E433-A617-4740-99FE-5F946682446D}"/>
+                  </a:ext>
+                </a:extLst>
+              </p:cNvPr>
+              <p:cNvSpPr txBox="1"/>
+              <p:nvPr/>
+            </p:nvSpPr>
+            <p:spPr>
+              <a:xfrm>
+                <a:off x="7256055" y="4343052"/>
+                <a:ext cx="4217950" cy="646331"/>
+              </a:xfrm>
+              <a:prstGeom prst="rect">
+                <a:avLst/>
+              </a:prstGeom>
+              <a:noFill/>
+            </p:spPr>
+            <p:txBody>
+              <a:bodyPr wrap="none" rtlCol="0">
+                <a:spAutoFit/>
+              </a:bodyPr>
+              <a:lstStyle/>
+              <a:p>
+                <a:r>
+                  <a:rPr lang="ru-RU" dirty="0"/>
+                  <a:t>Влияет на количество нулевых значений </a:t>
+                </a:r>
+              </a:p>
+              <a:p>
+                <a:r>
+                  <a:rPr lang="ru-RU" dirty="0"/>
+                  <a:t>в матрице</a:t>
+                </a:r>
+                <a:r>
+                  <a:rPr lang="en-US" dirty="0"/>
+                  <a:t> </a:t>
+                </a:r>
+                <a14:m>
+                  <m:oMath xmlns:m="http://schemas.openxmlformats.org/officeDocument/2006/math">
+                    <m:r>
+                      <m:rPr>
+                        <m:sty m:val="p"/>
+                      </m:rPr>
+                      <a:rPr lang="el-GR" i="1" smtClean="0">
+                        <a:latin typeface="Cambria Math" panose="02040503050406030204" pitchFamily="18" charset="0"/>
+                        <a:ea typeface="Cambria Math" panose="02040503050406030204" pitchFamily="18" charset="0"/>
+                      </a:rPr>
+                      <m:t>Θ</m:t>
+                    </m:r>
+                  </m:oMath>
+                </a14:m>
+                <a:r>
+                  <a:rPr lang="ru-RU" dirty="0"/>
+                  <a:t> тема-документ.</a:t>
+                </a:r>
+              </a:p>
+            </p:txBody>
+          </p:sp>
+        </mc:Choice>
+        <mc:Fallback>
+          <p:sp>
+            <p:nvSpPr>
+              <p:cNvPr id="18" name="TextBox 17">
+                <a:extLst>
+                  <a:ext uri="{FF2B5EF4-FFF2-40B4-BE49-F238E27FC236}">
+                    <a16:creationId xmlns:a16="http://schemas.microsoft.com/office/drawing/2014/main" id="{E807E433-A617-4740-99FE-5F946682446D}"/>
+                  </a:ext>
+                </a:extLst>
+              </p:cNvPr>
+              <p:cNvSpPr txBox="1">
+                <a:spLocks noRot="1" noChangeAspect="1" noMove="1" noResize="1" noEditPoints="1" noAdjustHandles="1" noChangeArrowheads="1" noChangeShapeType="1" noTextEdit="1"/>
+              </p:cNvSpPr>
+              <p:nvPr/>
+            </p:nvSpPr>
+            <p:spPr>
+              <a:xfrm>
+                <a:off x="7256055" y="4343052"/>
+                <a:ext cx="4217950" cy="646331"/>
+              </a:xfrm>
+              <a:prstGeom prst="rect">
+                <a:avLst/>
+              </a:prstGeom>
+              <a:blipFill>
+                <a:blip r:embed="rId5"/>
+                <a:stretch>
+                  <a:fillRect l="-901" t="-3846" r="-300" b="-13462"/>
+                </a:stretch>
+              </a:blipFill>
+            </p:spPr>
+            <p:txBody>
+              <a:bodyPr/>
+              <a:lstStyle/>
+              <a:p>
+                <a:r>
+                  <a:rPr lang="ru-RU">
+                    <a:noFill/>
+                  </a:rPr>
+                  <a:t> </a:t>
+                </a:r>
+              </a:p>
+            </p:txBody>
+          </p:sp>
+        </mc:Fallback>
+      </mc:AlternateContent>
+      <mc:AlternateContent xmlns:mc="http://schemas.openxmlformats.org/markup-compatibility/2006">
+        <mc:Choice xmlns:a14="http://schemas.microsoft.com/office/drawing/2010/main" Requires="a14">
+          <p:sp>
+            <p:nvSpPr>
+              <p:cNvPr id="19" name="TextBox 18">
+                <a:extLst>
+                  <a:ext uri="{FF2B5EF4-FFF2-40B4-BE49-F238E27FC236}">
+                    <a16:creationId xmlns:a16="http://schemas.microsoft.com/office/drawing/2014/main" id="{6844F10B-3FBA-044C-951A-5C2123DCCA4D}"/>
+                  </a:ext>
+                </a:extLst>
+              </p:cNvPr>
+              <p:cNvSpPr txBox="1"/>
+              <p:nvPr/>
+            </p:nvSpPr>
+            <p:spPr>
+              <a:xfrm>
+                <a:off x="7256055" y="5684630"/>
+                <a:ext cx="4308808" cy="646331"/>
+              </a:xfrm>
+              <a:prstGeom prst="rect">
+                <a:avLst/>
+              </a:prstGeom>
+              <a:noFill/>
+            </p:spPr>
+            <p:txBody>
+              <a:bodyPr wrap="none" rtlCol="0">
+                <a:spAutoFit/>
+              </a:bodyPr>
+              <a:lstStyle/>
+              <a:p>
+                <a:r>
+                  <a:rPr lang="ru-RU" dirty="0"/>
+                  <a:t>Влияет на попарную корреляцию тем как </a:t>
+                </a:r>
+              </a:p>
+              <a:p>
+                <a:r>
+                  <a:rPr lang="ru-RU" dirty="0"/>
+                  <a:t>столбцов матрицы</a:t>
+                </a:r>
+                <a:r>
+                  <a:rPr lang="en-US" dirty="0"/>
+                  <a:t> </a:t>
+                </a:r>
+                <a14:m>
+                  <m:oMath xmlns:m="http://schemas.openxmlformats.org/officeDocument/2006/math">
+                    <m:r>
+                      <m:rPr>
+                        <m:sty m:val="p"/>
+                      </m:rPr>
+                      <a:rPr lang="el-GR" i="1" smtClean="0">
+                        <a:latin typeface="Cambria Math" panose="02040503050406030204" pitchFamily="18" charset="0"/>
+                        <a:ea typeface="Cambria Math" panose="02040503050406030204" pitchFamily="18" charset="0"/>
+                      </a:rPr>
+                      <m:t>Φ</m:t>
+                    </m:r>
+                  </m:oMath>
+                </a14:m>
+                <a:r>
+                  <a:rPr lang="ru-RU" dirty="0"/>
+                  <a:t> слово-тема.</a:t>
+                </a:r>
+              </a:p>
+            </p:txBody>
+          </p:sp>
+        </mc:Choice>
+        <mc:Fallback>
+          <p:sp>
+            <p:nvSpPr>
+              <p:cNvPr id="19" name="TextBox 18">
+                <a:extLst>
+                  <a:ext uri="{FF2B5EF4-FFF2-40B4-BE49-F238E27FC236}">
+                    <a16:creationId xmlns:a16="http://schemas.microsoft.com/office/drawing/2014/main" id="{6844F10B-3FBA-044C-951A-5C2123DCCA4D}"/>
+                  </a:ext>
+                </a:extLst>
+              </p:cNvPr>
+              <p:cNvSpPr txBox="1">
+                <a:spLocks noRot="1" noChangeAspect="1" noMove="1" noResize="1" noEditPoints="1" noAdjustHandles="1" noChangeArrowheads="1" noChangeShapeType="1" noTextEdit="1"/>
+              </p:cNvSpPr>
+              <p:nvPr/>
+            </p:nvSpPr>
+            <p:spPr>
+              <a:xfrm>
+                <a:off x="7256055" y="5684630"/>
+                <a:ext cx="4308808" cy="646331"/>
+              </a:xfrm>
+              <a:prstGeom prst="rect">
+                <a:avLst/>
+              </a:prstGeom>
+              <a:blipFill>
+                <a:blip r:embed="rId6"/>
+                <a:stretch>
+                  <a:fillRect l="-880" t="-3846" b="-13462"/>
+                </a:stretch>
+              </a:blipFill>
+            </p:spPr>
+            <p:txBody>
+              <a:bodyPr/>
+              <a:lstStyle/>
+              <a:p>
+                <a:r>
+                  <a:rPr lang="ru-RU">
+                    <a:noFill/>
+                  </a:rPr>
+                  <a:t> </a:t>
+                </a:r>
+              </a:p>
+            </p:txBody>
+          </p:sp>
+        </mc:Fallback>
+      </mc:AlternateContent>
     </p:spTree>
     <p:extLst>
       <p:ext uri="{BB962C8B-B14F-4D97-AF65-F5344CB8AC3E}">

--- a/presentation/presentation.pptx
+++ b/presentation/presentation.pptx
@@ -4418,8 +4418,8 @@
           </a:p>
         </p:txBody>
       </p:sp>
-      <mc:AlternateContent xmlns:mc="http://schemas.openxmlformats.org/markup-compatibility/2006" xmlns:a14="http://schemas.microsoft.com/office/drawing/2010/main">
-        <mc:Choice Requires="a14">
+      <mc:AlternateContent xmlns:mc="http://schemas.openxmlformats.org/markup-compatibility/2006">
+        <mc:Choice xmlns:a14="http://schemas.microsoft.com/office/drawing/2010/main" Requires="a14">
           <p:sp>
             <p:nvSpPr>
               <p:cNvPr id="9" name="TextBox 8">
@@ -4434,7 +4434,7 @@
             </p:nvSpPr>
             <p:spPr>
               <a:xfrm rot="19800000">
-                <a:off x="2920965" y="1929805"/>
+                <a:off x="2920965" y="1883505"/>
                 <a:ext cx="1348511" cy="523220"/>
               </a:xfrm>
               <a:prstGeom prst="rect">
@@ -4477,7 +4477,7 @@
             </p:txBody>
           </p:sp>
         </mc:Choice>
-        <mc:Fallback xmlns="">
+        <mc:Fallback>
           <p:sp>
             <p:nvSpPr>
               <p:cNvPr id="9" name="TextBox 8">
@@ -4494,7 +4494,7 @@
             </p:nvSpPr>
             <p:spPr>
               <a:xfrm rot="19800000">
-                <a:off x="2920965" y="1929805"/>
+                <a:off x="2920965" y="1883505"/>
                 <a:ext cx="1348511" cy="523220"/>
               </a:xfrm>
               <a:prstGeom prst="rect">
@@ -4503,7 +4503,7 @@
               <a:blipFill>
                 <a:blip r:embed="rId3"/>
                 <a:stretch>
-                  <a:fillRect l="-885" t="-1136" b="-6818"/>
+                  <a:fillRect l="-885" t="-1124" b="-5618"/>
                 </a:stretch>
               </a:blipFill>
             </p:spPr>
@@ -4522,8 +4522,8 @@
           </p:sp>
         </mc:Fallback>
       </mc:AlternateContent>
-      <mc:AlternateContent xmlns:mc="http://schemas.openxmlformats.org/markup-compatibility/2006" xmlns:a14="http://schemas.microsoft.com/office/drawing/2010/main">
-        <mc:Choice Requires="a14">
+      <mc:AlternateContent xmlns:mc="http://schemas.openxmlformats.org/markup-compatibility/2006">
+        <mc:Choice xmlns:a14="http://schemas.microsoft.com/office/drawing/2010/main" Requires="a14">
           <p:sp>
             <p:nvSpPr>
               <p:cNvPr id="10" name="TextBox 9">
@@ -4538,7 +4538,7 @@
             </p:nvSpPr>
             <p:spPr>
               <a:xfrm rot="19800000">
-                <a:off x="4364277" y="1879477"/>
+                <a:off x="4364277" y="1856327"/>
                 <a:ext cx="1348511" cy="523220"/>
               </a:xfrm>
               <a:prstGeom prst="rect">
@@ -4581,7 +4581,7 @@
             </p:txBody>
           </p:sp>
         </mc:Choice>
-        <mc:Fallback xmlns="">
+        <mc:Fallback>
           <p:sp>
             <p:nvSpPr>
               <p:cNvPr id="10" name="TextBox 9">
@@ -4598,7 +4598,7 @@
             </p:nvSpPr>
             <p:spPr>
               <a:xfrm rot="19800000">
-                <a:off x="4364277" y="1879477"/>
+                <a:off x="4364277" y="1856327"/>
                 <a:ext cx="1348511" cy="523220"/>
               </a:xfrm>
               <a:prstGeom prst="rect">
@@ -4607,7 +4607,7 @@
               <a:blipFill>
                 <a:blip r:embed="rId4"/>
                 <a:stretch>
-                  <a:fillRect l="-1770" b="-4444"/>
+                  <a:fillRect l="-1770" b="-5556"/>
                 </a:stretch>
               </a:blipFill>
             </p:spPr>
@@ -6107,7 +6107,7 @@
         <p:spPr>
           <a:xfrm>
             <a:off x="257669" y="238749"/>
-            <a:ext cx="2353529" cy="523220"/>
+            <a:ext cx="3910045" cy="523220"/>
           </a:xfrm>
           <a:prstGeom prst="rect">
             <a:avLst/>
@@ -6123,7 +6123,7 @@
               <a:rPr lang="ru-RU" sz="2800" dirty="0">
                 <a:latin typeface="+mj-lt"/>
               </a:rPr>
-              <a:t>Исследование</a:t>
+              <a:t>Параметризация метода</a:t>
             </a:r>
           </a:p>
         </p:txBody>
@@ -6500,8 +6500,8 @@
         </p:nvSpPr>
         <p:spPr>
           <a:xfrm>
-            <a:off x="795119" y="823524"/>
-            <a:ext cx="2078454" cy="461665"/>
+            <a:off x="449761" y="873504"/>
+            <a:ext cx="2698555" cy="400110"/>
           </a:xfrm>
           <a:prstGeom prst="rect">
             <a:avLst/>
@@ -6511,22 +6511,22 @@
           </a:solidFill>
         </p:spPr>
         <p:txBody>
-          <a:bodyPr wrap="none" rtlCol="0">
+          <a:bodyPr wrap="square" rtlCol="0">
             <a:spAutoFit/>
           </a:bodyPr>
           <a:lstStyle/>
           <a:p>
             <a:pPr algn="ctr"/>
             <a:r>
-              <a:rPr lang="ru-RU" sz="1200" dirty="0"/>
-              <a:t>Название модели</a:t>
+              <a:rPr lang="ru-RU" sz="1000" dirty="0"/>
+              <a:t>Название модели: коллекция + </a:t>
             </a:r>
           </a:p>
           <a:p>
             <a:pPr algn="ctr"/>
             <a:r>
-              <a:rPr lang="ru-RU" sz="1200" dirty="0"/>
-              <a:t>коллекция + регуляризаторы</a:t>
+              <a:rPr lang="ru-RU" sz="1000" dirty="0"/>
+              <a:t>регуляризаторы + порядок регуляризаторов</a:t>
             </a:r>
           </a:p>
         </p:txBody>
@@ -6576,7 +6576,7 @@
         <p:spPr>
           <a:xfrm>
             <a:off x="248078" y="234948"/>
-            <a:ext cx="3403496" cy="523220"/>
+            <a:ext cx="4350871" cy="523220"/>
           </a:xfrm>
           <a:prstGeom prst="rect">
             <a:avLst/>
@@ -6592,7 +6592,7 @@
               <a:rPr lang="ru-RU" sz="2800" dirty="0">
                 <a:latin typeface="+mj-lt"/>
               </a:rPr>
-              <a:t>Метрики для модели</a:t>
+              <a:t>Метрики для модификации</a:t>
             </a:r>
           </a:p>
         </p:txBody>
@@ -9252,7 +9252,7 @@
               <a:rPr lang="ru-RU" sz="2400" dirty="0">
                 <a:latin typeface="+mj-lt"/>
               </a:rPr>
-              <a:t>проанализированы существующие методы тематического моделирования и выбран базовый для классификации новостей на русском языке;</a:t>
+              <a:t>Проанализированы существующие методы тематического моделирования и выбран базовый для классификации новостей на русском языке;</a:t>
             </a:r>
           </a:p>
           <a:p>
@@ -10356,12 +10356,59 @@
           </a:p>
         </p:txBody>
       </p:sp>
+      <p:sp>
+        <p:nvSpPr>
+          <p:cNvPr id="9" name="Прямоугольник 8">
+            <a:extLst>
+              <a:ext uri="{FF2B5EF4-FFF2-40B4-BE49-F238E27FC236}">
+                <a16:creationId xmlns:a16="http://schemas.microsoft.com/office/drawing/2014/main" id="{9E598A95-1A25-DD4C-B486-B84A5D4E9907}"/>
+              </a:ext>
+            </a:extLst>
+          </p:cNvPr>
+          <p:cNvSpPr/>
+          <p:nvPr/>
+        </p:nvSpPr>
+        <p:spPr>
+          <a:xfrm>
+            <a:off x="9965410" y="6150262"/>
+            <a:ext cx="1193370" cy="646331"/>
+          </a:xfrm>
+          <a:prstGeom prst="rect">
+            <a:avLst/>
+          </a:prstGeom>
+          <a:ln>
+            <a:noFill/>
+          </a:ln>
+        </p:spPr>
+        <p:style>
+          <a:lnRef idx="2">
+            <a:schemeClr val="accent6"/>
+          </a:lnRef>
+          <a:fillRef idx="1">
+            <a:schemeClr val="lt1"/>
+          </a:fillRef>
+          <a:effectRef idx="0">
+            <a:schemeClr val="accent6"/>
+          </a:effectRef>
+          <a:fontRef idx="minor">
+            <a:schemeClr val="dk1"/>
+          </a:fontRef>
+        </p:style>
+        <p:txBody>
+          <a:bodyPr rtlCol="0" anchor="ctr"/>
+          <a:lstStyle/>
+          <a:p>
+            <a:pPr algn="ctr"/>
+            <a:endParaRPr lang="ru-RU"/>
+          </a:p>
+        </p:txBody>
+      </p:sp>
       <p:pic>
         <p:nvPicPr>
-          <p:cNvPr id="4" name="Рисунок 3">
-            <a:extLst>
-              <a:ext uri="{FF2B5EF4-FFF2-40B4-BE49-F238E27FC236}">
-                <a16:creationId xmlns:a16="http://schemas.microsoft.com/office/drawing/2014/main" id="{0D75B728-674C-0649-A4E4-00329917381D}"/>
+          <p:cNvPr id="3" name="Рисунок 2">
+            <a:extLst>
+              <a:ext uri="{FF2B5EF4-FFF2-40B4-BE49-F238E27FC236}">
+                <a16:creationId xmlns:a16="http://schemas.microsoft.com/office/drawing/2014/main" id="{ABECACA5-6A57-294B-AECF-D4BDFF72F537}"/>
               </a:ext>
             </a:extLst>
           </p:cNvPr>
@@ -10378,8 +10425,8 @@
         </p:blipFill>
         <p:spPr>
           <a:xfrm>
-            <a:off x="726049" y="921509"/>
-            <a:ext cx="10560803" cy="5941937"/>
+            <a:off x="481026" y="888055"/>
+            <a:ext cx="10536379" cy="5928195"/>
           </a:xfrm>
           <a:prstGeom prst="rect">
             <a:avLst/>
@@ -10388,10 +10435,10 @@
       </p:pic>
       <p:sp>
         <p:nvSpPr>
-          <p:cNvPr id="9" name="Прямоугольник 8">
-            <a:extLst>
-              <a:ext uri="{FF2B5EF4-FFF2-40B4-BE49-F238E27FC236}">
-                <a16:creationId xmlns:a16="http://schemas.microsoft.com/office/drawing/2014/main" id="{9E598A95-1A25-DD4C-B486-B84A5D4E9907}"/>
+          <p:cNvPr id="5" name="Прямоугольник 4">
+            <a:extLst>
+              <a:ext uri="{FF2B5EF4-FFF2-40B4-BE49-F238E27FC236}">
+                <a16:creationId xmlns:a16="http://schemas.microsoft.com/office/drawing/2014/main" id="{C2994256-ED39-764B-8C5E-A9A78E8F63FD}"/>
               </a:ext>
             </a:extLst>
           </p:cNvPr>
@@ -10400,8 +10447,8 @@
         </p:nvSpPr>
         <p:spPr>
           <a:xfrm>
-            <a:off x="9965410" y="6150262"/>
-            <a:ext cx="1193370" cy="646331"/>
+            <a:off x="10303727" y="6411951"/>
+            <a:ext cx="602166" cy="256478"/>
           </a:xfrm>
           <a:prstGeom prst="rect">
             <a:avLst/>

--- a/presentation/presentation.pptx
+++ b/presentation/presentation.pptx
@@ -11158,288 +11158,6 @@
           </a:p>
         </p:txBody>
       </p:sp>
-      <p:grpSp>
-        <p:nvGrpSpPr>
-          <p:cNvPr id="27" name="Группа 26">
-            <a:extLst>
-              <a:ext uri="{FF2B5EF4-FFF2-40B4-BE49-F238E27FC236}">
-                <a16:creationId xmlns:a16="http://schemas.microsoft.com/office/drawing/2014/main" id="{BA080625-3332-3B4D-8D25-9B2F76938B83}"/>
-              </a:ext>
-            </a:extLst>
-          </p:cNvPr>
-          <p:cNvGrpSpPr/>
-          <p:nvPr/>
-        </p:nvGrpSpPr>
-        <p:grpSpPr>
-          <a:xfrm>
-            <a:off x="928266" y="3872790"/>
-            <a:ext cx="5687147" cy="2345476"/>
-            <a:chOff x="928266" y="3872790"/>
-            <a:chExt cx="5687147" cy="2345476"/>
-          </a:xfrm>
-        </p:grpSpPr>
-        <p:grpSp>
-          <p:nvGrpSpPr>
-            <p:cNvPr id="26" name="Группа 25">
-              <a:extLst>
-                <a:ext uri="{FF2B5EF4-FFF2-40B4-BE49-F238E27FC236}">
-                  <a16:creationId xmlns:a16="http://schemas.microsoft.com/office/drawing/2014/main" id="{0F7CAD9F-57AB-D143-9F6F-B3F7462BC2DF}"/>
-                </a:ext>
-              </a:extLst>
-            </p:cNvPr>
-            <p:cNvGrpSpPr/>
-            <p:nvPr/>
-          </p:nvGrpSpPr>
-          <p:grpSpPr>
-            <a:xfrm>
-              <a:off x="928266" y="3872790"/>
-              <a:ext cx="5687147" cy="2345476"/>
-              <a:chOff x="2947307" y="3852790"/>
-              <a:chExt cx="5687147" cy="2345476"/>
-            </a:xfrm>
-          </p:grpSpPr>
-          <p:pic>
-            <p:nvPicPr>
-              <p:cNvPr id="19" name="Рисунок 18">
-                <a:extLst>
-                  <a:ext uri="{FF2B5EF4-FFF2-40B4-BE49-F238E27FC236}">
-                    <a16:creationId xmlns:a16="http://schemas.microsoft.com/office/drawing/2014/main" id="{6F515BAB-38BE-6543-8E7B-E8A7BA8149AF}"/>
-                  </a:ext>
-                </a:extLst>
-              </p:cNvPr>
-              <p:cNvPicPr>
-                <a:picLocks noChangeAspect="1"/>
-              </p:cNvPicPr>
-              <p:nvPr/>
-            </p:nvPicPr>
-            <p:blipFill>
-              <a:blip r:embed="rId4"/>
-              <a:stretch>
-                <a:fillRect/>
-              </a:stretch>
-            </p:blipFill>
-            <p:spPr>
-              <a:xfrm>
-                <a:off x="2995654" y="3899566"/>
-                <a:ext cx="5638800" cy="2298700"/>
-              </a:xfrm>
-              <a:prstGeom prst="rect">
-                <a:avLst/>
-              </a:prstGeom>
-            </p:spPr>
-          </p:pic>
-          <p:sp>
-            <p:nvSpPr>
-              <p:cNvPr id="20" name="TextBox 19">
-                <a:extLst>
-                  <a:ext uri="{FF2B5EF4-FFF2-40B4-BE49-F238E27FC236}">
-                    <a16:creationId xmlns:a16="http://schemas.microsoft.com/office/drawing/2014/main" id="{376D3334-87B6-5C49-8522-D4C29D0F7258}"/>
-                  </a:ext>
-                </a:extLst>
-              </p:cNvPr>
-              <p:cNvSpPr txBox="1"/>
-              <p:nvPr/>
-            </p:nvSpPr>
-            <p:spPr>
-              <a:xfrm rot="16200000">
-                <a:off x="2760717" y="4864249"/>
-                <a:ext cx="742511" cy="369332"/>
-              </a:xfrm>
-              <a:prstGeom prst="rect">
-                <a:avLst/>
-              </a:prstGeom>
-              <a:noFill/>
-            </p:spPr>
-            <p:txBody>
-              <a:bodyPr wrap="none" rtlCol="0">
-                <a:spAutoFit/>
-              </a:bodyPr>
-              <a:lstStyle/>
-              <a:p>
-                <a:r>
-                  <a:rPr lang="ru-RU" dirty="0"/>
-                  <a:t>слова</a:t>
-                </a:r>
-              </a:p>
-            </p:txBody>
-          </p:sp>
-          <p:sp>
-            <p:nvSpPr>
-              <p:cNvPr id="21" name="TextBox 20">
-                <a:extLst>
-                  <a:ext uri="{FF2B5EF4-FFF2-40B4-BE49-F238E27FC236}">
-                    <a16:creationId xmlns:a16="http://schemas.microsoft.com/office/drawing/2014/main" id="{D888DDF1-ACD4-534C-A191-157466E9DC16}"/>
-                  </a:ext>
-                </a:extLst>
-              </p:cNvPr>
-              <p:cNvSpPr txBox="1"/>
-              <p:nvPr/>
-            </p:nvSpPr>
-            <p:spPr>
-              <a:xfrm>
-                <a:off x="3316638" y="3852790"/>
-                <a:ext cx="1280607" cy="369332"/>
-              </a:xfrm>
-              <a:prstGeom prst="rect">
-                <a:avLst/>
-              </a:prstGeom>
-              <a:noFill/>
-            </p:spPr>
-            <p:txBody>
-              <a:bodyPr wrap="none" rtlCol="0">
-                <a:spAutoFit/>
-              </a:bodyPr>
-              <a:lstStyle/>
-              <a:p>
-                <a:r>
-                  <a:rPr lang="ru-RU" dirty="0"/>
-                  <a:t>документы</a:t>
-                </a:r>
-              </a:p>
-            </p:txBody>
-          </p:sp>
-          <p:sp>
-            <p:nvSpPr>
-              <p:cNvPr id="22" name="TextBox 21">
-                <a:extLst>
-                  <a:ext uri="{FF2B5EF4-FFF2-40B4-BE49-F238E27FC236}">
-                    <a16:creationId xmlns:a16="http://schemas.microsoft.com/office/drawing/2014/main" id="{474B70DB-EC92-5C49-9403-B3712ACA3E32}"/>
-                  </a:ext>
-                </a:extLst>
-              </p:cNvPr>
-              <p:cNvSpPr txBox="1"/>
-              <p:nvPr/>
-            </p:nvSpPr>
-            <p:spPr>
-              <a:xfrm rot="16200000">
-                <a:off x="5051885" y="4902975"/>
-                <a:ext cx="742511" cy="369332"/>
-              </a:xfrm>
-              <a:prstGeom prst="rect">
-                <a:avLst/>
-              </a:prstGeom>
-              <a:noFill/>
-            </p:spPr>
-            <p:txBody>
-              <a:bodyPr wrap="none" rtlCol="0">
-                <a:spAutoFit/>
-              </a:bodyPr>
-              <a:lstStyle/>
-              <a:p>
-                <a:r>
-                  <a:rPr lang="ru-RU" dirty="0"/>
-                  <a:t>слова</a:t>
-                </a:r>
-              </a:p>
-            </p:txBody>
-          </p:sp>
-          <p:sp>
-            <p:nvSpPr>
-              <p:cNvPr id="23" name="TextBox 22">
-                <a:extLst>
-                  <a:ext uri="{FF2B5EF4-FFF2-40B4-BE49-F238E27FC236}">
-                    <a16:creationId xmlns:a16="http://schemas.microsoft.com/office/drawing/2014/main" id="{07BA1600-CE0D-304C-AB75-DB11B7A9BBBD}"/>
-                  </a:ext>
-                </a:extLst>
-              </p:cNvPr>
-              <p:cNvSpPr txBox="1"/>
-              <p:nvPr/>
-            </p:nvSpPr>
-            <p:spPr>
-              <a:xfrm>
-                <a:off x="5684388" y="3899566"/>
-                <a:ext cx="695832" cy="369332"/>
-              </a:xfrm>
-              <a:prstGeom prst="rect">
-                <a:avLst/>
-              </a:prstGeom>
-              <a:noFill/>
-            </p:spPr>
-            <p:txBody>
-              <a:bodyPr wrap="none" rtlCol="0">
-                <a:spAutoFit/>
-              </a:bodyPr>
-              <a:lstStyle/>
-              <a:p>
-                <a:r>
-                  <a:rPr lang="ru-RU" dirty="0"/>
-                  <a:t>темы</a:t>
-                </a:r>
-              </a:p>
-            </p:txBody>
-          </p:sp>
-          <p:sp>
-            <p:nvSpPr>
-              <p:cNvPr id="25" name="TextBox 24">
-                <a:extLst>
-                  <a:ext uri="{FF2B5EF4-FFF2-40B4-BE49-F238E27FC236}">
-                    <a16:creationId xmlns:a16="http://schemas.microsoft.com/office/drawing/2014/main" id="{ABF465A6-27BD-014B-AC24-E588604D289B}"/>
-                  </a:ext>
-                </a:extLst>
-              </p:cNvPr>
-              <p:cNvSpPr txBox="1"/>
-              <p:nvPr/>
-            </p:nvSpPr>
-            <p:spPr>
-              <a:xfrm>
-                <a:off x="6913109" y="4259984"/>
-                <a:ext cx="1280607" cy="369332"/>
-              </a:xfrm>
-              <a:prstGeom prst="rect">
-                <a:avLst/>
-              </a:prstGeom>
-              <a:noFill/>
-            </p:spPr>
-            <p:txBody>
-              <a:bodyPr wrap="none" rtlCol="0">
-                <a:spAutoFit/>
-              </a:bodyPr>
-              <a:lstStyle/>
-              <a:p>
-                <a:r>
-                  <a:rPr lang="ru-RU" dirty="0"/>
-                  <a:t>документы</a:t>
-                </a:r>
-              </a:p>
-            </p:txBody>
-          </p:sp>
-        </p:grpSp>
-        <p:sp>
-          <p:nvSpPr>
-            <p:cNvPr id="24" name="TextBox 23">
-              <a:extLst>
-                <a:ext uri="{FF2B5EF4-FFF2-40B4-BE49-F238E27FC236}">
-                  <a16:creationId xmlns:a16="http://schemas.microsoft.com/office/drawing/2014/main" id="{1C950C69-68FF-0842-AA49-F6F9DF168B8F}"/>
-                </a:ext>
-              </a:extLst>
-            </p:cNvPr>
-            <p:cNvSpPr txBox="1"/>
-            <p:nvPr/>
-          </p:nvSpPr>
-          <p:spPr>
-            <a:xfrm rot="16200000">
-              <a:off x="4730818" y="4907589"/>
-              <a:ext cx="695832" cy="369332"/>
-            </a:xfrm>
-            <a:prstGeom prst="rect">
-              <a:avLst/>
-            </a:prstGeom>
-            <a:noFill/>
-          </p:spPr>
-          <p:txBody>
-            <a:bodyPr wrap="none" rtlCol="0">
-              <a:spAutoFit/>
-            </a:bodyPr>
-            <a:lstStyle/>
-            <a:p>
-              <a:r>
-                <a:rPr lang="ru-RU" dirty="0"/>
-                <a:t>темы</a:t>
-              </a:r>
-            </a:p>
-          </p:txBody>
-        </p:sp>
-      </p:grpSp>
       <mc:AlternateContent xmlns:mc="http://schemas.openxmlformats.org/markup-compatibility/2006">
         <mc:Choice xmlns:a14="http://schemas.microsoft.com/office/drawing/2010/main" Requires="a14">
           <p:sp>
@@ -11456,8 +11174,8 @@
             </p:nvSpPr>
             <p:spPr>
               <a:xfrm>
-                <a:off x="7279205" y="3973600"/>
-                <a:ext cx="3981487" cy="2031325"/>
+                <a:off x="741700" y="4061861"/>
+                <a:ext cx="3981487" cy="1754326"/>
               </a:xfrm>
               <a:prstGeom prst="rect">
                 <a:avLst/>
@@ -11472,7 +11190,7 @@
               <a:p>
                 <a:r>
                   <a:rPr lang="ru-RU" dirty="0"/>
-                  <a:t>Необходимо найти такие матрицы </a:t>
+                  <a:t>Необходимо составить такие матрицы </a:t>
                 </a:r>
                 <a14:m>
                   <m:oMath xmlns:m="http://schemas.openxmlformats.org/officeDocument/2006/math">
@@ -11511,7 +11229,7 @@
                 </a:r>
                 <a:r>
                   <a:rPr lang="ru-RU" dirty="0"/>
-                  <a:t>что бы:</a:t>
+                  <a:t>чтобы:</a:t>
                 </a:r>
               </a:p>
               <a:p>
@@ -11536,7 +11254,7 @@
                 </a:pPr>
                 <a:r>
                   <a:rPr lang="ru-RU" dirty="0"/>
-                  <a:t>была высока вероятность интерпретируемости тем экспертом.</a:t>
+                  <a:t>была высока интерпретируемость тем экспертом.</a:t>
                 </a:r>
               </a:p>
             </p:txBody>
@@ -11559,16 +11277,16 @@
             </p:nvSpPr>
             <p:spPr>
               <a:xfrm>
-                <a:off x="7279205" y="3973600"/>
-                <a:ext cx="3981487" cy="2031325"/>
+                <a:off x="741700" y="4061861"/>
+                <a:ext cx="3981487" cy="1754326"/>
               </a:xfrm>
               <a:prstGeom prst="rect">
                 <a:avLst/>
               </a:prstGeom>
               <a:blipFill>
-                <a:blip r:embed="rId5"/>
+                <a:blip r:embed="rId4"/>
                 <a:stretch>
-                  <a:fillRect l="-952" t="-1242" b="-3106"/>
+                  <a:fillRect l="-952" t="-1439" r="-952" b="-4317"/>
                 </a:stretch>
               </a:blipFill>
             </p:spPr>
@@ -11589,41 +11307,6 @@
       </mc:AlternateContent>
       <p:sp>
         <p:nvSpPr>
-          <p:cNvPr id="29" name="TextBox 28">
-            <a:extLst>
-              <a:ext uri="{FF2B5EF4-FFF2-40B4-BE49-F238E27FC236}">
-                <a16:creationId xmlns:a16="http://schemas.microsoft.com/office/drawing/2014/main" id="{6C536250-40A0-0044-A7DC-439045BBC082}"/>
-              </a:ext>
-            </a:extLst>
-          </p:cNvPr>
-          <p:cNvSpPr txBox="1"/>
-          <p:nvPr/>
-        </p:nvSpPr>
-        <p:spPr>
-          <a:xfrm>
-            <a:off x="1511886" y="6033600"/>
-            <a:ext cx="1066318" cy="369332"/>
-          </a:xfrm>
-          <a:prstGeom prst="rect">
-            <a:avLst/>
-          </a:prstGeom>
-          <a:noFill/>
-        </p:spPr>
-        <p:txBody>
-          <a:bodyPr wrap="none" rtlCol="0">
-            <a:spAutoFit/>
-          </a:bodyPr>
-          <a:lstStyle/>
-          <a:p>
-            <a:r>
-              <a:rPr lang="ru-RU" dirty="0"/>
-              <a:t>известно</a:t>
-            </a:r>
-          </a:p>
-        </p:txBody>
-      </p:sp>
-      <p:sp>
-        <p:nvSpPr>
           <p:cNvPr id="11" name="Закрывающая фигурная скобка 10">
             <a:extLst>
               <a:ext uri="{FF2B5EF4-FFF2-40B4-BE49-F238E27FC236}">
@@ -11703,6 +11386,249 @@
             <a:r>
               <a:rPr lang="ru-RU" dirty="0"/>
               <a:t>слов в темах</a:t>
+            </a:r>
+          </a:p>
+        </p:txBody>
+      </p:sp>
+      <p:pic>
+        <p:nvPicPr>
+          <p:cNvPr id="16" name="Рисунок 15">
+            <a:extLst>
+              <a:ext uri="{FF2B5EF4-FFF2-40B4-BE49-F238E27FC236}">
+                <a16:creationId xmlns:a16="http://schemas.microsoft.com/office/drawing/2014/main" id="{A68F1D34-3B18-E748-B0D5-8B3581CD41DD}"/>
+              </a:ext>
+            </a:extLst>
+          </p:cNvPr>
+          <p:cNvPicPr>
+            <a:picLocks noChangeAspect="1"/>
+          </p:cNvPicPr>
+          <p:nvPr/>
+        </p:nvPicPr>
+        <p:blipFill>
+          <a:blip r:embed="rId5"/>
+          <a:stretch>
+            <a:fillRect/>
+          </a:stretch>
+        </p:blipFill>
+        <p:spPr>
+          <a:xfrm>
+            <a:off x="4881423" y="4049931"/>
+            <a:ext cx="2753685" cy="1855845"/>
+          </a:xfrm>
+          <a:prstGeom prst="rect">
+            <a:avLst/>
+          </a:prstGeom>
+        </p:spPr>
+      </p:pic>
+      <p:pic>
+        <p:nvPicPr>
+          <p:cNvPr id="18" name="Рисунок 17">
+            <a:extLst>
+              <a:ext uri="{FF2B5EF4-FFF2-40B4-BE49-F238E27FC236}">
+                <a16:creationId xmlns:a16="http://schemas.microsoft.com/office/drawing/2014/main" id="{9A59D062-F105-374B-BC67-CF1A8DEBEBA7}"/>
+              </a:ext>
+            </a:extLst>
+          </p:cNvPr>
+          <p:cNvPicPr>
+            <a:picLocks noChangeAspect="1"/>
+          </p:cNvPicPr>
+          <p:nvPr/>
+        </p:nvPicPr>
+        <p:blipFill>
+          <a:blip r:embed="rId6"/>
+          <a:stretch>
+            <a:fillRect/>
+          </a:stretch>
+        </p:blipFill>
+        <p:spPr>
+          <a:xfrm>
+            <a:off x="9706902" y="4190574"/>
+            <a:ext cx="1412352" cy="1625613"/>
+          </a:xfrm>
+          <a:prstGeom prst="rect">
+            <a:avLst/>
+          </a:prstGeom>
+        </p:spPr>
+      </p:pic>
+      <p:pic>
+        <p:nvPicPr>
+          <p:cNvPr id="31" name="Рисунок 30">
+            <a:extLst>
+              <a:ext uri="{FF2B5EF4-FFF2-40B4-BE49-F238E27FC236}">
+                <a16:creationId xmlns:a16="http://schemas.microsoft.com/office/drawing/2014/main" id="{15E46FDE-417A-634C-96C7-BD12F5920279}"/>
+              </a:ext>
+            </a:extLst>
+          </p:cNvPr>
+          <p:cNvPicPr>
+            <a:picLocks noChangeAspect="1"/>
+          </p:cNvPicPr>
+          <p:nvPr/>
+        </p:nvPicPr>
+        <p:blipFill>
+          <a:blip r:embed="rId6"/>
+          <a:stretch>
+            <a:fillRect/>
+          </a:stretch>
+        </p:blipFill>
+        <p:spPr>
+          <a:xfrm>
+            <a:off x="7964829" y="4190574"/>
+            <a:ext cx="1412352" cy="1625613"/>
+          </a:xfrm>
+          <a:prstGeom prst="rect">
+            <a:avLst/>
+          </a:prstGeom>
+        </p:spPr>
+      </p:pic>
+      <p:sp>
+        <p:nvSpPr>
+          <p:cNvPr id="32" name="Прямоугольник 31">
+            <a:extLst>
+              <a:ext uri="{FF2B5EF4-FFF2-40B4-BE49-F238E27FC236}">
+                <a16:creationId xmlns:a16="http://schemas.microsoft.com/office/drawing/2014/main" id="{598C06E3-1E57-4F4B-BACD-E6D77F28206B}"/>
+              </a:ext>
+            </a:extLst>
+          </p:cNvPr>
+          <p:cNvSpPr/>
+          <p:nvPr/>
+        </p:nvSpPr>
+        <p:spPr>
+          <a:xfrm>
+            <a:off x="8270875" y="4727575"/>
+            <a:ext cx="79375" cy="76200"/>
+          </a:xfrm>
+          <a:prstGeom prst="rect">
+            <a:avLst/>
+          </a:prstGeom>
+          <a:ln>
+            <a:noFill/>
+          </a:ln>
+        </p:spPr>
+        <p:style>
+          <a:lnRef idx="2">
+            <a:schemeClr val="accent6"/>
+          </a:lnRef>
+          <a:fillRef idx="1">
+            <a:schemeClr val="lt1"/>
+          </a:fillRef>
+          <a:effectRef idx="0">
+            <a:schemeClr val="accent6"/>
+          </a:effectRef>
+          <a:fontRef idx="minor">
+            <a:schemeClr val="dk1"/>
+          </a:fontRef>
+        </p:style>
+        <p:txBody>
+          <a:bodyPr rtlCol="0" anchor="ctr"/>
+          <a:lstStyle/>
+          <a:p>
+            <a:pPr algn="ctr"/>
+            <a:endParaRPr lang="ru-RU"/>
+          </a:p>
+        </p:txBody>
+      </p:sp>
+      <p:pic>
+        <p:nvPicPr>
+          <p:cNvPr id="34" name="Рисунок 33">
+            <a:extLst>
+              <a:ext uri="{FF2B5EF4-FFF2-40B4-BE49-F238E27FC236}">
+                <a16:creationId xmlns:a16="http://schemas.microsoft.com/office/drawing/2014/main" id="{461FFCF5-D5C1-E245-BA7A-8EA6E0747387}"/>
+              </a:ext>
+            </a:extLst>
+          </p:cNvPr>
+          <p:cNvPicPr>
+            <a:picLocks noChangeAspect="1"/>
+          </p:cNvPicPr>
+          <p:nvPr/>
+        </p:nvPicPr>
+        <p:blipFill>
+          <a:blip r:embed="rId7"/>
+          <a:stretch>
+            <a:fillRect/>
+          </a:stretch>
+        </p:blipFill>
+        <p:spPr>
+          <a:xfrm>
+            <a:off x="9377181" y="4873170"/>
+            <a:ext cx="266940" cy="209365"/>
+          </a:xfrm>
+          <a:prstGeom prst="rect">
+            <a:avLst/>
+          </a:prstGeom>
+        </p:spPr>
+      </p:pic>
+      <p:sp>
+        <p:nvSpPr>
+          <p:cNvPr id="35" name="TextBox 34">
+            <a:extLst>
+              <a:ext uri="{FF2B5EF4-FFF2-40B4-BE49-F238E27FC236}">
+                <a16:creationId xmlns:a16="http://schemas.microsoft.com/office/drawing/2014/main" id="{17996E9D-FD2D-374C-8F10-729C863F52E0}"/>
+              </a:ext>
+            </a:extLst>
+          </p:cNvPr>
+          <p:cNvSpPr txBox="1"/>
+          <p:nvPr/>
+        </p:nvSpPr>
+        <p:spPr>
+          <a:xfrm>
+            <a:off x="7635108" y="4772547"/>
+            <a:ext cx="329721" cy="461665"/>
+          </a:xfrm>
+          <a:prstGeom prst="rect">
+            <a:avLst/>
+          </a:prstGeom>
+          <a:noFill/>
+        </p:spPr>
+        <p:txBody>
+          <a:bodyPr wrap="square" rtlCol="0">
+            <a:spAutoFit/>
+          </a:bodyPr>
+          <a:lstStyle/>
+          <a:p>
+            <a:r>
+              <a:rPr lang="ru-RU" sz="2400" dirty="0">
+                <a:solidFill>
+                  <a:srgbClr val="FF0000"/>
+                </a:solidFill>
+              </a:rPr>
+              <a:t>=</a:t>
+            </a:r>
+          </a:p>
+        </p:txBody>
+      </p:sp>
+      <p:sp>
+        <p:nvSpPr>
+          <p:cNvPr id="36" name="TextBox 35">
+            <a:extLst>
+              <a:ext uri="{FF2B5EF4-FFF2-40B4-BE49-F238E27FC236}">
+                <a16:creationId xmlns:a16="http://schemas.microsoft.com/office/drawing/2014/main" id="{640A07DA-B2BB-364C-98AB-1924CF92BEFF}"/>
+              </a:ext>
+            </a:extLst>
+          </p:cNvPr>
+          <p:cNvSpPr txBox="1"/>
+          <p:nvPr/>
+        </p:nvSpPr>
+        <p:spPr>
+          <a:xfrm>
+            <a:off x="10058400" y="5751887"/>
+            <a:ext cx="861133" cy="307777"/>
+          </a:xfrm>
+          <a:prstGeom prst="rect">
+            <a:avLst/>
+          </a:prstGeom>
+          <a:noFill/>
+        </p:spPr>
+        <p:txBody>
+          <a:bodyPr wrap="none" rtlCol="0">
+            <a:spAutoFit/>
+          </a:bodyPr>
+          <a:lstStyle/>
+          <a:p>
+            <a:r>
+              <a:rPr lang="ru-RU" sz="1400" dirty="0">
+                <a:latin typeface="+mj-lt"/>
+              </a:rPr>
+              <a:t>известна</a:t>
             </a:r>
           </a:p>
         </p:txBody>

--- a/presentation/presentation.pptx
+++ b/presentation/presentation.pptx
@@ -9481,7 +9481,7 @@
         <p:spPr>
           <a:xfrm>
             <a:off x="1635698" y="1536174"/>
-            <a:ext cx="8920603" cy="3785652"/>
+            <a:ext cx="8920603" cy="4154984"/>
           </a:xfrm>
           <a:prstGeom prst="rect">
             <a:avLst/>
@@ -9520,7 +9520,7 @@
               <a:rPr lang="ru-RU" sz="2400" dirty="0">
                 <a:latin typeface="+mj-lt"/>
               </a:rPr>
-              <a:t>коллекции текстовых документов определяет, к каким темам относится каждый документ и какие слова (термины) образуют каждую тему.</a:t>
+              <a:t>коллекции текстовых документов определяет, к каким темам относится каждый документ и какие слова (термины) образуют каждую тему. Темы выделяются автоматически.</a:t>
             </a:r>
           </a:p>
           <a:p>

--- a/presentation/presentation.pptx
+++ b/presentation/presentation.pptx
@@ -6576,7 +6576,7 @@
         <p:spPr>
           <a:xfrm>
             <a:off x="248078" y="234948"/>
-            <a:ext cx="4350871" cy="523220"/>
+            <a:ext cx="5723490" cy="523220"/>
           </a:xfrm>
           <a:prstGeom prst="rect">
             <a:avLst/>
@@ -6592,8 +6592,17 @@
               <a:rPr lang="ru-RU" sz="2800" dirty="0">
                 <a:latin typeface="+mj-lt"/>
               </a:rPr>
-              <a:t>Метрики для модификации</a:t>
-            </a:r>
+              <a:t>Метрики для модификации </a:t>
+            </a:r>
+            <a:r>
+              <a:rPr lang="en-US" sz="2800" dirty="0">
+                <a:latin typeface="+mj-lt"/>
+              </a:rPr>
+              <a:t>sp, st, dp</a:t>
+            </a:r>
+            <a:endParaRPr lang="ru-RU" sz="2800" dirty="0">
+              <a:latin typeface="+mj-lt"/>
+            </a:endParaRPr>
           </a:p>
         </p:txBody>
       </p:sp>
@@ -9924,12 +9933,107 @@
           </a:p>
         </p:txBody>
       </p:sp>
+      <p:sp>
+        <p:nvSpPr>
+          <p:cNvPr id="11" name="Прямоугольник 10">
+            <a:extLst>
+              <a:ext uri="{FF2B5EF4-FFF2-40B4-BE49-F238E27FC236}">
+                <a16:creationId xmlns:a16="http://schemas.microsoft.com/office/drawing/2014/main" id="{5E46BFCD-C744-254B-88DB-E5E6D6722BE8}"/>
+              </a:ext>
+            </a:extLst>
+          </p:cNvPr>
+          <p:cNvSpPr/>
+          <p:nvPr/>
+        </p:nvSpPr>
+        <p:spPr>
+          <a:xfrm>
+            <a:off x="11474005" y="6473428"/>
+            <a:ext cx="619080" cy="369332"/>
+          </a:xfrm>
+          <a:prstGeom prst="rect">
+            <a:avLst/>
+          </a:prstGeom>
+        </p:spPr>
+        <p:txBody>
+          <a:bodyPr wrap="none">
+            <a:spAutoFit/>
+          </a:bodyPr>
+          <a:lstStyle/>
+          <a:p>
+            <a:r>
+              <a:rPr lang="ru-RU" dirty="0">
+                <a:latin typeface="+mj-lt"/>
+              </a:rPr>
+              <a:t>4/</a:t>
+            </a:r>
+            <a:r>
+              <a:rPr lang="en-US" dirty="0">
+                <a:latin typeface="+mj-lt"/>
+              </a:rPr>
+              <a:t>1</a:t>
+            </a:r>
+            <a:r>
+              <a:rPr lang="ru-RU" dirty="0">
+                <a:latin typeface="+mj-lt"/>
+              </a:rPr>
+              <a:t>5</a:t>
+            </a:r>
+          </a:p>
+        </p:txBody>
+      </p:sp>
+      <p:sp>
+        <p:nvSpPr>
+          <p:cNvPr id="5" name="Прямоугольник 4">
+            <a:extLst>
+              <a:ext uri="{FF2B5EF4-FFF2-40B4-BE49-F238E27FC236}">
+                <a16:creationId xmlns:a16="http://schemas.microsoft.com/office/drawing/2014/main" id="{823CA871-E057-DE43-B93C-1F069B4C06F4}"/>
+              </a:ext>
+            </a:extLst>
+          </p:cNvPr>
+          <p:cNvSpPr/>
+          <p:nvPr/>
+        </p:nvSpPr>
+        <p:spPr>
+          <a:xfrm>
+            <a:off x="9988865" y="6473428"/>
+            <a:ext cx="1193370" cy="393115"/>
+          </a:xfrm>
+          <a:prstGeom prst="rect">
+            <a:avLst/>
+          </a:prstGeom>
+          <a:ln>
+            <a:noFill/>
+          </a:ln>
+        </p:spPr>
+        <p:style>
+          <a:lnRef idx="2">
+            <a:schemeClr val="accent6"/>
+          </a:lnRef>
+          <a:fillRef idx="1">
+            <a:schemeClr val="lt1"/>
+          </a:fillRef>
+          <a:effectRef idx="0">
+            <a:schemeClr val="accent6"/>
+          </a:effectRef>
+          <a:fontRef idx="minor">
+            <a:schemeClr val="dk1"/>
+          </a:fontRef>
+        </p:style>
+        <p:txBody>
+          <a:bodyPr rtlCol="0" anchor="ctr"/>
+          <a:lstStyle/>
+          <a:p>
+            <a:pPr algn="ctr"/>
+            <a:endParaRPr lang="ru-RU"/>
+          </a:p>
+        </p:txBody>
+      </p:sp>
       <p:pic>
         <p:nvPicPr>
-          <p:cNvPr id="10" name="Рисунок 9">
-            <a:extLst>
-              <a:ext uri="{FF2B5EF4-FFF2-40B4-BE49-F238E27FC236}">
-                <a16:creationId xmlns:a16="http://schemas.microsoft.com/office/drawing/2014/main" id="{822D39E4-BBC7-F043-A0AA-10041969BB20}"/>
+          <p:cNvPr id="6" name="Рисунок 5">
+            <a:extLst>
+              <a:ext uri="{FF2B5EF4-FFF2-40B4-BE49-F238E27FC236}">
+                <a16:creationId xmlns:a16="http://schemas.microsoft.com/office/drawing/2014/main" id="{064CB357-FADA-EB49-ACE1-2D4D0C229F1F}"/>
               </a:ext>
             </a:extLst>
           </p:cNvPr>
@@ -9946,8 +10050,8 @@
         </p:blipFill>
         <p:spPr>
           <a:xfrm>
-            <a:off x="390105" y="951547"/>
-            <a:ext cx="10500360" cy="5906453"/>
+            <a:off x="390105" y="918908"/>
+            <a:ext cx="10520761" cy="5923852"/>
           </a:xfrm>
           <a:prstGeom prst="rect">
             <a:avLst/>
@@ -9956,10 +10060,10 @@
       </p:pic>
       <p:sp>
         <p:nvSpPr>
-          <p:cNvPr id="11" name="Прямоугольник 10">
-            <a:extLst>
-              <a:ext uri="{FF2B5EF4-FFF2-40B4-BE49-F238E27FC236}">
-                <a16:creationId xmlns:a16="http://schemas.microsoft.com/office/drawing/2014/main" id="{5E46BFCD-C744-254B-88DB-E5E6D6722BE8}"/>
+          <p:cNvPr id="7" name="Прямоугольник 6">
+            <a:extLst>
+              <a:ext uri="{FF2B5EF4-FFF2-40B4-BE49-F238E27FC236}">
+                <a16:creationId xmlns:a16="http://schemas.microsoft.com/office/drawing/2014/main" id="{7B18F454-D439-8345-89C0-5D5082760881}"/>
               </a:ext>
             </a:extLst>
           </p:cNvPr>
@@ -9968,56 +10072,8 @@
         </p:nvSpPr>
         <p:spPr>
           <a:xfrm>
-            <a:off x="11474005" y="6473428"/>
-            <a:ext cx="619080" cy="369332"/>
-          </a:xfrm>
-          <a:prstGeom prst="rect">
-            <a:avLst/>
-          </a:prstGeom>
-        </p:spPr>
-        <p:txBody>
-          <a:bodyPr wrap="none">
-            <a:spAutoFit/>
-          </a:bodyPr>
-          <a:lstStyle/>
-          <a:p>
-            <a:r>
-              <a:rPr lang="ru-RU" dirty="0">
-                <a:latin typeface="+mj-lt"/>
-              </a:rPr>
-              <a:t>4/</a:t>
-            </a:r>
-            <a:r>
-              <a:rPr lang="en-US" dirty="0">
-                <a:latin typeface="+mj-lt"/>
-              </a:rPr>
-              <a:t>1</a:t>
-            </a:r>
-            <a:r>
-              <a:rPr lang="ru-RU" dirty="0">
-                <a:latin typeface="+mj-lt"/>
-              </a:rPr>
-              <a:t>5</a:t>
-            </a:r>
-          </a:p>
-        </p:txBody>
-      </p:sp>
-      <p:sp>
-        <p:nvSpPr>
-          <p:cNvPr id="5" name="Прямоугольник 4">
-            <a:extLst>
-              <a:ext uri="{FF2B5EF4-FFF2-40B4-BE49-F238E27FC236}">
-                <a16:creationId xmlns:a16="http://schemas.microsoft.com/office/drawing/2014/main" id="{823CA871-E057-DE43-B93C-1F069B4C06F4}"/>
-              </a:ext>
-            </a:extLst>
-          </p:cNvPr>
-          <p:cNvSpPr/>
-          <p:nvPr/>
-        </p:nvSpPr>
-        <p:spPr>
-          <a:xfrm>
-            <a:off x="9988865" y="6473428"/>
-            <a:ext cx="1193370" cy="393115"/>
+            <a:off x="10110651" y="6374674"/>
+            <a:ext cx="800215" cy="468086"/>
           </a:xfrm>
           <a:prstGeom prst="rect">
             <a:avLst/>
@@ -10480,6 +10536,53 @@
           </a:p>
         </p:txBody>
       </p:sp>
+      <p:sp>
+        <p:nvSpPr>
+          <p:cNvPr id="6" name="Прямоугольник 5">
+            <a:extLst>
+              <a:ext uri="{FF2B5EF4-FFF2-40B4-BE49-F238E27FC236}">
+                <a16:creationId xmlns:a16="http://schemas.microsoft.com/office/drawing/2014/main" id="{BF5DE645-0087-334D-877D-66D5D271445B}"/>
+              </a:ext>
+            </a:extLst>
+          </p:cNvPr>
+          <p:cNvSpPr/>
+          <p:nvPr/>
+        </p:nvSpPr>
+        <p:spPr>
+          <a:xfrm>
+            <a:off x="4794069" y="6150262"/>
+            <a:ext cx="1828800" cy="323166"/>
+          </a:xfrm>
+          <a:prstGeom prst="rect">
+            <a:avLst/>
+          </a:prstGeom>
+          <a:ln>
+            <a:noFill/>
+          </a:ln>
+        </p:spPr>
+        <p:style>
+          <a:lnRef idx="2">
+            <a:schemeClr val="accent6"/>
+          </a:lnRef>
+          <a:fillRef idx="1">
+            <a:schemeClr val="lt1"/>
+          </a:fillRef>
+          <a:effectRef idx="0">
+            <a:schemeClr val="accent6"/>
+          </a:effectRef>
+          <a:fontRef idx="minor">
+            <a:schemeClr val="dk1"/>
+          </a:fontRef>
+        </p:style>
+        <p:txBody>
+          <a:bodyPr rtlCol="0" anchor="ctr"/>
+          <a:lstStyle/>
+          <a:p>
+            <a:pPr algn="ctr"/>
+            <a:endParaRPr lang="ru-RU"/>
+          </a:p>
+        </p:txBody>
+      </p:sp>
     </p:spTree>
     <p:extLst>
       <p:ext uri="{BB962C8B-B14F-4D97-AF65-F5344CB8AC3E}">
@@ -10773,7 +10876,7 @@
         <p:spPr>
           <a:xfrm>
             <a:off x="381000" y="152068"/>
-            <a:ext cx="6805068" cy="769441"/>
+            <a:ext cx="7394973" cy="769441"/>
           </a:xfrm>
           <a:prstGeom prst="rect">
             <a:avLst/>
@@ -10790,7 +10893,7 @@
               <a:rPr lang="ru-RU" sz="4400" dirty="0">
                 <a:latin typeface="+mj-lt"/>
               </a:rPr>
-              <a:t>Модель порождения текста</a:t>
+              <a:t>Модель представления текста</a:t>
             </a:r>
           </a:p>
         </p:txBody>
@@ -10839,7 +10942,7 @@
         <p:spPr>
           <a:xfrm>
             <a:off x="4233595" y="6378683"/>
-            <a:ext cx="3162917" cy="307777"/>
+            <a:ext cx="3249479" cy="307777"/>
           </a:xfrm>
           <a:prstGeom prst="rect">
             <a:avLst/>
@@ -10854,7 +10957,7 @@
           <a:p>
             <a:r>
               <a:rPr lang="ru-RU" sz="1400" dirty="0"/>
-              <a:t>Иллюстрации из лекций К.В. Воронцов</a:t>
+              <a:t>Иллюстрации из лекций К.В. Воронцова</a:t>
             </a:r>
           </a:p>
         </p:txBody>
@@ -11071,47 +11174,6 @@
           </a:p>
         </p:txBody>
       </p:sp>
-      <p:cxnSp>
-        <p:nvCxnSpPr>
-          <p:cNvPr id="10" name="Прямая со стрелкой 9">
-            <a:extLst>
-              <a:ext uri="{FF2B5EF4-FFF2-40B4-BE49-F238E27FC236}">
-                <a16:creationId xmlns:a16="http://schemas.microsoft.com/office/drawing/2014/main" id="{3F11369B-D849-7248-8DE3-79C91836F5D2}"/>
-              </a:ext>
-            </a:extLst>
-          </p:cNvPr>
-          <p:cNvCxnSpPr>
-            <a:cxnSpLocks/>
-          </p:cNvCxnSpPr>
-          <p:nvPr/>
-        </p:nvCxnSpPr>
-        <p:spPr>
-          <a:xfrm>
-            <a:off x="1203767" y="2538037"/>
-            <a:ext cx="1280708" cy="0"/>
-          </a:xfrm>
-          <a:prstGeom prst="straightConnector1">
-            <a:avLst/>
-          </a:prstGeom>
-          <a:ln>
-            <a:tailEnd type="triangle"/>
-          </a:ln>
-        </p:spPr>
-        <p:style>
-          <a:lnRef idx="1">
-            <a:schemeClr val="accent1"/>
-          </a:lnRef>
-          <a:fillRef idx="0">
-            <a:schemeClr val="accent1"/>
-          </a:fillRef>
-          <a:effectRef idx="0">
-            <a:schemeClr val="accent1"/>
-          </a:effectRef>
-          <a:fontRef idx="minor">
-            <a:schemeClr val="tx1"/>
-          </a:fontRef>
-        </p:style>
-      </p:cxnSp>
       <p:sp>
         <p:nvSpPr>
           <p:cNvPr id="12" name="TextBox 11">

--- a/presentation/presentation.pptx
+++ b/presentation/presentation.pptx
@@ -188,8 +188,7 @@
 	    - Ну линейный не нужно отображать - что-то красиво с ветвлениями
 	    - Не нужна диаграмма классов
 	    - Можно взаимодействие пользователей
-	    - Сказать в чем новизна
-</p:text>
+	    - Сказать в чем новизна</p:text>
     <p:extLst>
       <p:ext uri="{C676402C-5697-4E1C-873F-D02D1690AC5C}">
         <p15:threadingInfo xmlns:p15="http://schemas.microsoft.com/office/powerpoint/2012/main" timeZoneBias="-180"/>
@@ -324,7 +323,7 @@
           <a:p>
             <a:fld id="{1E132C55-E3F4-6542-B237-91F1C34C7B3B}" type="datetimeFigureOut">
               <a:rPr lang="ru-RU" smtClean="0"/>
-              <a:t>11.06.2019</a:t>
+              <a:t>12.06.2019</a:t>
             </a:fld>
             <a:endParaRPr lang="ru-RU"/>
           </a:p>
@@ -738,7 +737,7 @@
           <a:p>
             <a:fld id="{774E5C8E-A791-5141-BFC5-061C00718CFF}" type="datetimeFigureOut">
               <a:rPr lang="ru-RU" smtClean="0"/>
-              <a:t>11.06.2019</a:t>
+              <a:t>12.06.2019</a:t>
             </a:fld>
             <a:endParaRPr lang="ru-RU"/>
           </a:p>
@@ -936,7 +935,7 @@
           <a:p>
             <a:fld id="{774E5C8E-A791-5141-BFC5-061C00718CFF}" type="datetimeFigureOut">
               <a:rPr lang="ru-RU" smtClean="0"/>
-              <a:t>11.06.2019</a:t>
+              <a:t>12.06.2019</a:t>
             </a:fld>
             <a:endParaRPr lang="ru-RU"/>
           </a:p>
@@ -1144,7 +1143,7 @@
           <a:p>
             <a:fld id="{774E5C8E-A791-5141-BFC5-061C00718CFF}" type="datetimeFigureOut">
               <a:rPr lang="ru-RU" smtClean="0"/>
-              <a:t>11.06.2019</a:t>
+              <a:t>12.06.2019</a:t>
             </a:fld>
             <a:endParaRPr lang="ru-RU"/>
           </a:p>
@@ -1342,7 +1341,7 @@
           <a:p>
             <a:fld id="{774E5C8E-A791-5141-BFC5-061C00718CFF}" type="datetimeFigureOut">
               <a:rPr lang="ru-RU" smtClean="0"/>
-              <a:t>11.06.2019</a:t>
+              <a:t>12.06.2019</a:t>
             </a:fld>
             <a:endParaRPr lang="ru-RU"/>
           </a:p>
@@ -1617,7 +1616,7 @@
           <a:p>
             <a:fld id="{774E5C8E-A791-5141-BFC5-061C00718CFF}" type="datetimeFigureOut">
               <a:rPr lang="ru-RU" smtClean="0"/>
-              <a:t>11.06.2019</a:t>
+              <a:t>12.06.2019</a:t>
             </a:fld>
             <a:endParaRPr lang="ru-RU"/>
           </a:p>
@@ -1882,7 +1881,7 @@
           <a:p>
             <a:fld id="{774E5C8E-A791-5141-BFC5-061C00718CFF}" type="datetimeFigureOut">
               <a:rPr lang="ru-RU" smtClean="0"/>
-              <a:t>11.06.2019</a:t>
+              <a:t>12.06.2019</a:t>
             </a:fld>
             <a:endParaRPr lang="ru-RU"/>
           </a:p>
@@ -2294,7 +2293,7 @@
           <a:p>
             <a:fld id="{774E5C8E-A791-5141-BFC5-061C00718CFF}" type="datetimeFigureOut">
               <a:rPr lang="ru-RU" smtClean="0"/>
-              <a:t>11.06.2019</a:t>
+              <a:t>12.06.2019</a:t>
             </a:fld>
             <a:endParaRPr lang="ru-RU"/>
           </a:p>
@@ -2435,7 +2434,7 @@
           <a:p>
             <a:fld id="{774E5C8E-A791-5141-BFC5-061C00718CFF}" type="datetimeFigureOut">
               <a:rPr lang="ru-RU" smtClean="0"/>
-              <a:t>11.06.2019</a:t>
+              <a:t>12.06.2019</a:t>
             </a:fld>
             <a:endParaRPr lang="ru-RU"/>
           </a:p>
@@ -2548,7 +2547,7 @@
           <a:p>
             <a:fld id="{774E5C8E-A791-5141-BFC5-061C00718CFF}" type="datetimeFigureOut">
               <a:rPr lang="ru-RU" smtClean="0"/>
-              <a:t>11.06.2019</a:t>
+              <a:t>12.06.2019</a:t>
             </a:fld>
             <a:endParaRPr lang="ru-RU"/>
           </a:p>
@@ -2859,7 +2858,7 @@
           <a:p>
             <a:fld id="{774E5C8E-A791-5141-BFC5-061C00718CFF}" type="datetimeFigureOut">
               <a:rPr lang="ru-RU" smtClean="0"/>
-              <a:t>11.06.2019</a:t>
+              <a:t>12.06.2019</a:t>
             </a:fld>
             <a:endParaRPr lang="ru-RU"/>
           </a:p>
@@ -3147,7 +3146,7 @@
           <a:p>
             <a:fld id="{774E5C8E-A791-5141-BFC5-061C00718CFF}" type="datetimeFigureOut">
               <a:rPr lang="ru-RU" smtClean="0"/>
-              <a:t>11.06.2019</a:t>
+              <a:t>12.06.2019</a:t>
             </a:fld>
             <a:endParaRPr lang="ru-RU"/>
           </a:p>
@@ -3388,7 +3387,7 @@
           <a:p>
             <a:fld id="{774E5C8E-A791-5141-BFC5-061C00718CFF}" type="datetimeFigureOut">
               <a:rPr lang="ru-RU" smtClean="0"/>
-              <a:t>11.06.2019</a:t>
+              <a:t>12.06.2019</a:t>
             </a:fld>
             <a:endParaRPr lang="ru-RU"/>
           </a:p>
@@ -4016,7 +4015,7 @@
                 <a:latin typeface="+mj-lt"/>
                 <a:cs typeface="Arial" panose="020B0604020202020204" pitchFamily="34" charset="0"/>
               </a:rPr>
-              <a:t>студент группы ИУ7-81</a:t>
+              <a:t>студент группы ИУ7-81Б</a:t>
             </a:r>
             <a:endParaRPr lang="en-US" sz="2000" dirty="0">
               <a:latin typeface="+mj-lt"/>
@@ -4320,7 +4319,7 @@
               <a:rPr lang="ru-RU" sz="2400" dirty="0">
                 <a:latin typeface="+mj-lt"/>
               </a:rPr>
-              <a:t>Для оценки модели была предложена визуализация статистики метрик.</a:t>
+              <a:t>Для оценки модели была использована визуализация статистики метрик.</a:t>
             </a:r>
           </a:p>
         </p:txBody>
@@ -4418,8 +4417,8 @@
           </a:p>
         </p:txBody>
       </p:sp>
-      <mc:AlternateContent xmlns:mc="http://schemas.openxmlformats.org/markup-compatibility/2006">
-        <mc:Choice xmlns:a14="http://schemas.microsoft.com/office/drawing/2010/main" Requires="a14">
+      <mc:AlternateContent xmlns:mc="http://schemas.openxmlformats.org/markup-compatibility/2006" xmlns:a14="http://schemas.microsoft.com/office/drawing/2010/main">
+        <mc:Choice Requires="a14">
           <p:sp>
             <p:nvSpPr>
               <p:cNvPr id="9" name="TextBox 8">
@@ -4477,7 +4476,7 @@
             </p:txBody>
           </p:sp>
         </mc:Choice>
-        <mc:Fallback>
+        <mc:Fallback xmlns="">
           <p:sp>
             <p:nvSpPr>
               <p:cNvPr id="9" name="TextBox 8">
@@ -4522,8 +4521,8 @@
           </p:sp>
         </mc:Fallback>
       </mc:AlternateContent>
-      <mc:AlternateContent xmlns:mc="http://schemas.openxmlformats.org/markup-compatibility/2006">
-        <mc:Choice xmlns:a14="http://schemas.microsoft.com/office/drawing/2010/main" Requires="a14">
+      <mc:AlternateContent xmlns:mc="http://schemas.openxmlformats.org/markup-compatibility/2006" xmlns:a14="http://schemas.microsoft.com/office/drawing/2010/main">
+        <mc:Choice Requires="a14">
           <p:sp>
             <p:nvSpPr>
               <p:cNvPr id="10" name="TextBox 9">
@@ -4581,7 +4580,7 @@
             </p:txBody>
           </p:sp>
         </mc:Choice>
-        <mc:Fallback>
+        <mc:Fallback xmlns="">
           <p:sp>
             <p:nvSpPr>
               <p:cNvPr id="10" name="TextBox 9">
@@ -8791,10 +8790,16 @@
               <a:buChar char="-"/>
             </a:pPr>
             <a:r>
+              <a:rPr lang="ru-RU" sz="2400" b="1" u="sng" dirty="0">
+                <a:latin typeface="+mj-lt"/>
+              </a:rPr>
+              <a:t>Наука</a:t>
+            </a:r>
+            <a:r>
               <a:rPr lang="ru-RU" sz="2400" dirty="0">
                 <a:latin typeface="+mj-lt"/>
               </a:rPr>
-              <a:t>Наука: ученый исследование коллега примерно лаборатория эксперимент изучение анализ изучать метод</a:t>
+              <a:t>: ученый, исследование, коллега, примерно, лаборатория, эксперимент, изучение, анализ, изучать, метод.</a:t>
             </a:r>
           </a:p>
           <a:p>
@@ -8803,10 +8808,40 @@
               <a:buChar char="-"/>
             </a:pPr>
             <a:r>
+              <a:rPr lang="ru-RU" sz="2400" b="1" u="sng" dirty="0">
+                <a:latin typeface="+mj-lt"/>
+              </a:rPr>
+              <a:t>Футбол</a:t>
+            </a:r>
+            <a:r>
               <a:rPr lang="ru-RU" sz="2400" dirty="0">
                 <a:latin typeface="+mj-lt"/>
               </a:rPr>
-              <a:t>Футбол: футбольный футболист зенит спартак динамо цска поле локомотив болельщик забивать</a:t>
+              <a:t>: футбольный, футболист, зенит, </a:t>
+            </a:r>
+            <a:r>
+              <a:rPr lang="ru-RU" sz="2400" dirty="0" err="1">
+                <a:latin typeface="+mj-lt"/>
+              </a:rPr>
+              <a:t>спартак</a:t>
+            </a:r>
+            <a:r>
+              <a:rPr lang="ru-RU" sz="2400" dirty="0">
+                <a:latin typeface="+mj-lt"/>
+              </a:rPr>
+              <a:t>, динамо, </a:t>
+            </a:r>
+            <a:r>
+              <a:rPr lang="ru-RU" sz="2400" dirty="0" err="1">
+                <a:latin typeface="+mj-lt"/>
+              </a:rPr>
+              <a:t>цска</a:t>
+            </a:r>
+            <a:r>
+              <a:rPr lang="ru-RU" sz="2400" dirty="0">
+                <a:latin typeface="+mj-lt"/>
+              </a:rPr>
+              <a:t>, поле, локомотив, болельщик, забивать.</a:t>
             </a:r>
           </a:p>
           <a:p>
@@ -8815,10 +8850,16 @@
               <a:buChar char="-"/>
             </a:pPr>
             <a:r>
+              <a:rPr lang="ru-RU" sz="2400" b="1" u="sng" dirty="0">
+                <a:latin typeface="+mj-lt"/>
+              </a:rPr>
+              <a:t>Литература</a:t>
+            </a:r>
+            <a:r>
               <a:rPr lang="ru-RU" sz="2400" dirty="0">
                 <a:latin typeface="+mj-lt"/>
               </a:rPr>
-              <a:t>Литература: книга автор писатель написать название поэт литература библиотека рождаться литературный</a:t>
+              <a:t>: книга, автор, писатель, написать, название, поэт, литература, библиотека, рождаться, литературный.</a:t>
             </a:r>
           </a:p>
           <a:p>
@@ -8827,10 +8868,16 @@
               <a:buChar char="-"/>
             </a:pPr>
             <a:r>
+              <a:rPr lang="ru-RU" sz="2400" b="1" u="sng" dirty="0">
+                <a:latin typeface="+mj-lt"/>
+              </a:rPr>
+              <a:t>Деньги</a:t>
+            </a:r>
+            <a:r>
               <a:rPr lang="ru-RU" sz="2400" dirty="0">
                 <a:latin typeface="+mj-lt"/>
               </a:rPr>
-              <a:t>Деньги: продажа кредит капитал сделка актив сбербанк доля кредитный банковский прибыль</a:t>
+              <a:t>: продажа, кредит, капитал, сделка, актив, сбербанк, доля, кредитный, банковский, прибыль.</a:t>
             </a:r>
           </a:p>
           <a:p>
@@ -8855,7 +8902,43 @@
               <a:rPr lang="ru-RU" sz="2400" dirty="0">
                 <a:latin typeface="+mj-lt"/>
               </a:rPr>
-              <a:t>подробно памятник письмо наследие охрана спецслужба справка реставрация сноудена запрос</a:t>
+              <a:t>подробно, памятник, письмо, наследие, </a:t>
+            </a:r>
+            <a:r>
+              <a:rPr lang="ru-RU" sz="2400" b="1" dirty="0">
+                <a:latin typeface="+mj-lt"/>
+              </a:rPr>
+              <a:t>охрана</a:t>
+            </a:r>
+            <a:r>
+              <a:rPr lang="ru-RU" sz="2400" dirty="0">
+                <a:latin typeface="+mj-lt"/>
+              </a:rPr>
+              <a:t>, </a:t>
+            </a:r>
+            <a:r>
+              <a:rPr lang="ru-RU" sz="2400" b="1" dirty="0">
+                <a:latin typeface="+mj-lt"/>
+              </a:rPr>
+              <a:t>спецслужба</a:t>
+            </a:r>
+            <a:r>
+              <a:rPr lang="ru-RU" sz="2400" dirty="0">
+                <a:latin typeface="+mj-lt"/>
+              </a:rPr>
+              <a:t>, справка, реставрация, </a:t>
+            </a:r>
+            <a:r>
+              <a:rPr lang="ru-RU" sz="2400" b="1" dirty="0" err="1">
+                <a:latin typeface="+mj-lt"/>
+              </a:rPr>
+              <a:t>сноудена</a:t>
+            </a:r>
+            <a:r>
+              <a:rPr lang="ru-RU" sz="2400" dirty="0">
+                <a:latin typeface="+mj-lt"/>
+              </a:rPr>
+              <a:t>, запрос.</a:t>
             </a:r>
           </a:p>
         </p:txBody>
@@ -8976,8 +9059,8 @@
         </p:nvSpPr>
         <p:spPr>
           <a:xfrm>
-            <a:off x="335666" y="758168"/>
-            <a:ext cx="11138339" cy="5509200"/>
+            <a:off x="335666" y="1288255"/>
+            <a:ext cx="11138339" cy="4524315"/>
           </a:xfrm>
           <a:prstGeom prst="rect">
             <a:avLst/>
@@ -8995,8 +9078,10 @@
               <a:buChar char="•"/>
             </a:pPr>
             <a:r>
-              <a:rPr lang="ru-RU" sz="1600" dirty="0"/>
-              <a:t>При скачивании данных из сети интернет рекомендуется сохранять их в базу данных, если есть такая возможность.</a:t>
+              <a:rPr lang="ru-RU" sz="2400" dirty="0">
+                <a:latin typeface="+mj-lt"/>
+              </a:rPr>
+              <a:t>Процесс обработки данных желательно выстраивать в несколько потоков, при этом необходимо решить проблему с заблокированной базой при одновременном обращении.</a:t>
             </a:r>
           </a:p>
           <a:p>
@@ -9005,8 +9090,10 @@
               <a:buChar char="•"/>
             </a:pPr>
             <a:r>
-              <a:rPr lang="ru-RU" sz="1600" dirty="0"/>
-              <a:t>Процесс обработки данных крайне желательно выстраивать в несколько потоков при этом необходимо решить проблему с заблокированной базой при одновременном обращении.</a:t>
+              <a:rPr lang="ru-RU" sz="2400" dirty="0">
+                <a:latin typeface="+mj-lt"/>
+              </a:rPr>
+              <a:t>При редукции словаря необходимо обрезать минимальное количество слов, чтобы не вырезать ключевые слова.</a:t>
             </a:r>
           </a:p>
           <a:p>
@@ -9015,8 +9102,46 @@
               <a:buChar char="•"/>
             </a:pPr>
             <a:r>
-              <a:rPr lang="ru-RU" sz="1600" dirty="0"/>
-              <a:t>Все процедуры по получению и обработке данных следует организовать в виде независимых сервисов, которые можно останавливать и снова запускать в произвольном порядке без ущерба для данных.</a:t>
+              <a:rPr lang="ru-RU" sz="2400" dirty="0">
+                <a:latin typeface="+mj-lt"/>
+              </a:rPr>
+              <a:t>При обучении модели </a:t>
+            </a:r>
+            <a:r>
+              <a:rPr lang="en-US" sz="2400" dirty="0">
+                <a:latin typeface="+mj-lt"/>
+              </a:rPr>
+              <a:t>ARTM </a:t>
+            </a:r>
+            <a:r>
+              <a:rPr lang="ru-RU" sz="2400" dirty="0">
+                <a:latin typeface="+mj-lt"/>
+              </a:rPr>
+              <a:t>следует сначала пройти по коллекции до того,  как сойдется (перестанет изменяться) </a:t>
+            </a:r>
+            <a:r>
+              <a:rPr lang="ru-RU" sz="2400" dirty="0" err="1">
+                <a:latin typeface="+mj-lt"/>
+              </a:rPr>
+              <a:t>перплексия</a:t>
+            </a:r>
+            <a:r>
+              <a:rPr lang="ru-RU" sz="2400" dirty="0">
+                <a:latin typeface="+mj-lt"/>
+              </a:rPr>
+              <a:t>, и только после этого начать добавлять </a:t>
+            </a:r>
+            <a:r>
+              <a:rPr lang="ru-RU" sz="2400" dirty="0" err="1">
+                <a:latin typeface="+mj-lt"/>
+              </a:rPr>
+              <a:t>регуляризаторы</a:t>
+            </a:r>
+            <a:r>
+              <a:rPr lang="ru-RU" sz="2400" dirty="0">
+                <a:latin typeface="+mj-lt"/>
+              </a:rPr>
+              <a:t> по одному.</a:t>
             </a:r>
           </a:p>
           <a:p>
@@ -9025,8 +9150,16 @@
               <a:buChar char="•"/>
             </a:pPr>
             <a:r>
-              <a:rPr lang="ru-RU" sz="1600" dirty="0"/>
-              <a:t>Массивы данных, взятые из интернета не так сложно получить самостоятельно. Часто это лучший путь. Данные будут чище и, возможно, будет возможность использовать что-то, чего нет у других.</a:t>
+              <a:rPr lang="ru-RU" sz="2400" dirty="0" err="1">
+                <a:latin typeface="+mj-lt"/>
+              </a:rPr>
+              <a:t>Регуляризаторы</a:t>
+            </a:r>
+            <a:r>
+              <a:rPr lang="ru-RU" sz="2400" dirty="0">
+                <a:latin typeface="+mj-lt"/>
+              </a:rPr>
+              <a:t> стоит добавлять по одному. После чего продолжать обучение, пока модель не сойдется.</a:t>
             </a:r>
           </a:p>
           <a:p>
@@ -9035,85 +9168,9 @@
               <a:buChar char="•"/>
             </a:pPr>
             <a:r>
-              <a:rPr lang="ru-RU" sz="1600" dirty="0"/>
-              <a:t>Стоит отделить процедуру подготовки коллекции для обучения и процедуру предварительной подготовки каждого документа по отдельности.</a:t>
-            </a:r>
-          </a:p>
-          <a:p>
-            <a:pPr marL="285750" indent="-285750">
-              <a:buFont typeface="Arial" panose="020B0604020202020204" pitchFamily="34" charset="0"/>
-              <a:buChar char="•"/>
-            </a:pPr>
-            <a:r>
-              <a:rPr lang="ru-RU" sz="1600" dirty="0"/>
-              <a:t>Следует хранить дату обработки текста, что бы при изменении в процедуре обработки можно было перезапустить процесс на старых записях, а не на всей базе данных.</a:t>
-            </a:r>
-          </a:p>
-          <a:p>
-            <a:pPr marL="285750" indent="-285750">
-              <a:buFont typeface="Arial" panose="020B0604020202020204" pitchFamily="34" charset="0"/>
-              <a:buChar char="•"/>
-            </a:pPr>
-            <a:r>
-              <a:rPr lang="ru-RU" sz="1600" dirty="0"/>
-              <a:t>Необходимо максимально аккуратно обрезать словарь. Вместе с часто используемыми словами легко отфильтровать ценные для модели данные.</a:t>
-            </a:r>
-          </a:p>
-          <a:p>
-            <a:pPr marL="285750" indent="-285750">
-              <a:buFont typeface="Arial" panose="020B0604020202020204" pitchFamily="34" charset="0"/>
-              <a:buChar char="•"/>
-            </a:pPr>
-            <a:r>
-              <a:rPr lang="ru-RU" sz="1600" dirty="0"/>
-              <a:t>При обучении модели </a:t>
-            </a:r>
-            <a:r>
-              <a:rPr lang="en-US" sz="1600" dirty="0"/>
-              <a:t>ARTM </a:t>
-            </a:r>
-            <a:r>
-              <a:rPr lang="ru-RU" sz="1600" dirty="0"/>
-              <a:t>следует сначала пройти по коллекции до того как сойдется (перестанет изменяться) перплексия, и только после этого начать добавлять регуляризаторы.</a:t>
-            </a:r>
-          </a:p>
-          <a:p>
-            <a:pPr marL="285750" indent="-285750">
-              <a:buFont typeface="Arial" panose="020B0604020202020204" pitchFamily="34" charset="0"/>
-              <a:buChar char="•"/>
-            </a:pPr>
-            <a:r>
-              <a:rPr lang="ru-RU" sz="1600" dirty="0"/>
-              <a:t>Регуляризаторы стоит добавлять по одному. После чего продолжать обучение пока модель не сойдется.</a:t>
-            </a:r>
-          </a:p>
-          <a:p>
-            <a:pPr marL="285750" indent="-285750">
-              <a:buFont typeface="Arial" panose="020B0604020202020204" pitchFamily="34" charset="0"/>
-              <a:buChar char="•"/>
-            </a:pPr>
-            <a:r>
-              <a:rPr lang="ru-RU" sz="1600" dirty="0"/>
-              <a:t>Коэффициенты при регуляризаторах стоит сначала выбирать небольшими по модулю, постепенно увеличивая их значение.</a:t>
-            </a:r>
-          </a:p>
-          <a:p>
-            <a:pPr marL="285750" indent="-285750">
-              <a:buFont typeface="Arial" panose="020B0604020202020204" pitchFamily="34" charset="0"/>
-              <a:buChar char="•"/>
-            </a:pPr>
-            <a:r>
-              <a:rPr lang="ru-RU" sz="1600" dirty="0"/>
-              <a:t>Количество тем в рассмотренном примере задавалось исследователем, но стоит попробовать указывать избыточное количество тем и уменьшать их еще одним не рассмотренным в данной работе регуляризатором.</a:t>
-            </a:r>
-          </a:p>
-          <a:p>
-            <a:pPr marL="285750" indent="-285750">
-              <a:buFont typeface="Arial" panose="020B0604020202020204" pitchFamily="34" charset="0"/>
-              <a:buChar char="•"/>
-            </a:pPr>
-            <a:r>
-              <a:rPr lang="ru-RU" sz="1600" dirty="0"/>
+              <a:rPr lang="ru-RU" sz="2400" dirty="0">
+                <a:latin typeface="+mj-lt"/>
+              </a:rPr>
               <a:t>Если у темы слишком большой размер по сравнению с другими темами – необходимо проверить ее на фоновые слова, характерные для любой темы.</a:t>
             </a:r>
           </a:p>
@@ -9273,7 +9330,7 @@
               <a:rPr lang="ru-RU" sz="2400" dirty="0">
                 <a:latin typeface="+mj-lt"/>
               </a:rPr>
-              <a:t>разработан программный продукт для сбора новостей на русском языке;</a:t>
+              <a:t>разработан программный продукт для сбора новостей на русском языке и подготовки данных в виде отдельных сервисов;</a:t>
             </a:r>
           </a:p>
           <a:p>
@@ -9285,19 +9342,7 @@
               <a:rPr lang="ru-RU" sz="2400" dirty="0">
                 <a:latin typeface="+mj-lt"/>
               </a:rPr>
-              <a:t>разработан программный продукт для подготовки данных для последующего анализа;</a:t>
-            </a:r>
-          </a:p>
-          <a:p>
-            <a:pPr marL="285750" indent="-285750">
-              <a:buFont typeface="Arial" panose="020B0604020202020204" pitchFamily="34" charset="0"/>
-              <a:buChar char="•"/>
-            </a:pPr>
-            <a:r>
-              <a:rPr lang="ru-RU" sz="2400" dirty="0">
-                <a:latin typeface="+mj-lt"/>
-              </a:rPr>
-              <a:t>обучена модель;</a:t>
+              <a:t>обучена тематическая модели для новостных текстов;</a:t>
             </a:r>
           </a:p>
           <a:p>
@@ -9490,7 +9535,7 @@
         <p:spPr>
           <a:xfrm>
             <a:off x="1635698" y="1536174"/>
-            <a:ext cx="8920603" cy="4154984"/>
+            <a:ext cx="8920603" cy="3785652"/>
           </a:xfrm>
           <a:prstGeom prst="rect">
             <a:avLst/>
@@ -9529,7 +9574,7 @@
               <a:rPr lang="ru-RU" sz="2400" dirty="0">
                 <a:latin typeface="+mj-lt"/>
               </a:rPr>
-              <a:t>коллекции текстовых документов определяет, к каким темам относится каждый документ и какие слова (термины) образуют каждую тему. Темы выделяются автоматически.</a:t>
+              <a:t>коллекции текстовых документов определяет к каким темам относится каждый документ и какие слова (термины) образуют каждую тему.</a:t>
             </a:r>
           </a:p>
           <a:p>
@@ -9650,7 +9695,7 @@
         <p:spPr>
           <a:xfrm>
             <a:off x="595423" y="2151394"/>
-            <a:ext cx="11001154" cy="5139869"/>
+            <a:ext cx="11001154" cy="4770537"/>
           </a:xfrm>
           <a:prstGeom prst="rect">
             <a:avLst/>
@@ -9699,7 +9744,7 @@
               <a:rPr lang="ru-RU" sz="2400" dirty="0">
                 <a:latin typeface="+mj-lt"/>
               </a:rPr>
-              <a:t>разработка программного продукта для сбора новостей на русском языке;</a:t>
+              <a:t>разработка программного продукта для сбора новостей на русском языке и подготовки данных в виде отдельных сервисов;</a:t>
             </a:r>
           </a:p>
           <a:p>
@@ -9711,19 +9756,7 @@
               <a:rPr lang="ru-RU" sz="2400" dirty="0">
                 <a:latin typeface="+mj-lt"/>
               </a:rPr>
-              <a:t>разработка программного продукта для подготовки данных для последующего анализа; </a:t>
-            </a:r>
-          </a:p>
-          <a:p>
-            <a:pPr marL="342900" indent="-342900">
-              <a:buFont typeface="Arial" panose="020B0604020202020204" pitchFamily="34" charset="0"/>
-              <a:buChar char="•"/>
-            </a:pPr>
-            <a:r>
-              <a:rPr lang="ru-RU" sz="2400" dirty="0">
-                <a:latin typeface="+mj-lt"/>
-              </a:rPr>
-              <a:t>обучение тематической модели;</a:t>
+              <a:t>обучение тематической модели для новостных текстов;</a:t>
             </a:r>
           </a:p>
           <a:p>
@@ -9912,7 +9945,7 @@
         <p:spPr>
           <a:xfrm>
             <a:off x="390105" y="173563"/>
-            <a:ext cx="9379491" cy="769441"/>
+            <a:ext cx="10761279" cy="769441"/>
           </a:xfrm>
           <a:prstGeom prst="rect">
             <a:avLst/>
@@ -9928,7 +9961,7 @@
               <a:rPr lang="ru-RU" sz="4400" dirty="0">
                 <a:latin typeface="+mj-lt"/>
               </a:rPr>
-              <a:t>Задачи тематического моделирования</a:t>
+              <a:t>Применение тематического моделирования</a:t>
             </a:r>
           </a:p>
         </p:txBody>
@@ -10459,36 +10492,6 @@
           </a:p>
         </p:txBody>
       </p:sp>
-      <p:pic>
-        <p:nvPicPr>
-          <p:cNvPr id="3" name="Рисунок 2">
-            <a:extLst>
-              <a:ext uri="{FF2B5EF4-FFF2-40B4-BE49-F238E27FC236}">
-                <a16:creationId xmlns:a16="http://schemas.microsoft.com/office/drawing/2014/main" id="{ABECACA5-6A57-294B-AECF-D4BDFF72F537}"/>
-              </a:ext>
-            </a:extLst>
-          </p:cNvPr>
-          <p:cNvPicPr>
-            <a:picLocks noChangeAspect="1"/>
-          </p:cNvPicPr>
-          <p:nvPr/>
-        </p:nvPicPr>
-        <p:blipFill>
-          <a:blip r:embed="rId2"/>
-          <a:stretch>
-            <a:fillRect/>
-          </a:stretch>
-        </p:blipFill>
-        <p:spPr>
-          <a:xfrm>
-            <a:off x="481026" y="888055"/>
-            <a:ext cx="10536379" cy="5928195"/>
-          </a:xfrm>
-          <a:prstGeom prst="rect">
-            <a:avLst/>
-          </a:prstGeom>
-        </p:spPr>
-      </p:pic>
       <p:sp>
         <p:nvSpPr>
           <p:cNvPr id="5" name="Прямоугольник 4">
@@ -10572,6 +10575,90 @@
           </a:effectRef>
           <a:fontRef idx="minor">
             <a:schemeClr val="dk1"/>
+          </a:fontRef>
+        </p:style>
+        <p:txBody>
+          <a:bodyPr rtlCol="0" anchor="ctr"/>
+          <a:lstStyle/>
+          <a:p>
+            <a:pPr algn="ctr"/>
+            <a:endParaRPr lang="ru-RU"/>
+          </a:p>
+        </p:txBody>
+      </p:sp>
+      <p:pic>
+        <p:nvPicPr>
+          <p:cNvPr id="4" name="Рисунок 3" descr="Изображение выглядит как снимок экрана&#10;&#10;Автоматически созданное описание">
+            <a:extLst>
+              <a:ext uri="{FF2B5EF4-FFF2-40B4-BE49-F238E27FC236}">
+                <a16:creationId xmlns:a16="http://schemas.microsoft.com/office/drawing/2014/main" id="{4DE809BB-ECEE-4BAD-8A6B-3D2B63364F9F}"/>
+              </a:ext>
+            </a:extLst>
+          </p:cNvPr>
+          <p:cNvPicPr>
+            <a:picLocks noChangeAspect="1"/>
+          </p:cNvPicPr>
+          <p:nvPr/>
+        </p:nvPicPr>
+        <p:blipFill>
+          <a:blip r:embed="rId2"/>
+          <a:stretch>
+            <a:fillRect/>
+          </a:stretch>
+        </p:blipFill>
+        <p:spPr>
+          <a:xfrm>
+            <a:off x="502619" y="1153298"/>
+            <a:ext cx="10813774" cy="5386892"/>
+          </a:xfrm>
+          <a:prstGeom prst="rect">
+            <a:avLst/>
+          </a:prstGeom>
+        </p:spPr>
+      </p:pic>
+      <p:sp>
+        <p:nvSpPr>
+          <p:cNvPr id="10" name="Прямоугольник 9">
+            <a:extLst>
+              <a:ext uri="{FF2B5EF4-FFF2-40B4-BE49-F238E27FC236}">
+                <a16:creationId xmlns:a16="http://schemas.microsoft.com/office/drawing/2014/main" id="{C7D33B58-2474-4356-81E2-7DA6501168D0}"/>
+              </a:ext>
+            </a:extLst>
+          </p:cNvPr>
+          <p:cNvSpPr/>
+          <p:nvPr/>
+        </p:nvSpPr>
+        <p:spPr>
+          <a:xfrm>
+            <a:off x="10588487" y="6016487"/>
+            <a:ext cx="655723" cy="523703"/>
+          </a:xfrm>
+          <a:prstGeom prst="rect">
+            <a:avLst/>
+          </a:prstGeom>
+          <a:solidFill>
+            <a:schemeClr val="bg1"/>
+          </a:solidFill>
+          <a:ln>
+            <a:solidFill>
+              <a:schemeClr val="bg1"/>
+            </a:solidFill>
+          </a:ln>
+        </p:spPr>
+        <p:style>
+          <a:lnRef idx="2">
+            <a:schemeClr val="accent1">
+              <a:shade val="50000"/>
+            </a:schemeClr>
+          </a:lnRef>
+          <a:fillRef idx="1">
+            <a:schemeClr val="accent1"/>
+          </a:fillRef>
+          <a:effectRef idx="0">
+            <a:schemeClr val="accent1"/>
+          </a:effectRef>
+          <a:fontRef idx="minor">
+            <a:schemeClr val="lt1"/>
           </a:fontRef>
         </p:style>
         <p:txBody>
@@ -11220,8 +11307,8 @@
           </a:p>
         </p:txBody>
       </p:sp>
-      <mc:AlternateContent xmlns:mc="http://schemas.openxmlformats.org/markup-compatibility/2006">
-        <mc:Choice xmlns:a14="http://schemas.microsoft.com/office/drawing/2010/main" Requires="a14">
+      <mc:AlternateContent xmlns:mc="http://schemas.openxmlformats.org/markup-compatibility/2006" xmlns:a14="http://schemas.microsoft.com/office/drawing/2010/main">
+        <mc:Choice Requires="a14">
           <p:sp>
             <p:nvSpPr>
               <p:cNvPr id="28" name="TextBox 27">
@@ -11322,7 +11409,7 @@
             </p:txBody>
           </p:sp>
         </mc:Choice>
-        <mc:Fallback>
+        <mc:Fallback xmlns="">
           <p:sp>
             <p:nvSpPr>
               <p:cNvPr id="28" name="TextBox 27">
@@ -12090,8 +12177,8 @@
           </a:p>
         </p:txBody>
       </p:sp>
-      <mc:AlternateContent xmlns:mc="http://schemas.openxmlformats.org/markup-compatibility/2006">
-        <mc:Choice xmlns:a14="http://schemas.microsoft.com/office/drawing/2010/main" Requires="a14">
+      <mc:AlternateContent xmlns:mc="http://schemas.openxmlformats.org/markup-compatibility/2006" xmlns:a14="http://schemas.microsoft.com/office/drawing/2010/main">
+        <mc:Choice Requires="a14">
           <p:sp>
             <p:nvSpPr>
               <p:cNvPr id="18" name="TextBox 17">
@@ -12156,7 +12243,7 @@
             </p:txBody>
           </p:sp>
         </mc:Choice>
-        <mc:Fallback>
+        <mc:Fallback xmlns="">
           <p:sp>
             <p:nvSpPr>
               <p:cNvPr id="18" name="TextBox 17">
@@ -12201,8 +12288,8 @@
           </p:sp>
         </mc:Fallback>
       </mc:AlternateContent>
-      <mc:AlternateContent xmlns:mc="http://schemas.openxmlformats.org/markup-compatibility/2006">
-        <mc:Choice xmlns:a14="http://schemas.microsoft.com/office/drawing/2010/main" Requires="a14">
+      <mc:AlternateContent xmlns:mc="http://schemas.openxmlformats.org/markup-compatibility/2006" xmlns:a14="http://schemas.microsoft.com/office/drawing/2010/main">
+        <mc:Choice Requires="a14">
           <p:sp>
             <p:nvSpPr>
               <p:cNvPr id="19" name="TextBox 18">
@@ -12267,7 +12354,7 @@
             </p:txBody>
           </p:sp>
         </mc:Choice>
-        <mc:Fallback>
+        <mc:Fallback xmlns="">
           <p:sp>
             <p:nvSpPr>
               <p:cNvPr id="19" name="TextBox 18">
